--- a/models/UI.pptx
+++ b/models/UI.pptx
@@ -108,6 +108,11 @@
       </a:defRPr>
     </a:lvl9pPr>
   </p:defaultTextStyle>
+  <p:extLst>
+    <p:ext uri="{EFAFB233-063F-42B5-8137-9DF3F51BA10A}">
+      <p15:sldGuideLst xmlns:p15="http://schemas.microsoft.com/office/powerpoint/2012/main"/>
+    </p:ext>
+  </p:extLst>
 </p:presentation>
 </file>
 
@@ -258,7 +263,7 @@
           <a:p>
             <a:fld id="{C0D971C9-DB7B-45E2-859A-01875D4D6A0E}" type="datetimeFigureOut">
               <a:rPr kumimoji="1" lang="ja-JP" altLang="en-US" smtClean="0"/>
-              <a:t>2024/12/3</a:t>
+              <a:t>2024/12/4</a:t>
             </a:fld>
             <a:endParaRPr kumimoji="1" lang="ja-JP" altLang="en-US"/>
           </a:p>
@@ -488,7 +493,7 @@
           <a:p>
             <a:fld id="{C0D971C9-DB7B-45E2-859A-01875D4D6A0E}" type="datetimeFigureOut">
               <a:rPr kumimoji="1" lang="ja-JP" altLang="en-US" smtClean="0"/>
-              <a:t>2024/12/3</a:t>
+              <a:t>2024/12/4</a:t>
             </a:fld>
             <a:endParaRPr kumimoji="1" lang="ja-JP" altLang="en-US"/>
           </a:p>
@@ -728,7 +733,7 @@
           <a:p>
             <a:fld id="{C0D971C9-DB7B-45E2-859A-01875D4D6A0E}" type="datetimeFigureOut">
               <a:rPr kumimoji="1" lang="ja-JP" altLang="en-US" smtClean="0"/>
-              <a:t>2024/12/3</a:t>
+              <a:t>2024/12/4</a:t>
             </a:fld>
             <a:endParaRPr kumimoji="1" lang="ja-JP" altLang="en-US"/>
           </a:p>
@@ -958,7 +963,7 @@
           <a:p>
             <a:fld id="{C0D971C9-DB7B-45E2-859A-01875D4D6A0E}" type="datetimeFigureOut">
               <a:rPr kumimoji="1" lang="ja-JP" altLang="en-US" smtClean="0"/>
-              <a:t>2024/12/3</a:t>
+              <a:t>2024/12/4</a:t>
             </a:fld>
             <a:endParaRPr kumimoji="1" lang="ja-JP" altLang="en-US"/>
           </a:p>
@@ -1233,7 +1238,7 @@
           <a:p>
             <a:fld id="{C0D971C9-DB7B-45E2-859A-01875D4D6A0E}" type="datetimeFigureOut">
               <a:rPr kumimoji="1" lang="ja-JP" altLang="en-US" smtClean="0"/>
-              <a:t>2024/12/3</a:t>
+              <a:t>2024/12/4</a:t>
             </a:fld>
             <a:endParaRPr kumimoji="1" lang="ja-JP" altLang="en-US"/>
           </a:p>
@@ -1562,7 +1567,7 @@
           <a:p>
             <a:fld id="{C0D971C9-DB7B-45E2-859A-01875D4D6A0E}" type="datetimeFigureOut">
               <a:rPr kumimoji="1" lang="ja-JP" altLang="en-US" smtClean="0"/>
-              <a:t>2024/12/3</a:t>
+              <a:t>2024/12/4</a:t>
             </a:fld>
             <a:endParaRPr kumimoji="1" lang="ja-JP" altLang="en-US"/>
           </a:p>
@@ -2038,7 +2043,7 @@
           <a:p>
             <a:fld id="{C0D971C9-DB7B-45E2-859A-01875D4D6A0E}" type="datetimeFigureOut">
               <a:rPr kumimoji="1" lang="ja-JP" altLang="en-US" smtClean="0"/>
-              <a:t>2024/12/3</a:t>
+              <a:t>2024/12/4</a:t>
             </a:fld>
             <a:endParaRPr kumimoji="1" lang="ja-JP" altLang="en-US"/>
           </a:p>
@@ -2179,7 +2184,7 @@
           <a:p>
             <a:fld id="{C0D971C9-DB7B-45E2-859A-01875D4D6A0E}" type="datetimeFigureOut">
               <a:rPr kumimoji="1" lang="ja-JP" altLang="en-US" smtClean="0"/>
-              <a:t>2024/12/3</a:t>
+              <a:t>2024/12/4</a:t>
             </a:fld>
             <a:endParaRPr kumimoji="1" lang="ja-JP" altLang="en-US"/>
           </a:p>
@@ -2292,7 +2297,7 @@
           <a:p>
             <a:fld id="{C0D971C9-DB7B-45E2-859A-01875D4D6A0E}" type="datetimeFigureOut">
               <a:rPr kumimoji="1" lang="ja-JP" altLang="en-US" smtClean="0"/>
-              <a:t>2024/12/3</a:t>
+              <a:t>2024/12/4</a:t>
             </a:fld>
             <a:endParaRPr kumimoji="1" lang="ja-JP" altLang="en-US"/>
           </a:p>
@@ -2635,7 +2640,7 @@
           <a:p>
             <a:fld id="{C0D971C9-DB7B-45E2-859A-01875D4D6A0E}" type="datetimeFigureOut">
               <a:rPr kumimoji="1" lang="ja-JP" altLang="en-US" smtClean="0"/>
-              <a:t>2024/12/3</a:t>
+              <a:t>2024/12/4</a:t>
             </a:fld>
             <a:endParaRPr kumimoji="1" lang="ja-JP" altLang="en-US"/>
           </a:p>
@@ -2923,7 +2928,7 @@
           <a:p>
             <a:fld id="{C0D971C9-DB7B-45E2-859A-01875D4D6A0E}" type="datetimeFigureOut">
               <a:rPr kumimoji="1" lang="ja-JP" altLang="en-US" smtClean="0"/>
-              <a:t>2024/12/3</a:t>
+              <a:t>2024/12/4</a:t>
             </a:fld>
             <a:endParaRPr kumimoji="1" lang="ja-JP" altLang="en-US"/>
           </a:p>
@@ -3196,7 +3201,7 @@
           <a:p>
             <a:fld id="{C0D971C9-DB7B-45E2-859A-01875D4D6A0E}" type="datetimeFigureOut">
               <a:rPr kumimoji="1" lang="ja-JP" altLang="en-US" smtClean="0"/>
-              <a:t>2024/12/3</a:t>
+              <a:t>2024/12/4</a:t>
             </a:fld>
             <a:endParaRPr kumimoji="1" lang="ja-JP" altLang="en-US"/>
           </a:p>
@@ -4412,99 +4417,6 @@
               <a:t>sightseeing</a:t>
             </a:r>
             <a:endParaRPr kumimoji="1" lang="ja-JP" altLang="en-US" dirty="0"/>
-          </a:p>
-        </p:txBody>
-      </p:sp>
-      <p:sp>
-        <p:nvSpPr>
-          <p:cNvPr id="25" name="正方形/長方形 24">
-            <a:extLst>
-              <a:ext uri="{FF2B5EF4-FFF2-40B4-BE49-F238E27FC236}">
-                <a16:creationId xmlns:a16="http://schemas.microsoft.com/office/drawing/2014/main" id="{FC05A40A-F332-9744-F890-701EE94C8878}"/>
-              </a:ext>
-            </a:extLst>
-          </p:cNvPr>
-          <p:cNvSpPr/>
-          <p:nvPr/>
-        </p:nvSpPr>
-        <p:spPr>
-          <a:xfrm>
-            <a:off x="1944861" y="954464"/>
-            <a:ext cx="1163540" cy="292359"/>
-          </a:xfrm>
-          <a:prstGeom prst="rect">
-            <a:avLst/>
-          </a:prstGeom>
-        </p:spPr>
-        <p:style>
-          <a:lnRef idx="2">
-            <a:schemeClr val="dk1"/>
-          </a:lnRef>
-          <a:fillRef idx="1">
-            <a:schemeClr val="lt1"/>
-          </a:fillRef>
-          <a:effectRef idx="0">
-            <a:schemeClr val="dk1"/>
-          </a:effectRef>
-          <a:fontRef idx="minor">
-            <a:schemeClr val="dk1"/>
-          </a:fontRef>
-        </p:style>
-        <p:txBody>
-          <a:bodyPr rtlCol="0" anchor="ctr"/>
-          <a:lstStyle/>
-          <a:p>
-            <a:pPr algn="ctr"/>
-            <a:r>
-              <a:rPr kumimoji="1" lang="en-US" altLang="ja-JP" dirty="0"/>
-              <a:t>world</a:t>
-            </a:r>
-            <a:endParaRPr kumimoji="1" lang="ja-JP" altLang="en-US" dirty="0"/>
-          </a:p>
-        </p:txBody>
-      </p:sp>
-      <p:sp>
-        <p:nvSpPr>
-          <p:cNvPr id="26" name="動作設定ボタン: 戻る/前へ 25">
-            <a:hlinkClick r:id="" action="ppaction://hlinkshowjump?jump=previousslide" highlightClick="1"/>
-            <a:extLst>
-              <a:ext uri="{FF2B5EF4-FFF2-40B4-BE49-F238E27FC236}">
-                <a16:creationId xmlns:a16="http://schemas.microsoft.com/office/drawing/2014/main" id="{D666A179-F29A-DE2A-1EBD-56A268BE33F3}"/>
-              </a:ext>
-            </a:extLst>
-          </p:cNvPr>
-          <p:cNvSpPr/>
-          <p:nvPr/>
-        </p:nvSpPr>
-        <p:spPr>
-          <a:xfrm rot="16200000">
-            <a:off x="3028030" y="1003030"/>
-            <a:ext cx="365145" cy="204403"/>
-          </a:xfrm>
-          <a:prstGeom prst="actionButtonBackPrevious">
-            <a:avLst/>
-          </a:prstGeom>
-        </p:spPr>
-        <p:style>
-          <a:lnRef idx="2">
-            <a:schemeClr val="dk1"/>
-          </a:lnRef>
-          <a:fillRef idx="1">
-            <a:schemeClr val="lt1"/>
-          </a:fillRef>
-          <a:effectRef idx="0">
-            <a:schemeClr val="dk1"/>
-          </a:effectRef>
-          <a:fontRef idx="minor">
-            <a:schemeClr val="dk1"/>
-          </a:fontRef>
-        </p:style>
-        <p:txBody>
-          <a:bodyPr rtlCol="0" anchor="ctr"/>
-          <a:lstStyle/>
-          <a:p>
-            <a:pPr algn="ctr"/>
-            <a:endParaRPr kumimoji="1" lang="ja-JP" altLang="en-US"/>
           </a:p>
         </p:txBody>
       </p:sp>
@@ -5669,6 +5581,219 @@
           </a:p>
         </p:txBody>
       </p:sp>
+      <p:sp>
+        <p:nvSpPr>
+          <p:cNvPr id="2" name="テキスト ボックス 1">
+            <a:extLst>
+              <a:ext uri="{FF2B5EF4-FFF2-40B4-BE49-F238E27FC236}">
+                <a16:creationId xmlns:a16="http://schemas.microsoft.com/office/drawing/2014/main" id="{2A3403CF-5036-DFE5-EBBF-3E3C42E77D27}"/>
+              </a:ext>
+            </a:extLst>
+          </p:cNvPr>
+          <p:cNvSpPr txBox="1"/>
+          <p:nvPr/>
+        </p:nvSpPr>
+        <p:spPr>
+          <a:xfrm>
+            <a:off x="1221955" y="3813854"/>
+            <a:ext cx="1445812" cy="369332"/>
+          </a:xfrm>
+          <a:prstGeom prst="rect">
+            <a:avLst/>
+          </a:prstGeom>
+          <a:noFill/>
+        </p:spPr>
+        <p:txBody>
+          <a:bodyPr wrap="square" rtlCol="0">
+            <a:spAutoFit/>
+          </a:bodyPr>
+          <a:lstStyle/>
+          <a:p>
+            <a:r>
+              <a:rPr kumimoji="1" lang="en-US" altLang="ja-JP" dirty="0"/>
+              <a:t>XX</a:t>
+            </a:r>
+            <a:r>
+              <a:rPr lang="ja-JP" altLang="en-US" dirty="0"/>
+              <a:t>日</a:t>
+            </a:r>
+            <a:endParaRPr kumimoji="1" lang="ja-JP" altLang="en-US" dirty="0"/>
+          </a:p>
+        </p:txBody>
+      </p:sp>
+      <p:sp>
+        <p:nvSpPr>
+          <p:cNvPr id="3" name="正方形/長方形 2">
+            <a:extLst>
+              <a:ext uri="{FF2B5EF4-FFF2-40B4-BE49-F238E27FC236}">
+                <a16:creationId xmlns:a16="http://schemas.microsoft.com/office/drawing/2014/main" id="{C692E83D-483C-197C-956F-DEC5542C8830}"/>
+              </a:ext>
+            </a:extLst>
+          </p:cNvPr>
+          <p:cNvSpPr/>
+          <p:nvPr/>
+        </p:nvSpPr>
+        <p:spPr>
+          <a:xfrm>
+            <a:off x="1958657" y="1256418"/>
+            <a:ext cx="1163540" cy="292359"/>
+          </a:xfrm>
+          <a:prstGeom prst="rect">
+            <a:avLst/>
+          </a:prstGeom>
+        </p:spPr>
+        <p:style>
+          <a:lnRef idx="2">
+            <a:schemeClr val="dk1"/>
+          </a:lnRef>
+          <a:fillRef idx="1">
+            <a:schemeClr val="lt1"/>
+          </a:fillRef>
+          <a:effectRef idx="0">
+            <a:schemeClr val="dk1"/>
+          </a:effectRef>
+          <a:fontRef idx="minor">
+            <a:schemeClr val="dk1"/>
+          </a:fontRef>
+        </p:style>
+        <p:txBody>
+          <a:bodyPr rtlCol="0" anchor="ctr"/>
+          <a:lstStyle/>
+          <a:p>
+            <a:pPr algn="ctr"/>
+            <a:r>
+              <a:rPr lang="en-US" altLang="ja-JP" dirty="0"/>
+              <a:t>Japan</a:t>
+            </a:r>
+            <a:endParaRPr kumimoji="1" lang="ja-JP" altLang="en-US" dirty="0"/>
+          </a:p>
+        </p:txBody>
+      </p:sp>
+      <p:sp>
+        <p:nvSpPr>
+          <p:cNvPr id="9" name="動作設定ボタン: 戻る/前へ 8">
+            <a:hlinkClick r:id="" action="ppaction://hlinkshowjump?jump=previousslide" highlightClick="1"/>
+            <a:extLst>
+              <a:ext uri="{FF2B5EF4-FFF2-40B4-BE49-F238E27FC236}">
+                <a16:creationId xmlns:a16="http://schemas.microsoft.com/office/drawing/2014/main" id="{DA03C7F5-1A97-2314-0316-8502201D1FD6}"/>
+              </a:ext>
+            </a:extLst>
+          </p:cNvPr>
+          <p:cNvSpPr/>
+          <p:nvPr/>
+        </p:nvSpPr>
+        <p:spPr>
+          <a:xfrm rot="16200000">
+            <a:off x="3041826" y="1304984"/>
+            <a:ext cx="365145" cy="204403"/>
+          </a:xfrm>
+          <a:prstGeom prst="actionButtonBackPrevious">
+            <a:avLst/>
+          </a:prstGeom>
+        </p:spPr>
+        <p:style>
+          <a:lnRef idx="2">
+            <a:schemeClr val="dk1"/>
+          </a:lnRef>
+          <a:fillRef idx="1">
+            <a:schemeClr val="lt1"/>
+          </a:fillRef>
+          <a:effectRef idx="0">
+            <a:schemeClr val="dk1"/>
+          </a:effectRef>
+          <a:fontRef idx="minor">
+            <a:schemeClr val="dk1"/>
+          </a:fontRef>
+        </p:style>
+        <p:txBody>
+          <a:bodyPr rtlCol="0" anchor="ctr"/>
+          <a:lstStyle/>
+          <a:p>
+            <a:pPr algn="ctr"/>
+            <a:endParaRPr kumimoji="1" lang="ja-JP" altLang="en-US"/>
+          </a:p>
+        </p:txBody>
+      </p:sp>
+      <p:sp>
+        <p:nvSpPr>
+          <p:cNvPr id="17" name="正方形/長方形 16">
+            <a:extLst>
+              <a:ext uri="{FF2B5EF4-FFF2-40B4-BE49-F238E27FC236}">
+                <a16:creationId xmlns:a16="http://schemas.microsoft.com/office/drawing/2014/main" id="{0F6D550E-7D0B-DBC2-F249-E8665E44568A}"/>
+              </a:ext>
+            </a:extLst>
+          </p:cNvPr>
+          <p:cNvSpPr/>
+          <p:nvPr/>
+        </p:nvSpPr>
+        <p:spPr>
+          <a:xfrm>
+            <a:off x="1244466" y="964466"/>
+            <a:ext cx="265831" cy="292359"/>
+          </a:xfrm>
+          <a:prstGeom prst="rect">
+            <a:avLst/>
+          </a:prstGeom>
+        </p:spPr>
+        <p:style>
+          <a:lnRef idx="2">
+            <a:schemeClr val="dk1"/>
+          </a:lnRef>
+          <a:fillRef idx="1">
+            <a:schemeClr val="lt1"/>
+          </a:fillRef>
+          <a:effectRef idx="0">
+            <a:schemeClr val="dk1"/>
+          </a:effectRef>
+          <a:fontRef idx="minor">
+            <a:schemeClr val="dk1"/>
+          </a:fontRef>
+        </p:style>
+        <p:txBody>
+          <a:bodyPr rtlCol="0" anchor="ctr"/>
+          <a:lstStyle/>
+          <a:p>
+            <a:pPr algn="ctr"/>
+            <a:endParaRPr kumimoji="1" lang="ja-JP" altLang="en-US" dirty="0"/>
+          </a:p>
+        </p:txBody>
+      </p:sp>
+      <p:sp>
+        <p:nvSpPr>
+          <p:cNvPr id="27" name="テキスト ボックス 26">
+            <a:extLst>
+              <a:ext uri="{FF2B5EF4-FFF2-40B4-BE49-F238E27FC236}">
+                <a16:creationId xmlns:a16="http://schemas.microsoft.com/office/drawing/2014/main" id="{FA606321-A9BA-9C7F-0E42-2500170EA926}"/>
+              </a:ext>
+            </a:extLst>
+          </p:cNvPr>
+          <p:cNvSpPr txBox="1"/>
+          <p:nvPr/>
+        </p:nvSpPr>
+        <p:spPr>
+          <a:xfrm>
+            <a:off x="1542100" y="924147"/>
+            <a:ext cx="1163540" cy="369332"/>
+          </a:xfrm>
+          <a:prstGeom prst="rect">
+            <a:avLst/>
+          </a:prstGeom>
+          <a:noFill/>
+        </p:spPr>
+        <p:txBody>
+          <a:bodyPr wrap="square" rtlCol="0">
+            <a:spAutoFit/>
+          </a:bodyPr>
+          <a:lstStyle/>
+          <a:p>
+            <a:r>
+              <a:rPr kumimoji="1" lang="en-US" altLang="ja-JP" dirty="0"/>
+              <a:t>world</a:t>
+            </a:r>
+            <a:endParaRPr kumimoji="1" lang="ja-JP" altLang="en-US" dirty="0"/>
+          </a:p>
+        </p:txBody>
+      </p:sp>
     </p:spTree>
     <p:extLst>
       <p:ext uri="{BB962C8B-B14F-4D97-AF65-F5344CB8AC3E}">
@@ -8541,99 +8666,6 @@
               <a:t>sightseeing</a:t>
             </a:r>
             <a:endParaRPr kumimoji="1" lang="ja-JP" altLang="en-US" dirty="0"/>
-          </a:p>
-        </p:txBody>
-      </p:sp>
-      <p:sp>
-        <p:nvSpPr>
-          <p:cNvPr id="19" name="正方形/長方形 18">
-            <a:extLst>
-              <a:ext uri="{FF2B5EF4-FFF2-40B4-BE49-F238E27FC236}">
-                <a16:creationId xmlns:a16="http://schemas.microsoft.com/office/drawing/2014/main" id="{625BFFDE-2F4D-5B4A-1EE8-7394BF25895A}"/>
-              </a:ext>
-            </a:extLst>
-          </p:cNvPr>
-          <p:cNvSpPr/>
-          <p:nvPr/>
-        </p:nvSpPr>
-        <p:spPr>
-          <a:xfrm>
-            <a:off x="1944861" y="954464"/>
-            <a:ext cx="1163540" cy="292359"/>
-          </a:xfrm>
-          <a:prstGeom prst="rect">
-            <a:avLst/>
-          </a:prstGeom>
-        </p:spPr>
-        <p:style>
-          <a:lnRef idx="2">
-            <a:schemeClr val="dk1"/>
-          </a:lnRef>
-          <a:fillRef idx="1">
-            <a:schemeClr val="lt1"/>
-          </a:fillRef>
-          <a:effectRef idx="0">
-            <a:schemeClr val="dk1"/>
-          </a:effectRef>
-          <a:fontRef idx="minor">
-            <a:schemeClr val="dk1"/>
-          </a:fontRef>
-        </p:style>
-        <p:txBody>
-          <a:bodyPr rtlCol="0" anchor="ctr"/>
-          <a:lstStyle/>
-          <a:p>
-            <a:pPr algn="ctr"/>
-            <a:r>
-              <a:rPr kumimoji="1" lang="en-US" altLang="ja-JP" dirty="0"/>
-              <a:t>world</a:t>
-            </a:r>
-            <a:endParaRPr kumimoji="1" lang="ja-JP" altLang="en-US" dirty="0"/>
-          </a:p>
-        </p:txBody>
-      </p:sp>
-      <p:sp>
-        <p:nvSpPr>
-          <p:cNvPr id="20" name="動作設定ボタン: 戻る/前へ 19">
-            <a:hlinkClick r:id="" action="ppaction://hlinkshowjump?jump=previousslide" highlightClick="1"/>
-            <a:extLst>
-              <a:ext uri="{FF2B5EF4-FFF2-40B4-BE49-F238E27FC236}">
-                <a16:creationId xmlns:a16="http://schemas.microsoft.com/office/drawing/2014/main" id="{1448C307-97F6-5EB9-4274-7C9782FADDFA}"/>
-              </a:ext>
-            </a:extLst>
-          </p:cNvPr>
-          <p:cNvSpPr/>
-          <p:nvPr/>
-        </p:nvSpPr>
-        <p:spPr>
-          <a:xfrm rot="16200000">
-            <a:off x="3028030" y="1003030"/>
-            <a:ext cx="365145" cy="204403"/>
-          </a:xfrm>
-          <a:prstGeom prst="actionButtonBackPrevious">
-            <a:avLst/>
-          </a:prstGeom>
-        </p:spPr>
-        <p:style>
-          <a:lnRef idx="2">
-            <a:schemeClr val="dk1"/>
-          </a:lnRef>
-          <a:fillRef idx="1">
-            <a:schemeClr val="lt1"/>
-          </a:fillRef>
-          <a:effectRef idx="0">
-            <a:schemeClr val="dk1"/>
-          </a:effectRef>
-          <a:fontRef idx="minor">
-            <a:schemeClr val="dk1"/>
-          </a:fontRef>
-        </p:style>
-        <p:txBody>
-          <a:bodyPr rtlCol="0" anchor="ctr"/>
-          <a:lstStyle/>
-          <a:p>
-            <a:pPr algn="ctr"/>
-            <a:endParaRPr kumimoji="1" lang="ja-JP" altLang="en-US"/>
           </a:p>
         </p:txBody>
       </p:sp>
@@ -9967,6 +9999,179 @@
           </a:p>
         </p:txBody>
       </p:sp>
+      <p:sp>
+        <p:nvSpPr>
+          <p:cNvPr id="27" name="正方形/長方形 26">
+            <a:extLst>
+              <a:ext uri="{FF2B5EF4-FFF2-40B4-BE49-F238E27FC236}">
+                <a16:creationId xmlns:a16="http://schemas.microsoft.com/office/drawing/2014/main" id="{A8907BE6-F235-EDAA-4408-7DC5EA41238F}"/>
+              </a:ext>
+            </a:extLst>
+          </p:cNvPr>
+          <p:cNvSpPr/>
+          <p:nvPr/>
+        </p:nvSpPr>
+        <p:spPr>
+          <a:xfrm>
+            <a:off x="1958657" y="1256418"/>
+            <a:ext cx="1163540" cy="292359"/>
+          </a:xfrm>
+          <a:prstGeom prst="rect">
+            <a:avLst/>
+          </a:prstGeom>
+        </p:spPr>
+        <p:style>
+          <a:lnRef idx="2">
+            <a:schemeClr val="dk1"/>
+          </a:lnRef>
+          <a:fillRef idx="1">
+            <a:schemeClr val="lt1"/>
+          </a:fillRef>
+          <a:effectRef idx="0">
+            <a:schemeClr val="dk1"/>
+          </a:effectRef>
+          <a:fontRef idx="minor">
+            <a:schemeClr val="dk1"/>
+          </a:fontRef>
+        </p:style>
+        <p:txBody>
+          <a:bodyPr rtlCol="0" anchor="ctr"/>
+          <a:lstStyle/>
+          <a:p>
+            <a:pPr algn="ctr"/>
+            <a:r>
+              <a:rPr lang="en-US" altLang="ja-JP" dirty="0"/>
+              <a:t>Japan</a:t>
+            </a:r>
+            <a:endParaRPr kumimoji="1" lang="ja-JP" altLang="en-US" dirty="0"/>
+          </a:p>
+        </p:txBody>
+      </p:sp>
+      <p:sp>
+        <p:nvSpPr>
+          <p:cNvPr id="28" name="動作設定ボタン: 戻る/前へ 27">
+            <a:hlinkClick r:id="" action="ppaction://hlinkshowjump?jump=previousslide" highlightClick="1"/>
+            <a:extLst>
+              <a:ext uri="{FF2B5EF4-FFF2-40B4-BE49-F238E27FC236}">
+                <a16:creationId xmlns:a16="http://schemas.microsoft.com/office/drawing/2014/main" id="{56756982-338F-491F-71F6-012A0F07F2D3}"/>
+              </a:ext>
+            </a:extLst>
+          </p:cNvPr>
+          <p:cNvSpPr/>
+          <p:nvPr/>
+        </p:nvSpPr>
+        <p:spPr>
+          <a:xfrm rot="16200000">
+            <a:off x="3041826" y="1304984"/>
+            <a:ext cx="365145" cy="204403"/>
+          </a:xfrm>
+          <a:prstGeom prst="actionButtonBackPrevious">
+            <a:avLst/>
+          </a:prstGeom>
+        </p:spPr>
+        <p:style>
+          <a:lnRef idx="2">
+            <a:schemeClr val="dk1"/>
+          </a:lnRef>
+          <a:fillRef idx="1">
+            <a:schemeClr val="lt1"/>
+          </a:fillRef>
+          <a:effectRef idx="0">
+            <a:schemeClr val="dk1"/>
+          </a:effectRef>
+          <a:fontRef idx="minor">
+            <a:schemeClr val="dk1"/>
+          </a:fontRef>
+        </p:style>
+        <p:txBody>
+          <a:bodyPr rtlCol="0" anchor="ctr"/>
+          <a:lstStyle/>
+          <a:p>
+            <a:pPr algn="ctr"/>
+            <a:endParaRPr kumimoji="1" lang="ja-JP" altLang="en-US"/>
+          </a:p>
+        </p:txBody>
+      </p:sp>
+      <p:sp>
+        <p:nvSpPr>
+          <p:cNvPr id="29" name="正方形/長方形 28">
+            <a:extLst>
+              <a:ext uri="{FF2B5EF4-FFF2-40B4-BE49-F238E27FC236}">
+                <a16:creationId xmlns:a16="http://schemas.microsoft.com/office/drawing/2014/main" id="{70DC6BB5-8CE4-2A28-2815-C09D1B63C9DA}"/>
+              </a:ext>
+            </a:extLst>
+          </p:cNvPr>
+          <p:cNvSpPr/>
+          <p:nvPr/>
+        </p:nvSpPr>
+        <p:spPr>
+          <a:xfrm>
+            <a:off x="1244466" y="964466"/>
+            <a:ext cx="265831" cy="292359"/>
+          </a:xfrm>
+          <a:prstGeom prst="rect">
+            <a:avLst/>
+          </a:prstGeom>
+        </p:spPr>
+        <p:style>
+          <a:lnRef idx="2">
+            <a:schemeClr val="dk1"/>
+          </a:lnRef>
+          <a:fillRef idx="1">
+            <a:schemeClr val="lt1"/>
+          </a:fillRef>
+          <a:effectRef idx="0">
+            <a:schemeClr val="dk1"/>
+          </a:effectRef>
+          <a:fontRef idx="minor">
+            <a:schemeClr val="dk1"/>
+          </a:fontRef>
+        </p:style>
+        <p:txBody>
+          <a:bodyPr rtlCol="0" anchor="ctr"/>
+          <a:lstStyle/>
+          <a:p>
+            <a:pPr algn="ctr"/>
+            <a:endParaRPr kumimoji="1" lang="ja-JP" altLang="en-US" dirty="0"/>
+          </a:p>
+        </p:txBody>
+      </p:sp>
+      <p:sp>
+        <p:nvSpPr>
+          <p:cNvPr id="30" name="テキスト ボックス 29">
+            <a:extLst>
+              <a:ext uri="{FF2B5EF4-FFF2-40B4-BE49-F238E27FC236}">
+                <a16:creationId xmlns:a16="http://schemas.microsoft.com/office/drawing/2014/main" id="{05091C96-120C-5952-1C26-6B7ECAE175AE}"/>
+              </a:ext>
+            </a:extLst>
+          </p:cNvPr>
+          <p:cNvSpPr txBox="1"/>
+          <p:nvPr/>
+        </p:nvSpPr>
+        <p:spPr>
+          <a:xfrm>
+            <a:off x="1542100" y="924147"/>
+            <a:ext cx="1163540" cy="369332"/>
+          </a:xfrm>
+          <a:prstGeom prst="rect">
+            <a:avLst/>
+          </a:prstGeom>
+          <a:noFill/>
+        </p:spPr>
+        <p:txBody>
+          <a:bodyPr wrap="square" rtlCol="0">
+            <a:spAutoFit/>
+          </a:bodyPr>
+          <a:lstStyle/>
+          <a:p>
+            <a:r>
+              <a:rPr kumimoji="1" lang="en-US" altLang="ja-JP" dirty="0"/>
+              <a:t>world</a:t>
+            </a:r>
+            <a:endParaRPr kumimoji="1" lang="ja-JP" altLang="en-US" dirty="0"/>
+          </a:p>
+        </p:txBody>
+      </p:sp>
     </p:spTree>
     <p:extLst>
       <p:ext uri="{BB962C8B-B14F-4D97-AF65-F5344CB8AC3E}">
@@ -10726,7 +10931,7 @@
         </p:nvSpPr>
         <p:spPr>
           <a:xfrm>
-            <a:off x="1944861" y="954464"/>
+            <a:off x="1958657" y="1256418"/>
             <a:ext cx="1163540" cy="292359"/>
           </a:xfrm>
           <a:prstGeom prst="rect">
@@ -10753,8 +10958,8 @@
           <a:p>
             <a:pPr algn="ctr"/>
             <a:r>
-              <a:rPr kumimoji="1" lang="en-US" altLang="ja-JP" dirty="0"/>
-              <a:t>world</a:t>
+              <a:rPr lang="en-US" altLang="ja-JP" dirty="0"/>
+              <a:t>Japan</a:t>
             </a:r>
             <a:endParaRPr kumimoji="1" lang="ja-JP" altLang="en-US" dirty="0"/>
           </a:p>
@@ -10775,7 +10980,7 @@
         </p:nvSpPr>
         <p:spPr>
           <a:xfrm rot="16200000">
-            <a:off x="3028030" y="1003030"/>
+            <a:off x="3041826" y="1304984"/>
             <a:ext cx="365145" cy="204403"/>
           </a:xfrm>
           <a:prstGeom prst="actionButtonBackPrevious">
@@ -11516,6 +11721,86 @@
           </a:p>
         </p:txBody>
       </p:sp>
+      <p:sp>
+        <p:nvSpPr>
+          <p:cNvPr id="25" name="正方形/長方形 24">
+            <a:extLst>
+              <a:ext uri="{FF2B5EF4-FFF2-40B4-BE49-F238E27FC236}">
+                <a16:creationId xmlns:a16="http://schemas.microsoft.com/office/drawing/2014/main" id="{3542B332-9AC3-A4FE-B145-82EEE235717F}"/>
+              </a:ext>
+            </a:extLst>
+          </p:cNvPr>
+          <p:cNvSpPr/>
+          <p:nvPr/>
+        </p:nvSpPr>
+        <p:spPr>
+          <a:xfrm>
+            <a:off x="1244466" y="964466"/>
+            <a:ext cx="265831" cy="292359"/>
+          </a:xfrm>
+          <a:prstGeom prst="rect">
+            <a:avLst/>
+          </a:prstGeom>
+        </p:spPr>
+        <p:style>
+          <a:lnRef idx="2">
+            <a:schemeClr val="dk1"/>
+          </a:lnRef>
+          <a:fillRef idx="1">
+            <a:schemeClr val="lt1"/>
+          </a:fillRef>
+          <a:effectRef idx="0">
+            <a:schemeClr val="dk1"/>
+          </a:effectRef>
+          <a:fontRef idx="minor">
+            <a:schemeClr val="dk1"/>
+          </a:fontRef>
+        </p:style>
+        <p:txBody>
+          <a:bodyPr rtlCol="0" anchor="ctr"/>
+          <a:lstStyle/>
+          <a:p>
+            <a:pPr algn="ctr"/>
+            <a:endParaRPr kumimoji="1" lang="ja-JP" altLang="en-US" dirty="0"/>
+          </a:p>
+        </p:txBody>
+      </p:sp>
+      <p:sp>
+        <p:nvSpPr>
+          <p:cNvPr id="26" name="テキスト ボックス 25">
+            <a:extLst>
+              <a:ext uri="{FF2B5EF4-FFF2-40B4-BE49-F238E27FC236}">
+                <a16:creationId xmlns:a16="http://schemas.microsoft.com/office/drawing/2014/main" id="{F9FDCAD9-F888-3145-EF4C-999BCAE0C710}"/>
+              </a:ext>
+            </a:extLst>
+          </p:cNvPr>
+          <p:cNvSpPr txBox="1"/>
+          <p:nvPr/>
+        </p:nvSpPr>
+        <p:spPr>
+          <a:xfrm>
+            <a:off x="1542100" y="924147"/>
+            <a:ext cx="1163540" cy="369332"/>
+          </a:xfrm>
+          <a:prstGeom prst="rect">
+            <a:avLst/>
+          </a:prstGeom>
+          <a:noFill/>
+        </p:spPr>
+        <p:txBody>
+          <a:bodyPr wrap="square" rtlCol="0">
+            <a:spAutoFit/>
+          </a:bodyPr>
+          <a:lstStyle/>
+          <a:p>
+            <a:r>
+              <a:rPr kumimoji="1" lang="en-US" altLang="ja-JP" dirty="0"/>
+              <a:t>world</a:t>
+            </a:r>
+            <a:endParaRPr kumimoji="1" lang="ja-JP" altLang="en-US" dirty="0"/>
+          </a:p>
+        </p:txBody>
+      </p:sp>
     </p:spTree>
     <p:extLst>
       <p:ext uri="{BB962C8B-B14F-4D97-AF65-F5344CB8AC3E}">

--- a/models/UI.pptx
+++ b/models/UI.pptx
@@ -263,7 +263,7 @@
           <a:p>
             <a:fld id="{C0D971C9-DB7B-45E2-859A-01875D4D6A0E}" type="datetimeFigureOut">
               <a:rPr kumimoji="1" lang="ja-JP" altLang="en-US" smtClean="0"/>
-              <a:t>2024/12/4</a:t>
+              <a:t>2024/12/8</a:t>
             </a:fld>
             <a:endParaRPr kumimoji="1" lang="ja-JP" altLang="en-US"/>
           </a:p>
@@ -493,7 +493,7 @@
           <a:p>
             <a:fld id="{C0D971C9-DB7B-45E2-859A-01875D4D6A0E}" type="datetimeFigureOut">
               <a:rPr kumimoji="1" lang="ja-JP" altLang="en-US" smtClean="0"/>
-              <a:t>2024/12/4</a:t>
+              <a:t>2024/12/8</a:t>
             </a:fld>
             <a:endParaRPr kumimoji="1" lang="ja-JP" altLang="en-US"/>
           </a:p>
@@ -733,7 +733,7 @@
           <a:p>
             <a:fld id="{C0D971C9-DB7B-45E2-859A-01875D4D6A0E}" type="datetimeFigureOut">
               <a:rPr kumimoji="1" lang="ja-JP" altLang="en-US" smtClean="0"/>
-              <a:t>2024/12/4</a:t>
+              <a:t>2024/12/8</a:t>
             </a:fld>
             <a:endParaRPr kumimoji="1" lang="ja-JP" altLang="en-US"/>
           </a:p>
@@ -963,7 +963,7 @@
           <a:p>
             <a:fld id="{C0D971C9-DB7B-45E2-859A-01875D4D6A0E}" type="datetimeFigureOut">
               <a:rPr kumimoji="1" lang="ja-JP" altLang="en-US" smtClean="0"/>
-              <a:t>2024/12/4</a:t>
+              <a:t>2024/12/8</a:t>
             </a:fld>
             <a:endParaRPr kumimoji="1" lang="ja-JP" altLang="en-US"/>
           </a:p>
@@ -1238,7 +1238,7 @@
           <a:p>
             <a:fld id="{C0D971C9-DB7B-45E2-859A-01875D4D6A0E}" type="datetimeFigureOut">
               <a:rPr kumimoji="1" lang="ja-JP" altLang="en-US" smtClean="0"/>
-              <a:t>2024/12/4</a:t>
+              <a:t>2024/12/8</a:t>
             </a:fld>
             <a:endParaRPr kumimoji="1" lang="ja-JP" altLang="en-US"/>
           </a:p>
@@ -1567,7 +1567,7 @@
           <a:p>
             <a:fld id="{C0D971C9-DB7B-45E2-859A-01875D4D6A0E}" type="datetimeFigureOut">
               <a:rPr kumimoji="1" lang="ja-JP" altLang="en-US" smtClean="0"/>
-              <a:t>2024/12/4</a:t>
+              <a:t>2024/12/8</a:t>
             </a:fld>
             <a:endParaRPr kumimoji="1" lang="ja-JP" altLang="en-US"/>
           </a:p>
@@ -2043,7 +2043,7 @@
           <a:p>
             <a:fld id="{C0D971C9-DB7B-45E2-859A-01875D4D6A0E}" type="datetimeFigureOut">
               <a:rPr kumimoji="1" lang="ja-JP" altLang="en-US" smtClean="0"/>
-              <a:t>2024/12/4</a:t>
+              <a:t>2024/12/8</a:t>
             </a:fld>
             <a:endParaRPr kumimoji="1" lang="ja-JP" altLang="en-US"/>
           </a:p>
@@ -2184,7 +2184,7 @@
           <a:p>
             <a:fld id="{C0D971C9-DB7B-45E2-859A-01875D4D6A0E}" type="datetimeFigureOut">
               <a:rPr kumimoji="1" lang="ja-JP" altLang="en-US" smtClean="0"/>
-              <a:t>2024/12/4</a:t>
+              <a:t>2024/12/8</a:t>
             </a:fld>
             <a:endParaRPr kumimoji="1" lang="ja-JP" altLang="en-US"/>
           </a:p>
@@ -2297,7 +2297,7 @@
           <a:p>
             <a:fld id="{C0D971C9-DB7B-45E2-859A-01875D4D6A0E}" type="datetimeFigureOut">
               <a:rPr kumimoji="1" lang="ja-JP" altLang="en-US" smtClean="0"/>
-              <a:t>2024/12/4</a:t>
+              <a:t>2024/12/8</a:t>
             </a:fld>
             <a:endParaRPr kumimoji="1" lang="ja-JP" altLang="en-US"/>
           </a:p>
@@ -2640,7 +2640,7 @@
           <a:p>
             <a:fld id="{C0D971C9-DB7B-45E2-859A-01875D4D6A0E}" type="datetimeFigureOut">
               <a:rPr kumimoji="1" lang="ja-JP" altLang="en-US" smtClean="0"/>
-              <a:t>2024/12/4</a:t>
+              <a:t>2024/12/8</a:t>
             </a:fld>
             <a:endParaRPr kumimoji="1" lang="ja-JP" altLang="en-US"/>
           </a:p>
@@ -2928,7 +2928,7 @@
           <a:p>
             <a:fld id="{C0D971C9-DB7B-45E2-859A-01875D4D6A0E}" type="datetimeFigureOut">
               <a:rPr kumimoji="1" lang="ja-JP" altLang="en-US" smtClean="0"/>
-              <a:t>2024/12/4</a:t>
+              <a:t>2024/12/8</a:t>
             </a:fld>
             <a:endParaRPr kumimoji="1" lang="ja-JP" altLang="en-US"/>
           </a:p>
@@ -3201,7 +3201,7 @@
           <a:p>
             <a:fld id="{C0D971C9-DB7B-45E2-859A-01875D4D6A0E}" type="datetimeFigureOut">
               <a:rPr kumimoji="1" lang="ja-JP" altLang="en-US" smtClean="0"/>
-              <a:t>2024/12/4</a:t>
+              <a:t>2024/12/8</a:t>
             </a:fld>
             <a:endParaRPr kumimoji="1" lang="ja-JP" altLang="en-US"/>
           </a:p>
@@ -4141,102 +4141,6 @@
       </p:sp>
       <p:sp>
         <p:nvSpPr>
-          <p:cNvPr id="19" name="テキスト ボックス 18">
-            <a:extLst>
-              <a:ext uri="{FF2B5EF4-FFF2-40B4-BE49-F238E27FC236}">
-                <a16:creationId xmlns:a16="http://schemas.microsoft.com/office/drawing/2014/main" id="{E8426F9F-405E-C25A-587E-D793A313032D}"/>
-              </a:ext>
-            </a:extLst>
-          </p:cNvPr>
-          <p:cNvSpPr txBox="1"/>
-          <p:nvPr/>
-        </p:nvSpPr>
-        <p:spPr>
-          <a:xfrm>
-            <a:off x="1175626" y="4685313"/>
-            <a:ext cx="2125371" cy="646331"/>
-          </a:xfrm>
-          <a:prstGeom prst="rect">
-            <a:avLst/>
-          </a:prstGeom>
-          <a:noFill/>
-        </p:spPr>
-        <p:txBody>
-          <a:bodyPr wrap="square" rtlCol="0">
-            <a:spAutoFit/>
-          </a:bodyPr>
-          <a:lstStyle/>
-          <a:p>
-            <a:r>
-              <a:rPr kumimoji="1" lang="en-US" altLang="ja-JP" dirty="0"/>
-              <a:t>Total distance:</a:t>
-            </a:r>
-          </a:p>
-          <a:p>
-            <a:r>
-              <a:rPr kumimoji="1" lang="en-US" altLang="ja-JP" dirty="0" err="1"/>
-              <a:t>xxxxxx</a:t>
-            </a:r>
-            <a:r>
-              <a:rPr kumimoji="1" lang="ja-JP" altLang="en-US" dirty="0"/>
-              <a:t>　</a:t>
-            </a:r>
-            <a:r>
-              <a:rPr lang="en-US" altLang="ja-JP" dirty="0"/>
-              <a:t>km</a:t>
-            </a:r>
-            <a:endParaRPr kumimoji="1" lang="ja-JP" altLang="en-US" dirty="0"/>
-          </a:p>
-        </p:txBody>
-      </p:sp>
-      <p:sp>
-        <p:nvSpPr>
-          <p:cNvPr id="20" name="テキスト ボックス 19">
-            <a:extLst>
-              <a:ext uri="{FF2B5EF4-FFF2-40B4-BE49-F238E27FC236}">
-                <a16:creationId xmlns:a16="http://schemas.microsoft.com/office/drawing/2014/main" id="{6BF24D03-9C30-0C61-1705-A516BA787DF1}"/>
-              </a:ext>
-            </a:extLst>
-          </p:cNvPr>
-          <p:cNvSpPr txBox="1"/>
-          <p:nvPr/>
-        </p:nvSpPr>
-        <p:spPr>
-          <a:xfrm>
-            <a:off x="1147936" y="5442158"/>
-            <a:ext cx="1986594" cy="646331"/>
-          </a:xfrm>
-          <a:prstGeom prst="rect">
-            <a:avLst/>
-          </a:prstGeom>
-          <a:noFill/>
-        </p:spPr>
-        <p:txBody>
-          <a:bodyPr wrap="square" rtlCol="0">
-            <a:spAutoFit/>
-          </a:bodyPr>
-          <a:lstStyle/>
-          <a:p>
-            <a:r>
-              <a:rPr kumimoji="1" lang="en-US" altLang="ja-JP" dirty="0"/>
-              <a:t>Total time:</a:t>
-            </a:r>
-          </a:p>
-          <a:p>
-            <a:r>
-              <a:rPr kumimoji="1" lang="en-US" altLang="ja-JP" dirty="0" err="1"/>
-              <a:t>xxxxxx</a:t>
-            </a:r>
-            <a:r>
-              <a:rPr kumimoji="1" lang="en-US" altLang="ja-JP" dirty="0"/>
-              <a:t> min</a:t>
-            </a:r>
-            <a:endParaRPr kumimoji="1" lang="ja-JP" altLang="en-US" dirty="0"/>
-          </a:p>
-        </p:txBody>
-      </p:sp>
-      <p:sp>
-        <p:nvSpPr>
           <p:cNvPr id="21" name="テキスト ボックス 20">
             <a:extLst>
               <a:ext uri="{FF2B5EF4-FFF2-40B4-BE49-F238E27FC236}">
@@ -6260,102 +6164,6 @@
       </p:sp>
       <p:sp>
         <p:nvSpPr>
-          <p:cNvPr id="13" name="テキスト ボックス 12">
-            <a:extLst>
-              <a:ext uri="{FF2B5EF4-FFF2-40B4-BE49-F238E27FC236}">
-                <a16:creationId xmlns:a16="http://schemas.microsoft.com/office/drawing/2014/main" id="{C68CE7E4-0171-D016-B6FA-F7D304322E34}"/>
-              </a:ext>
-            </a:extLst>
-          </p:cNvPr>
-          <p:cNvSpPr txBox="1"/>
-          <p:nvPr/>
-        </p:nvSpPr>
-        <p:spPr>
-          <a:xfrm>
-            <a:off x="1175626" y="4685313"/>
-            <a:ext cx="2125371" cy="646331"/>
-          </a:xfrm>
-          <a:prstGeom prst="rect">
-            <a:avLst/>
-          </a:prstGeom>
-          <a:noFill/>
-        </p:spPr>
-        <p:txBody>
-          <a:bodyPr wrap="square" rtlCol="0">
-            <a:spAutoFit/>
-          </a:bodyPr>
-          <a:lstStyle/>
-          <a:p>
-            <a:r>
-              <a:rPr kumimoji="1" lang="en-US" altLang="ja-JP" dirty="0"/>
-              <a:t>Total distance:</a:t>
-            </a:r>
-          </a:p>
-          <a:p>
-            <a:r>
-              <a:rPr kumimoji="1" lang="en-US" altLang="ja-JP" dirty="0" err="1"/>
-              <a:t>xxxxxx</a:t>
-            </a:r>
-            <a:r>
-              <a:rPr kumimoji="1" lang="ja-JP" altLang="en-US" dirty="0"/>
-              <a:t>　</a:t>
-            </a:r>
-            <a:r>
-              <a:rPr lang="en-US" altLang="ja-JP" dirty="0"/>
-              <a:t>km</a:t>
-            </a:r>
-            <a:endParaRPr kumimoji="1" lang="ja-JP" altLang="en-US" dirty="0"/>
-          </a:p>
-        </p:txBody>
-      </p:sp>
-      <p:sp>
-        <p:nvSpPr>
-          <p:cNvPr id="14" name="テキスト ボックス 13">
-            <a:extLst>
-              <a:ext uri="{FF2B5EF4-FFF2-40B4-BE49-F238E27FC236}">
-                <a16:creationId xmlns:a16="http://schemas.microsoft.com/office/drawing/2014/main" id="{A983D853-C552-3EA3-CEBA-5157DC93CA52}"/>
-              </a:ext>
-            </a:extLst>
-          </p:cNvPr>
-          <p:cNvSpPr txBox="1"/>
-          <p:nvPr/>
-        </p:nvSpPr>
-        <p:spPr>
-          <a:xfrm>
-            <a:off x="1147936" y="5442158"/>
-            <a:ext cx="1986594" cy="646331"/>
-          </a:xfrm>
-          <a:prstGeom prst="rect">
-            <a:avLst/>
-          </a:prstGeom>
-          <a:noFill/>
-        </p:spPr>
-        <p:txBody>
-          <a:bodyPr wrap="square" rtlCol="0">
-            <a:spAutoFit/>
-          </a:bodyPr>
-          <a:lstStyle/>
-          <a:p>
-            <a:r>
-              <a:rPr kumimoji="1" lang="en-US" altLang="ja-JP" dirty="0"/>
-              <a:t>Total time:</a:t>
-            </a:r>
-          </a:p>
-          <a:p>
-            <a:r>
-              <a:rPr kumimoji="1" lang="en-US" altLang="ja-JP" dirty="0" err="1"/>
-              <a:t>xxxxxx</a:t>
-            </a:r>
-            <a:r>
-              <a:rPr kumimoji="1" lang="en-US" altLang="ja-JP" dirty="0"/>
-              <a:t> min</a:t>
-            </a:r>
-            <a:endParaRPr kumimoji="1" lang="ja-JP" altLang="en-US" dirty="0"/>
-          </a:p>
-        </p:txBody>
-      </p:sp>
-      <p:sp>
-        <p:nvSpPr>
           <p:cNvPr id="15" name="テキスト ボックス 14">
             <a:extLst>
               <a:ext uri="{FF2B5EF4-FFF2-40B4-BE49-F238E27FC236}">
@@ -8402,7 +8210,7 @@
         </p:nvSpPr>
         <p:spPr>
           <a:xfrm>
-            <a:off x="1175626" y="4685313"/>
+            <a:off x="3589213" y="1535424"/>
             <a:ext cx="2125371" cy="646331"/>
           </a:xfrm>
           <a:prstGeom prst="rect">
@@ -8452,7 +8260,7 @@
         </p:nvSpPr>
         <p:spPr>
           <a:xfrm>
-            <a:off x="1147936" y="5442158"/>
+            <a:off x="5790657" y="1497332"/>
             <a:ext cx="1986594" cy="646331"/>
           </a:xfrm>
           <a:prstGeom prst="rect">
@@ -8684,13 +8492,13 @@
           <p:nvPr>
             <p:extLst>
               <p:ext uri="{D42A27DB-BD31-4B8C-83A1-F6EECF244321}">
-                <p14:modId xmlns:p14="http://schemas.microsoft.com/office/powerpoint/2010/main" val="2655018303"/>
+                <p14:modId xmlns:p14="http://schemas.microsoft.com/office/powerpoint/2010/main" val="4176269301"/>
               </p:ext>
             </p:extLst>
           </p:nvPr>
         </p:nvGraphicFramePr>
         <p:xfrm>
-          <a:off x="3613170" y="1417906"/>
+          <a:off x="3525903" y="2507659"/>
           <a:ext cx="6833158" cy="1463040"/>
         </p:xfrm>
         <a:graphic>
@@ -9105,7 +8913,7 @@
         </p:nvSpPr>
         <p:spPr>
           <a:xfrm>
-            <a:off x="8654473" y="3024568"/>
+            <a:off x="8878846" y="4042091"/>
             <a:ext cx="1521033" cy="292359"/>
           </a:xfrm>
           <a:prstGeom prst="rect">
@@ -9154,7 +8962,7 @@
         </p:nvSpPr>
         <p:spPr>
           <a:xfrm rot="16200000">
-            <a:off x="10095135" y="3073134"/>
+            <a:off x="10319508" y="4090657"/>
             <a:ext cx="365145" cy="204403"/>
           </a:xfrm>
           <a:prstGeom prst="actionButtonBackPrevious">
@@ -9198,7 +9006,7 @@
         </p:nvSpPr>
         <p:spPr>
           <a:xfrm>
-            <a:off x="10469738" y="1772544"/>
+            <a:off x="10328424" y="2806092"/>
             <a:ext cx="193366" cy="914400"/>
           </a:xfrm>
           <a:prstGeom prst="rect">
@@ -9243,7 +9051,7 @@
         </p:nvSpPr>
         <p:spPr>
           <a:xfrm rot="5400000">
-            <a:off x="10378330" y="1546035"/>
+            <a:off x="10204747" y="2560594"/>
             <a:ext cx="365145" cy="204403"/>
           </a:xfrm>
           <a:prstGeom prst="actionButtonBackPrevious">
@@ -9288,7 +9096,7 @@
         </p:nvSpPr>
         <p:spPr>
           <a:xfrm rot="16200000">
-            <a:off x="10378330" y="2669171"/>
+            <a:off x="10237016" y="3702719"/>
             <a:ext cx="365145" cy="204403"/>
           </a:xfrm>
           <a:prstGeom prst="actionButtonBackPrevious">
@@ -9469,7 +9277,7 @@
         </p:nvSpPr>
         <p:spPr>
           <a:xfrm>
-            <a:off x="4104555" y="3674047"/>
+            <a:off x="4222227" y="4672947"/>
             <a:ext cx="1568430" cy="369332"/>
           </a:xfrm>
           <a:prstGeom prst="rect">
@@ -9505,7 +9313,7 @@
         </p:nvSpPr>
         <p:spPr>
           <a:xfrm>
-            <a:off x="5895374" y="3658960"/>
+            <a:off x="6013046" y="4657860"/>
             <a:ext cx="1568430" cy="369332"/>
           </a:xfrm>
           <a:prstGeom prst="rect">
@@ -9541,7 +9349,7 @@
         </p:nvSpPr>
         <p:spPr>
           <a:xfrm>
-            <a:off x="7192744" y="3656832"/>
+            <a:off x="7310416" y="4655732"/>
             <a:ext cx="1568430" cy="369332"/>
           </a:xfrm>
           <a:prstGeom prst="rect">
@@ -9577,7 +9385,7 @@
         </p:nvSpPr>
         <p:spPr>
           <a:xfrm>
-            <a:off x="8285290" y="3650599"/>
+            <a:off x="8402962" y="4649499"/>
             <a:ext cx="668241" cy="369332"/>
           </a:xfrm>
           <a:prstGeom prst="rect">
@@ -9613,7 +9421,7 @@
         </p:nvSpPr>
         <p:spPr>
           <a:xfrm>
-            <a:off x="8873444" y="3604282"/>
+            <a:off x="8991116" y="4603182"/>
             <a:ext cx="863668" cy="369332"/>
           </a:xfrm>
           <a:prstGeom prst="rect">
@@ -9649,7 +9457,7 @@
         </p:nvSpPr>
         <p:spPr>
           <a:xfrm>
-            <a:off x="3463636" y="4040263"/>
+            <a:off x="3581308" y="5039163"/>
             <a:ext cx="1995055" cy="307777"/>
           </a:xfrm>
           <a:prstGeom prst="rect">
@@ -9685,7 +9493,7 @@
         </p:nvSpPr>
         <p:spPr>
           <a:xfrm>
-            <a:off x="5332072" y="4043379"/>
+            <a:off x="5449744" y="5042279"/>
             <a:ext cx="1995055" cy="307777"/>
           </a:xfrm>
           <a:prstGeom prst="rect">
@@ -9725,7 +9533,7 @@
         </p:nvSpPr>
         <p:spPr>
           <a:xfrm>
-            <a:off x="7279723" y="4040263"/>
+            <a:off x="7397395" y="5039163"/>
             <a:ext cx="787474" cy="369332"/>
           </a:xfrm>
           <a:prstGeom prst="rect">
@@ -9761,7 +9569,7 @@
         </p:nvSpPr>
         <p:spPr>
           <a:xfrm>
-            <a:off x="8225673" y="4040263"/>
+            <a:off x="8343345" y="5039163"/>
             <a:ext cx="787474" cy="338554"/>
           </a:xfrm>
           <a:prstGeom prst="rect">
@@ -9797,7 +9605,7 @@
         </p:nvSpPr>
         <p:spPr>
           <a:xfrm>
-            <a:off x="8953531" y="4086580"/>
+            <a:off x="9071203" y="5085480"/>
             <a:ext cx="787474" cy="276999"/>
           </a:xfrm>
           <a:prstGeom prst="rect">
@@ -9833,7 +9641,7 @@
         </p:nvSpPr>
         <p:spPr>
           <a:xfrm>
-            <a:off x="9617240" y="3636354"/>
+            <a:off x="9734912" y="4635254"/>
             <a:ext cx="863668" cy="369332"/>
           </a:xfrm>
           <a:prstGeom prst="rect">
@@ -9869,7 +9677,7 @@
         </p:nvSpPr>
         <p:spPr>
           <a:xfrm>
-            <a:off x="9623488" y="4071342"/>
+            <a:off x="9741160" y="5070242"/>
             <a:ext cx="787474" cy="276999"/>
           </a:xfrm>
           <a:prstGeom prst="rect">
@@ -9905,7 +9713,7 @@
         </p:nvSpPr>
         <p:spPr>
           <a:xfrm>
-            <a:off x="10140776" y="3705126"/>
+            <a:off x="10258448" y="4704026"/>
             <a:ext cx="692384" cy="276999"/>
           </a:xfrm>
           <a:prstGeom prst="rect">
@@ -9941,7 +9749,7 @@
         </p:nvSpPr>
         <p:spPr>
           <a:xfrm>
-            <a:off x="6836393" y="4639146"/>
+            <a:off x="6954065" y="5638046"/>
             <a:ext cx="1669208" cy="369332"/>
           </a:xfrm>
           <a:prstGeom prst="rect">
@@ -9977,7 +9785,7 @@
         </p:nvSpPr>
         <p:spPr>
           <a:xfrm>
-            <a:off x="3320340" y="3658960"/>
+            <a:off x="3438012" y="4657860"/>
             <a:ext cx="1568430" cy="369332"/>
           </a:xfrm>
           <a:prstGeom prst="rect">
@@ -10638,102 +10446,6 @@
       </p:sp>
       <p:sp>
         <p:nvSpPr>
-          <p:cNvPr id="13" name="テキスト ボックス 12">
-            <a:extLst>
-              <a:ext uri="{FF2B5EF4-FFF2-40B4-BE49-F238E27FC236}">
-                <a16:creationId xmlns:a16="http://schemas.microsoft.com/office/drawing/2014/main" id="{72F98938-CF44-A53C-3B11-A5BFC82C8F56}"/>
-              </a:ext>
-            </a:extLst>
-          </p:cNvPr>
-          <p:cNvSpPr txBox="1"/>
-          <p:nvPr/>
-        </p:nvSpPr>
-        <p:spPr>
-          <a:xfrm>
-            <a:off x="1175626" y="4685313"/>
-            <a:ext cx="2125371" cy="646331"/>
-          </a:xfrm>
-          <a:prstGeom prst="rect">
-            <a:avLst/>
-          </a:prstGeom>
-          <a:noFill/>
-        </p:spPr>
-        <p:txBody>
-          <a:bodyPr wrap="square" rtlCol="0">
-            <a:spAutoFit/>
-          </a:bodyPr>
-          <a:lstStyle/>
-          <a:p>
-            <a:r>
-              <a:rPr kumimoji="1" lang="en-US" altLang="ja-JP" dirty="0"/>
-              <a:t>Total distance:</a:t>
-            </a:r>
-          </a:p>
-          <a:p>
-            <a:r>
-              <a:rPr kumimoji="1" lang="en-US" altLang="ja-JP" dirty="0" err="1"/>
-              <a:t>xxxxxx</a:t>
-            </a:r>
-            <a:r>
-              <a:rPr kumimoji="1" lang="ja-JP" altLang="en-US" dirty="0"/>
-              <a:t>　</a:t>
-            </a:r>
-            <a:r>
-              <a:rPr lang="en-US" altLang="ja-JP" dirty="0"/>
-              <a:t>km</a:t>
-            </a:r>
-            <a:endParaRPr kumimoji="1" lang="ja-JP" altLang="en-US" dirty="0"/>
-          </a:p>
-        </p:txBody>
-      </p:sp>
-      <p:sp>
-        <p:nvSpPr>
-          <p:cNvPr id="14" name="テキスト ボックス 13">
-            <a:extLst>
-              <a:ext uri="{FF2B5EF4-FFF2-40B4-BE49-F238E27FC236}">
-                <a16:creationId xmlns:a16="http://schemas.microsoft.com/office/drawing/2014/main" id="{5B15EB48-FC2E-ABC8-26B8-C717F45892CC}"/>
-              </a:ext>
-            </a:extLst>
-          </p:cNvPr>
-          <p:cNvSpPr txBox="1"/>
-          <p:nvPr/>
-        </p:nvSpPr>
-        <p:spPr>
-          <a:xfrm>
-            <a:off x="1147936" y="5442158"/>
-            <a:ext cx="1986594" cy="646331"/>
-          </a:xfrm>
-          <a:prstGeom prst="rect">
-            <a:avLst/>
-          </a:prstGeom>
-          <a:noFill/>
-        </p:spPr>
-        <p:txBody>
-          <a:bodyPr wrap="square" rtlCol="0">
-            <a:spAutoFit/>
-          </a:bodyPr>
-          <a:lstStyle/>
-          <a:p>
-            <a:r>
-              <a:rPr kumimoji="1" lang="en-US" altLang="ja-JP" dirty="0"/>
-              <a:t>Total time:</a:t>
-            </a:r>
-          </a:p>
-          <a:p>
-            <a:r>
-              <a:rPr kumimoji="1" lang="en-US" altLang="ja-JP" dirty="0" err="1"/>
-              <a:t>xxxxxx</a:t>
-            </a:r>
-            <a:r>
-              <a:rPr kumimoji="1" lang="en-US" altLang="ja-JP" dirty="0"/>
-              <a:t> min</a:t>
-            </a:r>
-            <a:endParaRPr kumimoji="1" lang="ja-JP" altLang="en-US" dirty="0"/>
-          </a:p>
-        </p:txBody>
-      </p:sp>
-      <p:sp>
-        <p:nvSpPr>
           <p:cNvPr id="15" name="テキスト ボックス 14">
             <a:extLst>
               <a:ext uri="{FF2B5EF4-FFF2-40B4-BE49-F238E27FC236}">
@@ -11025,13 +10737,13 @@
           <p:nvPr>
             <p:extLst>
               <p:ext uri="{D42A27DB-BD31-4B8C-83A1-F6EECF244321}">
-                <p14:modId xmlns:p14="http://schemas.microsoft.com/office/powerpoint/2010/main" val="1836776284"/>
+                <p14:modId xmlns:p14="http://schemas.microsoft.com/office/powerpoint/2010/main" val="120860668"/>
               </p:ext>
             </p:extLst>
           </p:nvPr>
         </p:nvGraphicFramePr>
         <p:xfrm>
-          <a:off x="3459522" y="1860282"/>
+          <a:off x="3435186" y="4393305"/>
           <a:ext cx="7158777" cy="1463040"/>
         </p:xfrm>
         <a:graphic>
@@ -11505,7 +11217,7 @@
         </p:nvSpPr>
         <p:spPr>
           <a:xfrm>
-            <a:off x="8535930" y="1402330"/>
+            <a:off x="8511594" y="3935353"/>
             <a:ext cx="1521033" cy="292359"/>
           </a:xfrm>
           <a:prstGeom prst="rect">
@@ -11554,7 +11266,7 @@
         </p:nvSpPr>
         <p:spPr>
           <a:xfrm rot="16200000">
-            <a:off x="9976592" y="1458564"/>
+            <a:off x="9952256" y="3991587"/>
             <a:ext cx="365145" cy="204403"/>
           </a:xfrm>
           <a:prstGeom prst="actionButtonBackPrevious">
@@ -11798,6 +11510,452 @@
               <a:t>world</a:t>
             </a:r>
             <a:endParaRPr kumimoji="1" lang="ja-JP" altLang="en-US" dirty="0"/>
+          </a:p>
+        </p:txBody>
+      </p:sp>
+      <p:graphicFrame>
+        <p:nvGraphicFramePr>
+          <p:cNvPr id="24" name="表 23">
+            <a:extLst>
+              <a:ext uri="{FF2B5EF4-FFF2-40B4-BE49-F238E27FC236}">
+                <a16:creationId xmlns:a16="http://schemas.microsoft.com/office/drawing/2014/main" id="{13467A5B-F6DC-1220-1FF9-FDFF494664B8}"/>
+              </a:ext>
+            </a:extLst>
+          </p:cNvPr>
+          <p:cNvGraphicFramePr>
+            <a:graphicFrameLocks noGrp="1"/>
+          </p:cNvGraphicFramePr>
+          <p:nvPr>
+            <p:extLst>
+              <p:ext uri="{D42A27DB-BD31-4B8C-83A1-F6EECF244321}">
+                <p14:modId xmlns:p14="http://schemas.microsoft.com/office/powerpoint/2010/main" val="683334055"/>
+              </p:ext>
+            </p:extLst>
+          </p:nvPr>
+        </p:nvGraphicFramePr>
+        <p:xfrm>
+          <a:off x="3613170" y="1417906"/>
+          <a:ext cx="4189995" cy="1463040"/>
+        </p:xfrm>
+        <a:graphic>
+          <a:graphicData uri="http://schemas.openxmlformats.org/drawingml/2006/table">
+            <a:tbl>
+              <a:tblPr firstRow="1" bandRow="1">
+                <a:tableStyleId>{5C22544A-7EE6-4342-B048-85BDC9FD1C3A}</a:tableStyleId>
+              </a:tblPr>
+              <a:tblGrid>
+                <a:gridCol w="1028037">
+                  <a:extLst>
+                    <a:ext uri="{9D8B030D-6E8A-4147-A177-3AD203B41FA5}">
+                      <a16:colId xmlns:a16="http://schemas.microsoft.com/office/drawing/2014/main" val="2180251572"/>
+                    </a:ext>
+                  </a:extLst>
+                </a:gridCol>
+                <a:gridCol w="1053986">
+                  <a:extLst>
+                    <a:ext uri="{9D8B030D-6E8A-4147-A177-3AD203B41FA5}">
+                      <a16:colId xmlns:a16="http://schemas.microsoft.com/office/drawing/2014/main" val="2094606021"/>
+                    </a:ext>
+                  </a:extLst>
+                </a:gridCol>
+                <a:gridCol w="1053986">
+                  <a:extLst>
+                    <a:ext uri="{9D8B030D-6E8A-4147-A177-3AD203B41FA5}">
+                      <a16:colId xmlns:a16="http://schemas.microsoft.com/office/drawing/2014/main" val="3658194246"/>
+                    </a:ext>
+                  </a:extLst>
+                </a:gridCol>
+                <a:gridCol w="1053986">
+                  <a:extLst>
+                    <a:ext uri="{9D8B030D-6E8A-4147-A177-3AD203B41FA5}">
+                      <a16:colId xmlns:a16="http://schemas.microsoft.com/office/drawing/2014/main" val="2463708021"/>
+                    </a:ext>
+                  </a:extLst>
+                </a:gridCol>
+              </a:tblGrid>
+              <a:tr h="316188">
+                <a:tc>
+                  <a:txBody>
+                    <a:bodyPr/>
+                    <a:lstStyle/>
+                    <a:p>
+                      <a:r>
+                        <a:rPr kumimoji="1" lang="en-US" altLang="ja-JP" dirty="0"/>
+                        <a:t>Type</a:t>
+                      </a:r>
+                      <a:endParaRPr kumimoji="1" lang="ja-JP" altLang="en-US" dirty="0"/>
+                    </a:p>
+                  </a:txBody>
+                  <a:tcPr/>
+                </a:tc>
+                <a:tc>
+                  <a:txBody>
+                    <a:bodyPr/>
+                    <a:lstStyle/>
+                    <a:p>
+                      <a:r>
+                        <a:rPr kumimoji="1" lang="en-US" altLang="ja-JP" dirty="0"/>
+                        <a:t>Count</a:t>
+                      </a:r>
+                      <a:endParaRPr kumimoji="1" lang="ja-JP" altLang="en-US" dirty="0"/>
+                    </a:p>
+                  </a:txBody>
+                  <a:tcPr/>
+                </a:tc>
+                <a:tc>
+                  <a:txBody>
+                    <a:bodyPr/>
+                    <a:lstStyle/>
+                    <a:p>
+                      <a:r>
+                        <a:rPr kumimoji="1" lang="en-US" altLang="ja-JP" sz="1400" dirty="0"/>
+                        <a:t>currency</a:t>
+                      </a:r>
+                      <a:endParaRPr kumimoji="1" lang="ja-JP" altLang="en-US" sz="1400" dirty="0"/>
+                    </a:p>
+                  </a:txBody>
+                  <a:tcPr/>
+                </a:tc>
+                <a:tc>
+                  <a:txBody>
+                    <a:bodyPr/>
+                    <a:lstStyle/>
+                    <a:p>
+                      <a:r>
+                        <a:rPr kumimoji="1" lang="en-US" altLang="ja-JP" dirty="0"/>
+                        <a:t>JPY</a:t>
+                      </a:r>
+                      <a:endParaRPr kumimoji="1" lang="ja-JP" altLang="en-US" dirty="0"/>
+                    </a:p>
+                  </a:txBody>
+                  <a:tcPr/>
+                </a:tc>
+                <a:extLst>
+                  <a:ext uri="{0D108BD9-81ED-4DB2-BD59-A6C34878D82A}">
+                    <a16:rowId xmlns:a16="http://schemas.microsoft.com/office/drawing/2014/main" val="3636590592"/>
+                  </a:ext>
+                </a:extLst>
+              </a:tr>
+              <a:tr h="316188">
+                <a:tc>
+                  <a:txBody>
+                    <a:bodyPr/>
+                    <a:lstStyle/>
+                    <a:p>
+                      <a:r>
+                        <a:rPr kumimoji="1" lang="en-US" altLang="ja-JP" sz="1200" dirty="0" err="1"/>
+                        <a:t>Domitory</a:t>
+                      </a:r>
+                      <a:endParaRPr kumimoji="1" lang="ja-JP" altLang="en-US" sz="1200" dirty="0"/>
+                    </a:p>
+                  </a:txBody>
+                  <a:tcPr/>
+                </a:tc>
+                <a:tc>
+                  <a:txBody>
+                    <a:bodyPr/>
+                    <a:lstStyle/>
+                    <a:p>
+                      <a:r>
+                        <a:rPr kumimoji="1" lang="en-US" altLang="ja-JP" dirty="0"/>
+                        <a:t>100</a:t>
+                      </a:r>
+                      <a:endParaRPr kumimoji="1" lang="ja-JP" altLang="en-US" dirty="0"/>
+                    </a:p>
+                  </a:txBody>
+                  <a:tcPr/>
+                </a:tc>
+                <a:tc>
+                  <a:txBody>
+                    <a:bodyPr/>
+                    <a:lstStyle/>
+                    <a:p>
+                      <a:r>
+                        <a:rPr kumimoji="1" lang="en-US" altLang="ja-JP" dirty="0"/>
+                        <a:t>400</a:t>
+                      </a:r>
+                      <a:endParaRPr kumimoji="1" lang="ja-JP" altLang="en-US" dirty="0"/>
+                    </a:p>
+                  </a:txBody>
+                  <a:tcPr/>
+                </a:tc>
+                <a:tc>
+                  <a:txBody>
+                    <a:bodyPr/>
+                    <a:lstStyle/>
+                    <a:p>
+                      <a:r>
+                        <a:rPr kumimoji="1" lang="en-US" altLang="ja-JP" dirty="0"/>
+                        <a:t>3000</a:t>
+                      </a:r>
+                      <a:endParaRPr kumimoji="1" lang="ja-JP" altLang="en-US" dirty="0"/>
+                    </a:p>
+                  </a:txBody>
+                  <a:tcPr/>
+                </a:tc>
+                <a:extLst>
+                  <a:ext uri="{0D108BD9-81ED-4DB2-BD59-A6C34878D82A}">
+                    <a16:rowId xmlns:a16="http://schemas.microsoft.com/office/drawing/2014/main" val="1248227337"/>
+                  </a:ext>
+                </a:extLst>
+              </a:tr>
+              <a:tr h="316188">
+                <a:tc>
+                  <a:txBody>
+                    <a:bodyPr/>
+                    <a:lstStyle/>
+                    <a:p>
+                      <a:r>
+                        <a:rPr kumimoji="1" lang="en-US" altLang="ja-JP" sz="1200" dirty="0"/>
+                        <a:t>Single</a:t>
+                      </a:r>
+                      <a:r>
+                        <a:rPr kumimoji="1" lang="ja-JP" altLang="en-US" sz="1200" dirty="0"/>
+                        <a:t> </a:t>
+                      </a:r>
+                      <a:r>
+                        <a:rPr kumimoji="1" lang="en-US" altLang="ja-JP" sz="1200" dirty="0"/>
+                        <a:t>room</a:t>
+                      </a:r>
+                      <a:endParaRPr kumimoji="1" lang="ja-JP" altLang="en-US" sz="1200" dirty="0"/>
+                    </a:p>
+                  </a:txBody>
+                  <a:tcPr/>
+                </a:tc>
+                <a:tc>
+                  <a:txBody>
+                    <a:bodyPr/>
+                    <a:lstStyle/>
+                    <a:p>
+                      <a:r>
+                        <a:rPr kumimoji="1" lang="en-US" altLang="ja-JP" dirty="0"/>
+                        <a:t>200</a:t>
+                      </a:r>
+                      <a:endParaRPr kumimoji="1" lang="ja-JP" altLang="en-US" dirty="0"/>
+                    </a:p>
+                  </a:txBody>
+                  <a:tcPr/>
+                </a:tc>
+                <a:tc>
+                  <a:txBody>
+                    <a:bodyPr/>
+                    <a:lstStyle/>
+                    <a:p>
+                      <a:r>
+                        <a:rPr kumimoji="1" lang="en-US" altLang="ja-JP" dirty="0"/>
+                        <a:t>500</a:t>
+                      </a:r>
+                      <a:endParaRPr kumimoji="1" lang="ja-JP" altLang="en-US" dirty="0"/>
+                    </a:p>
+                  </a:txBody>
+                  <a:tcPr/>
+                </a:tc>
+                <a:tc>
+                  <a:txBody>
+                    <a:bodyPr/>
+                    <a:lstStyle/>
+                    <a:p>
+                      <a:r>
+                        <a:rPr kumimoji="1" lang="en-US" altLang="ja-JP" dirty="0"/>
+                        <a:t>5000</a:t>
+                      </a:r>
+                      <a:endParaRPr kumimoji="1" lang="ja-JP" altLang="en-US" dirty="0"/>
+                    </a:p>
+                  </a:txBody>
+                  <a:tcPr/>
+                </a:tc>
+                <a:extLst>
+                  <a:ext uri="{0D108BD9-81ED-4DB2-BD59-A6C34878D82A}">
+                    <a16:rowId xmlns:a16="http://schemas.microsoft.com/office/drawing/2014/main" val="2386127515"/>
+                  </a:ext>
+                </a:extLst>
+              </a:tr>
+              <a:tr h="316188">
+                <a:tc>
+                  <a:txBody>
+                    <a:bodyPr/>
+                    <a:lstStyle/>
+                    <a:p>
+                      <a:r>
+                        <a:rPr kumimoji="1" lang="en-US" altLang="ja-JP" sz="1400" dirty="0"/>
+                        <a:t>…</a:t>
+                      </a:r>
+                      <a:endParaRPr kumimoji="1" lang="ja-JP" altLang="en-US" sz="1400" dirty="0"/>
+                    </a:p>
+                  </a:txBody>
+                  <a:tcPr/>
+                </a:tc>
+                <a:tc>
+                  <a:txBody>
+                    <a:bodyPr/>
+                    <a:lstStyle/>
+                    <a:p>
+                      <a:endParaRPr kumimoji="1" lang="ja-JP" altLang="en-US" dirty="0"/>
+                    </a:p>
+                  </a:txBody>
+                  <a:tcPr/>
+                </a:tc>
+                <a:tc>
+                  <a:txBody>
+                    <a:bodyPr/>
+                    <a:lstStyle/>
+                    <a:p>
+                      <a:endParaRPr kumimoji="1" lang="ja-JP" altLang="en-US" dirty="0"/>
+                    </a:p>
+                  </a:txBody>
+                  <a:tcPr/>
+                </a:tc>
+                <a:tc>
+                  <a:txBody>
+                    <a:bodyPr/>
+                    <a:lstStyle/>
+                    <a:p>
+                      <a:endParaRPr kumimoji="1" lang="ja-JP" altLang="en-US" dirty="0"/>
+                    </a:p>
+                  </a:txBody>
+                  <a:tcPr/>
+                </a:tc>
+                <a:extLst>
+                  <a:ext uri="{0D108BD9-81ED-4DB2-BD59-A6C34878D82A}">
+                    <a16:rowId xmlns:a16="http://schemas.microsoft.com/office/drawing/2014/main" val="3940284596"/>
+                  </a:ext>
+                </a:extLst>
+              </a:tr>
+            </a:tbl>
+          </a:graphicData>
+        </a:graphic>
+      </p:graphicFrame>
+      <p:sp>
+        <p:nvSpPr>
+          <p:cNvPr id="30" name="正方形/長方形 29">
+            <a:extLst>
+              <a:ext uri="{FF2B5EF4-FFF2-40B4-BE49-F238E27FC236}">
+                <a16:creationId xmlns:a16="http://schemas.microsoft.com/office/drawing/2014/main" id="{BF74A216-B67F-0EBD-664C-D6D000CBA2EC}"/>
+              </a:ext>
+            </a:extLst>
+          </p:cNvPr>
+          <p:cNvSpPr/>
+          <p:nvPr/>
+        </p:nvSpPr>
+        <p:spPr>
+          <a:xfrm>
+            <a:off x="7803165" y="1724786"/>
+            <a:ext cx="193366" cy="914400"/>
+          </a:xfrm>
+          <a:prstGeom prst="rect">
+            <a:avLst/>
+          </a:prstGeom>
+        </p:spPr>
+        <p:style>
+          <a:lnRef idx="2">
+            <a:schemeClr val="dk1"/>
+          </a:lnRef>
+          <a:fillRef idx="1">
+            <a:schemeClr val="lt1"/>
+          </a:fillRef>
+          <a:effectRef idx="0">
+            <a:schemeClr val="dk1"/>
+          </a:effectRef>
+          <a:fontRef idx="minor">
+            <a:schemeClr val="dk1"/>
+          </a:fontRef>
+        </p:style>
+        <p:txBody>
+          <a:bodyPr rtlCol="0" anchor="ctr"/>
+          <a:lstStyle/>
+          <a:p>
+            <a:pPr algn="ctr"/>
+            <a:endParaRPr kumimoji="1" lang="ja-JP" altLang="en-US"/>
+          </a:p>
+        </p:txBody>
+      </p:sp>
+      <p:sp>
+        <p:nvSpPr>
+          <p:cNvPr id="31" name="動作設定ボタン: 戻る/前へ 30">
+            <a:hlinkClick r:id="" action="ppaction://hlinkshowjump?jump=previousslide" highlightClick="1"/>
+            <a:extLst>
+              <a:ext uri="{FF2B5EF4-FFF2-40B4-BE49-F238E27FC236}">
+                <a16:creationId xmlns:a16="http://schemas.microsoft.com/office/drawing/2014/main" id="{82E8D67D-629B-024D-8224-BB1A6AA020BD}"/>
+              </a:ext>
+            </a:extLst>
+          </p:cNvPr>
+          <p:cNvSpPr/>
+          <p:nvPr/>
+        </p:nvSpPr>
+        <p:spPr>
+          <a:xfrm rot="5400000">
+            <a:off x="7711757" y="1498277"/>
+            <a:ext cx="365145" cy="204403"/>
+          </a:xfrm>
+          <a:prstGeom prst="actionButtonBackPrevious">
+            <a:avLst/>
+          </a:prstGeom>
+        </p:spPr>
+        <p:style>
+          <a:lnRef idx="2">
+            <a:schemeClr val="dk1"/>
+          </a:lnRef>
+          <a:fillRef idx="1">
+            <a:schemeClr val="lt1"/>
+          </a:fillRef>
+          <a:effectRef idx="0">
+            <a:schemeClr val="dk1"/>
+          </a:effectRef>
+          <a:fontRef idx="minor">
+            <a:schemeClr val="dk1"/>
+          </a:fontRef>
+        </p:style>
+        <p:txBody>
+          <a:bodyPr rtlCol="0" anchor="ctr"/>
+          <a:lstStyle/>
+          <a:p>
+            <a:pPr algn="ctr"/>
+            <a:endParaRPr kumimoji="1" lang="ja-JP" altLang="en-US"/>
+          </a:p>
+        </p:txBody>
+      </p:sp>
+      <p:sp>
+        <p:nvSpPr>
+          <p:cNvPr id="32" name="動作設定ボタン: 戻る/前へ 31">
+            <a:hlinkClick r:id="" action="ppaction://hlinkshowjump?jump=previousslide" highlightClick="1"/>
+            <a:extLst>
+              <a:ext uri="{FF2B5EF4-FFF2-40B4-BE49-F238E27FC236}">
+                <a16:creationId xmlns:a16="http://schemas.microsoft.com/office/drawing/2014/main" id="{9F52C2F5-F24E-7E2E-E666-333CF1DBD081}"/>
+              </a:ext>
+            </a:extLst>
+          </p:cNvPr>
+          <p:cNvSpPr/>
+          <p:nvPr/>
+        </p:nvSpPr>
+        <p:spPr>
+          <a:xfrm rot="16200000">
+            <a:off x="7711757" y="2621413"/>
+            <a:ext cx="365145" cy="204403"/>
+          </a:xfrm>
+          <a:prstGeom prst="actionButtonBackPrevious">
+            <a:avLst/>
+          </a:prstGeom>
+        </p:spPr>
+        <p:style>
+          <a:lnRef idx="2">
+            <a:schemeClr val="dk1"/>
+          </a:lnRef>
+          <a:fillRef idx="1">
+            <a:schemeClr val="lt1"/>
+          </a:fillRef>
+          <a:effectRef idx="0">
+            <a:schemeClr val="dk1"/>
+          </a:effectRef>
+          <a:fontRef idx="minor">
+            <a:schemeClr val="dk1"/>
+          </a:fontRef>
+        </p:style>
+        <p:txBody>
+          <a:bodyPr rtlCol="0" anchor="ctr"/>
+          <a:lstStyle/>
+          <a:p>
+            <a:pPr algn="ctr"/>
+            <a:endParaRPr kumimoji="1" lang="ja-JP" altLang="en-US"/>
           </a:p>
         </p:txBody>
       </p:sp>

--- a/models/UI.pptx
+++ b/models/UI.pptx
@@ -4339,13 +4339,13 @@
           <p:nvPr>
             <p:extLst>
               <p:ext uri="{D42A27DB-BD31-4B8C-83A1-F6EECF244321}">
-                <p14:modId xmlns:p14="http://schemas.microsoft.com/office/powerpoint/2010/main" val="1033956060"/>
+                <p14:modId xmlns:p14="http://schemas.microsoft.com/office/powerpoint/2010/main" val="1974497933"/>
               </p:ext>
             </p:extLst>
           </p:nvPr>
         </p:nvGraphicFramePr>
         <p:xfrm>
-          <a:off x="3613170" y="1417906"/>
+          <a:off x="3731076" y="2280984"/>
           <a:ext cx="4189995" cy="1463040"/>
         </p:xfrm>
         <a:graphic>
@@ -4650,7 +4650,7 @@
         </p:nvSpPr>
         <p:spPr>
           <a:xfrm>
-            <a:off x="8654473" y="3024568"/>
+            <a:off x="8772379" y="3887646"/>
             <a:ext cx="1521033" cy="292359"/>
           </a:xfrm>
           <a:prstGeom prst="rect">
@@ -4699,7 +4699,7 @@
         </p:nvSpPr>
         <p:spPr>
           <a:xfrm rot="16200000">
-            <a:off x="10095135" y="3073134"/>
+            <a:off x="10213041" y="3936212"/>
             <a:ext cx="365145" cy="204403"/>
           </a:xfrm>
           <a:prstGeom prst="actionButtonBackPrevious">
@@ -4743,7 +4743,7 @@
         </p:nvSpPr>
         <p:spPr>
           <a:xfrm>
-            <a:off x="7803165" y="1724786"/>
+            <a:off x="7921071" y="2587864"/>
             <a:ext cx="193366" cy="914400"/>
           </a:xfrm>
           <a:prstGeom prst="rect">
@@ -4788,7 +4788,7 @@
         </p:nvSpPr>
         <p:spPr>
           <a:xfrm rot="5400000">
-            <a:off x="7711757" y="1498277"/>
+            <a:off x="7829663" y="2361355"/>
             <a:ext cx="365145" cy="204403"/>
           </a:xfrm>
           <a:prstGeom prst="actionButtonBackPrevious">
@@ -4833,7 +4833,7 @@
         </p:nvSpPr>
         <p:spPr>
           <a:xfrm rot="16200000">
-            <a:off x="7711757" y="2621413"/>
+            <a:off x="7829663" y="3484491"/>
             <a:ext cx="365145" cy="204403"/>
           </a:xfrm>
           <a:prstGeom prst="actionButtonBackPrevious">
@@ -4878,13 +4878,13 @@
           <p:nvPr>
             <p:extLst>
               <p:ext uri="{D42A27DB-BD31-4B8C-83A1-F6EECF244321}">
-                <p14:modId xmlns:p14="http://schemas.microsoft.com/office/powerpoint/2010/main" val="1360651947"/>
+                <p14:modId xmlns:p14="http://schemas.microsoft.com/office/powerpoint/2010/main" val="3809696119"/>
               </p:ext>
             </p:extLst>
           </p:nvPr>
         </p:nvGraphicFramePr>
         <p:xfrm>
-          <a:off x="3407378" y="3538663"/>
+          <a:off x="3525284" y="4401741"/>
           <a:ext cx="6768126" cy="1529080"/>
         </p:xfrm>
         <a:graphic>
@@ -5228,7 +5228,7 @@
         </p:nvSpPr>
         <p:spPr>
           <a:xfrm>
-            <a:off x="10168371" y="3913422"/>
+            <a:off x="10286277" y="4776500"/>
             <a:ext cx="184250" cy="903958"/>
           </a:xfrm>
           <a:prstGeom prst="rect">
@@ -5273,7 +5273,7 @@
         </p:nvSpPr>
         <p:spPr>
           <a:xfrm rot="5400000">
-            <a:off x="10075830" y="3636631"/>
+            <a:off x="10193736" y="4499709"/>
             <a:ext cx="369332" cy="184250"/>
           </a:xfrm>
           <a:prstGeom prst="actionButtonBackPrevious">
@@ -5318,7 +5318,7 @@
         </p:nvSpPr>
         <p:spPr>
           <a:xfrm rot="16200000">
-            <a:off x="10118840" y="4892015"/>
+            <a:off x="10236746" y="5755093"/>
             <a:ext cx="250962" cy="170323"/>
           </a:xfrm>
           <a:prstGeom prst="actionButtonBackPrevious">
@@ -5695,6 +5695,45 @@
               <a:t>world</a:t>
             </a:r>
             <a:endParaRPr kumimoji="1" lang="ja-JP" altLang="en-US" dirty="0"/>
+          </a:p>
+        </p:txBody>
+      </p:sp>
+      <p:sp>
+        <p:nvSpPr>
+          <p:cNvPr id="25" name="テキスト ボックス 24">
+            <a:extLst>
+              <a:ext uri="{FF2B5EF4-FFF2-40B4-BE49-F238E27FC236}">
+                <a16:creationId xmlns:a16="http://schemas.microsoft.com/office/drawing/2014/main" id="{943B7F5D-54D3-0424-ECEC-6AF70B2FCDC2}"/>
+              </a:ext>
+            </a:extLst>
+          </p:cNvPr>
+          <p:cNvSpPr txBox="1"/>
+          <p:nvPr/>
+        </p:nvSpPr>
+        <p:spPr>
+          <a:xfrm>
+            <a:off x="3628638" y="1461496"/>
+            <a:ext cx="1847352" cy="369332"/>
+          </a:xfrm>
+          <a:prstGeom prst="rect">
+            <a:avLst/>
+          </a:prstGeom>
+          <a:noFill/>
+        </p:spPr>
+        <p:txBody>
+          <a:bodyPr wrap="square" rtlCol="0">
+            <a:spAutoFit/>
+          </a:bodyPr>
+          <a:lstStyle/>
+          <a:p>
+            <a:r>
+              <a:rPr kumimoji="1" lang="en-US" altLang="ja-JP" dirty="0" err="1"/>
+              <a:t>Total:xxxxxx</a:t>
+            </a:r>
+            <a:r>
+              <a:rPr kumimoji="1" lang="ja-JP" altLang="en-US" dirty="0"/>
+              <a:t>円</a:t>
+            </a:r>
           </a:p>
         </p:txBody>
       </p:sp>
@@ -5742,7 +5781,7 @@
         </p:nvSpPr>
         <p:spPr>
           <a:xfrm>
-            <a:off x="1267305" y="892264"/>
+            <a:off x="1321227" y="840870"/>
             <a:ext cx="9430247" cy="5263764"/>
           </a:xfrm>
           <a:prstGeom prst="rect">
@@ -6455,13 +6494,13 @@
           <p:nvPr>
             <p:extLst>
               <p:ext uri="{D42A27DB-BD31-4B8C-83A1-F6EECF244321}">
-                <p14:modId xmlns:p14="http://schemas.microsoft.com/office/powerpoint/2010/main" val="4108626324"/>
+                <p14:modId xmlns:p14="http://schemas.microsoft.com/office/powerpoint/2010/main" val="4088197492"/>
               </p:ext>
             </p:extLst>
           </p:nvPr>
         </p:nvGraphicFramePr>
         <p:xfrm>
-          <a:off x="3613170" y="1417906"/>
+          <a:off x="3747671" y="2452442"/>
           <a:ext cx="4189995" cy="1463040"/>
         </p:xfrm>
         <a:graphic>
@@ -6500,7 +6539,7 @@
                   </a:extLst>
                 </a:gridCol>
               </a:tblGrid>
-              <a:tr h="316188">
+              <a:tr h="0">
                 <a:tc>
                   <a:txBody>
                     <a:bodyPr/>
@@ -6766,7 +6805,7 @@
         </p:nvSpPr>
         <p:spPr>
           <a:xfrm>
-            <a:off x="8654473" y="3024568"/>
+            <a:off x="8787113" y="4026544"/>
             <a:ext cx="1521033" cy="292359"/>
           </a:xfrm>
           <a:prstGeom prst="rect">
@@ -6815,7 +6854,7 @@
         </p:nvSpPr>
         <p:spPr>
           <a:xfrm rot="16200000">
-            <a:off x="10095135" y="3073134"/>
+            <a:off x="10227775" y="4075110"/>
             <a:ext cx="365145" cy="204403"/>
           </a:xfrm>
           <a:prstGeom prst="actionButtonBackPrevious">
@@ -6859,7 +6898,7 @@
         </p:nvSpPr>
         <p:spPr>
           <a:xfrm>
-            <a:off x="7803165" y="1724786"/>
+            <a:off x="7935805" y="2726762"/>
             <a:ext cx="193366" cy="914400"/>
           </a:xfrm>
           <a:prstGeom prst="rect">
@@ -6904,7 +6943,7 @@
         </p:nvSpPr>
         <p:spPr>
           <a:xfrm rot="5400000">
-            <a:off x="7711757" y="1498277"/>
+            <a:off x="7827179" y="2455256"/>
             <a:ext cx="365145" cy="204403"/>
           </a:xfrm>
           <a:prstGeom prst="actionButtonBackPrevious">
@@ -6949,7 +6988,7 @@
         </p:nvSpPr>
         <p:spPr>
           <a:xfrm rot="16200000">
-            <a:off x="7711757" y="2621413"/>
+            <a:off x="7844397" y="3623389"/>
             <a:ext cx="365145" cy="204403"/>
           </a:xfrm>
           <a:prstGeom prst="actionButtonBackPrevious">
@@ -6994,13 +7033,13 @@
           <p:nvPr>
             <p:extLst>
               <p:ext uri="{D42A27DB-BD31-4B8C-83A1-F6EECF244321}">
-                <p14:modId xmlns:p14="http://schemas.microsoft.com/office/powerpoint/2010/main" val="1839713525"/>
+                <p14:modId xmlns:p14="http://schemas.microsoft.com/office/powerpoint/2010/main" val="1971012226"/>
               </p:ext>
             </p:extLst>
           </p:nvPr>
         </p:nvGraphicFramePr>
         <p:xfrm>
-          <a:off x="3407378" y="3538663"/>
+          <a:off x="3540018" y="4540639"/>
           <a:ext cx="6768126" cy="1529080"/>
         </p:xfrm>
         <a:graphic>
@@ -7344,7 +7383,7 @@
         </p:nvSpPr>
         <p:spPr>
           <a:xfrm>
-            <a:off x="10168371" y="3913422"/>
+            <a:off x="10301011" y="4915398"/>
             <a:ext cx="184250" cy="903958"/>
           </a:xfrm>
           <a:prstGeom prst="rect">
@@ -7389,7 +7428,7 @@
         </p:nvSpPr>
         <p:spPr>
           <a:xfrm rot="5400000">
-            <a:off x="10075830" y="3636631"/>
+            <a:off x="10208470" y="4638607"/>
             <a:ext cx="369332" cy="184250"/>
           </a:xfrm>
           <a:prstGeom prst="actionButtonBackPrevious">
@@ -7434,7 +7473,7 @@
         </p:nvSpPr>
         <p:spPr>
           <a:xfrm rot="16200000">
-            <a:off x="10118840" y="4892015"/>
+            <a:off x="10251480" y="5893991"/>
             <a:ext cx="250962" cy="170323"/>
           </a:xfrm>
           <a:prstGeom prst="actionButtonBackPrevious">
@@ -7729,6 +7768,45 @@
           </a:p>
           <a:p>
             <a:endParaRPr kumimoji="1" lang="ja-JP" altLang="en-US" dirty="0"/>
+          </a:p>
+        </p:txBody>
+      </p:sp>
+      <p:sp>
+        <p:nvSpPr>
+          <p:cNvPr id="36" name="テキスト ボックス 35">
+            <a:extLst>
+              <a:ext uri="{FF2B5EF4-FFF2-40B4-BE49-F238E27FC236}">
+                <a16:creationId xmlns:a16="http://schemas.microsoft.com/office/drawing/2014/main" id="{2A55B900-C6BC-D516-6486-157F765AE86A}"/>
+              </a:ext>
+            </a:extLst>
+          </p:cNvPr>
+          <p:cNvSpPr txBox="1"/>
+          <p:nvPr/>
+        </p:nvSpPr>
+        <p:spPr>
+          <a:xfrm>
+            <a:off x="3628638" y="1461496"/>
+            <a:ext cx="1847352" cy="369332"/>
+          </a:xfrm>
+          <a:prstGeom prst="rect">
+            <a:avLst/>
+          </a:prstGeom>
+          <a:noFill/>
+        </p:spPr>
+        <p:txBody>
+          <a:bodyPr wrap="square" rtlCol="0">
+            <a:spAutoFit/>
+          </a:bodyPr>
+          <a:lstStyle/>
+          <a:p>
+            <a:r>
+              <a:rPr kumimoji="1" lang="en-US" altLang="ja-JP" dirty="0" err="1"/>
+              <a:t>Total:xxxxxx</a:t>
+            </a:r>
+            <a:r>
+              <a:rPr kumimoji="1" lang="ja-JP" altLang="en-US" dirty="0"/>
+              <a:t>円</a:t>
+            </a:r>
           </a:p>
         </p:txBody>
       </p:sp>
@@ -7820,7 +7898,7 @@
         </p:nvSpPr>
         <p:spPr>
           <a:xfrm>
-            <a:off x="1160890" y="898497"/>
+            <a:off x="1127476" y="892264"/>
             <a:ext cx="2170707" cy="5263764"/>
           </a:xfrm>
           <a:prstGeom prst="rect">
@@ -8171,7 +8249,7 @@
         </p:nvSpPr>
         <p:spPr>
           <a:xfrm>
-            <a:off x="1169279" y="4253805"/>
+            <a:off x="3589213" y="1276197"/>
             <a:ext cx="1847352" cy="369332"/>
           </a:xfrm>
           <a:prstGeom prst="rect">
@@ -9975,6 +10053,285 @@
             <a:r>
               <a:rPr kumimoji="1" lang="en-US" altLang="ja-JP" dirty="0"/>
               <a:t>world</a:t>
+            </a:r>
+            <a:endParaRPr kumimoji="1" lang="ja-JP" altLang="en-US" dirty="0"/>
+          </a:p>
+        </p:txBody>
+      </p:sp>
+      <p:sp>
+        <p:nvSpPr>
+          <p:cNvPr id="19" name="テキスト ボックス 18">
+            <a:extLst>
+              <a:ext uri="{FF2B5EF4-FFF2-40B4-BE49-F238E27FC236}">
+                <a16:creationId xmlns:a16="http://schemas.microsoft.com/office/drawing/2014/main" id="{1D81C4C5-887A-2339-F982-31AF2215462C}"/>
+              </a:ext>
+            </a:extLst>
+          </p:cNvPr>
+          <p:cNvSpPr txBox="1"/>
+          <p:nvPr/>
+        </p:nvSpPr>
+        <p:spPr>
+          <a:xfrm>
+            <a:off x="1321679" y="4406205"/>
+            <a:ext cx="1847352" cy="369332"/>
+          </a:xfrm>
+          <a:prstGeom prst="rect">
+            <a:avLst/>
+          </a:prstGeom>
+          <a:noFill/>
+        </p:spPr>
+        <p:txBody>
+          <a:bodyPr wrap="square" rtlCol="0">
+            <a:spAutoFit/>
+          </a:bodyPr>
+          <a:lstStyle/>
+          <a:p>
+            <a:r>
+              <a:rPr kumimoji="1" lang="en-US" altLang="ja-JP" dirty="0" err="1"/>
+              <a:t>Total:xxxxxx</a:t>
+            </a:r>
+            <a:r>
+              <a:rPr kumimoji="1" lang="ja-JP" altLang="en-US" dirty="0"/>
+              <a:t>円</a:t>
+            </a:r>
+          </a:p>
+        </p:txBody>
+      </p:sp>
+      <p:sp>
+        <p:nvSpPr>
+          <p:cNvPr id="49" name="正方形/長方形 48">
+            <a:extLst>
+              <a:ext uri="{FF2B5EF4-FFF2-40B4-BE49-F238E27FC236}">
+                <a16:creationId xmlns:a16="http://schemas.microsoft.com/office/drawing/2014/main" id="{8E60ED6B-61A1-DFCF-D400-C0F4446CDB69}"/>
+              </a:ext>
+            </a:extLst>
+          </p:cNvPr>
+          <p:cNvSpPr/>
+          <p:nvPr/>
+        </p:nvSpPr>
+        <p:spPr>
+          <a:xfrm>
+            <a:off x="7502456" y="1458383"/>
+            <a:ext cx="265831" cy="292359"/>
+          </a:xfrm>
+          <a:prstGeom prst="rect">
+            <a:avLst/>
+          </a:prstGeom>
+        </p:spPr>
+        <p:style>
+          <a:lnRef idx="2">
+            <a:schemeClr val="dk1"/>
+          </a:lnRef>
+          <a:fillRef idx="1">
+            <a:schemeClr val="lt1"/>
+          </a:fillRef>
+          <a:effectRef idx="0">
+            <a:schemeClr val="dk1"/>
+          </a:effectRef>
+          <a:fontRef idx="minor">
+            <a:schemeClr val="dk1"/>
+          </a:fontRef>
+        </p:style>
+        <p:txBody>
+          <a:bodyPr rtlCol="0" anchor="ctr"/>
+          <a:lstStyle/>
+          <a:p>
+            <a:pPr algn="ctr"/>
+            <a:endParaRPr kumimoji="1" lang="ja-JP" altLang="en-US" dirty="0"/>
+          </a:p>
+        </p:txBody>
+      </p:sp>
+      <p:sp>
+        <p:nvSpPr>
+          <p:cNvPr id="50" name="テキスト ボックス 49">
+            <a:extLst>
+              <a:ext uri="{FF2B5EF4-FFF2-40B4-BE49-F238E27FC236}">
+                <a16:creationId xmlns:a16="http://schemas.microsoft.com/office/drawing/2014/main" id="{813947AD-5B90-6D13-1499-8AB375DBFC55}"/>
+              </a:ext>
+            </a:extLst>
+          </p:cNvPr>
+          <p:cNvSpPr txBox="1"/>
+          <p:nvPr/>
+        </p:nvSpPr>
+        <p:spPr>
+          <a:xfrm>
+            <a:off x="7800090" y="1418064"/>
+            <a:ext cx="1598212" cy="369332"/>
+          </a:xfrm>
+          <a:prstGeom prst="rect">
+            <a:avLst/>
+          </a:prstGeom>
+          <a:noFill/>
+        </p:spPr>
+        <p:txBody>
+          <a:bodyPr wrap="square" rtlCol="0">
+            <a:spAutoFit/>
+          </a:bodyPr>
+          <a:lstStyle/>
+          <a:p>
+            <a:r>
+              <a:rPr kumimoji="1" lang="en-US" altLang="ja-JP" dirty="0"/>
+              <a:t>With airplane</a:t>
+            </a:r>
+            <a:endParaRPr kumimoji="1" lang="ja-JP" altLang="en-US" dirty="0"/>
+          </a:p>
+        </p:txBody>
+      </p:sp>
+      <p:sp>
+        <p:nvSpPr>
+          <p:cNvPr id="51" name="正方形/長方形 50">
+            <a:extLst>
+              <a:ext uri="{FF2B5EF4-FFF2-40B4-BE49-F238E27FC236}">
+                <a16:creationId xmlns:a16="http://schemas.microsoft.com/office/drawing/2014/main" id="{B10AA77A-5BD1-CA9B-C0ED-C8BD3D7569A5}"/>
+              </a:ext>
+            </a:extLst>
+          </p:cNvPr>
+          <p:cNvSpPr/>
+          <p:nvPr/>
+        </p:nvSpPr>
+        <p:spPr>
+          <a:xfrm>
+            <a:off x="7489376" y="1879376"/>
+            <a:ext cx="265831" cy="292359"/>
+          </a:xfrm>
+          <a:prstGeom prst="rect">
+            <a:avLst/>
+          </a:prstGeom>
+        </p:spPr>
+        <p:style>
+          <a:lnRef idx="2">
+            <a:schemeClr val="dk1"/>
+          </a:lnRef>
+          <a:fillRef idx="1">
+            <a:schemeClr val="lt1"/>
+          </a:fillRef>
+          <a:effectRef idx="0">
+            <a:schemeClr val="dk1"/>
+          </a:effectRef>
+          <a:fontRef idx="minor">
+            <a:schemeClr val="dk1"/>
+          </a:fontRef>
+        </p:style>
+        <p:txBody>
+          <a:bodyPr rtlCol="0" anchor="ctr"/>
+          <a:lstStyle/>
+          <a:p>
+            <a:pPr algn="ctr"/>
+            <a:endParaRPr kumimoji="1" lang="ja-JP" altLang="en-US" dirty="0"/>
+          </a:p>
+        </p:txBody>
+      </p:sp>
+      <p:sp>
+        <p:nvSpPr>
+          <p:cNvPr id="52" name="テキスト ボックス 51">
+            <a:extLst>
+              <a:ext uri="{FF2B5EF4-FFF2-40B4-BE49-F238E27FC236}">
+                <a16:creationId xmlns:a16="http://schemas.microsoft.com/office/drawing/2014/main" id="{74249E2B-AB83-B9B1-B7E5-5C61B511FC35}"/>
+              </a:ext>
+            </a:extLst>
+          </p:cNvPr>
+          <p:cNvSpPr txBox="1"/>
+          <p:nvPr/>
+        </p:nvSpPr>
+        <p:spPr>
+          <a:xfrm>
+            <a:off x="7787010" y="1839057"/>
+            <a:ext cx="1598212" cy="369332"/>
+          </a:xfrm>
+          <a:prstGeom prst="rect">
+            <a:avLst/>
+          </a:prstGeom>
+          <a:noFill/>
+        </p:spPr>
+        <p:txBody>
+          <a:bodyPr wrap="square" rtlCol="0">
+            <a:spAutoFit/>
+          </a:bodyPr>
+          <a:lstStyle/>
+          <a:p>
+            <a:r>
+              <a:rPr kumimoji="1" lang="en-US" altLang="ja-JP" dirty="0"/>
+              <a:t>Cross border</a:t>
+            </a:r>
+            <a:endParaRPr kumimoji="1" lang="ja-JP" altLang="en-US" dirty="0"/>
+          </a:p>
+        </p:txBody>
+      </p:sp>
+      <p:sp>
+        <p:nvSpPr>
+          <p:cNvPr id="53" name="正方形/長方形 52">
+            <a:extLst>
+              <a:ext uri="{FF2B5EF4-FFF2-40B4-BE49-F238E27FC236}">
+                <a16:creationId xmlns:a16="http://schemas.microsoft.com/office/drawing/2014/main" id="{C9BAD25D-9BF1-AD54-FE21-4B7E4C8CD305}"/>
+              </a:ext>
+            </a:extLst>
+          </p:cNvPr>
+          <p:cNvSpPr/>
+          <p:nvPr/>
+        </p:nvSpPr>
+        <p:spPr>
+          <a:xfrm>
+            <a:off x="7489376" y="2265584"/>
+            <a:ext cx="265831" cy="292359"/>
+          </a:xfrm>
+          <a:prstGeom prst="rect">
+            <a:avLst/>
+          </a:prstGeom>
+        </p:spPr>
+        <p:style>
+          <a:lnRef idx="2">
+            <a:schemeClr val="dk1"/>
+          </a:lnRef>
+          <a:fillRef idx="1">
+            <a:schemeClr val="lt1"/>
+          </a:fillRef>
+          <a:effectRef idx="0">
+            <a:schemeClr val="dk1"/>
+          </a:effectRef>
+          <a:fontRef idx="minor">
+            <a:schemeClr val="dk1"/>
+          </a:fontRef>
+        </p:style>
+        <p:txBody>
+          <a:bodyPr rtlCol="0" anchor="ctr"/>
+          <a:lstStyle/>
+          <a:p>
+            <a:pPr algn="ctr"/>
+            <a:endParaRPr kumimoji="1" lang="ja-JP" altLang="en-US" dirty="0"/>
+          </a:p>
+        </p:txBody>
+      </p:sp>
+      <p:sp>
+        <p:nvSpPr>
+          <p:cNvPr id="54" name="テキスト ボックス 53">
+            <a:extLst>
+              <a:ext uri="{FF2B5EF4-FFF2-40B4-BE49-F238E27FC236}">
+                <a16:creationId xmlns:a16="http://schemas.microsoft.com/office/drawing/2014/main" id="{AE162461-3F9A-F46B-161B-02BB9B3697EB}"/>
+              </a:ext>
+            </a:extLst>
+          </p:cNvPr>
+          <p:cNvSpPr txBox="1"/>
+          <p:nvPr/>
+        </p:nvSpPr>
+        <p:spPr>
+          <a:xfrm>
+            <a:off x="7787010" y="2225265"/>
+            <a:ext cx="1598212" cy="369332"/>
+          </a:xfrm>
+          <a:prstGeom prst="rect">
+            <a:avLst/>
+          </a:prstGeom>
+          <a:noFill/>
+        </p:spPr>
+        <p:txBody>
+          <a:bodyPr wrap="square" rtlCol="0">
+            <a:spAutoFit/>
+          </a:bodyPr>
+          <a:lstStyle/>
+          <a:p>
+            <a:r>
+              <a:rPr lang="en-US" altLang="ja-JP" dirty="0"/>
+              <a:t>Same day</a:t>
             </a:r>
             <a:endParaRPr kumimoji="1" lang="ja-JP" altLang="en-US" dirty="0"/>
           </a:p>
@@ -11528,13 +11885,13 @@
           <p:nvPr>
             <p:extLst>
               <p:ext uri="{D42A27DB-BD31-4B8C-83A1-F6EECF244321}">
-                <p14:modId xmlns:p14="http://schemas.microsoft.com/office/powerpoint/2010/main" val="683334055"/>
+                <p14:modId xmlns:p14="http://schemas.microsoft.com/office/powerpoint/2010/main" val="2095525060"/>
               </p:ext>
             </p:extLst>
           </p:nvPr>
         </p:nvGraphicFramePr>
         <p:xfrm>
-          <a:off x="3613170" y="1417906"/>
+          <a:off x="3846180" y="2185309"/>
           <a:ext cx="4189995" cy="1463040"/>
         </p:xfrm>
         <a:graphic>
@@ -11839,7 +12196,7 @@
         </p:nvSpPr>
         <p:spPr>
           <a:xfrm>
-            <a:off x="7803165" y="1724786"/>
+            <a:off x="8036175" y="2492189"/>
             <a:ext cx="193366" cy="914400"/>
           </a:xfrm>
           <a:prstGeom prst="rect">
@@ -11884,7 +12241,7 @@
         </p:nvSpPr>
         <p:spPr>
           <a:xfrm rot="5400000">
-            <a:off x="7711757" y="1498277"/>
+            <a:off x="7944767" y="2265680"/>
             <a:ext cx="365145" cy="204403"/>
           </a:xfrm>
           <a:prstGeom prst="actionButtonBackPrevious">
@@ -11929,7 +12286,7 @@
         </p:nvSpPr>
         <p:spPr>
           <a:xfrm rot="16200000">
-            <a:off x="7711757" y="2621413"/>
+            <a:off x="7944767" y="3388816"/>
             <a:ext cx="365145" cy="204403"/>
           </a:xfrm>
           <a:prstGeom prst="actionButtonBackPrevious">
@@ -11956,6 +12313,45 @@
           <a:p>
             <a:pPr algn="ctr"/>
             <a:endParaRPr kumimoji="1" lang="ja-JP" altLang="en-US"/>
+          </a:p>
+        </p:txBody>
+      </p:sp>
+      <p:sp>
+        <p:nvSpPr>
+          <p:cNvPr id="33" name="テキスト ボックス 32">
+            <a:extLst>
+              <a:ext uri="{FF2B5EF4-FFF2-40B4-BE49-F238E27FC236}">
+                <a16:creationId xmlns:a16="http://schemas.microsoft.com/office/drawing/2014/main" id="{03ACCA65-7EA9-8C80-8902-0C6F84B647F0}"/>
+              </a:ext>
+            </a:extLst>
+          </p:cNvPr>
+          <p:cNvSpPr txBox="1"/>
+          <p:nvPr/>
+        </p:nvSpPr>
+        <p:spPr>
+          <a:xfrm>
+            <a:off x="3748154" y="1370319"/>
+            <a:ext cx="1847352" cy="369332"/>
+          </a:xfrm>
+          <a:prstGeom prst="rect">
+            <a:avLst/>
+          </a:prstGeom>
+          <a:noFill/>
+        </p:spPr>
+        <p:txBody>
+          <a:bodyPr wrap="square" rtlCol="0">
+            <a:spAutoFit/>
+          </a:bodyPr>
+          <a:lstStyle/>
+          <a:p>
+            <a:r>
+              <a:rPr kumimoji="1" lang="en-US" altLang="ja-JP" dirty="0" err="1"/>
+              <a:t>Total:xxxxxx</a:t>
+            </a:r>
+            <a:r>
+              <a:rPr kumimoji="1" lang="ja-JP" altLang="en-US" dirty="0"/>
+              <a:t>円</a:t>
+            </a:r>
           </a:p>
         </p:txBody>
       </p:sp>

--- a/models/UI.pptx
+++ b/models/UI.pptx
@@ -10,6 +10,7 @@
     <p:sldId id="260" r:id="rId4"/>
     <p:sldId id="258" r:id="rId5"/>
     <p:sldId id="259" r:id="rId6"/>
+    <p:sldId id="261" r:id="rId7"/>
   </p:sldIdLst>
   <p:sldSz cx="12192000" cy="6858000"/>
   <p:notesSz cx="6858000" cy="9144000"/>
@@ -263,7 +264,7 @@
           <a:p>
             <a:fld id="{C0D971C9-DB7B-45E2-859A-01875D4D6A0E}" type="datetimeFigureOut">
               <a:rPr kumimoji="1" lang="ja-JP" altLang="en-US" smtClean="0"/>
-              <a:t>2024/12/8</a:t>
+              <a:t>2024/12/15</a:t>
             </a:fld>
             <a:endParaRPr kumimoji="1" lang="ja-JP" altLang="en-US"/>
           </a:p>
@@ -493,7 +494,7 @@
           <a:p>
             <a:fld id="{C0D971C9-DB7B-45E2-859A-01875D4D6A0E}" type="datetimeFigureOut">
               <a:rPr kumimoji="1" lang="ja-JP" altLang="en-US" smtClean="0"/>
-              <a:t>2024/12/8</a:t>
+              <a:t>2024/12/15</a:t>
             </a:fld>
             <a:endParaRPr kumimoji="1" lang="ja-JP" altLang="en-US"/>
           </a:p>
@@ -733,7 +734,7 @@
           <a:p>
             <a:fld id="{C0D971C9-DB7B-45E2-859A-01875D4D6A0E}" type="datetimeFigureOut">
               <a:rPr kumimoji="1" lang="ja-JP" altLang="en-US" smtClean="0"/>
-              <a:t>2024/12/8</a:t>
+              <a:t>2024/12/15</a:t>
             </a:fld>
             <a:endParaRPr kumimoji="1" lang="ja-JP" altLang="en-US"/>
           </a:p>
@@ -963,7 +964,7 @@
           <a:p>
             <a:fld id="{C0D971C9-DB7B-45E2-859A-01875D4D6A0E}" type="datetimeFigureOut">
               <a:rPr kumimoji="1" lang="ja-JP" altLang="en-US" smtClean="0"/>
-              <a:t>2024/12/8</a:t>
+              <a:t>2024/12/15</a:t>
             </a:fld>
             <a:endParaRPr kumimoji="1" lang="ja-JP" altLang="en-US"/>
           </a:p>
@@ -1238,7 +1239,7 @@
           <a:p>
             <a:fld id="{C0D971C9-DB7B-45E2-859A-01875D4D6A0E}" type="datetimeFigureOut">
               <a:rPr kumimoji="1" lang="ja-JP" altLang="en-US" smtClean="0"/>
-              <a:t>2024/12/8</a:t>
+              <a:t>2024/12/15</a:t>
             </a:fld>
             <a:endParaRPr kumimoji="1" lang="ja-JP" altLang="en-US"/>
           </a:p>
@@ -1567,7 +1568,7 @@
           <a:p>
             <a:fld id="{C0D971C9-DB7B-45E2-859A-01875D4D6A0E}" type="datetimeFigureOut">
               <a:rPr kumimoji="1" lang="ja-JP" altLang="en-US" smtClean="0"/>
-              <a:t>2024/12/8</a:t>
+              <a:t>2024/12/15</a:t>
             </a:fld>
             <a:endParaRPr kumimoji="1" lang="ja-JP" altLang="en-US"/>
           </a:p>
@@ -2043,7 +2044,7 @@
           <a:p>
             <a:fld id="{C0D971C9-DB7B-45E2-859A-01875D4D6A0E}" type="datetimeFigureOut">
               <a:rPr kumimoji="1" lang="ja-JP" altLang="en-US" smtClean="0"/>
-              <a:t>2024/12/8</a:t>
+              <a:t>2024/12/15</a:t>
             </a:fld>
             <a:endParaRPr kumimoji="1" lang="ja-JP" altLang="en-US"/>
           </a:p>
@@ -2184,7 +2185,7 @@
           <a:p>
             <a:fld id="{C0D971C9-DB7B-45E2-859A-01875D4D6A0E}" type="datetimeFigureOut">
               <a:rPr kumimoji="1" lang="ja-JP" altLang="en-US" smtClean="0"/>
-              <a:t>2024/12/8</a:t>
+              <a:t>2024/12/15</a:t>
             </a:fld>
             <a:endParaRPr kumimoji="1" lang="ja-JP" altLang="en-US"/>
           </a:p>
@@ -2297,7 +2298,7 @@
           <a:p>
             <a:fld id="{C0D971C9-DB7B-45E2-859A-01875D4D6A0E}" type="datetimeFigureOut">
               <a:rPr kumimoji="1" lang="ja-JP" altLang="en-US" smtClean="0"/>
-              <a:t>2024/12/8</a:t>
+              <a:t>2024/12/15</a:t>
             </a:fld>
             <a:endParaRPr kumimoji="1" lang="ja-JP" altLang="en-US"/>
           </a:p>
@@ -2640,7 +2641,7 @@
           <a:p>
             <a:fld id="{C0D971C9-DB7B-45E2-859A-01875D4D6A0E}" type="datetimeFigureOut">
               <a:rPr kumimoji="1" lang="ja-JP" altLang="en-US" smtClean="0"/>
-              <a:t>2024/12/8</a:t>
+              <a:t>2024/12/15</a:t>
             </a:fld>
             <a:endParaRPr kumimoji="1" lang="ja-JP" altLang="en-US"/>
           </a:p>
@@ -2928,7 +2929,7 @@
           <a:p>
             <a:fld id="{C0D971C9-DB7B-45E2-859A-01875D4D6A0E}" type="datetimeFigureOut">
               <a:rPr kumimoji="1" lang="ja-JP" altLang="en-US" smtClean="0"/>
-              <a:t>2024/12/8</a:t>
+              <a:t>2024/12/15</a:t>
             </a:fld>
             <a:endParaRPr kumimoji="1" lang="ja-JP" altLang="en-US"/>
           </a:p>
@@ -3201,7 +3202,7 @@
           <a:p>
             <a:fld id="{C0D971C9-DB7B-45E2-859A-01875D4D6A0E}" type="datetimeFigureOut">
               <a:rPr kumimoji="1" lang="ja-JP" altLang="en-US" smtClean="0"/>
-              <a:t>2024/12/8</a:t>
+              <a:t>2024/12/15</a:t>
             </a:fld>
             <a:endParaRPr kumimoji="1" lang="ja-JP" altLang="en-US"/>
           </a:p>
@@ -5737,6 +5738,54 @@
           </a:p>
         </p:txBody>
       </p:sp>
+      <p:sp>
+        <p:nvSpPr>
+          <p:cNvPr id="19" name="四角形: 角を丸くする 18">
+            <a:extLst>
+              <a:ext uri="{FF2B5EF4-FFF2-40B4-BE49-F238E27FC236}">
+                <a16:creationId xmlns:a16="http://schemas.microsoft.com/office/drawing/2014/main" id="{8AD0D9ED-B0C2-05EE-3B7B-9F18380C001E}"/>
+              </a:ext>
+            </a:extLst>
+          </p:cNvPr>
+          <p:cNvSpPr/>
+          <p:nvPr/>
+        </p:nvSpPr>
+        <p:spPr>
+          <a:xfrm>
+            <a:off x="8136358" y="926725"/>
+            <a:ext cx="1598212" cy="369332"/>
+          </a:xfrm>
+          <a:prstGeom prst="roundRect">
+            <a:avLst/>
+          </a:prstGeom>
+        </p:spPr>
+        <p:style>
+          <a:lnRef idx="2">
+            <a:schemeClr val="dk1"/>
+          </a:lnRef>
+          <a:fillRef idx="1">
+            <a:schemeClr val="lt1"/>
+          </a:fillRef>
+          <a:effectRef idx="0">
+            <a:schemeClr val="dk1"/>
+          </a:effectRef>
+          <a:fontRef idx="minor">
+            <a:schemeClr val="dk1"/>
+          </a:fontRef>
+        </p:style>
+        <p:txBody>
+          <a:bodyPr rtlCol="0" anchor="ctr"/>
+          <a:lstStyle/>
+          <a:p>
+            <a:pPr algn="ctr"/>
+            <a:r>
+              <a:rPr kumimoji="1" lang="en-US" altLang="ja-JP" dirty="0"/>
+              <a:t>other</a:t>
+            </a:r>
+            <a:endParaRPr kumimoji="1" lang="ja-JP" altLang="en-US" dirty="0"/>
+          </a:p>
+        </p:txBody>
+      </p:sp>
     </p:spTree>
     <p:extLst>
       <p:ext uri="{BB962C8B-B14F-4D97-AF65-F5344CB8AC3E}">
@@ -7810,6 +7859,54 @@
           </a:p>
         </p:txBody>
       </p:sp>
+      <p:sp>
+        <p:nvSpPr>
+          <p:cNvPr id="13" name="四角形: 角を丸くする 12">
+            <a:extLst>
+              <a:ext uri="{FF2B5EF4-FFF2-40B4-BE49-F238E27FC236}">
+                <a16:creationId xmlns:a16="http://schemas.microsoft.com/office/drawing/2014/main" id="{F1C98899-2DC1-07E9-BA78-BAE958A05FFD}"/>
+              </a:ext>
+            </a:extLst>
+          </p:cNvPr>
+          <p:cNvSpPr/>
+          <p:nvPr/>
+        </p:nvSpPr>
+        <p:spPr>
+          <a:xfrm>
+            <a:off x="8136358" y="926725"/>
+            <a:ext cx="1598212" cy="369332"/>
+          </a:xfrm>
+          <a:prstGeom prst="roundRect">
+            <a:avLst/>
+          </a:prstGeom>
+        </p:spPr>
+        <p:style>
+          <a:lnRef idx="2">
+            <a:schemeClr val="dk1"/>
+          </a:lnRef>
+          <a:fillRef idx="1">
+            <a:schemeClr val="lt1"/>
+          </a:fillRef>
+          <a:effectRef idx="0">
+            <a:schemeClr val="dk1"/>
+          </a:effectRef>
+          <a:fontRef idx="minor">
+            <a:schemeClr val="dk1"/>
+          </a:fontRef>
+        </p:style>
+        <p:txBody>
+          <a:bodyPr rtlCol="0" anchor="ctr"/>
+          <a:lstStyle/>
+          <a:p>
+            <a:pPr algn="ctr"/>
+            <a:r>
+              <a:rPr kumimoji="1" lang="en-US" altLang="ja-JP" dirty="0"/>
+              <a:t>other</a:t>
+            </a:r>
+            <a:endParaRPr kumimoji="1" lang="ja-JP" altLang="en-US" dirty="0"/>
+          </a:p>
+        </p:txBody>
+      </p:sp>
     </p:spTree>
     <p:extLst>
       <p:ext uri="{BB962C8B-B14F-4D97-AF65-F5344CB8AC3E}">
@@ -10259,10 +10356,10 @@
       </p:sp>
       <p:sp>
         <p:nvSpPr>
-          <p:cNvPr id="53" name="正方形/長方形 52">
-            <a:extLst>
-              <a:ext uri="{FF2B5EF4-FFF2-40B4-BE49-F238E27FC236}">
-                <a16:creationId xmlns:a16="http://schemas.microsoft.com/office/drawing/2014/main" id="{C9BAD25D-9BF1-AD54-FE21-4B7E4C8CD305}"/>
+          <p:cNvPr id="20" name="四角形: 角を丸くする 19">
+            <a:extLst>
+              <a:ext uri="{FF2B5EF4-FFF2-40B4-BE49-F238E27FC236}">
+                <a16:creationId xmlns:a16="http://schemas.microsoft.com/office/drawing/2014/main" id="{2BA8EE9C-424C-48AD-3F3F-62E8023E2366}"/>
               </a:ext>
             </a:extLst>
           </p:cNvPr>
@@ -10271,10 +10368,10 @@
         </p:nvSpPr>
         <p:spPr>
           <a:xfrm>
-            <a:off x="7489376" y="2265584"/>
-            <a:ext cx="265831" cy="292359"/>
-          </a:xfrm>
-          <a:prstGeom prst="rect">
+            <a:off x="8136358" y="926725"/>
+            <a:ext cx="1598212" cy="369332"/>
+          </a:xfrm>
+          <a:prstGeom prst="roundRect">
             <a:avLst/>
           </a:prstGeom>
         </p:spPr>
@@ -10297,41 +10394,9 @@
           <a:lstStyle/>
           <a:p>
             <a:pPr algn="ctr"/>
-            <a:endParaRPr kumimoji="1" lang="ja-JP" altLang="en-US" dirty="0"/>
-          </a:p>
-        </p:txBody>
-      </p:sp>
-      <p:sp>
-        <p:nvSpPr>
-          <p:cNvPr id="54" name="テキスト ボックス 53">
-            <a:extLst>
-              <a:ext uri="{FF2B5EF4-FFF2-40B4-BE49-F238E27FC236}">
-                <a16:creationId xmlns:a16="http://schemas.microsoft.com/office/drawing/2014/main" id="{AE162461-3F9A-F46B-161B-02BB9B3697EB}"/>
-              </a:ext>
-            </a:extLst>
-          </p:cNvPr>
-          <p:cNvSpPr txBox="1"/>
-          <p:nvPr/>
-        </p:nvSpPr>
-        <p:spPr>
-          <a:xfrm>
-            <a:off x="7787010" y="2225265"/>
-            <a:ext cx="1598212" cy="369332"/>
-          </a:xfrm>
-          <a:prstGeom prst="rect">
-            <a:avLst/>
-          </a:prstGeom>
-          <a:noFill/>
-        </p:spPr>
-        <p:txBody>
-          <a:bodyPr wrap="square" rtlCol="0">
-            <a:spAutoFit/>
-          </a:bodyPr>
-          <a:lstStyle/>
-          <a:p>
-            <a:r>
-              <a:rPr lang="en-US" altLang="ja-JP" dirty="0"/>
-              <a:t>Same day</a:t>
+            <a:r>
+              <a:rPr kumimoji="1" lang="en-US" altLang="ja-JP" dirty="0"/>
+              <a:t>other</a:t>
             </a:r>
             <a:endParaRPr kumimoji="1" lang="ja-JP" altLang="en-US" dirty="0"/>
           </a:p>
@@ -12355,10 +12420,2122 @@
           </a:p>
         </p:txBody>
       </p:sp>
+      <p:sp>
+        <p:nvSpPr>
+          <p:cNvPr id="13" name="四角形: 角を丸くする 12">
+            <a:extLst>
+              <a:ext uri="{FF2B5EF4-FFF2-40B4-BE49-F238E27FC236}">
+                <a16:creationId xmlns:a16="http://schemas.microsoft.com/office/drawing/2014/main" id="{1C3EB59A-2EC5-F1B0-7152-6B31A86D5464}"/>
+              </a:ext>
+            </a:extLst>
+          </p:cNvPr>
+          <p:cNvSpPr/>
+          <p:nvPr/>
+        </p:nvSpPr>
+        <p:spPr>
+          <a:xfrm>
+            <a:off x="8136358" y="926725"/>
+            <a:ext cx="1598212" cy="369332"/>
+          </a:xfrm>
+          <a:prstGeom prst="roundRect">
+            <a:avLst/>
+          </a:prstGeom>
+        </p:spPr>
+        <p:style>
+          <a:lnRef idx="2">
+            <a:schemeClr val="dk1"/>
+          </a:lnRef>
+          <a:fillRef idx="1">
+            <a:schemeClr val="lt1"/>
+          </a:fillRef>
+          <a:effectRef idx="0">
+            <a:schemeClr val="dk1"/>
+          </a:effectRef>
+          <a:fontRef idx="minor">
+            <a:schemeClr val="dk1"/>
+          </a:fontRef>
+        </p:style>
+        <p:txBody>
+          <a:bodyPr rtlCol="0" anchor="ctr"/>
+          <a:lstStyle/>
+          <a:p>
+            <a:pPr algn="ctr"/>
+            <a:r>
+              <a:rPr kumimoji="1" lang="en-US" altLang="ja-JP" dirty="0"/>
+              <a:t>other</a:t>
+            </a:r>
+            <a:endParaRPr kumimoji="1" lang="ja-JP" altLang="en-US" dirty="0"/>
+          </a:p>
+        </p:txBody>
+      </p:sp>
     </p:spTree>
     <p:extLst>
       <p:ext uri="{BB962C8B-B14F-4D97-AF65-F5344CB8AC3E}">
         <p14:creationId xmlns:p14="http://schemas.microsoft.com/office/powerpoint/2010/main" val="2629372061"/>
+      </p:ext>
+    </p:extLst>
+  </p:cSld>
+  <p:clrMapOvr>
+    <a:masterClrMapping/>
+  </p:clrMapOvr>
+</p:sld>
+</file>
+
+<file path=ppt/slides/slide6.xml><?xml version="1.0" encoding="utf-8"?>
+<p:sld xmlns:a="http://schemas.openxmlformats.org/drawingml/2006/main" xmlns:r="http://schemas.openxmlformats.org/officeDocument/2006/relationships" xmlns:p="http://schemas.openxmlformats.org/presentationml/2006/main">
+  <p:cSld>
+    <p:spTree>
+      <p:nvGrpSpPr>
+        <p:cNvPr id="1" name=""/>
+        <p:cNvGrpSpPr/>
+        <p:nvPr/>
+      </p:nvGrpSpPr>
+      <p:grpSpPr>
+        <a:xfrm>
+          <a:off x="0" y="0"/>
+          <a:ext cx="0" cy="0"/>
+          <a:chOff x="0" y="0"/>
+          <a:chExt cx="0" cy="0"/>
+        </a:xfrm>
+      </p:grpSpPr>
+      <p:sp>
+        <p:nvSpPr>
+          <p:cNvPr id="2" name="正方形/長方形 1">
+            <a:extLst>
+              <a:ext uri="{FF2B5EF4-FFF2-40B4-BE49-F238E27FC236}">
+                <a16:creationId xmlns:a16="http://schemas.microsoft.com/office/drawing/2014/main" id="{01B48B62-9EB0-9876-5D3C-9E9619E624EB}"/>
+              </a:ext>
+            </a:extLst>
+          </p:cNvPr>
+          <p:cNvSpPr/>
+          <p:nvPr/>
+        </p:nvSpPr>
+        <p:spPr>
+          <a:xfrm>
+            <a:off x="1267305" y="892264"/>
+            <a:ext cx="9430247" cy="5263764"/>
+          </a:xfrm>
+          <a:prstGeom prst="rect">
+            <a:avLst/>
+          </a:prstGeom>
+        </p:spPr>
+        <p:style>
+          <a:lnRef idx="2">
+            <a:schemeClr val="dk1"/>
+          </a:lnRef>
+          <a:fillRef idx="1">
+            <a:schemeClr val="lt1"/>
+          </a:fillRef>
+          <a:effectRef idx="0">
+            <a:schemeClr val="dk1"/>
+          </a:effectRef>
+          <a:fontRef idx="minor">
+            <a:schemeClr val="dk1"/>
+          </a:fontRef>
+        </p:style>
+        <p:txBody>
+          <a:bodyPr rtlCol="0" anchor="ctr"/>
+          <a:lstStyle/>
+          <a:p>
+            <a:pPr algn="ctr"/>
+            <a:endParaRPr kumimoji="1" lang="ja-JP" altLang="en-US" dirty="0"/>
+          </a:p>
+        </p:txBody>
+      </p:sp>
+      <p:sp>
+        <p:nvSpPr>
+          <p:cNvPr id="3" name="正方形/長方形 2">
+            <a:extLst>
+              <a:ext uri="{FF2B5EF4-FFF2-40B4-BE49-F238E27FC236}">
+                <a16:creationId xmlns:a16="http://schemas.microsoft.com/office/drawing/2014/main" id="{6E1F8BD5-268F-80DE-F40A-597316CC1E7D}"/>
+              </a:ext>
+            </a:extLst>
+          </p:cNvPr>
+          <p:cNvSpPr/>
+          <p:nvPr/>
+        </p:nvSpPr>
+        <p:spPr>
+          <a:xfrm>
+            <a:off x="1160890" y="898497"/>
+            <a:ext cx="2170707" cy="5263764"/>
+          </a:xfrm>
+          <a:prstGeom prst="rect">
+            <a:avLst/>
+          </a:prstGeom>
+        </p:spPr>
+        <p:style>
+          <a:lnRef idx="2">
+            <a:schemeClr val="dk1"/>
+          </a:lnRef>
+          <a:fillRef idx="1">
+            <a:schemeClr val="lt1"/>
+          </a:fillRef>
+          <a:effectRef idx="0">
+            <a:schemeClr val="dk1"/>
+          </a:effectRef>
+          <a:fontRef idx="minor">
+            <a:schemeClr val="dk1"/>
+          </a:fontRef>
+        </p:style>
+        <p:txBody>
+          <a:bodyPr rtlCol="0" anchor="ctr"/>
+          <a:lstStyle/>
+          <a:p>
+            <a:pPr algn="ctr"/>
+            <a:endParaRPr kumimoji="1" lang="ja-JP" altLang="en-US"/>
+          </a:p>
+        </p:txBody>
+      </p:sp>
+      <p:sp>
+        <p:nvSpPr>
+          <p:cNvPr id="4" name="正方形/長方形 3">
+            <a:extLst>
+              <a:ext uri="{FF2B5EF4-FFF2-40B4-BE49-F238E27FC236}">
+                <a16:creationId xmlns:a16="http://schemas.microsoft.com/office/drawing/2014/main" id="{C5A5753D-9AB2-2EA2-E221-E71768BB32ED}"/>
+              </a:ext>
+            </a:extLst>
+          </p:cNvPr>
+          <p:cNvSpPr/>
+          <p:nvPr/>
+        </p:nvSpPr>
+        <p:spPr>
+          <a:xfrm>
+            <a:off x="2116254" y="2740030"/>
+            <a:ext cx="1184743" cy="974438"/>
+          </a:xfrm>
+          <a:prstGeom prst="rect">
+            <a:avLst/>
+          </a:prstGeom>
+        </p:spPr>
+        <p:style>
+          <a:lnRef idx="2">
+            <a:schemeClr val="dk1"/>
+          </a:lnRef>
+          <a:fillRef idx="1">
+            <a:schemeClr val="lt1"/>
+          </a:fillRef>
+          <a:effectRef idx="0">
+            <a:schemeClr val="dk1"/>
+          </a:effectRef>
+          <a:fontRef idx="minor">
+            <a:schemeClr val="dk1"/>
+          </a:fontRef>
+        </p:style>
+        <p:txBody>
+          <a:bodyPr rtlCol="0" anchor="ctr"/>
+          <a:lstStyle/>
+          <a:p>
+            <a:pPr algn="ctr"/>
+            <a:endParaRPr kumimoji="1" lang="ja-JP" altLang="en-US"/>
+          </a:p>
+        </p:txBody>
+      </p:sp>
+      <p:grpSp>
+        <p:nvGrpSpPr>
+          <p:cNvPr id="5" name="グループ化 4">
+            <a:extLst>
+              <a:ext uri="{FF2B5EF4-FFF2-40B4-BE49-F238E27FC236}">
+                <a16:creationId xmlns:a16="http://schemas.microsoft.com/office/drawing/2014/main" id="{FB13551E-7F7F-A341-70A2-8CCD12D28713}"/>
+              </a:ext>
+            </a:extLst>
+          </p:cNvPr>
+          <p:cNvGrpSpPr/>
+          <p:nvPr/>
+        </p:nvGrpSpPr>
+        <p:grpSpPr>
+          <a:xfrm>
+            <a:off x="2254900" y="2733080"/>
+            <a:ext cx="975361" cy="940510"/>
+            <a:chOff x="9591921" y="1516576"/>
+            <a:chExt cx="975361" cy="940510"/>
+          </a:xfrm>
+        </p:grpSpPr>
+        <p:sp>
+          <p:nvSpPr>
+            <p:cNvPr id="6" name="楕円 5">
+              <a:extLst>
+                <a:ext uri="{FF2B5EF4-FFF2-40B4-BE49-F238E27FC236}">
+                  <a16:creationId xmlns:a16="http://schemas.microsoft.com/office/drawing/2014/main" id="{7D7D7B7B-BF8E-F958-E8AF-A9B68603B2DC}"/>
+                </a:ext>
+              </a:extLst>
+            </p:cNvPr>
+            <p:cNvSpPr/>
+            <p:nvPr/>
+          </p:nvSpPr>
+          <p:spPr>
+            <a:xfrm>
+              <a:off x="9598548" y="1603838"/>
+              <a:ext cx="159026" cy="194808"/>
+            </a:xfrm>
+            <a:prstGeom prst="ellipse">
+              <a:avLst/>
+            </a:prstGeom>
+          </p:spPr>
+          <p:style>
+            <a:lnRef idx="2">
+              <a:schemeClr val="dk1">
+                <a:shade val="15000"/>
+              </a:schemeClr>
+            </a:lnRef>
+            <a:fillRef idx="1">
+              <a:schemeClr val="dk1"/>
+            </a:fillRef>
+            <a:effectRef idx="0">
+              <a:schemeClr val="dk1"/>
+            </a:effectRef>
+            <a:fontRef idx="minor">
+              <a:schemeClr val="lt1"/>
+            </a:fontRef>
+          </p:style>
+          <p:txBody>
+            <a:bodyPr rtlCol="0" anchor="ctr"/>
+            <a:lstStyle/>
+            <a:p>
+              <a:pPr algn="ctr"/>
+              <a:endParaRPr kumimoji="1" lang="ja-JP" altLang="en-US"/>
+            </a:p>
+          </p:txBody>
+        </p:sp>
+        <p:sp>
+          <p:nvSpPr>
+            <p:cNvPr id="7" name="テキスト ボックス 6">
+              <a:extLst>
+                <a:ext uri="{FF2B5EF4-FFF2-40B4-BE49-F238E27FC236}">
+                  <a16:creationId xmlns:a16="http://schemas.microsoft.com/office/drawing/2014/main" id="{CC1D1D68-F8E0-8A86-C4A6-565E04C82EC7}"/>
+                </a:ext>
+              </a:extLst>
+            </p:cNvPr>
+            <p:cNvSpPr txBox="1"/>
+            <p:nvPr/>
+          </p:nvSpPr>
+          <p:spPr>
+            <a:xfrm>
+              <a:off x="9748298" y="1516576"/>
+              <a:ext cx="818984" cy="369332"/>
+            </a:xfrm>
+            <a:prstGeom prst="rect">
+              <a:avLst/>
+            </a:prstGeom>
+            <a:noFill/>
+          </p:spPr>
+          <p:txBody>
+            <a:bodyPr wrap="square" rtlCol="0">
+              <a:spAutoFit/>
+            </a:bodyPr>
+            <a:lstStyle/>
+            <a:p>
+              <a:r>
+                <a:rPr kumimoji="1" lang="en-US" altLang="ja-JP" dirty="0"/>
+                <a:t>JPY</a:t>
+              </a:r>
+              <a:endParaRPr kumimoji="1" lang="ja-JP" altLang="en-US" dirty="0"/>
+            </a:p>
+          </p:txBody>
+        </p:sp>
+        <p:sp>
+          <p:nvSpPr>
+            <p:cNvPr id="8" name="楕円 7">
+              <a:extLst>
+                <a:ext uri="{FF2B5EF4-FFF2-40B4-BE49-F238E27FC236}">
+                  <a16:creationId xmlns:a16="http://schemas.microsoft.com/office/drawing/2014/main" id="{DB522B0D-0E49-4C29-6C97-44AC7EC86CD7}"/>
+                </a:ext>
+              </a:extLst>
+            </p:cNvPr>
+            <p:cNvSpPr/>
+            <p:nvPr/>
+          </p:nvSpPr>
+          <p:spPr>
+            <a:xfrm>
+              <a:off x="9611800" y="1882657"/>
+              <a:ext cx="159026" cy="194808"/>
+            </a:xfrm>
+            <a:prstGeom prst="ellipse">
+              <a:avLst/>
+            </a:prstGeom>
+          </p:spPr>
+          <p:style>
+            <a:lnRef idx="2">
+              <a:schemeClr val="dk1"/>
+            </a:lnRef>
+            <a:fillRef idx="1">
+              <a:schemeClr val="lt1"/>
+            </a:fillRef>
+            <a:effectRef idx="0">
+              <a:schemeClr val="dk1"/>
+            </a:effectRef>
+            <a:fontRef idx="minor">
+              <a:schemeClr val="dk1"/>
+            </a:fontRef>
+          </p:style>
+          <p:txBody>
+            <a:bodyPr rtlCol="0" anchor="ctr"/>
+            <a:lstStyle/>
+            <a:p>
+              <a:pPr algn="ctr"/>
+              <a:endParaRPr kumimoji="1" lang="ja-JP" altLang="en-US"/>
+            </a:p>
+          </p:txBody>
+        </p:sp>
+        <p:sp>
+          <p:nvSpPr>
+            <p:cNvPr id="9" name="テキスト ボックス 8">
+              <a:extLst>
+                <a:ext uri="{FF2B5EF4-FFF2-40B4-BE49-F238E27FC236}">
+                  <a16:creationId xmlns:a16="http://schemas.microsoft.com/office/drawing/2014/main" id="{A6EABA8F-AC0D-DA6F-F790-C82868EB8831}"/>
+                </a:ext>
+              </a:extLst>
+            </p:cNvPr>
+            <p:cNvSpPr txBox="1"/>
+            <p:nvPr/>
+          </p:nvSpPr>
+          <p:spPr>
+            <a:xfrm>
+              <a:off x="9741671" y="1798123"/>
+              <a:ext cx="818984" cy="369332"/>
+            </a:xfrm>
+            <a:prstGeom prst="rect">
+              <a:avLst/>
+            </a:prstGeom>
+            <a:noFill/>
+          </p:spPr>
+          <p:txBody>
+            <a:bodyPr wrap="square" rtlCol="0">
+              <a:spAutoFit/>
+            </a:bodyPr>
+            <a:lstStyle/>
+            <a:p>
+              <a:r>
+                <a:rPr kumimoji="1" lang="en-US" altLang="ja-JP" dirty="0"/>
+                <a:t>USD</a:t>
+              </a:r>
+              <a:endParaRPr kumimoji="1" lang="ja-JP" altLang="en-US" dirty="0"/>
+            </a:p>
+          </p:txBody>
+        </p:sp>
+        <p:sp>
+          <p:nvSpPr>
+            <p:cNvPr id="10" name="楕円 9">
+              <a:extLst>
+                <a:ext uri="{FF2B5EF4-FFF2-40B4-BE49-F238E27FC236}">
+                  <a16:creationId xmlns:a16="http://schemas.microsoft.com/office/drawing/2014/main" id="{78E579B5-05D2-B47A-38AB-252EFDC174E5}"/>
+                </a:ext>
+              </a:extLst>
+            </p:cNvPr>
+            <p:cNvSpPr/>
+            <p:nvPr/>
+          </p:nvSpPr>
+          <p:spPr>
+            <a:xfrm>
+              <a:off x="9591921" y="2175016"/>
+              <a:ext cx="159026" cy="194808"/>
+            </a:xfrm>
+            <a:prstGeom prst="ellipse">
+              <a:avLst/>
+            </a:prstGeom>
+          </p:spPr>
+          <p:style>
+            <a:lnRef idx="2">
+              <a:schemeClr val="dk1"/>
+            </a:lnRef>
+            <a:fillRef idx="1">
+              <a:schemeClr val="lt1"/>
+            </a:fillRef>
+            <a:effectRef idx="0">
+              <a:schemeClr val="dk1"/>
+            </a:effectRef>
+            <a:fontRef idx="minor">
+              <a:schemeClr val="dk1"/>
+            </a:fontRef>
+          </p:style>
+          <p:txBody>
+            <a:bodyPr rtlCol="0" anchor="ctr"/>
+            <a:lstStyle/>
+            <a:p>
+              <a:pPr algn="ctr"/>
+              <a:endParaRPr kumimoji="1" lang="ja-JP" altLang="en-US"/>
+            </a:p>
+          </p:txBody>
+        </p:sp>
+        <p:sp>
+          <p:nvSpPr>
+            <p:cNvPr id="11" name="テキスト ボックス 10">
+              <a:extLst>
+                <a:ext uri="{FF2B5EF4-FFF2-40B4-BE49-F238E27FC236}">
+                  <a16:creationId xmlns:a16="http://schemas.microsoft.com/office/drawing/2014/main" id="{A5AA07D7-EC80-1522-A7D9-3FB13CD3BF07}"/>
+                </a:ext>
+              </a:extLst>
+            </p:cNvPr>
+            <p:cNvSpPr txBox="1"/>
+            <p:nvPr/>
+          </p:nvSpPr>
+          <p:spPr>
+            <a:xfrm>
+              <a:off x="9741671" y="2087754"/>
+              <a:ext cx="818984" cy="369332"/>
+            </a:xfrm>
+            <a:prstGeom prst="rect">
+              <a:avLst/>
+            </a:prstGeom>
+            <a:noFill/>
+          </p:spPr>
+          <p:txBody>
+            <a:bodyPr wrap="square" rtlCol="0">
+              <a:spAutoFit/>
+            </a:bodyPr>
+            <a:lstStyle/>
+            <a:p>
+              <a:r>
+                <a:rPr lang="en-US" altLang="ja-JP" dirty="0"/>
+                <a:t>EUR</a:t>
+              </a:r>
+              <a:endParaRPr kumimoji="1" lang="ja-JP" altLang="en-US" dirty="0"/>
+            </a:p>
+          </p:txBody>
+        </p:sp>
+      </p:grpSp>
+      <p:sp>
+        <p:nvSpPr>
+          <p:cNvPr id="12" name="テキスト ボックス 11">
+            <a:extLst>
+              <a:ext uri="{FF2B5EF4-FFF2-40B4-BE49-F238E27FC236}">
+                <a16:creationId xmlns:a16="http://schemas.microsoft.com/office/drawing/2014/main" id="{0C359C2F-9777-694E-3ECB-32E2B2551E0B}"/>
+              </a:ext>
+            </a:extLst>
+          </p:cNvPr>
+          <p:cNvSpPr txBox="1"/>
+          <p:nvPr/>
+        </p:nvSpPr>
+        <p:spPr>
+          <a:xfrm>
+            <a:off x="1169279" y="4253805"/>
+            <a:ext cx="1847352" cy="369332"/>
+          </a:xfrm>
+          <a:prstGeom prst="rect">
+            <a:avLst/>
+          </a:prstGeom>
+          <a:noFill/>
+        </p:spPr>
+        <p:txBody>
+          <a:bodyPr wrap="square" rtlCol="0">
+            <a:spAutoFit/>
+          </a:bodyPr>
+          <a:lstStyle/>
+          <a:p>
+            <a:r>
+              <a:rPr kumimoji="1" lang="en-US" altLang="ja-JP" dirty="0" err="1"/>
+              <a:t>Total:xxxxxx</a:t>
+            </a:r>
+            <a:r>
+              <a:rPr kumimoji="1" lang="ja-JP" altLang="en-US" dirty="0"/>
+              <a:t>円</a:t>
+            </a:r>
+          </a:p>
+        </p:txBody>
+      </p:sp>
+      <p:sp>
+        <p:nvSpPr>
+          <p:cNvPr id="13" name="テキスト ボックス 12">
+            <a:extLst>
+              <a:ext uri="{FF2B5EF4-FFF2-40B4-BE49-F238E27FC236}">
+                <a16:creationId xmlns:a16="http://schemas.microsoft.com/office/drawing/2014/main" id="{CC65EEC7-91AC-A177-994D-37729B305E28}"/>
+              </a:ext>
+            </a:extLst>
+          </p:cNvPr>
+          <p:cNvSpPr txBox="1"/>
+          <p:nvPr/>
+        </p:nvSpPr>
+        <p:spPr>
+          <a:xfrm>
+            <a:off x="2182826" y="3813277"/>
+            <a:ext cx="1445812" cy="369332"/>
+          </a:xfrm>
+          <a:prstGeom prst="rect">
+            <a:avLst/>
+          </a:prstGeom>
+          <a:noFill/>
+        </p:spPr>
+        <p:txBody>
+          <a:bodyPr wrap="square" rtlCol="0">
+            <a:spAutoFit/>
+          </a:bodyPr>
+          <a:lstStyle/>
+          <a:p>
+            <a:r>
+              <a:rPr kumimoji="1" lang="en-US" altLang="ja-JP" dirty="0"/>
+              <a:t>XX</a:t>
+            </a:r>
+            <a:r>
+              <a:rPr kumimoji="1" lang="ja-JP" altLang="en-US" dirty="0"/>
+              <a:t>カ国</a:t>
+            </a:r>
+          </a:p>
+        </p:txBody>
+      </p:sp>
+      <p:sp>
+        <p:nvSpPr>
+          <p:cNvPr id="14" name="四角形: 角を丸くする 13">
+            <a:extLst>
+              <a:ext uri="{FF2B5EF4-FFF2-40B4-BE49-F238E27FC236}">
+                <a16:creationId xmlns:a16="http://schemas.microsoft.com/office/drawing/2014/main" id="{804C2D59-5BE4-8CC2-908F-F0820C654495}"/>
+              </a:ext>
+            </a:extLst>
+          </p:cNvPr>
+          <p:cNvSpPr/>
+          <p:nvPr/>
+        </p:nvSpPr>
+        <p:spPr>
+          <a:xfrm>
+            <a:off x="3331597" y="917912"/>
+            <a:ext cx="1598212" cy="369332"/>
+          </a:xfrm>
+          <a:prstGeom prst="roundRect">
+            <a:avLst/>
+          </a:prstGeom>
+        </p:spPr>
+        <p:style>
+          <a:lnRef idx="2">
+            <a:schemeClr val="dk1"/>
+          </a:lnRef>
+          <a:fillRef idx="1">
+            <a:schemeClr val="lt1"/>
+          </a:fillRef>
+          <a:effectRef idx="0">
+            <a:schemeClr val="dk1"/>
+          </a:effectRef>
+          <a:fontRef idx="minor">
+            <a:schemeClr val="dk1"/>
+          </a:fontRef>
+        </p:style>
+        <p:txBody>
+          <a:bodyPr rtlCol="0" anchor="ctr"/>
+          <a:lstStyle/>
+          <a:p>
+            <a:pPr algn="ctr"/>
+            <a:r>
+              <a:rPr lang="en-US" altLang="ja-JP" sz="1400" dirty="0"/>
+              <a:t>accommodation</a:t>
+            </a:r>
+            <a:endParaRPr kumimoji="1" lang="ja-JP" altLang="en-US" sz="1400" dirty="0"/>
+          </a:p>
+        </p:txBody>
+      </p:sp>
+      <p:sp>
+        <p:nvSpPr>
+          <p:cNvPr id="15" name="四角形: 角を丸くする 14">
+            <a:extLst>
+              <a:ext uri="{FF2B5EF4-FFF2-40B4-BE49-F238E27FC236}">
+                <a16:creationId xmlns:a16="http://schemas.microsoft.com/office/drawing/2014/main" id="{41B26FF6-2F68-8B4D-1028-DC0EDA415617}"/>
+              </a:ext>
+            </a:extLst>
+          </p:cNvPr>
+          <p:cNvSpPr/>
+          <p:nvPr/>
+        </p:nvSpPr>
+        <p:spPr>
+          <a:xfrm>
+            <a:off x="4929809" y="907494"/>
+            <a:ext cx="1598212" cy="369332"/>
+          </a:xfrm>
+          <a:prstGeom prst="roundRect">
+            <a:avLst/>
+          </a:prstGeom>
+        </p:spPr>
+        <p:style>
+          <a:lnRef idx="2">
+            <a:schemeClr val="dk1"/>
+          </a:lnRef>
+          <a:fillRef idx="1">
+            <a:schemeClr val="lt1"/>
+          </a:fillRef>
+          <a:effectRef idx="0">
+            <a:schemeClr val="dk1"/>
+          </a:effectRef>
+          <a:fontRef idx="minor">
+            <a:schemeClr val="dk1"/>
+          </a:fontRef>
+        </p:style>
+        <p:txBody>
+          <a:bodyPr rtlCol="0" anchor="ctr"/>
+          <a:lstStyle/>
+          <a:p>
+            <a:pPr algn="ctr"/>
+            <a:r>
+              <a:rPr lang="en-US" altLang="ja-JP" sz="1600" dirty="0"/>
+              <a:t>transportation</a:t>
+            </a:r>
+            <a:endParaRPr kumimoji="1" lang="ja-JP" altLang="en-US" sz="1600" dirty="0"/>
+          </a:p>
+        </p:txBody>
+      </p:sp>
+      <p:sp>
+        <p:nvSpPr>
+          <p:cNvPr id="16" name="四角形: 角を丸くする 15">
+            <a:extLst>
+              <a:ext uri="{FF2B5EF4-FFF2-40B4-BE49-F238E27FC236}">
+                <a16:creationId xmlns:a16="http://schemas.microsoft.com/office/drawing/2014/main" id="{50243A87-D0C3-170F-8B9E-9462D926ED11}"/>
+              </a:ext>
+            </a:extLst>
+          </p:cNvPr>
+          <p:cNvSpPr/>
+          <p:nvPr/>
+        </p:nvSpPr>
+        <p:spPr>
+          <a:xfrm>
+            <a:off x="6528021" y="907494"/>
+            <a:ext cx="1598212" cy="369332"/>
+          </a:xfrm>
+          <a:prstGeom prst="roundRect">
+            <a:avLst/>
+          </a:prstGeom>
+        </p:spPr>
+        <p:style>
+          <a:lnRef idx="2">
+            <a:schemeClr val="accent3"/>
+          </a:lnRef>
+          <a:fillRef idx="1">
+            <a:schemeClr val="lt1"/>
+          </a:fillRef>
+          <a:effectRef idx="0">
+            <a:schemeClr val="accent3"/>
+          </a:effectRef>
+          <a:fontRef idx="minor">
+            <a:schemeClr val="dk1"/>
+          </a:fontRef>
+        </p:style>
+        <p:txBody>
+          <a:bodyPr rtlCol="0" anchor="ctr"/>
+          <a:lstStyle/>
+          <a:p>
+            <a:pPr algn="ctr"/>
+            <a:r>
+              <a:rPr kumimoji="1" lang="en-US" altLang="ja-JP" dirty="0"/>
+              <a:t>sightseeing</a:t>
+            </a:r>
+            <a:endParaRPr kumimoji="1" lang="ja-JP" altLang="en-US" dirty="0"/>
+          </a:p>
+        </p:txBody>
+      </p:sp>
+      <p:sp>
+        <p:nvSpPr>
+          <p:cNvPr id="17" name="正方形/長方形 16">
+            <a:extLst>
+              <a:ext uri="{FF2B5EF4-FFF2-40B4-BE49-F238E27FC236}">
+                <a16:creationId xmlns:a16="http://schemas.microsoft.com/office/drawing/2014/main" id="{A1162FF5-31B5-50FA-993F-2595C67FC946}"/>
+              </a:ext>
+            </a:extLst>
+          </p:cNvPr>
+          <p:cNvSpPr/>
+          <p:nvPr/>
+        </p:nvSpPr>
+        <p:spPr>
+          <a:xfrm>
+            <a:off x="1958657" y="1256418"/>
+            <a:ext cx="1163540" cy="292359"/>
+          </a:xfrm>
+          <a:prstGeom prst="rect">
+            <a:avLst/>
+          </a:prstGeom>
+        </p:spPr>
+        <p:style>
+          <a:lnRef idx="2">
+            <a:schemeClr val="dk1"/>
+          </a:lnRef>
+          <a:fillRef idx="1">
+            <a:schemeClr val="lt1"/>
+          </a:fillRef>
+          <a:effectRef idx="0">
+            <a:schemeClr val="dk1"/>
+          </a:effectRef>
+          <a:fontRef idx="minor">
+            <a:schemeClr val="dk1"/>
+          </a:fontRef>
+        </p:style>
+        <p:txBody>
+          <a:bodyPr rtlCol="0" anchor="ctr"/>
+          <a:lstStyle/>
+          <a:p>
+            <a:pPr algn="ctr"/>
+            <a:r>
+              <a:rPr lang="en-US" altLang="ja-JP" dirty="0"/>
+              <a:t>Japan</a:t>
+            </a:r>
+            <a:endParaRPr kumimoji="1" lang="ja-JP" altLang="en-US" dirty="0"/>
+          </a:p>
+        </p:txBody>
+      </p:sp>
+      <p:sp>
+        <p:nvSpPr>
+          <p:cNvPr id="18" name="動作設定ボタン: 戻る/前へ 17">
+            <a:hlinkClick r:id="" action="ppaction://hlinkshowjump?jump=previousslide" highlightClick="1"/>
+            <a:extLst>
+              <a:ext uri="{FF2B5EF4-FFF2-40B4-BE49-F238E27FC236}">
+                <a16:creationId xmlns:a16="http://schemas.microsoft.com/office/drawing/2014/main" id="{C5B43B7C-F0B6-2A94-575F-A1A57B72F19C}"/>
+              </a:ext>
+            </a:extLst>
+          </p:cNvPr>
+          <p:cNvSpPr/>
+          <p:nvPr/>
+        </p:nvSpPr>
+        <p:spPr>
+          <a:xfrm rot="16200000">
+            <a:off x="3041826" y="1304984"/>
+            <a:ext cx="365145" cy="204403"/>
+          </a:xfrm>
+          <a:prstGeom prst="actionButtonBackPrevious">
+            <a:avLst/>
+          </a:prstGeom>
+        </p:spPr>
+        <p:style>
+          <a:lnRef idx="2">
+            <a:schemeClr val="dk1"/>
+          </a:lnRef>
+          <a:fillRef idx="1">
+            <a:schemeClr val="lt1"/>
+          </a:fillRef>
+          <a:effectRef idx="0">
+            <a:schemeClr val="dk1"/>
+          </a:effectRef>
+          <a:fontRef idx="minor">
+            <a:schemeClr val="dk1"/>
+          </a:fontRef>
+        </p:style>
+        <p:txBody>
+          <a:bodyPr rtlCol="0" anchor="ctr"/>
+          <a:lstStyle/>
+          <a:p>
+            <a:pPr algn="ctr"/>
+            <a:endParaRPr kumimoji="1" lang="ja-JP" altLang="en-US"/>
+          </a:p>
+        </p:txBody>
+      </p:sp>
+      <p:graphicFrame>
+        <p:nvGraphicFramePr>
+          <p:cNvPr id="19" name="表 18">
+            <a:extLst>
+              <a:ext uri="{FF2B5EF4-FFF2-40B4-BE49-F238E27FC236}">
+                <a16:creationId xmlns:a16="http://schemas.microsoft.com/office/drawing/2014/main" id="{98A3072B-2F56-4EFB-009D-2B51C6A326CE}"/>
+              </a:ext>
+            </a:extLst>
+          </p:cNvPr>
+          <p:cNvGraphicFramePr>
+            <a:graphicFrameLocks noGrp="1"/>
+          </p:cNvGraphicFramePr>
+          <p:nvPr>
+            <p:extLst>
+              <p:ext uri="{D42A27DB-BD31-4B8C-83A1-F6EECF244321}">
+                <p14:modId xmlns:p14="http://schemas.microsoft.com/office/powerpoint/2010/main" val="3980302208"/>
+              </p:ext>
+            </p:extLst>
+          </p:nvPr>
+        </p:nvGraphicFramePr>
+        <p:xfrm>
+          <a:off x="3435186" y="4393305"/>
+          <a:ext cx="7158777" cy="1463040"/>
+        </p:xfrm>
+        <a:graphic>
+          <a:graphicData uri="http://schemas.openxmlformats.org/drawingml/2006/table">
+            <a:tbl>
+              <a:tblPr firstRow="1" bandRow="1">
+                <a:tableStyleId>{5C22544A-7EE6-4342-B048-85BDC9FD1C3A}</a:tableStyleId>
+              </a:tblPr>
+              <a:tblGrid>
+                <a:gridCol w="1001025">
+                  <a:extLst>
+                    <a:ext uri="{9D8B030D-6E8A-4147-A177-3AD203B41FA5}">
+                      <a16:colId xmlns:a16="http://schemas.microsoft.com/office/drawing/2014/main" val="2180251572"/>
+                    </a:ext>
+                  </a:extLst>
+                </a:gridCol>
+                <a:gridCol w="1026292">
+                  <a:extLst>
+                    <a:ext uri="{9D8B030D-6E8A-4147-A177-3AD203B41FA5}">
+                      <a16:colId xmlns:a16="http://schemas.microsoft.com/office/drawing/2014/main" val="2094606021"/>
+                    </a:ext>
+                  </a:extLst>
+                </a:gridCol>
+                <a:gridCol w="1026292">
+                  <a:extLst>
+                    <a:ext uri="{9D8B030D-6E8A-4147-A177-3AD203B41FA5}">
+                      <a16:colId xmlns:a16="http://schemas.microsoft.com/office/drawing/2014/main" val="3658194246"/>
+                    </a:ext>
+                  </a:extLst>
+                </a:gridCol>
+                <a:gridCol w="1026292">
+                  <a:extLst>
+                    <a:ext uri="{9D8B030D-6E8A-4147-A177-3AD203B41FA5}">
+                      <a16:colId xmlns:a16="http://schemas.microsoft.com/office/drawing/2014/main" val="2463708021"/>
+                    </a:ext>
+                  </a:extLst>
+                </a:gridCol>
+                <a:gridCol w="1026292">
+                  <a:extLst>
+                    <a:ext uri="{9D8B030D-6E8A-4147-A177-3AD203B41FA5}">
+                      <a16:colId xmlns:a16="http://schemas.microsoft.com/office/drawing/2014/main" val="3949346235"/>
+                    </a:ext>
+                  </a:extLst>
+                </a:gridCol>
+                <a:gridCol w="1026292">
+                  <a:extLst>
+                    <a:ext uri="{9D8B030D-6E8A-4147-A177-3AD203B41FA5}">
+                      <a16:colId xmlns:a16="http://schemas.microsoft.com/office/drawing/2014/main" val="1603087287"/>
+                    </a:ext>
+                  </a:extLst>
+                </a:gridCol>
+                <a:gridCol w="1026292">
+                  <a:extLst>
+                    <a:ext uri="{9D8B030D-6E8A-4147-A177-3AD203B41FA5}">
+                      <a16:colId xmlns:a16="http://schemas.microsoft.com/office/drawing/2014/main" val="1009576968"/>
+                    </a:ext>
+                  </a:extLst>
+                </a:gridCol>
+              </a:tblGrid>
+              <a:tr h="316188">
+                <a:tc>
+                  <a:txBody>
+                    <a:bodyPr/>
+                    <a:lstStyle/>
+                    <a:p>
+                      <a:r>
+                        <a:rPr kumimoji="1" lang="en-US" altLang="ja-JP" sz="1600" dirty="0"/>
+                        <a:t>date</a:t>
+                      </a:r>
+                      <a:endParaRPr kumimoji="1" lang="ja-JP" altLang="en-US" sz="1600" dirty="0"/>
+                    </a:p>
+                  </a:txBody>
+                  <a:tcPr/>
+                </a:tc>
+                <a:tc>
+                  <a:txBody>
+                    <a:bodyPr/>
+                    <a:lstStyle/>
+                    <a:p>
+                      <a:r>
+                        <a:rPr kumimoji="1" lang="en-US" altLang="ja-JP" dirty="0"/>
+                        <a:t>context</a:t>
+                      </a:r>
+                      <a:endParaRPr kumimoji="1" lang="ja-JP" altLang="en-US" dirty="0"/>
+                    </a:p>
+                  </a:txBody>
+                  <a:tcPr/>
+                </a:tc>
+                <a:tc>
+                  <a:txBody>
+                    <a:bodyPr/>
+                    <a:lstStyle/>
+                    <a:p>
+                      <a:r>
+                        <a:rPr kumimoji="1" lang="en-US" altLang="ja-JP" sz="1400" dirty="0"/>
+                        <a:t>country</a:t>
+                      </a:r>
+                      <a:endParaRPr kumimoji="1" lang="ja-JP" altLang="en-US" sz="1400" dirty="0"/>
+                    </a:p>
+                  </a:txBody>
+                  <a:tcPr/>
+                </a:tc>
+                <a:tc>
+                  <a:txBody>
+                    <a:bodyPr/>
+                    <a:lstStyle/>
+                    <a:p>
+                      <a:r>
+                        <a:rPr kumimoji="1" lang="en-US" altLang="ja-JP" dirty="0"/>
+                        <a:t>region</a:t>
+                      </a:r>
+                      <a:endParaRPr kumimoji="1" lang="ja-JP" altLang="en-US" dirty="0"/>
+                    </a:p>
+                  </a:txBody>
+                  <a:tcPr/>
+                </a:tc>
+                <a:tc>
+                  <a:txBody>
+                    <a:bodyPr/>
+                    <a:lstStyle/>
+                    <a:p>
+                      <a:r>
+                        <a:rPr kumimoji="1" lang="en-US" altLang="ja-JP" dirty="0"/>
+                        <a:t>price</a:t>
+                      </a:r>
+                      <a:endParaRPr kumimoji="1" lang="ja-JP" altLang="en-US" dirty="0"/>
+                    </a:p>
+                  </a:txBody>
+                  <a:tcPr/>
+                </a:tc>
+                <a:tc>
+                  <a:txBody>
+                    <a:bodyPr/>
+                    <a:lstStyle/>
+                    <a:p>
+                      <a:r>
+                        <a:rPr kumimoji="1" lang="en-US" altLang="ja-JP" dirty="0"/>
+                        <a:t>JPY</a:t>
+                      </a:r>
+                      <a:endParaRPr kumimoji="1" lang="ja-JP" altLang="en-US" dirty="0"/>
+                    </a:p>
+                  </a:txBody>
+                  <a:tcPr/>
+                </a:tc>
+                <a:tc>
+                  <a:txBody>
+                    <a:bodyPr/>
+                    <a:lstStyle/>
+                    <a:p>
+                      <a:r>
+                        <a:rPr kumimoji="1" lang="en-US" altLang="ja-JP" dirty="0"/>
+                        <a:t>memo</a:t>
+                      </a:r>
+                      <a:endParaRPr kumimoji="1" lang="ja-JP" altLang="en-US" dirty="0"/>
+                    </a:p>
+                  </a:txBody>
+                  <a:tcPr/>
+                </a:tc>
+                <a:extLst>
+                  <a:ext uri="{0D108BD9-81ED-4DB2-BD59-A6C34878D82A}">
+                    <a16:rowId xmlns:a16="http://schemas.microsoft.com/office/drawing/2014/main" val="3636590592"/>
+                  </a:ext>
+                </a:extLst>
+              </a:tr>
+              <a:tr h="316188">
+                <a:tc>
+                  <a:txBody>
+                    <a:bodyPr/>
+                    <a:lstStyle/>
+                    <a:p>
+                      <a:r>
+                        <a:rPr kumimoji="1" lang="en-US" altLang="ja-JP" sz="1200" dirty="0"/>
+                        <a:t>2022/11/2</a:t>
+                      </a:r>
+                      <a:endParaRPr kumimoji="1" lang="ja-JP" altLang="en-US" sz="1200" dirty="0"/>
+                    </a:p>
+                  </a:txBody>
+                  <a:tcPr/>
+                </a:tc>
+                <a:tc>
+                  <a:txBody>
+                    <a:bodyPr/>
+                    <a:lstStyle/>
+                    <a:p>
+                      <a:r>
+                        <a:rPr kumimoji="1" lang="en-US" altLang="ja-JP" dirty="0" err="1"/>
+                        <a:t>Mt.Fuji</a:t>
+                      </a:r>
+                      <a:endParaRPr kumimoji="1" lang="ja-JP" altLang="en-US" dirty="0"/>
+                    </a:p>
+                  </a:txBody>
+                  <a:tcPr/>
+                </a:tc>
+                <a:tc>
+                  <a:txBody>
+                    <a:bodyPr/>
+                    <a:lstStyle/>
+                    <a:p>
+                      <a:r>
+                        <a:rPr kumimoji="1" lang="en-US" altLang="ja-JP" dirty="0"/>
+                        <a:t>Japan</a:t>
+                      </a:r>
+                      <a:endParaRPr kumimoji="1" lang="ja-JP" altLang="en-US" dirty="0"/>
+                    </a:p>
+                  </a:txBody>
+                  <a:tcPr/>
+                </a:tc>
+                <a:tc>
+                  <a:txBody>
+                    <a:bodyPr/>
+                    <a:lstStyle/>
+                    <a:p>
+                      <a:r>
+                        <a:rPr kumimoji="1" lang="en-US" altLang="ja-JP" sz="1400" dirty="0"/>
+                        <a:t>Shizuoka</a:t>
+                      </a:r>
+                      <a:endParaRPr kumimoji="1" lang="ja-JP" altLang="en-US" sz="1400" dirty="0"/>
+                    </a:p>
+                  </a:txBody>
+                  <a:tcPr/>
+                </a:tc>
+                <a:tc>
+                  <a:txBody>
+                    <a:bodyPr/>
+                    <a:lstStyle/>
+                    <a:p>
+                      <a:r>
+                        <a:rPr kumimoji="1" lang="en-US" altLang="ja-JP" dirty="0"/>
+                        <a:t>5000</a:t>
+                      </a:r>
+                      <a:endParaRPr kumimoji="1" lang="ja-JP" altLang="en-US" dirty="0"/>
+                    </a:p>
+                  </a:txBody>
+                  <a:tcPr/>
+                </a:tc>
+                <a:tc>
+                  <a:txBody>
+                    <a:bodyPr/>
+                    <a:lstStyle/>
+                    <a:p>
+                      <a:r>
+                        <a:rPr kumimoji="1" lang="en-US" altLang="ja-JP" dirty="0"/>
+                        <a:t>5000</a:t>
+                      </a:r>
+                      <a:endParaRPr kumimoji="1" lang="ja-JP" altLang="en-US" dirty="0"/>
+                    </a:p>
+                  </a:txBody>
+                  <a:tcPr/>
+                </a:tc>
+                <a:tc>
+                  <a:txBody>
+                    <a:bodyPr/>
+                    <a:lstStyle/>
+                    <a:p>
+                      <a:r>
+                        <a:rPr kumimoji="1" lang="en-US" altLang="ja-JP" dirty="0"/>
+                        <a:t>-</a:t>
+                      </a:r>
+                      <a:endParaRPr kumimoji="1" lang="ja-JP" altLang="en-US" dirty="0"/>
+                    </a:p>
+                  </a:txBody>
+                  <a:tcPr/>
+                </a:tc>
+                <a:extLst>
+                  <a:ext uri="{0D108BD9-81ED-4DB2-BD59-A6C34878D82A}">
+                    <a16:rowId xmlns:a16="http://schemas.microsoft.com/office/drawing/2014/main" val="1248227337"/>
+                  </a:ext>
+                </a:extLst>
+              </a:tr>
+              <a:tr h="316188">
+                <a:tc>
+                  <a:txBody>
+                    <a:bodyPr/>
+                    <a:lstStyle/>
+                    <a:p>
+                      <a:r>
+                        <a:rPr kumimoji="1" lang="en-US" altLang="ja-JP" sz="1200" dirty="0"/>
+                        <a:t>2022/11/2</a:t>
+                      </a:r>
+                      <a:endParaRPr kumimoji="1" lang="ja-JP" altLang="en-US" sz="1200" dirty="0"/>
+                    </a:p>
+                  </a:txBody>
+                  <a:tcPr/>
+                </a:tc>
+                <a:tc>
+                  <a:txBody>
+                    <a:bodyPr/>
+                    <a:lstStyle/>
+                    <a:p>
+                      <a:r>
+                        <a:rPr kumimoji="1" lang="en-US" altLang="ja-JP" dirty="0" err="1"/>
+                        <a:t>Mt.Fuji</a:t>
+                      </a:r>
+                      <a:endParaRPr kumimoji="1" lang="ja-JP" altLang="en-US" dirty="0"/>
+                    </a:p>
+                  </a:txBody>
+                  <a:tcPr/>
+                </a:tc>
+                <a:tc>
+                  <a:txBody>
+                    <a:bodyPr/>
+                    <a:lstStyle/>
+                    <a:p>
+                      <a:r>
+                        <a:rPr kumimoji="1" lang="en-US" altLang="ja-JP" dirty="0"/>
+                        <a:t>Japan</a:t>
+                      </a:r>
+                      <a:endParaRPr kumimoji="1" lang="ja-JP" altLang="en-US" dirty="0"/>
+                    </a:p>
+                  </a:txBody>
+                  <a:tcPr/>
+                </a:tc>
+                <a:tc>
+                  <a:txBody>
+                    <a:bodyPr/>
+                    <a:lstStyle/>
+                    <a:p>
+                      <a:r>
+                        <a:rPr kumimoji="1" lang="en-US" altLang="ja-JP" sz="1400" dirty="0"/>
+                        <a:t>Shizuoka</a:t>
+                      </a:r>
+                      <a:endParaRPr kumimoji="1" lang="ja-JP" altLang="en-US" sz="1400" dirty="0"/>
+                    </a:p>
+                  </a:txBody>
+                  <a:tcPr/>
+                </a:tc>
+                <a:tc>
+                  <a:txBody>
+                    <a:bodyPr/>
+                    <a:lstStyle/>
+                    <a:p>
+                      <a:r>
+                        <a:rPr kumimoji="1" lang="en-US" altLang="ja-JP" dirty="0"/>
+                        <a:t>6000</a:t>
+                      </a:r>
+                      <a:endParaRPr kumimoji="1" lang="ja-JP" altLang="en-US" dirty="0"/>
+                    </a:p>
+                  </a:txBody>
+                  <a:tcPr/>
+                </a:tc>
+                <a:tc>
+                  <a:txBody>
+                    <a:bodyPr/>
+                    <a:lstStyle/>
+                    <a:p>
+                      <a:r>
+                        <a:rPr kumimoji="1" lang="en-US" altLang="ja-JP" dirty="0"/>
+                        <a:t>1000</a:t>
+                      </a:r>
+                      <a:endParaRPr kumimoji="1" lang="ja-JP" altLang="en-US" dirty="0"/>
+                    </a:p>
+                  </a:txBody>
+                  <a:tcPr/>
+                </a:tc>
+                <a:tc>
+                  <a:txBody>
+                    <a:bodyPr/>
+                    <a:lstStyle/>
+                    <a:p>
+                      <a:r>
+                        <a:rPr kumimoji="1" lang="en-US" altLang="ja-JP" dirty="0"/>
+                        <a:t>-</a:t>
+                      </a:r>
+                      <a:endParaRPr kumimoji="1" lang="ja-JP" altLang="en-US" dirty="0"/>
+                    </a:p>
+                  </a:txBody>
+                  <a:tcPr/>
+                </a:tc>
+                <a:extLst>
+                  <a:ext uri="{0D108BD9-81ED-4DB2-BD59-A6C34878D82A}">
+                    <a16:rowId xmlns:a16="http://schemas.microsoft.com/office/drawing/2014/main" val="2386127515"/>
+                  </a:ext>
+                </a:extLst>
+              </a:tr>
+              <a:tr h="316188">
+                <a:tc>
+                  <a:txBody>
+                    <a:bodyPr/>
+                    <a:lstStyle/>
+                    <a:p>
+                      <a:r>
+                        <a:rPr kumimoji="1" lang="en-US" altLang="ja-JP" sz="1400" dirty="0"/>
+                        <a:t>…</a:t>
+                      </a:r>
+                      <a:endParaRPr kumimoji="1" lang="ja-JP" altLang="en-US" sz="1400" dirty="0"/>
+                    </a:p>
+                  </a:txBody>
+                  <a:tcPr/>
+                </a:tc>
+                <a:tc>
+                  <a:txBody>
+                    <a:bodyPr/>
+                    <a:lstStyle/>
+                    <a:p>
+                      <a:endParaRPr kumimoji="1" lang="ja-JP" altLang="en-US" dirty="0"/>
+                    </a:p>
+                  </a:txBody>
+                  <a:tcPr/>
+                </a:tc>
+                <a:tc>
+                  <a:txBody>
+                    <a:bodyPr/>
+                    <a:lstStyle/>
+                    <a:p>
+                      <a:endParaRPr kumimoji="1" lang="ja-JP" altLang="en-US" dirty="0"/>
+                    </a:p>
+                  </a:txBody>
+                  <a:tcPr/>
+                </a:tc>
+                <a:tc>
+                  <a:txBody>
+                    <a:bodyPr/>
+                    <a:lstStyle/>
+                    <a:p>
+                      <a:endParaRPr kumimoji="1" lang="ja-JP" altLang="en-US" dirty="0"/>
+                    </a:p>
+                  </a:txBody>
+                  <a:tcPr/>
+                </a:tc>
+                <a:tc>
+                  <a:txBody>
+                    <a:bodyPr/>
+                    <a:lstStyle/>
+                    <a:p>
+                      <a:endParaRPr kumimoji="1" lang="ja-JP" altLang="en-US" dirty="0"/>
+                    </a:p>
+                  </a:txBody>
+                  <a:tcPr/>
+                </a:tc>
+                <a:tc>
+                  <a:txBody>
+                    <a:bodyPr/>
+                    <a:lstStyle/>
+                    <a:p>
+                      <a:endParaRPr kumimoji="1" lang="ja-JP" altLang="en-US" dirty="0"/>
+                    </a:p>
+                  </a:txBody>
+                  <a:tcPr/>
+                </a:tc>
+                <a:tc>
+                  <a:txBody>
+                    <a:bodyPr/>
+                    <a:lstStyle/>
+                    <a:p>
+                      <a:endParaRPr kumimoji="1" lang="ja-JP" altLang="en-US" dirty="0"/>
+                    </a:p>
+                  </a:txBody>
+                  <a:tcPr/>
+                </a:tc>
+                <a:extLst>
+                  <a:ext uri="{0D108BD9-81ED-4DB2-BD59-A6C34878D82A}">
+                    <a16:rowId xmlns:a16="http://schemas.microsoft.com/office/drawing/2014/main" val="3940284596"/>
+                  </a:ext>
+                </a:extLst>
+              </a:tr>
+            </a:tbl>
+          </a:graphicData>
+        </a:graphic>
+      </p:graphicFrame>
+      <p:sp>
+        <p:nvSpPr>
+          <p:cNvPr id="20" name="正方形/長方形 19">
+            <a:extLst>
+              <a:ext uri="{FF2B5EF4-FFF2-40B4-BE49-F238E27FC236}">
+                <a16:creationId xmlns:a16="http://schemas.microsoft.com/office/drawing/2014/main" id="{2C3512A9-4B88-1261-0EF2-4024DC2ACFFE}"/>
+              </a:ext>
+            </a:extLst>
+          </p:cNvPr>
+          <p:cNvSpPr/>
+          <p:nvPr/>
+        </p:nvSpPr>
+        <p:spPr>
+          <a:xfrm>
+            <a:off x="8511594" y="3935353"/>
+            <a:ext cx="1521033" cy="292359"/>
+          </a:xfrm>
+          <a:prstGeom prst="rect">
+            <a:avLst/>
+          </a:prstGeom>
+        </p:spPr>
+        <p:style>
+          <a:lnRef idx="2">
+            <a:schemeClr val="dk1"/>
+          </a:lnRef>
+          <a:fillRef idx="1">
+            <a:schemeClr val="lt1"/>
+          </a:fillRef>
+          <a:effectRef idx="0">
+            <a:schemeClr val="dk1"/>
+          </a:effectRef>
+          <a:fontRef idx="minor">
+            <a:schemeClr val="dk1"/>
+          </a:fontRef>
+        </p:style>
+        <p:txBody>
+          <a:bodyPr rtlCol="0" anchor="ctr"/>
+          <a:lstStyle/>
+          <a:p>
+            <a:pPr algn="ctr"/>
+            <a:r>
+              <a:rPr kumimoji="1" lang="en-US" altLang="ja-JP" dirty="0"/>
+              <a:t>Visiting</a:t>
+            </a:r>
+            <a:endParaRPr kumimoji="1" lang="ja-JP" altLang="en-US" dirty="0"/>
+          </a:p>
+        </p:txBody>
+      </p:sp>
+      <p:sp>
+        <p:nvSpPr>
+          <p:cNvPr id="21" name="動作設定ボタン: 戻る/前へ 20">
+            <a:hlinkClick r:id="" action="ppaction://hlinkshowjump?jump=previousslide" highlightClick="1"/>
+            <a:extLst>
+              <a:ext uri="{FF2B5EF4-FFF2-40B4-BE49-F238E27FC236}">
+                <a16:creationId xmlns:a16="http://schemas.microsoft.com/office/drawing/2014/main" id="{3EEA68C6-4C60-3433-5417-3D600A52706A}"/>
+              </a:ext>
+            </a:extLst>
+          </p:cNvPr>
+          <p:cNvSpPr/>
+          <p:nvPr/>
+        </p:nvSpPr>
+        <p:spPr>
+          <a:xfrm rot="16200000">
+            <a:off x="9952256" y="3991587"/>
+            <a:ext cx="365145" cy="204403"/>
+          </a:xfrm>
+          <a:prstGeom prst="actionButtonBackPrevious">
+            <a:avLst/>
+          </a:prstGeom>
+        </p:spPr>
+        <p:style>
+          <a:lnRef idx="2">
+            <a:schemeClr val="dk1"/>
+          </a:lnRef>
+          <a:fillRef idx="1">
+            <a:schemeClr val="lt1"/>
+          </a:fillRef>
+          <a:effectRef idx="0">
+            <a:schemeClr val="dk1"/>
+          </a:effectRef>
+          <a:fontRef idx="minor">
+            <a:schemeClr val="dk1"/>
+          </a:fontRef>
+        </p:style>
+        <p:txBody>
+          <a:bodyPr rtlCol="0" anchor="ctr"/>
+          <a:lstStyle/>
+          <a:p>
+            <a:pPr algn="ctr"/>
+            <a:endParaRPr kumimoji="1" lang="ja-JP" altLang="en-US"/>
+          </a:p>
+        </p:txBody>
+      </p:sp>
+      <p:sp>
+        <p:nvSpPr>
+          <p:cNvPr id="22" name="テキスト ボックス 21">
+            <a:extLst>
+              <a:ext uri="{FF2B5EF4-FFF2-40B4-BE49-F238E27FC236}">
+                <a16:creationId xmlns:a16="http://schemas.microsoft.com/office/drawing/2014/main" id="{4FC1384D-40D2-A433-D233-47080F7AC60E}"/>
+              </a:ext>
+            </a:extLst>
+          </p:cNvPr>
+          <p:cNvSpPr txBox="1"/>
+          <p:nvPr/>
+        </p:nvSpPr>
+        <p:spPr>
+          <a:xfrm>
+            <a:off x="1169279" y="1613457"/>
+            <a:ext cx="2610678" cy="369332"/>
+          </a:xfrm>
+          <a:prstGeom prst="rect">
+            <a:avLst/>
+          </a:prstGeom>
+          <a:noFill/>
+        </p:spPr>
+        <p:txBody>
+          <a:bodyPr wrap="square" rtlCol="0">
+            <a:spAutoFit/>
+          </a:bodyPr>
+          <a:lstStyle/>
+          <a:p>
+            <a:r>
+              <a:rPr kumimoji="1" lang="ja-JP" altLang="en-US" dirty="0"/>
+              <a:t>〇〇〇〇</a:t>
+            </a:r>
+            <a:r>
+              <a:rPr kumimoji="1" lang="en-US" altLang="ja-JP" dirty="0"/>
+              <a:t>/</a:t>
+            </a:r>
+            <a:r>
+              <a:rPr lang="ja-JP" altLang="en-US" dirty="0"/>
+              <a:t>□□</a:t>
+            </a:r>
+            <a:r>
+              <a:rPr kumimoji="1" lang="en-US" altLang="ja-JP" dirty="0"/>
+              <a:t>/</a:t>
+            </a:r>
+            <a:r>
+              <a:rPr kumimoji="1" lang="ja-JP" altLang="en-US" dirty="0"/>
+              <a:t>△△</a:t>
+            </a:r>
+          </a:p>
+        </p:txBody>
+      </p:sp>
+      <p:sp>
+        <p:nvSpPr>
+          <p:cNvPr id="23" name="テキスト ボックス 22">
+            <a:extLst>
+              <a:ext uri="{FF2B5EF4-FFF2-40B4-BE49-F238E27FC236}">
+                <a16:creationId xmlns:a16="http://schemas.microsoft.com/office/drawing/2014/main" id="{79D45150-8F75-F575-40FC-743047545785}"/>
+              </a:ext>
+            </a:extLst>
+          </p:cNvPr>
+          <p:cNvSpPr txBox="1"/>
+          <p:nvPr/>
+        </p:nvSpPr>
+        <p:spPr>
+          <a:xfrm>
+            <a:off x="1860083" y="2076272"/>
+            <a:ext cx="459850" cy="369332"/>
+          </a:xfrm>
+          <a:prstGeom prst="rect">
+            <a:avLst/>
+          </a:prstGeom>
+          <a:noFill/>
+        </p:spPr>
+        <p:txBody>
+          <a:bodyPr wrap="square" rtlCol="0">
+            <a:spAutoFit/>
+          </a:bodyPr>
+          <a:lstStyle/>
+          <a:p>
+            <a:r>
+              <a:rPr kumimoji="1" lang="ja-JP" altLang="en-US" dirty="0"/>
+              <a:t>～</a:t>
+            </a:r>
+          </a:p>
+        </p:txBody>
+      </p:sp>
+      <p:sp>
+        <p:nvSpPr>
+          <p:cNvPr id="24" name="テキスト ボックス 23">
+            <a:extLst>
+              <a:ext uri="{FF2B5EF4-FFF2-40B4-BE49-F238E27FC236}">
+                <a16:creationId xmlns:a16="http://schemas.microsoft.com/office/drawing/2014/main" id="{2FB6137E-1710-83AF-9A42-EB63EDB9DD46}"/>
+              </a:ext>
+            </a:extLst>
+          </p:cNvPr>
+          <p:cNvSpPr txBox="1"/>
+          <p:nvPr/>
+        </p:nvSpPr>
+        <p:spPr>
+          <a:xfrm>
+            <a:off x="1129087" y="2407136"/>
+            <a:ext cx="2610678" cy="369332"/>
+          </a:xfrm>
+          <a:prstGeom prst="rect">
+            <a:avLst/>
+          </a:prstGeom>
+          <a:noFill/>
+        </p:spPr>
+        <p:txBody>
+          <a:bodyPr wrap="square" rtlCol="0">
+            <a:spAutoFit/>
+          </a:bodyPr>
+          <a:lstStyle/>
+          <a:p>
+            <a:r>
+              <a:rPr kumimoji="1" lang="ja-JP" altLang="en-US" dirty="0"/>
+              <a:t>〇〇〇〇</a:t>
+            </a:r>
+            <a:r>
+              <a:rPr kumimoji="1" lang="en-US" altLang="ja-JP" dirty="0"/>
+              <a:t>/</a:t>
+            </a:r>
+            <a:r>
+              <a:rPr lang="ja-JP" altLang="en-US" dirty="0"/>
+              <a:t>□□</a:t>
+            </a:r>
+            <a:r>
+              <a:rPr kumimoji="1" lang="en-US" altLang="ja-JP" dirty="0"/>
+              <a:t>/</a:t>
+            </a:r>
+            <a:r>
+              <a:rPr kumimoji="1" lang="ja-JP" altLang="en-US" dirty="0"/>
+              <a:t>△△</a:t>
+            </a:r>
+          </a:p>
+        </p:txBody>
+      </p:sp>
+      <p:sp>
+        <p:nvSpPr>
+          <p:cNvPr id="25" name="正方形/長方形 24">
+            <a:extLst>
+              <a:ext uri="{FF2B5EF4-FFF2-40B4-BE49-F238E27FC236}">
+                <a16:creationId xmlns:a16="http://schemas.microsoft.com/office/drawing/2014/main" id="{3B1E2FE8-7587-CB27-8272-FC6F6B47284C}"/>
+              </a:ext>
+            </a:extLst>
+          </p:cNvPr>
+          <p:cNvSpPr/>
+          <p:nvPr/>
+        </p:nvSpPr>
+        <p:spPr>
+          <a:xfrm>
+            <a:off x="1244466" y="964466"/>
+            <a:ext cx="265831" cy="292359"/>
+          </a:xfrm>
+          <a:prstGeom prst="rect">
+            <a:avLst/>
+          </a:prstGeom>
+        </p:spPr>
+        <p:style>
+          <a:lnRef idx="2">
+            <a:schemeClr val="dk1"/>
+          </a:lnRef>
+          <a:fillRef idx="1">
+            <a:schemeClr val="lt1"/>
+          </a:fillRef>
+          <a:effectRef idx="0">
+            <a:schemeClr val="dk1"/>
+          </a:effectRef>
+          <a:fontRef idx="minor">
+            <a:schemeClr val="dk1"/>
+          </a:fontRef>
+        </p:style>
+        <p:txBody>
+          <a:bodyPr rtlCol="0" anchor="ctr"/>
+          <a:lstStyle/>
+          <a:p>
+            <a:pPr algn="ctr"/>
+            <a:endParaRPr kumimoji="1" lang="ja-JP" altLang="en-US" dirty="0"/>
+          </a:p>
+        </p:txBody>
+      </p:sp>
+      <p:sp>
+        <p:nvSpPr>
+          <p:cNvPr id="26" name="テキスト ボックス 25">
+            <a:extLst>
+              <a:ext uri="{FF2B5EF4-FFF2-40B4-BE49-F238E27FC236}">
+                <a16:creationId xmlns:a16="http://schemas.microsoft.com/office/drawing/2014/main" id="{DE56DB24-11CE-21D6-8F9E-CE4569D68D30}"/>
+              </a:ext>
+            </a:extLst>
+          </p:cNvPr>
+          <p:cNvSpPr txBox="1"/>
+          <p:nvPr/>
+        </p:nvSpPr>
+        <p:spPr>
+          <a:xfrm>
+            <a:off x="1542100" y="924147"/>
+            <a:ext cx="1163540" cy="369332"/>
+          </a:xfrm>
+          <a:prstGeom prst="rect">
+            <a:avLst/>
+          </a:prstGeom>
+          <a:noFill/>
+        </p:spPr>
+        <p:txBody>
+          <a:bodyPr wrap="square" rtlCol="0">
+            <a:spAutoFit/>
+          </a:bodyPr>
+          <a:lstStyle/>
+          <a:p>
+            <a:r>
+              <a:rPr kumimoji="1" lang="en-US" altLang="ja-JP" dirty="0"/>
+              <a:t>world</a:t>
+            </a:r>
+            <a:endParaRPr kumimoji="1" lang="ja-JP" altLang="en-US" dirty="0"/>
+          </a:p>
+        </p:txBody>
+      </p:sp>
+      <p:graphicFrame>
+        <p:nvGraphicFramePr>
+          <p:cNvPr id="27" name="表 26">
+            <a:extLst>
+              <a:ext uri="{FF2B5EF4-FFF2-40B4-BE49-F238E27FC236}">
+                <a16:creationId xmlns:a16="http://schemas.microsoft.com/office/drawing/2014/main" id="{9097A985-2BE4-FDD9-F29E-FE21A0FDB647}"/>
+              </a:ext>
+            </a:extLst>
+          </p:cNvPr>
+          <p:cNvGraphicFramePr>
+            <a:graphicFrameLocks noGrp="1"/>
+          </p:cNvGraphicFramePr>
+          <p:nvPr>
+            <p:extLst>
+              <p:ext uri="{D42A27DB-BD31-4B8C-83A1-F6EECF244321}">
+                <p14:modId xmlns:p14="http://schemas.microsoft.com/office/powerpoint/2010/main" val="3322548064"/>
+              </p:ext>
+            </p:extLst>
+          </p:nvPr>
+        </p:nvGraphicFramePr>
+        <p:xfrm>
+          <a:off x="3846180" y="2185309"/>
+          <a:ext cx="4189995" cy="1463040"/>
+        </p:xfrm>
+        <a:graphic>
+          <a:graphicData uri="http://schemas.openxmlformats.org/drawingml/2006/table">
+            <a:tbl>
+              <a:tblPr firstRow="1" bandRow="1">
+                <a:tableStyleId>{5C22544A-7EE6-4342-B048-85BDC9FD1C3A}</a:tableStyleId>
+              </a:tblPr>
+              <a:tblGrid>
+                <a:gridCol w="1028037">
+                  <a:extLst>
+                    <a:ext uri="{9D8B030D-6E8A-4147-A177-3AD203B41FA5}">
+                      <a16:colId xmlns:a16="http://schemas.microsoft.com/office/drawing/2014/main" val="2180251572"/>
+                    </a:ext>
+                  </a:extLst>
+                </a:gridCol>
+                <a:gridCol w="1053986">
+                  <a:extLst>
+                    <a:ext uri="{9D8B030D-6E8A-4147-A177-3AD203B41FA5}">
+                      <a16:colId xmlns:a16="http://schemas.microsoft.com/office/drawing/2014/main" val="2094606021"/>
+                    </a:ext>
+                  </a:extLst>
+                </a:gridCol>
+                <a:gridCol w="1053986">
+                  <a:extLst>
+                    <a:ext uri="{9D8B030D-6E8A-4147-A177-3AD203B41FA5}">
+                      <a16:colId xmlns:a16="http://schemas.microsoft.com/office/drawing/2014/main" val="3658194246"/>
+                    </a:ext>
+                  </a:extLst>
+                </a:gridCol>
+                <a:gridCol w="1053986">
+                  <a:extLst>
+                    <a:ext uri="{9D8B030D-6E8A-4147-A177-3AD203B41FA5}">
+                      <a16:colId xmlns:a16="http://schemas.microsoft.com/office/drawing/2014/main" val="2463708021"/>
+                    </a:ext>
+                  </a:extLst>
+                </a:gridCol>
+              </a:tblGrid>
+              <a:tr h="316188">
+                <a:tc>
+                  <a:txBody>
+                    <a:bodyPr/>
+                    <a:lstStyle/>
+                    <a:p>
+                      <a:r>
+                        <a:rPr kumimoji="1" lang="en-US" altLang="ja-JP" dirty="0"/>
+                        <a:t>Type</a:t>
+                      </a:r>
+                      <a:endParaRPr kumimoji="1" lang="ja-JP" altLang="en-US" dirty="0"/>
+                    </a:p>
+                  </a:txBody>
+                  <a:tcPr/>
+                </a:tc>
+                <a:tc>
+                  <a:txBody>
+                    <a:bodyPr/>
+                    <a:lstStyle/>
+                    <a:p>
+                      <a:r>
+                        <a:rPr kumimoji="1" lang="en-US" altLang="ja-JP" dirty="0"/>
+                        <a:t>Count</a:t>
+                      </a:r>
+                      <a:endParaRPr kumimoji="1" lang="ja-JP" altLang="en-US" dirty="0"/>
+                    </a:p>
+                  </a:txBody>
+                  <a:tcPr/>
+                </a:tc>
+                <a:tc>
+                  <a:txBody>
+                    <a:bodyPr/>
+                    <a:lstStyle/>
+                    <a:p>
+                      <a:r>
+                        <a:rPr kumimoji="1" lang="en-US" altLang="ja-JP" sz="1400" dirty="0"/>
+                        <a:t>currency</a:t>
+                      </a:r>
+                      <a:endParaRPr kumimoji="1" lang="ja-JP" altLang="en-US" sz="1400" dirty="0"/>
+                    </a:p>
+                  </a:txBody>
+                  <a:tcPr/>
+                </a:tc>
+                <a:tc>
+                  <a:txBody>
+                    <a:bodyPr/>
+                    <a:lstStyle/>
+                    <a:p>
+                      <a:r>
+                        <a:rPr kumimoji="1" lang="en-US" altLang="ja-JP" dirty="0"/>
+                        <a:t>JPY</a:t>
+                      </a:r>
+                      <a:endParaRPr kumimoji="1" lang="ja-JP" altLang="en-US" dirty="0"/>
+                    </a:p>
+                  </a:txBody>
+                  <a:tcPr/>
+                </a:tc>
+                <a:extLst>
+                  <a:ext uri="{0D108BD9-81ED-4DB2-BD59-A6C34878D82A}">
+                    <a16:rowId xmlns:a16="http://schemas.microsoft.com/office/drawing/2014/main" val="3636590592"/>
+                  </a:ext>
+                </a:extLst>
+              </a:tr>
+              <a:tr h="316188">
+                <a:tc>
+                  <a:txBody>
+                    <a:bodyPr/>
+                    <a:lstStyle/>
+                    <a:p>
+                      <a:r>
+                        <a:rPr kumimoji="1" lang="en-US" altLang="ja-JP" sz="1200" dirty="0" err="1"/>
+                        <a:t>Domitory</a:t>
+                      </a:r>
+                      <a:endParaRPr kumimoji="1" lang="ja-JP" altLang="en-US" sz="1200" dirty="0"/>
+                    </a:p>
+                  </a:txBody>
+                  <a:tcPr/>
+                </a:tc>
+                <a:tc>
+                  <a:txBody>
+                    <a:bodyPr/>
+                    <a:lstStyle/>
+                    <a:p>
+                      <a:r>
+                        <a:rPr kumimoji="1" lang="en-US" altLang="ja-JP" dirty="0"/>
+                        <a:t>100</a:t>
+                      </a:r>
+                      <a:endParaRPr kumimoji="1" lang="ja-JP" altLang="en-US" dirty="0"/>
+                    </a:p>
+                  </a:txBody>
+                  <a:tcPr/>
+                </a:tc>
+                <a:tc>
+                  <a:txBody>
+                    <a:bodyPr/>
+                    <a:lstStyle/>
+                    <a:p>
+                      <a:r>
+                        <a:rPr kumimoji="1" lang="en-US" altLang="ja-JP" dirty="0"/>
+                        <a:t>400</a:t>
+                      </a:r>
+                      <a:endParaRPr kumimoji="1" lang="ja-JP" altLang="en-US" dirty="0"/>
+                    </a:p>
+                  </a:txBody>
+                  <a:tcPr/>
+                </a:tc>
+                <a:tc>
+                  <a:txBody>
+                    <a:bodyPr/>
+                    <a:lstStyle/>
+                    <a:p>
+                      <a:r>
+                        <a:rPr kumimoji="1" lang="en-US" altLang="ja-JP" dirty="0"/>
+                        <a:t>3000</a:t>
+                      </a:r>
+                      <a:endParaRPr kumimoji="1" lang="ja-JP" altLang="en-US" dirty="0"/>
+                    </a:p>
+                  </a:txBody>
+                  <a:tcPr/>
+                </a:tc>
+                <a:extLst>
+                  <a:ext uri="{0D108BD9-81ED-4DB2-BD59-A6C34878D82A}">
+                    <a16:rowId xmlns:a16="http://schemas.microsoft.com/office/drawing/2014/main" val="1248227337"/>
+                  </a:ext>
+                </a:extLst>
+              </a:tr>
+              <a:tr h="316188">
+                <a:tc>
+                  <a:txBody>
+                    <a:bodyPr/>
+                    <a:lstStyle/>
+                    <a:p>
+                      <a:r>
+                        <a:rPr kumimoji="1" lang="en-US" altLang="ja-JP" sz="1200" dirty="0"/>
+                        <a:t>Single</a:t>
+                      </a:r>
+                      <a:r>
+                        <a:rPr kumimoji="1" lang="ja-JP" altLang="en-US" sz="1200" dirty="0"/>
+                        <a:t> </a:t>
+                      </a:r>
+                      <a:r>
+                        <a:rPr kumimoji="1" lang="en-US" altLang="ja-JP" sz="1200" dirty="0"/>
+                        <a:t>room</a:t>
+                      </a:r>
+                      <a:endParaRPr kumimoji="1" lang="ja-JP" altLang="en-US" sz="1200" dirty="0"/>
+                    </a:p>
+                  </a:txBody>
+                  <a:tcPr/>
+                </a:tc>
+                <a:tc>
+                  <a:txBody>
+                    <a:bodyPr/>
+                    <a:lstStyle/>
+                    <a:p>
+                      <a:r>
+                        <a:rPr kumimoji="1" lang="en-US" altLang="ja-JP" dirty="0"/>
+                        <a:t>200</a:t>
+                      </a:r>
+                      <a:endParaRPr kumimoji="1" lang="ja-JP" altLang="en-US" dirty="0"/>
+                    </a:p>
+                  </a:txBody>
+                  <a:tcPr/>
+                </a:tc>
+                <a:tc>
+                  <a:txBody>
+                    <a:bodyPr/>
+                    <a:lstStyle/>
+                    <a:p>
+                      <a:r>
+                        <a:rPr kumimoji="1" lang="en-US" altLang="ja-JP" dirty="0"/>
+                        <a:t>500</a:t>
+                      </a:r>
+                      <a:endParaRPr kumimoji="1" lang="ja-JP" altLang="en-US" dirty="0"/>
+                    </a:p>
+                  </a:txBody>
+                  <a:tcPr/>
+                </a:tc>
+                <a:tc>
+                  <a:txBody>
+                    <a:bodyPr/>
+                    <a:lstStyle/>
+                    <a:p>
+                      <a:r>
+                        <a:rPr kumimoji="1" lang="en-US" altLang="ja-JP" dirty="0"/>
+                        <a:t>5000</a:t>
+                      </a:r>
+                      <a:endParaRPr kumimoji="1" lang="ja-JP" altLang="en-US" dirty="0"/>
+                    </a:p>
+                  </a:txBody>
+                  <a:tcPr/>
+                </a:tc>
+                <a:extLst>
+                  <a:ext uri="{0D108BD9-81ED-4DB2-BD59-A6C34878D82A}">
+                    <a16:rowId xmlns:a16="http://schemas.microsoft.com/office/drawing/2014/main" val="2386127515"/>
+                  </a:ext>
+                </a:extLst>
+              </a:tr>
+              <a:tr h="316188">
+                <a:tc>
+                  <a:txBody>
+                    <a:bodyPr/>
+                    <a:lstStyle/>
+                    <a:p>
+                      <a:r>
+                        <a:rPr kumimoji="1" lang="en-US" altLang="ja-JP" sz="1400" dirty="0"/>
+                        <a:t>…</a:t>
+                      </a:r>
+                      <a:endParaRPr kumimoji="1" lang="ja-JP" altLang="en-US" sz="1400" dirty="0"/>
+                    </a:p>
+                  </a:txBody>
+                  <a:tcPr/>
+                </a:tc>
+                <a:tc>
+                  <a:txBody>
+                    <a:bodyPr/>
+                    <a:lstStyle/>
+                    <a:p>
+                      <a:endParaRPr kumimoji="1" lang="ja-JP" altLang="en-US" dirty="0"/>
+                    </a:p>
+                  </a:txBody>
+                  <a:tcPr/>
+                </a:tc>
+                <a:tc>
+                  <a:txBody>
+                    <a:bodyPr/>
+                    <a:lstStyle/>
+                    <a:p>
+                      <a:endParaRPr kumimoji="1" lang="ja-JP" altLang="en-US" dirty="0"/>
+                    </a:p>
+                  </a:txBody>
+                  <a:tcPr/>
+                </a:tc>
+                <a:tc>
+                  <a:txBody>
+                    <a:bodyPr/>
+                    <a:lstStyle/>
+                    <a:p>
+                      <a:endParaRPr kumimoji="1" lang="ja-JP" altLang="en-US" dirty="0"/>
+                    </a:p>
+                  </a:txBody>
+                  <a:tcPr/>
+                </a:tc>
+                <a:extLst>
+                  <a:ext uri="{0D108BD9-81ED-4DB2-BD59-A6C34878D82A}">
+                    <a16:rowId xmlns:a16="http://schemas.microsoft.com/office/drawing/2014/main" val="3940284596"/>
+                  </a:ext>
+                </a:extLst>
+              </a:tr>
+            </a:tbl>
+          </a:graphicData>
+        </a:graphic>
+      </p:graphicFrame>
+      <p:sp>
+        <p:nvSpPr>
+          <p:cNvPr id="28" name="正方形/長方形 27">
+            <a:extLst>
+              <a:ext uri="{FF2B5EF4-FFF2-40B4-BE49-F238E27FC236}">
+                <a16:creationId xmlns:a16="http://schemas.microsoft.com/office/drawing/2014/main" id="{BB6B067F-E2A7-4738-5EE1-95941FAC3AE8}"/>
+              </a:ext>
+            </a:extLst>
+          </p:cNvPr>
+          <p:cNvSpPr/>
+          <p:nvPr/>
+        </p:nvSpPr>
+        <p:spPr>
+          <a:xfrm>
+            <a:off x="8036175" y="2492189"/>
+            <a:ext cx="193366" cy="914400"/>
+          </a:xfrm>
+          <a:prstGeom prst="rect">
+            <a:avLst/>
+          </a:prstGeom>
+        </p:spPr>
+        <p:style>
+          <a:lnRef idx="2">
+            <a:schemeClr val="dk1"/>
+          </a:lnRef>
+          <a:fillRef idx="1">
+            <a:schemeClr val="lt1"/>
+          </a:fillRef>
+          <a:effectRef idx="0">
+            <a:schemeClr val="dk1"/>
+          </a:effectRef>
+          <a:fontRef idx="minor">
+            <a:schemeClr val="dk1"/>
+          </a:fontRef>
+        </p:style>
+        <p:txBody>
+          <a:bodyPr rtlCol="0" anchor="ctr"/>
+          <a:lstStyle/>
+          <a:p>
+            <a:pPr algn="ctr"/>
+            <a:endParaRPr kumimoji="1" lang="ja-JP" altLang="en-US"/>
+          </a:p>
+        </p:txBody>
+      </p:sp>
+      <p:sp>
+        <p:nvSpPr>
+          <p:cNvPr id="29" name="動作設定ボタン: 戻る/前へ 28">
+            <a:hlinkClick r:id="" action="ppaction://hlinkshowjump?jump=previousslide" highlightClick="1"/>
+            <a:extLst>
+              <a:ext uri="{FF2B5EF4-FFF2-40B4-BE49-F238E27FC236}">
+                <a16:creationId xmlns:a16="http://schemas.microsoft.com/office/drawing/2014/main" id="{EF441BE0-5628-433B-D040-9C4783F94358}"/>
+              </a:ext>
+            </a:extLst>
+          </p:cNvPr>
+          <p:cNvSpPr/>
+          <p:nvPr/>
+        </p:nvSpPr>
+        <p:spPr>
+          <a:xfrm rot="5400000">
+            <a:off x="7944767" y="2265680"/>
+            <a:ext cx="365145" cy="204403"/>
+          </a:xfrm>
+          <a:prstGeom prst="actionButtonBackPrevious">
+            <a:avLst/>
+          </a:prstGeom>
+        </p:spPr>
+        <p:style>
+          <a:lnRef idx="2">
+            <a:schemeClr val="dk1"/>
+          </a:lnRef>
+          <a:fillRef idx="1">
+            <a:schemeClr val="lt1"/>
+          </a:fillRef>
+          <a:effectRef idx="0">
+            <a:schemeClr val="dk1"/>
+          </a:effectRef>
+          <a:fontRef idx="minor">
+            <a:schemeClr val="dk1"/>
+          </a:fontRef>
+        </p:style>
+        <p:txBody>
+          <a:bodyPr rtlCol="0" anchor="ctr"/>
+          <a:lstStyle/>
+          <a:p>
+            <a:pPr algn="ctr"/>
+            <a:endParaRPr kumimoji="1" lang="ja-JP" altLang="en-US"/>
+          </a:p>
+        </p:txBody>
+      </p:sp>
+      <p:sp>
+        <p:nvSpPr>
+          <p:cNvPr id="30" name="動作設定ボタン: 戻る/前へ 29">
+            <a:hlinkClick r:id="" action="ppaction://hlinkshowjump?jump=previousslide" highlightClick="1"/>
+            <a:extLst>
+              <a:ext uri="{FF2B5EF4-FFF2-40B4-BE49-F238E27FC236}">
+                <a16:creationId xmlns:a16="http://schemas.microsoft.com/office/drawing/2014/main" id="{CD5A65BF-6138-8A94-E2D3-400F96C22B01}"/>
+              </a:ext>
+            </a:extLst>
+          </p:cNvPr>
+          <p:cNvSpPr/>
+          <p:nvPr/>
+        </p:nvSpPr>
+        <p:spPr>
+          <a:xfrm rot="16200000">
+            <a:off x="7944767" y="3388816"/>
+            <a:ext cx="365145" cy="204403"/>
+          </a:xfrm>
+          <a:prstGeom prst="actionButtonBackPrevious">
+            <a:avLst/>
+          </a:prstGeom>
+        </p:spPr>
+        <p:style>
+          <a:lnRef idx="2">
+            <a:schemeClr val="dk1"/>
+          </a:lnRef>
+          <a:fillRef idx="1">
+            <a:schemeClr val="lt1"/>
+          </a:fillRef>
+          <a:effectRef idx="0">
+            <a:schemeClr val="dk1"/>
+          </a:effectRef>
+          <a:fontRef idx="minor">
+            <a:schemeClr val="dk1"/>
+          </a:fontRef>
+        </p:style>
+        <p:txBody>
+          <a:bodyPr rtlCol="0" anchor="ctr"/>
+          <a:lstStyle/>
+          <a:p>
+            <a:pPr algn="ctr"/>
+            <a:endParaRPr kumimoji="1" lang="ja-JP" altLang="en-US"/>
+          </a:p>
+        </p:txBody>
+      </p:sp>
+      <p:sp>
+        <p:nvSpPr>
+          <p:cNvPr id="31" name="テキスト ボックス 30">
+            <a:extLst>
+              <a:ext uri="{FF2B5EF4-FFF2-40B4-BE49-F238E27FC236}">
+                <a16:creationId xmlns:a16="http://schemas.microsoft.com/office/drawing/2014/main" id="{4CA07E75-F0C3-3A8F-4AC5-89238997486E}"/>
+              </a:ext>
+            </a:extLst>
+          </p:cNvPr>
+          <p:cNvSpPr txBox="1"/>
+          <p:nvPr/>
+        </p:nvSpPr>
+        <p:spPr>
+          <a:xfrm>
+            <a:off x="3748154" y="1370319"/>
+            <a:ext cx="1847352" cy="369332"/>
+          </a:xfrm>
+          <a:prstGeom prst="rect">
+            <a:avLst/>
+          </a:prstGeom>
+          <a:noFill/>
+        </p:spPr>
+        <p:txBody>
+          <a:bodyPr wrap="square" rtlCol="0">
+            <a:spAutoFit/>
+          </a:bodyPr>
+          <a:lstStyle/>
+          <a:p>
+            <a:r>
+              <a:rPr kumimoji="1" lang="en-US" altLang="ja-JP" dirty="0" err="1"/>
+              <a:t>Total:xxxxxx</a:t>
+            </a:r>
+            <a:r>
+              <a:rPr kumimoji="1" lang="ja-JP" altLang="en-US" dirty="0"/>
+              <a:t>円</a:t>
+            </a:r>
+          </a:p>
+        </p:txBody>
+      </p:sp>
+      <p:sp>
+        <p:nvSpPr>
+          <p:cNvPr id="32" name="四角形: 角を丸くする 31">
+            <a:extLst>
+              <a:ext uri="{FF2B5EF4-FFF2-40B4-BE49-F238E27FC236}">
+                <a16:creationId xmlns:a16="http://schemas.microsoft.com/office/drawing/2014/main" id="{0488C303-EA81-FD83-AC9F-A0C9ECF01054}"/>
+              </a:ext>
+            </a:extLst>
+          </p:cNvPr>
+          <p:cNvSpPr/>
+          <p:nvPr/>
+        </p:nvSpPr>
+        <p:spPr>
+          <a:xfrm>
+            <a:off x="8136358" y="926725"/>
+            <a:ext cx="1598212" cy="369332"/>
+          </a:xfrm>
+          <a:prstGeom prst="roundRect">
+            <a:avLst/>
+          </a:prstGeom>
+        </p:spPr>
+        <p:style>
+          <a:lnRef idx="3">
+            <a:schemeClr val="lt1"/>
+          </a:lnRef>
+          <a:fillRef idx="1">
+            <a:schemeClr val="accent3"/>
+          </a:fillRef>
+          <a:effectRef idx="1">
+            <a:schemeClr val="accent3"/>
+          </a:effectRef>
+          <a:fontRef idx="minor">
+            <a:schemeClr val="lt1"/>
+          </a:fontRef>
+        </p:style>
+        <p:txBody>
+          <a:bodyPr rtlCol="0" anchor="ctr"/>
+          <a:lstStyle/>
+          <a:p>
+            <a:pPr algn="ctr"/>
+            <a:r>
+              <a:rPr kumimoji="1" lang="en-US" altLang="ja-JP" dirty="0"/>
+              <a:t>other</a:t>
+            </a:r>
+            <a:endParaRPr kumimoji="1" lang="ja-JP" altLang="en-US" dirty="0"/>
+          </a:p>
+        </p:txBody>
+      </p:sp>
+    </p:spTree>
+    <p:extLst>
+      <p:ext uri="{BB962C8B-B14F-4D97-AF65-F5344CB8AC3E}">
+        <p14:creationId xmlns:p14="http://schemas.microsoft.com/office/powerpoint/2010/main" val="1323072700"/>
       </p:ext>
     </p:extLst>
   </p:cSld>

--- a/models/UI.pptx
+++ b/models/UI.pptx
@@ -13730,8 +13730,8 @@
           <a:p>
             <a:pPr algn="ctr"/>
             <a:r>
-              <a:rPr kumimoji="1" lang="en-US" altLang="ja-JP" dirty="0"/>
-              <a:t>Visiting</a:t>
+              <a:rPr lang="en-US" altLang="ja-JP" dirty="0"/>
+              <a:t>Accident</a:t>
             </a:r>
             <a:endParaRPr kumimoji="1" lang="ja-JP" altLang="en-US" dirty="0"/>
           </a:p>
@@ -14527,6 +14527,86 @@
             <a:r>
               <a:rPr kumimoji="1" lang="en-US" altLang="ja-JP" dirty="0"/>
               <a:t>other</a:t>
+            </a:r>
+            <a:endParaRPr kumimoji="1" lang="ja-JP" altLang="en-US" dirty="0"/>
+          </a:p>
+        </p:txBody>
+      </p:sp>
+      <p:sp>
+        <p:nvSpPr>
+          <p:cNvPr id="33" name="正方形/長方形 32">
+            <a:extLst>
+              <a:ext uri="{FF2B5EF4-FFF2-40B4-BE49-F238E27FC236}">
+                <a16:creationId xmlns:a16="http://schemas.microsoft.com/office/drawing/2014/main" id="{D3D349CF-C51F-4DDB-FDD1-ED31F819343B}"/>
+              </a:ext>
+            </a:extLst>
+          </p:cNvPr>
+          <p:cNvSpPr/>
+          <p:nvPr/>
+        </p:nvSpPr>
+        <p:spPr>
+          <a:xfrm>
+            <a:off x="7727504" y="1362406"/>
+            <a:ext cx="265831" cy="292359"/>
+          </a:xfrm>
+          <a:prstGeom prst="rect">
+            <a:avLst/>
+          </a:prstGeom>
+        </p:spPr>
+        <p:style>
+          <a:lnRef idx="2">
+            <a:schemeClr val="dk1"/>
+          </a:lnRef>
+          <a:fillRef idx="1">
+            <a:schemeClr val="lt1"/>
+          </a:fillRef>
+          <a:effectRef idx="0">
+            <a:schemeClr val="dk1"/>
+          </a:effectRef>
+          <a:fontRef idx="minor">
+            <a:schemeClr val="dk1"/>
+          </a:fontRef>
+        </p:style>
+        <p:txBody>
+          <a:bodyPr rtlCol="0" anchor="ctr"/>
+          <a:lstStyle/>
+          <a:p>
+            <a:pPr algn="ctr"/>
+            <a:endParaRPr kumimoji="1" lang="ja-JP" altLang="en-US" dirty="0"/>
+          </a:p>
+        </p:txBody>
+      </p:sp>
+      <p:sp>
+        <p:nvSpPr>
+          <p:cNvPr id="34" name="テキスト ボックス 33">
+            <a:extLst>
+              <a:ext uri="{FF2B5EF4-FFF2-40B4-BE49-F238E27FC236}">
+                <a16:creationId xmlns:a16="http://schemas.microsoft.com/office/drawing/2014/main" id="{42C26645-4081-3C4E-9F69-E32C68BA248F}"/>
+              </a:ext>
+            </a:extLst>
+          </p:cNvPr>
+          <p:cNvSpPr txBox="1"/>
+          <p:nvPr/>
+        </p:nvSpPr>
+        <p:spPr>
+          <a:xfrm>
+            <a:off x="8025138" y="1322087"/>
+            <a:ext cx="2170706" cy="369332"/>
+          </a:xfrm>
+          <a:prstGeom prst="rect">
+            <a:avLst/>
+          </a:prstGeom>
+          <a:noFill/>
+        </p:spPr>
+        <p:txBody>
+          <a:bodyPr wrap="square" rtlCol="0">
+            <a:spAutoFit/>
+          </a:bodyPr>
+          <a:lstStyle/>
+          <a:p>
+            <a:r>
+              <a:rPr lang="en-US" altLang="ja-JP" dirty="0"/>
+              <a:t>With insurance</a:t>
             </a:r>
             <a:endParaRPr kumimoji="1" lang="ja-JP" altLang="en-US" dirty="0"/>
           </a:p>

--- a/models/UI.pptx
+++ b/models/UI.pptx
@@ -6,11 +6,17 @@
   </p:sldMasterIdLst>
   <p:sldIdLst>
     <p:sldId id="256" r:id="rId2"/>
-    <p:sldId id="257" r:id="rId3"/>
-    <p:sldId id="260" r:id="rId4"/>
-    <p:sldId id="258" r:id="rId5"/>
-    <p:sldId id="259" r:id="rId6"/>
-    <p:sldId id="261" r:id="rId7"/>
+    <p:sldId id="262" r:id="rId3"/>
+    <p:sldId id="257" r:id="rId4"/>
+    <p:sldId id="260" r:id="rId5"/>
+    <p:sldId id="258" r:id="rId6"/>
+    <p:sldId id="259" r:id="rId7"/>
+    <p:sldId id="261" r:id="rId8"/>
+    <p:sldId id="267" r:id="rId9"/>
+    <p:sldId id="263" r:id="rId10"/>
+    <p:sldId id="264" r:id="rId11"/>
+    <p:sldId id="265" r:id="rId12"/>
+    <p:sldId id="266" r:id="rId13"/>
   </p:sldIdLst>
   <p:sldSz cx="12192000" cy="6858000"/>
   <p:notesSz cx="6858000" cy="9144000"/>
@@ -264,7 +270,7 @@
           <a:p>
             <a:fld id="{C0D971C9-DB7B-45E2-859A-01875D4D6A0E}" type="datetimeFigureOut">
               <a:rPr kumimoji="1" lang="ja-JP" altLang="en-US" smtClean="0"/>
-              <a:t>2024/12/15</a:t>
+              <a:t>2024/12/16</a:t>
             </a:fld>
             <a:endParaRPr kumimoji="1" lang="ja-JP" altLang="en-US"/>
           </a:p>
@@ -494,7 +500,7 @@
           <a:p>
             <a:fld id="{C0D971C9-DB7B-45E2-859A-01875D4D6A0E}" type="datetimeFigureOut">
               <a:rPr kumimoji="1" lang="ja-JP" altLang="en-US" smtClean="0"/>
-              <a:t>2024/12/15</a:t>
+              <a:t>2024/12/16</a:t>
             </a:fld>
             <a:endParaRPr kumimoji="1" lang="ja-JP" altLang="en-US"/>
           </a:p>
@@ -734,7 +740,7 @@
           <a:p>
             <a:fld id="{C0D971C9-DB7B-45E2-859A-01875D4D6A0E}" type="datetimeFigureOut">
               <a:rPr kumimoji="1" lang="ja-JP" altLang="en-US" smtClean="0"/>
-              <a:t>2024/12/15</a:t>
+              <a:t>2024/12/16</a:t>
             </a:fld>
             <a:endParaRPr kumimoji="1" lang="ja-JP" altLang="en-US"/>
           </a:p>
@@ -964,7 +970,7 @@
           <a:p>
             <a:fld id="{C0D971C9-DB7B-45E2-859A-01875D4D6A0E}" type="datetimeFigureOut">
               <a:rPr kumimoji="1" lang="ja-JP" altLang="en-US" smtClean="0"/>
-              <a:t>2024/12/15</a:t>
+              <a:t>2024/12/16</a:t>
             </a:fld>
             <a:endParaRPr kumimoji="1" lang="ja-JP" altLang="en-US"/>
           </a:p>
@@ -1239,7 +1245,7 @@
           <a:p>
             <a:fld id="{C0D971C9-DB7B-45E2-859A-01875D4D6A0E}" type="datetimeFigureOut">
               <a:rPr kumimoji="1" lang="ja-JP" altLang="en-US" smtClean="0"/>
-              <a:t>2024/12/15</a:t>
+              <a:t>2024/12/16</a:t>
             </a:fld>
             <a:endParaRPr kumimoji="1" lang="ja-JP" altLang="en-US"/>
           </a:p>
@@ -1568,7 +1574,7 @@
           <a:p>
             <a:fld id="{C0D971C9-DB7B-45E2-859A-01875D4D6A0E}" type="datetimeFigureOut">
               <a:rPr kumimoji="1" lang="ja-JP" altLang="en-US" smtClean="0"/>
-              <a:t>2024/12/15</a:t>
+              <a:t>2024/12/16</a:t>
             </a:fld>
             <a:endParaRPr kumimoji="1" lang="ja-JP" altLang="en-US"/>
           </a:p>
@@ -2044,7 +2050,7 @@
           <a:p>
             <a:fld id="{C0D971C9-DB7B-45E2-859A-01875D4D6A0E}" type="datetimeFigureOut">
               <a:rPr kumimoji="1" lang="ja-JP" altLang="en-US" smtClean="0"/>
-              <a:t>2024/12/15</a:t>
+              <a:t>2024/12/16</a:t>
             </a:fld>
             <a:endParaRPr kumimoji="1" lang="ja-JP" altLang="en-US"/>
           </a:p>
@@ -2185,7 +2191,7 @@
           <a:p>
             <a:fld id="{C0D971C9-DB7B-45E2-859A-01875D4D6A0E}" type="datetimeFigureOut">
               <a:rPr kumimoji="1" lang="ja-JP" altLang="en-US" smtClean="0"/>
-              <a:t>2024/12/15</a:t>
+              <a:t>2024/12/16</a:t>
             </a:fld>
             <a:endParaRPr kumimoji="1" lang="ja-JP" altLang="en-US"/>
           </a:p>
@@ -2298,7 +2304,7 @@
           <a:p>
             <a:fld id="{C0D971C9-DB7B-45E2-859A-01875D4D6A0E}" type="datetimeFigureOut">
               <a:rPr kumimoji="1" lang="ja-JP" altLang="en-US" smtClean="0"/>
-              <a:t>2024/12/15</a:t>
+              <a:t>2024/12/16</a:t>
             </a:fld>
             <a:endParaRPr kumimoji="1" lang="ja-JP" altLang="en-US"/>
           </a:p>
@@ -2641,7 +2647,7 @@
           <a:p>
             <a:fld id="{C0D971C9-DB7B-45E2-859A-01875D4D6A0E}" type="datetimeFigureOut">
               <a:rPr kumimoji="1" lang="ja-JP" altLang="en-US" smtClean="0"/>
-              <a:t>2024/12/15</a:t>
+              <a:t>2024/12/16</a:t>
             </a:fld>
             <a:endParaRPr kumimoji="1" lang="ja-JP" altLang="en-US"/>
           </a:p>
@@ -2929,7 +2935,7 @@
           <a:p>
             <a:fld id="{C0D971C9-DB7B-45E2-859A-01875D4D6A0E}" type="datetimeFigureOut">
               <a:rPr kumimoji="1" lang="ja-JP" altLang="en-US" smtClean="0"/>
-              <a:t>2024/12/15</a:t>
+              <a:t>2024/12/16</a:t>
             </a:fld>
             <a:endParaRPr kumimoji="1" lang="ja-JP" altLang="en-US"/>
           </a:p>
@@ -3202,7 +3208,7 @@
           <a:p>
             <a:fld id="{C0D971C9-DB7B-45E2-859A-01875D4D6A0E}" type="datetimeFigureOut">
               <a:rPr kumimoji="1" lang="ja-JP" altLang="en-US" smtClean="0"/>
-              <a:t>2024/12/15</a:t>
+              <a:t>2024/12/16</a:t>
             </a:fld>
             <a:endParaRPr kumimoji="1" lang="ja-JP" altLang="en-US"/>
           </a:p>
@@ -3689,7 +3695,1858 @@
 </p:sld>
 </file>
 
+<file path=ppt/slides/slide10.xml><?xml version="1.0" encoding="utf-8"?>
+<p:sld xmlns:a="http://schemas.openxmlformats.org/drawingml/2006/main" xmlns:r="http://schemas.openxmlformats.org/officeDocument/2006/relationships" xmlns:p="http://schemas.openxmlformats.org/presentationml/2006/main">
+  <p:cSld>
+    <p:spTree>
+      <p:nvGrpSpPr>
+        <p:cNvPr id="1" name=""/>
+        <p:cNvGrpSpPr/>
+        <p:nvPr/>
+      </p:nvGrpSpPr>
+      <p:grpSpPr>
+        <a:xfrm>
+          <a:off x="0" y="0"/>
+          <a:ext cx="0" cy="0"/>
+          <a:chOff x="0" y="0"/>
+          <a:chExt cx="0" cy="0"/>
+        </a:xfrm>
+      </p:grpSpPr>
+      <p:pic>
+        <p:nvPicPr>
+          <p:cNvPr id="3" name="図 2">
+            <a:extLst>
+              <a:ext uri="{FF2B5EF4-FFF2-40B4-BE49-F238E27FC236}">
+                <a16:creationId xmlns:a16="http://schemas.microsoft.com/office/drawing/2014/main" id="{7289B06E-7202-CF40-AB3B-4729880B5E01}"/>
+              </a:ext>
+            </a:extLst>
+          </p:cNvPr>
+          <p:cNvPicPr>
+            <a:picLocks noChangeAspect="1"/>
+          </p:cNvPicPr>
+          <p:nvPr/>
+        </p:nvPicPr>
+        <p:blipFill>
+          <a:blip r:embed="rId2"/>
+          <a:stretch>
+            <a:fillRect/>
+          </a:stretch>
+        </p:blipFill>
+        <p:spPr>
+          <a:xfrm>
+            <a:off x="2352675" y="604837"/>
+            <a:ext cx="7486650" cy="5648325"/>
+          </a:xfrm>
+          <a:prstGeom prst="rect">
+            <a:avLst/>
+          </a:prstGeom>
+        </p:spPr>
+      </p:pic>
+    </p:spTree>
+    <p:extLst>
+      <p:ext uri="{BB962C8B-B14F-4D97-AF65-F5344CB8AC3E}">
+        <p14:creationId xmlns:p14="http://schemas.microsoft.com/office/powerpoint/2010/main" val="772665974"/>
+      </p:ext>
+    </p:extLst>
+  </p:cSld>
+  <p:clrMapOvr>
+    <a:masterClrMapping/>
+  </p:clrMapOvr>
+</p:sld>
+</file>
+
+<file path=ppt/slides/slide11.xml><?xml version="1.0" encoding="utf-8"?>
+<p:sld xmlns:a="http://schemas.openxmlformats.org/drawingml/2006/main" xmlns:r="http://schemas.openxmlformats.org/officeDocument/2006/relationships" xmlns:p="http://schemas.openxmlformats.org/presentationml/2006/main">
+  <p:cSld>
+    <p:spTree>
+      <p:nvGrpSpPr>
+        <p:cNvPr id="1" name=""/>
+        <p:cNvGrpSpPr/>
+        <p:nvPr/>
+      </p:nvGrpSpPr>
+      <p:grpSpPr>
+        <a:xfrm>
+          <a:off x="0" y="0"/>
+          <a:ext cx="0" cy="0"/>
+          <a:chOff x="0" y="0"/>
+          <a:chExt cx="0" cy="0"/>
+        </a:xfrm>
+      </p:grpSpPr>
+      <p:pic>
+        <p:nvPicPr>
+          <p:cNvPr id="3" name="図 2">
+            <a:extLst>
+              <a:ext uri="{FF2B5EF4-FFF2-40B4-BE49-F238E27FC236}">
+                <a16:creationId xmlns:a16="http://schemas.microsoft.com/office/drawing/2014/main" id="{2BE5274E-8C1B-5D48-AF15-A14493583170}"/>
+              </a:ext>
+            </a:extLst>
+          </p:cNvPr>
+          <p:cNvPicPr>
+            <a:picLocks noChangeAspect="1"/>
+          </p:cNvPicPr>
+          <p:nvPr/>
+        </p:nvPicPr>
+        <p:blipFill>
+          <a:blip r:embed="rId2"/>
+          <a:stretch>
+            <a:fillRect/>
+          </a:stretch>
+        </p:blipFill>
+        <p:spPr>
+          <a:xfrm>
+            <a:off x="2352675" y="604837"/>
+            <a:ext cx="7486650" cy="5648325"/>
+          </a:xfrm>
+          <a:prstGeom prst="rect">
+            <a:avLst/>
+          </a:prstGeom>
+        </p:spPr>
+      </p:pic>
+    </p:spTree>
+    <p:extLst>
+      <p:ext uri="{BB962C8B-B14F-4D97-AF65-F5344CB8AC3E}">
+        <p14:creationId xmlns:p14="http://schemas.microsoft.com/office/powerpoint/2010/main" val="68268348"/>
+      </p:ext>
+    </p:extLst>
+  </p:cSld>
+  <p:clrMapOvr>
+    <a:masterClrMapping/>
+  </p:clrMapOvr>
+</p:sld>
+</file>
+
+<file path=ppt/slides/slide12.xml><?xml version="1.0" encoding="utf-8"?>
+<p:sld xmlns:a="http://schemas.openxmlformats.org/drawingml/2006/main" xmlns:r="http://schemas.openxmlformats.org/officeDocument/2006/relationships" xmlns:p="http://schemas.openxmlformats.org/presentationml/2006/main">
+  <p:cSld>
+    <p:spTree>
+      <p:nvGrpSpPr>
+        <p:cNvPr id="1" name=""/>
+        <p:cNvGrpSpPr/>
+        <p:nvPr/>
+      </p:nvGrpSpPr>
+      <p:grpSpPr>
+        <a:xfrm>
+          <a:off x="0" y="0"/>
+          <a:ext cx="0" cy="0"/>
+          <a:chOff x="0" y="0"/>
+          <a:chExt cx="0" cy="0"/>
+        </a:xfrm>
+      </p:grpSpPr>
+      <p:pic>
+        <p:nvPicPr>
+          <p:cNvPr id="3" name="図 2">
+            <a:extLst>
+              <a:ext uri="{FF2B5EF4-FFF2-40B4-BE49-F238E27FC236}">
+                <a16:creationId xmlns:a16="http://schemas.microsoft.com/office/drawing/2014/main" id="{6839F656-629F-490D-57B0-B61082DB3F06}"/>
+              </a:ext>
+            </a:extLst>
+          </p:cNvPr>
+          <p:cNvPicPr>
+            <a:picLocks noChangeAspect="1"/>
+          </p:cNvPicPr>
+          <p:nvPr/>
+        </p:nvPicPr>
+        <p:blipFill>
+          <a:blip r:embed="rId2"/>
+          <a:stretch>
+            <a:fillRect/>
+          </a:stretch>
+        </p:blipFill>
+        <p:spPr>
+          <a:xfrm>
+            <a:off x="2352675" y="604837"/>
+            <a:ext cx="7486650" cy="5648325"/>
+          </a:xfrm>
+          <a:prstGeom prst="rect">
+            <a:avLst/>
+          </a:prstGeom>
+        </p:spPr>
+      </p:pic>
+    </p:spTree>
+    <p:extLst>
+      <p:ext uri="{BB962C8B-B14F-4D97-AF65-F5344CB8AC3E}">
+        <p14:creationId xmlns:p14="http://schemas.microsoft.com/office/powerpoint/2010/main" val="1173654414"/>
+      </p:ext>
+    </p:extLst>
+  </p:cSld>
+  <p:clrMapOvr>
+    <a:masterClrMapping/>
+  </p:clrMapOvr>
+</p:sld>
+</file>
+
 <file path=ppt/slides/slide2.xml><?xml version="1.0" encoding="utf-8"?>
+<p:sld xmlns:a="http://schemas.openxmlformats.org/drawingml/2006/main" xmlns:r="http://schemas.openxmlformats.org/officeDocument/2006/relationships" xmlns:p="http://schemas.openxmlformats.org/presentationml/2006/main">
+  <p:cSld>
+    <p:spTree>
+      <p:nvGrpSpPr>
+        <p:cNvPr id="1" name=""/>
+        <p:cNvGrpSpPr/>
+        <p:nvPr/>
+      </p:nvGrpSpPr>
+      <p:grpSpPr>
+        <a:xfrm>
+          <a:off x="0" y="0"/>
+          <a:ext cx="0" cy="0"/>
+          <a:chOff x="0" y="0"/>
+          <a:chExt cx="0" cy="0"/>
+        </a:xfrm>
+      </p:grpSpPr>
+      <p:sp>
+        <p:nvSpPr>
+          <p:cNvPr id="2" name="正方形/長方形 1">
+            <a:extLst>
+              <a:ext uri="{FF2B5EF4-FFF2-40B4-BE49-F238E27FC236}">
+                <a16:creationId xmlns:a16="http://schemas.microsoft.com/office/drawing/2014/main" id="{14D9ADD6-5B95-A830-584E-D9E89CC8F465}"/>
+              </a:ext>
+            </a:extLst>
+          </p:cNvPr>
+          <p:cNvSpPr/>
+          <p:nvPr/>
+        </p:nvSpPr>
+        <p:spPr>
+          <a:xfrm>
+            <a:off x="1293380" y="198098"/>
+            <a:ext cx="8707402" cy="6461804"/>
+          </a:xfrm>
+          <a:prstGeom prst="rect">
+            <a:avLst/>
+          </a:prstGeom>
+        </p:spPr>
+        <p:style>
+          <a:lnRef idx="2">
+            <a:schemeClr val="dk1"/>
+          </a:lnRef>
+          <a:fillRef idx="1">
+            <a:schemeClr val="lt1"/>
+          </a:fillRef>
+          <a:effectRef idx="0">
+            <a:schemeClr val="dk1"/>
+          </a:effectRef>
+          <a:fontRef idx="minor">
+            <a:schemeClr val="dk1"/>
+          </a:fontRef>
+        </p:style>
+        <p:txBody>
+          <a:bodyPr rtlCol="0" anchor="ctr"/>
+          <a:lstStyle/>
+          <a:p>
+            <a:pPr algn="ctr"/>
+            <a:endParaRPr kumimoji="1" lang="ja-JP" altLang="en-US"/>
+          </a:p>
+        </p:txBody>
+      </p:sp>
+      <p:sp>
+        <p:nvSpPr>
+          <p:cNvPr id="3" name="正方形/長方形 2">
+            <a:extLst>
+              <a:ext uri="{FF2B5EF4-FFF2-40B4-BE49-F238E27FC236}">
+                <a16:creationId xmlns:a16="http://schemas.microsoft.com/office/drawing/2014/main" id="{DA9ED58D-5F43-5BC1-1326-C6CF0CB460E4}"/>
+              </a:ext>
+            </a:extLst>
+          </p:cNvPr>
+          <p:cNvSpPr/>
+          <p:nvPr/>
+        </p:nvSpPr>
+        <p:spPr>
+          <a:xfrm>
+            <a:off x="1244466" y="238417"/>
+            <a:ext cx="265831" cy="292359"/>
+          </a:xfrm>
+          <a:prstGeom prst="rect">
+            <a:avLst/>
+          </a:prstGeom>
+        </p:spPr>
+        <p:style>
+          <a:lnRef idx="2">
+            <a:schemeClr val="dk1"/>
+          </a:lnRef>
+          <a:fillRef idx="1">
+            <a:schemeClr val="lt1"/>
+          </a:fillRef>
+          <a:effectRef idx="0">
+            <a:schemeClr val="dk1"/>
+          </a:effectRef>
+          <a:fontRef idx="minor">
+            <a:schemeClr val="dk1"/>
+          </a:fontRef>
+        </p:style>
+        <p:txBody>
+          <a:bodyPr rtlCol="0" anchor="ctr"/>
+          <a:lstStyle/>
+          <a:p>
+            <a:pPr algn="ctr"/>
+            <a:endParaRPr kumimoji="1" lang="ja-JP" altLang="en-US" dirty="0"/>
+          </a:p>
+        </p:txBody>
+      </p:sp>
+      <p:sp>
+        <p:nvSpPr>
+          <p:cNvPr id="4" name="テキスト ボックス 3">
+            <a:extLst>
+              <a:ext uri="{FF2B5EF4-FFF2-40B4-BE49-F238E27FC236}">
+                <a16:creationId xmlns:a16="http://schemas.microsoft.com/office/drawing/2014/main" id="{55A61F91-3077-168E-8ECD-6675B04F0315}"/>
+              </a:ext>
+            </a:extLst>
+          </p:cNvPr>
+          <p:cNvSpPr txBox="1"/>
+          <p:nvPr/>
+        </p:nvSpPr>
+        <p:spPr>
+          <a:xfrm>
+            <a:off x="1542100" y="198098"/>
+            <a:ext cx="1163540" cy="369332"/>
+          </a:xfrm>
+          <a:prstGeom prst="rect">
+            <a:avLst/>
+          </a:prstGeom>
+          <a:noFill/>
+        </p:spPr>
+        <p:txBody>
+          <a:bodyPr wrap="square" rtlCol="0">
+            <a:spAutoFit/>
+          </a:bodyPr>
+          <a:lstStyle/>
+          <a:p>
+            <a:r>
+              <a:rPr kumimoji="1" lang="en-US" altLang="ja-JP" dirty="0"/>
+              <a:t>world</a:t>
+            </a:r>
+            <a:endParaRPr kumimoji="1" lang="ja-JP" altLang="en-US" dirty="0"/>
+          </a:p>
+        </p:txBody>
+      </p:sp>
+      <p:sp>
+        <p:nvSpPr>
+          <p:cNvPr id="5" name="正方形/長方形 4">
+            <a:extLst>
+              <a:ext uri="{FF2B5EF4-FFF2-40B4-BE49-F238E27FC236}">
+                <a16:creationId xmlns:a16="http://schemas.microsoft.com/office/drawing/2014/main" id="{4BBDBA56-181A-3F45-9559-407378AF3A99}"/>
+              </a:ext>
+            </a:extLst>
+          </p:cNvPr>
+          <p:cNvSpPr/>
+          <p:nvPr/>
+        </p:nvSpPr>
+        <p:spPr>
+          <a:xfrm>
+            <a:off x="2875014" y="1219053"/>
+            <a:ext cx="1163540" cy="292359"/>
+          </a:xfrm>
+          <a:prstGeom prst="rect">
+            <a:avLst/>
+          </a:prstGeom>
+        </p:spPr>
+        <p:style>
+          <a:lnRef idx="2">
+            <a:schemeClr val="dk1"/>
+          </a:lnRef>
+          <a:fillRef idx="1">
+            <a:schemeClr val="lt1"/>
+          </a:fillRef>
+          <a:effectRef idx="0">
+            <a:schemeClr val="dk1"/>
+          </a:effectRef>
+          <a:fontRef idx="minor">
+            <a:schemeClr val="dk1"/>
+          </a:fontRef>
+        </p:style>
+        <p:txBody>
+          <a:bodyPr rtlCol="0" anchor="ctr"/>
+          <a:lstStyle/>
+          <a:p>
+            <a:pPr algn="ctr"/>
+            <a:r>
+              <a:rPr lang="en-US" altLang="ja-JP" dirty="0"/>
+              <a:t>Japan</a:t>
+            </a:r>
+            <a:endParaRPr kumimoji="1" lang="ja-JP" altLang="en-US" dirty="0"/>
+          </a:p>
+        </p:txBody>
+      </p:sp>
+      <p:sp>
+        <p:nvSpPr>
+          <p:cNvPr id="6" name="動作設定ボタン: 戻る/前へ 5">
+            <a:hlinkClick r:id="" action="ppaction://hlinkshowjump?jump=previousslide" highlightClick="1"/>
+            <a:extLst>
+              <a:ext uri="{FF2B5EF4-FFF2-40B4-BE49-F238E27FC236}">
+                <a16:creationId xmlns:a16="http://schemas.microsoft.com/office/drawing/2014/main" id="{210D5D7E-AE6B-107B-E548-AE0072C105F2}"/>
+              </a:ext>
+            </a:extLst>
+          </p:cNvPr>
+          <p:cNvSpPr/>
+          <p:nvPr/>
+        </p:nvSpPr>
+        <p:spPr>
+          <a:xfrm rot="16200000">
+            <a:off x="3958183" y="1299424"/>
+            <a:ext cx="365145" cy="204403"/>
+          </a:xfrm>
+          <a:prstGeom prst="actionButtonBackPrevious">
+            <a:avLst/>
+          </a:prstGeom>
+        </p:spPr>
+        <p:style>
+          <a:lnRef idx="2">
+            <a:schemeClr val="dk1"/>
+          </a:lnRef>
+          <a:fillRef idx="1">
+            <a:schemeClr val="lt1"/>
+          </a:fillRef>
+          <a:effectRef idx="0">
+            <a:schemeClr val="dk1"/>
+          </a:effectRef>
+          <a:fontRef idx="minor">
+            <a:schemeClr val="dk1"/>
+          </a:fontRef>
+        </p:style>
+        <p:txBody>
+          <a:bodyPr rtlCol="0" anchor="ctr"/>
+          <a:lstStyle/>
+          <a:p>
+            <a:pPr algn="ctr"/>
+            <a:endParaRPr kumimoji="1" lang="ja-JP" altLang="en-US"/>
+          </a:p>
+        </p:txBody>
+      </p:sp>
+      <p:sp>
+        <p:nvSpPr>
+          <p:cNvPr id="9" name="テキスト ボックス 8">
+            <a:extLst>
+              <a:ext uri="{FF2B5EF4-FFF2-40B4-BE49-F238E27FC236}">
+                <a16:creationId xmlns:a16="http://schemas.microsoft.com/office/drawing/2014/main" id="{8A807A02-45D0-7E30-E280-184505A0DB78}"/>
+              </a:ext>
+            </a:extLst>
+          </p:cNvPr>
+          <p:cNvSpPr txBox="1"/>
+          <p:nvPr/>
+        </p:nvSpPr>
+        <p:spPr>
+          <a:xfrm>
+            <a:off x="1102667" y="1757529"/>
+            <a:ext cx="2610678" cy="369332"/>
+          </a:xfrm>
+          <a:prstGeom prst="rect">
+            <a:avLst/>
+          </a:prstGeom>
+          <a:noFill/>
+        </p:spPr>
+        <p:txBody>
+          <a:bodyPr wrap="square" rtlCol="0">
+            <a:spAutoFit/>
+          </a:bodyPr>
+          <a:lstStyle/>
+          <a:p>
+            <a:r>
+              <a:rPr kumimoji="1" lang="ja-JP" altLang="en-US" dirty="0"/>
+              <a:t>〇〇〇〇</a:t>
+            </a:r>
+            <a:r>
+              <a:rPr kumimoji="1" lang="en-US" altLang="ja-JP" dirty="0"/>
+              <a:t>/</a:t>
+            </a:r>
+            <a:r>
+              <a:rPr lang="ja-JP" altLang="en-US" dirty="0"/>
+              <a:t>□□</a:t>
+            </a:r>
+            <a:r>
+              <a:rPr kumimoji="1" lang="en-US" altLang="ja-JP" dirty="0"/>
+              <a:t>/</a:t>
+            </a:r>
+            <a:r>
+              <a:rPr kumimoji="1" lang="ja-JP" altLang="en-US" dirty="0"/>
+              <a:t>△△</a:t>
+            </a:r>
+          </a:p>
+        </p:txBody>
+      </p:sp>
+      <p:sp>
+        <p:nvSpPr>
+          <p:cNvPr id="10" name="テキスト ボックス 9">
+            <a:extLst>
+              <a:ext uri="{FF2B5EF4-FFF2-40B4-BE49-F238E27FC236}">
+                <a16:creationId xmlns:a16="http://schemas.microsoft.com/office/drawing/2014/main" id="{9D65CB8F-832D-943C-5581-4A0BE1A3C085}"/>
+              </a:ext>
+            </a:extLst>
+          </p:cNvPr>
+          <p:cNvSpPr txBox="1"/>
+          <p:nvPr/>
+        </p:nvSpPr>
+        <p:spPr>
+          <a:xfrm>
+            <a:off x="3253495" y="1757529"/>
+            <a:ext cx="459850" cy="369332"/>
+          </a:xfrm>
+          <a:prstGeom prst="rect">
+            <a:avLst/>
+          </a:prstGeom>
+          <a:noFill/>
+        </p:spPr>
+        <p:txBody>
+          <a:bodyPr wrap="square" rtlCol="0">
+            <a:spAutoFit/>
+          </a:bodyPr>
+          <a:lstStyle/>
+          <a:p>
+            <a:r>
+              <a:rPr kumimoji="1" lang="ja-JP" altLang="en-US" dirty="0"/>
+              <a:t>～</a:t>
+            </a:r>
+          </a:p>
+        </p:txBody>
+      </p:sp>
+      <p:sp>
+        <p:nvSpPr>
+          <p:cNvPr id="11" name="テキスト ボックス 10">
+            <a:extLst>
+              <a:ext uri="{FF2B5EF4-FFF2-40B4-BE49-F238E27FC236}">
+                <a16:creationId xmlns:a16="http://schemas.microsoft.com/office/drawing/2014/main" id="{9ED604AD-D831-9FFE-F488-FDC9D6F4CCCD}"/>
+              </a:ext>
+            </a:extLst>
+          </p:cNvPr>
+          <p:cNvSpPr txBox="1"/>
+          <p:nvPr/>
+        </p:nvSpPr>
+        <p:spPr>
+          <a:xfrm>
+            <a:off x="3713345" y="1757529"/>
+            <a:ext cx="2610678" cy="369332"/>
+          </a:xfrm>
+          <a:prstGeom prst="rect">
+            <a:avLst/>
+          </a:prstGeom>
+          <a:noFill/>
+        </p:spPr>
+        <p:txBody>
+          <a:bodyPr wrap="square" rtlCol="0">
+            <a:spAutoFit/>
+          </a:bodyPr>
+          <a:lstStyle/>
+          <a:p>
+            <a:r>
+              <a:rPr kumimoji="1" lang="ja-JP" altLang="en-US" dirty="0"/>
+              <a:t>〇〇〇〇</a:t>
+            </a:r>
+            <a:r>
+              <a:rPr kumimoji="1" lang="en-US" altLang="ja-JP" dirty="0"/>
+              <a:t>/</a:t>
+            </a:r>
+            <a:r>
+              <a:rPr lang="ja-JP" altLang="en-US" dirty="0"/>
+              <a:t>□□</a:t>
+            </a:r>
+            <a:r>
+              <a:rPr kumimoji="1" lang="en-US" altLang="ja-JP" dirty="0"/>
+              <a:t>/</a:t>
+            </a:r>
+            <a:r>
+              <a:rPr kumimoji="1" lang="ja-JP" altLang="en-US" dirty="0"/>
+              <a:t>△△</a:t>
+            </a:r>
+          </a:p>
+        </p:txBody>
+      </p:sp>
+      <p:sp>
+        <p:nvSpPr>
+          <p:cNvPr id="12" name="テキスト ボックス 11">
+            <a:extLst>
+              <a:ext uri="{FF2B5EF4-FFF2-40B4-BE49-F238E27FC236}">
+                <a16:creationId xmlns:a16="http://schemas.microsoft.com/office/drawing/2014/main" id="{A1EFB16F-0F6F-24EF-F16A-F5B20041E7AE}"/>
+              </a:ext>
+            </a:extLst>
+          </p:cNvPr>
+          <p:cNvSpPr txBox="1"/>
+          <p:nvPr/>
+        </p:nvSpPr>
+        <p:spPr>
+          <a:xfrm>
+            <a:off x="6184572" y="1757529"/>
+            <a:ext cx="1445812" cy="369332"/>
+          </a:xfrm>
+          <a:prstGeom prst="rect">
+            <a:avLst/>
+          </a:prstGeom>
+          <a:noFill/>
+        </p:spPr>
+        <p:txBody>
+          <a:bodyPr wrap="square" rtlCol="0">
+            <a:spAutoFit/>
+          </a:bodyPr>
+          <a:lstStyle/>
+          <a:p>
+            <a:r>
+              <a:rPr kumimoji="1" lang="en-US" altLang="ja-JP" dirty="0" err="1"/>
+              <a:t>XXdays</a:t>
+            </a:r>
+            <a:endParaRPr kumimoji="1" lang="ja-JP" altLang="en-US" dirty="0"/>
+          </a:p>
+        </p:txBody>
+      </p:sp>
+      <p:sp>
+        <p:nvSpPr>
+          <p:cNvPr id="15" name="テキスト ボックス 14">
+            <a:extLst>
+              <a:ext uri="{FF2B5EF4-FFF2-40B4-BE49-F238E27FC236}">
+                <a16:creationId xmlns:a16="http://schemas.microsoft.com/office/drawing/2014/main" id="{E60DDD35-90D3-88B8-47E2-A8A1E8F392C8}"/>
+              </a:ext>
+            </a:extLst>
+          </p:cNvPr>
+          <p:cNvSpPr txBox="1"/>
+          <p:nvPr/>
+        </p:nvSpPr>
+        <p:spPr>
+          <a:xfrm>
+            <a:off x="1244466" y="670089"/>
+            <a:ext cx="2610678" cy="369332"/>
+          </a:xfrm>
+          <a:prstGeom prst="rect">
+            <a:avLst/>
+          </a:prstGeom>
+        </p:spPr>
+        <p:style>
+          <a:lnRef idx="2">
+            <a:schemeClr val="dk1"/>
+          </a:lnRef>
+          <a:fillRef idx="1">
+            <a:schemeClr val="lt1"/>
+          </a:fillRef>
+          <a:effectRef idx="0">
+            <a:schemeClr val="dk1"/>
+          </a:effectRef>
+          <a:fontRef idx="minor">
+            <a:schemeClr val="dk1"/>
+          </a:fontRef>
+        </p:style>
+        <p:txBody>
+          <a:bodyPr wrap="square" rtlCol="0">
+            <a:spAutoFit/>
+          </a:bodyPr>
+          <a:lstStyle/>
+          <a:p>
+            <a:r>
+              <a:rPr kumimoji="1" lang="ja-JP" altLang="en-US" dirty="0"/>
+              <a:t>〇〇〇〇</a:t>
+            </a:r>
+            <a:r>
+              <a:rPr kumimoji="1" lang="en-US" altLang="ja-JP" dirty="0"/>
+              <a:t>/</a:t>
+            </a:r>
+            <a:r>
+              <a:rPr lang="ja-JP" altLang="en-US" dirty="0"/>
+              <a:t>□□</a:t>
+            </a:r>
+            <a:r>
+              <a:rPr kumimoji="1" lang="en-US" altLang="ja-JP" dirty="0"/>
+              <a:t>/</a:t>
+            </a:r>
+            <a:r>
+              <a:rPr kumimoji="1" lang="ja-JP" altLang="en-US" dirty="0"/>
+              <a:t>△△</a:t>
+            </a:r>
+          </a:p>
+        </p:txBody>
+      </p:sp>
+      <p:sp>
+        <p:nvSpPr>
+          <p:cNvPr id="18" name="テキスト ボックス 17">
+            <a:extLst>
+              <a:ext uri="{FF2B5EF4-FFF2-40B4-BE49-F238E27FC236}">
+                <a16:creationId xmlns:a16="http://schemas.microsoft.com/office/drawing/2014/main" id="{65D67451-2F1D-4AE9-682A-6138451DF0CC}"/>
+              </a:ext>
+            </a:extLst>
+          </p:cNvPr>
+          <p:cNvSpPr txBox="1"/>
+          <p:nvPr/>
+        </p:nvSpPr>
+        <p:spPr>
+          <a:xfrm>
+            <a:off x="3855144" y="670089"/>
+            <a:ext cx="459850" cy="369332"/>
+          </a:xfrm>
+          <a:prstGeom prst="rect">
+            <a:avLst/>
+          </a:prstGeom>
+          <a:noFill/>
+        </p:spPr>
+        <p:txBody>
+          <a:bodyPr wrap="square" rtlCol="0">
+            <a:spAutoFit/>
+          </a:bodyPr>
+          <a:lstStyle/>
+          <a:p>
+            <a:r>
+              <a:rPr kumimoji="1" lang="ja-JP" altLang="en-US" dirty="0"/>
+              <a:t>～</a:t>
+            </a:r>
+          </a:p>
+        </p:txBody>
+      </p:sp>
+      <p:sp>
+        <p:nvSpPr>
+          <p:cNvPr id="19" name="テキスト ボックス 18">
+            <a:extLst>
+              <a:ext uri="{FF2B5EF4-FFF2-40B4-BE49-F238E27FC236}">
+                <a16:creationId xmlns:a16="http://schemas.microsoft.com/office/drawing/2014/main" id="{451CEE39-6D36-528F-E324-85A60D447F8A}"/>
+              </a:ext>
+            </a:extLst>
+          </p:cNvPr>
+          <p:cNvSpPr txBox="1"/>
+          <p:nvPr/>
+        </p:nvSpPr>
+        <p:spPr>
+          <a:xfrm>
+            <a:off x="4265322" y="670089"/>
+            <a:ext cx="2610678" cy="369332"/>
+          </a:xfrm>
+          <a:prstGeom prst="rect">
+            <a:avLst/>
+          </a:prstGeom>
+        </p:spPr>
+        <p:style>
+          <a:lnRef idx="2">
+            <a:schemeClr val="dk1"/>
+          </a:lnRef>
+          <a:fillRef idx="1">
+            <a:schemeClr val="lt1"/>
+          </a:fillRef>
+          <a:effectRef idx="0">
+            <a:schemeClr val="dk1"/>
+          </a:effectRef>
+          <a:fontRef idx="minor">
+            <a:schemeClr val="dk1"/>
+          </a:fontRef>
+        </p:style>
+        <p:txBody>
+          <a:bodyPr wrap="square" rtlCol="0">
+            <a:spAutoFit/>
+          </a:bodyPr>
+          <a:lstStyle/>
+          <a:p>
+            <a:r>
+              <a:rPr kumimoji="1" lang="ja-JP" altLang="en-US" dirty="0"/>
+              <a:t>〇〇〇〇</a:t>
+            </a:r>
+            <a:r>
+              <a:rPr kumimoji="1" lang="en-US" altLang="ja-JP" dirty="0"/>
+              <a:t>/</a:t>
+            </a:r>
+            <a:r>
+              <a:rPr lang="ja-JP" altLang="en-US" dirty="0"/>
+              <a:t>□□</a:t>
+            </a:r>
+            <a:r>
+              <a:rPr kumimoji="1" lang="en-US" altLang="ja-JP" dirty="0"/>
+              <a:t>/</a:t>
+            </a:r>
+            <a:r>
+              <a:rPr kumimoji="1" lang="ja-JP" altLang="en-US" dirty="0"/>
+              <a:t>△△</a:t>
+            </a:r>
+          </a:p>
+        </p:txBody>
+      </p:sp>
+      <p:sp>
+        <p:nvSpPr>
+          <p:cNvPr id="20" name="テキスト ボックス 19">
+            <a:extLst>
+              <a:ext uri="{FF2B5EF4-FFF2-40B4-BE49-F238E27FC236}">
+                <a16:creationId xmlns:a16="http://schemas.microsoft.com/office/drawing/2014/main" id="{A1954372-C7B3-AFDB-C461-3D5FF6E182A9}"/>
+              </a:ext>
+            </a:extLst>
+          </p:cNvPr>
+          <p:cNvSpPr txBox="1"/>
+          <p:nvPr/>
+        </p:nvSpPr>
+        <p:spPr>
+          <a:xfrm>
+            <a:off x="1244466" y="1219053"/>
+            <a:ext cx="1514904" cy="369332"/>
+          </a:xfrm>
+          <a:prstGeom prst="rect">
+            <a:avLst/>
+          </a:prstGeom>
+          <a:noFill/>
+        </p:spPr>
+        <p:txBody>
+          <a:bodyPr wrap="square" rtlCol="0">
+            <a:spAutoFit/>
+          </a:bodyPr>
+          <a:lstStyle/>
+          <a:p>
+            <a:r>
+              <a:rPr kumimoji="1" lang="en-US" altLang="ja-JP" dirty="0" err="1"/>
+              <a:t>Xx</a:t>
+            </a:r>
+            <a:r>
+              <a:rPr kumimoji="1" lang="en-US" altLang="ja-JP" dirty="0"/>
+              <a:t> countries</a:t>
+            </a:r>
+            <a:endParaRPr kumimoji="1" lang="ja-JP" altLang="en-US" dirty="0"/>
+          </a:p>
+        </p:txBody>
+      </p:sp>
+      <p:sp>
+        <p:nvSpPr>
+          <p:cNvPr id="21" name="正方形/長方形 20">
+            <a:extLst>
+              <a:ext uri="{FF2B5EF4-FFF2-40B4-BE49-F238E27FC236}">
+                <a16:creationId xmlns:a16="http://schemas.microsoft.com/office/drawing/2014/main" id="{5E5409D5-CD90-60ED-8C89-880D06301D6D}"/>
+              </a:ext>
+            </a:extLst>
+          </p:cNvPr>
+          <p:cNvSpPr/>
+          <p:nvPr/>
+        </p:nvSpPr>
+        <p:spPr>
+          <a:xfrm>
+            <a:off x="1725390" y="2255586"/>
+            <a:ext cx="4598633" cy="1701335"/>
+          </a:xfrm>
+          <a:prstGeom prst="rect">
+            <a:avLst/>
+          </a:prstGeom>
+        </p:spPr>
+        <p:style>
+          <a:lnRef idx="2">
+            <a:schemeClr val="dk1"/>
+          </a:lnRef>
+          <a:fillRef idx="1">
+            <a:schemeClr val="lt1"/>
+          </a:fillRef>
+          <a:effectRef idx="0">
+            <a:schemeClr val="dk1"/>
+          </a:effectRef>
+          <a:fontRef idx="minor">
+            <a:schemeClr val="dk1"/>
+          </a:fontRef>
+        </p:style>
+        <p:txBody>
+          <a:bodyPr rtlCol="0" anchor="ctr"/>
+          <a:lstStyle/>
+          <a:p>
+            <a:pPr algn="ctr"/>
+            <a:r>
+              <a:rPr kumimoji="1" lang="en-US" altLang="ja-JP" dirty="0"/>
+              <a:t>image</a:t>
+            </a:r>
+            <a:endParaRPr kumimoji="1" lang="ja-JP" altLang="en-US" dirty="0"/>
+          </a:p>
+        </p:txBody>
+      </p:sp>
+      <p:sp>
+        <p:nvSpPr>
+          <p:cNvPr id="22" name="テキスト ボックス 21">
+            <a:extLst>
+              <a:ext uri="{FF2B5EF4-FFF2-40B4-BE49-F238E27FC236}">
+                <a16:creationId xmlns:a16="http://schemas.microsoft.com/office/drawing/2014/main" id="{A02E4889-4758-2D35-2D01-C3316148DE7C}"/>
+              </a:ext>
+            </a:extLst>
+          </p:cNvPr>
+          <p:cNvSpPr txBox="1"/>
+          <p:nvPr/>
+        </p:nvSpPr>
+        <p:spPr>
+          <a:xfrm>
+            <a:off x="1377381" y="4110361"/>
+            <a:ext cx="1214899" cy="369332"/>
+          </a:xfrm>
+          <a:prstGeom prst="rect">
+            <a:avLst/>
+          </a:prstGeom>
+          <a:noFill/>
+        </p:spPr>
+        <p:txBody>
+          <a:bodyPr wrap="square" rtlCol="0">
+            <a:spAutoFit/>
+          </a:bodyPr>
+          <a:lstStyle/>
+          <a:p>
+            <a:r>
+              <a:rPr kumimoji="1" lang="en-US" altLang="ja-JP" dirty="0"/>
+              <a:t>region</a:t>
+            </a:r>
+            <a:endParaRPr kumimoji="1" lang="ja-JP" altLang="en-US" dirty="0"/>
+          </a:p>
+        </p:txBody>
+      </p:sp>
+      <p:graphicFrame>
+        <p:nvGraphicFramePr>
+          <p:cNvPr id="23" name="表 22">
+            <a:extLst>
+              <a:ext uri="{FF2B5EF4-FFF2-40B4-BE49-F238E27FC236}">
+                <a16:creationId xmlns:a16="http://schemas.microsoft.com/office/drawing/2014/main" id="{246A9704-DD35-FA8A-3B50-AC317061563E}"/>
+              </a:ext>
+            </a:extLst>
+          </p:cNvPr>
+          <p:cNvGraphicFramePr>
+            <a:graphicFrameLocks noGrp="1"/>
+          </p:cNvGraphicFramePr>
+          <p:nvPr>
+            <p:extLst>
+              <p:ext uri="{D42A27DB-BD31-4B8C-83A1-F6EECF244321}">
+                <p14:modId xmlns:p14="http://schemas.microsoft.com/office/powerpoint/2010/main" val="1010870830"/>
+              </p:ext>
+            </p:extLst>
+          </p:nvPr>
+        </p:nvGraphicFramePr>
+        <p:xfrm>
+          <a:off x="1352983" y="4526427"/>
+          <a:ext cx="4743017" cy="1112520"/>
+        </p:xfrm>
+        <a:graphic>
+          <a:graphicData uri="http://schemas.openxmlformats.org/drawingml/2006/table">
+            <a:tbl>
+              <a:tblPr firstRow="1" bandRow="1">
+                <a:tableStyleId>{5C22544A-7EE6-4342-B048-85BDC9FD1C3A}</a:tableStyleId>
+              </a:tblPr>
+              <a:tblGrid>
+                <a:gridCol w="4743017">
+                  <a:extLst>
+                    <a:ext uri="{9D8B030D-6E8A-4147-A177-3AD203B41FA5}">
+                      <a16:colId xmlns:a16="http://schemas.microsoft.com/office/drawing/2014/main" val="3659759483"/>
+                    </a:ext>
+                  </a:extLst>
+                </a:gridCol>
+              </a:tblGrid>
+              <a:tr h="370840">
+                <a:tc>
+                  <a:txBody>
+                    <a:bodyPr/>
+                    <a:lstStyle/>
+                    <a:p>
+                      <a:endParaRPr kumimoji="1" lang="ja-JP" altLang="en-US"/>
+                    </a:p>
+                  </a:txBody>
+                  <a:tcPr/>
+                </a:tc>
+                <a:extLst>
+                  <a:ext uri="{0D108BD9-81ED-4DB2-BD59-A6C34878D82A}">
+                    <a16:rowId xmlns:a16="http://schemas.microsoft.com/office/drawing/2014/main" val="3285130255"/>
+                  </a:ext>
+                </a:extLst>
+              </a:tr>
+              <a:tr h="370840">
+                <a:tc>
+                  <a:txBody>
+                    <a:bodyPr/>
+                    <a:lstStyle/>
+                    <a:p>
+                      <a:endParaRPr kumimoji="1" lang="ja-JP" altLang="en-US"/>
+                    </a:p>
+                  </a:txBody>
+                  <a:tcPr/>
+                </a:tc>
+                <a:extLst>
+                  <a:ext uri="{0D108BD9-81ED-4DB2-BD59-A6C34878D82A}">
+                    <a16:rowId xmlns:a16="http://schemas.microsoft.com/office/drawing/2014/main" val="1860294765"/>
+                  </a:ext>
+                </a:extLst>
+              </a:tr>
+              <a:tr h="370840">
+                <a:tc>
+                  <a:txBody>
+                    <a:bodyPr/>
+                    <a:lstStyle/>
+                    <a:p>
+                      <a:endParaRPr kumimoji="1" lang="ja-JP" altLang="en-US" dirty="0"/>
+                    </a:p>
+                  </a:txBody>
+                  <a:tcPr/>
+                </a:tc>
+                <a:extLst>
+                  <a:ext uri="{0D108BD9-81ED-4DB2-BD59-A6C34878D82A}">
+                    <a16:rowId xmlns:a16="http://schemas.microsoft.com/office/drawing/2014/main" val="1246913307"/>
+                  </a:ext>
+                </a:extLst>
+              </a:tr>
+            </a:tbl>
+          </a:graphicData>
+        </a:graphic>
+      </p:graphicFrame>
+      <p:sp>
+        <p:nvSpPr>
+          <p:cNvPr id="24" name="テキスト ボックス 23">
+            <a:extLst>
+              <a:ext uri="{FF2B5EF4-FFF2-40B4-BE49-F238E27FC236}">
+                <a16:creationId xmlns:a16="http://schemas.microsoft.com/office/drawing/2014/main" id="{60BDABD1-2EB4-D676-2F8D-AFF6C395AFB8}"/>
+              </a:ext>
+            </a:extLst>
+          </p:cNvPr>
+          <p:cNvSpPr txBox="1"/>
+          <p:nvPr/>
+        </p:nvSpPr>
+        <p:spPr>
+          <a:xfrm>
+            <a:off x="1331850" y="5701007"/>
+            <a:ext cx="2344847" cy="369332"/>
+          </a:xfrm>
+          <a:prstGeom prst="rect">
+            <a:avLst/>
+          </a:prstGeom>
+          <a:noFill/>
+        </p:spPr>
+        <p:txBody>
+          <a:bodyPr wrap="square" rtlCol="0">
+            <a:spAutoFit/>
+          </a:bodyPr>
+          <a:lstStyle/>
+          <a:p>
+            <a:r>
+              <a:rPr kumimoji="1" lang="en-US" altLang="ja-JP" dirty="0"/>
+              <a:t>Total cost:</a:t>
+            </a:r>
+            <a:endParaRPr kumimoji="1" lang="ja-JP" altLang="en-US" dirty="0"/>
+          </a:p>
+        </p:txBody>
+      </p:sp>
+      <p:sp>
+        <p:nvSpPr>
+          <p:cNvPr id="25" name="テキスト ボックス 24">
+            <a:extLst>
+              <a:ext uri="{FF2B5EF4-FFF2-40B4-BE49-F238E27FC236}">
+                <a16:creationId xmlns:a16="http://schemas.microsoft.com/office/drawing/2014/main" id="{EBC59BF6-7B95-5A4D-B54D-6EB089EE10AB}"/>
+              </a:ext>
+            </a:extLst>
+          </p:cNvPr>
+          <p:cNvSpPr txBox="1"/>
+          <p:nvPr/>
+        </p:nvSpPr>
+        <p:spPr>
+          <a:xfrm>
+            <a:off x="1331850" y="6059198"/>
+            <a:ext cx="3080352" cy="369332"/>
+          </a:xfrm>
+          <a:prstGeom prst="rect">
+            <a:avLst/>
+          </a:prstGeom>
+          <a:noFill/>
+        </p:spPr>
+        <p:txBody>
+          <a:bodyPr wrap="square" rtlCol="0">
+            <a:spAutoFit/>
+          </a:bodyPr>
+          <a:lstStyle/>
+          <a:p>
+            <a:r>
+              <a:rPr kumimoji="1" lang="en-US" altLang="ja-JP" dirty="0" err="1"/>
+              <a:t>Totatl</a:t>
+            </a:r>
+            <a:r>
+              <a:rPr kumimoji="1" lang="en-US" altLang="ja-JP" dirty="0"/>
+              <a:t> </a:t>
+            </a:r>
+            <a:r>
+              <a:rPr kumimoji="1" lang="en-US" altLang="ja-JP" dirty="0" err="1"/>
+              <a:t>accomodation</a:t>
+            </a:r>
+            <a:r>
+              <a:rPr kumimoji="1" lang="en-US" altLang="ja-JP" dirty="0"/>
+              <a:t>:</a:t>
+            </a:r>
+            <a:endParaRPr kumimoji="1" lang="ja-JP" altLang="en-US" dirty="0"/>
+          </a:p>
+        </p:txBody>
+      </p:sp>
+      <p:sp>
+        <p:nvSpPr>
+          <p:cNvPr id="26" name="テキスト ボックス 25">
+            <a:extLst>
+              <a:ext uri="{FF2B5EF4-FFF2-40B4-BE49-F238E27FC236}">
+                <a16:creationId xmlns:a16="http://schemas.microsoft.com/office/drawing/2014/main" id="{79B5E106-0F76-D100-9088-7410F917FE32}"/>
+              </a:ext>
+            </a:extLst>
+          </p:cNvPr>
+          <p:cNvSpPr txBox="1"/>
+          <p:nvPr/>
+        </p:nvSpPr>
+        <p:spPr>
+          <a:xfrm>
+            <a:off x="2370065" y="4082628"/>
+            <a:ext cx="1009897" cy="369332"/>
+          </a:xfrm>
+          <a:prstGeom prst="rect">
+            <a:avLst/>
+          </a:prstGeom>
+          <a:noFill/>
+        </p:spPr>
+        <p:txBody>
+          <a:bodyPr wrap="square" rtlCol="0">
+            <a:spAutoFit/>
+          </a:bodyPr>
+          <a:lstStyle/>
+          <a:p>
+            <a:r>
+              <a:rPr kumimoji="1" lang="en-US" altLang="ja-JP" dirty="0"/>
+              <a:t>xx</a:t>
+            </a:r>
+            <a:endParaRPr kumimoji="1" lang="ja-JP" altLang="en-US" dirty="0"/>
+          </a:p>
+        </p:txBody>
+      </p:sp>
+      <p:sp>
+        <p:nvSpPr>
+          <p:cNvPr id="27" name="テキスト ボックス 26">
+            <a:extLst>
+              <a:ext uri="{FF2B5EF4-FFF2-40B4-BE49-F238E27FC236}">
+                <a16:creationId xmlns:a16="http://schemas.microsoft.com/office/drawing/2014/main" id="{99FE3EBE-D621-58D2-899F-2D4720AA4DD6}"/>
+              </a:ext>
+            </a:extLst>
+          </p:cNvPr>
+          <p:cNvSpPr txBox="1"/>
+          <p:nvPr/>
+        </p:nvSpPr>
+        <p:spPr>
+          <a:xfrm>
+            <a:off x="1370739" y="6347901"/>
+            <a:ext cx="3080352" cy="369332"/>
+          </a:xfrm>
+          <a:prstGeom prst="rect">
+            <a:avLst/>
+          </a:prstGeom>
+          <a:noFill/>
+        </p:spPr>
+        <p:txBody>
+          <a:bodyPr wrap="square" rtlCol="0">
+            <a:spAutoFit/>
+          </a:bodyPr>
+          <a:lstStyle/>
+          <a:p>
+            <a:r>
+              <a:rPr kumimoji="1" lang="en-US" altLang="ja-JP" dirty="0" err="1"/>
+              <a:t>Totatl</a:t>
+            </a:r>
+            <a:r>
+              <a:rPr kumimoji="1" lang="en-US" altLang="ja-JP" dirty="0"/>
+              <a:t> sightseeing:</a:t>
+            </a:r>
+            <a:endParaRPr kumimoji="1" lang="ja-JP" altLang="en-US" dirty="0"/>
+          </a:p>
+        </p:txBody>
+      </p:sp>
+      <p:sp>
+        <p:nvSpPr>
+          <p:cNvPr id="28" name="テキスト ボックス 27">
+            <a:extLst>
+              <a:ext uri="{FF2B5EF4-FFF2-40B4-BE49-F238E27FC236}">
+                <a16:creationId xmlns:a16="http://schemas.microsoft.com/office/drawing/2014/main" id="{665FAD98-3D59-907D-744E-327D0A05F4B7}"/>
+              </a:ext>
+            </a:extLst>
+          </p:cNvPr>
+          <p:cNvSpPr txBox="1"/>
+          <p:nvPr/>
+        </p:nvSpPr>
+        <p:spPr>
+          <a:xfrm>
+            <a:off x="3970896" y="6371129"/>
+            <a:ext cx="3080352" cy="369332"/>
+          </a:xfrm>
+          <a:prstGeom prst="rect">
+            <a:avLst/>
+          </a:prstGeom>
+          <a:noFill/>
+        </p:spPr>
+        <p:txBody>
+          <a:bodyPr wrap="square" rtlCol="0">
+            <a:spAutoFit/>
+          </a:bodyPr>
+          <a:lstStyle/>
+          <a:p>
+            <a:r>
+              <a:rPr kumimoji="1" lang="en-US" altLang="ja-JP" dirty="0" err="1"/>
+              <a:t>Totatl</a:t>
+            </a:r>
+            <a:r>
+              <a:rPr kumimoji="1" lang="en-US" altLang="ja-JP" dirty="0"/>
+              <a:t> other:</a:t>
+            </a:r>
+            <a:endParaRPr kumimoji="1" lang="ja-JP" altLang="en-US" dirty="0"/>
+          </a:p>
+        </p:txBody>
+      </p:sp>
+      <p:sp>
+        <p:nvSpPr>
+          <p:cNvPr id="29" name="テキスト ボックス 28">
+            <a:extLst>
+              <a:ext uri="{FF2B5EF4-FFF2-40B4-BE49-F238E27FC236}">
+                <a16:creationId xmlns:a16="http://schemas.microsoft.com/office/drawing/2014/main" id="{F85A913A-89DF-E549-FD88-0B8537C1C7C0}"/>
+              </a:ext>
+            </a:extLst>
+          </p:cNvPr>
+          <p:cNvSpPr txBox="1"/>
+          <p:nvPr/>
+        </p:nvSpPr>
+        <p:spPr>
+          <a:xfrm>
+            <a:off x="3970896" y="6034318"/>
+            <a:ext cx="3080352" cy="369332"/>
+          </a:xfrm>
+          <a:prstGeom prst="rect">
+            <a:avLst/>
+          </a:prstGeom>
+          <a:noFill/>
+        </p:spPr>
+        <p:txBody>
+          <a:bodyPr wrap="square" rtlCol="0">
+            <a:spAutoFit/>
+          </a:bodyPr>
+          <a:lstStyle/>
+          <a:p>
+            <a:r>
+              <a:rPr kumimoji="1" lang="en-US" altLang="ja-JP" dirty="0" err="1"/>
+              <a:t>Totatl</a:t>
+            </a:r>
+            <a:r>
+              <a:rPr kumimoji="1" lang="en-US" altLang="ja-JP" dirty="0"/>
+              <a:t> transportation:</a:t>
+            </a:r>
+            <a:endParaRPr kumimoji="1" lang="ja-JP" altLang="en-US" dirty="0"/>
+          </a:p>
+        </p:txBody>
+      </p:sp>
+      <p:sp>
+        <p:nvSpPr>
+          <p:cNvPr id="30" name="テキスト ボックス 29">
+            <a:extLst>
+              <a:ext uri="{FF2B5EF4-FFF2-40B4-BE49-F238E27FC236}">
+                <a16:creationId xmlns:a16="http://schemas.microsoft.com/office/drawing/2014/main" id="{FEB9598D-585E-6497-126D-3B9A293156A7}"/>
+              </a:ext>
+            </a:extLst>
+          </p:cNvPr>
+          <p:cNvSpPr txBox="1"/>
+          <p:nvPr/>
+        </p:nvSpPr>
+        <p:spPr>
+          <a:xfrm>
+            <a:off x="2705640" y="5677426"/>
+            <a:ext cx="958788" cy="369332"/>
+          </a:xfrm>
+          <a:prstGeom prst="rect">
+            <a:avLst/>
+          </a:prstGeom>
+          <a:noFill/>
+        </p:spPr>
+        <p:txBody>
+          <a:bodyPr wrap="square" rtlCol="0">
+            <a:spAutoFit/>
+          </a:bodyPr>
+          <a:lstStyle/>
+          <a:p>
+            <a:r>
+              <a:rPr kumimoji="1" lang="en-US" altLang="ja-JP" dirty="0"/>
+              <a:t>rate</a:t>
+            </a:r>
+            <a:endParaRPr kumimoji="1" lang="ja-JP" altLang="en-US" dirty="0"/>
+          </a:p>
+        </p:txBody>
+      </p:sp>
+      <p:sp>
+        <p:nvSpPr>
+          <p:cNvPr id="31" name="正方形/長方形 30">
+            <a:extLst>
+              <a:ext uri="{FF2B5EF4-FFF2-40B4-BE49-F238E27FC236}">
+                <a16:creationId xmlns:a16="http://schemas.microsoft.com/office/drawing/2014/main" id="{30CF6A06-FC2C-17EF-27CE-EC0B68B0DB35}"/>
+              </a:ext>
+            </a:extLst>
+          </p:cNvPr>
+          <p:cNvSpPr/>
+          <p:nvPr/>
+        </p:nvSpPr>
+        <p:spPr>
+          <a:xfrm>
+            <a:off x="2340704" y="218018"/>
+            <a:ext cx="265831" cy="292359"/>
+          </a:xfrm>
+          <a:prstGeom prst="rect">
+            <a:avLst/>
+          </a:prstGeom>
+        </p:spPr>
+        <p:style>
+          <a:lnRef idx="2">
+            <a:schemeClr val="dk1"/>
+          </a:lnRef>
+          <a:fillRef idx="1">
+            <a:schemeClr val="lt1"/>
+          </a:fillRef>
+          <a:effectRef idx="0">
+            <a:schemeClr val="dk1"/>
+          </a:effectRef>
+          <a:fontRef idx="minor">
+            <a:schemeClr val="dk1"/>
+          </a:fontRef>
+        </p:style>
+        <p:txBody>
+          <a:bodyPr rtlCol="0" anchor="ctr"/>
+          <a:lstStyle/>
+          <a:p>
+            <a:pPr algn="ctr"/>
+            <a:endParaRPr kumimoji="1" lang="ja-JP" altLang="en-US" dirty="0"/>
+          </a:p>
+        </p:txBody>
+      </p:sp>
+      <p:sp>
+        <p:nvSpPr>
+          <p:cNvPr id="32" name="テキスト ボックス 31">
+            <a:extLst>
+              <a:ext uri="{FF2B5EF4-FFF2-40B4-BE49-F238E27FC236}">
+                <a16:creationId xmlns:a16="http://schemas.microsoft.com/office/drawing/2014/main" id="{D340F09A-C0C7-0FE7-9DC3-46DF799DA362}"/>
+              </a:ext>
+            </a:extLst>
+          </p:cNvPr>
+          <p:cNvSpPr txBox="1"/>
+          <p:nvPr/>
+        </p:nvSpPr>
+        <p:spPr>
+          <a:xfrm>
+            <a:off x="2638338" y="177699"/>
+            <a:ext cx="1626984" cy="369332"/>
+          </a:xfrm>
+          <a:prstGeom prst="rect">
+            <a:avLst/>
+          </a:prstGeom>
+          <a:noFill/>
+        </p:spPr>
+        <p:txBody>
+          <a:bodyPr wrap="square" rtlCol="0">
+            <a:spAutoFit/>
+          </a:bodyPr>
+          <a:lstStyle/>
+          <a:p>
+            <a:r>
+              <a:rPr lang="en-US" altLang="ja-JP" dirty="0"/>
+              <a:t>With airplane</a:t>
+            </a:r>
+            <a:endParaRPr kumimoji="1" lang="ja-JP" altLang="en-US" dirty="0"/>
+          </a:p>
+        </p:txBody>
+      </p:sp>
+      <p:sp>
+        <p:nvSpPr>
+          <p:cNvPr id="33" name="正方形/長方形 32">
+            <a:extLst>
+              <a:ext uri="{FF2B5EF4-FFF2-40B4-BE49-F238E27FC236}">
+                <a16:creationId xmlns:a16="http://schemas.microsoft.com/office/drawing/2014/main" id="{5A4B7826-10E5-FBCC-C6AA-BCC00CBB08B3}"/>
+              </a:ext>
+            </a:extLst>
+          </p:cNvPr>
+          <p:cNvSpPr/>
+          <p:nvPr/>
+        </p:nvSpPr>
+        <p:spPr>
+          <a:xfrm>
+            <a:off x="4356767" y="1249421"/>
+            <a:ext cx="265831" cy="292359"/>
+          </a:xfrm>
+          <a:prstGeom prst="rect">
+            <a:avLst/>
+          </a:prstGeom>
+        </p:spPr>
+        <p:style>
+          <a:lnRef idx="2">
+            <a:schemeClr val="dk1"/>
+          </a:lnRef>
+          <a:fillRef idx="1">
+            <a:schemeClr val="lt1"/>
+          </a:fillRef>
+          <a:effectRef idx="0">
+            <a:schemeClr val="dk1"/>
+          </a:effectRef>
+          <a:fontRef idx="minor">
+            <a:schemeClr val="dk1"/>
+          </a:fontRef>
+        </p:style>
+        <p:txBody>
+          <a:bodyPr rtlCol="0" anchor="ctr"/>
+          <a:lstStyle/>
+          <a:p>
+            <a:pPr algn="ctr"/>
+            <a:endParaRPr kumimoji="1" lang="ja-JP" altLang="en-US" dirty="0"/>
+          </a:p>
+        </p:txBody>
+      </p:sp>
+      <p:sp>
+        <p:nvSpPr>
+          <p:cNvPr id="34" name="テキスト ボックス 33">
+            <a:extLst>
+              <a:ext uri="{FF2B5EF4-FFF2-40B4-BE49-F238E27FC236}">
+                <a16:creationId xmlns:a16="http://schemas.microsoft.com/office/drawing/2014/main" id="{7AAC1C73-A589-78CB-5E55-12B7B337FA2F}"/>
+              </a:ext>
+            </a:extLst>
+          </p:cNvPr>
+          <p:cNvSpPr txBox="1"/>
+          <p:nvPr/>
+        </p:nvSpPr>
+        <p:spPr>
+          <a:xfrm>
+            <a:off x="4654401" y="1209102"/>
+            <a:ext cx="2030008" cy="369332"/>
+          </a:xfrm>
+          <a:prstGeom prst="rect">
+            <a:avLst/>
+          </a:prstGeom>
+          <a:noFill/>
+        </p:spPr>
+        <p:txBody>
+          <a:bodyPr wrap="square" rtlCol="0">
+            <a:spAutoFit/>
+          </a:bodyPr>
+          <a:lstStyle/>
+          <a:p>
+            <a:r>
+              <a:rPr lang="en-US" altLang="ja-JP" dirty="0"/>
+              <a:t>With cross </a:t>
+            </a:r>
+            <a:r>
+              <a:rPr lang="en-US" altLang="ja-JP" dirty="0" err="1"/>
+              <a:t>boder</a:t>
+            </a:r>
+            <a:endParaRPr kumimoji="1" lang="ja-JP" altLang="en-US" dirty="0"/>
+          </a:p>
+        </p:txBody>
+      </p:sp>
+      <p:sp>
+        <p:nvSpPr>
+          <p:cNvPr id="36" name="テキスト ボックス 35">
+            <a:extLst>
+              <a:ext uri="{FF2B5EF4-FFF2-40B4-BE49-F238E27FC236}">
+                <a16:creationId xmlns:a16="http://schemas.microsoft.com/office/drawing/2014/main" id="{26CC80A7-45A1-586E-A8A1-8E1F662C6EB2}"/>
+              </a:ext>
+            </a:extLst>
+          </p:cNvPr>
+          <p:cNvSpPr txBox="1"/>
+          <p:nvPr/>
+        </p:nvSpPr>
+        <p:spPr>
+          <a:xfrm>
+            <a:off x="6315743" y="6025615"/>
+            <a:ext cx="3080352" cy="369332"/>
+          </a:xfrm>
+          <a:prstGeom prst="rect">
+            <a:avLst/>
+          </a:prstGeom>
+          <a:noFill/>
+        </p:spPr>
+        <p:txBody>
+          <a:bodyPr wrap="square" rtlCol="0">
+            <a:spAutoFit/>
+          </a:bodyPr>
+          <a:lstStyle/>
+          <a:p>
+            <a:r>
+              <a:rPr kumimoji="1" lang="en-US" altLang="ja-JP" dirty="0" err="1"/>
+              <a:t>Totatl</a:t>
+            </a:r>
+            <a:r>
+              <a:rPr kumimoji="1" lang="en-US" altLang="ja-JP" dirty="0"/>
+              <a:t> distance:</a:t>
+            </a:r>
+            <a:endParaRPr kumimoji="1" lang="ja-JP" altLang="en-US" dirty="0"/>
+          </a:p>
+        </p:txBody>
+      </p:sp>
+      <p:sp>
+        <p:nvSpPr>
+          <p:cNvPr id="37" name="テキスト ボックス 36">
+            <a:extLst>
+              <a:ext uri="{FF2B5EF4-FFF2-40B4-BE49-F238E27FC236}">
+                <a16:creationId xmlns:a16="http://schemas.microsoft.com/office/drawing/2014/main" id="{0B36AC0D-E07F-5D6E-E7DD-6A19322EEDA7}"/>
+              </a:ext>
+            </a:extLst>
+          </p:cNvPr>
+          <p:cNvSpPr txBox="1"/>
+          <p:nvPr/>
+        </p:nvSpPr>
+        <p:spPr>
+          <a:xfrm>
+            <a:off x="6276854" y="6347110"/>
+            <a:ext cx="3080352" cy="369332"/>
+          </a:xfrm>
+          <a:prstGeom prst="rect">
+            <a:avLst/>
+          </a:prstGeom>
+          <a:noFill/>
+        </p:spPr>
+        <p:txBody>
+          <a:bodyPr wrap="square" rtlCol="0">
+            <a:spAutoFit/>
+          </a:bodyPr>
+          <a:lstStyle/>
+          <a:p>
+            <a:r>
+              <a:rPr kumimoji="1" lang="en-US" altLang="ja-JP" dirty="0" err="1"/>
+              <a:t>Totatl</a:t>
+            </a:r>
+            <a:r>
+              <a:rPr kumimoji="1" lang="en-US" altLang="ja-JP" dirty="0"/>
+              <a:t> Time:</a:t>
+            </a:r>
+            <a:endParaRPr kumimoji="1" lang="ja-JP" altLang="en-US" dirty="0"/>
+          </a:p>
+        </p:txBody>
+      </p:sp>
+      <p:sp>
+        <p:nvSpPr>
+          <p:cNvPr id="38" name="正方形/長方形 37">
+            <a:extLst>
+              <a:ext uri="{FF2B5EF4-FFF2-40B4-BE49-F238E27FC236}">
+                <a16:creationId xmlns:a16="http://schemas.microsoft.com/office/drawing/2014/main" id="{67F367E3-3838-56B8-6AD9-3EF932459DF1}"/>
+              </a:ext>
+            </a:extLst>
+          </p:cNvPr>
+          <p:cNvSpPr/>
+          <p:nvPr/>
+        </p:nvSpPr>
+        <p:spPr>
+          <a:xfrm>
+            <a:off x="6048231" y="4606235"/>
+            <a:ext cx="193366" cy="914400"/>
+          </a:xfrm>
+          <a:prstGeom prst="rect">
+            <a:avLst/>
+          </a:prstGeom>
+        </p:spPr>
+        <p:style>
+          <a:lnRef idx="2">
+            <a:schemeClr val="dk1"/>
+          </a:lnRef>
+          <a:fillRef idx="1">
+            <a:schemeClr val="lt1"/>
+          </a:fillRef>
+          <a:effectRef idx="0">
+            <a:schemeClr val="dk1"/>
+          </a:effectRef>
+          <a:fontRef idx="minor">
+            <a:schemeClr val="dk1"/>
+          </a:fontRef>
+        </p:style>
+        <p:txBody>
+          <a:bodyPr rtlCol="0" anchor="ctr"/>
+          <a:lstStyle/>
+          <a:p>
+            <a:pPr algn="ctr"/>
+            <a:endParaRPr kumimoji="1" lang="ja-JP" altLang="en-US"/>
+          </a:p>
+        </p:txBody>
+      </p:sp>
+      <p:sp>
+        <p:nvSpPr>
+          <p:cNvPr id="39" name="動作設定ボタン: 戻る/前へ 38">
+            <a:hlinkClick r:id="" action="ppaction://hlinkshowjump?jump=previousslide" highlightClick="1"/>
+            <a:extLst>
+              <a:ext uri="{FF2B5EF4-FFF2-40B4-BE49-F238E27FC236}">
+                <a16:creationId xmlns:a16="http://schemas.microsoft.com/office/drawing/2014/main" id="{D4F2F32A-B445-9A18-B2F1-E35B3E348F1B}"/>
+              </a:ext>
+            </a:extLst>
+          </p:cNvPr>
+          <p:cNvSpPr/>
+          <p:nvPr/>
+        </p:nvSpPr>
+        <p:spPr>
+          <a:xfrm rot="5400000">
+            <a:off x="5956823" y="4379726"/>
+            <a:ext cx="365145" cy="204403"/>
+          </a:xfrm>
+          <a:prstGeom prst="actionButtonBackPrevious">
+            <a:avLst/>
+          </a:prstGeom>
+        </p:spPr>
+        <p:style>
+          <a:lnRef idx="2">
+            <a:schemeClr val="dk1"/>
+          </a:lnRef>
+          <a:fillRef idx="1">
+            <a:schemeClr val="lt1"/>
+          </a:fillRef>
+          <a:effectRef idx="0">
+            <a:schemeClr val="dk1"/>
+          </a:effectRef>
+          <a:fontRef idx="minor">
+            <a:schemeClr val="dk1"/>
+          </a:fontRef>
+        </p:style>
+        <p:txBody>
+          <a:bodyPr rtlCol="0" anchor="ctr"/>
+          <a:lstStyle/>
+          <a:p>
+            <a:pPr algn="ctr"/>
+            <a:endParaRPr kumimoji="1" lang="ja-JP" altLang="en-US"/>
+          </a:p>
+        </p:txBody>
+      </p:sp>
+      <p:sp>
+        <p:nvSpPr>
+          <p:cNvPr id="40" name="動作設定ボタン: 戻る/前へ 39">
+            <a:hlinkClick r:id="" action="ppaction://hlinkshowjump?jump=previousslide" highlightClick="1"/>
+            <a:extLst>
+              <a:ext uri="{FF2B5EF4-FFF2-40B4-BE49-F238E27FC236}">
+                <a16:creationId xmlns:a16="http://schemas.microsoft.com/office/drawing/2014/main" id="{3EE21669-ABB4-3C5F-446A-03314526F025}"/>
+              </a:ext>
+            </a:extLst>
+          </p:cNvPr>
+          <p:cNvSpPr/>
+          <p:nvPr/>
+        </p:nvSpPr>
+        <p:spPr>
+          <a:xfrm rot="16200000">
+            <a:off x="5956823" y="5502862"/>
+            <a:ext cx="365145" cy="204403"/>
+          </a:xfrm>
+          <a:prstGeom prst="actionButtonBackPrevious">
+            <a:avLst/>
+          </a:prstGeom>
+        </p:spPr>
+        <p:style>
+          <a:lnRef idx="2">
+            <a:schemeClr val="dk1"/>
+          </a:lnRef>
+          <a:fillRef idx="1">
+            <a:schemeClr val="lt1"/>
+          </a:fillRef>
+          <a:effectRef idx="0">
+            <a:schemeClr val="dk1"/>
+          </a:effectRef>
+          <a:fontRef idx="minor">
+            <a:schemeClr val="dk1"/>
+          </a:fontRef>
+        </p:style>
+        <p:txBody>
+          <a:bodyPr rtlCol="0" anchor="ctr"/>
+          <a:lstStyle/>
+          <a:p>
+            <a:pPr algn="ctr"/>
+            <a:endParaRPr kumimoji="1" lang="ja-JP" altLang="en-US"/>
+          </a:p>
+        </p:txBody>
+      </p:sp>
+      <p:sp>
+        <p:nvSpPr>
+          <p:cNvPr id="41" name="動作設定ボタン: 戻る/前へ 40">
+            <a:hlinkClick r:id="" action="ppaction://hlinkshowjump?jump=previousslide" highlightClick="1"/>
+            <a:extLst>
+              <a:ext uri="{FF2B5EF4-FFF2-40B4-BE49-F238E27FC236}">
+                <a16:creationId xmlns:a16="http://schemas.microsoft.com/office/drawing/2014/main" id="{F2E0E95E-E5CF-87A5-1FF6-081DBAD48297}"/>
+              </a:ext>
+            </a:extLst>
+          </p:cNvPr>
+          <p:cNvSpPr/>
+          <p:nvPr/>
+        </p:nvSpPr>
+        <p:spPr>
+          <a:xfrm>
+            <a:off x="2606535" y="1566743"/>
+            <a:ext cx="365145" cy="204403"/>
+          </a:xfrm>
+          <a:prstGeom prst="actionButtonBackPrevious">
+            <a:avLst/>
+          </a:prstGeom>
+        </p:spPr>
+        <p:style>
+          <a:lnRef idx="2">
+            <a:schemeClr val="dk1"/>
+          </a:lnRef>
+          <a:fillRef idx="1">
+            <a:schemeClr val="lt1"/>
+          </a:fillRef>
+          <a:effectRef idx="0">
+            <a:schemeClr val="dk1"/>
+          </a:effectRef>
+          <a:fontRef idx="minor">
+            <a:schemeClr val="dk1"/>
+          </a:fontRef>
+        </p:style>
+        <p:txBody>
+          <a:bodyPr rtlCol="0" anchor="ctr"/>
+          <a:lstStyle/>
+          <a:p>
+            <a:pPr algn="ctr"/>
+            <a:endParaRPr kumimoji="1" lang="ja-JP" altLang="en-US"/>
+          </a:p>
+        </p:txBody>
+      </p:sp>
+      <p:sp>
+        <p:nvSpPr>
+          <p:cNvPr id="42" name="動作設定ボタン: 戻る/前へ 41">
+            <a:hlinkClick r:id="" action="ppaction://hlinkshowjump?jump=previousslide" highlightClick="1"/>
+            <a:extLst>
+              <a:ext uri="{FF2B5EF4-FFF2-40B4-BE49-F238E27FC236}">
+                <a16:creationId xmlns:a16="http://schemas.microsoft.com/office/drawing/2014/main" id="{FF94410B-1A72-85E7-44A0-36520294D0C1}"/>
+              </a:ext>
+            </a:extLst>
+          </p:cNvPr>
+          <p:cNvSpPr/>
+          <p:nvPr/>
+        </p:nvSpPr>
+        <p:spPr>
+          <a:xfrm rot="10800000">
+            <a:off x="3814597" y="1584281"/>
+            <a:ext cx="365145" cy="204403"/>
+          </a:xfrm>
+          <a:prstGeom prst="actionButtonBackPrevious">
+            <a:avLst/>
+          </a:prstGeom>
+        </p:spPr>
+        <p:style>
+          <a:lnRef idx="2">
+            <a:schemeClr val="dk1"/>
+          </a:lnRef>
+          <a:fillRef idx="1">
+            <a:schemeClr val="lt1"/>
+          </a:fillRef>
+          <a:effectRef idx="0">
+            <a:schemeClr val="dk1"/>
+          </a:effectRef>
+          <a:fontRef idx="minor">
+            <a:schemeClr val="dk1"/>
+          </a:fontRef>
+        </p:style>
+        <p:txBody>
+          <a:bodyPr rtlCol="0" anchor="ctr"/>
+          <a:lstStyle/>
+          <a:p>
+            <a:pPr algn="ctr"/>
+            <a:endParaRPr kumimoji="1" lang="ja-JP" altLang="en-US"/>
+          </a:p>
+        </p:txBody>
+      </p:sp>
+      <p:sp>
+        <p:nvSpPr>
+          <p:cNvPr id="43" name="動作設定ボタン: 戻る/前へ 42">
+            <a:hlinkClick r:id="" action="ppaction://hlinkshowjump?jump=previousslide" highlightClick="1"/>
+            <a:extLst>
+              <a:ext uri="{FF2B5EF4-FFF2-40B4-BE49-F238E27FC236}">
+                <a16:creationId xmlns:a16="http://schemas.microsoft.com/office/drawing/2014/main" id="{7B5E4F05-FEC6-DD93-EDFB-17011D85D87B}"/>
+              </a:ext>
+            </a:extLst>
+          </p:cNvPr>
+          <p:cNvSpPr/>
+          <p:nvPr/>
+        </p:nvSpPr>
+        <p:spPr>
+          <a:xfrm>
+            <a:off x="1326813" y="2696975"/>
+            <a:ext cx="365145" cy="852297"/>
+          </a:xfrm>
+          <a:prstGeom prst="actionButtonBackPrevious">
+            <a:avLst/>
+          </a:prstGeom>
+        </p:spPr>
+        <p:style>
+          <a:lnRef idx="2">
+            <a:schemeClr val="dk1"/>
+          </a:lnRef>
+          <a:fillRef idx="1">
+            <a:schemeClr val="lt1"/>
+          </a:fillRef>
+          <a:effectRef idx="0">
+            <a:schemeClr val="dk1"/>
+          </a:effectRef>
+          <a:fontRef idx="minor">
+            <a:schemeClr val="dk1"/>
+          </a:fontRef>
+        </p:style>
+        <p:txBody>
+          <a:bodyPr rtlCol="0" anchor="ctr"/>
+          <a:lstStyle/>
+          <a:p>
+            <a:pPr algn="ctr"/>
+            <a:endParaRPr kumimoji="1" lang="ja-JP" altLang="en-US"/>
+          </a:p>
+        </p:txBody>
+      </p:sp>
+      <p:sp>
+        <p:nvSpPr>
+          <p:cNvPr id="44" name="動作設定ボタン: 戻る/前へ 43">
+            <a:hlinkClick r:id="" action="ppaction://hlinkshowjump?jump=previousslide" highlightClick="1"/>
+            <a:extLst>
+              <a:ext uri="{FF2B5EF4-FFF2-40B4-BE49-F238E27FC236}">
+                <a16:creationId xmlns:a16="http://schemas.microsoft.com/office/drawing/2014/main" id="{6EC96E80-7337-6553-5DDF-07DC76EA58BB}"/>
+              </a:ext>
+            </a:extLst>
+          </p:cNvPr>
+          <p:cNvSpPr/>
+          <p:nvPr/>
+        </p:nvSpPr>
+        <p:spPr>
+          <a:xfrm rot="10800000" flipV="1">
+            <a:off x="6332163" y="2700478"/>
+            <a:ext cx="365145" cy="728522"/>
+          </a:xfrm>
+          <a:prstGeom prst="actionButtonBackPrevious">
+            <a:avLst/>
+          </a:prstGeom>
+        </p:spPr>
+        <p:style>
+          <a:lnRef idx="2">
+            <a:schemeClr val="dk1"/>
+          </a:lnRef>
+          <a:fillRef idx="1">
+            <a:schemeClr val="lt1"/>
+          </a:fillRef>
+          <a:effectRef idx="0">
+            <a:schemeClr val="dk1"/>
+          </a:effectRef>
+          <a:fontRef idx="minor">
+            <a:schemeClr val="dk1"/>
+          </a:fontRef>
+        </p:style>
+        <p:txBody>
+          <a:bodyPr rtlCol="0" anchor="ctr"/>
+          <a:lstStyle/>
+          <a:p>
+            <a:pPr algn="ctr"/>
+            <a:endParaRPr kumimoji="1" lang="ja-JP" altLang="en-US"/>
+          </a:p>
+        </p:txBody>
+      </p:sp>
+      <p:sp>
+        <p:nvSpPr>
+          <p:cNvPr id="45" name="テキスト ボックス 44">
+            <a:extLst>
+              <a:ext uri="{FF2B5EF4-FFF2-40B4-BE49-F238E27FC236}">
+                <a16:creationId xmlns:a16="http://schemas.microsoft.com/office/drawing/2014/main" id="{BDFD47D4-2B6E-0BAC-8104-B4D09A481B06}"/>
+              </a:ext>
+            </a:extLst>
+          </p:cNvPr>
+          <p:cNvSpPr txBox="1"/>
+          <p:nvPr/>
+        </p:nvSpPr>
+        <p:spPr>
+          <a:xfrm>
+            <a:off x="3676697" y="3982960"/>
+            <a:ext cx="1955137" cy="369332"/>
+          </a:xfrm>
+          <a:prstGeom prst="rect">
+            <a:avLst/>
+          </a:prstGeom>
+          <a:noFill/>
+        </p:spPr>
+        <p:txBody>
+          <a:bodyPr wrap="square" rtlCol="0">
+            <a:spAutoFit/>
+          </a:bodyPr>
+          <a:lstStyle/>
+          <a:p>
+            <a:r>
+              <a:rPr kumimoji="1" lang="en-US" altLang="ja-JP" dirty="0"/>
+              <a:t>all</a:t>
+            </a:r>
+            <a:endParaRPr kumimoji="1" lang="ja-JP" altLang="en-US" dirty="0"/>
+          </a:p>
+        </p:txBody>
+      </p:sp>
+    </p:spTree>
+    <p:extLst>
+      <p:ext uri="{BB962C8B-B14F-4D97-AF65-F5344CB8AC3E}">
+        <p14:creationId xmlns:p14="http://schemas.microsoft.com/office/powerpoint/2010/main" val="581727551"/>
+      </p:ext>
+    </p:extLst>
+  </p:cSld>
+  <p:clrMapOvr>
+    <a:masterClrMapping/>
+  </p:clrMapOvr>
+</p:sld>
+</file>
+
+<file path=ppt/slides/slide3.xml><?xml version="1.0" encoding="utf-8"?>
 <p:sld xmlns:a="http://schemas.openxmlformats.org/drawingml/2006/main" xmlns:r="http://schemas.openxmlformats.org/officeDocument/2006/relationships" xmlns:p="http://schemas.openxmlformats.org/presentationml/2006/main">
   <p:cSld>
     <p:spTree>
@@ -5799,7 +7656,7 @@
 </p:sld>
 </file>
 
-<file path=ppt/slides/slide3.xml><?xml version="1.0" encoding="utf-8"?>
+<file path=ppt/slides/slide4.xml><?xml version="1.0" encoding="utf-8"?>
 <p:sld xmlns:a="http://schemas.openxmlformats.org/drawingml/2006/main" xmlns:r="http://schemas.openxmlformats.org/officeDocument/2006/relationships" xmlns:p="http://schemas.openxmlformats.org/presentationml/2006/main">
   <p:cSld>
     <p:spTree>
@@ -7920,7 +9777,7 @@
 </p:sld>
 </file>
 
-<file path=ppt/slides/slide4.xml><?xml version="1.0" encoding="utf-8"?>
+<file path=ppt/slides/slide5.xml><?xml version="1.0" encoding="utf-8"?>
 <p:sld xmlns:a="http://schemas.openxmlformats.org/drawingml/2006/main" xmlns:r="http://schemas.openxmlformats.org/officeDocument/2006/relationships" xmlns:p="http://schemas.openxmlformats.org/presentationml/2006/main">
   <p:cSld>
     <p:spTree>
@@ -10415,7 +12272,7 @@
 </p:sld>
 </file>
 
-<file path=ppt/slides/slide5.xml><?xml version="1.0" encoding="utf-8"?>
+<file path=ppt/slides/slide6.xml><?xml version="1.0" encoding="utf-8"?>
 <p:sld xmlns:a="http://schemas.openxmlformats.org/drawingml/2006/main" xmlns:r="http://schemas.openxmlformats.org/officeDocument/2006/relationships" xmlns:p="http://schemas.openxmlformats.org/presentationml/2006/main">
   <p:cSld>
     <p:spTree>
@@ -12481,7 +14338,7 @@
 </p:sld>
 </file>
 
-<file path=ppt/slides/slide6.xml><?xml version="1.0" encoding="utf-8"?>
+<file path=ppt/slides/slide7.xml><?xml version="1.0" encoding="utf-8"?>
 <p:sld xmlns:a="http://schemas.openxmlformats.org/drawingml/2006/main" xmlns:r="http://schemas.openxmlformats.org/officeDocument/2006/relationships" xmlns:p="http://schemas.openxmlformats.org/presentationml/2006/main">
   <p:cSld>
     <p:spTree>
@@ -14616,6 +16473,150 @@
     <p:extLst>
       <p:ext uri="{BB962C8B-B14F-4D97-AF65-F5344CB8AC3E}">
         <p14:creationId xmlns:p14="http://schemas.microsoft.com/office/powerpoint/2010/main" val="1323072700"/>
+      </p:ext>
+    </p:extLst>
+  </p:cSld>
+  <p:clrMapOvr>
+    <a:masterClrMapping/>
+  </p:clrMapOvr>
+</p:sld>
+</file>
+
+<file path=ppt/slides/slide8.xml><?xml version="1.0" encoding="utf-8"?>
+<p:sld xmlns:a="http://schemas.openxmlformats.org/drawingml/2006/main" xmlns:r="http://schemas.openxmlformats.org/officeDocument/2006/relationships" xmlns:p="http://schemas.openxmlformats.org/presentationml/2006/main">
+  <p:cSld>
+    <p:spTree>
+      <p:nvGrpSpPr>
+        <p:cNvPr id="1" name=""/>
+        <p:cNvGrpSpPr/>
+        <p:nvPr/>
+      </p:nvGrpSpPr>
+      <p:grpSpPr>
+        <a:xfrm>
+          <a:off x="0" y="0"/>
+          <a:ext cx="0" cy="0"/>
+          <a:chOff x="0" y="0"/>
+          <a:chExt cx="0" cy="0"/>
+        </a:xfrm>
+      </p:grpSpPr>
+      <p:sp>
+        <p:nvSpPr>
+          <p:cNvPr id="2" name="タイトル 1">
+            <a:extLst>
+              <a:ext uri="{FF2B5EF4-FFF2-40B4-BE49-F238E27FC236}">
+                <a16:creationId xmlns:a16="http://schemas.microsoft.com/office/drawing/2014/main" id="{494D604C-50A4-1D2B-F01C-C2EFE5AFACFF}"/>
+              </a:ext>
+            </a:extLst>
+          </p:cNvPr>
+          <p:cNvSpPr>
+            <a:spLocks noGrp="1"/>
+          </p:cNvSpPr>
+          <p:nvPr>
+            <p:ph type="title"/>
+          </p:nvPr>
+        </p:nvSpPr>
+        <p:spPr/>
+        <p:txBody>
+          <a:bodyPr/>
+          <a:lstStyle/>
+          <a:p>
+            <a:r>
+              <a:rPr kumimoji="1" lang="en-US" altLang="ja-JP" dirty="0" err="1"/>
+              <a:t>apendix</a:t>
+            </a:r>
+            <a:endParaRPr kumimoji="1" lang="ja-JP" altLang="en-US" dirty="0"/>
+          </a:p>
+        </p:txBody>
+      </p:sp>
+      <p:sp>
+        <p:nvSpPr>
+          <p:cNvPr id="3" name="テキスト プレースホルダー 2">
+            <a:extLst>
+              <a:ext uri="{FF2B5EF4-FFF2-40B4-BE49-F238E27FC236}">
+                <a16:creationId xmlns:a16="http://schemas.microsoft.com/office/drawing/2014/main" id="{6338C58D-8DB4-C6DD-9905-74CBD161ECC9}"/>
+              </a:ext>
+            </a:extLst>
+          </p:cNvPr>
+          <p:cNvSpPr>
+            <a:spLocks noGrp="1"/>
+          </p:cNvSpPr>
+          <p:nvPr>
+            <p:ph type="body" idx="1"/>
+          </p:nvPr>
+        </p:nvSpPr>
+        <p:spPr/>
+        <p:txBody>
+          <a:bodyPr/>
+          <a:lstStyle/>
+          <a:p>
+            <a:endParaRPr kumimoji="1" lang="ja-JP" altLang="en-US"/>
+          </a:p>
+        </p:txBody>
+      </p:sp>
+    </p:spTree>
+    <p:extLst>
+      <p:ext uri="{BB962C8B-B14F-4D97-AF65-F5344CB8AC3E}">
+        <p14:creationId xmlns:p14="http://schemas.microsoft.com/office/powerpoint/2010/main" val="4117684095"/>
+      </p:ext>
+    </p:extLst>
+  </p:cSld>
+  <p:clrMapOvr>
+    <a:masterClrMapping/>
+  </p:clrMapOvr>
+</p:sld>
+</file>
+
+<file path=ppt/slides/slide9.xml><?xml version="1.0" encoding="utf-8"?>
+<p:sld xmlns:a="http://schemas.openxmlformats.org/drawingml/2006/main" xmlns:r="http://schemas.openxmlformats.org/officeDocument/2006/relationships" xmlns:p="http://schemas.openxmlformats.org/presentationml/2006/main">
+  <p:cSld>
+    <p:spTree>
+      <p:nvGrpSpPr>
+        <p:cNvPr id="1" name=""/>
+        <p:cNvGrpSpPr/>
+        <p:nvPr/>
+      </p:nvGrpSpPr>
+      <p:grpSpPr>
+        <a:xfrm>
+          <a:off x="0" y="0"/>
+          <a:ext cx="0" cy="0"/>
+          <a:chOff x="0" y="0"/>
+          <a:chExt cx="0" cy="0"/>
+        </a:xfrm>
+      </p:grpSpPr>
+      <p:pic>
+        <p:nvPicPr>
+          <p:cNvPr id="3" name="図 2">
+            <a:extLst>
+              <a:ext uri="{FF2B5EF4-FFF2-40B4-BE49-F238E27FC236}">
+                <a16:creationId xmlns:a16="http://schemas.microsoft.com/office/drawing/2014/main" id="{F5498A17-9BD6-367B-B018-92B11178682E}"/>
+              </a:ext>
+            </a:extLst>
+          </p:cNvPr>
+          <p:cNvPicPr>
+            <a:picLocks noChangeAspect="1"/>
+          </p:cNvPicPr>
+          <p:nvPr/>
+        </p:nvPicPr>
+        <p:blipFill>
+          <a:blip r:embed="rId2"/>
+          <a:stretch>
+            <a:fillRect/>
+          </a:stretch>
+        </p:blipFill>
+        <p:spPr>
+          <a:xfrm>
+            <a:off x="648162" y="409528"/>
+            <a:ext cx="7486650" cy="5648325"/>
+          </a:xfrm>
+          <a:prstGeom prst="rect">
+            <a:avLst/>
+          </a:prstGeom>
+        </p:spPr>
+      </p:pic>
+    </p:spTree>
+    <p:extLst>
+      <p:ext uri="{BB962C8B-B14F-4D97-AF65-F5344CB8AC3E}">
+        <p14:creationId xmlns:p14="http://schemas.microsoft.com/office/powerpoint/2010/main" val="168639449"/>
       </p:ext>
     </p:extLst>
   </p:cSld>

--- a/models/UI.pptx
+++ b/models/UI.pptx
@@ -7,16 +7,17 @@
   <p:sldIdLst>
     <p:sldId id="256" r:id="rId2"/>
     <p:sldId id="262" r:id="rId3"/>
-    <p:sldId id="257" r:id="rId4"/>
-    <p:sldId id="260" r:id="rId5"/>
-    <p:sldId id="258" r:id="rId6"/>
-    <p:sldId id="259" r:id="rId7"/>
-    <p:sldId id="261" r:id="rId8"/>
-    <p:sldId id="267" r:id="rId9"/>
-    <p:sldId id="263" r:id="rId10"/>
-    <p:sldId id="264" r:id="rId11"/>
-    <p:sldId id="265" r:id="rId12"/>
-    <p:sldId id="266" r:id="rId13"/>
+    <p:sldId id="268" r:id="rId4"/>
+    <p:sldId id="257" r:id="rId5"/>
+    <p:sldId id="260" r:id="rId6"/>
+    <p:sldId id="258" r:id="rId7"/>
+    <p:sldId id="259" r:id="rId8"/>
+    <p:sldId id="261" r:id="rId9"/>
+    <p:sldId id="267" r:id="rId10"/>
+    <p:sldId id="263" r:id="rId11"/>
+    <p:sldId id="264" r:id="rId12"/>
+    <p:sldId id="265" r:id="rId13"/>
+    <p:sldId id="266" r:id="rId14"/>
   </p:sldIdLst>
   <p:sldSz cx="12192000" cy="6858000"/>
   <p:notesSz cx="6858000" cy="9144000"/>
@@ -270,7 +271,7 @@
           <a:p>
             <a:fld id="{C0D971C9-DB7B-45E2-859A-01875D4D6A0E}" type="datetimeFigureOut">
               <a:rPr kumimoji="1" lang="ja-JP" altLang="en-US" smtClean="0"/>
-              <a:t>2024/12/16</a:t>
+              <a:t>2024/12/18</a:t>
             </a:fld>
             <a:endParaRPr kumimoji="1" lang="ja-JP" altLang="en-US"/>
           </a:p>
@@ -500,7 +501,7 @@
           <a:p>
             <a:fld id="{C0D971C9-DB7B-45E2-859A-01875D4D6A0E}" type="datetimeFigureOut">
               <a:rPr kumimoji="1" lang="ja-JP" altLang="en-US" smtClean="0"/>
-              <a:t>2024/12/16</a:t>
+              <a:t>2024/12/18</a:t>
             </a:fld>
             <a:endParaRPr kumimoji="1" lang="ja-JP" altLang="en-US"/>
           </a:p>
@@ -740,7 +741,7 @@
           <a:p>
             <a:fld id="{C0D971C9-DB7B-45E2-859A-01875D4D6A0E}" type="datetimeFigureOut">
               <a:rPr kumimoji="1" lang="ja-JP" altLang="en-US" smtClean="0"/>
-              <a:t>2024/12/16</a:t>
+              <a:t>2024/12/18</a:t>
             </a:fld>
             <a:endParaRPr kumimoji="1" lang="ja-JP" altLang="en-US"/>
           </a:p>
@@ -970,7 +971,7 @@
           <a:p>
             <a:fld id="{C0D971C9-DB7B-45E2-859A-01875D4D6A0E}" type="datetimeFigureOut">
               <a:rPr kumimoji="1" lang="ja-JP" altLang="en-US" smtClean="0"/>
-              <a:t>2024/12/16</a:t>
+              <a:t>2024/12/18</a:t>
             </a:fld>
             <a:endParaRPr kumimoji="1" lang="ja-JP" altLang="en-US"/>
           </a:p>
@@ -1245,7 +1246,7 @@
           <a:p>
             <a:fld id="{C0D971C9-DB7B-45E2-859A-01875D4D6A0E}" type="datetimeFigureOut">
               <a:rPr kumimoji="1" lang="ja-JP" altLang="en-US" smtClean="0"/>
-              <a:t>2024/12/16</a:t>
+              <a:t>2024/12/18</a:t>
             </a:fld>
             <a:endParaRPr kumimoji="1" lang="ja-JP" altLang="en-US"/>
           </a:p>
@@ -1574,7 +1575,7 @@
           <a:p>
             <a:fld id="{C0D971C9-DB7B-45E2-859A-01875D4D6A0E}" type="datetimeFigureOut">
               <a:rPr kumimoji="1" lang="ja-JP" altLang="en-US" smtClean="0"/>
-              <a:t>2024/12/16</a:t>
+              <a:t>2024/12/18</a:t>
             </a:fld>
             <a:endParaRPr kumimoji="1" lang="ja-JP" altLang="en-US"/>
           </a:p>
@@ -2050,7 +2051,7 @@
           <a:p>
             <a:fld id="{C0D971C9-DB7B-45E2-859A-01875D4D6A0E}" type="datetimeFigureOut">
               <a:rPr kumimoji="1" lang="ja-JP" altLang="en-US" smtClean="0"/>
-              <a:t>2024/12/16</a:t>
+              <a:t>2024/12/18</a:t>
             </a:fld>
             <a:endParaRPr kumimoji="1" lang="ja-JP" altLang="en-US"/>
           </a:p>
@@ -2191,7 +2192,7 @@
           <a:p>
             <a:fld id="{C0D971C9-DB7B-45E2-859A-01875D4D6A0E}" type="datetimeFigureOut">
               <a:rPr kumimoji="1" lang="ja-JP" altLang="en-US" smtClean="0"/>
-              <a:t>2024/12/16</a:t>
+              <a:t>2024/12/18</a:t>
             </a:fld>
             <a:endParaRPr kumimoji="1" lang="ja-JP" altLang="en-US"/>
           </a:p>
@@ -2304,7 +2305,7 @@
           <a:p>
             <a:fld id="{C0D971C9-DB7B-45E2-859A-01875D4D6A0E}" type="datetimeFigureOut">
               <a:rPr kumimoji="1" lang="ja-JP" altLang="en-US" smtClean="0"/>
-              <a:t>2024/12/16</a:t>
+              <a:t>2024/12/18</a:t>
             </a:fld>
             <a:endParaRPr kumimoji="1" lang="ja-JP" altLang="en-US"/>
           </a:p>
@@ -2647,7 +2648,7 @@
           <a:p>
             <a:fld id="{C0D971C9-DB7B-45E2-859A-01875D4D6A0E}" type="datetimeFigureOut">
               <a:rPr kumimoji="1" lang="ja-JP" altLang="en-US" smtClean="0"/>
-              <a:t>2024/12/16</a:t>
+              <a:t>2024/12/18</a:t>
             </a:fld>
             <a:endParaRPr kumimoji="1" lang="ja-JP" altLang="en-US"/>
           </a:p>
@@ -2935,7 +2936,7 @@
           <a:p>
             <a:fld id="{C0D971C9-DB7B-45E2-859A-01875D4D6A0E}" type="datetimeFigureOut">
               <a:rPr kumimoji="1" lang="ja-JP" altLang="en-US" smtClean="0"/>
-              <a:t>2024/12/16</a:t>
+              <a:t>2024/12/18</a:t>
             </a:fld>
             <a:endParaRPr kumimoji="1" lang="ja-JP" altLang="en-US"/>
           </a:p>
@@ -3208,7 +3209,7 @@
           <a:p>
             <a:fld id="{C0D971C9-DB7B-45E2-859A-01875D4D6A0E}" type="datetimeFigureOut">
               <a:rPr kumimoji="1" lang="ja-JP" altLang="en-US" smtClean="0"/>
-              <a:t>2024/12/16</a:t>
+              <a:t>2024/12/18</a:t>
             </a:fld>
             <a:endParaRPr kumimoji="1" lang="ja-JP" altLang="en-US"/>
           </a:p>
@@ -3717,7 +3718,7 @@
           <p:cNvPr id="3" name="図 2">
             <a:extLst>
               <a:ext uri="{FF2B5EF4-FFF2-40B4-BE49-F238E27FC236}">
-                <a16:creationId xmlns:a16="http://schemas.microsoft.com/office/drawing/2014/main" id="{7289B06E-7202-CF40-AB3B-4729880B5E01}"/>
+                <a16:creationId xmlns:a16="http://schemas.microsoft.com/office/drawing/2014/main" id="{F5498A17-9BD6-367B-B018-92B11178682E}"/>
               </a:ext>
             </a:extLst>
           </p:cNvPr>
@@ -3734,7 +3735,7 @@
         </p:blipFill>
         <p:spPr>
           <a:xfrm>
-            <a:off x="2352675" y="604837"/>
+            <a:off x="648162" y="409528"/>
             <a:ext cx="7486650" cy="5648325"/>
           </a:xfrm>
           <a:prstGeom prst="rect">
@@ -3745,7 +3746,7 @@
     </p:spTree>
     <p:extLst>
       <p:ext uri="{BB962C8B-B14F-4D97-AF65-F5344CB8AC3E}">
-        <p14:creationId xmlns:p14="http://schemas.microsoft.com/office/powerpoint/2010/main" val="772665974"/>
+        <p14:creationId xmlns:p14="http://schemas.microsoft.com/office/powerpoint/2010/main" val="168639449"/>
       </p:ext>
     </p:extLst>
   </p:cSld>
@@ -3777,6 +3778,66 @@
           <p:cNvPr id="3" name="図 2">
             <a:extLst>
               <a:ext uri="{FF2B5EF4-FFF2-40B4-BE49-F238E27FC236}">
+                <a16:creationId xmlns:a16="http://schemas.microsoft.com/office/drawing/2014/main" id="{7289B06E-7202-CF40-AB3B-4729880B5E01}"/>
+              </a:ext>
+            </a:extLst>
+          </p:cNvPr>
+          <p:cNvPicPr>
+            <a:picLocks noChangeAspect="1"/>
+          </p:cNvPicPr>
+          <p:nvPr/>
+        </p:nvPicPr>
+        <p:blipFill>
+          <a:blip r:embed="rId2"/>
+          <a:stretch>
+            <a:fillRect/>
+          </a:stretch>
+        </p:blipFill>
+        <p:spPr>
+          <a:xfrm>
+            <a:off x="2352675" y="604837"/>
+            <a:ext cx="7486650" cy="5648325"/>
+          </a:xfrm>
+          <a:prstGeom prst="rect">
+            <a:avLst/>
+          </a:prstGeom>
+        </p:spPr>
+      </p:pic>
+    </p:spTree>
+    <p:extLst>
+      <p:ext uri="{BB962C8B-B14F-4D97-AF65-F5344CB8AC3E}">
+        <p14:creationId xmlns:p14="http://schemas.microsoft.com/office/powerpoint/2010/main" val="772665974"/>
+      </p:ext>
+    </p:extLst>
+  </p:cSld>
+  <p:clrMapOvr>
+    <a:masterClrMapping/>
+  </p:clrMapOvr>
+</p:sld>
+</file>
+
+<file path=ppt/slides/slide12.xml><?xml version="1.0" encoding="utf-8"?>
+<p:sld xmlns:a="http://schemas.openxmlformats.org/drawingml/2006/main" xmlns:r="http://schemas.openxmlformats.org/officeDocument/2006/relationships" xmlns:p="http://schemas.openxmlformats.org/presentationml/2006/main">
+  <p:cSld>
+    <p:spTree>
+      <p:nvGrpSpPr>
+        <p:cNvPr id="1" name=""/>
+        <p:cNvGrpSpPr/>
+        <p:nvPr/>
+      </p:nvGrpSpPr>
+      <p:grpSpPr>
+        <a:xfrm>
+          <a:off x="0" y="0"/>
+          <a:ext cx="0" cy="0"/>
+          <a:chOff x="0" y="0"/>
+          <a:chExt cx="0" cy="0"/>
+        </a:xfrm>
+      </p:grpSpPr>
+      <p:pic>
+        <p:nvPicPr>
+          <p:cNvPr id="3" name="図 2">
+            <a:extLst>
+              <a:ext uri="{FF2B5EF4-FFF2-40B4-BE49-F238E27FC236}">
                 <a16:creationId xmlns:a16="http://schemas.microsoft.com/office/drawing/2014/main" id="{2BE5274E-8C1B-5D48-AF15-A14493583170}"/>
               </a:ext>
             </a:extLst>
@@ -3815,7 +3876,7 @@
 </p:sld>
 </file>
 
-<file path=ppt/slides/slide12.xml><?xml version="1.0" encoding="utf-8"?>
+<file path=ppt/slides/slide13.xml><?xml version="1.0" encoding="utf-8"?>
 <p:sld xmlns:a="http://schemas.openxmlformats.org/drawingml/2006/main" xmlns:r="http://schemas.openxmlformats.org/officeDocument/2006/relationships" xmlns:p="http://schemas.openxmlformats.org/presentationml/2006/main">
   <p:cSld>
     <p:spTree>
@@ -3906,7 +3967,7 @@
         </p:nvSpPr>
         <p:spPr>
           <a:xfrm>
-            <a:off x="1293380" y="198098"/>
+            <a:off x="1290912" y="177301"/>
             <a:ext cx="8707402" cy="6461804"/>
           </a:xfrm>
           <a:prstGeom prst="rect">
@@ -4016,22 +4077,216 @@
           </a:p>
         </p:txBody>
       </p:sp>
-      <p:sp>
-        <p:nvSpPr>
-          <p:cNvPr id="5" name="正方形/長方形 4">
-            <a:extLst>
-              <a:ext uri="{FF2B5EF4-FFF2-40B4-BE49-F238E27FC236}">
-                <a16:creationId xmlns:a16="http://schemas.microsoft.com/office/drawing/2014/main" id="{4BBDBA56-181A-3F45-9559-407378AF3A99}"/>
-              </a:ext>
-            </a:extLst>
-          </p:cNvPr>
-          <p:cNvSpPr/>
-          <p:nvPr/>
-        </p:nvSpPr>
-        <p:spPr>
-          <a:xfrm>
-            <a:off x="2875014" y="1219053"/>
-            <a:ext cx="1163540" cy="292359"/>
+      <p:grpSp>
+        <p:nvGrpSpPr>
+          <p:cNvPr id="8" name="グループ化 7">
+            <a:extLst>
+              <a:ext uri="{FF2B5EF4-FFF2-40B4-BE49-F238E27FC236}">
+                <a16:creationId xmlns:a16="http://schemas.microsoft.com/office/drawing/2014/main" id="{866BD2B1-6CA5-8AF4-858E-ADEB5027045C}"/>
+              </a:ext>
+            </a:extLst>
+          </p:cNvPr>
+          <p:cNvGrpSpPr/>
+          <p:nvPr/>
+        </p:nvGrpSpPr>
+        <p:grpSpPr>
+          <a:xfrm>
+            <a:off x="1244466" y="1099937"/>
+            <a:ext cx="6527717" cy="369332"/>
+            <a:chOff x="1102667" y="1757529"/>
+            <a:chExt cx="6527717" cy="369332"/>
+          </a:xfrm>
+        </p:grpSpPr>
+        <p:sp>
+          <p:nvSpPr>
+            <p:cNvPr id="9" name="テキスト ボックス 8">
+              <a:extLst>
+                <a:ext uri="{FF2B5EF4-FFF2-40B4-BE49-F238E27FC236}">
+                  <a16:creationId xmlns:a16="http://schemas.microsoft.com/office/drawing/2014/main" id="{8A807A02-45D0-7E30-E280-184505A0DB78}"/>
+                </a:ext>
+              </a:extLst>
+            </p:cNvPr>
+            <p:cNvSpPr txBox="1"/>
+            <p:nvPr/>
+          </p:nvSpPr>
+          <p:spPr>
+            <a:xfrm>
+              <a:off x="1102667" y="1757529"/>
+              <a:ext cx="2610678" cy="369332"/>
+            </a:xfrm>
+            <a:prstGeom prst="rect">
+              <a:avLst/>
+            </a:prstGeom>
+            <a:noFill/>
+          </p:spPr>
+          <p:txBody>
+            <a:bodyPr wrap="square" rtlCol="0">
+              <a:spAutoFit/>
+            </a:bodyPr>
+            <a:lstStyle/>
+            <a:p>
+              <a:r>
+                <a:rPr kumimoji="1" lang="ja-JP" altLang="en-US" dirty="0"/>
+                <a:t>〇〇〇〇</a:t>
+              </a:r>
+              <a:r>
+                <a:rPr kumimoji="1" lang="en-US" altLang="ja-JP" dirty="0"/>
+                <a:t>/</a:t>
+              </a:r>
+              <a:r>
+                <a:rPr lang="ja-JP" altLang="en-US" dirty="0"/>
+                <a:t>□□</a:t>
+              </a:r>
+              <a:r>
+                <a:rPr kumimoji="1" lang="en-US" altLang="ja-JP" dirty="0"/>
+                <a:t>/</a:t>
+              </a:r>
+              <a:r>
+                <a:rPr kumimoji="1" lang="ja-JP" altLang="en-US" dirty="0"/>
+                <a:t>△△</a:t>
+              </a:r>
+            </a:p>
+          </p:txBody>
+        </p:sp>
+        <p:sp>
+          <p:nvSpPr>
+            <p:cNvPr id="10" name="テキスト ボックス 9">
+              <a:extLst>
+                <a:ext uri="{FF2B5EF4-FFF2-40B4-BE49-F238E27FC236}">
+                  <a16:creationId xmlns:a16="http://schemas.microsoft.com/office/drawing/2014/main" id="{9D65CB8F-832D-943C-5581-4A0BE1A3C085}"/>
+                </a:ext>
+              </a:extLst>
+            </p:cNvPr>
+            <p:cNvSpPr txBox="1"/>
+            <p:nvPr/>
+          </p:nvSpPr>
+          <p:spPr>
+            <a:xfrm>
+              <a:off x="3253495" y="1757529"/>
+              <a:ext cx="459850" cy="369332"/>
+            </a:xfrm>
+            <a:prstGeom prst="rect">
+              <a:avLst/>
+            </a:prstGeom>
+            <a:noFill/>
+          </p:spPr>
+          <p:txBody>
+            <a:bodyPr wrap="square" rtlCol="0">
+              <a:spAutoFit/>
+            </a:bodyPr>
+            <a:lstStyle/>
+            <a:p>
+              <a:r>
+                <a:rPr kumimoji="1" lang="ja-JP" altLang="en-US" dirty="0"/>
+                <a:t>～</a:t>
+              </a:r>
+            </a:p>
+          </p:txBody>
+        </p:sp>
+        <p:sp>
+          <p:nvSpPr>
+            <p:cNvPr id="11" name="テキスト ボックス 10">
+              <a:extLst>
+                <a:ext uri="{FF2B5EF4-FFF2-40B4-BE49-F238E27FC236}">
+                  <a16:creationId xmlns:a16="http://schemas.microsoft.com/office/drawing/2014/main" id="{9ED604AD-D831-9FFE-F488-FDC9D6F4CCCD}"/>
+                </a:ext>
+              </a:extLst>
+            </p:cNvPr>
+            <p:cNvSpPr txBox="1"/>
+            <p:nvPr/>
+          </p:nvSpPr>
+          <p:spPr>
+            <a:xfrm>
+              <a:off x="3713345" y="1757529"/>
+              <a:ext cx="2610678" cy="369332"/>
+            </a:xfrm>
+            <a:prstGeom prst="rect">
+              <a:avLst/>
+            </a:prstGeom>
+            <a:noFill/>
+          </p:spPr>
+          <p:txBody>
+            <a:bodyPr wrap="square" rtlCol="0">
+              <a:spAutoFit/>
+            </a:bodyPr>
+            <a:lstStyle/>
+            <a:p>
+              <a:r>
+                <a:rPr kumimoji="1" lang="ja-JP" altLang="en-US" dirty="0"/>
+                <a:t>〇〇〇〇</a:t>
+              </a:r>
+              <a:r>
+                <a:rPr kumimoji="1" lang="en-US" altLang="ja-JP" dirty="0"/>
+                <a:t>/</a:t>
+              </a:r>
+              <a:r>
+                <a:rPr lang="ja-JP" altLang="en-US" dirty="0"/>
+                <a:t>□□</a:t>
+              </a:r>
+              <a:r>
+                <a:rPr kumimoji="1" lang="en-US" altLang="ja-JP" dirty="0"/>
+                <a:t>/</a:t>
+              </a:r>
+              <a:r>
+                <a:rPr kumimoji="1" lang="ja-JP" altLang="en-US" dirty="0"/>
+                <a:t>△△</a:t>
+              </a:r>
+            </a:p>
+          </p:txBody>
+        </p:sp>
+        <p:sp>
+          <p:nvSpPr>
+            <p:cNvPr id="12" name="テキスト ボックス 11">
+              <a:extLst>
+                <a:ext uri="{FF2B5EF4-FFF2-40B4-BE49-F238E27FC236}">
+                  <a16:creationId xmlns:a16="http://schemas.microsoft.com/office/drawing/2014/main" id="{A1EFB16F-0F6F-24EF-F16A-F5B20041E7AE}"/>
+                </a:ext>
+              </a:extLst>
+            </p:cNvPr>
+            <p:cNvSpPr txBox="1"/>
+            <p:nvPr/>
+          </p:nvSpPr>
+          <p:spPr>
+            <a:xfrm>
+              <a:off x="6184572" y="1757529"/>
+              <a:ext cx="1445812" cy="369332"/>
+            </a:xfrm>
+            <a:prstGeom prst="rect">
+              <a:avLst/>
+            </a:prstGeom>
+            <a:noFill/>
+          </p:spPr>
+          <p:txBody>
+            <a:bodyPr wrap="square" rtlCol="0">
+              <a:spAutoFit/>
+            </a:bodyPr>
+            <a:lstStyle/>
+            <a:p>
+              <a:r>
+                <a:rPr kumimoji="1" lang="en-US" altLang="ja-JP" dirty="0" err="1"/>
+                <a:t>XXdays</a:t>
+              </a:r>
+              <a:endParaRPr kumimoji="1" lang="ja-JP" altLang="en-US" dirty="0"/>
+            </a:p>
+          </p:txBody>
+        </p:sp>
+      </p:grpSp>
+      <p:sp>
+        <p:nvSpPr>
+          <p:cNvPr id="15" name="テキスト ボックス 14">
+            <a:extLst>
+              <a:ext uri="{FF2B5EF4-FFF2-40B4-BE49-F238E27FC236}">
+                <a16:creationId xmlns:a16="http://schemas.microsoft.com/office/drawing/2014/main" id="{E60DDD35-90D3-88B8-47E2-A8A1E8F392C8}"/>
+              </a:ext>
+            </a:extLst>
+          </p:cNvPr>
+          <p:cNvSpPr txBox="1"/>
+          <p:nvPr/>
+        </p:nvSpPr>
+        <p:spPr>
+          <a:xfrm>
+            <a:off x="1244466" y="670089"/>
+            <a:ext cx="2610678" cy="369332"/>
           </a:xfrm>
           <a:prstGeom prst="rect">
             <a:avLst/>
@@ -4052,37 +4307,87 @@
           </a:fontRef>
         </p:style>
         <p:txBody>
-          <a:bodyPr rtlCol="0" anchor="ctr"/>
-          <a:lstStyle/>
-          <a:p>
-            <a:pPr algn="ctr"/>
-            <a:r>
-              <a:rPr lang="en-US" altLang="ja-JP" dirty="0"/>
-              <a:t>Japan</a:t>
-            </a:r>
-            <a:endParaRPr kumimoji="1" lang="ja-JP" altLang="en-US" dirty="0"/>
-          </a:p>
-        </p:txBody>
-      </p:sp>
-      <p:sp>
-        <p:nvSpPr>
-          <p:cNvPr id="6" name="動作設定ボタン: 戻る/前へ 5">
-            <a:hlinkClick r:id="" action="ppaction://hlinkshowjump?jump=previousslide" highlightClick="1"/>
-            <a:extLst>
-              <a:ext uri="{FF2B5EF4-FFF2-40B4-BE49-F238E27FC236}">
-                <a16:creationId xmlns:a16="http://schemas.microsoft.com/office/drawing/2014/main" id="{210D5D7E-AE6B-107B-E548-AE0072C105F2}"/>
-              </a:ext>
-            </a:extLst>
-          </p:cNvPr>
-          <p:cNvSpPr/>
-          <p:nvPr/>
-        </p:nvSpPr>
-        <p:spPr>
-          <a:xfrm rot="16200000">
-            <a:off x="3958183" y="1299424"/>
-            <a:ext cx="365145" cy="204403"/>
-          </a:xfrm>
-          <a:prstGeom prst="actionButtonBackPrevious">
+          <a:bodyPr wrap="square" rtlCol="0">
+            <a:spAutoFit/>
+          </a:bodyPr>
+          <a:lstStyle/>
+          <a:p>
+            <a:r>
+              <a:rPr kumimoji="1" lang="ja-JP" altLang="en-US" dirty="0"/>
+              <a:t>〇〇〇〇</a:t>
+            </a:r>
+            <a:r>
+              <a:rPr kumimoji="1" lang="en-US" altLang="ja-JP" dirty="0"/>
+              <a:t>/</a:t>
+            </a:r>
+            <a:r>
+              <a:rPr lang="ja-JP" altLang="en-US" dirty="0"/>
+              <a:t>□□</a:t>
+            </a:r>
+            <a:r>
+              <a:rPr kumimoji="1" lang="en-US" altLang="ja-JP" dirty="0"/>
+              <a:t>/</a:t>
+            </a:r>
+            <a:r>
+              <a:rPr kumimoji="1" lang="ja-JP" altLang="en-US" dirty="0"/>
+              <a:t>△△</a:t>
+            </a:r>
+          </a:p>
+        </p:txBody>
+      </p:sp>
+      <p:sp>
+        <p:nvSpPr>
+          <p:cNvPr id="18" name="テキスト ボックス 17">
+            <a:extLst>
+              <a:ext uri="{FF2B5EF4-FFF2-40B4-BE49-F238E27FC236}">
+                <a16:creationId xmlns:a16="http://schemas.microsoft.com/office/drawing/2014/main" id="{65D67451-2F1D-4AE9-682A-6138451DF0CC}"/>
+              </a:ext>
+            </a:extLst>
+          </p:cNvPr>
+          <p:cNvSpPr txBox="1"/>
+          <p:nvPr/>
+        </p:nvSpPr>
+        <p:spPr>
+          <a:xfrm>
+            <a:off x="3855144" y="670089"/>
+            <a:ext cx="459850" cy="369332"/>
+          </a:xfrm>
+          <a:prstGeom prst="rect">
+            <a:avLst/>
+          </a:prstGeom>
+          <a:noFill/>
+        </p:spPr>
+        <p:txBody>
+          <a:bodyPr wrap="square" rtlCol="0">
+            <a:spAutoFit/>
+          </a:bodyPr>
+          <a:lstStyle/>
+          <a:p>
+            <a:r>
+              <a:rPr kumimoji="1" lang="ja-JP" altLang="en-US" dirty="0"/>
+              <a:t>～</a:t>
+            </a:r>
+          </a:p>
+        </p:txBody>
+      </p:sp>
+      <p:sp>
+        <p:nvSpPr>
+          <p:cNvPr id="19" name="テキスト ボックス 18">
+            <a:extLst>
+              <a:ext uri="{FF2B5EF4-FFF2-40B4-BE49-F238E27FC236}">
+                <a16:creationId xmlns:a16="http://schemas.microsoft.com/office/drawing/2014/main" id="{451CEE39-6D36-528F-E324-85A60D447F8A}"/>
+              </a:ext>
+            </a:extLst>
+          </p:cNvPr>
+          <p:cNvSpPr txBox="1"/>
+          <p:nvPr/>
+        </p:nvSpPr>
+        <p:spPr>
+          <a:xfrm>
+            <a:off x="4265322" y="670089"/>
+            <a:ext cx="2610678" cy="369332"/>
+          </a:xfrm>
+          <a:prstGeom prst="rect">
             <a:avLst/>
           </a:prstGeom>
         </p:spPr>
@@ -4101,37 +4406,6 @@
           </a:fontRef>
         </p:style>
         <p:txBody>
-          <a:bodyPr rtlCol="0" anchor="ctr"/>
-          <a:lstStyle/>
-          <a:p>
-            <a:pPr algn="ctr"/>
-            <a:endParaRPr kumimoji="1" lang="ja-JP" altLang="en-US"/>
-          </a:p>
-        </p:txBody>
-      </p:sp>
-      <p:sp>
-        <p:nvSpPr>
-          <p:cNvPr id="9" name="テキスト ボックス 8">
-            <a:extLst>
-              <a:ext uri="{FF2B5EF4-FFF2-40B4-BE49-F238E27FC236}">
-                <a16:creationId xmlns:a16="http://schemas.microsoft.com/office/drawing/2014/main" id="{8A807A02-45D0-7E30-E280-184505A0DB78}"/>
-              </a:ext>
-            </a:extLst>
-          </p:cNvPr>
-          <p:cNvSpPr txBox="1"/>
-          <p:nvPr/>
-        </p:nvSpPr>
-        <p:spPr>
-          <a:xfrm>
-            <a:off x="1102667" y="1757529"/>
-            <a:ext cx="2610678" cy="369332"/>
-          </a:xfrm>
-          <a:prstGeom prst="rect">
-            <a:avLst/>
-          </a:prstGeom>
-          <a:noFill/>
-        </p:spPr>
-        <p:txBody>
           <a:bodyPr wrap="square" rtlCol="0">
             <a:spAutoFit/>
           </a:bodyPr>
@@ -4162,142 +4436,20 @@
       </p:sp>
       <p:sp>
         <p:nvSpPr>
-          <p:cNvPr id="10" name="テキスト ボックス 9">
-            <a:extLst>
-              <a:ext uri="{FF2B5EF4-FFF2-40B4-BE49-F238E27FC236}">
-                <a16:creationId xmlns:a16="http://schemas.microsoft.com/office/drawing/2014/main" id="{9D65CB8F-832D-943C-5581-4A0BE1A3C085}"/>
-              </a:ext>
-            </a:extLst>
-          </p:cNvPr>
-          <p:cNvSpPr txBox="1"/>
-          <p:nvPr/>
-        </p:nvSpPr>
-        <p:spPr>
-          <a:xfrm>
-            <a:off x="3253495" y="1757529"/>
-            <a:ext cx="459850" cy="369332"/>
-          </a:xfrm>
-          <a:prstGeom prst="rect">
-            <a:avLst/>
-          </a:prstGeom>
-          <a:noFill/>
-        </p:spPr>
-        <p:txBody>
-          <a:bodyPr wrap="square" rtlCol="0">
-            <a:spAutoFit/>
-          </a:bodyPr>
-          <a:lstStyle/>
-          <a:p>
-            <a:r>
-              <a:rPr kumimoji="1" lang="ja-JP" altLang="en-US" dirty="0"/>
-              <a:t>～</a:t>
-            </a:r>
-          </a:p>
-        </p:txBody>
-      </p:sp>
-      <p:sp>
-        <p:nvSpPr>
-          <p:cNvPr id="11" name="テキスト ボックス 10">
-            <a:extLst>
-              <a:ext uri="{FF2B5EF4-FFF2-40B4-BE49-F238E27FC236}">
-                <a16:creationId xmlns:a16="http://schemas.microsoft.com/office/drawing/2014/main" id="{9ED604AD-D831-9FFE-F488-FDC9D6F4CCCD}"/>
-              </a:ext>
-            </a:extLst>
-          </p:cNvPr>
-          <p:cNvSpPr txBox="1"/>
-          <p:nvPr/>
-        </p:nvSpPr>
-        <p:spPr>
-          <a:xfrm>
-            <a:off x="3713345" y="1757529"/>
-            <a:ext cx="2610678" cy="369332"/>
-          </a:xfrm>
-          <a:prstGeom prst="rect">
-            <a:avLst/>
-          </a:prstGeom>
-          <a:noFill/>
-        </p:spPr>
-        <p:txBody>
-          <a:bodyPr wrap="square" rtlCol="0">
-            <a:spAutoFit/>
-          </a:bodyPr>
-          <a:lstStyle/>
-          <a:p>
-            <a:r>
-              <a:rPr kumimoji="1" lang="ja-JP" altLang="en-US" dirty="0"/>
-              <a:t>〇〇〇〇</a:t>
-            </a:r>
-            <a:r>
-              <a:rPr kumimoji="1" lang="en-US" altLang="ja-JP" dirty="0"/>
-              <a:t>/</a:t>
-            </a:r>
-            <a:r>
-              <a:rPr lang="ja-JP" altLang="en-US" dirty="0"/>
-              <a:t>□□</a:t>
-            </a:r>
-            <a:r>
-              <a:rPr kumimoji="1" lang="en-US" altLang="ja-JP" dirty="0"/>
-              <a:t>/</a:t>
-            </a:r>
-            <a:r>
-              <a:rPr kumimoji="1" lang="ja-JP" altLang="en-US" dirty="0"/>
-              <a:t>△△</a:t>
-            </a:r>
-          </a:p>
-        </p:txBody>
-      </p:sp>
-      <p:sp>
-        <p:nvSpPr>
-          <p:cNvPr id="12" name="テキスト ボックス 11">
-            <a:extLst>
-              <a:ext uri="{FF2B5EF4-FFF2-40B4-BE49-F238E27FC236}">
-                <a16:creationId xmlns:a16="http://schemas.microsoft.com/office/drawing/2014/main" id="{A1EFB16F-0F6F-24EF-F16A-F5B20041E7AE}"/>
-              </a:ext>
-            </a:extLst>
-          </p:cNvPr>
-          <p:cNvSpPr txBox="1"/>
-          <p:nvPr/>
-        </p:nvSpPr>
-        <p:spPr>
-          <a:xfrm>
-            <a:off x="6184572" y="1757529"/>
-            <a:ext cx="1445812" cy="369332"/>
-          </a:xfrm>
-          <a:prstGeom prst="rect">
-            <a:avLst/>
-          </a:prstGeom>
-          <a:noFill/>
-        </p:spPr>
-        <p:txBody>
-          <a:bodyPr wrap="square" rtlCol="0">
-            <a:spAutoFit/>
-          </a:bodyPr>
-          <a:lstStyle/>
-          <a:p>
-            <a:r>
-              <a:rPr kumimoji="1" lang="en-US" altLang="ja-JP" dirty="0" err="1"/>
-              <a:t>XXdays</a:t>
-            </a:r>
-            <a:endParaRPr kumimoji="1" lang="ja-JP" altLang="en-US" dirty="0"/>
-          </a:p>
-        </p:txBody>
-      </p:sp>
-      <p:sp>
-        <p:nvSpPr>
-          <p:cNvPr id="15" name="テキスト ボックス 14">
-            <a:extLst>
-              <a:ext uri="{FF2B5EF4-FFF2-40B4-BE49-F238E27FC236}">
-                <a16:creationId xmlns:a16="http://schemas.microsoft.com/office/drawing/2014/main" id="{E60DDD35-90D3-88B8-47E2-A8A1E8F392C8}"/>
-              </a:ext>
-            </a:extLst>
-          </p:cNvPr>
-          <p:cNvSpPr txBox="1"/>
-          <p:nvPr/>
-        </p:nvSpPr>
-        <p:spPr>
-          <a:xfrm>
-            <a:off x="1244466" y="670089"/>
-            <a:ext cx="2610678" cy="369332"/>
+          <p:cNvPr id="21" name="正方形/長方形 20">
+            <a:extLst>
+              <a:ext uri="{FF2B5EF4-FFF2-40B4-BE49-F238E27FC236}">
+                <a16:creationId xmlns:a16="http://schemas.microsoft.com/office/drawing/2014/main" id="{5E5409D5-CD90-60ED-8C89-880D06301D6D}"/>
+              </a:ext>
+            </a:extLst>
+          </p:cNvPr>
+          <p:cNvSpPr/>
+          <p:nvPr/>
+        </p:nvSpPr>
+        <p:spPr>
+          <a:xfrm>
+            <a:off x="1603254" y="3069985"/>
+            <a:ext cx="4598633" cy="1701335"/>
           </a:xfrm>
           <a:prstGeom prst="rect">
             <a:avLst/>
@@ -4318,209 +4470,6 @@
           </a:fontRef>
         </p:style>
         <p:txBody>
-          <a:bodyPr wrap="square" rtlCol="0">
-            <a:spAutoFit/>
-          </a:bodyPr>
-          <a:lstStyle/>
-          <a:p>
-            <a:r>
-              <a:rPr kumimoji="1" lang="ja-JP" altLang="en-US" dirty="0"/>
-              <a:t>〇〇〇〇</a:t>
-            </a:r>
-            <a:r>
-              <a:rPr kumimoji="1" lang="en-US" altLang="ja-JP" dirty="0"/>
-              <a:t>/</a:t>
-            </a:r>
-            <a:r>
-              <a:rPr lang="ja-JP" altLang="en-US" dirty="0"/>
-              <a:t>□□</a:t>
-            </a:r>
-            <a:r>
-              <a:rPr kumimoji="1" lang="en-US" altLang="ja-JP" dirty="0"/>
-              <a:t>/</a:t>
-            </a:r>
-            <a:r>
-              <a:rPr kumimoji="1" lang="ja-JP" altLang="en-US" dirty="0"/>
-              <a:t>△△</a:t>
-            </a:r>
-          </a:p>
-        </p:txBody>
-      </p:sp>
-      <p:sp>
-        <p:nvSpPr>
-          <p:cNvPr id="18" name="テキスト ボックス 17">
-            <a:extLst>
-              <a:ext uri="{FF2B5EF4-FFF2-40B4-BE49-F238E27FC236}">
-                <a16:creationId xmlns:a16="http://schemas.microsoft.com/office/drawing/2014/main" id="{65D67451-2F1D-4AE9-682A-6138451DF0CC}"/>
-              </a:ext>
-            </a:extLst>
-          </p:cNvPr>
-          <p:cNvSpPr txBox="1"/>
-          <p:nvPr/>
-        </p:nvSpPr>
-        <p:spPr>
-          <a:xfrm>
-            <a:off x="3855144" y="670089"/>
-            <a:ext cx="459850" cy="369332"/>
-          </a:xfrm>
-          <a:prstGeom prst="rect">
-            <a:avLst/>
-          </a:prstGeom>
-          <a:noFill/>
-        </p:spPr>
-        <p:txBody>
-          <a:bodyPr wrap="square" rtlCol="0">
-            <a:spAutoFit/>
-          </a:bodyPr>
-          <a:lstStyle/>
-          <a:p>
-            <a:r>
-              <a:rPr kumimoji="1" lang="ja-JP" altLang="en-US" dirty="0"/>
-              <a:t>～</a:t>
-            </a:r>
-          </a:p>
-        </p:txBody>
-      </p:sp>
-      <p:sp>
-        <p:nvSpPr>
-          <p:cNvPr id="19" name="テキスト ボックス 18">
-            <a:extLst>
-              <a:ext uri="{FF2B5EF4-FFF2-40B4-BE49-F238E27FC236}">
-                <a16:creationId xmlns:a16="http://schemas.microsoft.com/office/drawing/2014/main" id="{451CEE39-6D36-528F-E324-85A60D447F8A}"/>
-              </a:ext>
-            </a:extLst>
-          </p:cNvPr>
-          <p:cNvSpPr txBox="1"/>
-          <p:nvPr/>
-        </p:nvSpPr>
-        <p:spPr>
-          <a:xfrm>
-            <a:off x="4265322" y="670089"/>
-            <a:ext cx="2610678" cy="369332"/>
-          </a:xfrm>
-          <a:prstGeom prst="rect">
-            <a:avLst/>
-          </a:prstGeom>
-        </p:spPr>
-        <p:style>
-          <a:lnRef idx="2">
-            <a:schemeClr val="dk1"/>
-          </a:lnRef>
-          <a:fillRef idx="1">
-            <a:schemeClr val="lt1"/>
-          </a:fillRef>
-          <a:effectRef idx="0">
-            <a:schemeClr val="dk1"/>
-          </a:effectRef>
-          <a:fontRef idx="minor">
-            <a:schemeClr val="dk1"/>
-          </a:fontRef>
-        </p:style>
-        <p:txBody>
-          <a:bodyPr wrap="square" rtlCol="0">
-            <a:spAutoFit/>
-          </a:bodyPr>
-          <a:lstStyle/>
-          <a:p>
-            <a:r>
-              <a:rPr kumimoji="1" lang="ja-JP" altLang="en-US" dirty="0"/>
-              <a:t>〇〇〇〇</a:t>
-            </a:r>
-            <a:r>
-              <a:rPr kumimoji="1" lang="en-US" altLang="ja-JP" dirty="0"/>
-              <a:t>/</a:t>
-            </a:r>
-            <a:r>
-              <a:rPr lang="ja-JP" altLang="en-US" dirty="0"/>
-              <a:t>□□</a:t>
-            </a:r>
-            <a:r>
-              <a:rPr kumimoji="1" lang="en-US" altLang="ja-JP" dirty="0"/>
-              <a:t>/</a:t>
-            </a:r>
-            <a:r>
-              <a:rPr kumimoji="1" lang="ja-JP" altLang="en-US" dirty="0"/>
-              <a:t>△△</a:t>
-            </a:r>
-          </a:p>
-        </p:txBody>
-      </p:sp>
-      <p:sp>
-        <p:nvSpPr>
-          <p:cNvPr id="20" name="テキスト ボックス 19">
-            <a:extLst>
-              <a:ext uri="{FF2B5EF4-FFF2-40B4-BE49-F238E27FC236}">
-                <a16:creationId xmlns:a16="http://schemas.microsoft.com/office/drawing/2014/main" id="{A1954372-C7B3-AFDB-C461-3D5FF6E182A9}"/>
-              </a:ext>
-            </a:extLst>
-          </p:cNvPr>
-          <p:cNvSpPr txBox="1"/>
-          <p:nvPr/>
-        </p:nvSpPr>
-        <p:spPr>
-          <a:xfrm>
-            <a:off x="1244466" y="1219053"/>
-            <a:ext cx="1514904" cy="369332"/>
-          </a:xfrm>
-          <a:prstGeom prst="rect">
-            <a:avLst/>
-          </a:prstGeom>
-          <a:noFill/>
-        </p:spPr>
-        <p:txBody>
-          <a:bodyPr wrap="square" rtlCol="0">
-            <a:spAutoFit/>
-          </a:bodyPr>
-          <a:lstStyle/>
-          <a:p>
-            <a:r>
-              <a:rPr kumimoji="1" lang="en-US" altLang="ja-JP" dirty="0" err="1"/>
-              <a:t>Xx</a:t>
-            </a:r>
-            <a:r>
-              <a:rPr kumimoji="1" lang="en-US" altLang="ja-JP" dirty="0"/>
-              <a:t> countries</a:t>
-            </a:r>
-            <a:endParaRPr kumimoji="1" lang="ja-JP" altLang="en-US" dirty="0"/>
-          </a:p>
-        </p:txBody>
-      </p:sp>
-      <p:sp>
-        <p:nvSpPr>
-          <p:cNvPr id="21" name="正方形/長方形 20">
-            <a:extLst>
-              <a:ext uri="{FF2B5EF4-FFF2-40B4-BE49-F238E27FC236}">
-                <a16:creationId xmlns:a16="http://schemas.microsoft.com/office/drawing/2014/main" id="{5E5409D5-CD90-60ED-8C89-880D06301D6D}"/>
-              </a:ext>
-            </a:extLst>
-          </p:cNvPr>
-          <p:cNvSpPr/>
-          <p:nvPr/>
-        </p:nvSpPr>
-        <p:spPr>
-          <a:xfrm>
-            <a:off x="1725390" y="2255586"/>
-            <a:ext cx="4598633" cy="1701335"/>
-          </a:xfrm>
-          <a:prstGeom prst="rect">
-            <a:avLst/>
-          </a:prstGeom>
-        </p:spPr>
-        <p:style>
-          <a:lnRef idx="2">
-            <a:schemeClr val="dk1"/>
-          </a:lnRef>
-          <a:fillRef idx="1">
-            <a:schemeClr val="lt1"/>
-          </a:fillRef>
-          <a:effectRef idx="0">
-            <a:schemeClr val="dk1"/>
-          </a:effectRef>
-          <a:fontRef idx="minor">
-            <a:schemeClr val="dk1"/>
-          </a:fontRef>
-        </p:style>
-        <p:txBody>
           <a:bodyPr rtlCol="0" anchor="ctr"/>
           <a:lstStyle/>
           <a:p>
@@ -4547,7 +4496,7 @@
         </p:nvSpPr>
         <p:spPr>
           <a:xfrm>
-            <a:off x="1377381" y="4110361"/>
+            <a:off x="1244466" y="2429930"/>
             <a:ext cx="1214899" cy="369332"/>
           </a:xfrm>
           <a:prstGeom prst="rect">
@@ -4584,14 +4533,14 @@
           <p:nvPr>
             <p:extLst>
               <p:ext uri="{D42A27DB-BD31-4B8C-83A1-F6EECF244321}">
-                <p14:modId xmlns:p14="http://schemas.microsoft.com/office/powerpoint/2010/main" val="1010870830"/>
+                <p14:modId xmlns:p14="http://schemas.microsoft.com/office/powerpoint/2010/main" val="942438314"/>
               </p:ext>
             </p:extLst>
           </p:nvPr>
         </p:nvGraphicFramePr>
         <p:xfrm>
-          <a:off x="1352983" y="4526427"/>
-          <a:ext cx="4743017" cy="1112520"/>
+          <a:off x="3495397" y="1587366"/>
+          <a:ext cx="2075264" cy="1112520"/>
         </p:xfrm>
         <a:graphic>
           <a:graphicData uri="http://schemas.openxmlformats.org/drawingml/2006/table">
@@ -4600,7 +4549,7 @@
                 <a:tableStyleId>{5C22544A-7EE6-4342-B048-85BDC9FD1C3A}</a:tableStyleId>
               </a:tblPr>
               <a:tblGrid>
-                <a:gridCol w="4743017">
+                <a:gridCol w="2075264">
                   <a:extLst>
                     <a:ext uri="{9D8B030D-6E8A-4147-A177-3AD203B41FA5}">
                       <a16:colId xmlns:a16="http://schemas.microsoft.com/office/drawing/2014/main" val="3659759483"/>
@@ -4761,7 +4710,7 @@
         </p:nvSpPr>
         <p:spPr>
           <a:xfrm>
-            <a:off x="2370065" y="4082628"/>
+            <a:off x="2027903" y="2450443"/>
             <a:ext cx="1009897" cy="369332"/>
           </a:xfrm>
           <a:prstGeom prst="rect">
@@ -5021,10 +4970,90 @@
       </p:sp>
       <p:sp>
         <p:nvSpPr>
-          <p:cNvPr id="33" name="正方形/長方形 32">
-            <a:extLst>
-              <a:ext uri="{FF2B5EF4-FFF2-40B4-BE49-F238E27FC236}">
-                <a16:creationId xmlns:a16="http://schemas.microsoft.com/office/drawing/2014/main" id="{5A4B7826-10E5-FBCC-C6AA-BCC00CBB08B3}"/>
+          <p:cNvPr id="36" name="テキスト ボックス 35">
+            <a:extLst>
+              <a:ext uri="{FF2B5EF4-FFF2-40B4-BE49-F238E27FC236}">
+                <a16:creationId xmlns:a16="http://schemas.microsoft.com/office/drawing/2014/main" id="{26CC80A7-45A1-586E-A8A1-8E1F662C6EB2}"/>
+              </a:ext>
+            </a:extLst>
+          </p:cNvPr>
+          <p:cNvSpPr txBox="1"/>
+          <p:nvPr/>
+        </p:nvSpPr>
+        <p:spPr>
+          <a:xfrm>
+            <a:off x="6315743" y="6025615"/>
+            <a:ext cx="3080352" cy="369332"/>
+          </a:xfrm>
+          <a:prstGeom prst="rect">
+            <a:avLst/>
+          </a:prstGeom>
+          <a:noFill/>
+        </p:spPr>
+        <p:txBody>
+          <a:bodyPr wrap="square" rtlCol="0">
+            <a:spAutoFit/>
+          </a:bodyPr>
+          <a:lstStyle/>
+          <a:p>
+            <a:r>
+              <a:rPr kumimoji="1" lang="en-US" altLang="ja-JP" dirty="0" err="1"/>
+              <a:t>Totatl</a:t>
+            </a:r>
+            <a:r>
+              <a:rPr kumimoji="1" lang="en-US" altLang="ja-JP" dirty="0"/>
+              <a:t> distance:</a:t>
+            </a:r>
+            <a:endParaRPr kumimoji="1" lang="ja-JP" altLang="en-US" dirty="0"/>
+          </a:p>
+        </p:txBody>
+      </p:sp>
+      <p:sp>
+        <p:nvSpPr>
+          <p:cNvPr id="37" name="テキスト ボックス 36">
+            <a:extLst>
+              <a:ext uri="{FF2B5EF4-FFF2-40B4-BE49-F238E27FC236}">
+                <a16:creationId xmlns:a16="http://schemas.microsoft.com/office/drawing/2014/main" id="{0B36AC0D-E07F-5D6E-E7DD-6A19322EEDA7}"/>
+              </a:ext>
+            </a:extLst>
+          </p:cNvPr>
+          <p:cNvSpPr txBox="1"/>
+          <p:nvPr/>
+        </p:nvSpPr>
+        <p:spPr>
+          <a:xfrm>
+            <a:off x="6276854" y="6347110"/>
+            <a:ext cx="3080352" cy="369332"/>
+          </a:xfrm>
+          <a:prstGeom prst="rect">
+            <a:avLst/>
+          </a:prstGeom>
+          <a:noFill/>
+        </p:spPr>
+        <p:txBody>
+          <a:bodyPr wrap="square" rtlCol="0">
+            <a:spAutoFit/>
+          </a:bodyPr>
+          <a:lstStyle/>
+          <a:p>
+            <a:r>
+              <a:rPr kumimoji="1" lang="en-US" altLang="ja-JP" dirty="0" err="1"/>
+              <a:t>Totatl</a:t>
+            </a:r>
+            <a:r>
+              <a:rPr kumimoji="1" lang="en-US" altLang="ja-JP" dirty="0"/>
+              <a:t> Time:</a:t>
+            </a:r>
+            <a:endParaRPr kumimoji="1" lang="ja-JP" altLang="en-US" dirty="0"/>
+          </a:p>
+        </p:txBody>
+      </p:sp>
+      <p:sp>
+        <p:nvSpPr>
+          <p:cNvPr id="38" name="正方形/長方形 37">
+            <a:extLst>
+              <a:ext uri="{FF2B5EF4-FFF2-40B4-BE49-F238E27FC236}">
+                <a16:creationId xmlns:a16="http://schemas.microsoft.com/office/drawing/2014/main" id="{67F367E3-3838-56B8-6AD9-3EF932459DF1}"/>
               </a:ext>
             </a:extLst>
           </p:cNvPr>
@@ -5033,8 +5062,8 @@
         </p:nvSpPr>
         <p:spPr>
           <a:xfrm>
-            <a:off x="4356767" y="1249421"/>
-            <a:ext cx="265831" cy="292359"/>
+            <a:off x="5609920" y="1818854"/>
+            <a:ext cx="193366" cy="914400"/>
           </a:xfrm>
           <a:prstGeom prst="rect">
             <a:avLst/>
@@ -5059,136 +5088,17 @@
           <a:lstStyle/>
           <a:p>
             <a:pPr algn="ctr"/>
-            <a:endParaRPr kumimoji="1" lang="ja-JP" altLang="en-US" dirty="0"/>
-          </a:p>
-        </p:txBody>
-      </p:sp>
-      <p:sp>
-        <p:nvSpPr>
-          <p:cNvPr id="34" name="テキスト ボックス 33">
-            <a:extLst>
-              <a:ext uri="{FF2B5EF4-FFF2-40B4-BE49-F238E27FC236}">
-                <a16:creationId xmlns:a16="http://schemas.microsoft.com/office/drawing/2014/main" id="{7AAC1C73-A589-78CB-5E55-12B7B337FA2F}"/>
-              </a:ext>
-            </a:extLst>
-          </p:cNvPr>
-          <p:cNvSpPr txBox="1"/>
-          <p:nvPr/>
-        </p:nvSpPr>
-        <p:spPr>
-          <a:xfrm>
-            <a:off x="4654401" y="1209102"/>
-            <a:ext cx="2030008" cy="369332"/>
-          </a:xfrm>
-          <a:prstGeom prst="rect">
-            <a:avLst/>
-          </a:prstGeom>
-          <a:noFill/>
-        </p:spPr>
-        <p:txBody>
-          <a:bodyPr wrap="square" rtlCol="0">
-            <a:spAutoFit/>
-          </a:bodyPr>
-          <a:lstStyle/>
-          <a:p>
-            <a:r>
-              <a:rPr lang="en-US" altLang="ja-JP" dirty="0"/>
-              <a:t>With cross </a:t>
-            </a:r>
-            <a:r>
-              <a:rPr lang="en-US" altLang="ja-JP" dirty="0" err="1"/>
-              <a:t>boder</a:t>
-            </a:r>
-            <a:endParaRPr kumimoji="1" lang="ja-JP" altLang="en-US" dirty="0"/>
-          </a:p>
-        </p:txBody>
-      </p:sp>
-      <p:sp>
-        <p:nvSpPr>
-          <p:cNvPr id="36" name="テキスト ボックス 35">
-            <a:extLst>
-              <a:ext uri="{FF2B5EF4-FFF2-40B4-BE49-F238E27FC236}">
-                <a16:creationId xmlns:a16="http://schemas.microsoft.com/office/drawing/2014/main" id="{26CC80A7-45A1-586E-A8A1-8E1F662C6EB2}"/>
-              </a:ext>
-            </a:extLst>
-          </p:cNvPr>
-          <p:cNvSpPr txBox="1"/>
-          <p:nvPr/>
-        </p:nvSpPr>
-        <p:spPr>
-          <a:xfrm>
-            <a:off x="6315743" y="6025615"/>
-            <a:ext cx="3080352" cy="369332"/>
-          </a:xfrm>
-          <a:prstGeom prst="rect">
-            <a:avLst/>
-          </a:prstGeom>
-          <a:noFill/>
-        </p:spPr>
-        <p:txBody>
-          <a:bodyPr wrap="square" rtlCol="0">
-            <a:spAutoFit/>
-          </a:bodyPr>
-          <a:lstStyle/>
-          <a:p>
-            <a:r>
-              <a:rPr kumimoji="1" lang="en-US" altLang="ja-JP" dirty="0" err="1"/>
-              <a:t>Totatl</a:t>
-            </a:r>
-            <a:r>
-              <a:rPr kumimoji="1" lang="en-US" altLang="ja-JP" dirty="0"/>
-              <a:t> distance:</a:t>
-            </a:r>
-            <a:endParaRPr kumimoji="1" lang="ja-JP" altLang="en-US" dirty="0"/>
-          </a:p>
-        </p:txBody>
-      </p:sp>
-      <p:sp>
-        <p:nvSpPr>
-          <p:cNvPr id="37" name="テキスト ボックス 36">
-            <a:extLst>
-              <a:ext uri="{FF2B5EF4-FFF2-40B4-BE49-F238E27FC236}">
-                <a16:creationId xmlns:a16="http://schemas.microsoft.com/office/drawing/2014/main" id="{0B36AC0D-E07F-5D6E-E7DD-6A19322EEDA7}"/>
-              </a:ext>
-            </a:extLst>
-          </p:cNvPr>
-          <p:cNvSpPr txBox="1"/>
-          <p:nvPr/>
-        </p:nvSpPr>
-        <p:spPr>
-          <a:xfrm>
-            <a:off x="6276854" y="6347110"/>
-            <a:ext cx="3080352" cy="369332"/>
-          </a:xfrm>
-          <a:prstGeom prst="rect">
-            <a:avLst/>
-          </a:prstGeom>
-          <a:noFill/>
-        </p:spPr>
-        <p:txBody>
-          <a:bodyPr wrap="square" rtlCol="0">
-            <a:spAutoFit/>
-          </a:bodyPr>
-          <a:lstStyle/>
-          <a:p>
-            <a:r>
-              <a:rPr kumimoji="1" lang="en-US" altLang="ja-JP" dirty="0" err="1"/>
-              <a:t>Totatl</a:t>
-            </a:r>
-            <a:r>
-              <a:rPr kumimoji="1" lang="en-US" altLang="ja-JP" dirty="0"/>
-              <a:t> Time:</a:t>
-            </a:r>
-            <a:endParaRPr kumimoji="1" lang="ja-JP" altLang="en-US" dirty="0"/>
-          </a:p>
-        </p:txBody>
-      </p:sp>
-      <p:sp>
-        <p:nvSpPr>
-          <p:cNvPr id="38" name="正方形/長方形 37">
-            <a:extLst>
-              <a:ext uri="{FF2B5EF4-FFF2-40B4-BE49-F238E27FC236}">
-                <a16:creationId xmlns:a16="http://schemas.microsoft.com/office/drawing/2014/main" id="{67F367E3-3838-56B8-6AD9-3EF932459DF1}"/>
+            <a:endParaRPr kumimoji="1" lang="ja-JP" altLang="en-US"/>
+          </a:p>
+        </p:txBody>
+      </p:sp>
+      <p:sp>
+        <p:nvSpPr>
+          <p:cNvPr id="39" name="動作設定ボタン: 戻る/前へ 38">
+            <a:hlinkClick r:id="" action="ppaction://hlinkshowjump?jump=previousslide" highlightClick="1"/>
+            <a:extLst>
+              <a:ext uri="{FF2B5EF4-FFF2-40B4-BE49-F238E27FC236}">
+                <a16:creationId xmlns:a16="http://schemas.microsoft.com/office/drawing/2014/main" id="{D4F2F32A-B445-9A18-B2F1-E35B3E348F1B}"/>
               </a:ext>
             </a:extLst>
           </p:cNvPr>
@@ -5196,11 +5106,11 @@
           <p:nvPr/>
         </p:nvSpPr>
         <p:spPr>
-          <a:xfrm>
-            <a:off x="6048231" y="4606235"/>
-            <a:ext cx="193366" cy="914400"/>
-          </a:xfrm>
-          <a:prstGeom prst="rect">
+          <a:xfrm rot="5400000">
+            <a:off x="5518512" y="1592345"/>
+            <a:ext cx="365145" cy="204403"/>
+          </a:xfrm>
+          <a:prstGeom prst="actionButtonBackPrevious">
             <a:avLst/>
           </a:prstGeom>
         </p:spPr>
@@ -5229,11 +5139,11 @@
       </p:sp>
       <p:sp>
         <p:nvSpPr>
-          <p:cNvPr id="39" name="動作設定ボタン: 戻る/前へ 38">
+          <p:cNvPr id="40" name="動作設定ボタン: 戻る/前へ 39">
             <a:hlinkClick r:id="" action="ppaction://hlinkshowjump?jump=previousslide" highlightClick="1"/>
             <a:extLst>
               <a:ext uri="{FF2B5EF4-FFF2-40B4-BE49-F238E27FC236}">
-                <a16:creationId xmlns:a16="http://schemas.microsoft.com/office/drawing/2014/main" id="{D4F2F32A-B445-9A18-B2F1-E35B3E348F1B}"/>
+                <a16:creationId xmlns:a16="http://schemas.microsoft.com/office/drawing/2014/main" id="{3EE21669-ABB4-3C5F-446A-03314526F025}"/>
               </a:ext>
             </a:extLst>
           </p:cNvPr>
@@ -5241,8 +5151,8 @@
           <p:nvPr/>
         </p:nvSpPr>
         <p:spPr>
-          <a:xfrm rot="5400000">
-            <a:off x="5956823" y="4379726"/>
+          <a:xfrm rot="16200000">
+            <a:off x="5518512" y="2715481"/>
             <a:ext cx="365145" cy="204403"/>
           </a:xfrm>
           <a:prstGeom prst="actionButtonBackPrevious">
@@ -5274,11 +5184,10 @@
       </p:sp>
       <p:sp>
         <p:nvSpPr>
-          <p:cNvPr id="40" name="動作設定ボタン: 戻る/前へ 39">
-            <a:hlinkClick r:id="" action="ppaction://hlinkshowjump?jump=previousslide" highlightClick="1"/>
-            <a:extLst>
-              <a:ext uri="{FF2B5EF4-FFF2-40B4-BE49-F238E27FC236}">
-                <a16:creationId xmlns:a16="http://schemas.microsoft.com/office/drawing/2014/main" id="{3EE21669-ABB4-3C5F-446A-03314526F025}"/>
+          <p:cNvPr id="5" name="正方形/長方形 4">
+            <a:extLst>
+              <a:ext uri="{FF2B5EF4-FFF2-40B4-BE49-F238E27FC236}">
+                <a16:creationId xmlns:a16="http://schemas.microsoft.com/office/drawing/2014/main" id="{4BBDBA56-181A-3F45-9559-407378AF3A99}"/>
               </a:ext>
             </a:extLst>
           </p:cNvPr>
@@ -5286,11 +5195,11 @@
           <p:nvPr/>
         </p:nvSpPr>
         <p:spPr>
-          <a:xfrm rot="16200000">
-            <a:off x="5956823" y="5502862"/>
-            <a:ext cx="365145" cy="204403"/>
-          </a:xfrm>
-          <a:prstGeom prst="actionButtonBackPrevious">
+          <a:xfrm>
+            <a:off x="1619577" y="1574510"/>
+            <a:ext cx="1163540" cy="292359"/>
+          </a:xfrm>
+          <a:prstGeom prst="rect">
             <a:avLst/>
           </a:prstGeom>
         </p:spPr>
@@ -5313,17 +5222,21 @@
           <a:lstStyle/>
           <a:p>
             <a:pPr algn="ctr"/>
-            <a:endParaRPr kumimoji="1" lang="ja-JP" altLang="en-US"/>
-          </a:p>
-        </p:txBody>
-      </p:sp>
-      <p:sp>
-        <p:nvSpPr>
-          <p:cNvPr id="41" name="動作設定ボタン: 戻る/前へ 40">
+            <a:r>
+              <a:rPr lang="en-US" altLang="ja-JP" dirty="0"/>
+              <a:t>Japan</a:t>
+            </a:r>
+            <a:endParaRPr kumimoji="1" lang="ja-JP" altLang="en-US" dirty="0"/>
+          </a:p>
+        </p:txBody>
+      </p:sp>
+      <p:sp>
+        <p:nvSpPr>
+          <p:cNvPr id="6" name="動作設定ボタン: 戻る/前へ 5">
             <a:hlinkClick r:id="" action="ppaction://hlinkshowjump?jump=previousslide" highlightClick="1"/>
             <a:extLst>
               <a:ext uri="{FF2B5EF4-FFF2-40B4-BE49-F238E27FC236}">
-                <a16:creationId xmlns:a16="http://schemas.microsoft.com/office/drawing/2014/main" id="{F2E0E95E-E5CF-87A5-1FF6-081DBAD48297}"/>
+                <a16:creationId xmlns:a16="http://schemas.microsoft.com/office/drawing/2014/main" id="{210D5D7E-AE6B-107B-E548-AE0072C105F2}"/>
               </a:ext>
             </a:extLst>
           </p:cNvPr>
@@ -5331,8 +5244,8 @@
           <p:nvPr/>
         </p:nvSpPr>
         <p:spPr>
-          <a:xfrm>
-            <a:off x="2606535" y="1566743"/>
+          <a:xfrm rot="16200000">
+            <a:off x="2720986" y="1637059"/>
             <a:ext cx="365145" cy="204403"/>
           </a:xfrm>
           <a:prstGeom prst="actionButtonBackPrevious">
@@ -5364,11 +5277,156 @@
       </p:sp>
       <p:sp>
         <p:nvSpPr>
-          <p:cNvPr id="42" name="動作設定ボタン: 戻る/前へ 41">
+          <p:cNvPr id="20" name="テキスト ボックス 19">
+            <a:extLst>
+              <a:ext uri="{FF2B5EF4-FFF2-40B4-BE49-F238E27FC236}">
+                <a16:creationId xmlns:a16="http://schemas.microsoft.com/office/drawing/2014/main" id="{A1954372-C7B3-AFDB-C461-3D5FF6E182A9}"/>
+              </a:ext>
+            </a:extLst>
+          </p:cNvPr>
+          <p:cNvSpPr txBox="1"/>
+          <p:nvPr/>
+        </p:nvSpPr>
+        <p:spPr>
+          <a:xfrm>
+            <a:off x="7014731" y="659339"/>
+            <a:ext cx="1514904" cy="369332"/>
+          </a:xfrm>
+          <a:prstGeom prst="rect">
+            <a:avLst/>
+          </a:prstGeom>
+          <a:noFill/>
+        </p:spPr>
+        <p:txBody>
+          <a:bodyPr wrap="square" rtlCol="0">
+            <a:spAutoFit/>
+          </a:bodyPr>
+          <a:lstStyle/>
+          <a:p>
+            <a:r>
+              <a:rPr kumimoji="1" lang="en-US" altLang="ja-JP" dirty="0" err="1"/>
+              <a:t>Xx</a:t>
+            </a:r>
+            <a:r>
+              <a:rPr kumimoji="1" lang="en-US" altLang="ja-JP" dirty="0"/>
+              <a:t> countries</a:t>
+            </a:r>
+            <a:endParaRPr kumimoji="1" lang="ja-JP" altLang="en-US" dirty="0"/>
+          </a:p>
+        </p:txBody>
+      </p:sp>
+      <p:grpSp>
+        <p:nvGrpSpPr>
+          <p:cNvPr id="13" name="グループ化 12">
+            <a:extLst>
+              <a:ext uri="{FF2B5EF4-FFF2-40B4-BE49-F238E27FC236}">
+                <a16:creationId xmlns:a16="http://schemas.microsoft.com/office/drawing/2014/main" id="{8D3B2E04-94B5-CC58-5988-18A42428E8EF}"/>
+              </a:ext>
+            </a:extLst>
+          </p:cNvPr>
+          <p:cNvGrpSpPr/>
+          <p:nvPr/>
+        </p:nvGrpSpPr>
+        <p:grpSpPr>
+          <a:xfrm>
+            <a:off x="1272672" y="2037017"/>
+            <a:ext cx="2327642" cy="369332"/>
+            <a:chOff x="4403213" y="1596932"/>
+            <a:chExt cx="2327642" cy="369332"/>
+          </a:xfrm>
+        </p:grpSpPr>
+        <p:sp>
+          <p:nvSpPr>
+            <p:cNvPr id="33" name="正方形/長方形 32">
+              <a:extLst>
+                <a:ext uri="{FF2B5EF4-FFF2-40B4-BE49-F238E27FC236}">
+                  <a16:creationId xmlns:a16="http://schemas.microsoft.com/office/drawing/2014/main" id="{5A4B7826-10E5-FBCC-C6AA-BCC00CBB08B3}"/>
+                </a:ext>
+              </a:extLst>
+            </p:cNvPr>
+            <p:cNvSpPr/>
+            <p:nvPr/>
+          </p:nvSpPr>
+          <p:spPr>
+            <a:xfrm>
+              <a:off x="4403213" y="1637251"/>
+              <a:ext cx="265831" cy="292359"/>
+            </a:xfrm>
+            <a:prstGeom prst="rect">
+              <a:avLst/>
+            </a:prstGeom>
+          </p:spPr>
+          <p:style>
+            <a:lnRef idx="2">
+              <a:schemeClr val="dk1"/>
+            </a:lnRef>
+            <a:fillRef idx="1">
+              <a:schemeClr val="lt1"/>
+            </a:fillRef>
+            <a:effectRef idx="0">
+              <a:schemeClr val="dk1"/>
+            </a:effectRef>
+            <a:fontRef idx="minor">
+              <a:schemeClr val="dk1"/>
+            </a:fontRef>
+          </p:style>
+          <p:txBody>
+            <a:bodyPr rtlCol="0" anchor="ctr"/>
+            <a:lstStyle/>
+            <a:p>
+              <a:pPr algn="ctr"/>
+              <a:endParaRPr kumimoji="1" lang="ja-JP" altLang="en-US" dirty="0"/>
+            </a:p>
+          </p:txBody>
+        </p:sp>
+        <p:sp>
+          <p:nvSpPr>
+            <p:cNvPr id="34" name="テキスト ボックス 33">
+              <a:extLst>
+                <a:ext uri="{FF2B5EF4-FFF2-40B4-BE49-F238E27FC236}">
+                  <a16:creationId xmlns:a16="http://schemas.microsoft.com/office/drawing/2014/main" id="{7AAC1C73-A589-78CB-5E55-12B7B337FA2F}"/>
+                </a:ext>
+              </a:extLst>
+            </p:cNvPr>
+            <p:cNvSpPr txBox="1"/>
+            <p:nvPr/>
+          </p:nvSpPr>
+          <p:spPr>
+            <a:xfrm>
+              <a:off x="4700847" y="1596932"/>
+              <a:ext cx="2030008" cy="369332"/>
+            </a:xfrm>
+            <a:prstGeom prst="rect">
+              <a:avLst/>
+            </a:prstGeom>
+            <a:noFill/>
+          </p:spPr>
+          <p:txBody>
+            <a:bodyPr wrap="square" rtlCol="0">
+              <a:spAutoFit/>
+            </a:bodyPr>
+            <a:lstStyle/>
+            <a:p>
+              <a:r>
+                <a:rPr lang="en-US" altLang="ja-JP" dirty="0"/>
+                <a:t>With cross </a:t>
+              </a:r>
+              <a:r>
+                <a:rPr lang="en-US" altLang="ja-JP" dirty="0" err="1"/>
+                <a:t>boder</a:t>
+              </a:r>
+              <a:endParaRPr kumimoji="1" lang="ja-JP" altLang="en-US" dirty="0"/>
+            </a:p>
+          </p:txBody>
+        </p:sp>
+      </p:grpSp>
+      <p:sp>
+        <p:nvSpPr>
+          <p:cNvPr id="41" name="動作設定ボタン: 戻る/前へ 40">
             <a:hlinkClick r:id="" action="ppaction://hlinkshowjump?jump=previousslide" highlightClick="1"/>
             <a:extLst>
               <a:ext uri="{FF2B5EF4-FFF2-40B4-BE49-F238E27FC236}">
-                <a16:creationId xmlns:a16="http://schemas.microsoft.com/office/drawing/2014/main" id="{FF94410B-1A72-85E7-44A0-36520294D0C1}"/>
+                <a16:creationId xmlns:a16="http://schemas.microsoft.com/office/drawing/2014/main" id="{F2E0E95E-E5CF-87A5-1FF6-081DBAD48297}"/>
               </a:ext>
             </a:extLst>
           </p:cNvPr>
@@ -5376,9 +5434,9 @@
           <p:nvPr/>
         </p:nvSpPr>
         <p:spPr>
-          <a:xfrm rot="10800000">
-            <a:off x="3814597" y="1584281"/>
-            <a:ext cx="365145" cy="204403"/>
+          <a:xfrm>
+            <a:off x="1272672" y="1556688"/>
+            <a:ext cx="365145" cy="332832"/>
           </a:xfrm>
           <a:prstGeom prst="actionButtonBackPrevious">
             <a:avLst/>
@@ -5409,11 +5467,11 @@
       </p:sp>
       <p:sp>
         <p:nvSpPr>
-          <p:cNvPr id="43" name="動作設定ボタン: 戻る/前へ 42">
+          <p:cNvPr id="42" name="動作設定ボタン: 戻る/前へ 41">
             <a:hlinkClick r:id="" action="ppaction://hlinkshowjump?jump=previousslide" highlightClick="1"/>
             <a:extLst>
               <a:ext uri="{FF2B5EF4-FFF2-40B4-BE49-F238E27FC236}">
-                <a16:creationId xmlns:a16="http://schemas.microsoft.com/office/drawing/2014/main" id="{7B5E4F05-FEC6-DD93-EDFB-17011D85D87B}"/>
+                <a16:creationId xmlns:a16="http://schemas.microsoft.com/office/drawing/2014/main" id="{FF94410B-1A72-85E7-44A0-36520294D0C1}"/>
               </a:ext>
             </a:extLst>
           </p:cNvPr>
@@ -5421,9 +5479,9 @@
           <p:nvPr/>
         </p:nvSpPr>
         <p:spPr>
-          <a:xfrm>
-            <a:off x="1326813" y="2696975"/>
-            <a:ext cx="365145" cy="852297"/>
+          <a:xfrm rot="10800000">
+            <a:off x="3014816" y="1559227"/>
+            <a:ext cx="365145" cy="362605"/>
           </a:xfrm>
           <a:prstGeom prst="actionButtonBackPrevious">
             <a:avLst/>
@@ -5454,11 +5512,11 @@
       </p:sp>
       <p:sp>
         <p:nvSpPr>
-          <p:cNvPr id="44" name="動作設定ボタン: 戻る/前へ 43">
+          <p:cNvPr id="43" name="動作設定ボタン: 戻る/前へ 42">
             <a:hlinkClick r:id="" action="ppaction://hlinkshowjump?jump=previousslide" highlightClick="1"/>
             <a:extLst>
               <a:ext uri="{FF2B5EF4-FFF2-40B4-BE49-F238E27FC236}">
-                <a16:creationId xmlns:a16="http://schemas.microsoft.com/office/drawing/2014/main" id="{6EC96E80-7337-6553-5DDF-07DC76EA58BB}"/>
+                <a16:creationId xmlns:a16="http://schemas.microsoft.com/office/drawing/2014/main" id="{7B5E4F05-FEC6-DD93-EDFB-17011D85D87B}"/>
               </a:ext>
             </a:extLst>
           </p:cNvPr>
@@ -5466,9 +5524,9 @@
           <p:nvPr/>
         </p:nvSpPr>
         <p:spPr>
-          <a:xfrm rot="10800000" flipV="1">
-            <a:off x="6332163" y="2700478"/>
-            <a:ext cx="365145" cy="728522"/>
+          <a:xfrm>
+            <a:off x="1264511" y="3335316"/>
+            <a:ext cx="365145" cy="852297"/>
           </a:xfrm>
           <a:prstGeom prst="actionButtonBackPrevious">
             <a:avLst/>
@@ -5499,6 +5557,51 @@
       </p:sp>
       <p:sp>
         <p:nvSpPr>
+          <p:cNvPr id="44" name="動作設定ボタン: 戻る/前へ 43">
+            <a:hlinkClick r:id="" action="ppaction://hlinkshowjump?jump=previousslide" highlightClick="1"/>
+            <a:extLst>
+              <a:ext uri="{FF2B5EF4-FFF2-40B4-BE49-F238E27FC236}">
+                <a16:creationId xmlns:a16="http://schemas.microsoft.com/office/drawing/2014/main" id="{6EC96E80-7337-6553-5DDF-07DC76EA58BB}"/>
+              </a:ext>
+            </a:extLst>
+          </p:cNvPr>
+          <p:cNvSpPr/>
+          <p:nvPr/>
+        </p:nvSpPr>
+        <p:spPr>
+          <a:xfrm rot="10800000" flipV="1">
+            <a:off x="6220127" y="3556391"/>
+            <a:ext cx="365145" cy="728522"/>
+          </a:xfrm>
+          <a:prstGeom prst="actionButtonBackPrevious">
+            <a:avLst/>
+          </a:prstGeom>
+        </p:spPr>
+        <p:style>
+          <a:lnRef idx="2">
+            <a:schemeClr val="dk1"/>
+          </a:lnRef>
+          <a:fillRef idx="1">
+            <a:schemeClr val="lt1"/>
+          </a:fillRef>
+          <a:effectRef idx="0">
+            <a:schemeClr val="dk1"/>
+          </a:effectRef>
+          <a:fontRef idx="minor">
+            <a:schemeClr val="dk1"/>
+          </a:fontRef>
+        </p:style>
+        <p:txBody>
+          <a:bodyPr rtlCol="0" anchor="ctr"/>
+          <a:lstStyle/>
+          <a:p>
+            <a:pPr algn="ctr"/>
+            <a:endParaRPr kumimoji="1" lang="ja-JP" altLang="en-US"/>
+          </a:p>
+        </p:txBody>
+      </p:sp>
+      <p:sp>
+        <p:nvSpPr>
           <p:cNvPr id="45" name="テキスト ボックス 44">
             <a:extLst>
               <a:ext uri="{FF2B5EF4-FFF2-40B4-BE49-F238E27FC236}">
@@ -5511,7 +5614,7 @@
         </p:nvSpPr>
         <p:spPr>
           <a:xfrm>
-            <a:off x="3676697" y="3982960"/>
+            <a:off x="3197388" y="4819675"/>
             <a:ext cx="1955137" cy="369332"/>
           </a:xfrm>
           <a:prstGeom prst="rect">
@@ -5547,6 +5650,36 @@
 </file>
 
 <file path=ppt/slides/slide3.xml><?xml version="1.0" encoding="utf-8"?>
+<p:sld xmlns:a="http://schemas.openxmlformats.org/drawingml/2006/main" xmlns:r="http://schemas.openxmlformats.org/officeDocument/2006/relationships" xmlns:p="http://schemas.openxmlformats.org/presentationml/2006/main">
+  <p:cSld>
+    <p:spTree>
+      <p:nvGrpSpPr>
+        <p:cNvPr id="1" name=""/>
+        <p:cNvGrpSpPr/>
+        <p:nvPr/>
+      </p:nvGrpSpPr>
+      <p:grpSpPr>
+        <a:xfrm>
+          <a:off x="0" y="0"/>
+          <a:ext cx="0" cy="0"/>
+          <a:chOff x="0" y="0"/>
+          <a:chExt cx="0" cy="0"/>
+        </a:xfrm>
+      </p:grpSpPr>
+    </p:spTree>
+    <p:extLst>
+      <p:ext uri="{BB962C8B-B14F-4D97-AF65-F5344CB8AC3E}">
+        <p14:creationId xmlns:p14="http://schemas.microsoft.com/office/powerpoint/2010/main" val="2389837086"/>
+      </p:ext>
+    </p:extLst>
+  </p:cSld>
+  <p:clrMapOvr>
+    <a:masterClrMapping/>
+  </p:clrMapOvr>
+</p:sld>
+</file>
+
+<file path=ppt/slides/slide4.xml><?xml version="1.0" encoding="utf-8"?>
 <p:sld xmlns:a="http://schemas.openxmlformats.org/drawingml/2006/main" xmlns:r="http://schemas.openxmlformats.org/officeDocument/2006/relationships" xmlns:p="http://schemas.openxmlformats.org/presentationml/2006/main">
   <p:cSld>
     <p:spTree>
@@ -7656,7 +7789,7 @@
 </p:sld>
 </file>
 
-<file path=ppt/slides/slide4.xml><?xml version="1.0" encoding="utf-8"?>
+<file path=ppt/slides/slide5.xml><?xml version="1.0" encoding="utf-8"?>
 <p:sld xmlns:a="http://schemas.openxmlformats.org/drawingml/2006/main" xmlns:r="http://schemas.openxmlformats.org/officeDocument/2006/relationships" xmlns:p="http://schemas.openxmlformats.org/presentationml/2006/main">
   <p:cSld>
     <p:spTree>
@@ -9777,7 +9910,7 @@
 </p:sld>
 </file>
 
-<file path=ppt/slides/slide5.xml><?xml version="1.0" encoding="utf-8"?>
+<file path=ppt/slides/slide6.xml><?xml version="1.0" encoding="utf-8"?>
 <p:sld xmlns:a="http://schemas.openxmlformats.org/drawingml/2006/main" xmlns:r="http://schemas.openxmlformats.org/officeDocument/2006/relationships" xmlns:p="http://schemas.openxmlformats.org/presentationml/2006/main">
   <p:cSld>
     <p:spTree>
@@ -12272,7 +12405,7 @@
 </p:sld>
 </file>
 
-<file path=ppt/slides/slide6.xml><?xml version="1.0" encoding="utf-8"?>
+<file path=ppt/slides/slide7.xml><?xml version="1.0" encoding="utf-8"?>
 <p:sld xmlns:a="http://schemas.openxmlformats.org/drawingml/2006/main" xmlns:r="http://schemas.openxmlformats.org/officeDocument/2006/relationships" xmlns:p="http://schemas.openxmlformats.org/presentationml/2006/main">
   <p:cSld>
     <p:spTree>
@@ -14338,7 +14471,7 @@
 </p:sld>
 </file>
 
-<file path=ppt/slides/slide7.xml><?xml version="1.0" encoding="utf-8"?>
+<file path=ppt/slides/slide8.xml><?xml version="1.0" encoding="utf-8"?>
 <p:sld xmlns:a="http://schemas.openxmlformats.org/drawingml/2006/main" xmlns:r="http://schemas.openxmlformats.org/officeDocument/2006/relationships" xmlns:p="http://schemas.openxmlformats.org/presentationml/2006/main">
   <p:cSld>
     <p:spTree>
@@ -16482,90 +16615,6 @@
 </p:sld>
 </file>
 
-<file path=ppt/slides/slide8.xml><?xml version="1.0" encoding="utf-8"?>
-<p:sld xmlns:a="http://schemas.openxmlformats.org/drawingml/2006/main" xmlns:r="http://schemas.openxmlformats.org/officeDocument/2006/relationships" xmlns:p="http://schemas.openxmlformats.org/presentationml/2006/main">
-  <p:cSld>
-    <p:spTree>
-      <p:nvGrpSpPr>
-        <p:cNvPr id="1" name=""/>
-        <p:cNvGrpSpPr/>
-        <p:nvPr/>
-      </p:nvGrpSpPr>
-      <p:grpSpPr>
-        <a:xfrm>
-          <a:off x="0" y="0"/>
-          <a:ext cx="0" cy="0"/>
-          <a:chOff x="0" y="0"/>
-          <a:chExt cx="0" cy="0"/>
-        </a:xfrm>
-      </p:grpSpPr>
-      <p:sp>
-        <p:nvSpPr>
-          <p:cNvPr id="2" name="タイトル 1">
-            <a:extLst>
-              <a:ext uri="{FF2B5EF4-FFF2-40B4-BE49-F238E27FC236}">
-                <a16:creationId xmlns:a16="http://schemas.microsoft.com/office/drawing/2014/main" id="{494D604C-50A4-1D2B-F01C-C2EFE5AFACFF}"/>
-              </a:ext>
-            </a:extLst>
-          </p:cNvPr>
-          <p:cNvSpPr>
-            <a:spLocks noGrp="1"/>
-          </p:cNvSpPr>
-          <p:nvPr>
-            <p:ph type="title"/>
-          </p:nvPr>
-        </p:nvSpPr>
-        <p:spPr/>
-        <p:txBody>
-          <a:bodyPr/>
-          <a:lstStyle/>
-          <a:p>
-            <a:r>
-              <a:rPr kumimoji="1" lang="en-US" altLang="ja-JP" dirty="0" err="1"/>
-              <a:t>apendix</a:t>
-            </a:r>
-            <a:endParaRPr kumimoji="1" lang="ja-JP" altLang="en-US" dirty="0"/>
-          </a:p>
-        </p:txBody>
-      </p:sp>
-      <p:sp>
-        <p:nvSpPr>
-          <p:cNvPr id="3" name="テキスト プレースホルダー 2">
-            <a:extLst>
-              <a:ext uri="{FF2B5EF4-FFF2-40B4-BE49-F238E27FC236}">
-                <a16:creationId xmlns:a16="http://schemas.microsoft.com/office/drawing/2014/main" id="{6338C58D-8DB4-C6DD-9905-74CBD161ECC9}"/>
-              </a:ext>
-            </a:extLst>
-          </p:cNvPr>
-          <p:cNvSpPr>
-            <a:spLocks noGrp="1"/>
-          </p:cNvSpPr>
-          <p:nvPr>
-            <p:ph type="body" idx="1"/>
-          </p:nvPr>
-        </p:nvSpPr>
-        <p:spPr/>
-        <p:txBody>
-          <a:bodyPr/>
-          <a:lstStyle/>
-          <a:p>
-            <a:endParaRPr kumimoji="1" lang="ja-JP" altLang="en-US"/>
-          </a:p>
-        </p:txBody>
-      </p:sp>
-    </p:spTree>
-    <p:extLst>
-      <p:ext uri="{BB962C8B-B14F-4D97-AF65-F5344CB8AC3E}">
-        <p14:creationId xmlns:p14="http://schemas.microsoft.com/office/powerpoint/2010/main" val="4117684095"/>
-      </p:ext>
-    </p:extLst>
-  </p:cSld>
-  <p:clrMapOvr>
-    <a:masterClrMapping/>
-  </p:clrMapOvr>
-</p:sld>
-</file>
-
 <file path=ppt/slides/slide9.xml><?xml version="1.0" encoding="utf-8"?>
 <p:sld xmlns:a="http://schemas.openxmlformats.org/drawingml/2006/main" xmlns:r="http://schemas.openxmlformats.org/officeDocument/2006/relationships" xmlns:p="http://schemas.openxmlformats.org/presentationml/2006/main">
   <p:cSld>
@@ -16583,40 +16632,64 @@
           <a:chExt cx="0" cy="0"/>
         </a:xfrm>
       </p:grpSpPr>
-      <p:pic>
-        <p:nvPicPr>
-          <p:cNvPr id="3" name="図 2">
-            <a:extLst>
-              <a:ext uri="{FF2B5EF4-FFF2-40B4-BE49-F238E27FC236}">
-                <a16:creationId xmlns:a16="http://schemas.microsoft.com/office/drawing/2014/main" id="{F5498A17-9BD6-367B-B018-92B11178682E}"/>
-              </a:ext>
-            </a:extLst>
-          </p:cNvPr>
-          <p:cNvPicPr>
-            <a:picLocks noChangeAspect="1"/>
-          </p:cNvPicPr>
-          <p:nvPr/>
-        </p:nvPicPr>
-        <p:blipFill>
-          <a:blip r:embed="rId2"/>
-          <a:stretch>
-            <a:fillRect/>
-          </a:stretch>
-        </p:blipFill>
-        <p:spPr>
-          <a:xfrm>
-            <a:off x="648162" y="409528"/>
-            <a:ext cx="7486650" cy="5648325"/>
-          </a:xfrm>
-          <a:prstGeom prst="rect">
-            <a:avLst/>
-          </a:prstGeom>
-        </p:spPr>
-      </p:pic>
+      <p:sp>
+        <p:nvSpPr>
+          <p:cNvPr id="2" name="タイトル 1">
+            <a:extLst>
+              <a:ext uri="{FF2B5EF4-FFF2-40B4-BE49-F238E27FC236}">
+                <a16:creationId xmlns:a16="http://schemas.microsoft.com/office/drawing/2014/main" id="{494D604C-50A4-1D2B-F01C-C2EFE5AFACFF}"/>
+              </a:ext>
+            </a:extLst>
+          </p:cNvPr>
+          <p:cNvSpPr>
+            <a:spLocks noGrp="1"/>
+          </p:cNvSpPr>
+          <p:nvPr>
+            <p:ph type="title"/>
+          </p:nvPr>
+        </p:nvSpPr>
+        <p:spPr/>
+        <p:txBody>
+          <a:bodyPr/>
+          <a:lstStyle/>
+          <a:p>
+            <a:r>
+              <a:rPr kumimoji="1" lang="en-US" altLang="ja-JP" dirty="0" err="1"/>
+              <a:t>apendix</a:t>
+            </a:r>
+            <a:endParaRPr kumimoji="1" lang="ja-JP" altLang="en-US" dirty="0"/>
+          </a:p>
+        </p:txBody>
+      </p:sp>
+      <p:sp>
+        <p:nvSpPr>
+          <p:cNvPr id="3" name="テキスト プレースホルダー 2">
+            <a:extLst>
+              <a:ext uri="{FF2B5EF4-FFF2-40B4-BE49-F238E27FC236}">
+                <a16:creationId xmlns:a16="http://schemas.microsoft.com/office/drawing/2014/main" id="{6338C58D-8DB4-C6DD-9905-74CBD161ECC9}"/>
+              </a:ext>
+            </a:extLst>
+          </p:cNvPr>
+          <p:cNvSpPr>
+            <a:spLocks noGrp="1"/>
+          </p:cNvSpPr>
+          <p:nvPr>
+            <p:ph type="body" idx="1"/>
+          </p:nvPr>
+        </p:nvSpPr>
+        <p:spPr/>
+        <p:txBody>
+          <a:bodyPr/>
+          <a:lstStyle/>
+          <a:p>
+            <a:endParaRPr kumimoji="1" lang="ja-JP" altLang="en-US"/>
+          </a:p>
+        </p:txBody>
+      </p:sp>
     </p:spTree>
     <p:extLst>
       <p:ext uri="{BB962C8B-B14F-4D97-AF65-F5344CB8AC3E}">
-        <p14:creationId xmlns:p14="http://schemas.microsoft.com/office/powerpoint/2010/main" val="168639449"/>
+        <p14:creationId xmlns:p14="http://schemas.microsoft.com/office/powerpoint/2010/main" val="4117684095"/>
       </p:ext>
     </p:extLst>
   </p:cSld>

--- a/models/UI.pptx
+++ b/models/UI.pptx
@@ -6,18 +6,19 @@
   </p:sldMasterIdLst>
   <p:sldIdLst>
     <p:sldId id="256" r:id="rId2"/>
-    <p:sldId id="262" r:id="rId3"/>
+    <p:sldId id="269" r:id="rId3"/>
     <p:sldId id="268" r:id="rId4"/>
-    <p:sldId id="257" r:id="rId5"/>
-    <p:sldId id="260" r:id="rId6"/>
-    <p:sldId id="258" r:id="rId7"/>
-    <p:sldId id="259" r:id="rId8"/>
-    <p:sldId id="261" r:id="rId9"/>
-    <p:sldId id="267" r:id="rId10"/>
-    <p:sldId id="263" r:id="rId11"/>
-    <p:sldId id="264" r:id="rId12"/>
-    <p:sldId id="265" r:id="rId13"/>
-    <p:sldId id="266" r:id="rId14"/>
+    <p:sldId id="262" r:id="rId5"/>
+    <p:sldId id="257" r:id="rId6"/>
+    <p:sldId id="260" r:id="rId7"/>
+    <p:sldId id="258" r:id="rId8"/>
+    <p:sldId id="259" r:id="rId9"/>
+    <p:sldId id="261" r:id="rId10"/>
+    <p:sldId id="267" r:id="rId11"/>
+    <p:sldId id="263" r:id="rId12"/>
+    <p:sldId id="264" r:id="rId13"/>
+    <p:sldId id="265" r:id="rId14"/>
+    <p:sldId id="266" r:id="rId15"/>
   </p:sldIdLst>
   <p:sldSz cx="12192000" cy="6858000"/>
   <p:notesSz cx="6858000" cy="9144000"/>
@@ -271,7 +272,7 @@
           <a:p>
             <a:fld id="{C0D971C9-DB7B-45E2-859A-01875D4D6A0E}" type="datetimeFigureOut">
               <a:rPr kumimoji="1" lang="ja-JP" altLang="en-US" smtClean="0"/>
-              <a:t>2024/12/18</a:t>
+              <a:t>2024/12/19</a:t>
             </a:fld>
             <a:endParaRPr kumimoji="1" lang="ja-JP" altLang="en-US"/>
           </a:p>
@@ -501,7 +502,7 @@
           <a:p>
             <a:fld id="{C0D971C9-DB7B-45E2-859A-01875D4D6A0E}" type="datetimeFigureOut">
               <a:rPr kumimoji="1" lang="ja-JP" altLang="en-US" smtClean="0"/>
-              <a:t>2024/12/18</a:t>
+              <a:t>2024/12/19</a:t>
             </a:fld>
             <a:endParaRPr kumimoji="1" lang="ja-JP" altLang="en-US"/>
           </a:p>
@@ -741,7 +742,7 @@
           <a:p>
             <a:fld id="{C0D971C9-DB7B-45E2-859A-01875D4D6A0E}" type="datetimeFigureOut">
               <a:rPr kumimoji="1" lang="ja-JP" altLang="en-US" smtClean="0"/>
-              <a:t>2024/12/18</a:t>
+              <a:t>2024/12/19</a:t>
             </a:fld>
             <a:endParaRPr kumimoji="1" lang="ja-JP" altLang="en-US"/>
           </a:p>
@@ -971,7 +972,7 @@
           <a:p>
             <a:fld id="{C0D971C9-DB7B-45E2-859A-01875D4D6A0E}" type="datetimeFigureOut">
               <a:rPr kumimoji="1" lang="ja-JP" altLang="en-US" smtClean="0"/>
-              <a:t>2024/12/18</a:t>
+              <a:t>2024/12/19</a:t>
             </a:fld>
             <a:endParaRPr kumimoji="1" lang="ja-JP" altLang="en-US"/>
           </a:p>
@@ -1246,7 +1247,7 @@
           <a:p>
             <a:fld id="{C0D971C9-DB7B-45E2-859A-01875D4D6A0E}" type="datetimeFigureOut">
               <a:rPr kumimoji="1" lang="ja-JP" altLang="en-US" smtClean="0"/>
-              <a:t>2024/12/18</a:t>
+              <a:t>2024/12/19</a:t>
             </a:fld>
             <a:endParaRPr kumimoji="1" lang="ja-JP" altLang="en-US"/>
           </a:p>
@@ -1575,7 +1576,7 @@
           <a:p>
             <a:fld id="{C0D971C9-DB7B-45E2-859A-01875D4D6A0E}" type="datetimeFigureOut">
               <a:rPr kumimoji="1" lang="ja-JP" altLang="en-US" smtClean="0"/>
-              <a:t>2024/12/18</a:t>
+              <a:t>2024/12/19</a:t>
             </a:fld>
             <a:endParaRPr kumimoji="1" lang="ja-JP" altLang="en-US"/>
           </a:p>
@@ -2051,7 +2052,7 @@
           <a:p>
             <a:fld id="{C0D971C9-DB7B-45E2-859A-01875D4D6A0E}" type="datetimeFigureOut">
               <a:rPr kumimoji="1" lang="ja-JP" altLang="en-US" smtClean="0"/>
-              <a:t>2024/12/18</a:t>
+              <a:t>2024/12/19</a:t>
             </a:fld>
             <a:endParaRPr kumimoji="1" lang="ja-JP" altLang="en-US"/>
           </a:p>
@@ -2192,7 +2193,7 @@
           <a:p>
             <a:fld id="{C0D971C9-DB7B-45E2-859A-01875D4D6A0E}" type="datetimeFigureOut">
               <a:rPr kumimoji="1" lang="ja-JP" altLang="en-US" smtClean="0"/>
-              <a:t>2024/12/18</a:t>
+              <a:t>2024/12/19</a:t>
             </a:fld>
             <a:endParaRPr kumimoji="1" lang="ja-JP" altLang="en-US"/>
           </a:p>
@@ -2305,7 +2306,7 @@
           <a:p>
             <a:fld id="{C0D971C9-DB7B-45E2-859A-01875D4D6A0E}" type="datetimeFigureOut">
               <a:rPr kumimoji="1" lang="ja-JP" altLang="en-US" smtClean="0"/>
-              <a:t>2024/12/18</a:t>
+              <a:t>2024/12/19</a:t>
             </a:fld>
             <a:endParaRPr kumimoji="1" lang="ja-JP" altLang="en-US"/>
           </a:p>
@@ -2648,7 +2649,7 @@
           <a:p>
             <a:fld id="{C0D971C9-DB7B-45E2-859A-01875D4D6A0E}" type="datetimeFigureOut">
               <a:rPr kumimoji="1" lang="ja-JP" altLang="en-US" smtClean="0"/>
-              <a:t>2024/12/18</a:t>
+              <a:t>2024/12/19</a:t>
             </a:fld>
             <a:endParaRPr kumimoji="1" lang="ja-JP" altLang="en-US"/>
           </a:p>
@@ -2936,7 +2937,7 @@
           <a:p>
             <a:fld id="{C0D971C9-DB7B-45E2-859A-01875D4D6A0E}" type="datetimeFigureOut">
               <a:rPr kumimoji="1" lang="ja-JP" altLang="en-US" smtClean="0"/>
-              <a:t>2024/12/18</a:t>
+              <a:t>2024/12/19</a:t>
             </a:fld>
             <a:endParaRPr kumimoji="1" lang="ja-JP" altLang="en-US"/>
           </a:p>
@@ -3209,7 +3210,7 @@
           <a:p>
             <a:fld id="{C0D971C9-DB7B-45E2-859A-01875D4D6A0E}" type="datetimeFigureOut">
               <a:rPr kumimoji="1" lang="ja-JP" altLang="en-US" smtClean="0"/>
-              <a:t>2024/12/18</a:t>
+              <a:t>2024/12/19</a:t>
             </a:fld>
             <a:endParaRPr kumimoji="1" lang="ja-JP" altLang="en-US"/>
           </a:p>
@@ -3713,40 +3714,64 @@
           <a:chExt cx="0" cy="0"/>
         </a:xfrm>
       </p:grpSpPr>
-      <p:pic>
-        <p:nvPicPr>
-          <p:cNvPr id="3" name="図 2">
-            <a:extLst>
-              <a:ext uri="{FF2B5EF4-FFF2-40B4-BE49-F238E27FC236}">
-                <a16:creationId xmlns:a16="http://schemas.microsoft.com/office/drawing/2014/main" id="{F5498A17-9BD6-367B-B018-92B11178682E}"/>
-              </a:ext>
-            </a:extLst>
-          </p:cNvPr>
-          <p:cNvPicPr>
-            <a:picLocks noChangeAspect="1"/>
-          </p:cNvPicPr>
-          <p:nvPr/>
-        </p:nvPicPr>
-        <p:blipFill>
-          <a:blip r:embed="rId2"/>
-          <a:stretch>
-            <a:fillRect/>
-          </a:stretch>
-        </p:blipFill>
-        <p:spPr>
-          <a:xfrm>
-            <a:off x="648162" y="409528"/>
-            <a:ext cx="7486650" cy="5648325"/>
-          </a:xfrm>
-          <a:prstGeom prst="rect">
-            <a:avLst/>
-          </a:prstGeom>
-        </p:spPr>
-      </p:pic>
+      <p:sp>
+        <p:nvSpPr>
+          <p:cNvPr id="2" name="タイトル 1">
+            <a:extLst>
+              <a:ext uri="{FF2B5EF4-FFF2-40B4-BE49-F238E27FC236}">
+                <a16:creationId xmlns:a16="http://schemas.microsoft.com/office/drawing/2014/main" id="{494D604C-50A4-1D2B-F01C-C2EFE5AFACFF}"/>
+              </a:ext>
+            </a:extLst>
+          </p:cNvPr>
+          <p:cNvSpPr>
+            <a:spLocks noGrp="1"/>
+          </p:cNvSpPr>
+          <p:nvPr>
+            <p:ph type="title"/>
+          </p:nvPr>
+        </p:nvSpPr>
+        <p:spPr/>
+        <p:txBody>
+          <a:bodyPr/>
+          <a:lstStyle/>
+          <a:p>
+            <a:r>
+              <a:rPr kumimoji="1" lang="en-US" altLang="ja-JP" dirty="0" err="1"/>
+              <a:t>apendix</a:t>
+            </a:r>
+            <a:endParaRPr kumimoji="1" lang="ja-JP" altLang="en-US" dirty="0"/>
+          </a:p>
+        </p:txBody>
+      </p:sp>
+      <p:sp>
+        <p:nvSpPr>
+          <p:cNvPr id="3" name="テキスト プレースホルダー 2">
+            <a:extLst>
+              <a:ext uri="{FF2B5EF4-FFF2-40B4-BE49-F238E27FC236}">
+                <a16:creationId xmlns:a16="http://schemas.microsoft.com/office/drawing/2014/main" id="{6338C58D-8DB4-C6DD-9905-74CBD161ECC9}"/>
+              </a:ext>
+            </a:extLst>
+          </p:cNvPr>
+          <p:cNvSpPr>
+            <a:spLocks noGrp="1"/>
+          </p:cNvSpPr>
+          <p:nvPr>
+            <p:ph type="body" idx="1"/>
+          </p:nvPr>
+        </p:nvSpPr>
+        <p:spPr/>
+        <p:txBody>
+          <a:bodyPr/>
+          <a:lstStyle/>
+          <a:p>
+            <a:endParaRPr kumimoji="1" lang="ja-JP" altLang="en-US"/>
+          </a:p>
+        </p:txBody>
+      </p:sp>
     </p:spTree>
     <p:extLst>
       <p:ext uri="{BB962C8B-B14F-4D97-AF65-F5344CB8AC3E}">
-        <p14:creationId xmlns:p14="http://schemas.microsoft.com/office/powerpoint/2010/main" val="168639449"/>
+        <p14:creationId xmlns:p14="http://schemas.microsoft.com/office/powerpoint/2010/main" val="4117684095"/>
       </p:ext>
     </p:extLst>
   </p:cSld>
@@ -3778,7 +3803,7 @@
           <p:cNvPr id="3" name="図 2">
             <a:extLst>
               <a:ext uri="{FF2B5EF4-FFF2-40B4-BE49-F238E27FC236}">
-                <a16:creationId xmlns:a16="http://schemas.microsoft.com/office/drawing/2014/main" id="{7289B06E-7202-CF40-AB3B-4729880B5E01}"/>
+                <a16:creationId xmlns:a16="http://schemas.microsoft.com/office/drawing/2014/main" id="{F5498A17-9BD6-367B-B018-92B11178682E}"/>
               </a:ext>
             </a:extLst>
           </p:cNvPr>
@@ -3795,7 +3820,7 @@
         </p:blipFill>
         <p:spPr>
           <a:xfrm>
-            <a:off x="2352675" y="604837"/>
+            <a:off x="648162" y="409528"/>
             <a:ext cx="7486650" cy="5648325"/>
           </a:xfrm>
           <a:prstGeom prst="rect">
@@ -3806,7 +3831,7 @@
     </p:spTree>
     <p:extLst>
       <p:ext uri="{BB962C8B-B14F-4D97-AF65-F5344CB8AC3E}">
-        <p14:creationId xmlns:p14="http://schemas.microsoft.com/office/powerpoint/2010/main" val="772665974"/>
+        <p14:creationId xmlns:p14="http://schemas.microsoft.com/office/powerpoint/2010/main" val="168639449"/>
       </p:ext>
     </p:extLst>
   </p:cSld>
@@ -3838,7 +3863,7 @@
           <p:cNvPr id="3" name="図 2">
             <a:extLst>
               <a:ext uri="{FF2B5EF4-FFF2-40B4-BE49-F238E27FC236}">
-                <a16:creationId xmlns:a16="http://schemas.microsoft.com/office/drawing/2014/main" id="{2BE5274E-8C1B-5D48-AF15-A14493583170}"/>
+                <a16:creationId xmlns:a16="http://schemas.microsoft.com/office/drawing/2014/main" id="{7289B06E-7202-CF40-AB3B-4729880B5E01}"/>
               </a:ext>
             </a:extLst>
           </p:cNvPr>
@@ -3866,7 +3891,7 @@
     </p:spTree>
     <p:extLst>
       <p:ext uri="{BB962C8B-B14F-4D97-AF65-F5344CB8AC3E}">
-        <p14:creationId xmlns:p14="http://schemas.microsoft.com/office/powerpoint/2010/main" val="68268348"/>
+        <p14:creationId xmlns:p14="http://schemas.microsoft.com/office/powerpoint/2010/main" val="772665974"/>
       </p:ext>
     </p:extLst>
   </p:cSld>
@@ -3898,6 +3923,66 @@
           <p:cNvPr id="3" name="図 2">
             <a:extLst>
               <a:ext uri="{FF2B5EF4-FFF2-40B4-BE49-F238E27FC236}">
+                <a16:creationId xmlns:a16="http://schemas.microsoft.com/office/drawing/2014/main" id="{2BE5274E-8C1B-5D48-AF15-A14493583170}"/>
+              </a:ext>
+            </a:extLst>
+          </p:cNvPr>
+          <p:cNvPicPr>
+            <a:picLocks noChangeAspect="1"/>
+          </p:cNvPicPr>
+          <p:nvPr/>
+        </p:nvPicPr>
+        <p:blipFill>
+          <a:blip r:embed="rId2"/>
+          <a:stretch>
+            <a:fillRect/>
+          </a:stretch>
+        </p:blipFill>
+        <p:spPr>
+          <a:xfrm>
+            <a:off x="2352675" y="604837"/>
+            <a:ext cx="7486650" cy="5648325"/>
+          </a:xfrm>
+          <a:prstGeom prst="rect">
+            <a:avLst/>
+          </a:prstGeom>
+        </p:spPr>
+      </p:pic>
+    </p:spTree>
+    <p:extLst>
+      <p:ext uri="{BB962C8B-B14F-4D97-AF65-F5344CB8AC3E}">
+        <p14:creationId xmlns:p14="http://schemas.microsoft.com/office/powerpoint/2010/main" val="68268348"/>
+      </p:ext>
+    </p:extLst>
+  </p:cSld>
+  <p:clrMapOvr>
+    <a:masterClrMapping/>
+  </p:clrMapOvr>
+</p:sld>
+</file>
+
+<file path=ppt/slides/slide14.xml><?xml version="1.0" encoding="utf-8"?>
+<p:sld xmlns:a="http://schemas.openxmlformats.org/drawingml/2006/main" xmlns:r="http://schemas.openxmlformats.org/officeDocument/2006/relationships" xmlns:p="http://schemas.openxmlformats.org/presentationml/2006/main">
+  <p:cSld>
+    <p:spTree>
+      <p:nvGrpSpPr>
+        <p:cNvPr id="1" name=""/>
+        <p:cNvGrpSpPr/>
+        <p:nvPr/>
+      </p:nvGrpSpPr>
+      <p:grpSpPr>
+        <a:xfrm>
+          <a:off x="0" y="0"/>
+          <a:ext cx="0" cy="0"/>
+          <a:chOff x="0" y="0"/>
+          <a:chExt cx="0" cy="0"/>
+        </a:xfrm>
+      </p:grpSpPr>
+      <p:pic>
+        <p:nvPicPr>
+          <p:cNvPr id="3" name="図 2">
+            <a:extLst>
+              <a:ext uri="{FF2B5EF4-FFF2-40B4-BE49-F238E27FC236}">
                 <a16:creationId xmlns:a16="http://schemas.microsoft.com/office/drawing/2014/main" id="{6839F656-629F-490D-57B0-B61082DB3F06}"/>
               </a:ext>
             </a:extLst>
@@ -3937,6 +4022,1961 @@
 </file>
 
 <file path=ppt/slides/slide2.xml><?xml version="1.0" encoding="utf-8"?>
+<p:sld xmlns:a="http://schemas.openxmlformats.org/drawingml/2006/main" xmlns:r="http://schemas.openxmlformats.org/officeDocument/2006/relationships" xmlns:p="http://schemas.openxmlformats.org/presentationml/2006/main">
+  <p:cSld>
+    <p:spTree>
+      <p:nvGrpSpPr>
+        <p:cNvPr id="1" name=""/>
+        <p:cNvGrpSpPr/>
+        <p:nvPr/>
+      </p:nvGrpSpPr>
+      <p:grpSpPr>
+        <a:xfrm>
+          <a:off x="0" y="0"/>
+          <a:ext cx="0" cy="0"/>
+          <a:chOff x="0" y="0"/>
+          <a:chExt cx="0" cy="0"/>
+        </a:xfrm>
+      </p:grpSpPr>
+      <p:sp>
+        <p:nvSpPr>
+          <p:cNvPr id="2" name="正方形/長方形 1">
+            <a:extLst>
+              <a:ext uri="{FF2B5EF4-FFF2-40B4-BE49-F238E27FC236}">
+                <a16:creationId xmlns:a16="http://schemas.microsoft.com/office/drawing/2014/main" id="{F5676D8A-F3AF-F800-7B9B-8FB40190B08B}"/>
+              </a:ext>
+            </a:extLst>
+          </p:cNvPr>
+          <p:cNvSpPr/>
+          <p:nvPr/>
+        </p:nvSpPr>
+        <p:spPr>
+          <a:xfrm>
+            <a:off x="7268514" y="476888"/>
+            <a:ext cx="265831" cy="292359"/>
+          </a:xfrm>
+          <a:prstGeom prst="rect">
+            <a:avLst/>
+          </a:prstGeom>
+        </p:spPr>
+        <p:style>
+          <a:lnRef idx="2">
+            <a:schemeClr val="dk1"/>
+          </a:lnRef>
+          <a:fillRef idx="1">
+            <a:schemeClr val="lt1"/>
+          </a:fillRef>
+          <a:effectRef idx="0">
+            <a:schemeClr val="dk1"/>
+          </a:effectRef>
+          <a:fontRef idx="minor">
+            <a:schemeClr val="dk1"/>
+          </a:fontRef>
+        </p:style>
+        <p:txBody>
+          <a:bodyPr rtlCol="0" anchor="ctr"/>
+          <a:lstStyle/>
+          <a:p>
+            <a:pPr algn="ctr"/>
+            <a:r>
+              <a:rPr kumimoji="1" lang="ja-JP" altLang="en-US" dirty="0"/>
+              <a:t>✔</a:t>
+            </a:r>
+          </a:p>
+        </p:txBody>
+      </p:sp>
+      <p:sp>
+        <p:nvSpPr>
+          <p:cNvPr id="3" name="テキスト ボックス 2">
+            <a:extLst>
+              <a:ext uri="{FF2B5EF4-FFF2-40B4-BE49-F238E27FC236}">
+                <a16:creationId xmlns:a16="http://schemas.microsoft.com/office/drawing/2014/main" id="{D8055DA0-8703-AD5A-FCE7-73310C40389E}"/>
+              </a:ext>
+            </a:extLst>
+          </p:cNvPr>
+          <p:cNvSpPr txBox="1"/>
+          <p:nvPr/>
+        </p:nvSpPr>
+        <p:spPr>
+          <a:xfrm>
+            <a:off x="7456868" y="453471"/>
+            <a:ext cx="1163540" cy="369332"/>
+          </a:xfrm>
+          <a:prstGeom prst="rect">
+            <a:avLst/>
+          </a:prstGeom>
+          <a:noFill/>
+        </p:spPr>
+        <p:txBody>
+          <a:bodyPr wrap="square" rtlCol="0">
+            <a:spAutoFit/>
+          </a:bodyPr>
+          <a:lstStyle/>
+          <a:p>
+            <a:r>
+              <a:rPr kumimoji="1" lang="en-US" altLang="ja-JP" dirty="0"/>
+              <a:t>world</a:t>
+            </a:r>
+            <a:endParaRPr kumimoji="1" lang="ja-JP" altLang="en-US" dirty="0"/>
+          </a:p>
+        </p:txBody>
+      </p:sp>
+      <p:sp>
+        <p:nvSpPr>
+          <p:cNvPr id="4" name="正方形/長方形 3">
+            <a:extLst>
+              <a:ext uri="{FF2B5EF4-FFF2-40B4-BE49-F238E27FC236}">
+                <a16:creationId xmlns:a16="http://schemas.microsoft.com/office/drawing/2014/main" id="{9A4A4FCC-18E6-BCC6-495C-71CB54B71B23}"/>
+              </a:ext>
+            </a:extLst>
+          </p:cNvPr>
+          <p:cNvSpPr/>
+          <p:nvPr/>
+        </p:nvSpPr>
+        <p:spPr>
+          <a:xfrm>
+            <a:off x="8255472" y="473391"/>
+            <a:ext cx="265831" cy="292359"/>
+          </a:xfrm>
+          <a:prstGeom prst="rect">
+            <a:avLst/>
+          </a:prstGeom>
+        </p:spPr>
+        <p:style>
+          <a:lnRef idx="2">
+            <a:schemeClr val="dk1"/>
+          </a:lnRef>
+          <a:fillRef idx="1">
+            <a:schemeClr val="lt1"/>
+          </a:fillRef>
+          <a:effectRef idx="0">
+            <a:schemeClr val="dk1"/>
+          </a:effectRef>
+          <a:fontRef idx="minor">
+            <a:schemeClr val="dk1"/>
+          </a:fontRef>
+        </p:style>
+        <p:txBody>
+          <a:bodyPr rtlCol="0" anchor="ctr"/>
+          <a:lstStyle/>
+          <a:p>
+            <a:pPr algn="ctr"/>
+            <a:endParaRPr kumimoji="1" lang="ja-JP" altLang="en-US" dirty="0"/>
+          </a:p>
+        </p:txBody>
+      </p:sp>
+      <p:sp>
+        <p:nvSpPr>
+          <p:cNvPr id="5" name="テキスト ボックス 4">
+            <a:extLst>
+              <a:ext uri="{FF2B5EF4-FFF2-40B4-BE49-F238E27FC236}">
+                <a16:creationId xmlns:a16="http://schemas.microsoft.com/office/drawing/2014/main" id="{05B4465A-3DB6-3069-667F-BA09B60E75B2}"/>
+              </a:ext>
+            </a:extLst>
+          </p:cNvPr>
+          <p:cNvSpPr txBox="1"/>
+          <p:nvPr/>
+        </p:nvSpPr>
+        <p:spPr>
+          <a:xfrm>
+            <a:off x="8553106" y="433072"/>
+            <a:ext cx="1626984" cy="369332"/>
+          </a:xfrm>
+          <a:prstGeom prst="rect">
+            <a:avLst/>
+          </a:prstGeom>
+          <a:noFill/>
+        </p:spPr>
+        <p:txBody>
+          <a:bodyPr wrap="square" rtlCol="0">
+            <a:spAutoFit/>
+          </a:bodyPr>
+          <a:lstStyle/>
+          <a:p>
+            <a:r>
+              <a:rPr lang="en-US" altLang="ja-JP" dirty="0"/>
+              <a:t>With airplane</a:t>
+            </a:r>
+            <a:endParaRPr kumimoji="1" lang="ja-JP" altLang="en-US" dirty="0"/>
+          </a:p>
+        </p:txBody>
+      </p:sp>
+      <p:grpSp>
+        <p:nvGrpSpPr>
+          <p:cNvPr id="6" name="グループ化 5">
+            <a:extLst>
+              <a:ext uri="{FF2B5EF4-FFF2-40B4-BE49-F238E27FC236}">
+                <a16:creationId xmlns:a16="http://schemas.microsoft.com/office/drawing/2014/main" id="{C7147ABA-FB53-EF9D-B937-E77DC98012D1}"/>
+              </a:ext>
+            </a:extLst>
+          </p:cNvPr>
+          <p:cNvGrpSpPr/>
+          <p:nvPr/>
+        </p:nvGrpSpPr>
+        <p:grpSpPr>
+          <a:xfrm>
+            <a:off x="6009730" y="1421213"/>
+            <a:ext cx="6527717" cy="369332"/>
+            <a:chOff x="1102667" y="1757529"/>
+            <a:chExt cx="6527717" cy="369332"/>
+          </a:xfrm>
+        </p:grpSpPr>
+        <p:sp>
+          <p:nvSpPr>
+            <p:cNvPr id="7" name="テキスト ボックス 6">
+              <a:extLst>
+                <a:ext uri="{FF2B5EF4-FFF2-40B4-BE49-F238E27FC236}">
+                  <a16:creationId xmlns:a16="http://schemas.microsoft.com/office/drawing/2014/main" id="{C7ABB275-8960-C317-918E-73A25EE12411}"/>
+                </a:ext>
+              </a:extLst>
+            </p:cNvPr>
+            <p:cNvSpPr txBox="1"/>
+            <p:nvPr/>
+          </p:nvSpPr>
+          <p:spPr>
+            <a:xfrm>
+              <a:off x="1102667" y="1757529"/>
+              <a:ext cx="2610678" cy="369332"/>
+            </a:xfrm>
+            <a:prstGeom prst="rect">
+              <a:avLst/>
+            </a:prstGeom>
+            <a:noFill/>
+          </p:spPr>
+          <p:txBody>
+            <a:bodyPr wrap="square" rtlCol="0">
+              <a:spAutoFit/>
+            </a:bodyPr>
+            <a:lstStyle/>
+            <a:p>
+              <a:r>
+                <a:rPr kumimoji="1" lang="ja-JP" altLang="en-US" dirty="0"/>
+                <a:t>〇〇〇〇</a:t>
+              </a:r>
+              <a:r>
+                <a:rPr kumimoji="1" lang="en-US" altLang="ja-JP" dirty="0"/>
+                <a:t>/</a:t>
+              </a:r>
+              <a:r>
+                <a:rPr lang="ja-JP" altLang="en-US" dirty="0"/>
+                <a:t>□□</a:t>
+              </a:r>
+              <a:r>
+                <a:rPr kumimoji="1" lang="en-US" altLang="ja-JP" dirty="0"/>
+                <a:t>/</a:t>
+              </a:r>
+              <a:r>
+                <a:rPr kumimoji="1" lang="ja-JP" altLang="en-US" dirty="0"/>
+                <a:t>△△</a:t>
+              </a:r>
+            </a:p>
+          </p:txBody>
+        </p:sp>
+        <p:sp>
+          <p:nvSpPr>
+            <p:cNvPr id="8" name="テキスト ボックス 7">
+              <a:extLst>
+                <a:ext uri="{FF2B5EF4-FFF2-40B4-BE49-F238E27FC236}">
+                  <a16:creationId xmlns:a16="http://schemas.microsoft.com/office/drawing/2014/main" id="{A7241005-BCC6-5AF2-47FD-A0015B9A32AB}"/>
+                </a:ext>
+              </a:extLst>
+            </p:cNvPr>
+            <p:cNvSpPr txBox="1"/>
+            <p:nvPr/>
+          </p:nvSpPr>
+          <p:spPr>
+            <a:xfrm>
+              <a:off x="3253495" y="1757529"/>
+              <a:ext cx="459850" cy="369332"/>
+            </a:xfrm>
+            <a:prstGeom prst="rect">
+              <a:avLst/>
+            </a:prstGeom>
+            <a:noFill/>
+          </p:spPr>
+          <p:txBody>
+            <a:bodyPr wrap="square" rtlCol="0">
+              <a:spAutoFit/>
+            </a:bodyPr>
+            <a:lstStyle/>
+            <a:p>
+              <a:r>
+                <a:rPr kumimoji="1" lang="ja-JP" altLang="en-US" dirty="0"/>
+                <a:t>～</a:t>
+              </a:r>
+            </a:p>
+          </p:txBody>
+        </p:sp>
+        <p:sp>
+          <p:nvSpPr>
+            <p:cNvPr id="9" name="テキスト ボックス 8">
+              <a:extLst>
+                <a:ext uri="{FF2B5EF4-FFF2-40B4-BE49-F238E27FC236}">
+                  <a16:creationId xmlns:a16="http://schemas.microsoft.com/office/drawing/2014/main" id="{B95F07BB-A090-811F-1477-05D562C94594}"/>
+                </a:ext>
+              </a:extLst>
+            </p:cNvPr>
+            <p:cNvSpPr txBox="1"/>
+            <p:nvPr/>
+          </p:nvSpPr>
+          <p:spPr>
+            <a:xfrm>
+              <a:off x="3713345" y="1757529"/>
+              <a:ext cx="2610678" cy="369332"/>
+            </a:xfrm>
+            <a:prstGeom prst="rect">
+              <a:avLst/>
+            </a:prstGeom>
+            <a:noFill/>
+          </p:spPr>
+          <p:txBody>
+            <a:bodyPr wrap="square" rtlCol="0">
+              <a:spAutoFit/>
+            </a:bodyPr>
+            <a:lstStyle/>
+            <a:p>
+              <a:r>
+                <a:rPr kumimoji="1" lang="ja-JP" altLang="en-US" dirty="0"/>
+                <a:t>〇〇〇〇</a:t>
+              </a:r>
+              <a:r>
+                <a:rPr kumimoji="1" lang="en-US" altLang="ja-JP" dirty="0"/>
+                <a:t>/</a:t>
+              </a:r>
+              <a:r>
+                <a:rPr lang="ja-JP" altLang="en-US" dirty="0"/>
+                <a:t>□□</a:t>
+              </a:r>
+              <a:r>
+                <a:rPr kumimoji="1" lang="en-US" altLang="ja-JP" dirty="0"/>
+                <a:t>/</a:t>
+              </a:r>
+              <a:r>
+                <a:rPr kumimoji="1" lang="ja-JP" altLang="en-US" dirty="0"/>
+                <a:t>△△</a:t>
+              </a:r>
+            </a:p>
+          </p:txBody>
+        </p:sp>
+        <p:sp>
+          <p:nvSpPr>
+            <p:cNvPr id="10" name="テキスト ボックス 9">
+              <a:extLst>
+                <a:ext uri="{FF2B5EF4-FFF2-40B4-BE49-F238E27FC236}">
+                  <a16:creationId xmlns:a16="http://schemas.microsoft.com/office/drawing/2014/main" id="{DB8BA4FD-2DA2-31CE-A166-7B89EB48F53C}"/>
+                </a:ext>
+              </a:extLst>
+            </p:cNvPr>
+            <p:cNvSpPr txBox="1"/>
+            <p:nvPr/>
+          </p:nvSpPr>
+          <p:spPr>
+            <a:xfrm>
+              <a:off x="6184572" y="1757529"/>
+              <a:ext cx="1445812" cy="369332"/>
+            </a:xfrm>
+            <a:prstGeom prst="rect">
+              <a:avLst/>
+            </a:prstGeom>
+            <a:noFill/>
+          </p:spPr>
+          <p:txBody>
+            <a:bodyPr wrap="square" rtlCol="0">
+              <a:spAutoFit/>
+            </a:bodyPr>
+            <a:lstStyle/>
+            <a:p>
+              <a:r>
+                <a:rPr kumimoji="1" lang="en-US" altLang="ja-JP" dirty="0" err="1"/>
+                <a:t>XXdays</a:t>
+              </a:r>
+              <a:endParaRPr kumimoji="1" lang="ja-JP" altLang="en-US" dirty="0"/>
+            </a:p>
+          </p:txBody>
+        </p:sp>
+      </p:grpSp>
+      <p:sp>
+        <p:nvSpPr>
+          <p:cNvPr id="11" name="テキスト ボックス 10">
+            <a:extLst>
+              <a:ext uri="{FF2B5EF4-FFF2-40B4-BE49-F238E27FC236}">
+                <a16:creationId xmlns:a16="http://schemas.microsoft.com/office/drawing/2014/main" id="{7DC38385-5036-FBA7-1EE4-0C71A1CD5405}"/>
+              </a:ext>
+            </a:extLst>
+          </p:cNvPr>
+          <p:cNvSpPr txBox="1"/>
+          <p:nvPr/>
+        </p:nvSpPr>
+        <p:spPr>
+          <a:xfrm>
+            <a:off x="6009730" y="991365"/>
+            <a:ext cx="2610678" cy="369332"/>
+          </a:xfrm>
+          <a:prstGeom prst="rect">
+            <a:avLst/>
+          </a:prstGeom>
+        </p:spPr>
+        <p:style>
+          <a:lnRef idx="2">
+            <a:schemeClr val="dk1"/>
+          </a:lnRef>
+          <a:fillRef idx="1">
+            <a:schemeClr val="lt1"/>
+          </a:fillRef>
+          <a:effectRef idx="0">
+            <a:schemeClr val="dk1"/>
+          </a:effectRef>
+          <a:fontRef idx="minor">
+            <a:schemeClr val="dk1"/>
+          </a:fontRef>
+        </p:style>
+        <p:txBody>
+          <a:bodyPr wrap="square" rtlCol="0">
+            <a:spAutoFit/>
+          </a:bodyPr>
+          <a:lstStyle/>
+          <a:p>
+            <a:r>
+              <a:rPr kumimoji="1" lang="ja-JP" altLang="en-US" dirty="0"/>
+              <a:t>〇〇〇〇</a:t>
+            </a:r>
+            <a:r>
+              <a:rPr kumimoji="1" lang="en-US" altLang="ja-JP" dirty="0"/>
+              <a:t>/</a:t>
+            </a:r>
+            <a:r>
+              <a:rPr lang="ja-JP" altLang="en-US" dirty="0"/>
+              <a:t>□□</a:t>
+            </a:r>
+            <a:r>
+              <a:rPr kumimoji="1" lang="en-US" altLang="ja-JP" dirty="0"/>
+              <a:t>/</a:t>
+            </a:r>
+            <a:r>
+              <a:rPr kumimoji="1" lang="ja-JP" altLang="en-US" dirty="0"/>
+              <a:t>△△</a:t>
+            </a:r>
+          </a:p>
+        </p:txBody>
+      </p:sp>
+      <p:sp>
+        <p:nvSpPr>
+          <p:cNvPr id="12" name="テキスト ボックス 11">
+            <a:extLst>
+              <a:ext uri="{FF2B5EF4-FFF2-40B4-BE49-F238E27FC236}">
+                <a16:creationId xmlns:a16="http://schemas.microsoft.com/office/drawing/2014/main" id="{9C7723DA-B97E-57E2-17B1-CBCEDDB8DA77}"/>
+              </a:ext>
+            </a:extLst>
+          </p:cNvPr>
+          <p:cNvSpPr txBox="1"/>
+          <p:nvPr/>
+        </p:nvSpPr>
+        <p:spPr>
+          <a:xfrm>
+            <a:off x="9030586" y="991365"/>
+            <a:ext cx="2610678" cy="369332"/>
+          </a:xfrm>
+          <a:prstGeom prst="rect">
+            <a:avLst/>
+          </a:prstGeom>
+        </p:spPr>
+        <p:style>
+          <a:lnRef idx="2">
+            <a:schemeClr val="dk1"/>
+          </a:lnRef>
+          <a:fillRef idx="1">
+            <a:schemeClr val="lt1"/>
+          </a:fillRef>
+          <a:effectRef idx="0">
+            <a:schemeClr val="dk1"/>
+          </a:effectRef>
+          <a:fontRef idx="minor">
+            <a:schemeClr val="dk1"/>
+          </a:fontRef>
+        </p:style>
+        <p:txBody>
+          <a:bodyPr wrap="square" rtlCol="0">
+            <a:spAutoFit/>
+          </a:bodyPr>
+          <a:lstStyle/>
+          <a:p>
+            <a:r>
+              <a:rPr kumimoji="1" lang="ja-JP" altLang="en-US" dirty="0"/>
+              <a:t>〇〇〇〇</a:t>
+            </a:r>
+            <a:r>
+              <a:rPr kumimoji="1" lang="en-US" altLang="ja-JP" dirty="0"/>
+              <a:t>/</a:t>
+            </a:r>
+            <a:r>
+              <a:rPr lang="ja-JP" altLang="en-US" dirty="0"/>
+              <a:t>□□</a:t>
+            </a:r>
+            <a:r>
+              <a:rPr kumimoji="1" lang="en-US" altLang="ja-JP" dirty="0"/>
+              <a:t>/</a:t>
+            </a:r>
+            <a:r>
+              <a:rPr kumimoji="1" lang="ja-JP" altLang="en-US" dirty="0"/>
+              <a:t>△△</a:t>
+            </a:r>
+          </a:p>
+        </p:txBody>
+      </p:sp>
+      <p:sp>
+        <p:nvSpPr>
+          <p:cNvPr id="13" name="正方形/長方形 12">
+            <a:extLst>
+              <a:ext uri="{FF2B5EF4-FFF2-40B4-BE49-F238E27FC236}">
+                <a16:creationId xmlns:a16="http://schemas.microsoft.com/office/drawing/2014/main" id="{47E3B938-C62D-4BD4-0C91-F518EA6EF80B}"/>
+              </a:ext>
+            </a:extLst>
+          </p:cNvPr>
+          <p:cNvSpPr/>
+          <p:nvPr/>
+        </p:nvSpPr>
+        <p:spPr>
+          <a:xfrm>
+            <a:off x="10165202" y="447428"/>
+            <a:ext cx="265831" cy="292359"/>
+          </a:xfrm>
+          <a:prstGeom prst="rect">
+            <a:avLst/>
+          </a:prstGeom>
+        </p:spPr>
+        <p:style>
+          <a:lnRef idx="2">
+            <a:schemeClr val="dk1"/>
+          </a:lnRef>
+          <a:fillRef idx="1">
+            <a:schemeClr val="lt1"/>
+          </a:fillRef>
+          <a:effectRef idx="0">
+            <a:schemeClr val="dk1"/>
+          </a:effectRef>
+          <a:fontRef idx="minor">
+            <a:schemeClr val="dk1"/>
+          </a:fontRef>
+        </p:style>
+        <p:txBody>
+          <a:bodyPr rtlCol="0" anchor="ctr"/>
+          <a:lstStyle/>
+          <a:p>
+            <a:pPr algn="ctr"/>
+            <a:endParaRPr kumimoji="1" lang="ja-JP" altLang="en-US" dirty="0"/>
+          </a:p>
+        </p:txBody>
+      </p:sp>
+      <p:sp>
+        <p:nvSpPr>
+          <p:cNvPr id="14" name="テキスト ボックス 13">
+            <a:extLst>
+              <a:ext uri="{FF2B5EF4-FFF2-40B4-BE49-F238E27FC236}">
+                <a16:creationId xmlns:a16="http://schemas.microsoft.com/office/drawing/2014/main" id="{033BC735-BFFD-3A25-8165-7ED4C4FED120}"/>
+              </a:ext>
+            </a:extLst>
+          </p:cNvPr>
+          <p:cNvSpPr txBox="1"/>
+          <p:nvPr/>
+        </p:nvSpPr>
+        <p:spPr>
+          <a:xfrm>
+            <a:off x="10462836" y="407109"/>
+            <a:ext cx="1626984" cy="369332"/>
+          </a:xfrm>
+          <a:prstGeom prst="rect">
+            <a:avLst/>
+          </a:prstGeom>
+          <a:noFill/>
+        </p:spPr>
+        <p:txBody>
+          <a:bodyPr wrap="square" rtlCol="0">
+            <a:spAutoFit/>
+          </a:bodyPr>
+          <a:lstStyle/>
+          <a:p>
+            <a:r>
+              <a:rPr lang="en-US" altLang="ja-JP" dirty="0"/>
+              <a:t>With </a:t>
+            </a:r>
+            <a:r>
+              <a:rPr lang="en-US" altLang="ja-JP" dirty="0" err="1"/>
+              <a:t>japan</a:t>
+            </a:r>
+            <a:endParaRPr kumimoji="1" lang="ja-JP" altLang="en-US" dirty="0"/>
+          </a:p>
+        </p:txBody>
+      </p:sp>
+    </p:spTree>
+    <p:extLst>
+      <p:ext uri="{BB962C8B-B14F-4D97-AF65-F5344CB8AC3E}">
+        <p14:creationId xmlns:p14="http://schemas.microsoft.com/office/powerpoint/2010/main" val="4155332304"/>
+      </p:ext>
+    </p:extLst>
+  </p:cSld>
+  <p:clrMapOvr>
+    <a:masterClrMapping/>
+  </p:clrMapOvr>
+</p:sld>
+</file>
+
+<file path=ppt/slides/slide3.xml><?xml version="1.0" encoding="utf-8"?>
+<p:sld xmlns:a="http://schemas.openxmlformats.org/drawingml/2006/main" xmlns:r="http://schemas.openxmlformats.org/officeDocument/2006/relationships" xmlns:p="http://schemas.openxmlformats.org/presentationml/2006/main">
+  <p:cSld>
+    <p:spTree>
+      <p:nvGrpSpPr>
+        <p:cNvPr id="1" name=""/>
+        <p:cNvGrpSpPr/>
+        <p:nvPr/>
+      </p:nvGrpSpPr>
+      <p:grpSpPr>
+        <a:xfrm>
+          <a:off x="0" y="0"/>
+          <a:ext cx="0" cy="0"/>
+          <a:chOff x="0" y="0"/>
+          <a:chExt cx="0" cy="0"/>
+        </a:xfrm>
+      </p:grpSpPr>
+      <p:sp>
+        <p:nvSpPr>
+          <p:cNvPr id="2" name="正方形/長方形 1">
+            <a:extLst>
+              <a:ext uri="{FF2B5EF4-FFF2-40B4-BE49-F238E27FC236}">
+                <a16:creationId xmlns:a16="http://schemas.microsoft.com/office/drawing/2014/main" id="{17672B52-C43E-BA88-0092-0EE1FD4160EC}"/>
+              </a:ext>
+            </a:extLst>
+          </p:cNvPr>
+          <p:cNvSpPr/>
+          <p:nvPr/>
+        </p:nvSpPr>
+        <p:spPr>
+          <a:xfrm>
+            <a:off x="1290912" y="177301"/>
+            <a:ext cx="8707402" cy="6461804"/>
+          </a:xfrm>
+          <a:prstGeom prst="rect">
+            <a:avLst/>
+          </a:prstGeom>
+        </p:spPr>
+        <p:style>
+          <a:lnRef idx="2">
+            <a:schemeClr val="dk1"/>
+          </a:lnRef>
+          <a:fillRef idx="1">
+            <a:schemeClr val="lt1"/>
+          </a:fillRef>
+          <a:effectRef idx="0">
+            <a:schemeClr val="dk1"/>
+          </a:effectRef>
+          <a:fontRef idx="minor">
+            <a:schemeClr val="dk1"/>
+          </a:fontRef>
+        </p:style>
+        <p:txBody>
+          <a:bodyPr rtlCol="0" anchor="ctr"/>
+          <a:lstStyle/>
+          <a:p>
+            <a:pPr algn="ctr"/>
+            <a:endParaRPr kumimoji="1" lang="ja-JP" altLang="en-US"/>
+          </a:p>
+        </p:txBody>
+      </p:sp>
+      <p:sp>
+        <p:nvSpPr>
+          <p:cNvPr id="3" name="正方形/長方形 2">
+            <a:extLst>
+              <a:ext uri="{FF2B5EF4-FFF2-40B4-BE49-F238E27FC236}">
+                <a16:creationId xmlns:a16="http://schemas.microsoft.com/office/drawing/2014/main" id="{9F12362C-563E-E346-2DE3-8D8D3F15B48E}"/>
+              </a:ext>
+            </a:extLst>
+          </p:cNvPr>
+          <p:cNvSpPr/>
+          <p:nvPr/>
+        </p:nvSpPr>
+        <p:spPr>
+          <a:xfrm>
+            <a:off x="1353746" y="221515"/>
+            <a:ext cx="265831" cy="292359"/>
+          </a:xfrm>
+          <a:prstGeom prst="rect">
+            <a:avLst/>
+          </a:prstGeom>
+        </p:spPr>
+        <p:style>
+          <a:lnRef idx="2">
+            <a:schemeClr val="dk1"/>
+          </a:lnRef>
+          <a:fillRef idx="1">
+            <a:schemeClr val="lt1"/>
+          </a:fillRef>
+          <a:effectRef idx="0">
+            <a:schemeClr val="dk1"/>
+          </a:effectRef>
+          <a:fontRef idx="minor">
+            <a:schemeClr val="dk1"/>
+          </a:fontRef>
+        </p:style>
+        <p:txBody>
+          <a:bodyPr rtlCol="0" anchor="ctr"/>
+          <a:lstStyle/>
+          <a:p>
+            <a:pPr algn="ctr"/>
+            <a:r>
+              <a:rPr kumimoji="1" lang="ja-JP" altLang="en-US" dirty="0"/>
+              <a:t>✔</a:t>
+            </a:r>
+          </a:p>
+        </p:txBody>
+      </p:sp>
+      <p:sp>
+        <p:nvSpPr>
+          <p:cNvPr id="4" name="テキスト ボックス 3">
+            <a:extLst>
+              <a:ext uri="{FF2B5EF4-FFF2-40B4-BE49-F238E27FC236}">
+                <a16:creationId xmlns:a16="http://schemas.microsoft.com/office/drawing/2014/main" id="{8ED41C48-E058-5B22-7D84-6A0B3B36FAD8}"/>
+              </a:ext>
+            </a:extLst>
+          </p:cNvPr>
+          <p:cNvSpPr txBox="1"/>
+          <p:nvPr/>
+        </p:nvSpPr>
+        <p:spPr>
+          <a:xfrm>
+            <a:off x="1542100" y="198098"/>
+            <a:ext cx="1163540" cy="369332"/>
+          </a:xfrm>
+          <a:prstGeom prst="rect">
+            <a:avLst/>
+          </a:prstGeom>
+          <a:noFill/>
+        </p:spPr>
+        <p:txBody>
+          <a:bodyPr wrap="square" rtlCol="0">
+            <a:spAutoFit/>
+          </a:bodyPr>
+          <a:lstStyle/>
+          <a:p>
+            <a:r>
+              <a:rPr kumimoji="1" lang="en-US" altLang="ja-JP" dirty="0"/>
+              <a:t>world</a:t>
+            </a:r>
+            <a:endParaRPr kumimoji="1" lang="ja-JP" altLang="en-US" dirty="0"/>
+          </a:p>
+        </p:txBody>
+      </p:sp>
+      <p:grpSp>
+        <p:nvGrpSpPr>
+          <p:cNvPr id="5" name="グループ化 4">
+            <a:extLst>
+              <a:ext uri="{FF2B5EF4-FFF2-40B4-BE49-F238E27FC236}">
+                <a16:creationId xmlns:a16="http://schemas.microsoft.com/office/drawing/2014/main" id="{ED5D74F6-C53F-191E-3A2A-E329D0C8A672}"/>
+              </a:ext>
+            </a:extLst>
+          </p:cNvPr>
+          <p:cNvGrpSpPr/>
+          <p:nvPr/>
+        </p:nvGrpSpPr>
+        <p:grpSpPr>
+          <a:xfrm>
+            <a:off x="1244466" y="1099937"/>
+            <a:ext cx="6527717" cy="369332"/>
+            <a:chOff x="1102667" y="1757529"/>
+            <a:chExt cx="6527717" cy="369332"/>
+          </a:xfrm>
+        </p:grpSpPr>
+        <p:sp>
+          <p:nvSpPr>
+            <p:cNvPr id="6" name="テキスト ボックス 5">
+              <a:extLst>
+                <a:ext uri="{FF2B5EF4-FFF2-40B4-BE49-F238E27FC236}">
+                  <a16:creationId xmlns:a16="http://schemas.microsoft.com/office/drawing/2014/main" id="{343C8B8C-F8C4-D162-AFA6-C2FC09F0F885}"/>
+                </a:ext>
+              </a:extLst>
+            </p:cNvPr>
+            <p:cNvSpPr txBox="1"/>
+            <p:nvPr/>
+          </p:nvSpPr>
+          <p:spPr>
+            <a:xfrm>
+              <a:off x="1102667" y="1757529"/>
+              <a:ext cx="2610678" cy="369332"/>
+            </a:xfrm>
+            <a:prstGeom prst="rect">
+              <a:avLst/>
+            </a:prstGeom>
+            <a:noFill/>
+          </p:spPr>
+          <p:txBody>
+            <a:bodyPr wrap="square" rtlCol="0">
+              <a:spAutoFit/>
+            </a:bodyPr>
+            <a:lstStyle/>
+            <a:p>
+              <a:r>
+                <a:rPr kumimoji="1" lang="ja-JP" altLang="en-US" dirty="0"/>
+                <a:t>〇〇〇〇</a:t>
+              </a:r>
+              <a:r>
+                <a:rPr kumimoji="1" lang="en-US" altLang="ja-JP" dirty="0"/>
+                <a:t>/</a:t>
+              </a:r>
+              <a:r>
+                <a:rPr lang="ja-JP" altLang="en-US" dirty="0"/>
+                <a:t>□□</a:t>
+              </a:r>
+              <a:r>
+                <a:rPr kumimoji="1" lang="en-US" altLang="ja-JP" dirty="0"/>
+                <a:t>/</a:t>
+              </a:r>
+              <a:r>
+                <a:rPr kumimoji="1" lang="ja-JP" altLang="en-US" dirty="0"/>
+                <a:t>△△</a:t>
+              </a:r>
+            </a:p>
+          </p:txBody>
+        </p:sp>
+        <p:sp>
+          <p:nvSpPr>
+            <p:cNvPr id="7" name="テキスト ボックス 6">
+              <a:extLst>
+                <a:ext uri="{FF2B5EF4-FFF2-40B4-BE49-F238E27FC236}">
+                  <a16:creationId xmlns:a16="http://schemas.microsoft.com/office/drawing/2014/main" id="{C8BD69BB-4829-A52E-2234-7B16925BFB55}"/>
+                </a:ext>
+              </a:extLst>
+            </p:cNvPr>
+            <p:cNvSpPr txBox="1"/>
+            <p:nvPr/>
+          </p:nvSpPr>
+          <p:spPr>
+            <a:xfrm>
+              <a:off x="3253495" y="1757529"/>
+              <a:ext cx="459850" cy="369332"/>
+            </a:xfrm>
+            <a:prstGeom prst="rect">
+              <a:avLst/>
+            </a:prstGeom>
+            <a:noFill/>
+          </p:spPr>
+          <p:txBody>
+            <a:bodyPr wrap="square" rtlCol="0">
+              <a:spAutoFit/>
+            </a:bodyPr>
+            <a:lstStyle/>
+            <a:p>
+              <a:r>
+                <a:rPr kumimoji="1" lang="ja-JP" altLang="en-US" dirty="0"/>
+                <a:t>～</a:t>
+              </a:r>
+            </a:p>
+          </p:txBody>
+        </p:sp>
+        <p:sp>
+          <p:nvSpPr>
+            <p:cNvPr id="8" name="テキスト ボックス 7">
+              <a:extLst>
+                <a:ext uri="{FF2B5EF4-FFF2-40B4-BE49-F238E27FC236}">
+                  <a16:creationId xmlns:a16="http://schemas.microsoft.com/office/drawing/2014/main" id="{E6124432-1653-71F6-E4BF-2A795E4CBE37}"/>
+                </a:ext>
+              </a:extLst>
+            </p:cNvPr>
+            <p:cNvSpPr txBox="1"/>
+            <p:nvPr/>
+          </p:nvSpPr>
+          <p:spPr>
+            <a:xfrm>
+              <a:off x="3713345" y="1757529"/>
+              <a:ext cx="2610678" cy="369332"/>
+            </a:xfrm>
+            <a:prstGeom prst="rect">
+              <a:avLst/>
+            </a:prstGeom>
+            <a:noFill/>
+          </p:spPr>
+          <p:txBody>
+            <a:bodyPr wrap="square" rtlCol="0">
+              <a:spAutoFit/>
+            </a:bodyPr>
+            <a:lstStyle/>
+            <a:p>
+              <a:r>
+                <a:rPr kumimoji="1" lang="ja-JP" altLang="en-US" dirty="0"/>
+                <a:t>〇〇〇〇</a:t>
+              </a:r>
+              <a:r>
+                <a:rPr kumimoji="1" lang="en-US" altLang="ja-JP" dirty="0"/>
+                <a:t>/</a:t>
+              </a:r>
+              <a:r>
+                <a:rPr lang="ja-JP" altLang="en-US" dirty="0"/>
+                <a:t>□□</a:t>
+              </a:r>
+              <a:r>
+                <a:rPr kumimoji="1" lang="en-US" altLang="ja-JP" dirty="0"/>
+                <a:t>/</a:t>
+              </a:r>
+              <a:r>
+                <a:rPr kumimoji="1" lang="ja-JP" altLang="en-US" dirty="0"/>
+                <a:t>△△</a:t>
+              </a:r>
+            </a:p>
+          </p:txBody>
+        </p:sp>
+        <p:sp>
+          <p:nvSpPr>
+            <p:cNvPr id="9" name="テキスト ボックス 8">
+              <a:extLst>
+                <a:ext uri="{FF2B5EF4-FFF2-40B4-BE49-F238E27FC236}">
+                  <a16:creationId xmlns:a16="http://schemas.microsoft.com/office/drawing/2014/main" id="{7D22EDDB-E4F9-90AC-DDE0-9EB4CE1FD561}"/>
+                </a:ext>
+              </a:extLst>
+            </p:cNvPr>
+            <p:cNvSpPr txBox="1"/>
+            <p:nvPr/>
+          </p:nvSpPr>
+          <p:spPr>
+            <a:xfrm>
+              <a:off x="6184572" y="1757529"/>
+              <a:ext cx="1445812" cy="369332"/>
+            </a:xfrm>
+            <a:prstGeom prst="rect">
+              <a:avLst/>
+            </a:prstGeom>
+            <a:noFill/>
+          </p:spPr>
+          <p:txBody>
+            <a:bodyPr wrap="square" rtlCol="0">
+              <a:spAutoFit/>
+            </a:bodyPr>
+            <a:lstStyle/>
+            <a:p>
+              <a:r>
+                <a:rPr kumimoji="1" lang="en-US" altLang="ja-JP" dirty="0" err="1"/>
+                <a:t>XXdays</a:t>
+              </a:r>
+              <a:endParaRPr kumimoji="1" lang="ja-JP" altLang="en-US" dirty="0"/>
+            </a:p>
+          </p:txBody>
+        </p:sp>
+      </p:grpSp>
+      <p:sp>
+        <p:nvSpPr>
+          <p:cNvPr id="10" name="テキスト ボックス 9">
+            <a:extLst>
+              <a:ext uri="{FF2B5EF4-FFF2-40B4-BE49-F238E27FC236}">
+                <a16:creationId xmlns:a16="http://schemas.microsoft.com/office/drawing/2014/main" id="{C32B633C-827B-0524-3020-F3E910092196}"/>
+              </a:ext>
+            </a:extLst>
+          </p:cNvPr>
+          <p:cNvSpPr txBox="1"/>
+          <p:nvPr/>
+        </p:nvSpPr>
+        <p:spPr>
+          <a:xfrm>
+            <a:off x="1244466" y="670089"/>
+            <a:ext cx="2610678" cy="369332"/>
+          </a:xfrm>
+          <a:prstGeom prst="rect">
+            <a:avLst/>
+          </a:prstGeom>
+        </p:spPr>
+        <p:style>
+          <a:lnRef idx="2">
+            <a:schemeClr val="dk1"/>
+          </a:lnRef>
+          <a:fillRef idx="1">
+            <a:schemeClr val="lt1"/>
+          </a:fillRef>
+          <a:effectRef idx="0">
+            <a:schemeClr val="dk1"/>
+          </a:effectRef>
+          <a:fontRef idx="minor">
+            <a:schemeClr val="dk1"/>
+          </a:fontRef>
+        </p:style>
+        <p:txBody>
+          <a:bodyPr wrap="square" rtlCol="0">
+            <a:spAutoFit/>
+          </a:bodyPr>
+          <a:lstStyle/>
+          <a:p>
+            <a:r>
+              <a:rPr kumimoji="1" lang="ja-JP" altLang="en-US" dirty="0"/>
+              <a:t>〇〇〇〇</a:t>
+            </a:r>
+            <a:r>
+              <a:rPr kumimoji="1" lang="en-US" altLang="ja-JP" dirty="0"/>
+              <a:t>/</a:t>
+            </a:r>
+            <a:r>
+              <a:rPr lang="ja-JP" altLang="en-US" dirty="0"/>
+              <a:t>□□</a:t>
+            </a:r>
+            <a:r>
+              <a:rPr kumimoji="1" lang="en-US" altLang="ja-JP" dirty="0"/>
+              <a:t>/</a:t>
+            </a:r>
+            <a:r>
+              <a:rPr kumimoji="1" lang="ja-JP" altLang="en-US" dirty="0"/>
+              <a:t>△△</a:t>
+            </a:r>
+          </a:p>
+        </p:txBody>
+      </p:sp>
+      <p:sp>
+        <p:nvSpPr>
+          <p:cNvPr id="11" name="テキスト ボックス 10">
+            <a:extLst>
+              <a:ext uri="{FF2B5EF4-FFF2-40B4-BE49-F238E27FC236}">
+                <a16:creationId xmlns:a16="http://schemas.microsoft.com/office/drawing/2014/main" id="{0C08D3E2-AD49-B1D5-1FAB-94F040E4D8D6}"/>
+              </a:ext>
+            </a:extLst>
+          </p:cNvPr>
+          <p:cNvSpPr txBox="1"/>
+          <p:nvPr/>
+        </p:nvSpPr>
+        <p:spPr>
+          <a:xfrm>
+            <a:off x="3855144" y="670089"/>
+            <a:ext cx="459850" cy="369332"/>
+          </a:xfrm>
+          <a:prstGeom prst="rect">
+            <a:avLst/>
+          </a:prstGeom>
+          <a:noFill/>
+        </p:spPr>
+        <p:txBody>
+          <a:bodyPr wrap="square" rtlCol="0">
+            <a:spAutoFit/>
+          </a:bodyPr>
+          <a:lstStyle/>
+          <a:p>
+            <a:r>
+              <a:rPr kumimoji="1" lang="ja-JP" altLang="en-US" dirty="0"/>
+              <a:t>～</a:t>
+            </a:r>
+          </a:p>
+        </p:txBody>
+      </p:sp>
+      <p:sp>
+        <p:nvSpPr>
+          <p:cNvPr id="12" name="テキスト ボックス 11">
+            <a:extLst>
+              <a:ext uri="{FF2B5EF4-FFF2-40B4-BE49-F238E27FC236}">
+                <a16:creationId xmlns:a16="http://schemas.microsoft.com/office/drawing/2014/main" id="{C82BE048-F63E-C964-53F6-CAC2F7C84318}"/>
+              </a:ext>
+            </a:extLst>
+          </p:cNvPr>
+          <p:cNvSpPr txBox="1"/>
+          <p:nvPr/>
+        </p:nvSpPr>
+        <p:spPr>
+          <a:xfrm>
+            <a:off x="4265322" y="670089"/>
+            <a:ext cx="2610678" cy="369332"/>
+          </a:xfrm>
+          <a:prstGeom prst="rect">
+            <a:avLst/>
+          </a:prstGeom>
+        </p:spPr>
+        <p:style>
+          <a:lnRef idx="2">
+            <a:schemeClr val="dk1"/>
+          </a:lnRef>
+          <a:fillRef idx="1">
+            <a:schemeClr val="lt1"/>
+          </a:fillRef>
+          <a:effectRef idx="0">
+            <a:schemeClr val="dk1"/>
+          </a:effectRef>
+          <a:fontRef idx="minor">
+            <a:schemeClr val="dk1"/>
+          </a:fontRef>
+        </p:style>
+        <p:txBody>
+          <a:bodyPr wrap="square" rtlCol="0">
+            <a:spAutoFit/>
+          </a:bodyPr>
+          <a:lstStyle/>
+          <a:p>
+            <a:r>
+              <a:rPr kumimoji="1" lang="ja-JP" altLang="en-US" dirty="0"/>
+              <a:t>〇〇〇〇</a:t>
+            </a:r>
+            <a:r>
+              <a:rPr kumimoji="1" lang="en-US" altLang="ja-JP" dirty="0"/>
+              <a:t>/</a:t>
+            </a:r>
+            <a:r>
+              <a:rPr lang="ja-JP" altLang="en-US" dirty="0"/>
+              <a:t>□□</a:t>
+            </a:r>
+            <a:r>
+              <a:rPr kumimoji="1" lang="en-US" altLang="ja-JP" dirty="0"/>
+              <a:t>/</a:t>
+            </a:r>
+            <a:r>
+              <a:rPr kumimoji="1" lang="ja-JP" altLang="en-US" dirty="0"/>
+              <a:t>△△</a:t>
+            </a:r>
+          </a:p>
+        </p:txBody>
+      </p:sp>
+      <p:sp>
+        <p:nvSpPr>
+          <p:cNvPr id="13" name="正方形/長方形 12">
+            <a:extLst>
+              <a:ext uri="{FF2B5EF4-FFF2-40B4-BE49-F238E27FC236}">
+                <a16:creationId xmlns:a16="http://schemas.microsoft.com/office/drawing/2014/main" id="{298E40BF-A637-056D-D495-110A4042384C}"/>
+              </a:ext>
+            </a:extLst>
+          </p:cNvPr>
+          <p:cNvSpPr/>
+          <p:nvPr/>
+        </p:nvSpPr>
+        <p:spPr>
+          <a:xfrm>
+            <a:off x="1603254" y="3069985"/>
+            <a:ext cx="4598633" cy="1701335"/>
+          </a:xfrm>
+          <a:prstGeom prst="rect">
+            <a:avLst/>
+          </a:prstGeom>
+        </p:spPr>
+        <p:style>
+          <a:lnRef idx="2">
+            <a:schemeClr val="dk1"/>
+          </a:lnRef>
+          <a:fillRef idx="1">
+            <a:schemeClr val="lt1"/>
+          </a:fillRef>
+          <a:effectRef idx="0">
+            <a:schemeClr val="dk1"/>
+          </a:effectRef>
+          <a:fontRef idx="minor">
+            <a:schemeClr val="dk1"/>
+          </a:fontRef>
+        </p:style>
+        <p:txBody>
+          <a:bodyPr rtlCol="0" anchor="ctr"/>
+          <a:lstStyle/>
+          <a:p>
+            <a:pPr algn="ctr"/>
+            <a:r>
+              <a:rPr kumimoji="1" lang="en-US" altLang="ja-JP" dirty="0"/>
+              <a:t>image</a:t>
+            </a:r>
+            <a:endParaRPr kumimoji="1" lang="ja-JP" altLang="en-US" dirty="0"/>
+          </a:p>
+        </p:txBody>
+      </p:sp>
+      <p:graphicFrame>
+        <p:nvGraphicFramePr>
+          <p:cNvPr id="15" name="表 14">
+            <a:extLst>
+              <a:ext uri="{FF2B5EF4-FFF2-40B4-BE49-F238E27FC236}">
+                <a16:creationId xmlns:a16="http://schemas.microsoft.com/office/drawing/2014/main" id="{A40BB99E-AB83-E81D-88AF-32FA41822107}"/>
+              </a:ext>
+            </a:extLst>
+          </p:cNvPr>
+          <p:cNvGraphicFramePr>
+            <a:graphicFrameLocks noGrp="1"/>
+          </p:cNvGraphicFramePr>
+          <p:nvPr>
+            <p:extLst>
+              <p:ext uri="{D42A27DB-BD31-4B8C-83A1-F6EECF244321}">
+                <p14:modId xmlns:p14="http://schemas.microsoft.com/office/powerpoint/2010/main" val="1014970894"/>
+              </p:ext>
+            </p:extLst>
+          </p:nvPr>
+        </p:nvGraphicFramePr>
+        <p:xfrm>
+          <a:off x="3495397" y="1587366"/>
+          <a:ext cx="2075264" cy="1112520"/>
+        </p:xfrm>
+        <a:graphic>
+          <a:graphicData uri="http://schemas.openxmlformats.org/drawingml/2006/table">
+            <a:tbl>
+              <a:tblPr firstRow="1" bandRow="1">
+                <a:tableStyleId>{5C22544A-7EE6-4342-B048-85BDC9FD1C3A}</a:tableStyleId>
+              </a:tblPr>
+              <a:tblGrid>
+                <a:gridCol w="2075264">
+                  <a:extLst>
+                    <a:ext uri="{9D8B030D-6E8A-4147-A177-3AD203B41FA5}">
+                      <a16:colId xmlns:a16="http://schemas.microsoft.com/office/drawing/2014/main" val="3659759483"/>
+                    </a:ext>
+                  </a:extLst>
+                </a:gridCol>
+              </a:tblGrid>
+              <a:tr h="370840">
+                <a:tc>
+                  <a:txBody>
+                    <a:bodyPr/>
+                    <a:lstStyle/>
+                    <a:p>
+                      <a:endParaRPr kumimoji="1" lang="ja-JP" altLang="en-US"/>
+                    </a:p>
+                  </a:txBody>
+                  <a:tcPr/>
+                </a:tc>
+                <a:extLst>
+                  <a:ext uri="{0D108BD9-81ED-4DB2-BD59-A6C34878D82A}">
+                    <a16:rowId xmlns:a16="http://schemas.microsoft.com/office/drawing/2014/main" val="3285130255"/>
+                  </a:ext>
+                </a:extLst>
+              </a:tr>
+              <a:tr h="370840">
+                <a:tc>
+                  <a:txBody>
+                    <a:bodyPr/>
+                    <a:lstStyle/>
+                    <a:p>
+                      <a:endParaRPr kumimoji="1" lang="ja-JP" altLang="en-US"/>
+                    </a:p>
+                  </a:txBody>
+                  <a:tcPr/>
+                </a:tc>
+                <a:extLst>
+                  <a:ext uri="{0D108BD9-81ED-4DB2-BD59-A6C34878D82A}">
+                    <a16:rowId xmlns:a16="http://schemas.microsoft.com/office/drawing/2014/main" val="1860294765"/>
+                  </a:ext>
+                </a:extLst>
+              </a:tr>
+              <a:tr h="370840">
+                <a:tc>
+                  <a:txBody>
+                    <a:bodyPr/>
+                    <a:lstStyle/>
+                    <a:p>
+                      <a:endParaRPr kumimoji="1" lang="ja-JP" altLang="en-US" dirty="0"/>
+                    </a:p>
+                  </a:txBody>
+                  <a:tcPr/>
+                </a:tc>
+                <a:extLst>
+                  <a:ext uri="{0D108BD9-81ED-4DB2-BD59-A6C34878D82A}">
+                    <a16:rowId xmlns:a16="http://schemas.microsoft.com/office/drawing/2014/main" val="1246913307"/>
+                  </a:ext>
+                </a:extLst>
+              </a:tr>
+            </a:tbl>
+          </a:graphicData>
+        </a:graphic>
+      </p:graphicFrame>
+      <p:sp>
+        <p:nvSpPr>
+          <p:cNvPr id="16" name="テキスト ボックス 15">
+            <a:extLst>
+              <a:ext uri="{FF2B5EF4-FFF2-40B4-BE49-F238E27FC236}">
+                <a16:creationId xmlns:a16="http://schemas.microsoft.com/office/drawing/2014/main" id="{4EAAE519-C511-0CA2-15AB-266E03E5381F}"/>
+              </a:ext>
+            </a:extLst>
+          </p:cNvPr>
+          <p:cNvSpPr txBox="1"/>
+          <p:nvPr/>
+        </p:nvSpPr>
+        <p:spPr>
+          <a:xfrm>
+            <a:off x="1331850" y="5701007"/>
+            <a:ext cx="2344847" cy="369332"/>
+          </a:xfrm>
+          <a:prstGeom prst="rect">
+            <a:avLst/>
+          </a:prstGeom>
+          <a:noFill/>
+        </p:spPr>
+        <p:txBody>
+          <a:bodyPr wrap="square" rtlCol="0">
+            <a:spAutoFit/>
+          </a:bodyPr>
+          <a:lstStyle/>
+          <a:p>
+            <a:r>
+              <a:rPr kumimoji="1" lang="en-US" altLang="ja-JP" dirty="0"/>
+              <a:t>Total cost:</a:t>
+            </a:r>
+            <a:endParaRPr kumimoji="1" lang="ja-JP" altLang="en-US" dirty="0"/>
+          </a:p>
+        </p:txBody>
+      </p:sp>
+      <p:sp>
+        <p:nvSpPr>
+          <p:cNvPr id="17" name="テキスト ボックス 16">
+            <a:extLst>
+              <a:ext uri="{FF2B5EF4-FFF2-40B4-BE49-F238E27FC236}">
+                <a16:creationId xmlns:a16="http://schemas.microsoft.com/office/drawing/2014/main" id="{CDA62C7A-156D-5D7B-1CC6-3A36EA0E242A}"/>
+              </a:ext>
+            </a:extLst>
+          </p:cNvPr>
+          <p:cNvSpPr txBox="1"/>
+          <p:nvPr/>
+        </p:nvSpPr>
+        <p:spPr>
+          <a:xfrm>
+            <a:off x="1331850" y="6059198"/>
+            <a:ext cx="3080352" cy="369332"/>
+          </a:xfrm>
+          <a:prstGeom prst="rect">
+            <a:avLst/>
+          </a:prstGeom>
+          <a:noFill/>
+        </p:spPr>
+        <p:txBody>
+          <a:bodyPr wrap="square" rtlCol="0">
+            <a:spAutoFit/>
+          </a:bodyPr>
+          <a:lstStyle/>
+          <a:p>
+            <a:r>
+              <a:rPr kumimoji="1" lang="en-US" altLang="ja-JP" dirty="0" err="1"/>
+              <a:t>Totatl</a:t>
+            </a:r>
+            <a:r>
+              <a:rPr kumimoji="1" lang="en-US" altLang="ja-JP" dirty="0"/>
+              <a:t> </a:t>
+            </a:r>
+            <a:r>
+              <a:rPr kumimoji="1" lang="en-US" altLang="ja-JP" dirty="0" err="1"/>
+              <a:t>accomodation</a:t>
+            </a:r>
+            <a:r>
+              <a:rPr kumimoji="1" lang="en-US" altLang="ja-JP" dirty="0"/>
+              <a:t>:</a:t>
+            </a:r>
+            <a:endParaRPr kumimoji="1" lang="ja-JP" altLang="en-US" dirty="0"/>
+          </a:p>
+        </p:txBody>
+      </p:sp>
+      <p:sp>
+        <p:nvSpPr>
+          <p:cNvPr id="19" name="テキスト ボックス 18">
+            <a:extLst>
+              <a:ext uri="{FF2B5EF4-FFF2-40B4-BE49-F238E27FC236}">
+                <a16:creationId xmlns:a16="http://schemas.microsoft.com/office/drawing/2014/main" id="{16AF70AD-838A-8488-9850-2C9BFA723F0F}"/>
+              </a:ext>
+            </a:extLst>
+          </p:cNvPr>
+          <p:cNvSpPr txBox="1"/>
+          <p:nvPr/>
+        </p:nvSpPr>
+        <p:spPr>
+          <a:xfrm>
+            <a:off x="1370739" y="6347901"/>
+            <a:ext cx="3080352" cy="369332"/>
+          </a:xfrm>
+          <a:prstGeom prst="rect">
+            <a:avLst/>
+          </a:prstGeom>
+          <a:noFill/>
+        </p:spPr>
+        <p:txBody>
+          <a:bodyPr wrap="square" rtlCol="0">
+            <a:spAutoFit/>
+          </a:bodyPr>
+          <a:lstStyle/>
+          <a:p>
+            <a:r>
+              <a:rPr kumimoji="1" lang="en-US" altLang="ja-JP" dirty="0" err="1"/>
+              <a:t>Totatl</a:t>
+            </a:r>
+            <a:r>
+              <a:rPr kumimoji="1" lang="en-US" altLang="ja-JP" dirty="0"/>
+              <a:t> sightseeing:</a:t>
+            </a:r>
+            <a:endParaRPr kumimoji="1" lang="ja-JP" altLang="en-US" dirty="0"/>
+          </a:p>
+        </p:txBody>
+      </p:sp>
+      <p:sp>
+        <p:nvSpPr>
+          <p:cNvPr id="20" name="テキスト ボックス 19">
+            <a:extLst>
+              <a:ext uri="{FF2B5EF4-FFF2-40B4-BE49-F238E27FC236}">
+                <a16:creationId xmlns:a16="http://schemas.microsoft.com/office/drawing/2014/main" id="{B24BABD7-BE2C-F216-A18B-87C752C1EC51}"/>
+              </a:ext>
+            </a:extLst>
+          </p:cNvPr>
+          <p:cNvSpPr txBox="1"/>
+          <p:nvPr/>
+        </p:nvSpPr>
+        <p:spPr>
+          <a:xfrm>
+            <a:off x="3970896" y="6371129"/>
+            <a:ext cx="3080352" cy="369332"/>
+          </a:xfrm>
+          <a:prstGeom prst="rect">
+            <a:avLst/>
+          </a:prstGeom>
+          <a:noFill/>
+        </p:spPr>
+        <p:txBody>
+          <a:bodyPr wrap="square" rtlCol="0">
+            <a:spAutoFit/>
+          </a:bodyPr>
+          <a:lstStyle/>
+          <a:p>
+            <a:r>
+              <a:rPr kumimoji="1" lang="en-US" altLang="ja-JP" dirty="0" err="1"/>
+              <a:t>Totatl</a:t>
+            </a:r>
+            <a:r>
+              <a:rPr kumimoji="1" lang="en-US" altLang="ja-JP" dirty="0"/>
+              <a:t> other:</a:t>
+            </a:r>
+            <a:endParaRPr kumimoji="1" lang="ja-JP" altLang="en-US" dirty="0"/>
+          </a:p>
+        </p:txBody>
+      </p:sp>
+      <p:sp>
+        <p:nvSpPr>
+          <p:cNvPr id="21" name="テキスト ボックス 20">
+            <a:extLst>
+              <a:ext uri="{FF2B5EF4-FFF2-40B4-BE49-F238E27FC236}">
+                <a16:creationId xmlns:a16="http://schemas.microsoft.com/office/drawing/2014/main" id="{178C4FA4-8543-48B4-38C0-2A5B96D3A2BF}"/>
+              </a:ext>
+            </a:extLst>
+          </p:cNvPr>
+          <p:cNvSpPr txBox="1"/>
+          <p:nvPr/>
+        </p:nvSpPr>
+        <p:spPr>
+          <a:xfrm>
+            <a:off x="3970896" y="6034318"/>
+            <a:ext cx="3080352" cy="369332"/>
+          </a:xfrm>
+          <a:prstGeom prst="rect">
+            <a:avLst/>
+          </a:prstGeom>
+          <a:noFill/>
+        </p:spPr>
+        <p:txBody>
+          <a:bodyPr wrap="square" rtlCol="0">
+            <a:spAutoFit/>
+          </a:bodyPr>
+          <a:lstStyle/>
+          <a:p>
+            <a:r>
+              <a:rPr kumimoji="1" lang="en-US" altLang="ja-JP" dirty="0" err="1"/>
+              <a:t>Totatl</a:t>
+            </a:r>
+            <a:r>
+              <a:rPr kumimoji="1" lang="en-US" altLang="ja-JP" dirty="0"/>
+              <a:t> transportation:</a:t>
+            </a:r>
+            <a:endParaRPr kumimoji="1" lang="ja-JP" altLang="en-US" dirty="0"/>
+          </a:p>
+        </p:txBody>
+      </p:sp>
+      <p:sp>
+        <p:nvSpPr>
+          <p:cNvPr id="22" name="テキスト ボックス 21">
+            <a:extLst>
+              <a:ext uri="{FF2B5EF4-FFF2-40B4-BE49-F238E27FC236}">
+                <a16:creationId xmlns:a16="http://schemas.microsoft.com/office/drawing/2014/main" id="{53CC5CB8-0503-E951-5D16-AC31B10A749B}"/>
+              </a:ext>
+            </a:extLst>
+          </p:cNvPr>
+          <p:cNvSpPr txBox="1"/>
+          <p:nvPr/>
+        </p:nvSpPr>
+        <p:spPr>
+          <a:xfrm>
+            <a:off x="2705640" y="5677426"/>
+            <a:ext cx="958788" cy="369332"/>
+          </a:xfrm>
+          <a:prstGeom prst="rect">
+            <a:avLst/>
+          </a:prstGeom>
+          <a:noFill/>
+        </p:spPr>
+        <p:txBody>
+          <a:bodyPr wrap="square" rtlCol="0">
+            <a:spAutoFit/>
+          </a:bodyPr>
+          <a:lstStyle/>
+          <a:p>
+            <a:r>
+              <a:rPr kumimoji="1" lang="en-US" altLang="ja-JP" dirty="0"/>
+              <a:t>rate</a:t>
+            </a:r>
+            <a:endParaRPr kumimoji="1" lang="ja-JP" altLang="en-US" dirty="0"/>
+          </a:p>
+        </p:txBody>
+      </p:sp>
+      <p:sp>
+        <p:nvSpPr>
+          <p:cNvPr id="23" name="正方形/長方形 22">
+            <a:extLst>
+              <a:ext uri="{FF2B5EF4-FFF2-40B4-BE49-F238E27FC236}">
+                <a16:creationId xmlns:a16="http://schemas.microsoft.com/office/drawing/2014/main" id="{23E62C59-247C-70CE-B4D0-B3D1EAF05521}"/>
+              </a:ext>
+            </a:extLst>
+          </p:cNvPr>
+          <p:cNvSpPr/>
+          <p:nvPr/>
+        </p:nvSpPr>
+        <p:spPr>
+          <a:xfrm>
+            <a:off x="2340704" y="218018"/>
+            <a:ext cx="265831" cy="292359"/>
+          </a:xfrm>
+          <a:prstGeom prst="rect">
+            <a:avLst/>
+          </a:prstGeom>
+        </p:spPr>
+        <p:style>
+          <a:lnRef idx="2">
+            <a:schemeClr val="dk1"/>
+          </a:lnRef>
+          <a:fillRef idx="1">
+            <a:schemeClr val="lt1"/>
+          </a:fillRef>
+          <a:effectRef idx="0">
+            <a:schemeClr val="dk1"/>
+          </a:effectRef>
+          <a:fontRef idx="minor">
+            <a:schemeClr val="dk1"/>
+          </a:fontRef>
+        </p:style>
+        <p:txBody>
+          <a:bodyPr rtlCol="0" anchor="ctr"/>
+          <a:lstStyle/>
+          <a:p>
+            <a:pPr algn="ctr"/>
+            <a:endParaRPr kumimoji="1" lang="ja-JP" altLang="en-US" dirty="0"/>
+          </a:p>
+        </p:txBody>
+      </p:sp>
+      <p:sp>
+        <p:nvSpPr>
+          <p:cNvPr id="24" name="テキスト ボックス 23">
+            <a:extLst>
+              <a:ext uri="{FF2B5EF4-FFF2-40B4-BE49-F238E27FC236}">
+                <a16:creationId xmlns:a16="http://schemas.microsoft.com/office/drawing/2014/main" id="{A124ECC2-3DAC-ACA0-FA0B-F4F5EBE1BD26}"/>
+              </a:ext>
+            </a:extLst>
+          </p:cNvPr>
+          <p:cNvSpPr txBox="1"/>
+          <p:nvPr/>
+        </p:nvSpPr>
+        <p:spPr>
+          <a:xfrm>
+            <a:off x="2638338" y="177699"/>
+            <a:ext cx="1626984" cy="369332"/>
+          </a:xfrm>
+          <a:prstGeom prst="rect">
+            <a:avLst/>
+          </a:prstGeom>
+          <a:noFill/>
+        </p:spPr>
+        <p:txBody>
+          <a:bodyPr wrap="square" rtlCol="0">
+            <a:spAutoFit/>
+          </a:bodyPr>
+          <a:lstStyle/>
+          <a:p>
+            <a:r>
+              <a:rPr lang="en-US" altLang="ja-JP" dirty="0"/>
+              <a:t>With airplane</a:t>
+            </a:r>
+            <a:endParaRPr kumimoji="1" lang="ja-JP" altLang="en-US" dirty="0"/>
+          </a:p>
+        </p:txBody>
+      </p:sp>
+      <p:sp>
+        <p:nvSpPr>
+          <p:cNvPr id="25" name="テキスト ボックス 24">
+            <a:extLst>
+              <a:ext uri="{FF2B5EF4-FFF2-40B4-BE49-F238E27FC236}">
+                <a16:creationId xmlns:a16="http://schemas.microsoft.com/office/drawing/2014/main" id="{A2256202-CF7A-38AC-F36A-DA16E0C91FC4}"/>
+              </a:ext>
+            </a:extLst>
+          </p:cNvPr>
+          <p:cNvSpPr txBox="1"/>
+          <p:nvPr/>
+        </p:nvSpPr>
+        <p:spPr>
+          <a:xfrm>
+            <a:off x="6315743" y="6025615"/>
+            <a:ext cx="3080352" cy="369332"/>
+          </a:xfrm>
+          <a:prstGeom prst="rect">
+            <a:avLst/>
+          </a:prstGeom>
+          <a:noFill/>
+        </p:spPr>
+        <p:txBody>
+          <a:bodyPr wrap="square" rtlCol="0">
+            <a:spAutoFit/>
+          </a:bodyPr>
+          <a:lstStyle/>
+          <a:p>
+            <a:r>
+              <a:rPr kumimoji="1" lang="en-US" altLang="ja-JP" dirty="0" err="1"/>
+              <a:t>Totatl</a:t>
+            </a:r>
+            <a:r>
+              <a:rPr kumimoji="1" lang="en-US" altLang="ja-JP" dirty="0"/>
+              <a:t> distance:</a:t>
+            </a:r>
+            <a:endParaRPr kumimoji="1" lang="ja-JP" altLang="en-US" dirty="0"/>
+          </a:p>
+        </p:txBody>
+      </p:sp>
+      <p:sp>
+        <p:nvSpPr>
+          <p:cNvPr id="26" name="テキスト ボックス 25">
+            <a:extLst>
+              <a:ext uri="{FF2B5EF4-FFF2-40B4-BE49-F238E27FC236}">
+                <a16:creationId xmlns:a16="http://schemas.microsoft.com/office/drawing/2014/main" id="{19B28994-C574-D0A4-0FA6-731BBD4DE7E2}"/>
+              </a:ext>
+            </a:extLst>
+          </p:cNvPr>
+          <p:cNvSpPr txBox="1"/>
+          <p:nvPr/>
+        </p:nvSpPr>
+        <p:spPr>
+          <a:xfrm>
+            <a:off x="6276854" y="6347110"/>
+            <a:ext cx="3080352" cy="369332"/>
+          </a:xfrm>
+          <a:prstGeom prst="rect">
+            <a:avLst/>
+          </a:prstGeom>
+          <a:noFill/>
+        </p:spPr>
+        <p:txBody>
+          <a:bodyPr wrap="square" rtlCol="0">
+            <a:spAutoFit/>
+          </a:bodyPr>
+          <a:lstStyle/>
+          <a:p>
+            <a:r>
+              <a:rPr kumimoji="1" lang="en-US" altLang="ja-JP" dirty="0" err="1"/>
+              <a:t>Totatl</a:t>
+            </a:r>
+            <a:r>
+              <a:rPr kumimoji="1" lang="en-US" altLang="ja-JP" dirty="0"/>
+              <a:t> Time:</a:t>
+            </a:r>
+            <a:endParaRPr kumimoji="1" lang="ja-JP" altLang="en-US" dirty="0"/>
+          </a:p>
+        </p:txBody>
+      </p:sp>
+      <p:sp>
+        <p:nvSpPr>
+          <p:cNvPr id="27" name="正方形/長方形 26">
+            <a:extLst>
+              <a:ext uri="{FF2B5EF4-FFF2-40B4-BE49-F238E27FC236}">
+                <a16:creationId xmlns:a16="http://schemas.microsoft.com/office/drawing/2014/main" id="{C112343D-7F23-38EB-EDA2-7ABCED358841}"/>
+              </a:ext>
+            </a:extLst>
+          </p:cNvPr>
+          <p:cNvSpPr/>
+          <p:nvPr/>
+        </p:nvSpPr>
+        <p:spPr>
+          <a:xfrm>
+            <a:off x="5609920" y="1818854"/>
+            <a:ext cx="193366" cy="914400"/>
+          </a:xfrm>
+          <a:prstGeom prst="rect">
+            <a:avLst/>
+          </a:prstGeom>
+        </p:spPr>
+        <p:style>
+          <a:lnRef idx="2">
+            <a:schemeClr val="dk1"/>
+          </a:lnRef>
+          <a:fillRef idx="1">
+            <a:schemeClr val="lt1"/>
+          </a:fillRef>
+          <a:effectRef idx="0">
+            <a:schemeClr val="dk1"/>
+          </a:effectRef>
+          <a:fontRef idx="minor">
+            <a:schemeClr val="dk1"/>
+          </a:fontRef>
+        </p:style>
+        <p:txBody>
+          <a:bodyPr rtlCol="0" anchor="ctr"/>
+          <a:lstStyle/>
+          <a:p>
+            <a:pPr algn="ctr"/>
+            <a:endParaRPr kumimoji="1" lang="ja-JP" altLang="en-US"/>
+          </a:p>
+        </p:txBody>
+      </p:sp>
+      <p:sp>
+        <p:nvSpPr>
+          <p:cNvPr id="28" name="動作設定ボタン: 戻る/前へ 27">
+            <a:hlinkClick r:id="" action="ppaction://hlinkshowjump?jump=previousslide" highlightClick="1"/>
+            <a:extLst>
+              <a:ext uri="{FF2B5EF4-FFF2-40B4-BE49-F238E27FC236}">
+                <a16:creationId xmlns:a16="http://schemas.microsoft.com/office/drawing/2014/main" id="{F7BC068C-9C61-7270-58AD-D87A43604A1A}"/>
+              </a:ext>
+            </a:extLst>
+          </p:cNvPr>
+          <p:cNvSpPr/>
+          <p:nvPr/>
+        </p:nvSpPr>
+        <p:spPr>
+          <a:xfrm rot="5400000">
+            <a:off x="5518512" y="1592345"/>
+            <a:ext cx="365145" cy="204403"/>
+          </a:xfrm>
+          <a:prstGeom prst="actionButtonBackPrevious">
+            <a:avLst/>
+          </a:prstGeom>
+        </p:spPr>
+        <p:style>
+          <a:lnRef idx="2">
+            <a:schemeClr val="dk1"/>
+          </a:lnRef>
+          <a:fillRef idx="1">
+            <a:schemeClr val="lt1"/>
+          </a:fillRef>
+          <a:effectRef idx="0">
+            <a:schemeClr val="dk1"/>
+          </a:effectRef>
+          <a:fontRef idx="minor">
+            <a:schemeClr val="dk1"/>
+          </a:fontRef>
+        </p:style>
+        <p:txBody>
+          <a:bodyPr rtlCol="0" anchor="ctr"/>
+          <a:lstStyle/>
+          <a:p>
+            <a:pPr algn="ctr"/>
+            <a:endParaRPr kumimoji="1" lang="ja-JP" altLang="en-US"/>
+          </a:p>
+        </p:txBody>
+      </p:sp>
+      <p:sp>
+        <p:nvSpPr>
+          <p:cNvPr id="29" name="動作設定ボタン: 戻る/前へ 28">
+            <a:hlinkClick r:id="" action="ppaction://hlinkshowjump?jump=previousslide" highlightClick="1"/>
+            <a:extLst>
+              <a:ext uri="{FF2B5EF4-FFF2-40B4-BE49-F238E27FC236}">
+                <a16:creationId xmlns:a16="http://schemas.microsoft.com/office/drawing/2014/main" id="{72B21630-190C-56E7-664F-99F2A5537B76}"/>
+              </a:ext>
+            </a:extLst>
+          </p:cNvPr>
+          <p:cNvSpPr/>
+          <p:nvPr/>
+        </p:nvSpPr>
+        <p:spPr>
+          <a:xfrm rot="16200000">
+            <a:off x="5518512" y="2715481"/>
+            <a:ext cx="365145" cy="204403"/>
+          </a:xfrm>
+          <a:prstGeom prst="actionButtonBackPrevious">
+            <a:avLst/>
+          </a:prstGeom>
+        </p:spPr>
+        <p:style>
+          <a:lnRef idx="2">
+            <a:schemeClr val="dk1"/>
+          </a:lnRef>
+          <a:fillRef idx="1">
+            <a:schemeClr val="lt1"/>
+          </a:fillRef>
+          <a:effectRef idx="0">
+            <a:schemeClr val="dk1"/>
+          </a:effectRef>
+          <a:fontRef idx="minor">
+            <a:schemeClr val="dk1"/>
+          </a:fontRef>
+        </p:style>
+        <p:txBody>
+          <a:bodyPr rtlCol="0" anchor="ctr"/>
+          <a:lstStyle/>
+          <a:p>
+            <a:pPr algn="ctr"/>
+            <a:endParaRPr kumimoji="1" lang="ja-JP" altLang="en-US"/>
+          </a:p>
+        </p:txBody>
+      </p:sp>
+      <p:sp>
+        <p:nvSpPr>
+          <p:cNvPr id="32" name="テキスト ボックス 31">
+            <a:extLst>
+              <a:ext uri="{FF2B5EF4-FFF2-40B4-BE49-F238E27FC236}">
+                <a16:creationId xmlns:a16="http://schemas.microsoft.com/office/drawing/2014/main" id="{E395810B-A766-01BD-4426-16F0AF0347AB}"/>
+              </a:ext>
+            </a:extLst>
+          </p:cNvPr>
+          <p:cNvSpPr txBox="1"/>
+          <p:nvPr/>
+        </p:nvSpPr>
+        <p:spPr>
+          <a:xfrm>
+            <a:off x="1486661" y="1562483"/>
+            <a:ext cx="1514904" cy="369332"/>
+          </a:xfrm>
+          <a:prstGeom prst="rect">
+            <a:avLst/>
+          </a:prstGeom>
+          <a:noFill/>
+        </p:spPr>
+        <p:txBody>
+          <a:bodyPr wrap="square" rtlCol="0">
+            <a:spAutoFit/>
+          </a:bodyPr>
+          <a:lstStyle/>
+          <a:p>
+            <a:r>
+              <a:rPr kumimoji="1" lang="en-US" altLang="ja-JP" dirty="0" err="1"/>
+              <a:t>Xx</a:t>
+            </a:r>
+            <a:r>
+              <a:rPr kumimoji="1" lang="en-US" altLang="ja-JP" dirty="0"/>
+              <a:t> countries</a:t>
+            </a:r>
+            <a:endParaRPr kumimoji="1" lang="ja-JP" altLang="en-US" dirty="0"/>
+          </a:p>
+        </p:txBody>
+      </p:sp>
+      <p:sp>
+        <p:nvSpPr>
+          <p:cNvPr id="38" name="動作設定ボタン: 戻る/前へ 37">
+            <a:hlinkClick r:id="" action="ppaction://hlinkshowjump?jump=previousslide" highlightClick="1"/>
+            <a:extLst>
+              <a:ext uri="{FF2B5EF4-FFF2-40B4-BE49-F238E27FC236}">
+                <a16:creationId xmlns:a16="http://schemas.microsoft.com/office/drawing/2014/main" id="{8F579DAA-9F7B-4925-7FC2-80619D74DB3F}"/>
+              </a:ext>
+            </a:extLst>
+          </p:cNvPr>
+          <p:cNvSpPr/>
+          <p:nvPr/>
+        </p:nvSpPr>
+        <p:spPr>
+          <a:xfrm>
+            <a:off x="1264511" y="3335316"/>
+            <a:ext cx="365145" cy="852297"/>
+          </a:xfrm>
+          <a:prstGeom prst="actionButtonBackPrevious">
+            <a:avLst/>
+          </a:prstGeom>
+        </p:spPr>
+        <p:style>
+          <a:lnRef idx="2">
+            <a:schemeClr val="dk1"/>
+          </a:lnRef>
+          <a:fillRef idx="1">
+            <a:schemeClr val="lt1"/>
+          </a:fillRef>
+          <a:effectRef idx="0">
+            <a:schemeClr val="dk1"/>
+          </a:effectRef>
+          <a:fontRef idx="minor">
+            <a:schemeClr val="dk1"/>
+          </a:fontRef>
+        </p:style>
+        <p:txBody>
+          <a:bodyPr rtlCol="0" anchor="ctr"/>
+          <a:lstStyle/>
+          <a:p>
+            <a:pPr algn="ctr"/>
+            <a:endParaRPr kumimoji="1" lang="ja-JP" altLang="en-US"/>
+          </a:p>
+        </p:txBody>
+      </p:sp>
+      <p:sp>
+        <p:nvSpPr>
+          <p:cNvPr id="39" name="動作設定ボタン: 戻る/前へ 38">
+            <a:hlinkClick r:id="" action="ppaction://hlinkshowjump?jump=previousslide" highlightClick="1"/>
+            <a:extLst>
+              <a:ext uri="{FF2B5EF4-FFF2-40B4-BE49-F238E27FC236}">
+                <a16:creationId xmlns:a16="http://schemas.microsoft.com/office/drawing/2014/main" id="{0897B96A-CA52-3A07-D8CB-6B443241BD34}"/>
+              </a:ext>
+            </a:extLst>
+          </p:cNvPr>
+          <p:cNvSpPr/>
+          <p:nvPr/>
+        </p:nvSpPr>
+        <p:spPr>
+          <a:xfrm rot="10800000" flipV="1">
+            <a:off x="6220127" y="3556391"/>
+            <a:ext cx="365145" cy="728522"/>
+          </a:xfrm>
+          <a:prstGeom prst="actionButtonBackPrevious">
+            <a:avLst/>
+          </a:prstGeom>
+        </p:spPr>
+        <p:style>
+          <a:lnRef idx="2">
+            <a:schemeClr val="dk1"/>
+          </a:lnRef>
+          <a:fillRef idx="1">
+            <a:schemeClr val="lt1"/>
+          </a:fillRef>
+          <a:effectRef idx="0">
+            <a:schemeClr val="dk1"/>
+          </a:effectRef>
+          <a:fontRef idx="minor">
+            <a:schemeClr val="dk1"/>
+          </a:fontRef>
+        </p:style>
+        <p:txBody>
+          <a:bodyPr rtlCol="0" anchor="ctr"/>
+          <a:lstStyle/>
+          <a:p>
+            <a:pPr algn="ctr"/>
+            <a:endParaRPr kumimoji="1" lang="ja-JP" altLang="en-US"/>
+          </a:p>
+        </p:txBody>
+      </p:sp>
+      <p:sp>
+        <p:nvSpPr>
+          <p:cNvPr id="40" name="テキスト ボックス 39">
+            <a:extLst>
+              <a:ext uri="{FF2B5EF4-FFF2-40B4-BE49-F238E27FC236}">
+                <a16:creationId xmlns:a16="http://schemas.microsoft.com/office/drawing/2014/main" id="{96C8E6BC-778E-586A-F98B-FC46F15982E8}"/>
+              </a:ext>
+            </a:extLst>
+          </p:cNvPr>
+          <p:cNvSpPr txBox="1"/>
+          <p:nvPr/>
+        </p:nvSpPr>
+        <p:spPr>
+          <a:xfrm>
+            <a:off x="3197388" y="4819675"/>
+            <a:ext cx="1955137" cy="369332"/>
+          </a:xfrm>
+          <a:prstGeom prst="rect">
+            <a:avLst/>
+          </a:prstGeom>
+          <a:noFill/>
+        </p:spPr>
+        <p:txBody>
+          <a:bodyPr wrap="square" rtlCol="0">
+            <a:spAutoFit/>
+          </a:bodyPr>
+          <a:lstStyle/>
+          <a:p>
+            <a:r>
+              <a:rPr kumimoji="1" lang="en-US" altLang="ja-JP" dirty="0"/>
+              <a:t>all</a:t>
+            </a:r>
+            <a:endParaRPr kumimoji="1" lang="ja-JP" altLang="en-US" dirty="0"/>
+          </a:p>
+        </p:txBody>
+      </p:sp>
+    </p:spTree>
+    <p:extLst>
+      <p:ext uri="{BB962C8B-B14F-4D97-AF65-F5344CB8AC3E}">
+        <p14:creationId xmlns:p14="http://schemas.microsoft.com/office/powerpoint/2010/main" val="2389837086"/>
+      </p:ext>
+    </p:extLst>
+  </p:cSld>
+  <p:clrMapOvr>
+    <a:masterClrMapping/>
+  </p:clrMapOvr>
+</p:sld>
+</file>
+
+<file path=ppt/slides/slide4.xml><?xml version="1.0" encoding="utf-8"?>
 <p:sld xmlns:a="http://schemas.openxmlformats.org/drawingml/2006/main" xmlns:r="http://schemas.openxmlformats.org/officeDocument/2006/relationships" xmlns:p="http://schemas.openxmlformats.org/presentationml/2006/main">
   <p:cSld>
     <p:spTree>
@@ -5649,37 +7689,7 @@
 </p:sld>
 </file>
 
-<file path=ppt/slides/slide3.xml><?xml version="1.0" encoding="utf-8"?>
-<p:sld xmlns:a="http://schemas.openxmlformats.org/drawingml/2006/main" xmlns:r="http://schemas.openxmlformats.org/officeDocument/2006/relationships" xmlns:p="http://schemas.openxmlformats.org/presentationml/2006/main">
-  <p:cSld>
-    <p:spTree>
-      <p:nvGrpSpPr>
-        <p:cNvPr id="1" name=""/>
-        <p:cNvGrpSpPr/>
-        <p:nvPr/>
-      </p:nvGrpSpPr>
-      <p:grpSpPr>
-        <a:xfrm>
-          <a:off x="0" y="0"/>
-          <a:ext cx="0" cy="0"/>
-          <a:chOff x="0" y="0"/>
-          <a:chExt cx="0" cy="0"/>
-        </a:xfrm>
-      </p:grpSpPr>
-    </p:spTree>
-    <p:extLst>
-      <p:ext uri="{BB962C8B-B14F-4D97-AF65-F5344CB8AC3E}">
-        <p14:creationId xmlns:p14="http://schemas.microsoft.com/office/powerpoint/2010/main" val="2389837086"/>
-      </p:ext>
-    </p:extLst>
-  </p:cSld>
-  <p:clrMapOvr>
-    <a:masterClrMapping/>
-  </p:clrMapOvr>
-</p:sld>
-</file>
-
-<file path=ppt/slides/slide4.xml><?xml version="1.0" encoding="utf-8"?>
+<file path=ppt/slides/slide5.xml><?xml version="1.0" encoding="utf-8"?>
 <p:sld xmlns:a="http://schemas.openxmlformats.org/drawingml/2006/main" xmlns:r="http://schemas.openxmlformats.org/officeDocument/2006/relationships" xmlns:p="http://schemas.openxmlformats.org/presentationml/2006/main">
   <p:cSld>
     <p:spTree>
@@ -7789,7 +9799,7 @@
 </p:sld>
 </file>
 
-<file path=ppt/slides/slide5.xml><?xml version="1.0" encoding="utf-8"?>
+<file path=ppt/slides/slide6.xml><?xml version="1.0" encoding="utf-8"?>
 <p:sld xmlns:a="http://schemas.openxmlformats.org/drawingml/2006/main" xmlns:r="http://schemas.openxmlformats.org/officeDocument/2006/relationships" xmlns:p="http://schemas.openxmlformats.org/presentationml/2006/main">
   <p:cSld>
     <p:spTree>
@@ -9910,7 +11920,7 @@
 </p:sld>
 </file>
 
-<file path=ppt/slides/slide6.xml><?xml version="1.0" encoding="utf-8"?>
+<file path=ppt/slides/slide7.xml><?xml version="1.0" encoding="utf-8"?>
 <p:sld xmlns:a="http://schemas.openxmlformats.org/drawingml/2006/main" xmlns:r="http://schemas.openxmlformats.org/officeDocument/2006/relationships" xmlns:p="http://schemas.openxmlformats.org/presentationml/2006/main">
   <p:cSld>
     <p:spTree>
@@ -12405,7 +14415,7 @@
 </p:sld>
 </file>
 
-<file path=ppt/slides/slide7.xml><?xml version="1.0" encoding="utf-8"?>
+<file path=ppt/slides/slide8.xml><?xml version="1.0" encoding="utf-8"?>
 <p:sld xmlns:a="http://schemas.openxmlformats.org/drawingml/2006/main" xmlns:r="http://schemas.openxmlformats.org/officeDocument/2006/relationships" xmlns:p="http://schemas.openxmlformats.org/presentationml/2006/main">
   <p:cSld>
     <p:spTree>
@@ -14471,7 +16481,7 @@
 </p:sld>
 </file>
 
-<file path=ppt/slides/slide8.xml><?xml version="1.0" encoding="utf-8"?>
+<file path=ppt/slides/slide9.xml><?xml version="1.0" encoding="utf-8"?>
 <p:sld xmlns:a="http://schemas.openxmlformats.org/drawingml/2006/main" xmlns:r="http://schemas.openxmlformats.org/officeDocument/2006/relationships" xmlns:p="http://schemas.openxmlformats.org/presentationml/2006/main">
   <p:cSld>
     <p:spTree>
@@ -16615,90 +18625,6 @@
 </p:sld>
 </file>
 
-<file path=ppt/slides/slide9.xml><?xml version="1.0" encoding="utf-8"?>
-<p:sld xmlns:a="http://schemas.openxmlformats.org/drawingml/2006/main" xmlns:r="http://schemas.openxmlformats.org/officeDocument/2006/relationships" xmlns:p="http://schemas.openxmlformats.org/presentationml/2006/main">
-  <p:cSld>
-    <p:spTree>
-      <p:nvGrpSpPr>
-        <p:cNvPr id="1" name=""/>
-        <p:cNvGrpSpPr/>
-        <p:nvPr/>
-      </p:nvGrpSpPr>
-      <p:grpSpPr>
-        <a:xfrm>
-          <a:off x="0" y="0"/>
-          <a:ext cx="0" cy="0"/>
-          <a:chOff x="0" y="0"/>
-          <a:chExt cx="0" cy="0"/>
-        </a:xfrm>
-      </p:grpSpPr>
-      <p:sp>
-        <p:nvSpPr>
-          <p:cNvPr id="2" name="タイトル 1">
-            <a:extLst>
-              <a:ext uri="{FF2B5EF4-FFF2-40B4-BE49-F238E27FC236}">
-                <a16:creationId xmlns:a16="http://schemas.microsoft.com/office/drawing/2014/main" id="{494D604C-50A4-1D2B-F01C-C2EFE5AFACFF}"/>
-              </a:ext>
-            </a:extLst>
-          </p:cNvPr>
-          <p:cNvSpPr>
-            <a:spLocks noGrp="1"/>
-          </p:cNvSpPr>
-          <p:nvPr>
-            <p:ph type="title"/>
-          </p:nvPr>
-        </p:nvSpPr>
-        <p:spPr/>
-        <p:txBody>
-          <a:bodyPr/>
-          <a:lstStyle/>
-          <a:p>
-            <a:r>
-              <a:rPr kumimoji="1" lang="en-US" altLang="ja-JP" dirty="0" err="1"/>
-              <a:t>apendix</a:t>
-            </a:r>
-            <a:endParaRPr kumimoji="1" lang="ja-JP" altLang="en-US" dirty="0"/>
-          </a:p>
-        </p:txBody>
-      </p:sp>
-      <p:sp>
-        <p:nvSpPr>
-          <p:cNvPr id="3" name="テキスト プレースホルダー 2">
-            <a:extLst>
-              <a:ext uri="{FF2B5EF4-FFF2-40B4-BE49-F238E27FC236}">
-                <a16:creationId xmlns:a16="http://schemas.microsoft.com/office/drawing/2014/main" id="{6338C58D-8DB4-C6DD-9905-74CBD161ECC9}"/>
-              </a:ext>
-            </a:extLst>
-          </p:cNvPr>
-          <p:cNvSpPr>
-            <a:spLocks noGrp="1"/>
-          </p:cNvSpPr>
-          <p:nvPr>
-            <p:ph type="body" idx="1"/>
-          </p:nvPr>
-        </p:nvSpPr>
-        <p:spPr/>
-        <p:txBody>
-          <a:bodyPr/>
-          <a:lstStyle/>
-          <a:p>
-            <a:endParaRPr kumimoji="1" lang="ja-JP" altLang="en-US"/>
-          </a:p>
-        </p:txBody>
-      </p:sp>
-    </p:spTree>
-    <p:extLst>
-      <p:ext uri="{BB962C8B-B14F-4D97-AF65-F5344CB8AC3E}">
-        <p14:creationId xmlns:p14="http://schemas.microsoft.com/office/powerpoint/2010/main" val="4117684095"/>
-      </p:ext>
-    </p:extLst>
-  </p:cSld>
-  <p:clrMapOvr>
-    <a:masterClrMapping/>
-  </p:clrMapOvr>
-</p:sld>
-</file>
-
 <file path=ppt/theme/theme1.xml><?xml version="1.0" encoding="utf-8"?>
 <a:theme xmlns:a="http://schemas.openxmlformats.org/drawingml/2006/main" name="Office テーマ">
   <a:themeElements>

--- a/models/UI.pptx
+++ b/models/UI.pptx
@@ -6,19 +6,20 @@
   </p:sldMasterIdLst>
   <p:sldIdLst>
     <p:sldId id="256" r:id="rId2"/>
-    <p:sldId id="269" r:id="rId3"/>
-    <p:sldId id="268" r:id="rId4"/>
-    <p:sldId id="262" r:id="rId5"/>
-    <p:sldId id="257" r:id="rId6"/>
-    <p:sldId id="260" r:id="rId7"/>
-    <p:sldId id="258" r:id="rId8"/>
-    <p:sldId id="259" r:id="rId9"/>
-    <p:sldId id="261" r:id="rId10"/>
-    <p:sldId id="267" r:id="rId11"/>
-    <p:sldId id="263" r:id="rId12"/>
-    <p:sldId id="264" r:id="rId13"/>
-    <p:sldId id="265" r:id="rId14"/>
-    <p:sldId id="266" r:id="rId15"/>
+    <p:sldId id="270" r:id="rId3"/>
+    <p:sldId id="269" r:id="rId4"/>
+    <p:sldId id="268" r:id="rId5"/>
+    <p:sldId id="262" r:id="rId6"/>
+    <p:sldId id="257" r:id="rId7"/>
+    <p:sldId id="260" r:id="rId8"/>
+    <p:sldId id="258" r:id="rId9"/>
+    <p:sldId id="259" r:id="rId10"/>
+    <p:sldId id="261" r:id="rId11"/>
+    <p:sldId id="267" r:id="rId12"/>
+    <p:sldId id="263" r:id="rId13"/>
+    <p:sldId id="264" r:id="rId14"/>
+    <p:sldId id="265" r:id="rId15"/>
+    <p:sldId id="266" r:id="rId16"/>
   </p:sldIdLst>
   <p:sldSz cx="12192000" cy="6858000"/>
   <p:notesSz cx="6858000" cy="9144000"/>
@@ -272,7 +273,7 @@
           <a:p>
             <a:fld id="{C0D971C9-DB7B-45E2-859A-01875D4D6A0E}" type="datetimeFigureOut">
               <a:rPr kumimoji="1" lang="ja-JP" altLang="en-US" smtClean="0"/>
-              <a:t>2024/12/19</a:t>
+              <a:t>2024/12/25</a:t>
             </a:fld>
             <a:endParaRPr kumimoji="1" lang="ja-JP" altLang="en-US"/>
           </a:p>
@@ -502,7 +503,7 @@
           <a:p>
             <a:fld id="{C0D971C9-DB7B-45E2-859A-01875D4D6A0E}" type="datetimeFigureOut">
               <a:rPr kumimoji="1" lang="ja-JP" altLang="en-US" smtClean="0"/>
-              <a:t>2024/12/19</a:t>
+              <a:t>2024/12/25</a:t>
             </a:fld>
             <a:endParaRPr kumimoji="1" lang="ja-JP" altLang="en-US"/>
           </a:p>
@@ -742,7 +743,7 @@
           <a:p>
             <a:fld id="{C0D971C9-DB7B-45E2-859A-01875D4D6A0E}" type="datetimeFigureOut">
               <a:rPr kumimoji="1" lang="ja-JP" altLang="en-US" smtClean="0"/>
-              <a:t>2024/12/19</a:t>
+              <a:t>2024/12/25</a:t>
             </a:fld>
             <a:endParaRPr kumimoji="1" lang="ja-JP" altLang="en-US"/>
           </a:p>
@@ -972,7 +973,7 @@
           <a:p>
             <a:fld id="{C0D971C9-DB7B-45E2-859A-01875D4D6A0E}" type="datetimeFigureOut">
               <a:rPr kumimoji="1" lang="ja-JP" altLang="en-US" smtClean="0"/>
-              <a:t>2024/12/19</a:t>
+              <a:t>2024/12/25</a:t>
             </a:fld>
             <a:endParaRPr kumimoji="1" lang="ja-JP" altLang="en-US"/>
           </a:p>
@@ -1247,7 +1248,7 @@
           <a:p>
             <a:fld id="{C0D971C9-DB7B-45E2-859A-01875D4D6A0E}" type="datetimeFigureOut">
               <a:rPr kumimoji="1" lang="ja-JP" altLang="en-US" smtClean="0"/>
-              <a:t>2024/12/19</a:t>
+              <a:t>2024/12/25</a:t>
             </a:fld>
             <a:endParaRPr kumimoji="1" lang="ja-JP" altLang="en-US"/>
           </a:p>
@@ -1576,7 +1577,7 @@
           <a:p>
             <a:fld id="{C0D971C9-DB7B-45E2-859A-01875D4D6A0E}" type="datetimeFigureOut">
               <a:rPr kumimoji="1" lang="ja-JP" altLang="en-US" smtClean="0"/>
-              <a:t>2024/12/19</a:t>
+              <a:t>2024/12/25</a:t>
             </a:fld>
             <a:endParaRPr kumimoji="1" lang="ja-JP" altLang="en-US"/>
           </a:p>
@@ -2052,7 +2053,7 @@
           <a:p>
             <a:fld id="{C0D971C9-DB7B-45E2-859A-01875D4D6A0E}" type="datetimeFigureOut">
               <a:rPr kumimoji="1" lang="ja-JP" altLang="en-US" smtClean="0"/>
-              <a:t>2024/12/19</a:t>
+              <a:t>2024/12/25</a:t>
             </a:fld>
             <a:endParaRPr kumimoji="1" lang="ja-JP" altLang="en-US"/>
           </a:p>
@@ -2193,7 +2194,7 @@
           <a:p>
             <a:fld id="{C0D971C9-DB7B-45E2-859A-01875D4D6A0E}" type="datetimeFigureOut">
               <a:rPr kumimoji="1" lang="ja-JP" altLang="en-US" smtClean="0"/>
-              <a:t>2024/12/19</a:t>
+              <a:t>2024/12/25</a:t>
             </a:fld>
             <a:endParaRPr kumimoji="1" lang="ja-JP" altLang="en-US"/>
           </a:p>
@@ -2306,7 +2307,7 @@
           <a:p>
             <a:fld id="{C0D971C9-DB7B-45E2-859A-01875D4D6A0E}" type="datetimeFigureOut">
               <a:rPr kumimoji="1" lang="ja-JP" altLang="en-US" smtClean="0"/>
-              <a:t>2024/12/19</a:t>
+              <a:t>2024/12/25</a:t>
             </a:fld>
             <a:endParaRPr kumimoji="1" lang="ja-JP" altLang="en-US"/>
           </a:p>
@@ -2649,7 +2650,7 @@
           <a:p>
             <a:fld id="{C0D971C9-DB7B-45E2-859A-01875D4D6A0E}" type="datetimeFigureOut">
               <a:rPr kumimoji="1" lang="ja-JP" altLang="en-US" smtClean="0"/>
-              <a:t>2024/12/19</a:t>
+              <a:t>2024/12/25</a:t>
             </a:fld>
             <a:endParaRPr kumimoji="1" lang="ja-JP" altLang="en-US"/>
           </a:p>
@@ -2937,7 +2938,7 @@
           <a:p>
             <a:fld id="{C0D971C9-DB7B-45E2-859A-01875D4D6A0E}" type="datetimeFigureOut">
               <a:rPr kumimoji="1" lang="ja-JP" altLang="en-US" smtClean="0"/>
-              <a:t>2024/12/19</a:t>
+              <a:t>2024/12/25</a:t>
             </a:fld>
             <a:endParaRPr kumimoji="1" lang="ja-JP" altLang="en-US"/>
           </a:p>
@@ -3210,7 +3211,7 @@
           <a:p>
             <a:fld id="{C0D971C9-DB7B-45E2-859A-01875D4D6A0E}" type="datetimeFigureOut">
               <a:rPr kumimoji="1" lang="ja-JP" altLang="en-US" smtClean="0"/>
-              <a:t>2024/12/19</a:t>
+              <a:t>2024/12/25</a:t>
             </a:fld>
             <a:endParaRPr kumimoji="1" lang="ja-JP" altLang="en-US"/>
           </a:p>
@@ -3716,28 +3717,2033 @@
       </p:grpSpPr>
       <p:sp>
         <p:nvSpPr>
-          <p:cNvPr id="2" name="タイトル 1">
-            <a:extLst>
-              <a:ext uri="{FF2B5EF4-FFF2-40B4-BE49-F238E27FC236}">
-                <a16:creationId xmlns:a16="http://schemas.microsoft.com/office/drawing/2014/main" id="{494D604C-50A4-1D2B-F01C-C2EFE5AFACFF}"/>
-              </a:ext>
-            </a:extLst>
-          </p:cNvPr>
-          <p:cNvSpPr>
-            <a:spLocks noGrp="1"/>
-          </p:cNvSpPr>
+          <p:cNvPr id="2" name="正方形/長方形 1">
+            <a:extLst>
+              <a:ext uri="{FF2B5EF4-FFF2-40B4-BE49-F238E27FC236}">
+                <a16:creationId xmlns:a16="http://schemas.microsoft.com/office/drawing/2014/main" id="{01B48B62-9EB0-9876-5D3C-9E9619E624EB}"/>
+              </a:ext>
+            </a:extLst>
+          </p:cNvPr>
+          <p:cNvSpPr/>
+          <p:nvPr/>
+        </p:nvSpPr>
+        <p:spPr>
+          <a:xfrm>
+            <a:off x="1267305" y="892264"/>
+            <a:ext cx="9430247" cy="5263764"/>
+          </a:xfrm>
+          <a:prstGeom prst="rect">
+            <a:avLst/>
+          </a:prstGeom>
+        </p:spPr>
+        <p:style>
+          <a:lnRef idx="2">
+            <a:schemeClr val="dk1"/>
+          </a:lnRef>
+          <a:fillRef idx="1">
+            <a:schemeClr val="lt1"/>
+          </a:fillRef>
+          <a:effectRef idx="0">
+            <a:schemeClr val="dk1"/>
+          </a:effectRef>
+          <a:fontRef idx="minor">
+            <a:schemeClr val="dk1"/>
+          </a:fontRef>
+        </p:style>
+        <p:txBody>
+          <a:bodyPr rtlCol="0" anchor="ctr"/>
+          <a:lstStyle/>
+          <a:p>
+            <a:pPr algn="ctr"/>
+            <a:endParaRPr kumimoji="1" lang="ja-JP" altLang="en-US" dirty="0"/>
+          </a:p>
+        </p:txBody>
+      </p:sp>
+      <p:sp>
+        <p:nvSpPr>
+          <p:cNvPr id="3" name="正方形/長方形 2">
+            <a:extLst>
+              <a:ext uri="{FF2B5EF4-FFF2-40B4-BE49-F238E27FC236}">
+                <a16:creationId xmlns:a16="http://schemas.microsoft.com/office/drawing/2014/main" id="{6E1F8BD5-268F-80DE-F40A-597316CC1E7D}"/>
+              </a:ext>
+            </a:extLst>
+          </p:cNvPr>
+          <p:cNvSpPr/>
+          <p:nvPr/>
+        </p:nvSpPr>
+        <p:spPr>
+          <a:xfrm>
+            <a:off x="1160890" y="898497"/>
+            <a:ext cx="2170707" cy="5263764"/>
+          </a:xfrm>
+          <a:prstGeom prst="rect">
+            <a:avLst/>
+          </a:prstGeom>
+        </p:spPr>
+        <p:style>
+          <a:lnRef idx="2">
+            <a:schemeClr val="dk1"/>
+          </a:lnRef>
+          <a:fillRef idx="1">
+            <a:schemeClr val="lt1"/>
+          </a:fillRef>
+          <a:effectRef idx="0">
+            <a:schemeClr val="dk1"/>
+          </a:effectRef>
+          <a:fontRef idx="minor">
+            <a:schemeClr val="dk1"/>
+          </a:fontRef>
+        </p:style>
+        <p:txBody>
+          <a:bodyPr rtlCol="0" anchor="ctr"/>
+          <a:lstStyle/>
+          <a:p>
+            <a:pPr algn="ctr"/>
+            <a:endParaRPr kumimoji="1" lang="ja-JP" altLang="en-US"/>
+          </a:p>
+        </p:txBody>
+      </p:sp>
+      <p:sp>
+        <p:nvSpPr>
+          <p:cNvPr id="4" name="正方形/長方形 3">
+            <a:extLst>
+              <a:ext uri="{FF2B5EF4-FFF2-40B4-BE49-F238E27FC236}">
+                <a16:creationId xmlns:a16="http://schemas.microsoft.com/office/drawing/2014/main" id="{C5A5753D-9AB2-2EA2-E221-E71768BB32ED}"/>
+              </a:ext>
+            </a:extLst>
+          </p:cNvPr>
+          <p:cNvSpPr/>
+          <p:nvPr/>
+        </p:nvSpPr>
+        <p:spPr>
+          <a:xfrm>
+            <a:off x="2116254" y="2740030"/>
+            <a:ext cx="1184743" cy="974438"/>
+          </a:xfrm>
+          <a:prstGeom prst="rect">
+            <a:avLst/>
+          </a:prstGeom>
+        </p:spPr>
+        <p:style>
+          <a:lnRef idx="2">
+            <a:schemeClr val="dk1"/>
+          </a:lnRef>
+          <a:fillRef idx="1">
+            <a:schemeClr val="lt1"/>
+          </a:fillRef>
+          <a:effectRef idx="0">
+            <a:schemeClr val="dk1"/>
+          </a:effectRef>
+          <a:fontRef idx="minor">
+            <a:schemeClr val="dk1"/>
+          </a:fontRef>
+        </p:style>
+        <p:txBody>
+          <a:bodyPr rtlCol="0" anchor="ctr"/>
+          <a:lstStyle/>
+          <a:p>
+            <a:pPr algn="ctr"/>
+            <a:endParaRPr kumimoji="1" lang="ja-JP" altLang="en-US"/>
+          </a:p>
+        </p:txBody>
+      </p:sp>
+      <p:grpSp>
+        <p:nvGrpSpPr>
+          <p:cNvPr id="5" name="グループ化 4">
+            <a:extLst>
+              <a:ext uri="{FF2B5EF4-FFF2-40B4-BE49-F238E27FC236}">
+                <a16:creationId xmlns:a16="http://schemas.microsoft.com/office/drawing/2014/main" id="{FB13551E-7F7F-A341-70A2-8CCD12D28713}"/>
+              </a:ext>
+            </a:extLst>
+          </p:cNvPr>
+          <p:cNvGrpSpPr/>
+          <p:nvPr/>
+        </p:nvGrpSpPr>
+        <p:grpSpPr>
+          <a:xfrm>
+            <a:off x="2254900" y="2733080"/>
+            <a:ext cx="975361" cy="940510"/>
+            <a:chOff x="9591921" y="1516576"/>
+            <a:chExt cx="975361" cy="940510"/>
+          </a:xfrm>
+        </p:grpSpPr>
+        <p:sp>
+          <p:nvSpPr>
+            <p:cNvPr id="6" name="楕円 5">
+              <a:extLst>
+                <a:ext uri="{FF2B5EF4-FFF2-40B4-BE49-F238E27FC236}">
+                  <a16:creationId xmlns:a16="http://schemas.microsoft.com/office/drawing/2014/main" id="{7D7D7B7B-BF8E-F958-E8AF-A9B68603B2DC}"/>
+                </a:ext>
+              </a:extLst>
+            </p:cNvPr>
+            <p:cNvSpPr/>
+            <p:nvPr/>
+          </p:nvSpPr>
+          <p:spPr>
+            <a:xfrm>
+              <a:off x="9598548" y="1603838"/>
+              <a:ext cx="159026" cy="194808"/>
+            </a:xfrm>
+            <a:prstGeom prst="ellipse">
+              <a:avLst/>
+            </a:prstGeom>
+          </p:spPr>
+          <p:style>
+            <a:lnRef idx="2">
+              <a:schemeClr val="dk1">
+                <a:shade val="15000"/>
+              </a:schemeClr>
+            </a:lnRef>
+            <a:fillRef idx="1">
+              <a:schemeClr val="dk1"/>
+            </a:fillRef>
+            <a:effectRef idx="0">
+              <a:schemeClr val="dk1"/>
+            </a:effectRef>
+            <a:fontRef idx="minor">
+              <a:schemeClr val="lt1"/>
+            </a:fontRef>
+          </p:style>
+          <p:txBody>
+            <a:bodyPr rtlCol="0" anchor="ctr"/>
+            <a:lstStyle/>
+            <a:p>
+              <a:pPr algn="ctr"/>
+              <a:endParaRPr kumimoji="1" lang="ja-JP" altLang="en-US"/>
+            </a:p>
+          </p:txBody>
+        </p:sp>
+        <p:sp>
+          <p:nvSpPr>
+            <p:cNvPr id="7" name="テキスト ボックス 6">
+              <a:extLst>
+                <a:ext uri="{FF2B5EF4-FFF2-40B4-BE49-F238E27FC236}">
+                  <a16:creationId xmlns:a16="http://schemas.microsoft.com/office/drawing/2014/main" id="{CC1D1D68-F8E0-8A86-C4A6-565E04C82EC7}"/>
+                </a:ext>
+              </a:extLst>
+            </p:cNvPr>
+            <p:cNvSpPr txBox="1"/>
+            <p:nvPr/>
+          </p:nvSpPr>
+          <p:spPr>
+            <a:xfrm>
+              <a:off x="9748298" y="1516576"/>
+              <a:ext cx="818984" cy="369332"/>
+            </a:xfrm>
+            <a:prstGeom prst="rect">
+              <a:avLst/>
+            </a:prstGeom>
+            <a:noFill/>
+          </p:spPr>
+          <p:txBody>
+            <a:bodyPr wrap="square" rtlCol="0">
+              <a:spAutoFit/>
+            </a:bodyPr>
+            <a:lstStyle/>
+            <a:p>
+              <a:r>
+                <a:rPr kumimoji="1" lang="en-US" altLang="ja-JP" dirty="0"/>
+                <a:t>JPY</a:t>
+              </a:r>
+              <a:endParaRPr kumimoji="1" lang="ja-JP" altLang="en-US" dirty="0"/>
+            </a:p>
+          </p:txBody>
+        </p:sp>
+        <p:sp>
+          <p:nvSpPr>
+            <p:cNvPr id="8" name="楕円 7">
+              <a:extLst>
+                <a:ext uri="{FF2B5EF4-FFF2-40B4-BE49-F238E27FC236}">
+                  <a16:creationId xmlns:a16="http://schemas.microsoft.com/office/drawing/2014/main" id="{DB522B0D-0E49-4C29-6C97-44AC7EC86CD7}"/>
+                </a:ext>
+              </a:extLst>
+            </p:cNvPr>
+            <p:cNvSpPr/>
+            <p:nvPr/>
+          </p:nvSpPr>
+          <p:spPr>
+            <a:xfrm>
+              <a:off x="9611800" y="1882657"/>
+              <a:ext cx="159026" cy="194808"/>
+            </a:xfrm>
+            <a:prstGeom prst="ellipse">
+              <a:avLst/>
+            </a:prstGeom>
+          </p:spPr>
+          <p:style>
+            <a:lnRef idx="2">
+              <a:schemeClr val="dk1"/>
+            </a:lnRef>
+            <a:fillRef idx="1">
+              <a:schemeClr val="lt1"/>
+            </a:fillRef>
+            <a:effectRef idx="0">
+              <a:schemeClr val="dk1"/>
+            </a:effectRef>
+            <a:fontRef idx="minor">
+              <a:schemeClr val="dk1"/>
+            </a:fontRef>
+          </p:style>
+          <p:txBody>
+            <a:bodyPr rtlCol="0" anchor="ctr"/>
+            <a:lstStyle/>
+            <a:p>
+              <a:pPr algn="ctr"/>
+              <a:endParaRPr kumimoji="1" lang="ja-JP" altLang="en-US"/>
+            </a:p>
+          </p:txBody>
+        </p:sp>
+        <p:sp>
+          <p:nvSpPr>
+            <p:cNvPr id="9" name="テキスト ボックス 8">
+              <a:extLst>
+                <a:ext uri="{FF2B5EF4-FFF2-40B4-BE49-F238E27FC236}">
+                  <a16:creationId xmlns:a16="http://schemas.microsoft.com/office/drawing/2014/main" id="{A6EABA8F-AC0D-DA6F-F790-C82868EB8831}"/>
+                </a:ext>
+              </a:extLst>
+            </p:cNvPr>
+            <p:cNvSpPr txBox="1"/>
+            <p:nvPr/>
+          </p:nvSpPr>
+          <p:spPr>
+            <a:xfrm>
+              <a:off x="9741671" y="1798123"/>
+              <a:ext cx="818984" cy="369332"/>
+            </a:xfrm>
+            <a:prstGeom prst="rect">
+              <a:avLst/>
+            </a:prstGeom>
+            <a:noFill/>
+          </p:spPr>
+          <p:txBody>
+            <a:bodyPr wrap="square" rtlCol="0">
+              <a:spAutoFit/>
+            </a:bodyPr>
+            <a:lstStyle/>
+            <a:p>
+              <a:r>
+                <a:rPr kumimoji="1" lang="en-US" altLang="ja-JP" dirty="0"/>
+                <a:t>USD</a:t>
+              </a:r>
+              <a:endParaRPr kumimoji="1" lang="ja-JP" altLang="en-US" dirty="0"/>
+            </a:p>
+          </p:txBody>
+        </p:sp>
+        <p:sp>
+          <p:nvSpPr>
+            <p:cNvPr id="10" name="楕円 9">
+              <a:extLst>
+                <a:ext uri="{FF2B5EF4-FFF2-40B4-BE49-F238E27FC236}">
+                  <a16:creationId xmlns:a16="http://schemas.microsoft.com/office/drawing/2014/main" id="{78E579B5-05D2-B47A-38AB-252EFDC174E5}"/>
+                </a:ext>
+              </a:extLst>
+            </p:cNvPr>
+            <p:cNvSpPr/>
+            <p:nvPr/>
+          </p:nvSpPr>
+          <p:spPr>
+            <a:xfrm>
+              <a:off x="9591921" y="2175016"/>
+              <a:ext cx="159026" cy="194808"/>
+            </a:xfrm>
+            <a:prstGeom prst="ellipse">
+              <a:avLst/>
+            </a:prstGeom>
+          </p:spPr>
+          <p:style>
+            <a:lnRef idx="2">
+              <a:schemeClr val="dk1"/>
+            </a:lnRef>
+            <a:fillRef idx="1">
+              <a:schemeClr val="lt1"/>
+            </a:fillRef>
+            <a:effectRef idx="0">
+              <a:schemeClr val="dk1"/>
+            </a:effectRef>
+            <a:fontRef idx="minor">
+              <a:schemeClr val="dk1"/>
+            </a:fontRef>
+          </p:style>
+          <p:txBody>
+            <a:bodyPr rtlCol="0" anchor="ctr"/>
+            <a:lstStyle/>
+            <a:p>
+              <a:pPr algn="ctr"/>
+              <a:endParaRPr kumimoji="1" lang="ja-JP" altLang="en-US"/>
+            </a:p>
+          </p:txBody>
+        </p:sp>
+        <p:sp>
+          <p:nvSpPr>
+            <p:cNvPr id="11" name="テキスト ボックス 10">
+              <a:extLst>
+                <a:ext uri="{FF2B5EF4-FFF2-40B4-BE49-F238E27FC236}">
+                  <a16:creationId xmlns:a16="http://schemas.microsoft.com/office/drawing/2014/main" id="{A5AA07D7-EC80-1522-A7D9-3FB13CD3BF07}"/>
+                </a:ext>
+              </a:extLst>
+            </p:cNvPr>
+            <p:cNvSpPr txBox="1"/>
+            <p:nvPr/>
+          </p:nvSpPr>
+          <p:spPr>
+            <a:xfrm>
+              <a:off x="9741671" y="2087754"/>
+              <a:ext cx="818984" cy="369332"/>
+            </a:xfrm>
+            <a:prstGeom prst="rect">
+              <a:avLst/>
+            </a:prstGeom>
+            <a:noFill/>
+          </p:spPr>
+          <p:txBody>
+            <a:bodyPr wrap="square" rtlCol="0">
+              <a:spAutoFit/>
+            </a:bodyPr>
+            <a:lstStyle/>
+            <a:p>
+              <a:r>
+                <a:rPr lang="en-US" altLang="ja-JP" dirty="0"/>
+                <a:t>EUR</a:t>
+              </a:r>
+              <a:endParaRPr kumimoji="1" lang="ja-JP" altLang="en-US" dirty="0"/>
+            </a:p>
+          </p:txBody>
+        </p:sp>
+      </p:grpSp>
+      <p:sp>
+        <p:nvSpPr>
+          <p:cNvPr id="12" name="テキスト ボックス 11">
+            <a:extLst>
+              <a:ext uri="{FF2B5EF4-FFF2-40B4-BE49-F238E27FC236}">
+                <a16:creationId xmlns:a16="http://schemas.microsoft.com/office/drawing/2014/main" id="{0C359C2F-9777-694E-3ECB-32E2B2551E0B}"/>
+              </a:ext>
+            </a:extLst>
+          </p:cNvPr>
+          <p:cNvSpPr txBox="1"/>
+          <p:nvPr/>
+        </p:nvSpPr>
+        <p:spPr>
+          <a:xfrm>
+            <a:off x="1169279" y="4253805"/>
+            <a:ext cx="1847352" cy="369332"/>
+          </a:xfrm>
+          <a:prstGeom prst="rect">
+            <a:avLst/>
+          </a:prstGeom>
+          <a:noFill/>
+        </p:spPr>
+        <p:txBody>
+          <a:bodyPr wrap="square" rtlCol="0">
+            <a:spAutoFit/>
+          </a:bodyPr>
+          <a:lstStyle/>
+          <a:p>
+            <a:r>
+              <a:rPr kumimoji="1" lang="en-US" altLang="ja-JP" dirty="0" err="1"/>
+              <a:t>Total:xxxxxx</a:t>
+            </a:r>
+            <a:r>
+              <a:rPr kumimoji="1" lang="ja-JP" altLang="en-US" dirty="0"/>
+              <a:t>円</a:t>
+            </a:r>
+          </a:p>
+        </p:txBody>
+      </p:sp>
+      <p:sp>
+        <p:nvSpPr>
+          <p:cNvPr id="13" name="テキスト ボックス 12">
+            <a:extLst>
+              <a:ext uri="{FF2B5EF4-FFF2-40B4-BE49-F238E27FC236}">
+                <a16:creationId xmlns:a16="http://schemas.microsoft.com/office/drawing/2014/main" id="{CC65EEC7-91AC-A177-994D-37729B305E28}"/>
+              </a:ext>
+            </a:extLst>
+          </p:cNvPr>
+          <p:cNvSpPr txBox="1"/>
+          <p:nvPr/>
+        </p:nvSpPr>
+        <p:spPr>
+          <a:xfrm>
+            <a:off x="2182826" y="3813277"/>
+            <a:ext cx="1445812" cy="369332"/>
+          </a:xfrm>
+          <a:prstGeom prst="rect">
+            <a:avLst/>
+          </a:prstGeom>
+          <a:noFill/>
+        </p:spPr>
+        <p:txBody>
+          <a:bodyPr wrap="square" rtlCol="0">
+            <a:spAutoFit/>
+          </a:bodyPr>
+          <a:lstStyle/>
+          <a:p>
+            <a:r>
+              <a:rPr kumimoji="1" lang="en-US" altLang="ja-JP" dirty="0"/>
+              <a:t>XX</a:t>
+            </a:r>
+            <a:r>
+              <a:rPr kumimoji="1" lang="ja-JP" altLang="en-US" dirty="0"/>
+              <a:t>カ国</a:t>
+            </a:r>
+          </a:p>
+        </p:txBody>
+      </p:sp>
+      <p:sp>
+        <p:nvSpPr>
+          <p:cNvPr id="14" name="四角形: 角を丸くする 13">
+            <a:extLst>
+              <a:ext uri="{FF2B5EF4-FFF2-40B4-BE49-F238E27FC236}">
+                <a16:creationId xmlns:a16="http://schemas.microsoft.com/office/drawing/2014/main" id="{804C2D59-5BE4-8CC2-908F-F0820C654495}"/>
+              </a:ext>
+            </a:extLst>
+          </p:cNvPr>
+          <p:cNvSpPr/>
+          <p:nvPr/>
+        </p:nvSpPr>
+        <p:spPr>
+          <a:xfrm>
+            <a:off x="3331597" y="917912"/>
+            <a:ext cx="1598212" cy="369332"/>
+          </a:xfrm>
+          <a:prstGeom prst="roundRect">
+            <a:avLst/>
+          </a:prstGeom>
+        </p:spPr>
+        <p:style>
+          <a:lnRef idx="2">
+            <a:schemeClr val="dk1"/>
+          </a:lnRef>
+          <a:fillRef idx="1">
+            <a:schemeClr val="lt1"/>
+          </a:fillRef>
+          <a:effectRef idx="0">
+            <a:schemeClr val="dk1"/>
+          </a:effectRef>
+          <a:fontRef idx="minor">
+            <a:schemeClr val="dk1"/>
+          </a:fontRef>
+        </p:style>
+        <p:txBody>
+          <a:bodyPr rtlCol="0" anchor="ctr"/>
+          <a:lstStyle/>
+          <a:p>
+            <a:pPr algn="ctr"/>
+            <a:r>
+              <a:rPr lang="en-US" altLang="ja-JP" sz="1400" dirty="0"/>
+              <a:t>accommodation</a:t>
+            </a:r>
+            <a:endParaRPr kumimoji="1" lang="ja-JP" altLang="en-US" sz="1400" dirty="0"/>
+          </a:p>
+        </p:txBody>
+      </p:sp>
+      <p:sp>
+        <p:nvSpPr>
+          <p:cNvPr id="15" name="四角形: 角を丸くする 14">
+            <a:extLst>
+              <a:ext uri="{FF2B5EF4-FFF2-40B4-BE49-F238E27FC236}">
+                <a16:creationId xmlns:a16="http://schemas.microsoft.com/office/drawing/2014/main" id="{41B26FF6-2F68-8B4D-1028-DC0EDA415617}"/>
+              </a:ext>
+            </a:extLst>
+          </p:cNvPr>
+          <p:cNvSpPr/>
+          <p:nvPr/>
+        </p:nvSpPr>
+        <p:spPr>
+          <a:xfrm>
+            <a:off x="4929809" y="907494"/>
+            <a:ext cx="1598212" cy="369332"/>
+          </a:xfrm>
+          <a:prstGeom prst="roundRect">
+            <a:avLst/>
+          </a:prstGeom>
+        </p:spPr>
+        <p:style>
+          <a:lnRef idx="2">
+            <a:schemeClr val="dk1"/>
+          </a:lnRef>
+          <a:fillRef idx="1">
+            <a:schemeClr val="lt1"/>
+          </a:fillRef>
+          <a:effectRef idx="0">
+            <a:schemeClr val="dk1"/>
+          </a:effectRef>
+          <a:fontRef idx="minor">
+            <a:schemeClr val="dk1"/>
+          </a:fontRef>
+        </p:style>
+        <p:txBody>
+          <a:bodyPr rtlCol="0" anchor="ctr"/>
+          <a:lstStyle/>
+          <a:p>
+            <a:pPr algn="ctr"/>
+            <a:r>
+              <a:rPr lang="en-US" altLang="ja-JP" sz="1600" dirty="0"/>
+              <a:t>transportation</a:t>
+            </a:r>
+            <a:endParaRPr kumimoji="1" lang="ja-JP" altLang="en-US" sz="1600" dirty="0"/>
+          </a:p>
+        </p:txBody>
+      </p:sp>
+      <p:sp>
+        <p:nvSpPr>
+          <p:cNvPr id="16" name="四角形: 角を丸くする 15">
+            <a:extLst>
+              <a:ext uri="{FF2B5EF4-FFF2-40B4-BE49-F238E27FC236}">
+                <a16:creationId xmlns:a16="http://schemas.microsoft.com/office/drawing/2014/main" id="{50243A87-D0C3-170F-8B9E-9462D926ED11}"/>
+              </a:ext>
+            </a:extLst>
+          </p:cNvPr>
+          <p:cNvSpPr/>
+          <p:nvPr/>
+        </p:nvSpPr>
+        <p:spPr>
+          <a:xfrm>
+            <a:off x="6528021" y="907494"/>
+            <a:ext cx="1598212" cy="369332"/>
+          </a:xfrm>
+          <a:prstGeom prst="roundRect">
+            <a:avLst/>
+          </a:prstGeom>
+        </p:spPr>
+        <p:style>
+          <a:lnRef idx="2">
+            <a:schemeClr val="accent3"/>
+          </a:lnRef>
+          <a:fillRef idx="1">
+            <a:schemeClr val="lt1"/>
+          </a:fillRef>
+          <a:effectRef idx="0">
+            <a:schemeClr val="accent3"/>
+          </a:effectRef>
+          <a:fontRef idx="minor">
+            <a:schemeClr val="dk1"/>
+          </a:fontRef>
+        </p:style>
+        <p:txBody>
+          <a:bodyPr rtlCol="0" anchor="ctr"/>
+          <a:lstStyle/>
+          <a:p>
+            <a:pPr algn="ctr"/>
+            <a:r>
+              <a:rPr kumimoji="1" lang="en-US" altLang="ja-JP" dirty="0"/>
+              <a:t>sightseeing</a:t>
+            </a:r>
+            <a:endParaRPr kumimoji="1" lang="ja-JP" altLang="en-US" dirty="0"/>
+          </a:p>
+        </p:txBody>
+      </p:sp>
+      <p:sp>
+        <p:nvSpPr>
+          <p:cNvPr id="17" name="正方形/長方形 16">
+            <a:extLst>
+              <a:ext uri="{FF2B5EF4-FFF2-40B4-BE49-F238E27FC236}">
+                <a16:creationId xmlns:a16="http://schemas.microsoft.com/office/drawing/2014/main" id="{A1162FF5-31B5-50FA-993F-2595C67FC946}"/>
+              </a:ext>
+            </a:extLst>
+          </p:cNvPr>
+          <p:cNvSpPr/>
+          <p:nvPr/>
+        </p:nvSpPr>
+        <p:spPr>
+          <a:xfrm>
+            <a:off x="1958657" y="1256418"/>
+            <a:ext cx="1163540" cy="292359"/>
+          </a:xfrm>
+          <a:prstGeom prst="rect">
+            <a:avLst/>
+          </a:prstGeom>
+        </p:spPr>
+        <p:style>
+          <a:lnRef idx="2">
+            <a:schemeClr val="dk1"/>
+          </a:lnRef>
+          <a:fillRef idx="1">
+            <a:schemeClr val="lt1"/>
+          </a:fillRef>
+          <a:effectRef idx="0">
+            <a:schemeClr val="dk1"/>
+          </a:effectRef>
+          <a:fontRef idx="minor">
+            <a:schemeClr val="dk1"/>
+          </a:fontRef>
+        </p:style>
+        <p:txBody>
+          <a:bodyPr rtlCol="0" anchor="ctr"/>
+          <a:lstStyle/>
+          <a:p>
+            <a:pPr algn="ctr"/>
+            <a:r>
+              <a:rPr lang="en-US" altLang="ja-JP" dirty="0"/>
+              <a:t>Japan</a:t>
+            </a:r>
+            <a:endParaRPr kumimoji="1" lang="ja-JP" altLang="en-US" dirty="0"/>
+          </a:p>
+        </p:txBody>
+      </p:sp>
+      <p:sp>
+        <p:nvSpPr>
+          <p:cNvPr id="18" name="動作設定ボタン: 戻る/前へ 17">
+            <a:hlinkClick r:id="" action="ppaction://hlinkshowjump?jump=previousslide" highlightClick="1"/>
+            <a:extLst>
+              <a:ext uri="{FF2B5EF4-FFF2-40B4-BE49-F238E27FC236}">
+                <a16:creationId xmlns:a16="http://schemas.microsoft.com/office/drawing/2014/main" id="{C5B43B7C-F0B6-2A94-575F-A1A57B72F19C}"/>
+              </a:ext>
+            </a:extLst>
+          </p:cNvPr>
+          <p:cNvSpPr/>
+          <p:nvPr/>
+        </p:nvSpPr>
+        <p:spPr>
+          <a:xfrm rot="16200000">
+            <a:off x="3041826" y="1304984"/>
+            <a:ext cx="365145" cy="204403"/>
+          </a:xfrm>
+          <a:prstGeom prst="actionButtonBackPrevious">
+            <a:avLst/>
+          </a:prstGeom>
+        </p:spPr>
+        <p:style>
+          <a:lnRef idx="2">
+            <a:schemeClr val="dk1"/>
+          </a:lnRef>
+          <a:fillRef idx="1">
+            <a:schemeClr val="lt1"/>
+          </a:fillRef>
+          <a:effectRef idx="0">
+            <a:schemeClr val="dk1"/>
+          </a:effectRef>
+          <a:fontRef idx="minor">
+            <a:schemeClr val="dk1"/>
+          </a:fontRef>
+        </p:style>
+        <p:txBody>
+          <a:bodyPr rtlCol="0" anchor="ctr"/>
+          <a:lstStyle/>
+          <a:p>
+            <a:pPr algn="ctr"/>
+            <a:endParaRPr kumimoji="1" lang="ja-JP" altLang="en-US"/>
+          </a:p>
+        </p:txBody>
+      </p:sp>
+      <p:graphicFrame>
+        <p:nvGraphicFramePr>
+          <p:cNvPr id="19" name="表 18">
+            <a:extLst>
+              <a:ext uri="{FF2B5EF4-FFF2-40B4-BE49-F238E27FC236}">
+                <a16:creationId xmlns:a16="http://schemas.microsoft.com/office/drawing/2014/main" id="{98A3072B-2F56-4EFB-009D-2B51C6A326CE}"/>
+              </a:ext>
+            </a:extLst>
+          </p:cNvPr>
+          <p:cNvGraphicFramePr>
+            <a:graphicFrameLocks noGrp="1"/>
+          </p:cNvGraphicFramePr>
           <p:nvPr>
-            <p:ph type="title"/>
+            <p:extLst>
+              <p:ext uri="{D42A27DB-BD31-4B8C-83A1-F6EECF244321}">
+                <p14:modId xmlns:p14="http://schemas.microsoft.com/office/powerpoint/2010/main" val="3980302208"/>
+              </p:ext>
+            </p:extLst>
           </p:nvPr>
-        </p:nvSpPr>
-        <p:spPr/>
-        <p:txBody>
-          <a:bodyPr/>
+        </p:nvGraphicFramePr>
+        <p:xfrm>
+          <a:off x="3435186" y="4393305"/>
+          <a:ext cx="7158777" cy="1463040"/>
+        </p:xfrm>
+        <a:graphic>
+          <a:graphicData uri="http://schemas.openxmlformats.org/drawingml/2006/table">
+            <a:tbl>
+              <a:tblPr firstRow="1" bandRow="1">
+                <a:tableStyleId>{5C22544A-7EE6-4342-B048-85BDC9FD1C3A}</a:tableStyleId>
+              </a:tblPr>
+              <a:tblGrid>
+                <a:gridCol w="1001025">
+                  <a:extLst>
+                    <a:ext uri="{9D8B030D-6E8A-4147-A177-3AD203B41FA5}">
+                      <a16:colId xmlns:a16="http://schemas.microsoft.com/office/drawing/2014/main" val="2180251572"/>
+                    </a:ext>
+                  </a:extLst>
+                </a:gridCol>
+                <a:gridCol w="1026292">
+                  <a:extLst>
+                    <a:ext uri="{9D8B030D-6E8A-4147-A177-3AD203B41FA5}">
+                      <a16:colId xmlns:a16="http://schemas.microsoft.com/office/drawing/2014/main" val="2094606021"/>
+                    </a:ext>
+                  </a:extLst>
+                </a:gridCol>
+                <a:gridCol w="1026292">
+                  <a:extLst>
+                    <a:ext uri="{9D8B030D-6E8A-4147-A177-3AD203B41FA5}">
+                      <a16:colId xmlns:a16="http://schemas.microsoft.com/office/drawing/2014/main" val="3658194246"/>
+                    </a:ext>
+                  </a:extLst>
+                </a:gridCol>
+                <a:gridCol w="1026292">
+                  <a:extLst>
+                    <a:ext uri="{9D8B030D-6E8A-4147-A177-3AD203B41FA5}">
+                      <a16:colId xmlns:a16="http://schemas.microsoft.com/office/drawing/2014/main" val="2463708021"/>
+                    </a:ext>
+                  </a:extLst>
+                </a:gridCol>
+                <a:gridCol w="1026292">
+                  <a:extLst>
+                    <a:ext uri="{9D8B030D-6E8A-4147-A177-3AD203B41FA5}">
+                      <a16:colId xmlns:a16="http://schemas.microsoft.com/office/drawing/2014/main" val="3949346235"/>
+                    </a:ext>
+                  </a:extLst>
+                </a:gridCol>
+                <a:gridCol w="1026292">
+                  <a:extLst>
+                    <a:ext uri="{9D8B030D-6E8A-4147-A177-3AD203B41FA5}">
+                      <a16:colId xmlns:a16="http://schemas.microsoft.com/office/drawing/2014/main" val="1603087287"/>
+                    </a:ext>
+                  </a:extLst>
+                </a:gridCol>
+                <a:gridCol w="1026292">
+                  <a:extLst>
+                    <a:ext uri="{9D8B030D-6E8A-4147-A177-3AD203B41FA5}">
+                      <a16:colId xmlns:a16="http://schemas.microsoft.com/office/drawing/2014/main" val="1009576968"/>
+                    </a:ext>
+                  </a:extLst>
+                </a:gridCol>
+              </a:tblGrid>
+              <a:tr h="316188">
+                <a:tc>
+                  <a:txBody>
+                    <a:bodyPr/>
+                    <a:lstStyle/>
+                    <a:p>
+                      <a:r>
+                        <a:rPr kumimoji="1" lang="en-US" altLang="ja-JP" sz="1600" dirty="0"/>
+                        <a:t>date</a:t>
+                      </a:r>
+                      <a:endParaRPr kumimoji="1" lang="ja-JP" altLang="en-US" sz="1600" dirty="0"/>
+                    </a:p>
+                  </a:txBody>
+                  <a:tcPr/>
+                </a:tc>
+                <a:tc>
+                  <a:txBody>
+                    <a:bodyPr/>
+                    <a:lstStyle/>
+                    <a:p>
+                      <a:r>
+                        <a:rPr kumimoji="1" lang="en-US" altLang="ja-JP" dirty="0"/>
+                        <a:t>context</a:t>
+                      </a:r>
+                      <a:endParaRPr kumimoji="1" lang="ja-JP" altLang="en-US" dirty="0"/>
+                    </a:p>
+                  </a:txBody>
+                  <a:tcPr/>
+                </a:tc>
+                <a:tc>
+                  <a:txBody>
+                    <a:bodyPr/>
+                    <a:lstStyle/>
+                    <a:p>
+                      <a:r>
+                        <a:rPr kumimoji="1" lang="en-US" altLang="ja-JP" sz="1400" dirty="0"/>
+                        <a:t>country</a:t>
+                      </a:r>
+                      <a:endParaRPr kumimoji="1" lang="ja-JP" altLang="en-US" sz="1400" dirty="0"/>
+                    </a:p>
+                  </a:txBody>
+                  <a:tcPr/>
+                </a:tc>
+                <a:tc>
+                  <a:txBody>
+                    <a:bodyPr/>
+                    <a:lstStyle/>
+                    <a:p>
+                      <a:r>
+                        <a:rPr kumimoji="1" lang="en-US" altLang="ja-JP" dirty="0"/>
+                        <a:t>region</a:t>
+                      </a:r>
+                      <a:endParaRPr kumimoji="1" lang="ja-JP" altLang="en-US" dirty="0"/>
+                    </a:p>
+                  </a:txBody>
+                  <a:tcPr/>
+                </a:tc>
+                <a:tc>
+                  <a:txBody>
+                    <a:bodyPr/>
+                    <a:lstStyle/>
+                    <a:p>
+                      <a:r>
+                        <a:rPr kumimoji="1" lang="en-US" altLang="ja-JP" dirty="0"/>
+                        <a:t>price</a:t>
+                      </a:r>
+                      <a:endParaRPr kumimoji="1" lang="ja-JP" altLang="en-US" dirty="0"/>
+                    </a:p>
+                  </a:txBody>
+                  <a:tcPr/>
+                </a:tc>
+                <a:tc>
+                  <a:txBody>
+                    <a:bodyPr/>
+                    <a:lstStyle/>
+                    <a:p>
+                      <a:r>
+                        <a:rPr kumimoji="1" lang="en-US" altLang="ja-JP" dirty="0"/>
+                        <a:t>JPY</a:t>
+                      </a:r>
+                      <a:endParaRPr kumimoji="1" lang="ja-JP" altLang="en-US" dirty="0"/>
+                    </a:p>
+                  </a:txBody>
+                  <a:tcPr/>
+                </a:tc>
+                <a:tc>
+                  <a:txBody>
+                    <a:bodyPr/>
+                    <a:lstStyle/>
+                    <a:p>
+                      <a:r>
+                        <a:rPr kumimoji="1" lang="en-US" altLang="ja-JP" dirty="0"/>
+                        <a:t>memo</a:t>
+                      </a:r>
+                      <a:endParaRPr kumimoji="1" lang="ja-JP" altLang="en-US" dirty="0"/>
+                    </a:p>
+                  </a:txBody>
+                  <a:tcPr/>
+                </a:tc>
+                <a:extLst>
+                  <a:ext uri="{0D108BD9-81ED-4DB2-BD59-A6C34878D82A}">
+                    <a16:rowId xmlns:a16="http://schemas.microsoft.com/office/drawing/2014/main" val="3636590592"/>
+                  </a:ext>
+                </a:extLst>
+              </a:tr>
+              <a:tr h="316188">
+                <a:tc>
+                  <a:txBody>
+                    <a:bodyPr/>
+                    <a:lstStyle/>
+                    <a:p>
+                      <a:r>
+                        <a:rPr kumimoji="1" lang="en-US" altLang="ja-JP" sz="1200" dirty="0"/>
+                        <a:t>2022/11/2</a:t>
+                      </a:r>
+                      <a:endParaRPr kumimoji="1" lang="ja-JP" altLang="en-US" sz="1200" dirty="0"/>
+                    </a:p>
+                  </a:txBody>
+                  <a:tcPr/>
+                </a:tc>
+                <a:tc>
+                  <a:txBody>
+                    <a:bodyPr/>
+                    <a:lstStyle/>
+                    <a:p>
+                      <a:r>
+                        <a:rPr kumimoji="1" lang="en-US" altLang="ja-JP" dirty="0" err="1"/>
+                        <a:t>Mt.Fuji</a:t>
+                      </a:r>
+                      <a:endParaRPr kumimoji="1" lang="ja-JP" altLang="en-US" dirty="0"/>
+                    </a:p>
+                  </a:txBody>
+                  <a:tcPr/>
+                </a:tc>
+                <a:tc>
+                  <a:txBody>
+                    <a:bodyPr/>
+                    <a:lstStyle/>
+                    <a:p>
+                      <a:r>
+                        <a:rPr kumimoji="1" lang="en-US" altLang="ja-JP" dirty="0"/>
+                        <a:t>Japan</a:t>
+                      </a:r>
+                      <a:endParaRPr kumimoji="1" lang="ja-JP" altLang="en-US" dirty="0"/>
+                    </a:p>
+                  </a:txBody>
+                  <a:tcPr/>
+                </a:tc>
+                <a:tc>
+                  <a:txBody>
+                    <a:bodyPr/>
+                    <a:lstStyle/>
+                    <a:p>
+                      <a:r>
+                        <a:rPr kumimoji="1" lang="en-US" altLang="ja-JP" sz="1400" dirty="0"/>
+                        <a:t>Shizuoka</a:t>
+                      </a:r>
+                      <a:endParaRPr kumimoji="1" lang="ja-JP" altLang="en-US" sz="1400" dirty="0"/>
+                    </a:p>
+                  </a:txBody>
+                  <a:tcPr/>
+                </a:tc>
+                <a:tc>
+                  <a:txBody>
+                    <a:bodyPr/>
+                    <a:lstStyle/>
+                    <a:p>
+                      <a:r>
+                        <a:rPr kumimoji="1" lang="en-US" altLang="ja-JP" dirty="0"/>
+                        <a:t>5000</a:t>
+                      </a:r>
+                      <a:endParaRPr kumimoji="1" lang="ja-JP" altLang="en-US" dirty="0"/>
+                    </a:p>
+                  </a:txBody>
+                  <a:tcPr/>
+                </a:tc>
+                <a:tc>
+                  <a:txBody>
+                    <a:bodyPr/>
+                    <a:lstStyle/>
+                    <a:p>
+                      <a:r>
+                        <a:rPr kumimoji="1" lang="en-US" altLang="ja-JP" dirty="0"/>
+                        <a:t>5000</a:t>
+                      </a:r>
+                      <a:endParaRPr kumimoji="1" lang="ja-JP" altLang="en-US" dirty="0"/>
+                    </a:p>
+                  </a:txBody>
+                  <a:tcPr/>
+                </a:tc>
+                <a:tc>
+                  <a:txBody>
+                    <a:bodyPr/>
+                    <a:lstStyle/>
+                    <a:p>
+                      <a:r>
+                        <a:rPr kumimoji="1" lang="en-US" altLang="ja-JP" dirty="0"/>
+                        <a:t>-</a:t>
+                      </a:r>
+                      <a:endParaRPr kumimoji="1" lang="ja-JP" altLang="en-US" dirty="0"/>
+                    </a:p>
+                  </a:txBody>
+                  <a:tcPr/>
+                </a:tc>
+                <a:extLst>
+                  <a:ext uri="{0D108BD9-81ED-4DB2-BD59-A6C34878D82A}">
+                    <a16:rowId xmlns:a16="http://schemas.microsoft.com/office/drawing/2014/main" val="1248227337"/>
+                  </a:ext>
+                </a:extLst>
+              </a:tr>
+              <a:tr h="316188">
+                <a:tc>
+                  <a:txBody>
+                    <a:bodyPr/>
+                    <a:lstStyle/>
+                    <a:p>
+                      <a:r>
+                        <a:rPr kumimoji="1" lang="en-US" altLang="ja-JP" sz="1200" dirty="0"/>
+                        <a:t>2022/11/2</a:t>
+                      </a:r>
+                      <a:endParaRPr kumimoji="1" lang="ja-JP" altLang="en-US" sz="1200" dirty="0"/>
+                    </a:p>
+                  </a:txBody>
+                  <a:tcPr/>
+                </a:tc>
+                <a:tc>
+                  <a:txBody>
+                    <a:bodyPr/>
+                    <a:lstStyle/>
+                    <a:p>
+                      <a:r>
+                        <a:rPr kumimoji="1" lang="en-US" altLang="ja-JP" dirty="0" err="1"/>
+                        <a:t>Mt.Fuji</a:t>
+                      </a:r>
+                      <a:endParaRPr kumimoji="1" lang="ja-JP" altLang="en-US" dirty="0"/>
+                    </a:p>
+                  </a:txBody>
+                  <a:tcPr/>
+                </a:tc>
+                <a:tc>
+                  <a:txBody>
+                    <a:bodyPr/>
+                    <a:lstStyle/>
+                    <a:p>
+                      <a:r>
+                        <a:rPr kumimoji="1" lang="en-US" altLang="ja-JP" dirty="0"/>
+                        <a:t>Japan</a:t>
+                      </a:r>
+                      <a:endParaRPr kumimoji="1" lang="ja-JP" altLang="en-US" dirty="0"/>
+                    </a:p>
+                  </a:txBody>
+                  <a:tcPr/>
+                </a:tc>
+                <a:tc>
+                  <a:txBody>
+                    <a:bodyPr/>
+                    <a:lstStyle/>
+                    <a:p>
+                      <a:r>
+                        <a:rPr kumimoji="1" lang="en-US" altLang="ja-JP" sz="1400" dirty="0"/>
+                        <a:t>Shizuoka</a:t>
+                      </a:r>
+                      <a:endParaRPr kumimoji="1" lang="ja-JP" altLang="en-US" sz="1400" dirty="0"/>
+                    </a:p>
+                  </a:txBody>
+                  <a:tcPr/>
+                </a:tc>
+                <a:tc>
+                  <a:txBody>
+                    <a:bodyPr/>
+                    <a:lstStyle/>
+                    <a:p>
+                      <a:r>
+                        <a:rPr kumimoji="1" lang="en-US" altLang="ja-JP" dirty="0"/>
+                        <a:t>6000</a:t>
+                      </a:r>
+                      <a:endParaRPr kumimoji="1" lang="ja-JP" altLang="en-US" dirty="0"/>
+                    </a:p>
+                  </a:txBody>
+                  <a:tcPr/>
+                </a:tc>
+                <a:tc>
+                  <a:txBody>
+                    <a:bodyPr/>
+                    <a:lstStyle/>
+                    <a:p>
+                      <a:r>
+                        <a:rPr kumimoji="1" lang="en-US" altLang="ja-JP" dirty="0"/>
+                        <a:t>1000</a:t>
+                      </a:r>
+                      <a:endParaRPr kumimoji="1" lang="ja-JP" altLang="en-US" dirty="0"/>
+                    </a:p>
+                  </a:txBody>
+                  <a:tcPr/>
+                </a:tc>
+                <a:tc>
+                  <a:txBody>
+                    <a:bodyPr/>
+                    <a:lstStyle/>
+                    <a:p>
+                      <a:r>
+                        <a:rPr kumimoji="1" lang="en-US" altLang="ja-JP" dirty="0"/>
+                        <a:t>-</a:t>
+                      </a:r>
+                      <a:endParaRPr kumimoji="1" lang="ja-JP" altLang="en-US" dirty="0"/>
+                    </a:p>
+                  </a:txBody>
+                  <a:tcPr/>
+                </a:tc>
+                <a:extLst>
+                  <a:ext uri="{0D108BD9-81ED-4DB2-BD59-A6C34878D82A}">
+                    <a16:rowId xmlns:a16="http://schemas.microsoft.com/office/drawing/2014/main" val="2386127515"/>
+                  </a:ext>
+                </a:extLst>
+              </a:tr>
+              <a:tr h="316188">
+                <a:tc>
+                  <a:txBody>
+                    <a:bodyPr/>
+                    <a:lstStyle/>
+                    <a:p>
+                      <a:r>
+                        <a:rPr kumimoji="1" lang="en-US" altLang="ja-JP" sz="1400" dirty="0"/>
+                        <a:t>…</a:t>
+                      </a:r>
+                      <a:endParaRPr kumimoji="1" lang="ja-JP" altLang="en-US" sz="1400" dirty="0"/>
+                    </a:p>
+                  </a:txBody>
+                  <a:tcPr/>
+                </a:tc>
+                <a:tc>
+                  <a:txBody>
+                    <a:bodyPr/>
+                    <a:lstStyle/>
+                    <a:p>
+                      <a:endParaRPr kumimoji="1" lang="ja-JP" altLang="en-US" dirty="0"/>
+                    </a:p>
+                  </a:txBody>
+                  <a:tcPr/>
+                </a:tc>
+                <a:tc>
+                  <a:txBody>
+                    <a:bodyPr/>
+                    <a:lstStyle/>
+                    <a:p>
+                      <a:endParaRPr kumimoji="1" lang="ja-JP" altLang="en-US" dirty="0"/>
+                    </a:p>
+                  </a:txBody>
+                  <a:tcPr/>
+                </a:tc>
+                <a:tc>
+                  <a:txBody>
+                    <a:bodyPr/>
+                    <a:lstStyle/>
+                    <a:p>
+                      <a:endParaRPr kumimoji="1" lang="ja-JP" altLang="en-US" dirty="0"/>
+                    </a:p>
+                  </a:txBody>
+                  <a:tcPr/>
+                </a:tc>
+                <a:tc>
+                  <a:txBody>
+                    <a:bodyPr/>
+                    <a:lstStyle/>
+                    <a:p>
+                      <a:endParaRPr kumimoji="1" lang="ja-JP" altLang="en-US" dirty="0"/>
+                    </a:p>
+                  </a:txBody>
+                  <a:tcPr/>
+                </a:tc>
+                <a:tc>
+                  <a:txBody>
+                    <a:bodyPr/>
+                    <a:lstStyle/>
+                    <a:p>
+                      <a:endParaRPr kumimoji="1" lang="ja-JP" altLang="en-US" dirty="0"/>
+                    </a:p>
+                  </a:txBody>
+                  <a:tcPr/>
+                </a:tc>
+                <a:tc>
+                  <a:txBody>
+                    <a:bodyPr/>
+                    <a:lstStyle/>
+                    <a:p>
+                      <a:endParaRPr kumimoji="1" lang="ja-JP" altLang="en-US" dirty="0"/>
+                    </a:p>
+                  </a:txBody>
+                  <a:tcPr/>
+                </a:tc>
+                <a:extLst>
+                  <a:ext uri="{0D108BD9-81ED-4DB2-BD59-A6C34878D82A}">
+                    <a16:rowId xmlns:a16="http://schemas.microsoft.com/office/drawing/2014/main" val="3940284596"/>
+                  </a:ext>
+                </a:extLst>
+              </a:tr>
+            </a:tbl>
+          </a:graphicData>
+        </a:graphic>
+      </p:graphicFrame>
+      <p:sp>
+        <p:nvSpPr>
+          <p:cNvPr id="20" name="正方形/長方形 19">
+            <a:extLst>
+              <a:ext uri="{FF2B5EF4-FFF2-40B4-BE49-F238E27FC236}">
+                <a16:creationId xmlns:a16="http://schemas.microsoft.com/office/drawing/2014/main" id="{2C3512A9-4B88-1261-0EF2-4024DC2ACFFE}"/>
+              </a:ext>
+            </a:extLst>
+          </p:cNvPr>
+          <p:cNvSpPr/>
+          <p:nvPr/>
+        </p:nvSpPr>
+        <p:spPr>
+          <a:xfrm>
+            <a:off x="8511594" y="3935353"/>
+            <a:ext cx="1521033" cy="292359"/>
+          </a:xfrm>
+          <a:prstGeom prst="rect">
+            <a:avLst/>
+          </a:prstGeom>
+        </p:spPr>
+        <p:style>
+          <a:lnRef idx="2">
+            <a:schemeClr val="dk1"/>
+          </a:lnRef>
+          <a:fillRef idx="1">
+            <a:schemeClr val="lt1"/>
+          </a:fillRef>
+          <a:effectRef idx="0">
+            <a:schemeClr val="dk1"/>
+          </a:effectRef>
+          <a:fontRef idx="minor">
+            <a:schemeClr val="dk1"/>
+          </a:fontRef>
+        </p:style>
+        <p:txBody>
+          <a:bodyPr rtlCol="0" anchor="ctr"/>
+          <a:lstStyle/>
+          <a:p>
+            <a:pPr algn="ctr"/>
+            <a:r>
+              <a:rPr lang="en-US" altLang="ja-JP" dirty="0"/>
+              <a:t>Accident</a:t>
+            </a:r>
+            <a:endParaRPr kumimoji="1" lang="ja-JP" altLang="en-US" dirty="0"/>
+          </a:p>
+        </p:txBody>
+      </p:sp>
+      <p:sp>
+        <p:nvSpPr>
+          <p:cNvPr id="21" name="動作設定ボタン: 戻る/前へ 20">
+            <a:hlinkClick r:id="" action="ppaction://hlinkshowjump?jump=previousslide" highlightClick="1"/>
+            <a:extLst>
+              <a:ext uri="{FF2B5EF4-FFF2-40B4-BE49-F238E27FC236}">
+                <a16:creationId xmlns:a16="http://schemas.microsoft.com/office/drawing/2014/main" id="{3EEA68C6-4C60-3433-5417-3D600A52706A}"/>
+              </a:ext>
+            </a:extLst>
+          </p:cNvPr>
+          <p:cNvSpPr/>
+          <p:nvPr/>
+        </p:nvSpPr>
+        <p:spPr>
+          <a:xfrm rot="16200000">
+            <a:off x="9952256" y="3991587"/>
+            <a:ext cx="365145" cy="204403"/>
+          </a:xfrm>
+          <a:prstGeom prst="actionButtonBackPrevious">
+            <a:avLst/>
+          </a:prstGeom>
+        </p:spPr>
+        <p:style>
+          <a:lnRef idx="2">
+            <a:schemeClr val="dk1"/>
+          </a:lnRef>
+          <a:fillRef idx="1">
+            <a:schemeClr val="lt1"/>
+          </a:fillRef>
+          <a:effectRef idx="0">
+            <a:schemeClr val="dk1"/>
+          </a:effectRef>
+          <a:fontRef idx="minor">
+            <a:schemeClr val="dk1"/>
+          </a:fontRef>
+        </p:style>
+        <p:txBody>
+          <a:bodyPr rtlCol="0" anchor="ctr"/>
+          <a:lstStyle/>
+          <a:p>
+            <a:pPr algn="ctr"/>
+            <a:endParaRPr kumimoji="1" lang="ja-JP" altLang="en-US"/>
+          </a:p>
+        </p:txBody>
+      </p:sp>
+      <p:sp>
+        <p:nvSpPr>
+          <p:cNvPr id="22" name="テキスト ボックス 21">
+            <a:extLst>
+              <a:ext uri="{FF2B5EF4-FFF2-40B4-BE49-F238E27FC236}">
+                <a16:creationId xmlns:a16="http://schemas.microsoft.com/office/drawing/2014/main" id="{4FC1384D-40D2-A433-D233-47080F7AC60E}"/>
+              </a:ext>
+            </a:extLst>
+          </p:cNvPr>
+          <p:cNvSpPr txBox="1"/>
+          <p:nvPr/>
+        </p:nvSpPr>
+        <p:spPr>
+          <a:xfrm>
+            <a:off x="1169279" y="1613457"/>
+            <a:ext cx="2610678" cy="369332"/>
+          </a:xfrm>
+          <a:prstGeom prst="rect">
+            <a:avLst/>
+          </a:prstGeom>
+          <a:noFill/>
+        </p:spPr>
+        <p:txBody>
+          <a:bodyPr wrap="square" rtlCol="0">
+            <a:spAutoFit/>
+          </a:bodyPr>
+          <a:lstStyle/>
+          <a:p>
+            <a:r>
+              <a:rPr kumimoji="1" lang="ja-JP" altLang="en-US" dirty="0"/>
+              <a:t>〇〇〇〇</a:t>
+            </a:r>
+            <a:r>
+              <a:rPr kumimoji="1" lang="en-US" altLang="ja-JP" dirty="0"/>
+              <a:t>/</a:t>
+            </a:r>
+            <a:r>
+              <a:rPr lang="ja-JP" altLang="en-US" dirty="0"/>
+              <a:t>□□</a:t>
+            </a:r>
+            <a:r>
+              <a:rPr kumimoji="1" lang="en-US" altLang="ja-JP" dirty="0"/>
+              <a:t>/</a:t>
+            </a:r>
+            <a:r>
+              <a:rPr kumimoji="1" lang="ja-JP" altLang="en-US" dirty="0"/>
+              <a:t>△△</a:t>
+            </a:r>
+          </a:p>
+        </p:txBody>
+      </p:sp>
+      <p:sp>
+        <p:nvSpPr>
+          <p:cNvPr id="23" name="テキスト ボックス 22">
+            <a:extLst>
+              <a:ext uri="{FF2B5EF4-FFF2-40B4-BE49-F238E27FC236}">
+                <a16:creationId xmlns:a16="http://schemas.microsoft.com/office/drawing/2014/main" id="{79D45150-8F75-F575-40FC-743047545785}"/>
+              </a:ext>
+            </a:extLst>
+          </p:cNvPr>
+          <p:cNvSpPr txBox="1"/>
+          <p:nvPr/>
+        </p:nvSpPr>
+        <p:spPr>
+          <a:xfrm>
+            <a:off x="1860083" y="2076272"/>
+            <a:ext cx="459850" cy="369332"/>
+          </a:xfrm>
+          <a:prstGeom prst="rect">
+            <a:avLst/>
+          </a:prstGeom>
+          <a:noFill/>
+        </p:spPr>
+        <p:txBody>
+          <a:bodyPr wrap="square" rtlCol="0">
+            <a:spAutoFit/>
+          </a:bodyPr>
+          <a:lstStyle/>
+          <a:p>
+            <a:r>
+              <a:rPr kumimoji="1" lang="ja-JP" altLang="en-US" dirty="0"/>
+              <a:t>～</a:t>
+            </a:r>
+          </a:p>
+        </p:txBody>
+      </p:sp>
+      <p:sp>
+        <p:nvSpPr>
+          <p:cNvPr id="24" name="テキスト ボックス 23">
+            <a:extLst>
+              <a:ext uri="{FF2B5EF4-FFF2-40B4-BE49-F238E27FC236}">
+                <a16:creationId xmlns:a16="http://schemas.microsoft.com/office/drawing/2014/main" id="{2FB6137E-1710-83AF-9A42-EB63EDB9DD46}"/>
+              </a:ext>
+            </a:extLst>
+          </p:cNvPr>
+          <p:cNvSpPr txBox="1"/>
+          <p:nvPr/>
+        </p:nvSpPr>
+        <p:spPr>
+          <a:xfrm>
+            <a:off x="1129087" y="2407136"/>
+            <a:ext cx="2610678" cy="369332"/>
+          </a:xfrm>
+          <a:prstGeom prst="rect">
+            <a:avLst/>
+          </a:prstGeom>
+          <a:noFill/>
+        </p:spPr>
+        <p:txBody>
+          <a:bodyPr wrap="square" rtlCol="0">
+            <a:spAutoFit/>
+          </a:bodyPr>
+          <a:lstStyle/>
+          <a:p>
+            <a:r>
+              <a:rPr kumimoji="1" lang="ja-JP" altLang="en-US" dirty="0"/>
+              <a:t>〇〇〇〇</a:t>
+            </a:r>
+            <a:r>
+              <a:rPr kumimoji="1" lang="en-US" altLang="ja-JP" dirty="0"/>
+              <a:t>/</a:t>
+            </a:r>
+            <a:r>
+              <a:rPr lang="ja-JP" altLang="en-US" dirty="0"/>
+              <a:t>□□</a:t>
+            </a:r>
+            <a:r>
+              <a:rPr kumimoji="1" lang="en-US" altLang="ja-JP" dirty="0"/>
+              <a:t>/</a:t>
+            </a:r>
+            <a:r>
+              <a:rPr kumimoji="1" lang="ja-JP" altLang="en-US" dirty="0"/>
+              <a:t>△△</a:t>
+            </a:r>
+          </a:p>
+        </p:txBody>
+      </p:sp>
+      <p:sp>
+        <p:nvSpPr>
+          <p:cNvPr id="25" name="正方形/長方形 24">
+            <a:extLst>
+              <a:ext uri="{FF2B5EF4-FFF2-40B4-BE49-F238E27FC236}">
+                <a16:creationId xmlns:a16="http://schemas.microsoft.com/office/drawing/2014/main" id="{3B1E2FE8-7587-CB27-8272-FC6F6B47284C}"/>
+              </a:ext>
+            </a:extLst>
+          </p:cNvPr>
+          <p:cNvSpPr/>
+          <p:nvPr/>
+        </p:nvSpPr>
+        <p:spPr>
+          <a:xfrm>
+            <a:off x="1244466" y="964466"/>
+            <a:ext cx="265831" cy="292359"/>
+          </a:xfrm>
+          <a:prstGeom prst="rect">
+            <a:avLst/>
+          </a:prstGeom>
+        </p:spPr>
+        <p:style>
+          <a:lnRef idx="2">
+            <a:schemeClr val="dk1"/>
+          </a:lnRef>
+          <a:fillRef idx="1">
+            <a:schemeClr val="lt1"/>
+          </a:fillRef>
+          <a:effectRef idx="0">
+            <a:schemeClr val="dk1"/>
+          </a:effectRef>
+          <a:fontRef idx="minor">
+            <a:schemeClr val="dk1"/>
+          </a:fontRef>
+        </p:style>
+        <p:txBody>
+          <a:bodyPr rtlCol="0" anchor="ctr"/>
+          <a:lstStyle/>
+          <a:p>
+            <a:pPr algn="ctr"/>
+            <a:endParaRPr kumimoji="1" lang="ja-JP" altLang="en-US" dirty="0"/>
+          </a:p>
+        </p:txBody>
+      </p:sp>
+      <p:sp>
+        <p:nvSpPr>
+          <p:cNvPr id="26" name="テキスト ボックス 25">
+            <a:extLst>
+              <a:ext uri="{FF2B5EF4-FFF2-40B4-BE49-F238E27FC236}">
+                <a16:creationId xmlns:a16="http://schemas.microsoft.com/office/drawing/2014/main" id="{DE56DB24-11CE-21D6-8F9E-CE4569D68D30}"/>
+              </a:ext>
+            </a:extLst>
+          </p:cNvPr>
+          <p:cNvSpPr txBox="1"/>
+          <p:nvPr/>
+        </p:nvSpPr>
+        <p:spPr>
+          <a:xfrm>
+            <a:off x="1542100" y="924147"/>
+            <a:ext cx="1163540" cy="369332"/>
+          </a:xfrm>
+          <a:prstGeom prst="rect">
+            <a:avLst/>
+          </a:prstGeom>
+          <a:noFill/>
+        </p:spPr>
+        <p:txBody>
+          <a:bodyPr wrap="square" rtlCol="0">
+            <a:spAutoFit/>
+          </a:bodyPr>
+          <a:lstStyle/>
+          <a:p>
+            <a:r>
+              <a:rPr kumimoji="1" lang="en-US" altLang="ja-JP" dirty="0"/>
+              <a:t>world</a:t>
+            </a:r>
+            <a:endParaRPr kumimoji="1" lang="ja-JP" altLang="en-US" dirty="0"/>
+          </a:p>
+        </p:txBody>
+      </p:sp>
+      <p:graphicFrame>
+        <p:nvGraphicFramePr>
+          <p:cNvPr id="27" name="表 26">
+            <a:extLst>
+              <a:ext uri="{FF2B5EF4-FFF2-40B4-BE49-F238E27FC236}">
+                <a16:creationId xmlns:a16="http://schemas.microsoft.com/office/drawing/2014/main" id="{9097A985-2BE4-FDD9-F29E-FE21A0FDB647}"/>
+              </a:ext>
+            </a:extLst>
+          </p:cNvPr>
+          <p:cNvGraphicFramePr>
+            <a:graphicFrameLocks noGrp="1"/>
+          </p:cNvGraphicFramePr>
+          <p:nvPr>
+            <p:extLst>
+              <p:ext uri="{D42A27DB-BD31-4B8C-83A1-F6EECF244321}">
+                <p14:modId xmlns:p14="http://schemas.microsoft.com/office/powerpoint/2010/main" val="3322548064"/>
+              </p:ext>
+            </p:extLst>
+          </p:nvPr>
+        </p:nvGraphicFramePr>
+        <p:xfrm>
+          <a:off x="3846180" y="2185309"/>
+          <a:ext cx="4189995" cy="1463040"/>
+        </p:xfrm>
+        <a:graphic>
+          <a:graphicData uri="http://schemas.openxmlformats.org/drawingml/2006/table">
+            <a:tbl>
+              <a:tblPr firstRow="1" bandRow="1">
+                <a:tableStyleId>{5C22544A-7EE6-4342-B048-85BDC9FD1C3A}</a:tableStyleId>
+              </a:tblPr>
+              <a:tblGrid>
+                <a:gridCol w="1028037">
+                  <a:extLst>
+                    <a:ext uri="{9D8B030D-6E8A-4147-A177-3AD203B41FA5}">
+                      <a16:colId xmlns:a16="http://schemas.microsoft.com/office/drawing/2014/main" val="2180251572"/>
+                    </a:ext>
+                  </a:extLst>
+                </a:gridCol>
+                <a:gridCol w="1053986">
+                  <a:extLst>
+                    <a:ext uri="{9D8B030D-6E8A-4147-A177-3AD203B41FA5}">
+                      <a16:colId xmlns:a16="http://schemas.microsoft.com/office/drawing/2014/main" val="2094606021"/>
+                    </a:ext>
+                  </a:extLst>
+                </a:gridCol>
+                <a:gridCol w="1053986">
+                  <a:extLst>
+                    <a:ext uri="{9D8B030D-6E8A-4147-A177-3AD203B41FA5}">
+                      <a16:colId xmlns:a16="http://schemas.microsoft.com/office/drawing/2014/main" val="3658194246"/>
+                    </a:ext>
+                  </a:extLst>
+                </a:gridCol>
+                <a:gridCol w="1053986">
+                  <a:extLst>
+                    <a:ext uri="{9D8B030D-6E8A-4147-A177-3AD203B41FA5}">
+                      <a16:colId xmlns:a16="http://schemas.microsoft.com/office/drawing/2014/main" val="2463708021"/>
+                    </a:ext>
+                  </a:extLst>
+                </a:gridCol>
+              </a:tblGrid>
+              <a:tr h="316188">
+                <a:tc>
+                  <a:txBody>
+                    <a:bodyPr/>
+                    <a:lstStyle/>
+                    <a:p>
+                      <a:r>
+                        <a:rPr kumimoji="1" lang="en-US" altLang="ja-JP" dirty="0"/>
+                        <a:t>Type</a:t>
+                      </a:r>
+                      <a:endParaRPr kumimoji="1" lang="ja-JP" altLang="en-US" dirty="0"/>
+                    </a:p>
+                  </a:txBody>
+                  <a:tcPr/>
+                </a:tc>
+                <a:tc>
+                  <a:txBody>
+                    <a:bodyPr/>
+                    <a:lstStyle/>
+                    <a:p>
+                      <a:r>
+                        <a:rPr kumimoji="1" lang="en-US" altLang="ja-JP" dirty="0"/>
+                        <a:t>Count</a:t>
+                      </a:r>
+                      <a:endParaRPr kumimoji="1" lang="ja-JP" altLang="en-US" dirty="0"/>
+                    </a:p>
+                  </a:txBody>
+                  <a:tcPr/>
+                </a:tc>
+                <a:tc>
+                  <a:txBody>
+                    <a:bodyPr/>
+                    <a:lstStyle/>
+                    <a:p>
+                      <a:r>
+                        <a:rPr kumimoji="1" lang="en-US" altLang="ja-JP" sz="1400" dirty="0"/>
+                        <a:t>currency</a:t>
+                      </a:r>
+                      <a:endParaRPr kumimoji="1" lang="ja-JP" altLang="en-US" sz="1400" dirty="0"/>
+                    </a:p>
+                  </a:txBody>
+                  <a:tcPr/>
+                </a:tc>
+                <a:tc>
+                  <a:txBody>
+                    <a:bodyPr/>
+                    <a:lstStyle/>
+                    <a:p>
+                      <a:r>
+                        <a:rPr kumimoji="1" lang="en-US" altLang="ja-JP" dirty="0"/>
+                        <a:t>JPY</a:t>
+                      </a:r>
+                      <a:endParaRPr kumimoji="1" lang="ja-JP" altLang="en-US" dirty="0"/>
+                    </a:p>
+                  </a:txBody>
+                  <a:tcPr/>
+                </a:tc>
+                <a:extLst>
+                  <a:ext uri="{0D108BD9-81ED-4DB2-BD59-A6C34878D82A}">
+                    <a16:rowId xmlns:a16="http://schemas.microsoft.com/office/drawing/2014/main" val="3636590592"/>
+                  </a:ext>
+                </a:extLst>
+              </a:tr>
+              <a:tr h="316188">
+                <a:tc>
+                  <a:txBody>
+                    <a:bodyPr/>
+                    <a:lstStyle/>
+                    <a:p>
+                      <a:r>
+                        <a:rPr kumimoji="1" lang="en-US" altLang="ja-JP" sz="1200" dirty="0" err="1"/>
+                        <a:t>Domitory</a:t>
+                      </a:r>
+                      <a:endParaRPr kumimoji="1" lang="ja-JP" altLang="en-US" sz="1200" dirty="0"/>
+                    </a:p>
+                  </a:txBody>
+                  <a:tcPr/>
+                </a:tc>
+                <a:tc>
+                  <a:txBody>
+                    <a:bodyPr/>
+                    <a:lstStyle/>
+                    <a:p>
+                      <a:r>
+                        <a:rPr kumimoji="1" lang="en-US" altLang="ja-JP" dirty="0"/>
+                        <a:t>100</a:t>
+                      </a:r>
+                      <a:endParaRPr kumimoji="1" lang="ja-JP" altLang="en-US" dirty="0"/>
+                    </a:p>
+                  </a:txBody>
+                  <a:tcPr/>
+                </a:tc>
+                <a:tc>
+                  <a:txBody>
+                    <a:bodyPr/>
+                    <a:lstStyle/>
+                    <a:p>
+                      <a:r>
+                        <a:rPr kumimoji="1" lang="en-US" altLang="ja-JP" dirty="0"/>
+                        <a:t>400</a:t>
+                      </a:r>
+                      <a:endParaRPr kumimoji="1" lang="ja-JP" altLang="en-US" dirty="0"/>
+                    </a:p>
+                  </a:txBody>
+                  <a:tcPr/>
+                </a:tc>
+                <a:tc>
+                  <a:txBody>
+                    <a:bodyPr/>
+                    <a:lstStyle/>
+                    <a:p>
+                      <a:r>
+                        <a:rPr kumimoji="1" lang="en-US" altLang="ja-JP" dirty="0"/>
+                        <a:t>3000</a:t>
+                      </a:r>
+                      <a:endParaRPr kumimoji="1" lang="ja-JP" altLang="en-US" dirty="0"/>
+                    </a:p>
+                  </a:txBody>
+                  <a:tcPr/>
+                </a:tc>
+                <a:extLst>
+                  <a:ext uri="{0D108BD9-81ED-4DB2-BD59-A6C34878D82A}">
+                    <a16:rowId xmlns:a16="http://schemas.microsoft.com/office/drawing/2014/main" val="1248227337"/>
+                  </a:ext>
+                </a:extLst>
+              </a:tr>
+              <a:tr h="316188">
+                <a:tc>
+                  <a:txBody>
+                    <a:bodyPr/>
+                    <a:lstStyle/>
+                    <a:p>
+                      <a:r>
+                        <a:rPr kumimoji="1" lang="en-US" altLang="ja-JP" sz="1200" dirty="0"/>
+                        <a:t>Single</a:t>
+                      </a:r>
+                      <a:r>
+                        <a:rPr kumimoji="1" lang="ja-JP" altLang="en-US" sz="1200" dirty="0"/>
+                        <a:t> </a:t>
+                      </a:r>
+                      <a:r>
+                        <a:rPr kumimoji="1" lang="en-US" altLang="ja-JP" sz="1200" dirty="0"/>
+                        <a:t>room</a:t>
+                      </a:r>
+                      <a:endParaRPr kumimoji="1" lang="ja-JP" altLang="en-US" sz="1200" dirty="0"/>
+                    </a:p>
+                  </a:txBody>
+                  <a:tcPr/>
+                </a:tc>
+                <a:tc>
+                  <a:txBody>
+                    <a:bodyPr/>
+                    <a:lstStyle/>
+                    <a:p>
+                      <a:r>
+                        <a:rPr kumimoji="1" lang="en-US" altLang="ja-JP" dirty="0"/>
+                        <a:t>200</a:t>
+                      </a:r>
+                      <a:endParaRPr kumimoji="1" lang="ja-JP" altLang="en-US" dirty="0"/>
+                    </a:p>
+                  </a:txBody>
+                  <a:tcPr/>
+                </a:tc>
+                <a:tc>
+                  <a:txBody>
+                    <a:bodyPr/>
+                    <a:lstStyle/>
+                    <a:p>
+                      <a:r>
+                        <a:rPr kumimoji="1" lang="en-US" altLang="ja-JP" dirty="0"/>
+                        <a:t>500</a:t>
+                      </a:r>
+                      <a:endParaRPr kumimoji="1" lang="ja-JP" altLang="en-US" dirty="0"/>
+                    </a:p>
+                  </a:txBody>
+                  <a:tcPr/>
+                </a:tc>
+                <a:tc>
+                  <a:txBody>
+                    <a:bodyPr/>
+                    <a:lstStyle/>
+                    <a:p>
+                      <a:r>
+                        <a:rPr kumimoji="1" lang="en-US" altLang="ja-JP" dirty="0"/>
+                        <a:t>5000</a:t>
+                      </a:r>
+                      <a:endParaRPr kumimoji="1" lang="ja-JP" altLang="en-US" dirty="0"/>
+                    </a:p>
+                  </a:txBody>
+                  <a:tcPr/>
+                </a:tc>
+                <a:extLst>
+                  <a:ext uri="{0D108BD9-81ED-4DB2-BD59-A6C34878D82A}">
+                    <a16:rowId xmlns:a16="http://schemas.microsoft.com/office/drawing/2014/main" val="2386127515"/>
+                  </a:ext>
+                </a:extLst>
+              </a:tr>
+              <a:tr h="316188">
+                <a:tc>
+                  <a:txBody>
+                    <a:bodyPr/>
+                    <a:lstStyle/>
+                    <a:p>
+                      <a:r>
+                        <a:rPr kumimoji="1" lang="en-US" altLang="ja-JP" sz="1400" dirty="0"/>
+                        <a:t>…</a:t>
+                      </a:r>
+                      <a:endParaRPr kumimoji="1" lang="ja-JP" altLang="en-US" sz="1400" dirty="0"/>
+                    </a:p>
+                  </a:txBody>
+                  <a:tcPr/>
+                </a:tc>
+                <a:tc>
+                  <a:txBody>
+                    <a:bodyPr/>
+                    <a:lstStyle/>
+                    <a:p>
+                      <a:endParaRPr kumimoji="1" lang="ja-JP" altLang="en-US" dirty="0"/>
+                    </a:p>
+                  </a:txBody>
+                  <a:tcPr/>
+                </a:tc>
+                <a:tc>
+                  <a:txBody>
+                    <a:bodyPr/>
+                    <a:lstStyle/>
+                    <a:p>
+                      <a:endParaRPr kumimoji="1" lang="ja-JP" altLang="en-US" dirty="0"/>
+                    </a:p>
+                  </a:txBody>
+                  <a:tcPr/>
+                </a:tc>
+                <a:tc>
+                  <a:txBody>
+                    <a:bodyPr/>
+                    <a:lstStyle/>
+                    <a:p>
+                      <a:endParaRPr kumimoji="1" lang="ja-JP" altLang="en-US" dirty="0"/>
+                    </a:p>
+                  </a:txBody>
+                  <a:tcPr/>
+                </a:tc>
+                <a:extLst>
+                  <a:ext uri="{0D108BD9-81ED-4DB2-BD59-A6C34878D82A}">
+                    <a16:rowId xmlns:a16="http://schemas.microsoft.com/office/drawing/2014/main" val="3940284596"/>
+                  </a:ext>
+                </a:extLst>
+              </a:tr>
+            </a:tbl>
+          </a:graphicData>
+        </a:graphic>
+      </p:graphicFrame>
+      <p:sp>
+        <p:nvSpPr>
+          <p:cNvPr id="28" name="正方形/長方形 27">
+            <a:extLst>
+              <a:ext uri="{FF2B5EF4-FFF2-40B4-BE49-F238E27FC236}">
+                <a16:creationId xmlns:a16="http://schemas.microsoft.com/office/drawing/2014/main" id="{BB6B067F-E2A7-4738-5EE1-95941FAC3AE8}"/>
+              </a:ext>
+            </a:extLst>
+          </p:cNvPr>
+          <p:cNvSpPr/>
+          <p:nvPr/>
+        </p:nvSpPr>
+        <p:spPr>
+          <a:xfrm>
+            <a:off x="8036175" y="2492189"/>
+            <a:ext cx="193366" cy="914400"/>
+          </a:xfrm>
+          <a:prstGeom prst="rect">
+            <a:avLst/>
+          </a:prstGeom>
+        </p:spPr>
+        <p:style>
+          <a:lnRef idx="2">
+            <a:schemeClr val="dk1"/>
+          </a:lnRef>
+          <a:fillRef idx="1">
+            <a:schemeClr val="lt1"/>
+          </a:fillRef>
+          <a:effectRef idx="0">
+            <a:schemeClr val="dk1"/>
+          </a:effectRef>
+          <a:fontRef idx="minor">
+            <a:schemeClr val="dk1"/>
+          </a:fontRef>
+        </p:style>
+        <p:txBody>
+          <a:bodyPr rtlCol="0" anchor="ctr"/>
+          <a:lstStyle/>
+          <a:p>
+            <a:pPr algn="ctr"/>
+            <a:endParaRPr kumimoji="1" lang="ja-JP" altLang="en-US"/>
+          </a:p>
+        </p:txBody>
+      </p:sp>
+      <p:sp>
+        <p:nvSpPr>
+          <p:cNvPr id="29" name="動作設定ボタン: 戻る/前へ 28">
+            <a:hlinkClick r:id="" action="ppaction://hlinkshowjump?jump=previousslide" highlightClick="1"/>
+            <a:extLst>
+              <a:ext uri="{FF2B5EF4-FFF2-40B4-BE49-F238E27FC236}">
+                <a16:creationId xmlns:a16="http://schemas.microsoft.com/office/drawing/2014/main" id="{EF441BE0-5628-433B-D040-9C4783F94358}"/>
+              </a:ext>
+            </a:extLst>
+          </p:cNvPr>
+          <p:cNvSpPr/>
+          <p:nvPr/>
+        </p:nvSpPr>
+        <p:spPr>
+          <a:xfrm rot="5400000">
+            <a:off x="7944767" y="2265680"/>
+            <a:ext cx="365145" cy="204403"/>
+          </a:xfrm>
+          <a:prstGeom prst="actionButtonBackPrevious">
+            <a:avLst/>
+          </a:prstGeom>
+        </p:spPr>
+        <p:style>
+          <a:lnRef idx="2">
+            <a:schemeClr val="dk1"/>
+          </a:lnRef>
+          <a:fillRef idx="1">
+            <a:schemeClr val="lt1"/>
+          </a:fillRef>
+          <a:effectRef idx="0">
+            <a:schemeClr val="dk1"/>
+          </a:effectRef>
+          <a:fontRef idx="minor">
+            <a:schemeClr val="dk1"/>
+          </a:fontRef>
+        </p:style>
+        <p:txBody>
+          <a:bodyPr rtlCol="0" anchor="ctr"/>
+          <a:lstStyle/>
+          <a:p>
+            <a:pPr algn="ctr"/>
+            <a:endParaRPr kumimoji="1" lang="ja-JP" altLang="en-US"/>
+          </a:p>
+        </p:txBody>
+      </p:sp>
+      <p:sp>
+        <p:nvSpPr>
+          <p:cNvPr id="30" name="動作設定ボタン: 戻る/前へ 29">
+            <a:hlinkClick r:id="" action="ppaction://hlinkshowjump?jump=previousslide" highlightClick="1"/>
+            <a:extLst>
+              <a:ext uri="{FF2B5EF4-FFF2-40B4-BE49-F238E27FC236}">
+                <a16:creationId xmlns:a16="http://schemas.microsoft.com/office/drawing/2014/main" id="{CD5A65BF-6138-8A94-E2D3-400F96C22B01}"/>
+              </a:ext>
+            </a:extLst>
+          </p:cNvPr>
+          <p:cNvSpPr/>
+          <p:nvPr/>
+        </p:nvSpPr>
+        <p:spPr>
+          <a:xfrm rot="16200000">
+            <a:off x="7944767" y="3388816"/>
+            <a:ext cx="365145" cy="204403"/>
+          </a:xfrm>
+          <a:prstGeom prst="actionButtonBackPrevious">
+            <a:avLst/>
+          </a:prstGeom>
+        </p:spPr>
+        <p:style>
+          <a:lnRef idx="2">
+            <a:schemeClr val="dk1"/>
+          </a:lnRef>
+          <a:fillRef idx="1">
+            <a:schemeClr val="lt1"/>
+          </a:fillRef>
+          <a:effectRef idx="0">
+            <a:schemeClr val="dk1"/>
+          </a:effectRef>
+          <a:fontRef idx="minor">
+            <a:schemeClr val="dk1"/>
+          </a:fontRef>
+        </p:style>
+        <p:txBody>
+          <a:bodyPr rtlCol="0" anchor="ctr"/>
+          <a:lstStyle/>
+          <a:p>
+            <a:pPr algn="ctr"/>
+            <a:endParaRPr kumimoji="1" lang="ja-JP" altLang="en-US"/>
+          </a:p>
+        </p:txBody>
+      </p:sp>
+      <p:sp>
+        <p:nvSpPr>
+          <p:cNvPr id="31" name="テキスト ボックス 30">
+            <a:extLst>
+              <a:ext uri="{FF2B5EF4-FFF2-40B4-BE49-F238E27FC236}">
+                <a16:creationId xmlns:a16="http://schemas.microsoft.com/office/drawing/2014/main" id="{4CA07E75-F0C3-3A8F-4AC5-89238997486E}"/>
+              </a:ext>
+            </a:extLst>
+          </p:cNvPr>
+          <p:cNvSpPr txBox="1"/>
+          <p:nvPr/>
+        </p:nvSpPr>
+        <p:spPr>
+          <a:xfrm>
+            <a:off x="3748154" y="1370319"/>
+            <a:ext cx="1847352" cy="369332"/>
+          </a:xfrm>
+          <a:prstGeom prst="rect">
+            <a:avLst/>
+          </a:prstGeom>
+          <a:noFill/>
+        </p:spPr>
+        <p:txBody>
+          <a:bodyPr wrap="square" rtlCol="0">
+            <a:spAutoFit/>
+          </a:bodyPr>
           <a:lstStyle/>
           <a:p>
             <a:r>
               <a:rPr kumimoji="1" lang="en-US" altLang="ja-JP" dirty="0" err="1"/>
-              <a:t>apendix</a:t>
+              <a:t>Total:xxxxxx</a:t>
+            </a:r>
+            <a:r>
+              <a:rPr kumimoji="1" lang="ja-JP" altLang="en-US" dirty="0"/>
+              <a:t>円</a:t>
+            </a:r>
+          </a:p>
+        </p:txBody>
+      </p:sp>
+      <p:sp>
+        <p:nvSpPr>
+          <p:cNvPr id="32" name="四角形: 角を丸くする 31">
+            <a:extLst>
+              <a:ext uri="{FF2B5EF4-FFF2-40B4-BE49-F238E27FC236}">
+                <a16:creationId xmlns:a16="http://schemas.microsoft.com/office/drawing/2014/main" id="{0488C303-EA81-FD83-AC9F-A0C9ECF01054}"/>
+              </a:ext>
+            </a:extLst>
+          </p:cNvPr>
+          <p:cNvSpPr/>
+          <p:nvPr/>
+        </p:nvSpPr>
+        <p:spPr>
+          <a:xfrm>
+            <a:off x="8136358" y="926725"/>
+            <a:ext cx="1598212" cy="369332"/>
+          </a:xfrm>
+          <a:prstGeom prst="roundRect">
+            <a:avLst/>
+          </a:prstGeom>
+        </p:spPr>
+        <p:style>
+          <a:lnRef idx="3">
+            <a:schemeClr val="lt1"/>
+          </a:lnRef>
+          <a:fillRef idx="1">
+            <a:schemeClr val="accent3"/>
+          </a:fillRef>
+          <a:effectRef idx="1">
+            <a:schemeClr val="accent3"/>
+          </a:effectRef>
+          <a:fontRef idx="minor">
+            <a:schemeClr val="lt1"/>
+          </a:fontRef>
+        </p:style>
+        <p:txBody>
+          <a:bodyPr rtlCol="0" anchor="ctr"/>
+          <a:lstStyle/>
+          <a:p>
+            <a:pPr algn="ctr"/>
+            <a:r>
+              <a:rPr kumimoji="1" lang="en-US" altLang="ja-JP" dirty="0"/>
+              <a:t>other</a:t>
             </a:r>
             <a:endParaRPr kumimoji="1" lang="ja-JP" altLang="en-US" dirty="0"/>
           </a:p>
@@ -3745,33 +5751,88 @@
       </p:sp>
       <p:sp>
         <p:nvSpPr>
-          <p:cNvPr id="3" name="テキスト プレースホルダー 2">
-            <a:extLst>
-              <a:ext uri="{FF2B5EF4-FFF2-40B4-BE49-F238E27FC236}">
-                <a16:creationId xmlns:a16="http://schemas.microsoft.com/office/drawing/2014/main" id="{6338C58D-8DB4-C6DD-9905-74CBD161ECC9}"/>
-              </a:ext>
-            </a:extLst>
-          </p:cNvPr>
-          <p:cNvSpPr>
-            <a:spLocks noGrp="1"/>
-          </p:cNvSpPr>
-          <p:nvPr>
-            <p:ph type="body" idx="1"/>
-          </p:nvPr>
-        </p:nvSpPr>
-        <p:spPr/>
-        <p:txBody>
-          <a:bodyPr/>
-          <a:lstStyle/>
-          <a:p>
-            <a:endParaRPr kumimoji="1" lang="ja-JP" altLang="en-US"/>
+          <p:cNvPr id="33" name="正方形/長方形 32">
+            <a:extLst>
+              <a:ext uri="{FF2B5EF4-FFF2-40B4-BE49-F238E27FC236}">
+                <a16:creationId xmlns:a16="http://schemas.microsoft.com/office/drawing/2014/main" id="{D3D349CF-C51F-4DDB-FDD1-ED31F819343B}"/>
+              </a:ext>
+            </a:extLst>
+          </p:cNvPr>
+          <p:cNvSpPr/>
+          <p:nvPr/>
+        </p:nvSpPr>
+        <p:spPr>
+          <a:xfrm>
+            <a:off x="7727504" y="1362406"/>
+            <a:ext cx="265831" cy="292359"/>
+          </a:xfrm>
+          <a:prstGeom prst="rect">
+            <a:avLst/>
+          </a:prstGeom>
+        </p:spPr>
+        <p:style>
+          <a:lnRef idx="2">
+            <a:schemeClr val="dk1"/>
+          </a:lnRef>
+          <a:fillRef idx="1">
+            <a:schemeClr val="lt1"/>
+          </a:fillRef>
+          <a:effectRef idx="0">
+            <a:schemeClr val="dk1"/>
+          </a:effectRef>
+          <a:fontRef idx="minor">
+            <a:schemeClr val="dk1"/>
+          </a:fontRef>
+        </p:style>
+        <p:txBody>
+          <a:bodyPr rtlCol="0" anchor="ctr"/>
+          <a:lstStyle/>
+          <a:p>
+            <a:pPr algn="ctr"/>
+            <a:endParaRPr kumimoji="1" lang="ja-JP" altLang="en-US" dirty="0"/>
+          </a:p>
+        </p:txBody>
+      </p:sp>
+      <p:sp>
+        <p:nvSpPr>
+          <p:cNvPr id="34" name="テキスト ボックス 33">
+            <a:extLst>
+              <a:ext uri="{FF2B5EF4-FFF2-40B4-BE49-F238E27FC236}">
+                <a16:creationId xmlns:a16="http://schemas.microsoft.com/office/drawing/2014/main" id="{42C26645-4081-3C4E-9F69-E32C68BA248F}"/>
+              </a:ext>
+            </a:extLst>
+          </p:cNvPr>
+          <p:cNvSpPr txBox="1"/>
+          <p:nvPr/>
+        </p:nvSpPr>
+        <p:spPr>
+          <a:xfrm>
+            <a:off x="8025138" y="1322087"/>
+            <a:ext cx="2170706" cy="369332"/>
+          </a:xfrm>
+          <a:prstGeom prst="rect">
+            <a:avLst/>
+          </a:prstGeom>
+          <a:noFill/>
+        </p:spPr>
+        <p:txBody>
+          <a:bodyPr wrap="square" rtlCol="0">
+            <a:spAutoFit/>
+          </a:bodyPr>
+          <a:lstStyle/>
+          <a:p>
+            <a:r>
+              <a:rPr lang="en-US" altLang="ja-JP" dirty="0"/>
+              <a:t>With insurance</a:t>
+            </a:r>
+            <a:endParaRPr kumimoji="1" lang="ja-JP" altLang="en-US" dirty="0"/>
           </a:p>
         </p:txBody>
       </p:sp>
     </p:spTree>
     <p:extLst>
       <p:ext uri="{BB962C8B-B14F-4D97-AF65-F5344CB8AC3E}">
-        <p14:creationId xmlns:p14="http://schemas.microsoft.com/office/powerpoint/2010/main" val="4117684095"/>
+        <p14:creationId xmlns:p14="http://schemas.microsoft.com/office/powerpoint/2010/main" val="1323072700"/>
       </p:ext>
     </p:extLst>
   </p:cSld>
@@ -3798,40 +5859,64 @@
           <a:chExt cx="0" cy="0"/>
         </a:xfrm>
       </p:grpSpPr>
-      <p:pic>
-        <p:nvPicPr>
-          <p:cNvPr id="3" name="図 2">
-            <a:extLst>
-              <a:ext uri="{FF2B5EF4-FFF2-40B4-BE49-F238E27FC236}">
-                <a16:creationId xmlns:a16="http://schemas.microsoft.com/office/drawing/2014/main" id="{F5498A17-9BD6-367B-B018-92B11178682E}"/>
-              </a:ext>
-            </a:extLst>
-          </p:cNvPr>
-          <p:cNvPicPr>
-            <a:picLocks noChangeAspect="1"/>
-          </p:cNvPicPr>
-          <p:nvPr/>
-        </p:nvPicPr>
-        <p:blipFill>
-          <a:blip r:embed="rId2"/>
-          <a:stretch>
-            <a:fillRect/>
-          </a:stretch>
-        </p:blipFill>
-        <p:spPr>
-          <a:xfrm>
-            <a:off x="648162" y="409528"/>
-            <a:ext cx="7486650" cy="5648325"/>
-          </a:xfrm>
-          <a:prstGeom prst="rect">
-            <a:avLst/>
-          </a:prstGeom>
-        </p:spPr>
-      </p:pic>
+      <p:sp>
+        <p:nvSpPr>
+          <p:cNvPr id="2" name="タイトル 1">
+            <a:extLst>
+              <a:ext uri="{FF2B5EF4-FFF2-40B4-BE49-F238E27FC236}">
+                <a16:creationId xmlns:a16="http://schemas.microsoft.com/office/drawing/2014/main" id="{494D604C-50A4-1D2B-F01C-C2EFE5AFACFF}"/>
+              </a:ext>
+            </a:extLst>
+          </p:cNvPr>
+          <p:cNvSpPr>
+            <a:spLocks noGrp="1"/>
+          </p:cNvSpPr>
+          <p:nvPr>
+            <p:ph type="title"/>
+          </p:nvPr>
+        </p:nvSpPr>
+        <p:spPr/>
+        <p:txBody>
+          <a:bodyPr/>
+          <a:lstStyle/>
+          <a:p>
+            <a:r>
+              <a:rPr kumimoji="1" lang="en-US" altLang="ja-JP" dirty="0" err="1"/>
+              <a:t>apendix</a:t>
+            </a:r>
+            <a:endParaRPr kumimoji="1" lang="ja-JP" altLang="en-US" dirty="0"/>
+          </a:p>
+        </p:txBody>
+      </p:sp>
+      <p:sp>
+        <p:nvSpPr>
+          <p:cNvPr id="3" name="テキスト プレースホルダー 2">
+            <a:extLst>
+              <a:ext uri="{FF2B5EF4-FFF2-40B4-BE49-F238E27FC236}">
+                <a16:creationId xmlns:a16="http://schemas.microsoft.com/office/drawing/2014/main" id="{6338C58D-8DB4-C6DD-9905-74CBD161ECC9}"/>
+              </a:ext>
+            </a:extLst>
+          </p:cNvPr>
+          <p:cNvSpPr>
+            <a:spLocks noGrp="1"/>
+          </p:cNvSpPr>
+          <p:nvPr>
+            <p:ph type="body" idx="1"/>
+          </p:nvPr>
+        </p:nvSpPr>
+        <p:spPr/>
+        <p:txBody>
+          <a:bodyPr/>
+          <a:lstStyle/>
+          <a:p>
+            <a:endParaRPr kumimoji="1" lang="ja-JP" altLang="en-US"/>
+          </a:p>
+        </p:txBody>
+      </p:sp>
     </p:spTree>
     <p:extLst>
       <p:ext uri="{BB962C8B-B14F-4D97-AF65-F5344CB8AC3E}">
-        <p14:creationId xmlns:p14="http://schemas.microsoft.com/office/powerpoint/2010/main" val="168639449"/>
+        <p14:creationId xmlns:p14="http://schemas.microsoft.com/office/powerpoint/2010/main" val="4117684095"/>
       </p:ext>
     </p:extLst>
   </p:cSld>
@@ -3863,7 +5948,7 @@
           <p:cNvPr id="3" name="図 2">
             <a:extLst>
               <a:ext uri="{FF2B5EF4-FFF2-40B4-BE49-F238E27FC236}">
-                <a16:creationId xmlns:a16="http://schemas.microsoft.com/office/drawing/2014/main" id="{7289B06E-7202-CF40-AB3B-4729880B5E01}"/>
+                <a16:creationId xmlns:a16="http://schemas.microsoft.com/office/drawing/2014/main" id="{F5498A17-9BD6-367B-B018-92B11178682E}"/>
               </a:ext>
             </a:extLst>
           </p:cNvPr>
@@ -3880,7 +5965,7 @@
         </p:blipFill>
         <p:spPr>
           <a:xfrm>
-            <a:off x="2352675" y="604837"/>
+            <a:off x="648162" y="409528"/>
             <a:ext cx="7486650" cy="5648325"/>
           </a:xfrm>
           <a:prstGeom prst="rect">
@@ -3891,7 +5976,7 @@
     </p:spTree>
     <p:extLst>
       <p:ext uri="{BB962C8B-B14F-4D97-AF65-F5344CB8AC3E}">
-        <p14:creationId xmlns:p14="http://schemas.microsoft.com/office/powerpoint/2010/main" val="772665974"/>
+        <p14:creationId xmlns:p14="http://schemas.microsoft.com/office/powerpoint/2010/main" val="168639449"/>
       </p:ext>
     </p:extLst>
   </p:cSld>
@@ -3923,7 +6008,7 @@
           <p:cNvPr id="3" name="図 2">
             <a:extLst>
               <a:ext uri="{FF2B5EF4-FFF2-40B4-BE49-F238E27FC236}">
-                <a16:creationId xmlns:a16="http://schemas.microsoft.com/office/drawing/2014/main" id="{2BE5274E-8C1B-5D48-AF15-A14493583170}"/>
+                <a16:creationId xmlns:a16="http://schemas.microsoft.com/office/drawing/2014/main" id="{7289B06E-7202-CF40-AB3B-4729880B5E01}"/>
               </a:ext>
             </a:extLst>
           </p:cNvPr>
@@ -3951,7 +6036,7 @@
     </p:spTree>
     <p:extLst>
       <p:ext uri="{BB962C8B-B14F-4D97-AF65-F5344CB8AC3E}">
-        <p14:creationId xmlns:p14="http://schemas.microsoft.com/office/powerpoint/2010/main" val="68268348"/>
+        <p14:creationId xmlns:p14="http://schemas.microsoft.com/office/powerpoint/2010/main" val="772665974"/>
       </p:ext>
     </p:extLst>
   </p:cSld>
@@ -3983,6 +6068,66 @@
           <p:cNvPr id="3" name="図 2">
             <a:extLst>
               <a:ext uri="{FF2B5EF4-FFF2-40B4-BE49-F238E27FC236}">
+                <a16:creationId xmlns:a16="http://schemas.microsoft.com/office/drawing/2014/main" id="{2BE5274E-8C1B-5D48-AF15-A14493583170}"/>
+              </a:ext>
+            </a:extLst>
+          </p:cNvPr>
+          <p:cNvPicPr>
+            <a:picLocks noChangeAspect="1"/>
+          </p:cNvPicPr>
+          <p:nvPr/>
+        </p:nvPicPr>
+        <p:blipFill>
+          <a:blip r:embed="rId2"/>
+          <a:stretch>
+            <a:fillRect/>
+          </a:stretch>
+        </p:blipFill>
+        <p:spPr>
+          <a:xfrm>
+            <a:off x="2352675" y="604837"/>
+            <a:ext cx="7486650" cy="5648325"/>
+          </a:xfrm>
+          <a:prstGeom prst="rect">
+            <a:avLst/>
+          </a:prstGeom>
+        </p:spPr>
+      </p:pic>
+    </p:spTree>
+    <p:extLst>
+      <p:ext uri="{BB962C8B-B14F-4D97-AF65-F5344CB8AC3E}">
+        <p14:creationId xmlns:p14="http://schemas.microsoft.com/office/powerpoint/2010/main" val="68268348"/>
+      </p:ext>
+    </p:extLst>
+  </p:cSld>
+  <p:clrMapOvr>
+    <a:masterClrMapping/>
+  </p:clrMapOvr>
+</p:sld>
+</file>
+
+<file path=ppt/slides/slide15.xml><?xml version="1.0" encoding="utf-8"?>
+<p:sld xmlns:a="http://schemas.openxmlformats.org/drawingml/2006/main" xmlns:r="http://schemas.openxmlformats.org/officeDocument/2006/relationships" xmlns:p="http://schemas.openxmlformats.org/presentationml/2006/main">
+  <p:cSld>
+    <p:spTree>
+      <p:nvGrpSpPr>
+        <p:cNvPr id="1" name=""/>
+        <p:cNvGrpSpPr/>
+        <p:nvPr/>
+      </p:nvGrpSpPr>
+      <p:grpSpPr>
+        <a:xfrm>
+          <a:off x="0" y="0"/>
+          <a:ext cx="0" cy="0"/>
+          <a:chOff x="0" y="0"/>
+          <a:chExt cx="0" cy="0"/>
+        </a:xfrm>
+      </p:grpSpPr>
+      <p:pic>
+        <p:nvPicPr>
+          <p:cNvPr id="3" name="図 2">
+            <a:extLst>
+              <a:ext uri="{FF2B5EF4-FFF2-40B4-BE49-F238E27FC236}">
                 <a16:creationId xmlns:a16="http://schemas.microsoft.com/office/drawing/2014/main" id="{6839F656-629F-490D-57B0-B61082DB3F06}"/>
               </a:ext>
             </a:extLst>
@@ -4022,6 +6167,805 @@
 </file>
 
 <file path=ppt/slides/slide2.xml><?xml version="1.0" encoding="utf-8"?>
+<p:sld xmlns:a="http://schemas.openxmlformats.org/drawingml/2006/main" xmlns:r="http://schemas.openxmlformats.org/officeDocument/2006/relationships" xmlns:p="http://schemas.openxmlformats.org/presentationml/2006/main">
+  <p:cSld>
+    <p:spTree>
+      <p:nvGrpSpPr>
+        <p:cNvPr id="1" name=""/>
+        <p:cNvGrpSpPr/>
+        <p:nvPr/>
+      </p:nvGrpSpPr>
+      <p:grpSpPr>
+        <a:xfrm>
+          <a:off x="0" y="0"/>
+          <a:ext cx="0" cy="0"/>
+          <a:chOff x="0" y="0"/>
+          <a:chExt cx="0" cy="0"/>
+        </a:xfrm>
+      </p:grpSpPr>
+      <p:sp>
+        <p:nvSpPr>
+          <p:cNvPr id="22" name="正方形/長方形 21">
+            <a:extLst>
+              <a:ext uri="{FF2B5EF4-FFF2-40B4-BE49-F238E27FC236}">
+                <a16:creationId xmlns:a16="http://schemas.microsoft.com/office/drawing/2014/main" id="{7739483D-7765-264E-9D9F-D15BC9CD851B}"/>
+              </a:ext>
+            </a:extLst>
+          </p:cNvPr>
+          <p:cNvSpPr/>
+          <p:nvPr/>
+        </p:nvSpPr>
+        <p:spPr>
+          <a:xfrm>
+            <a:off x="3369733" y="2494465"/>
+            <a:ext cx="6096003" cy="2128335"/>
+          </a:xfrm>
+          <a:prstGeom prst="rect">
+            <a:avLst/>
+          </a:prstGeom>
+        </p:spPr>
+        <p:style>
+          <a:lnRef idx="2">
+            <a:schemeClr val="dk1"/>
+          </a:lnRef>
+          <a:fillRef idx="1">
+            <a:schemeClr val="lt1"/>
+          </a:fillRef>
+          <a:effectRef idx="0">
+            <a:schemeClr val="dk1"/>
+          </a:effectRef>
+          <a:fontRef idx="minor">
+            <a:schemeClr val="dk1"/>
+          </a:fontRef>
+        </p:style>
+        <p:txBody>
+          <a:bodyPr rtlCol="0" anchor="ctr"/>
+          <a:lstStyle/>
+          <a:p>
+            <a:pPr algn="ctr"/>
+            <a:endParaRPr kumimoji="1" lang="ja-JP" altLang="en-US"/>
+          </a:p>
+        </p:txBody>
+      </p:sp>
+      <p:grpSp>
+        <p:nvGrpSpPr>
+          <p:cNvPr id="9" name="グループ化 8">
+            <a:extLst>
+              <a:ext uri="{FF2B5EF4-FFF2-40B4-BE49-F238E27FC236}">
+                <a16:creationId xmlns:a16="http://schemas.microsoft.com/office/drawing/2014/main" id="{F417AC14-34FE-92CC-2BD2-7B1BD375F988}"/>
+              </a:ext>
+            </a:extLst>
+          </p:cNvPr>
+          <p:cNvGrpSpPr/>
+          <p:nvPr/>
+        </p:nvGrpSpPr>
+        <p:grpSpPr>
+          <a:xfrm>
+            <a:off x="2895600" y="2125133"/>
+            <a:ext cx="6570136" cy="961999"/>
+            <a:chOff x="1871133" y="558800"/>
+            <a:chExt cx="6570136" cy="961999"/>
+          </a:xfrm>
+        </p:grpSpPr>
+        <p:sp>
+          <p:nvSpPr>
+            <p:cNvPr id="2" name="テキスト ボックス 1">
+              <a:extLst>
+                <a:ext uri="{FF2B5EF4-FFF2-40B4-BE49-F238E27FC236}">
+                  <a16:creationId xmlns:a16="http://schemas.microsoft.com/office/drawing/2014/main" id="{C83804E0-FB61-B02C-8661-D5FB85930982}"/>
+                </a:ext>
+              </a:extLst>
+            </p:cNvPr>
+            <p:cNvSpPr txBox="1"/>
+            <p:nvPr/>
+          </p:nvSpPr>
+          <p:spPr>
+            <a:xfrm>
+              <a:off x="1871133" y="558800"/>
+              <a:ext cx="1981200" cy="369332"/>
+            </a:xfrm>
+            <a:prstGeom prst="rect">
+              <a:avLst/>
+            </a:prstGeom>
+            <a:noFill/>
+          </p:spPr>
+          <p:txBody>
+            <a:bodyPr wrap="square" rtlCol="0">
+              <a:spAutoFit/>
+            </a:bodyPr>
+            <a:lstStyle/>
+            <a:p>
+              <a:r>
+                <a:rPr kumimoji="1" lang="en-US" altLang="ja-JP" dirty="0"/>
+                <a:t>Canada</a:t>
+              </a:r>
+              <a:endParaRPr kumimoji="1" lang="ja-JP" altLang="en-US" dirty="0"/>
+            </a:p>
+          </p:txBody>
+        </p:sp>
+        <p:sp>
+          <p:nvSpPr>
+            <p:cNvPr id="3" name="テキスト ボックス 2">
+              <a:extLst>
+                <a:ext uri="{FF2B5EF4-FFF2-40B4-BE49-F238E27FC236}">
+                  <a16:creationId xmlns:a16="http://schemas.microsoft.com/office/drawing/2014/main" id="{492780E8-EB96-673C-481A-DB171F226700}"/>
+                </a:ext>
+              </a:extLst>
+            </p:cNvPr>
+            <p:cNvSpPr txBox="1"/>
+            <p:nvPr/>
+          </p:nvSpPr>
+          <p:spPr>
+            <a:xfrm>
+              <a:off x="2802467" y="1151467"/>
+              <a:ext cx="655949" cy="369332"/>
+            </a:xfrm>
+            <a:prstGeom prst="rect">
+              <a:avLst/>
+            </a:prstGeom>
+            <a:noFill/>
+          </p:spPr>
+          <p:txBody>
+            <a:bodyPr wrap="none" rtlCol="0">
+              <a:spAutoFit/>
+            </a:bodyPr>
+            <a:lstStyle/>
+            <a:p>
+              <a:r>
+                <a:rPr kumimoji="1" lang="en-US" altLang="ja-JP" dirty="0"/>
+                <a:t>date</a:t>
+              </a:r>
+              <a:endParaRPr kumimoji="1" lang="ja-JP" altLang="en-US" dirty="0"/>
+            </a:p>
+          </p:txBody>
+        </p:sp>
+        <p:sp>
+          <p:nvSpPr>
+            <p:cNvPr id="4" name="テキスト ボックス 3">
+              <a:extLst>
+                <a:ext uri="{FF2B5EF4-FFF2-40B4-BE49-F238E27FC236}">
+                  <a16:creationId xmlns:a16="http://schemas.microsoft.com/office/drawing/2014/main" id="{D04D9373-4E78-96B2-685E-8D3797B5ED73}"/>
+                </a:ext>
+              </a:extLst>
+            </p:cNvPr>
+            <p:cNvSpPr txBox="1"/>
+            <p:nvPr/>
+          </p:nvSpPr>
+          <p:spPr>
+            <a:xfrm>
+              <a:off x="3666067" y="1151467"/>
+              <a:ext cx="1278466" cy="369332"/>
+            </a:xfrm>
+            <a:prstGeom prst="rect">
+              <a:avLst/>
+            </a:prstGeom>
+            <a:noFill/>
+          </p:spPr>
+          <p:txBody>
+            <a:bodyPr wrap="square" rtlCol="0">
+              <a:spAutoFit/>
+            </a:bodyPr>
+            <a:lstStyle/>
+            <a:p>
+              <a:r>
+                <a:rPr kumimoji="1" lang="en-US" altLang="ja-JP" dirty="0"/>
+                <a:t>type</a:t>
+              </a:r>
+              <a:endParaRPr kumimoji="1" lang="ja-JP" altLang="en-US" dirty="0"/>
+            </a:p>
+          </p:txBody>
+        </p:sp>
+        <p:sp>
+          <p:nvSpPr>
+            <p:cNvPr id="5" name="テキスト ボックス 4">
+              <a:extLst>
+                <a:ext uri="{FF2B5EF4-FFF2-40B4-BE49-F238E27FC236}">
+                  <a16:creationId xmlns:a16="http://schemas.microsoft.com/office/drawing/2014/main" id="{02D35CB0-BC6C-37A5-82A8-BDE768A1F997}"/>
+                </a:ext>
+              </a:extLst>
+            </p:cNvPr>
+            <p:cNvSpPr txBox="1"/>
+            <p:nvPr/>
+          </p:nvSpPr>
+          <p:spPr>
+            <a:xfrm>
+              <a:off x="4305300" y="1151467"/>
+              <a:ext cx="1278466" cy="369332"/>
+            </a:xfrm>
+            <a:prstGeom prst="rect">
+              <a:avLst/>
+            </a:prstGeom>
+            <a:noFill/>
+          </p:spPr>
+          <p:txBody>
+            <a:bodyPr wrap="square" rtlCol="0">
+              <a:spAutoFit/>
+            </a:bodyPr>
+            <a:lstStyle/>
+            <a:p>
+              <a:r>
+                <a:rPr lang="en-US" altLang="ja-JP" dirty="0"/>
+                <a:t>start</a:t>
+              </a:r>
+              <a:endParaRPr kumimoji="1" lang="ja-JP" altLang="en-US" dirty="0"/>
+            </a:p>
+          </p:txBody>
+        </p:sp>
+        <p:sp>
+          <p:nvSpPr>
+            <p:cNvPr id="6" name="テキスト ボックス 5">
+              <a:extLst>
+                <a:ext uri="{FF2B5EF4-FFF2-40B4-BE49-F238E27FC236}">
+                  <a16:creationId xmlns:a16="http://schemas.microsoft.com/office/drawing/2014/main" id="{6599DABE-BA10-9FF8-6B2F-758C5E6D363A}"/>
+                </a:ext>
+              </a:extLst>
+            </p:cNvPr>
+            <p:cNvSpPr txBox="1"/>
+            <p:nvPr/>
+          </p:nvSpPr>
+          <p:spPr>
+            <a:xfrm>
+              <a:off x="5152184" y="1151467"/>
+              <a:ext cx="1278466" cy="369332"/>
+            </a:xfrm>
+            <a:prstGeom prst="rect">
+              <a:avLst/>
+            </a:prstGeom>
+            <a:noFill/>
+          </p:spPr>
+          <p:txBody>
+            <a:bodyPr wrap="square" rtlCol="0">
+              <a:spAutoFit/>
+            </a:bodyPr>
+            <a:lstStyle/>
+            <a:p>
+              <a:r>
+                <a:rPr lang="en-US" altLang="ja-JP" dirty="0"/>
+                <a:t>stop</a:t>
+              </a:r>
+              <a:endParaRPr kumimoji="1" lang="ja-JP" altLang="en-US" dirty="0"/>
+            </a:p>
+          </p:txBody>
+        </p:sp>
+        <p:sp>
+          <p:nvSpPr>
+            <p:cNvPr id="7" name="テキスト ボックス 6">
+              <a:extLst>
+                <a:ext uri="{FF2B5EF4-FFF2-40B4-BE49-F238E27FC236}">
+                  <a16:creationId xmlns:a16="http://schemas.microsoft.com/office/drawing/2014/main" id="{4B013F97-74E0-D077-A9DD-C9FBC4264EA9}"/>
+                </a:ext>
+              </a:extLst>
+            </p:cNvPr>
+            <p:cNvSpPr txBox="1"/>
+            <p:nvPr/>
+          </p:nvSpPr>
+          <p:spPr>
+            <a:xfrm>
+              <a:off x="5969003" y="1151467"/>
+              <a:ext cx="1278466" cy="369332"/>
+            </a:xfrm>
+            <a:prstGeom prst="rect">
+              <a:avLst/>
+            </a:prstGeom>
+            <a:noFill/>
+          </p:spPr>
+          <p:txBody>
+            <a:bodyPr wrap="square" rtlCol="0">
+              <a:spAutoFit/>
+            </a:bodyPr>
+            <a:lstStyle/>
+            <a:p>
+              <a:r>
+                <a:rPr kumimoji="1" lang="en-US" altLang="ja-JP" dirty="0"/>
+                <a:t>distance</a:t>
+              </a:r>
+              <a:endParaRPr kumimoji="1" lang="ja-JP" altLang="en-US" dirty="0"/>
+            </a:p>
+          </p:txBody>
+        </p:sp>
+        <p:sp>
+          <p:nvSpPr>
+            <p:cNvPr id="8" name="テキスト ボックス 7">
+              <a:extLst>
+                <a:ext uri="{FF2B5EF4-FFF2-40B4-BE49-F238E27FC236}">
+                  <a16:creationId xmlns:a16="http://schemas.microsoft.com/office/drawing/2014/main" id="{1877D65E-EE43-06BA-5751-9B5C2B595BF7}"/>
+                </a:ext>
+              </a:extLst>
+            </p:cNvPr>
+            <p:cNvSpPr txBox="1"/>
+            <p:nvPr/>
+          </p:nvSpPr>
+          <p:spPr>
+            <a:xfrm>
+              <a:off x="7162803" y="1151467"/>
+              <a:ext cx="1278466" cy="369332"/>
+            </a:xfrm>
+            <a:prstGeom prst="rect">
+              <a:avLst/>
+            </a:prstGeom>
+            <a:noFill/>
+          </p:spPr>
+          <p:txBody>
+            <a:bodyPr wrap="square" rtlCol="0">
+              <a:spAutoFit/>
+            </a:bodyPr>
+            <a:lstStyle/>
+            <a:p>
+              <a:r>
+                <a:rPr lang="en-US" altLang="ja-JP" dirty="0"/>
+                <a:t>time</a:t>
+              </a:r>
+              <a:endParaRPr kumimoji="1" lang="ja-JP" altLang="en-US" dirty="0"/>
+            </a:p>
+          </p:txBody>
+        </p:sp>
+      </p:grpSp>
+      <p:sp>
+        <p:nvSpPr>
+          <p:cNvPr id="10" name="テキスト ボックス 9">
+            <a:extLst>
+              <a:ext uri="{FF2B5EF4-FFF2-40B4-BE49-F238E27FC236}">
+                <a16:creationId xmlns:a16="http://schemas.microsoft.com/office/drawing/2014/main" id="{80BF71F9-8699-D477-8FC7-7E84728A7235}"/>
+              </a:ext>
+            </a:extLst>
+          </p:cNvPr>
+          <p:cNvSpPr txBox="1"/>
+          <p:nvPr/>
+        </p:nvSpPr>
+        <p:spPr>
+          <a:xfrm>
+            <a:off x="2836334" y="372533"/>
+            <a:ext cx="1981200" cy="369332"/>
+          </a:xfrm>
+          <a:prstGeom prst="rect">
+            <a:avLst/>
+          </a:prstGeom>
+          <a:noFill/>
+        </p:spPr>
+        <p:txBody>
+          <a:bodyPr wrap="square" rtlCol="0">
+            <a:spAutoFit/>
+          </a:bodyPr>
+          <a:lstStyle/>
+          <a:p>
+            <a:r>
+              <a:rPr lang="en-US" altLang="ja-JP" dirty="0"/>
+              <a:t>USA</a:t>
+            </a:r>
+            <a:endParaRPr kumimoji="1" lang="ja-JP" altLang="en-US" dirty="0"/>
+          </a:p>
+        </p:txBody>
+      </p:sp>
+      <p:sp>
+        <p:nvSpPr>
+          <p:cNvPr id="11" name="テキスト ボックス 10">
+            <a:extLst>
+              <a:ext uri="{FF2B5EF4-FFF2-40B4-BE49-F238E27FC236}">
+                <a16:creationId xmlns:a16="http://schemas.microsoft.com/office/drawing/2014/main" id="{FDAD56DB-64AA-22A5-6AEC-804C89AD9865}"/>
+              </a:ext>
+            </a:extLst>
+          </p:cNvPr>
+          <p:cNvSpPr txBox="1"/>
+          <p:nvPr/>
+        </p:nvSpPr>
+        <p:spPr>
+          <a:xfrm>
+            <a:off x="2709334" y="6209267"/>
+            <a:ext cx="1981200" cy="369332"/>
+          </a:xfrm>
+          <a:prstGeom prst="rect">
+            <a:avLst/>
+          </a:prstGeom>
+          <a:noFill/>
+        </p:spPr>
+        <p:txBody>
+          <a:bodyPr wrap="square" rtlCol="0">
+            <a:spAutoFit/>
+          </a:bodyPr>
+          <a:lstStyle/>
+          <a:p>
+            <a:r>
+              <a:rPr lang="en-US" altLang="ja-JP" dirty="0" err="1"/>
+              <a:t>Mexcico</a:t>
+            </a:r>
+            <a:endParaRPr kumimoji="1" lang="ja-JP" altLang="en-US" dirty="0"/>
+          </a:p>
+        </p:txBody>
+      </p:sp>
+      <p:sp>
+        <p:nvSpPr>
+          <p:cNvPr id="12" name="矢印: 右 11">
+            <a:extLst>
+              <a:ext uri="{FF2B5EF4-FFF2-40B4-BE49-F238E27FC236}">
+                <a16:creationId xmlns:a16="http://schemas.microsoft.com/office/drawing/2014/main" id="{5E1744E3-ED22-42B3-5D7B-955F8DD9D6AD}"/>
+              </a:ext>
+            </a:extLst>
+          </p:cNvPr>
+          <p:cNvSpPr/>
+          <p:nvPr/>
+        </p:nvSpPr>
+        <p:spPr>
+          <a:xfrm rot="5400000">
+            <a:off x="5329767" y="1371600"/>
+            <a:ext cx="639233" cy="753533"/>
+          </a:xfrm>
+          <a:prstGeom prst="rightArrow">
+            <a:avLst/>
+          </a:prstGeom>
+        </p:spPr>
+        <p:style>
+          <a:lnRef idx="2">
+            <a:schemeClr val="accent1">
+              <a:shade val="15000"/>
+            </a:schemeClr>
+          </a:lnRef>
+          <a:fillRef idx="1">
+            <a:schemeClr val="accent1"/>
+          </a:fillRef>
+          <a:effectRef idx="0">
+            <a:schemeClr val="accent1"/>
+          </a:effectRef>
+          <a:fontRef idx="minor">
+            <a:schemeClr val="lt1"/>
+          </a:fontRef>
+        </p:style>
+        <p:txBody>
+          <a:bodyPr rtlCol="0" anchor="ctr"/>
+          <a:lstStyle/>
+          <a:p>
+            <a:pPr algn="ctr"/>
+            <a:endParaRPr kumimoji="1" lang="ja-JP" altLang="en-US"/>
+          </a:p>
+        </p:txBody>
+      </p:sp>
+      <p:sp>
+        <p:nvSpPr>
+          <p:cNvPr id="13" name="矢印: 右 12">
+            <a:extLst>
+              <a:ext uri="{FF2B5EF4-FFF2-40B4-BE49-F238E27FC236}">
+                <a16:creationId xmlns:a16="http://schemas.microsoft.com/office/drawing/2014/main" id="{955FBD2B-F372-D86A-4635-8EB48784D0A0}"/>
+              </a:ext>
+            </a:extLst>
+          </p:cNvPr>
+          <p:cNvSpPr/>
+          <p:nvPr/>
+        </p:nvSpPr>
+        <p:spPr>
+          <a:xfrm rot="5400000">
+            <a:off x="5632450" y="5273185"/>
+            <a:ext cx="639233" cy="753533"/>
+          </a:xfrm>
+          <a:prstGeom prst="rightArrow">
+            <a:avLst/>
+          </a:prstGeom>
+        </p:spPr>
+        <p:style>
+          <a:lnRef idx="2">
+            <a:schemeClr val="accent1">
+              <a:shade val="15000"/>
+            </a:schemeClr>
+          </a:lnRef>
+          <a:fillRef idx="1">
+            <a:schemeClr val="accent1"/>
+          </a:fillRef>
+          <a:effectRef idx="0">
+            <a:schemeClr val="accent1"/>
+          </a:effectRef>
+          <a:fontRef idx="minor">
+            <a:schemeClr val="lt1"/>
+          </a:fontRef>
+        </p:style>
+        <p:txBody>
+          <a:bodyPr rtlCol="0" anchor="ctr"/>
+          <a:lstStyle/>
+          <a:p>
+            <a:pPr algn="ctr"/>
+            <a:endParaRPr kumimoji="1" lang="ja-JP" altLang="en-US"/>
+          </a:p>
+        </p:txBody>
+      </p:sp>
+      <p:sp>
+        <p:nvSpPr>
+          <p:cNvPr id="14" name="テキスト ボックス 13">
+            <a:extLst>
+              <a:ext uri="{FF2B5EF4-FFF2-40B4-BE49-F238E27FC236}">
+                <a16:creationId xmlns:a16="http://schemas.microsoft.com/office/drawing/2014/main" id="{B8A924C4-34D2-06FA-B577-9A0F61948B41}"/>
+              </a:ext>
+            </a:extLst>
+          </p:cNvPr>
+          <p:cNvSpPr txBox="1"/>
+          <p:nvPr/>
+        </p:nvSpPr>
+        <p:spPr>
+          <a:xfrm>
+            <a:off x="3657600" y="1329267"/>
+            <a:ext cx="1159934" cy="369332"/>
+          </a:xfrm>
+          <a:prstGeom prst="rect">
+            <a:avLst/>
+          </a:prstGeom>
+          <a:noFill/>
+        </p:spPr>
+        <p:txBody>
+          <a:bodyPr wrap="square" rtlCol="0">
+            <a:spAutoFit/>
+          </a:bodyPr>
+          <a:lstStyle/>
+          <a:p>
+            <a:r>
+              <a:rPr kumimoji="1" lang="en-US" altLang="ja-JP" dirty="0"/>
+              <a:t>airplane</a:t>
+            </a:r>
+            <a:endParaRPr kumimoji="1" lang="ja-JP" altLang="en-US" dirty="0"/>
+          </a:p>
+        </p:txBody>
+      </p:sp>
+      <p:sp>
+        <p:nvSpPr>
+          <p:cNvPr id="15" name="テキスト ボックス 14">
+            <a:extLst>
+              <a:ext uri="{FF2B5EF4-FFF2-40B4-BE49-F238E27FC236}">
+                <a16:creationId xmlns:a16="http://schemas.microsoft.com/office/drawing/2014/main" id="{CEED053F-C255-4573-E9BE-8E1B469AB831}"/>
+              </a:ext>
+            </a:extLst>
+          </p:cNvPr>
+          <p:cNvSpPr txBox="1"/>
+          <p:nvPr/>
+        </p:nvSpPr>
+        <p:spPr>
+          <a:xfrm>
+            <a:off x="6252849" y="1297001"/>
+            <a:ext cx="1159934" cy="369332"/>
+          </a:xfrm>
+          <a:prstGeom prst="rect">
+            <a:avLst/>
+          </a:prstGeom>
+          <a:noFill/>
+        </p:spPr>
+        <p:txBody>
+          <a:bodyPr wrap="square" rtlCol="0">
+            <a:spAutoFit/>
+          </a:bodyPr>
+          <a:lstStyle/>
+          <a:p>
+            <a:r>
+              <a:rPr lang="en-US" altLang="ja-JP" dirty="0"/>
+              <a:t>distance</a:t>
+            </a:r>
+            <a:endParaRPr kumimoji="1" lang="ja-JP" altLang="en-US" dirty="0"/>
+          </a:p>
+        </p:txBody>
+      </p:sp>
+      <p:sp>
+        <p:nvSpPr>
+          <p:cNvPr id="16" name="テキスト ボックス 15">
+            <a:extLst>
+              <a:ext uri="{FF2B5EF4-FFF2-40B4-BE49-F238E27FC236}">
+                <a16:creationId xmlns:a16="http://schemas.microsoft.com/office/drawing/2014/main" id="{F0C74501-2B28-0B8A-2560-B0A2933B4E11}"/>
+              </a:ext>
+            </a:extLst>
+          </p:cNvPr>
+          <p:cNvSpPr txBox="1"/>
+          <p:nvPr/>
+        </p:nvSpPr>
+        <p:spPr>
+          <a:xfrm>
+            <a:off x="7539782" y="1297001"/>
+            <a:ext cx="1159934" cy="369332"/>
+          </a:xfrm>
+          <a:prstGeom prst="rect">
+            <a:avLst/>
+          </a:prstGeom>
+          <a:noFill/>
+        </p:spPr>
+        <p:txBody>
+          <a:bodyPr wrap="square" rtlCol="0">
+            <a:spAutoFit/>
+          </a:bodyPr>
+          <a:lstStyle/>
+          <a:p>
+            <a:r>
+              <a:rPr kumimoji="1" lang="en-US" altLang="ja-JP" dirty="0"/>
+              <a:t>time</a:t>
+            </a:r>
+            <a:endParaRPr kumimoji="1" lang="ja-JP" altLang="en-US" dirty="0"/>
+          </a:p>
+        </p:txBody>
+      </p:sp>
+      <p:sp>
+        <p:nvSpPr>
+          <p:cNvPr id="17" name="テキスト ボックス 16">
+            <a:extLst>
+              <a:ext uri="{FF2B5EF4-FFF2-40B4-BE49-F238E27FC236}">
+                <a16:creationId xmlns:a16="http://schemas.microsoft.com/office/drawing/2014/main" id="{93B7C649-25D5-435F-54C5-9C2471A77F3A}"/>
+              </a:ext>
+            </a:extLst>
+          </p:cNvPr>
+          <p:cNvSpPr txBox="1"/>
+          <p:nvPr/>
+        </p:nvSpPr>
+        <p:spPr>
+          <a:xfrm>
+            <a:off x="2042583" y="1352034"/>
+            <a:ext cx="1159934" cy="369332"/>
+          </a:xfrm>
+          <a:prstGeom prst="rect">
+            <a:avLst/>
+          </a:prstGeom>
+          <a:noFill/>
+        </p:spPr>
+        <p:txBody>
+          <a:bodyPr wrap="square" rtlCol="0">
+            <a:spAutoFit/>
+          </a:bodyPr>
+          <a:lstStyle/>
+          <a:p>
+            <a:r>
+              <a:rPr lang="en-US" altLang="ja-JP" dirty="0"/>
+              <a:t>date</a:t>
+            </a:r>
+            <a:endParaRPr kumimoji="1" lang="ja-JP" altLang="en-US" dirty="0"/>
+          </a:p>
+        </p:txBody>
+      </p:sp>
+      <p:sp>
+        <p:nvSpPr>
+          <p:cNvPr id="18" name="テキスト ボックス 17">
+            <a:extLst>
+              <a:ext uri="{FF2B5EF4-FFF2-40B4-BE49-F238E27FC236}">
+                <a16:creationId xmlns:a16="http://schemas.microsoft.com/office/drawing/2014/main" id="{5E6A3FBA-EBE7-CEA8-CD75-1D75EB4F2263}"/>
+              </a:ext>
+            </a:extLst>
+          </p:cNvPr>
+          <p:cNvSpPr txBox="1"/>
+          <p:nvPr/>
+        </p:nvSpPr>
+        <p:spPr>
+          <a:xfrm>
+            <a:off x="3903133" y="5283768"/>
+            <a:ext cx="1159934" cy="369332"/>
+          </a:xfrm>
+          <a:prstGeom prst="rect">
+            <a:avLst/>
+          </a:prstGeom>
+          <a:noFill/>
+        </p:spPr>
+        <p:txBody>
+          <a:bodyPr wrap="square" rtlCol="0">
+            <a:spAutoFit/>
+          </a:bodyPr>
+          <a:lstStyle/>
+          <a:p>
+            <a:r>
+              <a:rPr kumimoji="1" lang="en-US" altLang="ja-JP" dirty="0"/>
+              <a:t>airplane</a:t>
+            </a:r>
+            <a:endParaRPr kumimoji="1" lang="ja-JP" altLang="en-US" dirty="0"/>
+          </a:p>
+        </p:txBody>
+      </p:sp>
+      <p:sp>
+        <p:nvSpPr>
+          <p:cNvPr id="19" name="テキスト ボックス 18">
+            <a:extLst>
+              <a:ext uri="{FF2B5EF4-FFF2-40B4-BE49-F238E27FC236}">
+                <a16:creationId xmlns:a16="http://schemas.microsoft.com/office/drawing/2014/main" id="{0BC2E9CB-C9AA-457E-FA3F-5C755AB931F1}"/>
+              </a:ext>
+            </a:extLst>
+          </p:cNvPr>
+          <p:cNvSpPr txBox="1"/>
+          <p:nvPr/>
+        </p:nvSpPr>
+        <p:spPr>
+          <a:xfrm>
+            <a:off x="6498382" y="5251502"/>
+            <a:ext cx="1159934" cy="369332"/>
+          </a:xfrm>
+          <a:prstGeom prst="rect">
+            <a:avLst/>
+          </a:prstGeom>
+          <a:noFill/>
+        </p:spPr>
+        <p:txBody>
+          <a:bodyPr wrap="square" rtlCol="0">
+            <a:spAutoFit/>
+          </a:bodyPr>
+          <a:lstStyle/>
+          <a:p>
+            <a:r>
+              <a:rPr lang="en-US" altLang="ja-JP" dirty="0"/>
+              <a:t>distance</a:t>
+            </a:r>
+            <a:endParaRPr kumimoji="1" lang="ja-JP" altLang="en-US" dirty="0"/>
+          </a:p>
+        </p:txBody>
+      </p:sp>
+      <p:sp>
+        <p:nvSpPr>
+          <p:cNvPr id="20" name="テキスト ボックス 19">
+            <a:extLst>
+              <a:ext uri="{FF2B5EF4-FFF2-40B4-BE49-F238E27FC236}">
+                <a16:creationId xmlns:a16="http://schemas.microsoft.com/office/drawing/2014/main" id="{177B8364-0C2D-C111-2EA2-6E2700942EAD}"/>
+              </a:ext>
+            </a:extLst>
+          </p:cNvPr>
+          <p:cNvSpPr txBox="1"/>
+          <p:nvPr/>
+        </p:nvSpPr>
+        <p:spPr>
+          <a:xfrm>
+            <a:off x="7785315" y="5251502"/>
+            <a:ext cx="1159934" cy="369332"/>
+          </a:xfrm>
+          <a:prstGeom prst="rect">
+            <a:avLst/>
+          </a:prstGeom>
+          <a:noFill/>
+        </p:spPr>
+        <p:txBody>
+          <a:bodyPr wrap="square" rtlCol="0">
+            <a:spAutoFit/>
+          </a:bodyPr>
+          <a:lstStyle/>
+          <a:p>
+            <a:r>
+              <a:rPr kumimoji="1" lang="en-US" altLang="ja-JP" dirty="0"/>
+              <a:t>time</a:t>
+            </a:r>
+            <a:endParaRPr kumimoji="1" lang="ja-JP" altLang="en-US" dirty="0"/>
+          </a:p>
+        </p:txBody>
+      </p:sp>
+      <p:sp>
+        <p:nvSpPr>
+          <p:cNvPr id="21" name="テキスト ボックス 20">
+            <a:extLst>
+              <a:ext uri="{FF2B5EF4-FFF2-40B4-BE49-F238E27FC236}">
+                <a16:creationId xmlns:a16="http://schemas.microsoft.com/office/drawing/2014/main" id="{4EEAA54A-BB72-B7AC-CE6C-835FEE80E2AD}"/>
+              </a:ext>
+            </a:extLst>
+          </p:cNvPr>
+          <p:cNvSpPr txBox="1"/>
+          <p:nvPr/>
+        </p:nvSpPr>
+        <p:spPr>
+          <a:xfrm>
+            <a:off x="2288116" y="5306535"/>
+            <a:ext cx="1159934" cy="369332"/>
+          </a:xfrm>
+          <a:prstGeom prst="rect">
+            <a:avLst/>
+          </a:prstGeom>
+          <a:noFill/>
+        </p:spPr>
+        <p:txBody>
+          <a:bodyPr wrap="square" rtlCol="0">
+            <a:spAutoFit/>
+          </a:bodyPr>
+          <a:lstStyle/>
+          <a:p>
+            <a:r>
+              <a:rPr lang="en-US" altLang="ja-JP" dirty="0"/>
+              <a:t>date</a:t>
+            </a:r>
+            <a:endParaRPr kumimoji="1" lang="ja-JP" altLang="en-US" dirty="0"/>
+          </a:p>
+        </p:txBody>
+      </p:sp>
+    </p:spTree>
+    <p:extLst>
+      <p:ext uri="{BB962C8B-B14F-4D97-AF65-F5344CB8AC3E}">
+        <p14:creationId xmlns:p14="http://schemas.microsoft.com/office/powerpoint/2010/main" val="730837705"/>
+      </p:ext>
+    </p:extLst>
+  </p:cSld>
+  <p:clrMapOvr>
+    <a:masterClrMapping/>
+  </p:clrMapOvr>
+</p:sld>
+</file>
+
+<file path=ppt/slides/slide3.xml><?xml version="1.0" encoding="utf-8"?>
 <p:sld xmlns:a="http://schemas.openxmlformats.org/drawingml/2006/main" xmlns:r="http://schemas.openxmlformats.org/officeDocument/2006/relationships" xmlns:p="http://schemas.openxmlformats.org/presentationml/2006/main">
   <p:cSld>
     <p:spTree>
@@ -4620,7 +7564,7 @@
 </p:sld>
 </file>
 
-<file path=ppt/slides/slide3.xml><?xml version="1.0" encoding="utf-8"?>
+<file path=ppt/slides/slide4.xml><?xml version="1.0" encoding="utf-8"?>
 <p:sld xmlns:a="http://schemas.openxmlformats.org/drawingml/2006/main" xmlns:r="http://schemas.openxmlformats.org/officeDocument/2006/relationships" xmlns:p="http://schemas.openxmlformats.org/presentationml/2006/main">
   <p:cSld>
     <p:spTree>
@@ -5976,7 +8920,7 @@
 </p:sld>
 </file>
 
-<file path=ppt/slides/slide4.xml><?xml version="1.0" encoding="utf-8"?>
+<file path=ppt/slides/slide5.xml><?xml version="1.0" encoding="utf-8"?>
 <p:sld xmlns:a="http://schemas.openxmlformats.org/drawingml/2006/main" xmlns:r="http://schemas.openxmlformats.org/officeDocument/2006/relationships" xmlns:p="http://schemas.openxmlformats.org/presentationml/2006/main">
   <p:cSld>
     <p:spTree>
@@ -7689,7 +10633,7 @@
 </p:sld>
 </file>
 
-<file path=ppt/slides/slide5.xml><?xml version="1.0" encoding="utf-8"?>
+<file path=ppt/slides/slide6.xml><?xml version="1.0" encoding="utf-8"?>
 <p:sld xmlns:a="http://schemas.openxmlformats.org/drawingml/2006/main" xmlns:r="http://schemas.openxmlformats.org/officeDocument/2006/relationships" xmlns:p="http://schemas.openxmlformats.org/presentationml/2006/main">
   <p:cSld>
     <p:spTree>
@@ -9799,7 +12743,7 @@
 </p:sld>
 </file>
 
-<file path=ppt/slides/slide6.xml><?xml version="1.0" encoding="utf-8"?>
+<file path=ppt/slides/slide7.xml><?xml version="1.0" encoding="utf-8"?>
 <p:sld xmlns:a="http://schemas.openxmlformats.org/drawingml/2006/main" xmlns:r="http://schemas.openxmlformats.org/officeDocument/2006/relationships" xmlns:p="http://schemas.openxmlformats.org/presentationml/2006/main">
   <p:cSld>
     <p:spTree>
@@ -11920,7 +14864,7 @@
 </p:sld>
 </file>
 
-<file path=ppt/slides/slide7.xml><?xml version="1.0" encoding="utf-8"?>
+<file path=ppt/slides/slide8.xml><?xml version="1.0" encoding="utf-8"?>
 <p:sld xmlns:a="http://schemas.openxmlformats.org/drawingml/2006/main" xmlns:r="http://schemas.openxmlformats.org/officeDocument/2006/relationships" xmlns:p="http://schemas.openxmlformats.org/presentationml/2006/main">
   <p:cSld>
     <p:spTree>
@@ -14415,7 +17359,7 @@
 </p:sld>
 </file>
 
-<file path=ppt/slides/slide8.xml><?xml version="1.0" encoding="utf-8"?>
+<file path=ppt/slides/slide9.xml><?xml version="1.0" encoding="utf-8"?>
 <p:sld xmlns:a="http://schemas.openxmlformats.org/drawingml/2006/main" xmlns:r="http://schemas.openxmlformats.org/officeDocument/2006/relationships" xmlns:p="http://schemas.openxmlformats.org/presentationml/2006/main">
   <p:cSld>
     <p:spTree>
@@ -16481,2150 +19425,6 @@
 </p:sld>
 </file>
 
-<file path=ppt/slides/slide9.xml><?xml version="1.0" encoding="utf-8"?>
-<p:sld xmlns:a="http://schemas.openxmlformats.org/drawingml/2006/main" xmlns:r="http://schemas.openxmlformats.org/officeDocument/2006/relationships" xmlns:p="http://schemas.openxmlformats.org/presentationml/2006/main">
-  <p:cSld>
-    <p:spTree>
-      <p:nvGrpSpPr>
-        <p:cNvPr id="1" name=""/>
-        <p:cNvGrpSpPr/>
-        <p:nvPr/>
-      </p:nvGrpSpPr>
-      <p:grpSpPr>
-        <a:xfrm>
-          <a:off x="0" y="0"/>
-          <a:ext cx="0" cy="0"/>
-          <a:chOff x="0" y="0"/>
-          <a:chExt cx="0" cy="0"/>
-        </a:xfrm>
-      </p:grpSpPr>
-      <p:sp>
-        <p:nvSpPr>
-          <p:cNvPr id="2" name="正方形/長方形 1">
-            <a:extLst>
-              <a:ext uri="{FF2B5EF4-FFF2-40B4-BE49-F238E27FC236}">
-                <a16:creationId xmlns:a16="http://schemas.microsoft.com/office/drawing/2014/main" id="{01B48B62-9EB0-9876-5D3C-9E9619E624EB}"/>
-              </a:ext>
-            </a:extLst>
-          </p:cNvPr>
-          <p:cNvSpPr/>
-          <p:nvPr/>
-        </p:nvSpPr>
-        <p:spPr>
-          <a:xfrm>
-            <a:off x="1267305" y="892264"/>
-            <a:ext cx="9430247" cy="5263764"/>
-          </a:xfrm>
-          <a:prstGeom prst="rect">
-            <a:avLst/>
-          </a:prstGeom>
-        </p:spPr>
-        <p:style>
-          <a:lnRef idx="2">
-            <a:schemeClr val="dk1"/>
-          </a:lnRef>
-          <a:fillRef idx="1">
-            <a:schemeClr val="lt1"/>
-          </a:fillRef>
-          <a:effectRef idx="0">
-            <a:schemeClr val="dk1"/>
-          </a:effectRef>
-          <a:fontRef idx="minor">
-            <a:schemeClr val="dk1"/>
-          </a:fontRef>
-        </p:style>
-        <p:txBody>
-          <a:bodyPr rtlCol="0" anchor="ctr"/>
-          <a:lstStyle/>
-          <a:p>
-            <a:pPr algn="ctr"/>
-            <a:endParaRPr kumimoji="1" lang="ja-JP" altLang="en-US" dirty="0"/>
-          </a:p>
-        </p:txBody>
-      </p:sp>
-      <p:sp>
-        <p:nvSpPr>
-          <p:cNvPr id="3" name="正方形/長方形 2">
-            <a:extLst>
-              <a:ext uri="{FF2B5EF4-FFF2-40B4-BE49-F238E27FC236}">
-                <a16:creationId xmlns:a16="http://schemas.microsoft.com/office/drawing/2014/main" id="{6E1F8BD5-268F-80DE-F40A-597316CC1E7D}"/>
-              </a:ext>
-            </a:extLst>
-          </p:cNvPr>
-          <p:cNvSpPr/>
-          <p:nvPr/>
-        </p:nvSpPr>
-        <p:spPr>
-          <a:xfrm>
-            <a:off x="1160890" y="898497"/>
-            <a:ext cx="2170707" cy="5263764"/>
-          </a:xfrm>
-          <a:prstGeom prst="rect">
-            <a:avLst/>
-          </a:prstGeom>
-        </p:spPr>
-        <p:style>
-          <a:lnRef idx="2">
-            <a:schemeClr val="dk1"/>
-          </a:lnRef>
-          <a:fillRef idx="1">
-            <a:schemeClr val="lt1"/>
-          </a:fillRef>
-          <a:effectRef idx="0">
-            <a:schemeClr val="dk1"/>
-          </a:effectRef>
-          <a:fontRef idx="minor">
-            <a:schemeClr val="dk1"/>
-          </a:fontRef>
-        </p:style>
-        <p:txBody>
-          <a:bodyPr rtlCol="0" anchor="ctr"/>
-          <a:lstStyle/>
-          <a:p>
-            <a:pPr algn="ctr"/>
-            <a:endParaRPr kumimoji="1" lang="ja-JP" altLang="en-US"/>
-          </a:p>
-        </p:txBody>
-      </p:sp>
-      <p:sp>
-        <p:nvSpPr>
-          <p:cNvPr id="4" name="正方形/長方形 3">
-            <a:extLst>
-              <a:ext uri="{FF2B5EF4-FFF2-40B4-BE49-F238E27FC236}">
-                <a16:creationId xmlns:a16="http://schemas.microsoft.com/office/drawing/2014/main" id="{C5A5753D-9AB2-2EA2-E221-E71768BB32ED}"/>
-              </a:ext>
-            </a:extLst>
-          </p:cNvPr>
-          <p:cNvSpPr/>
-          <p:nvPr/>
-        </p:nvSpPr>
-        <p:spPr>
-          <a:xfrm>
-            <a:off x="2116254" y="2740030"/>
-            <a:ext cx="1184743" cy="974438"/>
-          </a:xfrm>
-          <a:prstGeom prst="rect">
-            <a:avLst/>
-          </a:prstGeom>
-        </p:spPr>
-        <p:style>
-          <a:lnRef idx="2">
-            <a:schemeClr val="dk1"/>
-          </a:lnRef>
-          <a:fillRef idx="1">
-            <a:schemeClr val="lt1"/>
-          </a:fillRef>
-          <a:effectRef idx="0">
-            <a:schemeClr val="dk1"/>
-          </a:effectRef>
-          <a:fontRef idx="minor">
-            <a:schemeClr val="dk1"/>
-          </a:fontRef>
-        </p:style>
-        <p:txBody>
-          <a:bodyPr rtlCol="0" anchor="ctr"/>
-          <a:lstStyle/>
-          <a:p>
-            <a:pPr algn="ctr"/>
-            <a:endParaRPr kumimoji="1" lang="ja-JP" altLang="en-US"/>
-          </a:p>
-        </p:txBody>
-      </p:sp>
-      <p:grpSp>
-        <p:nvGrpSpPr>
-          <p:cNvPr id="5" name="グループ化 4">
-            <a:extLst>
-              <a:ext uri="{FF2B5EF4-FFF2-40B4-BE49-F238E27FC236}">
-                <a16:creationId xmlns:a16="http://schemas.microsoft.com/office/drawing/2014/main" id="{FB13551E-7F7F-A341-70A2-8CCD12D28713}"/>
-              </a:ext>
-            </a:extLst>
-          </p:cNvPr>
-          <p:cNvGrpSpPr/>
-          <p:nvPr/>
-        </p:nvGrpSpPr>
-        <p:grpSpPr>
-          <a:xfrm>
-            <a:off x="2254900" y="2733080"/>
-            <a:ext cx="975361" cy="940510"/>
-            <a:chOff x="9591921" y="1516576"/>
-            <a:chExt cx="975361" cy="940510"/>
-          </a:xfrm>
-        </p:grpSpPr>
-        <p:sp>
-          <p:nvSpPr>
-            <p:cNvPr id="6" name="楕円 5">
-              <a:extLst>
-                <a:ext uri="{FF2B5EF4-FFF2-40B4-BE49-F238E27FC236}">
-                  <a16:creationId xmlns:a16="http://schemas.microsoft.com/office/drawing/2014/main" id="{7D7D7B7B-BF8E-F958-E8AF-A9B68603B2DC}"/>
-                </a:ext>
-              </a:extLst>
-            </p:cNvPr>
-            <p:cNvSpPr/>
-            <p:nvPr/>
-          </p:nvSpPr>
-          <p:spPr>
-            <a:xfrm>
-              <a:off x="9598548" y="1603838"/>
-              <a:ext cx="159026" cy="194808"/>
-            </a:xfrm>
-            <a:prstGeom prst="ellipse">
-              <a:avLst/>
-            </a:prstGeom>
-          </p:spPr>
-          <p:style>
-            <a:lnRef idx="2">
-              <a:schemeClr val="dk1">
-                <a:shade val="15000"/>
-              </a:schemeClr>
-            </a:lnRef>
-            <a:fillRef idx="1">
-              <a:schemeClr val="dk1"/>
-            </a:fillRef>
-            <a:effectRef idx="0">
-              <a:schemeClr val="dk1"/>
-            </a:effectRef>
-            <a:fontRef idx="minor">
-              <a:schemeClr val="lt1"/>
-            </a:fontRef>
-          </p:style>
-          <p:txBody>
-            <a:bodyPr rtlCol="0" anchor="ctr"/>
-            <a:lstStyle/>
-            <a:p>
-              <a:pPr algn="ctr"/>
-              <a:endParaRPr kumimoji="1" lang="ja-JP" altLang="en-US"/>
-            </a:p>
-          </p:txBody>
-        </p:sp>
-        <p:sp>
-          <p:nvSpPr>
-            <p:cNvPr id="7" name="テキスト ボックス 6">
-              <a:extLst>
-                <a:ext uri="{FF2B5EF4-FFF2-40B4-BE49-F238E27FC236}">
-                  <a16:creationId xmlns:a16="http://schemas.microsoft.com/office/drawing/2014/main" id="{CC1D1D68-F8E0-8A86-C4A6-565E04C82EC7}"/>
-                </a:ext>
-              </a:extLst>
-            </p:cNvPr>
-            <p:cNvSpPr txBox="1"/>
-            <p:nvPr/>
-          </p:nvSpPr>
-          <p:spPr>
-            <a:xfrm>
-              <a:off x="9748298" y="1516576"/>
-              <a:ext cx="818984" cy="369332"/>
-            </a:xfrm>
-            <a:prstGeom prst="rect">
-              <a:avLst/>
-            </a:prstGeom>
-            <a:noFill/>
-          </p:spPr>
-          <p:txBody>
-            <a:bodyPr wrap="square" rtlCol="0">
-              <a:spAutoFit/>
-            </a:bodyPr>
-            <a:lstStyle/>
-            <a:p>
-              <a:r>
-                <a:rPr kumimoji="1" lang="en-US" altLang="ja-JP" dirty="0"/>
-                <a:t>JPY</a:t>
-              </a:r>
-              <a:endParaRPr kumimoji="1" lang="ja-JP" altLang="en-US" dirty="0"/>
-            </a:p>
-          </p:txBody>
-        </p:sp>
-        <p:sp>
-          <p:nvSpPr>
-            <p:cNvPr id="8" name="楕円 7">
-              <a:extLst>
-                <a:ext uri="{FF2B5EF4-FFF2-40B4-BE49-F238E27FC236}">
-                  <a16:creationId xmlns:a16="http://schemas.microsoft.com/office/drawing/2014/main" id="{DB522B0D-0E49-4C29-6C97-44AC7EC86CD7}"/>
-                </a:ext>
-              </a:extLst>
-            </p:cNvPr>
-            <p:cNvSpPr/>
-            <p:nvPr/>
-          </p:nvSpPr>
-          <p:spPr>
-            <a:xfrm>
-              <a:off x="9611800" y="1882657"/>
-              <a:ext cx="159026" cy="194808"/>
-            </a:xfrm>
-            <a:prstGeom prst="ellipse">
-              <a:avLst/>
-            </a:prstGeom>
-          </p:spPr>
-          <p:style>
-            <a:lnRef idx="2">
-              <a:schemeClr val="dk1"/>
-            </a:lnRef>
-            <a:fillRef idx="1">
-              <a:schemeClr val="lt1"/>
-            </a:fillRef>
-            <a:effectRef idx="0">
-              <a:schemeClr val="dk1"/>
-            </a:effectRef>
-            <a:fontRef idx="minor">
-              <a:schemeClr val="dk1"/>
-            </a:fontRef>
-          </p:style>
-          <p:txBody>
-            <a:bodyPr rtlCol="0" anchor="ctr"/>
-            <a:lstStyle/>
-            <a:p>
-              <a:pPr algn="ctr"/>
-              <a:endParaRPr kumimoji="1" lang="ja-JP" altLang="en-US"/>
-            </a:p>
-          </p:txBody>
-        </p:sp>
-        <p:sp>
-          <p:nvSpPr>
-            <p:cNvPr id="9" name="テキスト ボックス 8">
-              <a:extLst>
-                <a:ext uri="{FF2B5EF4-FFF2-40B4-BE49-F238E27FC236}">
-                  <a16:creationId xmlns:a16="http://schemas.microsoft.com/office/drawing/2014/main" id="{A6EABA8F-AC0D-DA6F-F790-C82868EB8831}"/>
-                </a:ext>
-              </a:extLst>
-            </p:cNvPr>
-            <p:cNvSpPr txBox="1"/>
-            <p:nvPr/>
-          </p:nvSpPr>
-          <p:spPr>
-            <a:xfrm>
-              <a:off x="9741671" y="1798123"/>
-              <a:ext cx="818984" cy="369332"/>
-            </a:xfrm>
-            <a:prstGeom prst="rect">
-              <a:avLst/>
-            </a:prstGeom>
-            <a:noFill/>
-          </p:spPr>
-          <p:txBody>
-            <a:bodyPr wrap="square" rtlCol="0">
-              <a:spAutoFit/>
-            </a:bodyPr>
-            <a:lstStyle/>
-            <a:p>
-              <a:r>
-                <a:rPr kumimoji="1" lang="en-US" altLang="ja-JP" dirty="0"/>
-                <a:t>USD</a:t>
-              </a:r>
-              <a:endParaRPr kumimoji="1" lang="ja-JP" altLang="en-US" dirty="0"/>
-            </a:p>
-          </p:txBody>
-        </p:sp>
-        <p:sp>
-          <p:nvSpPr>
-            <p:cNvPr id="10" name="楕円 9">
-              <a:extLst>
-                <a:ext uri="{FF2B5EF4-FFF2-40B4-BE49-F238E27FC236}">
-                  <a16:creationId xmlns:a16="http://schemas.microsoft.com/office/drawing/2014/main" id="{78E579B5-05D2-B47A-38AB-252EFDC174E5}"/>
-                </a:ext>
-              </a:extLst>
-            </p:cNvPr>
-            <p:cNvSpPr/>
-            <p:nvPr/>
-          </p:nvSpPr>
-          <p:spPr>
-            <a:xfrm>
-              <a:off x="9591921" y="2175016"/>
-              <a:ext cx="159026" cy="194808"/>
-            </a:xfrm>
-            <a:prstGeom prst="ellipse">
-              <a:avLst/>
-            </a:prstGeom>
-          </p:spPr>
-          <p:style>
-            <a:lnRef idx="2">
-              <a:schemeClr val="dk1"/>
-            </a:lnRef>
-            <a:fillRef idx="1">
-              <a:schemeClr val="lt1"/>
-            </a:fillRef>
-            <a:effectRef idx="0">
-              <a:schemeClr val="dk1"/>
-            </a:effectRef>
-            <a:fontRef idx="minor">
-              <a:schemeClr val="dk1"/>
-            </a:fontRef>
-          </p:style>
-          <p:txBody>
-            <a:bodyPr rtlCol="0" anchor="ctr"/>
-            <a:lstStyle/>
-            <a:p>
-              <a:pPr algn="ctr"/>
-              <a:endParaRPr kumimoji="1" lang="ja-JP" altLang="en-US"/>
-            </a:p>
-          </p:txBody>
-        </p:sp>
-        <p:sp>
-          <p:nvSpPr>
-            <p:cNvPr id="11" name="テキスト ボックス 10">
-              <a:extLst>
-                <a:ext uri="{FF2B5EF4-FFF2-40B4-BE49-F238E27FC236}">
-                  <a16:creationId xmlns:a16="http://schemas.microsoft.com/office/drawing/2014/main" id="{A5AA07D7-EC80-1522-A7D9-3FB13CD3BF07}"/>
-                </a:ext>
-              </a:extLst>
-            </p:cNvPr>
-            <p:cNvSpPr txBox="1"/>
-            <p:nvPr/>
-          </p:nvSpPr>
-          <p:spPr>
-            <a:xfrm>
-              <a:off x="9741671" y="2087754"/>
-              <a:ext cx="818984" cy="369332"/>
-            </a:xfrm>
-            <a:prstGeom prst="rect">
-              <a:avLst/>
-            </a:prstGeom>
-            <a:noFill/>
-          </p:spPr>
-          <p:txBody>
-            <a:bodyPr wrap="square" rtlCol="0">
-              <a:spAutoFit/>
-            </a:bodyPr>
-            <a:lstStyle/>
-            <a:p>
-              <a:r>
-                <a:rPr lang="en-US" altLang="ja-JP" dirty="0"/>
-                <a:t>EUR</a:t>
-              </a:r>
-              <a:endParaRPr kumimoji="1" lang="ja-JP" altLang="en-US" dirty="0"/>
-            </a:p>
-          </p:txBody>
-        </p:sp>
-      </p:grpSp>
-      <p:sp>
-        <p:nvSpPr>
-          <p:cNvPr id="12" name="テキスト ボックス 11">
-            <a:extLst>
-              <a:ext uri="{FF2B5EF4-FFF2-40B4-BE49-F238E27FC236}">
-                <a16:creationId xmlns:a16="http://schemas.microsoft.com/office/drawing/2014/main" id="{0C359C2F-9777-694E-3ECB-32E2B2551E0B}"/>
-              </a:ext>
-            </a:extLst>
-          </p:cNvPr>
-          <p:cNvSpPr txBox="1"/>
-          <p:nvPr/>
-        </p:nvSpPr>
-        <p:spPr>
-          <a:xfrm>
-            <a:off x="1169279" y="4253805"/>
-            <a:ext cx="1847352" cy="369332"/>
-          </a:xfrm>
-          <a:prstGeom prst="rect">
-            <a:avLst/>
-          </a:prstGeom>
-          <a:noFill/>
-        </p:spPr>
-        <p:txBody>
-          <a:bodyPr wrap="square" rtlCol="0">
-            <a:spAutoFit/>
-          </a:bodyPr>
-          <a:lstStyle/>
-          <a:p>
-            <a:r>
-              <a:rPr kumimoji="1" lang="en-US" altLang="ja-JP" dirty="0" err="1"/>
-              <a:t>Total:xxxxxx</a:t>
-            </a:r>
-            <a:r>
-              <a:rPr kumimoji="1" lang="ja-JP" altLang="en-US" dirty="0"/>
-              <a:t>円</a:t>
-            </a:r>
-          </a:p>
-        </p:txBody>
-      </p:sp>
-      <p:sp>
-        <p:nvSpPr>
-          <p:cNvPr id="13" name="テキスト ボックス 12">
-            <a:extLst>
-              <a:ext uri="{FF2B5EF4-FFF2-40B4-BE49-F238E27FC236}">
-                <a16:creationId xmlns:a16="http://schemas.microsoft.com/office/drawing/2014/main" id="{CC65EEC7-91AC-A177-994D-37729B305E28}"/>
-              </a:ext>
-            </a:extLst>
-          </p:cNvPr>
-          <p:cNvSpPr txBox="1"/>
-          <p:nvPr/>
-        </p:nvSpPr>
-        <p:spPr>
-          <a:xfrm>
-            <a:off x="2182826" y="3813277"/>
-            <a:ext cx="1445812" cy="369332"/>
-          </a:xfrm>
-          <a:prstGeom prst="rect">
-            <a:avLst/>
-          </a:prstGeom>
-          <a:noFill/>
-        </p:spPr>
-        <p:txBody>
-          <a:bodyPr wrap="square" rtlCol="0">
-            <a:spAutoFit/>
-          </a:bodyPr>
-          <a:lstStyle/>
-          <a:p>
-            <a:r>
-              <a:rPr kumimoji="1" lang="en-US" altLang="ja-JP" dirty="0"/>
-              <a:t>XX</a:t>
-            </a:r>
-            <a:r>
-              <a:rPr kumimoji="1" lang="ja-JP" altLang="en-US" dirty="0"/>
-              <a:t>カ国</a:t>
-            </a:r>
-          </a:p>
-        </p:txBody>
-      </p:sp>
-      <p:sp>
-        <p:nvSpPr>
-          <p:cNvPr id="14" name="四角形: 角を丸くする 13">
-            <a:extLst>
-              <a:ext uri="{FF2B5EF4-FFF2-40B4-BE49-F238E27FC236}">
-                <a16:creationId xmlns:a16="http://schemas.microsoft.com/office/drawing/2014/main" id="{804C2D59-5BE4-8CC2-908F-F0820C654495}"/>
-              </a:ext>
-            </a:extLst>
-          </p:cNvPr>
-          <p:cNvSpPr/>
-          <p:nvPr/>
-        </p:nvSpPr>
-        <p:spPr>
-          <a:xfrm>
-            <a:off x="3331597" y="917912"/>
-            <a:ext cx="1598212" cy="369332"/>
-          </a:xfrm>
-          <a:prstGeom prst="roundRect">
-            <a:avLst/>
-          </a:prstGeom>
-        </p:spPr>
-        <p:style>
-          <a:lnRef idx="2">
-            <a:schemeClr val="dk1"/>
-          </a:lnRef>
-          <a:fillRef idx="1">
-            <a:schemeClr val="lt1"/>
-          </a:fillRef>
-          <a:effectRef idx="0">
-            <a:schemeClr val="dk1"/>
-          </a:effectRef>
-          <a:fontRef idx="minor">
-            <a:schemeClr val="dk1"/>
-          </a:fontRef>
-        </p:style>
-        <p:txBody>
-          <a:bodyPr rtlCol="0" anchor="ctr"/>
-          <a:lstStyle/>
-          <a:p>
-            <a:pPr algn="ctr"/>
-            <a:r>
-              <a:rPr lang="en-US" altLang="ja-JP" sz="1400" dirty="0"/>
-              <a:t>accommodation</a:t>
-            </a:r>
-            <a:endParaRPr kumimoji="1" lang="ja-JP" altLang="en-US" sz="1400" dirty="0"/>
-          </a:p>
-        </p:txBody>
-      </p:sp>
-      <p:sp>
-        <p:nvSpPr>
-          <p:cNvPr id="15" name="四角形: 角を丸くする 14">
-            <a:extLst>
-              <a:ext uri="{FF2B5EF4-FFF2-40B4-BE49-F238E27FC236}">
-                <a16:creationId xmlns:a16="http://schemas.microsoft.com/office/drawing/2014/main" id="{41B26FF6-2F68-8B4D-1028-DC0EDA415617}"/>
-              </a:ext>
-            </a:extLst>
-          </p:cNvPr>
-          <p:cNvSpPr/>
-          <p:nvPr/>
-        </p:nvSpPr>
-        <p:spPr>
-          <a:xfrm>
-            <a:off x="4929809" y="907494"/>
-            <a:ext cx="1598212" cy="369332"/>
-          </a:xfrm>
-          <a:prstGeom prst="roundRect">
-            <a:avLst/>
-          </a:prstGeom>
-        </p:spPr>
-        <p:style>
-          <a:lnRef idx="2">
-            <a:schemeClr val="dk1"/>
-          </a:lnRef>
-          <a:fillRef idx="1">
-            <a:schemeClr val="lt1"/>
-          </a:fillRef>
-          <a:effectRef idx="0">
-            <a:schemeClr val="dk1"/>
-          </a:effectRef>
-          <a:fontRef idx="minor">
-            <a:schemeClr val="dk1"/>
-          </a:fontRef>
-        </p:style>
-        <p:txBody>
-          <a:bodyPr rtlCol="0" anchor="ctr"/>
-          <a:lstStyle/>
-          <a:p>
-            <a:pPr algn="ctr"/>
-            <a:r>
-              <a:rPr lang="en-US" altLang="ja-JP" sz="1600" dirty="0"/>
-              <a:t>transportation</a:t>
-            </a:r>
-            <a:endParaRPr kumimoji="1" lang="ja-JP" altLang="en-US" sz="1600" dirty="0"/>
-          </a:p>
-        </p:txBody>
-      </p:sp>
-      <p:sp>
-        <p:nvSpPr>
-          <p:cNvPr id="16" name="四角形: 角を丸くする 15">
-            <a:extLst>
-              <a:ext uri="{FF2B5EF4-FFF2-40B4-BE49-F238E27FC236}">
-                <a16:creationId xmlns:a16="http://schemas.microsoft.com/office/drawing/2014/main" id="{50243A87-D0C3-170F-8B9E-9462D926ED11}"/>
-              </a:ext>
-            </a:extLst>
-          </p:cNvPr>
-          <p:cNvSpPr/>
-          <p:nvPr/>
-        </p:nvSpPr>
-        <p:spPr>
-          <a:xfrm>
-            <a:off x="6528021" y="907494"/>
-            <a:ext cx="1598212" cy="369332"/>
-          </a:xfrm>
-          <a:prstGeom prst="roundRect">
-            <a:avLst/>
-          </a:prstGeom>
-        </p:spPr>
-        <p:style>
-          <a:lnRef idx="2">
-            <a:schemeClr val="accent3"/>
-          </a:lnRef>
-          <a:fillRef idx="1">
-            <a:schemeClr val="lt1"/>
-          </a:fillRef>
-          <a:effectRef idx="0">
-            <a:schemeClr val="accent3"/>
-          </a:effectRef>
-          <a:fontRef idx="minor">
-            <a:schemeClr val="dk1"/>
-          </a:fontRef>
-        </p:style>
-        <p:txBody>
-          <a:bodyPr rtlCol="0" anchor="ctr"/>
-          <a:lstStyle/>
-          <a:p>
-            <a:pPr algn="ctr"/>
-            <a:r>
-              <a:rPr kumimoji="1" lang="en-US" altLang="ja-JP" dirty="0"/>
-              <a:t>sightseeing</a:t>
-            </a:r>
-            <a:endParaRPr kumimoji="1" lang="ja-JP" altLang="en-US" dirty="0"/>
-          </a:p>
-        </p:txBody>
-      </p:sp>
-      <p:sp>
-        <p:nvSpPr>
-          <p:cNvPr id="17" name="正方形/長方形 16">
-            <a:extLst>
-              <a:ext uri="{FF2B5EF4-FFF2-40B4-BE49-F238E27FC236}">
-                <a16:creationId xmlns:a16="http://schemas.microsoft.com/office/drawing/2014/main" id="{A1162FF5-31B5-50FA-993F-2595C67FC946}"/>
-              </a:ext>
-            </a:extLst>
-          </p:cNvPr>
-          <p:cNvSpPr/>
-          <p:nvPr/>
-        </p:nvSpPr>
-        <p:spPr>
-          <a:xfrm>
-            <a:off x="1958657" y="1256418"/>
-            <a:ext cx="1163540" cy="292359"/>
-          </a:xfrm>
-          <a:prstGeom prst="rect">
-            <a:avLst/>
-          </a:prstGeom>
-        </p:spPr>
-        <p:style>
-          <a:lnRef idx="2">
-            <a:schemeClr val="dk1"/>
-          </a:lnRef>
-          <a:fillRef idx="1">
-            <a:schemeClr val="lt1"/>
-          </a:fillRef>
-          <a:effectRef idx="0">
-            <a:schemeClr val="dk1"/>
-          </a:effectRef>
-          <a:fontRef idx="minor">
-            <a:schemeClr val="dk1"/>
-          </a:fontRef>
-        </p:style>
-        <p:txBody>
-          <a:bodyPr rtlCol="0" anchor="ctr"/>
-          <a:lstStyle/>
-          <a:p>
-            <a:pPr algn="ctr"/>
-            <a:r>
-              <a:rPr lang="en-US" altLang="ja-JP" dirty="0"/>
-              <a:t>Japan</a:t>
-            </a:r>
-            <a:endParaRPr kumimoji="1" lang="ja-JP" altLang="en-US" dirty="0"/>
-          </a:p>
-        </p:txBody>
-      </p:sp>
-      <p:sp>
-        <p:nvSpPr>
-          <p:cNvPr id="18" name="動作設定ボタン: 戻る/前へ 17">
-            <a:hlinkClick r:id="" action="ppaction://hlinkshowjump?jump=previousslide" highlightClick="1"/>
-            <a:extLst>
-              <a:ext uri="{FF2B5EF4-FFF2-40B4-BE49-F238E27FC236}">
-                <a16:creationId xmlns:a16="http://schemas.microsoft.com/office/drawing/2014/main" id="{C5B43B7C-F0B6-2A94-575F-A1A57B72F19C}"/>
-              </a:ext>
-            </a:extLst>
-          </p:cNvPr>
-          <p:cNvSpPr/>
-          <p:nvPr/>
-        </p:nvSpPr>
-        <p:spPr>
-          <a:xfrm rot="16200000">
-            <a:off x="3041826" y="1304984"/>
-            <a:ext cx="365145" cy="204403"/>
-          </a:xfrm>
-          <a:prstGeom prst="actionButtonBackPrevious">
-            <a:avLst/>
-          </a:prstGeom>
-        </p:spPr>
-        <p:style>
-          <a:lnRef idx="2">
-            <a:schemeClr val="dk1"/>
-          </a:lnRef>
-          <a:fillRef idx="1">
-            <a:schemeClr val="lt1"/>
-          </a:fillRef>
-          <a:effectRef idx="0">
-            <a:schemeClr val="dk1"/>
-          </a:effectRef>
-          <a:fontRef idx="minor">
-            <a:schemeClr val="dk1"/>
-          </a:fontRef>
-        </p:style>
-        <p:txBody>
-          <a:bodyPr rtlCol="0" anchor="ctr"/>
-          <a:lstStyle/>
-          <a:p>
-            <a:pPr algn="ctr"/>
-            <a:endParaRPr kumimoji="1" lang="ja-JP" altLang="en-US"/>
-          </a:p>
-        </p:txBody>
-      </p:sp>
-      <p:graphicFrame>
-        <p:nvGraphicFramePr>
-          <p:cNvPr id="19" name="表 18">
-            <a:extLst>
-              <a:ext uri="{FF2B5EF4-FFF2-40B4-BE49-F238E27FC236}">
-                <a16:creationId xmlns:a16="http://schemas.microsoft.com/office/drawing/2014/main" id="{98A3072B-2F56-4EFB-009D-2B51C6A326CE}"/>
-              </a:ext>
-            </a:extLst>
-          </p:cNvPr>
-          <p:cNvGraphicFramePr>
-            <a:graphicFrameLocks noGrp="1"/>
-          </p:cNvGraphicFramePr>
-          <p:nvPr>
-            <p:extLst>
-              <p:ext uri="{D42A27DB-BD31-4B8C-83A1-F6EECF244321}">
-                <p14:modId xmlns:p14="http://schemas.microsoft.com/office/powerpoint/2010/main" val="3980302208"/>
-              </p:ext>
-            </p:extLst>
-          </p:nvPr>
-        </p:nvGraphicFramePr>
-        <p:xfrm>
-          <a:off x="3435186" y="4393305"/>
-          <a:ext cx="7158777" cy="1463040"/>
-        </p:xfrm>
-        <a:graphic>
-          <a:graphicData uri="http://schemas.openxmlformats.org/drawingml/2006/table">
-            <a:tbl>
-              <a:tblPr firstRow="1" bandRow="1">
-                <a:tableStyleId>{5C22544A-7EE6-4342-B048-85BDC9FD1C3A}</a:tableStyleId>
-              </a:tblPr>
-              <a:tblGrid>
-                <a:gridCol w="1001025">
-                  <a:extLst>
-                    <a:ext uri="{9D8B030D-6E8A-4147-A177-3AD203B41FA5}">
-                      <a16:colId xmlns:a16="http://schemas.microsoft.com/office/drawing/2014/main" val="2180251572"/>
-                    </a:ext>
-                  </a:extLst>
-                </a:gridCol>
-                <a:gridCol w="1026292">
-                  <a:extLst>
-                    <a:ext uri="{9D8B030D-6E8A-4147-A177-3AD203B41FA5}">
-                      <a16:colId xmlns:a16="http://schemas.microsoft.com/office/drawing/2014/main" val="2094606021"/>
-                    </a:ext>
-                  </a:extLst>
-                </a:gridCol>
-                <a:gridCol w="1026292">
-                  <a:extLst>
-                    <a:ext uri="{9D8B030D-6E8A-4147-A177-3AD203B41FA5}">
-                      <a16:colId xmlns:a16="http://schemas.microsoft.com/office/drawing/2014/main" val="3658194246"/>
-                    </a:ext>
-                  </a:extLst>
-                </a:gridCol>
-                <a:gridCol w="1026292">
-                  <a:extLst>
-                    <a:ext uri="{9D8B030D-6E8A-4147-A177-3AD203B41FA5}">
-                      <a16:colId xmlns:a16="http://schemas.microsoft.com/office/drawing/2014/main" val="2463708021"/>
-                    </a:ext>
-                  </a:extLst>
-                </a:gridCol>
-                <a:gridCol w="1026292">
-                  <a:extLst>
-                    <a:ext uri="{9D8B030D-6E8A-4147-A177-3AD203B41FA5}">
-                      <a16:colId xmlns:a16="http://schemas.microsoft.com/office/drawing/2014/main" val="3949346235"/>
-                    </a:ext>
-                  </a:extLst>
-                </a:gridCol>
-                <a:gridCol w="1026292">
-                  <a:extLst>
-                    <a:ext uri="{9D8B030D-6E8A-4147-A177-3AD203B41FA5}">
-                      <a16:colId xmlns:a16="http://schemas.microsoft.com/office/drawing/2014/main" val="1603087287"/>
-                    </a:ext>
-                  </a:extLst>
-                </a:gridCol>
-                <a:gridCol w="1026292">
-                  <a:extLst>
-                    <a:ext uri="{9D8B030D-6E8A-4147-A177-3AD203B41FA5}">
-                      <a16:colId xmlns:a16="http://schemas.microsoft.com/office/drawing/2014/main" val="1009576968"/>
-                    </a:ext>
-                  </a:extLst>
-                </a:gridCol>
-              </a:tblGrid>
-              <a:tr h="316188">
-                <a:tc>
-                  <a:txBody>
-                    <a:bodyPr/>
-                    <a:lstStyle/>
-                    <a:p>
-                      <a:r>
-                        <a:rPr kumimoji="1" lang="en-US" altLang="ja-JP" sz="1600" dirty="0"/>
-                        <a:t>date</a:t>
-                      </a:r>
-                      <a:endParaRPr kumimoji="1" lang="ja-JP" altLang="en-US" sz="1600" dirty="0"/>
-                    </a:p>
-                  </a:txBody>
-                  <a:tcPr/>
-                </a:tc>
-                <a:tc>
-                  <a:txBody>
-                    <a:bodyPr/>
-                    <a:lstStyle/>
-                    <a:p>
-                      <a:r>
-                        <a:rPr kumimoji="1" lang="en-US" altLang="ja-JP" dirty="0"/>
-                        <a:t>context</a:t>
-                      </a:r>
-                      <a:endParaRPr kumimoji="1" lang="ja-JP" altLang="en-US" dirty="0"/>
-                    </a:p>
-                  </a:txBody>
-                  <a:tcPr/>
-                </a:tc>
-                <a:tc>
-                  <a:txBody>
-                    <a:bodyPr/>
-                    <a:lstStyle/>
-                    <a:p>
-                      <a:r>
-                        <a:rPr kumimoji="1" lang="en-US" altLang="ja-JP" sz="1400" dirty="0"/>
-                        <a:t>country</a:t>
-                      </a:r>
-                      <a:endParaRPr kumimoji="1" lang="ja-JP" altLang="en-US" sz="1400" dirty="0"/>
-                    </a:p>
-                  </a:txBody>
-                  <a:tcPr/>
-                </a:tc>
-                <a:tc>
-                  <a:txBody>
-                    <a:bodyPr/>
-                    <a:lstStyle/>
-                    <a:p>
-                      <a:r>
-                        <a:rPr kumimoji="1" lang="en-US" altLang="ja-JP" dirty="0"/>
-                        <a:t>region</a:t>
-                      </a:r>
-                      <a:endParaRPr kumimoji="1" lang="ja-JP" altLang="en-US" dirty="0"/>
-                    </a:p>
-                  </a:txBody>
-                  <a:tcPr/>
-                </a:tc>
-                <a:tc>
-                  <a:txBody>
-                    <a:bodyPr/>
-                    <a:lstStyle/>
-                    <a:p>
-                      <a:r>
-                        <a:rPr kumimoji="1" lang="en-US" altLang="ja-JP" dirty="0"/>
-                        <a:t>price</a:t>
-                      </a:r>
-                      <a:endParaRPr kumimoji="1" lang="ja-JP" altLang="en-US" dirty="0"/>
-                    </a:p>
-                  </a:txBody>
-                  <a:tcPr/>
-                </a:tc>
-                <a:tc>
-                  <a:txBody>
-                    <a:bodyPr/>
-                    <a:lstStyle/>
-                    <a:p>
-                      <a:r>
-                        <a:rPr kumimoji="1" lang="en-US" altLang="ja-JP" dirty="0"/>
-                        <a:t>JPY</a:t>
-                      </a:r>
-                      <a:endParaRPr kumimoji="1" lang="ja-JP" altLang="en-US" dirty="0"/>
-                    </a:p>
-                  </a:txBody>
-                  <a:tcPr/>
-                </a:tc>
-                <a:tc>
-                  <a:txBody>
-                    <a:bodyPr/>
-                    <a:lstStyle/>
-                    <a:p>
-                      <a:r>
-                        <a:rPr kumimoji="1" lang="en-US" altLang="ja-JP" dirty="0"/>
-                        <a:t>memo</a:t>
-                      </a:r>
-                      <a:endParaRPr kumimoji="1" lang="ja-JP" altLang="en-US" dirty="0"/>
-                    </a:p>
-                  </a:txBody>
-                  <a:tcPr/>
-                </a:tc>
-                <a:extLst>
-                  <a:ext uri="{0D108BD9-81ED-4DB2-BD59-A6C34878D82A}">
-                    <a16:rowId xmlns:a16="http://schemas.microsoft.com/office/drawing/2014/main" val="3636590592"/>
-                  </a:ext>
-                </a:extLst>
-              </a:tr>
-              <a:tr h="316188">
-                <a:tc>
-                  <a:txBody>
-                    <a:bodyPr/>
-                    <a:lstStyle/>
-                    <a:p>
-                      <a:r>
-                        <a:rPr kumimoji="1" lang="en-US" altLang="ja-JP" sz="1200" dirty="0"/>
-                        <a:t>2022/11/2</a:t>
-                      </a:r>
-                      <a:endParaRPr kumimoji="1" lang="ja-JP" altLang="en-US" sz="1200" dirty="0"/>
-                    </a:p>
-                  </a:txBody>
-                  <a:tcPr/>
-                </a:tc>
-                <a:tc>
-                  <a:txBody>
-                    <a:bodyPr/>
-                    <a:lstStyle/>
-                    <a:p>
-                      <a:r>
-                        <a:rPr kumimoji="1" lang="en-US" altLang="ja-JP" dirty="0" err="1"/>
-                        <a:t>Mt.Fuji</a:t>
-                      </a:r>
-                      <a:endParaRPr kumimoji="1" lang="ja-JP" altLang="en-US" dirty="0"/>
-                    </a:p>
-                  </a:txBody>
-                  <a:tcPr/>
-                </a:tc>
-                <a:tc>
-                  <a:txBody>
-                    <a:bodyPr/>
-                    <a:lstStyle/>
-                    <a:p>
-                      <a:r>
-                        <a:rPr kumimoji="1" lang="en-US" altLang="ja-JP" dirty="0"/>
-                        <a:t>Japan</a:t>
-                      </a:r>
-                      <a:endParaRPr kumimoji="1" lang="ja-JP" altLang="en-US" dirty="0"/>
-                    </a:p>
-                  </a:txBody>
-                  <a:tcPr/>
-                </a:tc>
-                <a:tc>
-                  <a:txBody>
-                    <a:bodyPr/>
-                    <a:lstStyle/>
-                    <a:p>
-                      <a:r>
-                        <a:rPr kumimoji="1" lang="en-US" altLang="ja-JP" sz="1400" dirty="0"/>
-                        <a:t>Shizuoka</a:t>
-                      </a:r>
-                      <a:endParaRPr kumimoji="1" lang="ja-JP" altLang="en-US" sz="1400" dirty="0"/>
-                    </a:p>
-                  </a:txBody>
-                  <a:tcPr/>
-                </a:tc>
-                <a:tc>
-                  <a:txBody>
-                    <a:bodyPr/>
-                    <a:lstStyle/>
-                    <a:p>
-                      <a:r>
-                        <a:rPr kumimoji="1" lang="en-US" altLang="ja-JP" dirty="0"/>
-                        <a:t>5000</a:t>
-                      </a:r>
-                      <a:endParaRPr kumimoji="1" lang="ja-JP" altLang="en-US" dirty="0"/>
-                    </a:p>
-                  </a:txBody>
-                  <a:tcPr/>
-                </a:tc>
-                <a:tc>
-                  <a:txBody>
-                    <a:bodyPr/>
-                    <a:lstStyle/>
-                    <a:p>
-                      <a:r>
-                        <a:rPr kumimoji="1" lang="en-US" altLang="ja-JP" dirty="0"/>
-                        <a:t>5000</a:t>
-                      </a:r>
-                      <a:endParaRPr kumimoji="1" lang="ja-JP" altLang="en-US" dirty="0"/>
-                    </a:p>
-                  </a:txBody>
-                  <a:tcPr/>
-                </a:tc>
-                <a:tc>
-                  <a:txBody>
-                    <a:bodyPr/>
-                    <a:lstStyle/>
-                    <a:p>
-                      <a:r>
-                        <a:rPr kumimoji="1" lang="en-US" altLang="ja-JP" dirty="0"/>
-                        <a:t>-</a:t>
-                      </a:r>
-                      <a:endParaRPr kumimoji="1" lang="ja-JP" altLang="en-US" dirty="0"/>
-                    </a:p>
-                  </a:txBody>
-                  <a:tcPr/>
-                </a:tc>
-                <a:extLst>
-                  <a:ext uri="{0D108BD9-81ED-4DB2-BD59-A6C34878D82A}">
-                    <a16:rowId xmlns:a16="http://schemas.microsoft.com/office/drawing/2014/main" val="1248227337"/>
-                  </a:ext>
-                </a:extLst>
-              </a:tr>
-              <a:tr h="316188">
-                <a:tc>
-                  <a:txBody>
-                    <a:bodyPr/>
-                    <a:lstStyle/>
-                    <a:p>
-                      <a:r>
-                        <a:rPr kumimoji="1" lang="en-US" altLang="ja-JP" sz="1200" dirty="0"/>
-                        <a:t>2022/11/2</a:t>
-                      </a:r>
-                      <a:endParaRPr kumimoji="1" lang="ja-JP" altLang="en-US" sz="1200" dirty="0"/>
-                    </a:p>
-                  </a:txBody>
-                  <a:tcPr/>
-                </a:tc>
-                <a:tc>
-                  <a:txBody>
-                    <a:bodyPr/>
-                    <a:lstStyle/>
-                    <a:p>
-                      <a:r>
-                        <a:rPr kumimoji="1" lang="en-US" altLang="ja-JP" dirty="0" err="1"/>
-                        <a:t>Mt.Fuji</a:t>
-                      </a:r>
-                      <a:endParaRPr kumimoji="1" lang="ja-JP" altLang="en-US" dirty="0"/>
-                    </a:p>
-                  </a:txBody>
-                  <a:tcPr/>
-                </a:tc>
-                <a:tc>
-                  <a:txBody>
-                    <a:bodyPr/>
-                    <a:lstStyle/>
-                    <a:p>
-                      <a:r>
-                        <a:rPr kumimoji="1" lang="en-US" altLang="ja-JP" dirty="0"/>
-                        <a:t>Japan</a:t>
-                      </a:r>
-                      <a:endParaRPr kumimoji="1" lang="ja-JP" altLang="en-US" dirty="0"/>
-                    </a:p>
-                  </a:txBody>
-                  <a:tcPr/>
-                </a:tc>
-                <a:tc>
-                  <a:txBody>
-                    <a:bodyPr/>
-                    <a:lstStyle/>
-                    <a:p>
-                      <a:r>
-                        <a:rPr kumimoji="1" lang="en-US" altLang="ja-JP" sz="1400" dirty="0"/>
-                        <a:t>Shizuoka</a:t>
-                      </a:r>
-                      <a:endParaRPr kumimoji="1" lang="ja-JP" altLang="en-US" sz="1400" dirty="0"/>
-                    </a:p>
-                  </a:txBody>
-                  <a:tcPr/>
-                </a:tc>
-                <a:tc>
-                  <a:txBody>
-                    <a:bodyPr/>
-                    <a:lstStyle/>
-                    <a:p>
-                      <a:r>
-                        <a:rPr kumimoji="1" lang="en-US" altLang="ja-JP" dirty="0"/>
-                        <a:t>6000</a:t>
-                      </a:r>
-                      <a:endParaRPr kumimoji="1" lang="ja-JP" altLang="en-US" dirty="0"/>
-                    </a:p>
-                  </a:txBody>
-                  <a:tcPr/>
-                </a:tc>
-                <a:tc>
-                  <a:txBody>
-                    <a:bodyPr/>
-                    <a:lstStyle/>
-                    <a:p>
-                      <a:r>
-                        <a:rPr kumimoji="1" lang="en-US" altLang="ja-JP" dirty="0"/>
-                        <a:t>1000</a:t>
-                      </a:r>
-                      <a:endParaRPr kumimoji="1" lang="ja-JP" altLang="en-US" dirty="0"/>
-                    </a:p>
-                  </a:txBody>
-                  <a:tcPr/>
-                </a:tc>
-                <a:tc>
-                  <a:txBody>
-                    <a:bodyPr/>
-                    <a:lstStyle/>
-                    <a:p>
-                      <a:r>
-                        <a:rPr kumimoji="1" lang="en-US" altLang="ja-JP" dirty="0"/>
-                        <a:t>-</a:t>
-                      </a:r>
-                      <a:endParaRPr kumimoji="1" lang="ja-JP" altLang="en-US" dirty="0"/>
-                    </a:p>
-                  </a:txBody>
-                  <a:tcPr/>
-                </a:tc>
-                <a:extLst>
-                  <a:ext uri="{0D108BD9-81ED-4DB2-BD59-A6C34878D82A}">
-                    <a16:rowId xmlns:a16="http://schemas.microsoft.com/office/drawing/2014/main" val="2386127515"/>
-                  </a:ext>
-                </a:extLst>
-              </a:tr>
-              <a:tr h="316188">
-                <a:tc>
-                  <a:txBody>
-                    <a:bodyPr/>
-                    <a:lstStyle/>
-                    <a:p>
-                      <a:r>
-                        <a:rPr kumimoji="1" lang="en-US" altLang="ja-JP" sz="1400" dirty="0"/>
-                        <a:t>…</a:t>
-                      </a:r>
-                      <a:endParaRPr kumimoji="1" lang="ja-JP" altLang="en-US" sz="1400" dirty="0"/>
-                    </a:p>
-                  </a:txBody>
-                  <a:tcPr/>
-                </a:tc>
-                <a:tc>
-                  <a:txBody>
-                    <a:bodyPr/>
-                    <a:lstStyle/>
-                    <a:p>
-                      <a:endParaRPr kumimoji="1" lang="ja-JP" altLang="en-US" dirty="0"/>
-                    </a:p>
-                  </a:txBody>
-                  <a:tcPr/>
-                </a:tc>
-                <a:tc>
-                  <a:txBody>
-                    <a:bodyPr/>
-                    <a:lstStyle/>
-                    <a:p>
-                      <a:endParaRPr kumimoji="1" lang="ja-JP" altLang="en-US" dirty="0"/>
-                    </a:p>
-                  </a:txBody>
-                  <a:tcPr/>
-                </a:tc>
-                <a:tc>
-                  <a:txBody>
-                    <a:bodyPr/>
-                    <a:lstStyle/>
-                    <a:p>
-                      <a:endParaRPr kumimoji="1" lang="ja-JP" altLang="en-US" dirty="0"/>
-                    </a:p>
-                  </a:txBody>
-                  <a:tcPr/>
-                </a:tc>
-                <a:tc>
-                  <a:txBody>
-                    <a:bodyPr/>
-                    <a:lstStyle/>
-                    <a:p>
-                      <a:endParaRPr kumimoji="1" lang="ja-JP" altLang="en-US" dirty="0"/>
-                    </a:p>
-                  </a:txBody>
-                  <a:tcPr/>
-                </a:tc>
-                <a:tc>
-                  <a:txBody>
-                    <a:bodyPr/>
-                    <a:lstStyle/>
-                    <a:p>
-                      <a:endParaRPr kumimoji="1" lang="ja-JP" altLang="en-US" dirty="0"/>
-                    </a:p>
-                  </a:txBody>
-                  <a:tcPr/>
-                </a:tc>
-                <a:tc>
-                  <a:txBody>
-                    <a:bodyPr/>
-                    <a:lstStyle/>
-                    <a:p>
-                      <a:endParaRPr kumimoji="1" lang="ja-JP" altLang="en-US" dirty="0"/>
-                    </a:p>
-                  </a:txBody>
-                  <a:tcPr/>
-                </a:tc>
-                <a:extLst>
-                  <a:ext uri="{0D108BD9-81ED-4DB2-BD59-A6C34878D82A}">
-                    <a16:rowId xmlns:a16="http://schemas.microsoft.com/office/drawing/2014/main" val="3940284596"/>
-                  </a:ext>
-                </a:extLst>
-              </a:tr>
-            </a:tbl>
-          </a:graphicData>
-        </a:graphic>
-      </p:graphicFrame>
-      <p:sp>
-        <p:nvSpPr>
-          <p:cNvPr id="20" name="正方形/長方形 19">
-            <a:extLst>
-              <a:ext uri="{FF2B5EF4-FFF2-40B4-BE49-F238E27FC236}">
-                <a16:creationId xmlns:a16="http://schemas.microsoft.com/office/drawing/2014/main" id="{2C3512A9-4B88-1261-0EF2-4024DC2ACFFE}"/>
-              </a:ext>
-            </a:extLst>
-          </p:cNvPr>
-          <p:cNvSpPr/>
-          <p:nvPr/>
-        </p:nvSpPr>
-        <p:spPr>
-          <a:xfrm>
-            <a:off x="8511594" y="3935353"/>
-            <a:ext cx="1521033" cy="292359"/>
-          </a:xfrm>
-          <a:prstGeom prst="rect">
-            <a:avLst/>
-          </a:prstGeom>
-        </p:spPr>
-        <p:style>
-          <a:lnRef idx="2">
-            <a:schemeClr val="dk1"/>
-          </a:lnRef>
-          <a:fillRef idx="1">
-            <a:schemeClr val="lt1"/>
-          </a:fillRef>
-          <a:effectRef idx="0">
-            <a:schemeClr val="dk1"/>
-          </a:effectRef>
-          <a:fontRef idx="minor">
-            <a:schemeClr val="dk1"/>
-          </a:fontRef>
-        </p:style>
-        <p:txBody>
-          <a:bodyPr rtlCol="0" anchor="ctr"/>
-          <a:lstStyle/>
-          <a:p>
-            <a:pPr algn="ctr"/>
-            <a:r>
-              <a:rPr lang="en-US" altLang="ja-JP" dirty="0"/>
-              <a:t>Accident</a:t>
-            </a:r>
-            <a:endParaRPr kumimoji="1" lang="ja-JP" altLang="en-US" dirty="0"/>
-          </a:p>
-        </p:txBody>
-      </p:sp>
-      <p:sp>
-        <p:nvSpPr>
-          <p:cNvPr id="21" name="動作設定ボタン: 戻る/前へ 20">
-            <a:hlinkClick r:id="" action="ppaction://hlinkshowjump?jump=previousslide" highlightClick="1"/>
-            <a:extLst>
-              <a:ext uri="{FF2B5EF4-FFF2-40B4-BE49-F238E27FC236}">
-                <a16:creationId xmlns:a16="http://schemas.microsoft.com/office/drawing/2014/main" id="{3EEA68C6-4C60-3433-5417-3D600A52706A}"/>
-              </a:ext>
-            </a:extLst>
-          </p:cNvPr>
-          <p:cNvSpPr/>
-          <p:nvPr/>
-        </p:nvSpPr>
-        <p:spPr>
-          <a:xfrm rot="16200000">
-            <a:off x="9952256" y="3991587"/>
-            <a:ext cx="365145" cy="204403"/>
-          </a:xfrm>
-          <a:prstGeom prst="actionButtonBackPrevious">
-            <a:avLst/>
-          </a:prstGeom>
-        </p:spPr>
-        <p:style>
-          <a:lnRef idx="2">
-            <a:schemeClr val="dk1"/>
-          </a:lnRef>
-          <a:fillRef idx="1">
-            <a:schemeClr val="lt1"/>
-          </a:fillRef>
-          <a:effectRef idx="0">
-            <a:schemeClr val="dk1"/>
-          </a:effectRef>
-          <a:fontRef idx="minor">
-            <a:schemeClr val="dk1"/>
-          </a:fontRef>
-        </p:style>
-        <p:txBody>
-          <a:bodyPr rtlCol="0" anchor="ctr"/>
-          <a:lstStyle/>
-          <a:p>
-            <a:pPr algn="ctr"/>
-            <a:endParaRPr kumimoji="1" lang="ja-JP" altLang="en-US"/>
-          </a:p>
-        </p:txBody>
-      </p:sp>
-      <p:sp>
-        <p:nvSpPr>
-          <p:cNvPr id="22" name="テキスト ボックス 21">
-            <a:extLst>
-              <a:ext uri="{FF2B5EF4-FFF2-40B4-BE49-F238E27FC236}">
-                <a16:creationId xmlns:a16="http://schemas.microsoft.com/office/drawing/2014/main" id="{4FC1384D-40D2-A433-D233-47080F7AC60E}"/>
-              </a:ext>
-            </a:extLst>
-          </p:cNvPr>
-          <p:cNvSpPr txBox="1"/>
-          <p:nvPr/>
-        </p:nvSpPr>
-        <p:spPr>
-          <a:xfrm>
-            <a:off x="1169279" y="1613457"/>
-            <a:ext cx="2610678" cy="369332"/>
-          </a:xfrm>
-          <a:prstGeom prst="rect">
-            <a:avLst/>
-          </a:prstGeom>
-          <a:noFill/>
-        </p:spPr>
-        <p:txBody>
-          <a:bodyPr wrap="square" rtlCol="0">
-            <a:spAutoFit/>
-          </a:bodyPr>
-          <a:lstStyle/>
-          <a:p>
-            <a:r>
-              <a:rPr kumimoji="1" lang="ja-JP" altLang="en-US" dirty="0"/>
-              <a:t>〇〇〇〇</a:t>
-            </a:r>
-            <a:r>
-              <a:rPr kumimoji="1" lang="en-US" altLang="ja-JP" dirty="0"/>
-              <a:t>/</a:t>
-            </a:r>
-            <a:r>
-              <a:rPr lang="ja-JP" altLang="en-US" dirty="0"/>
-              <a:t>□□</a:t>
-            </a:r>
-            <a:r>
-              <a:rPr kumimoji="1" lang="en-US" altLang="ja-JP" dirty="0"/>
-              <a:t>/</a:t>
-            </a:r>
-            <a:r>
-              <a:rPr kumimoji="1" lang="ja-JP" altLang="en-US" dirty="0"/>
-              <a:t>△△</a:t>
-            </a:r>
-          </a:p>
-        </p:txBody>
-      </p:sp>
-      <p:sp>
-        <p:nvSpPr>
-          <p:cNvPr id="23" name="テキスト ボックス 22">
-            <a:extLst>
-              <a:ext uri="{FF2B5EF4-FFF2-40B4-BE49-F238E27FC236}">
-                <a16:creationId xmlns:a16="http://schemas.microsoft.com/office/drawing/2014/main" id="{79D45150-8F75-F575-40FC-743047545785}"/>
-              </a:ext>
-            </a:extLst>
-          </p:cNvPr>
-          <p:cNvSpPr txBox="1"/>
-          <p:nvPr/>
-        </p:nvSpPr>
-        <p:spPr>
-          <a:xfrm>
-            <a:off x="1860083" y="2076272"/>
-            <a:ext cx="459850" cy="369332"/>
-          </a:xfrm>
-          <a:prstGeom prst="rect">
-            <a:avLst/>
-          </a:prstGeom>
-          <a:noFill/>
-        </p:spPr>
-        <p:txBody>
-          <a:bodyPr wrap="square" rtlCol="0">
-            <a:spAutoFit/>
-          </a:bodyPr>
-          <a:lstStyle/>
-          <a:p>
-            <a:r>
-              <a:rPr kumimoji="1" lang="ja-JP" altLang="en-US" dirty="0"/>
-              <a:t>～</a:t>
-            </a:r>
-          </a:p>
-        </p:txBody>
-      </p:sp>
-      <p:sp>
-        <p:nvSpPr>
-          <p:cNvPr id="24" name="テキスト ボックス 23">
-            <a:extLst>
-              <a:ext uri="{FF2B5EF4-FFF2-40B4-BE49-F238E27FC236}">
-                <a16:creationId xmlns:a16="http://schemas.microsoft.com/office/drawing/2014/main" id="{2FB6137E-1710-83AF-9A42-EB63EDB9DD46}"/>
-              </a:ext>
-            </a:extLst>
-          </p:cNvPr>
-          <p:cNvSpPr txBox="1"/>
-          <p:nvPr/>
-        </p:nvSpPr>
-        <p:spPr>
-          <a:xfrm>
-            <a:off x="1129087" y="2407136"/>
-            <a:ext cx="2610678" cy="369332"/>
-          </a:xfrm>
-          <a:prstGeom prst="rect">
-            <a:avLst/>
-          </a:prstGeom>
-          <a:noFill/>
-        </p:spPr>
-        <p:txBody>
-          <a:bodyPr wrap="square" rtlCol="0">
-            <a:spAutoFit/>
-          </a:bodyPr>
-          <a:lstStyle/>
-          <a:p>
-            <a:r>
-              <a:rPr kumimoji="1" lang="ja-JP" altLang="en-US" dirty="0"/>
-              <a:t>〇〇〇〇</a:t>
-            </a:r>
-            <a:r>
-              <a:rPr kumimoji="1" lang="en-US" altLang="ja-JP" dirty="0"/>
-              <a:t>/</a:t>
-            </a:r>
-            <a:r>
-              <a:rPr lang="ja-JP" altLang="en-US" dirty="0"/>
-              <a:t>□□</a:t>
-            </a:r>
-            <a:r>
-              <a:rPr kumimoji="1" lang="en-US" altLang="ja-JP" dirty="0"/>
-              <a:t>/</a:t>
-            </a:r>
-            <a:r>
-              <a:rPr kumimoji="1" lang="ja-JP" altLang="en-US" dirty="0"/>
-              <a:t>△△</a:t>
-            </a:r>
-          </a:p>
-        </p:txBody>
-      </p:sp>
-      <p:sp>
-        <p:nvSpPr>
-          <p:cNvPr id="25" name="正方形/長方形 24">
-            <a:extLst>
-              <a:ext uri="{FF2B5EF4-FFF2-40B4-BE49-F238E27FC236}">
-                <a16:creationId xmlns:a16="http://schemas.microsoft.com/office/drawing/2014/main" id="{3B1E2FE8-7587-CB27-8272-FC6F6B47284C}"/>
-              </a:ext>
-            </a:extLst>
-          </p:cNvPr>
-          <p:cNvSpPr/>
-          <p:nvPr/>
-        </p:nvSpPr>
-        <p:spPr>
-          <a:xfrm>
-            <a:off x="1244466" y="964466"/>
-            <a:ext cx="265831" cy="292359"/>
-          </a:xfrm>
-          <a:prstGeom prst="rect">
-            <a:avLst/>
-          </a:prstGeom>
-        </p:spPr>
-        <p:style>
-          <a:lnRef idx="2">
-            <a:schemeClr val="dk1"/>
-          </a:lnRef>
-          <a:fillRef idx="1">
-            <a:schemeClr val="lt1"/>
-          </a:fillRef>
-          <a:effectRef idx="0">
-            <a:schemeClr val="dk1"/>
-          </a:effectRef>
-          <a:fontRef idx="minor">
-            <a:schemeClr val="dk1"/>
-          </a:fontRef>
-        </p:style>
-        <p:txBody>
-          <a:bodyPr rtlCol="0" anchor="ctr"/>
-          <a:lstStyle/>
-          <a:p>
-            <a:pPr algn="ctr"/>
-            <a:endParaRPr kumimoji="1" lang="ja-JP" altLang="en-US" dirty="0"/>
-          </a:p>
-        </p:txBody>
-      </p:sp>
-      <p:sp>
-        <p:nvSpPr>
-          <p:cNvPr id="26" name="テキスト ボックス 25">
-            <a:extLst>
-              <a:ext uri="{FF2B5EF4-FFF2-40B4-BE49-F238E27FC236}">
-                <a16:creationId xmlns:a16="http://schemas.microsoft.com/office/drawing/2014/main" id="{DE56DB24-11CE-21D6-8F9E-CE4569D68D30}"/>
-              </a:ext>
-            </a:extLst>
-          </p:cNvPr>
-          <p:cNvSpPr txBox="1"/>
-          <p:nvPr/>
-        </p:nvSpPr>
-        <p:spPr>
-          <a:xfrm>
-            <a:off x="1542100" y="924147"/>
-            <a:ext cx="1163540" cy="369332"/>
-          </a:xfrm>
-          <a:prstGeom prst="rect">
-            <a:avLst/>
-          </a:prstGeom>
-          <a:noFill/>
-        </p:spPr>
-        <p:txBody>
-          <a:bodyPr wrap="square" rtlCol="0">
-            <a:spAutoFit/>
-          </a:bodyPr>
-          <a:lstStyle/>
-          <a:p>
-            <a:r>
-              <a:rPr kumimoji="1" lang="en-US" altLang="ja-JP" dirty="0"/>
-              <a:t>world</a:t>
-            </a:r>
-            <a:endParaRPr kumimoji="1" lang="ja-JP" altLang="en-US" dirty="0"/>
-          </a:p>
-        </p:txBody>
-      </p:sp>
-      <p:graphicFrame>
-        <p:nvGraphicFramePr>
-          <p:cNvPr id="27" name="表 26">
-            <a:extLst>
-              <a:ext uri="{FF2B5EF4-FFF2-40B4-BE49-F238E27FC236}">
-                <a16:creationId xmlns:a16="http://schemas.microsoft.com/office/drawing/2014/main" id="{9097A985-2BE4-FDD9-F29E-FE21A0FDB647}"/>
-              </a:ext>
-            </a:extLst>
-          </p:cNvPr>
-          <p:cNvGraphicFramePr>
-            <a:graphicFrameLocks noGrp="1"/>
-          </p:cNvGraphicFramePr>
-          <p:nvPr>
-            <p:extLst>
-              <p:ext uri="{D42A27DB-BD31-4B8C-83A1-F6EECF244321}">
-                <p14:modId xmlns:p14="http://schemas.microsoft.com/office/powerpoint/2010/main" val="3322548064"/>
-              </p:ext>
-            </p:extLst>
-          </p:nvPr>
-        </p:nvGraphicFramePr>
-        <p:xfrm>
-          <a:off x="3846180" y="2185309"/>
-          <a:ext cx="4189995" cy="1463040"/>
-        </p:xfrm>
-        <a:graphic>
-          <a:graphicData uri="http://schemas.openxmlformats.org/drawingml/2006/table">
-            <a:tbl>
-              <a:tblPr firstRow="1" bandRow="1">
-                <a:tableStyleId>{5C22544A-7EE6-4342-B048-85BDC9FD1C3A}</a:tableStyleId>
-              </a:tblPr>
-              <a:tblGrid>
-                <a:gridCol w="1028037">
-                  <a:extLst>
-                    <a:ext uri="{9D8B030D-6E8A-4147-A177-3AD203B41FA5}">
-                      <a16:colId xmlns:a16="http://schemas.microsoft.com/office/drawing/2014/main" val="2180251572"/>
-                    </a:ext>
-                  </a:extLst>
-                </a:gridCol>
-                <a:gridCol w="1053986">
-                  <a:extLst>
-                    <a:ext uri="{9D8B030D-6E8A-4147-A177-3AD203B41FA5}">
-                      <a16:colId xmlns:a16="http://schemas.microsoft.com/office/drawing/2014/main" val="2094606021"/>
-                    </a:ext>
-                  </a:extLst>
-                </a:gridCol>
-                <a:gridCol w="1053986">
-                  <a:extLst>
-                    <a:ext uri="{9D8B030D-6E8A-4147-A177-3AD203B41FA5}">
-                      <a16:colId xmlns:a16="http://schemas.microsoft.com/office/drawing/2014/main" val="3658194246"/>
-                    </a:ext>
-                  </a:extLst>
-                </a:gridCol>
-                <a:gridCol w="1053986">
-                  <a:extLst>
-                    <a:ext uri="{9D8B030D-6E8A-4147-A177-3AD203B41FA5}">
-                      <a16:colId xmlns:a16="http://schemas.microsoft.com/office/drawing/2014/main" val="2463708021"/>
-                    </a:ext>
-                  </a:extLst>
-                </a:gridCol>
-              </a:tblGrid>
-              <a:tr h="316188">
-                <a:tc>
-                  <a:txBody>
-                    <a:bodyPr/>
-                    <a:lstStyle/>
-                    <a:p>
-                      <a:r>
-                        <a:rPr kumimoji="1" lang="en-US" altLang="ja-JP" dirty="0"/>
-                        <a:t>Type</a:t>
-                      </a:r>
-                      <a:endParaRPr kumimoji="1" lang="ja-JP" altLang="en-US" dirty="0"/>
-                    </a:p>
-                  </a:txBody>
-                  <a:tcPr/>
-                </a:tc>
-                <a:tc>
-                  <a:txBody>
-                    <a:bodyPr/>
-                    <a:lstStyle/>
-                    <a:p>
-                      <a:r>
-                        <a:rPr kumimoji="1" lang="en-US" altLang="ja-JP" dirty="0"/>
-                        <a:t>Count</a:t>
-                      </a:r>
-                      <a:endParaRPr kumimoji="1" lang="ja-JP" altLang="en-US" dirty="0"/>
-                    </a:p>
-                  </a:txBody>
-                  <a:tcPr/>
-                </a:tc>
-                <a:tc>
-                  <a:txBody>
-                    <a:bodyPr/>
-                    <a:lstStyle/>
-                    <a:p>
-                      <a:r>
-                        <a:rPr kumimoji="1" lang="en-US" altLang="ja-JP" sz="1400" dirty="0"/>
-                        <a:t>currency</a:t>
-                      </a:r>
-                      <a:endParaRPr kumimoji="1" lang="ja-JP" altLang="en-US" sz="1400" dirty="0"/>
-                    </a:p>
-                  </a:txBody>
-                  <a:tcPr/>
-                </a:tc>
-                <a:tc>
-                  <a:txBody>
-                    <a:bodyPr/>
-                    <a:lstStyle/>
-                    <a:p>
-                      <a:r>
-                        <a:rPr kumimoji="1" lang="en-US" altLang="ja-JP" dirty="0"/>
-                        <a:t>JPY</a:t>
-                      </a:r>
-                      <a:endParaRPr kumimoji="1" lang="ja-JP" altLang="en-US" dirty="0"/>
-                    </a:p>
-                  </a:txBody>
-                  <a:tcPr/>
-                </a:tc>
-                <a:extLst>
-                  <a:ext uri="{0D108BD9-81ED-4DB2-BD59-A6C34878D82A}">
-                    <a16:rowId xmlns:a16="http://schemas.microsoft.com/office/drawing/2014/main" val="3636590592"/>
-                  </a:ext>
-                </a:extLst>
-              </a:tr>
-              <a:tr h="316188">
-                <a:tc>
-                  <a:txBody>
-                    <a:bodyPr/>
-                    <a:lstStyle/>
-                    <a:p>
-                      <a:r>
-                        <a:rPr kumimoji="1" lang="en-US" altLang="ja-JP" sz="1200" dirty="0" err="1"/>
-                        <a:t>Domitory</a:t>
-                      </a:r>
-                      <a:endParaRPr kumimoji="1" lang="ja-JP" altLang="en-US" sz="1200" dirty="0"/>
-                    </a:p>
-                  </a:txBody>
-                  <a:tcPr/>
-                </a:tc>
-                <a:tc>
-                  <a:txBody>
-                    <a:bodyPr/>
-                    <a:lstStyle/>
-                    <a:p>
-                      <a:r>
-                        <a:rPr kumimoji="1" lang="en-US" altLang="ja-JP" dirty="0"/>
-                        <a:t>100</a:t>
-                      </a:r>
-                      <a:endParaRPr kumimoji="1" lang="ja-JP" altLang="en-US" dirty="0"/>
-                    </a:p>
-                  </a:txBody>
-                  <a:tcPr/>
-                </a:tc>
-                <a:tc>
-                  <a:txBody>
-                    <a:bodyPr/>
-                    <a:lstStyle/>
-                    <a:p>
-                      <a:r>
-                        <a:rPr kumimoji="1" lang="en-US" altLang="ja-JP" dirty="0"/>
-                        <a:t>400</a:t>
-                      </a:r>
-                      <a:endParaRPr kumimoji="1" lang="ja-JP" altLang="en-US" dirty="0"/>
-                    </a:p>
-                  </a:txBody>
-                  <a:tcPr/>
-                </a:tc>
-                <a:tc>
-                  <a:txBody>
-                    <a:bodyPr/>
-                    <a:lstStyle/>
-                    <a:p>
-                      <a:r>
-                        <a:rPr kumimoji="1" lang="en-US" altLang="ja-JP" dirty="0"/>
-                        <a:t>3000</a:t>
-                      </a:r>
-                      <a:endParaRPr kumimoji="1" lang="ja-JP" altLang="en-US" dirty="0"/>
-                    </a:p>
-                  </a:txBody>
-                  <a:tcPr/>
-                </a:tc>
-                <a:extLst>
-                  <a:ext uri="{0D108BD9-81ED-4DB2-BD59-A6C34878D82A}">
-                    <a16:rowId xmlns:a16="http://schemas.microsoft.com/office/drawing/2014/main" val="1248227337"/>
-                  </a:ext>
-                </a:extLst>
-              </a:tr>
-              <a:tr h="316188">
-                <a:tc>
-                  <a:txBody>
-                    <a:bodyPr/>
-                    <a:lstStyle/>
-                    <a:p>
-                      <a:r>
-                        <a:rPr kumimoji="1" lang="en-US" altLang="ja-JP" sz="1200" dirty="0"/>
-                        <a:t>Single</a:t>
-                      </a:r>
-                      <a:r>
-                        <a:rPr kumimoji="1" lang="ja-JP" altLang="en-US" sz="1200" dirty="0"/>
-                        <a:t> </a:t>
-                      </a:r>
-                      <a:r>
-                        <a:rPr kumimoji="1" lang="en-US" altLang="ja-JP" sz="1200" dirty="0"/>
-                        <a:t>room</a:t>
-                      </a:r>
-                      <a:endParaRPr kumimoji="1" lang="ja-JP" altLang="en-US" sz="1200" dirty="0"/>
-                    </a:p>
-                  </a:txBody>
-                  <a:tcPr/>
-                </a:tc>
-                <a:tc>
-                  <a:txBody>
-                    <a:bodyPr/>
-                    <a:lstStyle/>
-                    <a:p>
-                      <a:r>
-                        <a:rPr kumimoji="1" lang="en-US" altLang="ja-JP" dirty="0"/>
-                        <a:t>200</a:t>
-                      </a:r>
-                      <a:endParaRPr kumimoji="1" lang="ja-JP" altLang="en-US" dirty="0"/>
-                    </a:p>
-                  </a:txBody>
-                  <a:tcPr/>
-                </a:tc>
-                <a:tc>
-                  <a:txBody>
-                    <a:bodyPr/>
-                    <a:lstStyle/>
-                    <a:p>
-                      <a:r>
-                        <a:rPr kumimoji="1" lang="en-US" altLang="ja-JP" dirty="0"/>
-                        <a:t>500</a:t>
-                      </a:r>
-                      <a:endParaRPr kumimoji="1" lang="ja-JP" altLang="en-US" dirty="0"/>
-                    </a:p>
-                  </a:txBody>
-                  <a:tcPr/>
-                </a:tc>
-                <a:tc>
-                  <a:txBody>
-                    <a:bodyPr/>
-                    <a:lstStyle/>
-                    <a:p>
-                      <a:r>
-                        <a:rPr kumimoji="1" lang="en-US" altLang="ja-JP" dirty="0"/>
-                        <a:t>5000</a:t>
-                      </a:r>
-                      <a:endParaRPr kumimoji="1" lang="ja-JP" altLang="en-US" dirty="0"/>
-                    </a:p>
-                  </a:txBody>
-                  <a:tcPr/>
-                </a:tc>
-                <a:extLst>
-                  <a:ext uri="{0D108BD9-81ED-4DB2-BD59-A6C34878D82A}">
-                    <a16:rowId xmlns:a16="http://schemas.microsoft.com/office/drawing/2014/main" val="2386127515"/>
-                  </a:ext>
-                </a:extLst>
-              </a:tr>
-              <a:tr h="316188">
-                <a:tc>
-                  <a:txBody>
-                    <a:bodyPr/>
-                    <a:lstStyle/>
-                    <a:p>
-                      <a:r>
-                        <a:rPr kumimoji="1" lang="en-US" altLang="ja-JP" sz="1400" dirty="0"/>
-                        <a:t>…</a:t>
-                      </a:r>
-                      <a:endParaRPr kumimoji="1" lang="ja-JP" altLang="en-US" sz="1400" dirty="0"/>
-                    </a:p>
-                  </a:txBody>
-                  <a:tcPr/>
-                </a:tc>
-                <a:tc>
-                  <a:txBody>
-                    <a:bodyPr/>
-                    <a:lstStyle/>
-                    <a:p>
-                      <a:endParaRPr kumimoji="1" lang="ja-JP" altLang="en-US" dirty="0"/>
-                    </a:p>
-                  </a:txBody>
-                  <a:tcPr/>
-                </a:tc>
-                <a:tc>
-                  <a:txBody>
-                    <a:bodyPr/>
-                    <a:lstStyle/>
-                    <a:p>
-                      <a:endParaRPr kumimoji="1" lang="ja-JP" altLang="en-US" dirty="0"/>
-                    </a:p>
-                  </a:txBody>
-                  <a:tcPr/>
-                </a:tc>
-                <a:tc>
-                  <a:txBody>
-                    <a:bodyPr/>
-                    <a:lstStyle/>
-                    <a:p>
-                      <a:endParaRPr kumimoji="1" lang="ja-JP" altLang="en-US" dirty="0"/>
-                    </a:p>
-                  </a:txBody>
-                  <a:tcPr/>
-                </a:tc>
-                <a:extLst>
-                  <a:ext uri="{0D108BD9-81ED-4DB2-BD59-A6C34878D82A}">
-                    <a16:rowId xmlns:a16="http://schemas.microsoft.com/office/drawing/2014/main" val="3940284596"/>
-                  </a:ext>
-                </a:extLst>
-              </a:tr>
-            </a:tbl>
-          </a:graphicData>
-        </a:graphic>
-      </p:graphicFrame>
-      <p:sp>
-        <p:nvSpPr>
-          <p:cNvPr id="28" name="正方形/長方形 27">
-            <a:extLst>
-              <a:ext uri="{FF2B5EF4-FFF2-40B4-BE49-F238E27FC236}">
-                <a16:creationId xmlns:a16="http://schemas.microsoft.com/office/drawing/2014/main" id="{BB6B067F-E2A7-4738-5EE1-95941FAC3AE8}"/>
-              </a:ext>
-            </a:extLst>
-          </p:cNvPr>
-          <p:cNvSpPr/>
-          <p:nvPr/>
-        </p:nvSpPr>
-        <p:spPr>
-          <a:xfrm>
-            <a:off x="8036175" y="2492189"/>
-            <a:ext cx="193366" cy="914400"/>
-          </a:xfrm>
-          <a:prstGeom prst="rect">
-            <a:avLst/>
-          </a:prstGeom>
-        </p:spPr>
-        <p:style>
-          <a:lnRef idx="2">
-            <a:schemeClr val="dk1"/>
-          </a:lnRef>
-          <a:fillRef idx="1">
-            <a:schemeClr val="lt1"/>
-          </a:fillRef>
-          <a:effectRef idx="0">
-            <a:schemeClr val="dk1"/>
-          </a:effectRef>
-          <a:fontRef idx="minor">
-            <a:schemeClr val="dk1"/>
-          </a:fontRef>
-        </p:style>
-        <p:txBody>
-          <a:bodyPr rtlCol="0" anchor="ctr"/>
-          <a:lstStyle/>
-          <a:p>
-            <a:pPr algn="ctr"/>
-            <a:endParaRPr kumimoji="1" lang="ja-JP" altLang="en-US"/>
-          </a:p>
-        </p:txBody>
-      </p:sp>
-      <p:sp>
-        <p:nvSpPr>
-          <p:cNvPr id="29" name="動作設定ボタン: 戻る/前へ 28">
-            <a:hlinkClick r:id="" action="ppaction://hlinkshowjump?jump=previousslide" highlightClick="1"/>
-            <a:extLst>
-              <a:ext uri="{FF2B5EF4-FFF2-40B4-BE49-F238E27FC236}">
-                <a16:creationId xmlns:a16="http://schemas.microsoft.com/office/drawing/2014/main" id="{EF441BE0-5628-433B-D040-9C4783F94358}"/>
-              </a:ext>
-            </a:extLst>
-          </p:cNvPr>
-          <p:cNvSpPr/>
-          <p:nvPr/>
-        </p:nvSpPr>
-        <p:spPr>
-          <a:xfrm rot="5400000">
-            <a:off x="7944767" y="2265680"/>
-            <a:ext cx="365145" cy="204403"/>
-          </a:xfrm>
-          <a:prstGeom prst="actionButtonBackPrevious">
-            <a:avLst/>
-          </a:prstGeom>
-        </p:spPr>
-        <p:style>
-          <a:lnRef idx="2">
-            <a:schemeClr val="dk1"/>
-          </a:lnRef>
-          <a:fillRef idx="1">
-            <a:schemeClr val="lt1"/>
-          </a:fillRef>
-          <a:effectRef idx="0">
-            <a:schemeClr val="dk1"/>
-          </a:effectRef>
-          <a:fontRef idx="minor">
-            <a:schemeClr val="dk1"/>
-          </a:fontRef>
-        </p:style>
-        <p:txBody>
-          <a:bodyPr rtlCol="0" anchor="ctr"/>
-          <a:lstStyle/>
-          <a:p>
-            <a:pPr algn="ctr"/>
-            <a:endParaRPr kumimoji="1" lang="ja-JP" altLang="en-US"/>
-          </a:p>
-        </p:txBody>
-      </p:sp>
-      <p:sp>
-        <p:nvSpPr>
-          <p:cNvPr id="30" name="動作設定ボタン: 戻る/前へ 29">
-            <a:hlinkClick r:id="" action="ppaction://hlinkshowjump?jump=previousslide" highlightClick="1"/>
-            <a:extLst>
-              <a:ext uri="{FF2B5EF4-FFF2-40B4-BE49-F238E27FC236}">
-                <a16:creationId xmlns:a16="http://schemas.microsoft.com/office/drawing/2014/main" id="{CD5A65BF-6138-8A94-E2D3-400F96C22B01}"/>
-              </a:ext>
-            </a:extLst>
-          </p:cNvPr>
-          <p:cNvSpPr/>
-          <p:nvPr/>
-        </p:nvSpPr>
-        <p:spPr>
-          <a:xfrm rot="16200000">
-            <a:off x="7944767" y="3388816"/>
-            <a:ext cx="365145" cy="204403"/>
-          </a:xfrm>
-          <a:prstGeom prst="actionButtonBackPrevious">
-            <a:avLst/>
-          </a:prstGeom>
-        </p:spPr>
-        <p:style>
-          <a:lnRef idx="2">
-            <a:schemeClr val="dk1"/>
-          </a:lnRef>
-          <a:fillRef idx="1">
-            <a:schemeClr val="lt1"/>
-          </a:fillRef>
-          <a:effectRef idx="0">
-            <a:schemeClr val="dk1"/>
-          </a:effectRef>
-          <a:fontRef idx="minor">
-            <a:schemeClr val="dk1"/>
-          </a:fontRef>
-        </p:style>
-        <p:txBody>
-          <a:bodyPr rtlCol="0" anchor="ctr"/>
-          <a:lstStyle/>
-          <a:p>
-            <a:pPr algn="ctr"/>
-            <a:endParaRPr kumimoji="1" lang="ja-JP" altLang="en-US"/>
-          </a:p>
-        </p:txBody>
-      </p:sp>
-      <p:sp>
-        <p:nvSpPr>
-          <p:cNvPr id="31" name="テキスト ボックス 30">
-            <a:extLst>
-              <a:ext uri="{FF2B5EF4-FFF2-40B4-BE49-F238E27FC236}">
-                <a16:creationId xmlns:a16="http://schemas.microsoft.com/office/drawing/2014/main" id="{4CA07E75-F0C3-3A8F-4AC5-89238997486E}"/>
-              </a:ext>
-            </a:extLst>
-          </p:cNvPr>
-          <p:cNvSpPr txBox="1"/>
-          <p:nvPr/>
-        </p:nvSpPr>
-        <p:spPr>
-          <a:xfrm>
-            <a:off x="3748154" y="1370319"/>
-            <a:ext cx="1847352" cy="369332"/>
-          </a:xfrm>
-          <a:prstGeom prst="rect">
-            <a:avLst/>
-          </a:prstGeom>
-          <a:noFill/>
-        </p:spPr>
-        <p:txBody>
-          <a:bodyPr wrap="square" rtlCol="0">
-            <a:spAutoFit/>
-          </a:bodyPr>
-          <a:lstStyle/>
-          <a:p>
-            <a:r>
-              <a:rPr kumimoji="1" lang="en-US" altLang="ja-JP" dirty="0" err="1"/>
-              <a:t>Total:xxxxxx</a:t>
-            </a:r>
-            <a:r>
-              <a:rPr kumimoji="1" lang="ja-JP" altLang="en-US" dirty="0"/>
-              <a:t>円</a:t>
-            </a:r>
-          </a:p>
-        </p:txBody>
-      </p:sp>
-      <p:sp>
-        <p:nvSpPr>
-          <p:cNvPr id="32" name="四角形: 角を丸くする 31">
-            <a:extLst>
-              <a:ext uri="{FF2B5EF4-FFF2-40B4-BE49-F238E27FC236}">
-                <a16:creationId xmlns:a16="http://schemas.microsoft.com/office/drawing/2014/main" id="{0488C303-EA81-FD83-AC9F-A0C9ECF01054}"/>
-              </a:ext>
-            </a:extLst>
-          </p:cNvPr>
-          <p:cNvSpPr/>
-          <p:nvPr/>
-        </p:nvSpPr>
-        <p:spPr>
-          <a:xfrm>
-            <a:off x="8136358" y="926725"/>
-            <a:ext cx="1598212" cy="369332"/>
-          </a:xfrm>
-          <a:prstGeom prst="roundRect">
-            <a:avLst/>
-          </a:prstGeom>
-        </p:spPr>
-        <p:style>
-          <a:lnRef idx="3">
-            <a:schemeClr val="lt1"/>
-          </a:lnRef>
-          <a:fillRef idx="1">
-            <a:schemeClr val="accent3"/>
-          </a:fillRef>
-          <a:effectRef idx="1">
-            <a:schemeClr val="accent3"/>
-          </a:effectRef>
-          <a:fontRef idx="minor">
-            <a:schemeClr val="lt1"/>
-          </a:fontRef>
-        </p:style>
-        <p:txBody>
-          <a:bodyPr rtlCol="0" anchor="ctr"/>
-          <a:lstStyle/>
-          <a:p>
-            <a:pPr algn="ctr"/>
-            <a:r>
-              <a:rPr kumimoji="1" lang="en-US" altLang="ja-JP" dirty="0"/>
-              <a:t>other</a:t>
-            </a:r>
-            <a:endParaRPr kumimoji="1" lang="ja-JP" altLang="en-US" dirty="0"/>
-          </a:p>
-        </p:txBody>
-      </p:sp>
-      <p:sp>
-        <p:nvSpPr>
-          <p:cNvPr id="33" name="正方形/長方形 32">
-            <a:extLst>
-              <a:ext uri="{FF2B5EF4-FFF2-40B4-BE49-F238E27FC236}">
-                <a16:creationId xmlns:a16="http://schemas.microsoft.com/office/drawing/2014/main" id="{D3D349CF-C51F-4DDB-FDD1-ED31F819343B}"/>
-              </a:ext>
-            </a:extLst>
-          </p:cNvPr>
-          <p:cNvSpPr/>
-          <p:nvPr/>
-        </p:nvSpPr>
-        <p:spPr>
-          <a:xfrm>
-            <a:off x="7727504" y="1362406"/>
-            <a:ext cx="265831" cy="292359"/>
-          </a:xfrm>
-          <a:prstGeom prst="rect">
-            <a:avLst/>
-          </a:prstGeom>
-        </p:spPr>
-        <p:style>
-          <a:lnRef idx="2">
-            <a:schemeClr val="dk1"/>
-          </a:lnRef>
-          <a:fillRef idx="1">
-            <a:schemeClr val="lt1"/>
-          </a:fillRef>
-          <a:effectRef idx="0">
-            <a:schemeClr val="dk1"/>
-          </a:effectRef>
-          <a:fontRef idx="minor">
-            <a:schemeClr val="dk1"/>
-          </a:fontRef>
-        </p:style>
-        <p:txBody>
-          <a:bodyPr rtlCol="0" anchor="ctr"/>
-          <a:lstStyle/>
-          <a:p>
-            <a:pPr algn="ctr"/>
-            <a:endParaRPr kumimoji="1" lang="ja-JP" altLang="en-US" dirty="0"/>
-          </a:p>
-        </p:txBody>
-      </p:sp>
-      <p:sp>
-        <p:nvSpPr>
-          <p:cNvPr id="34" name="テキスト ボックス 33">
-            <a:extLst>
-              <a:ext uri="{FF2B5EF4-FFF2-40B4-BE49-F238E27FC236}">
-                <a16:creationId xmlns:a16="http://schemas.microsoft.com/office/drawing/2014/main" id="{42C26645-4081-3C4E-9F69-E32C68BA248F}"/>
-              </a:ext>
-            </a:extLst>
-          </p:cNvPr>
-          <p:cNvSpPr txBox="1"/>
-          <p:nvPr/>
-        </p:nvSpPr>
-        <p:spPr>
-          <a:xfrm>
-            <a:off x="8025138" y="1322087"/>
-            <a:ext cx="2170706" cy="369332"/>
-          </a:xfrm>
-          <a:prstGeom prst="rect">
-            <a:avLst/>
-          </a:prstGeom>
-          <a:noFill/>
-        </p:spPr>
-        <p:txBody>
-          <a:bodyPr wrap="square" rtlCol="0">
-            <a:spAutoFit/>
-          </a:bodyPr>
-          <a:lstStyle/>
-          <a:p>
-            <a:r>
-              <a:rPr lang="en-US" altLang="ja-JP" dirty="0"/>
-              <a:t>With insurance</a:t>
-            </a:r>
-            <a:endParaRPr kumimoji="1" lang="ja-JP" altLang="en-US" dirty="0"/>
-          </a:p>
-        </p:txBody>
-      </p:sp>
-    </p:spTree>
-    <p:extLst>
-      <p:ext uri="{BB962C8B-B14F-4D97-AF65-F5344CB8AC3E}">
-        <p14:creationId xmlns:p14="http://schemas.microsoft.com/office/powerpoint/2010/main" val="1323072700"/>
-      </p:ext>
-    </p:extLst>
-  </p:cSld>
-  <p:clrMapOvr>
-    <a:masterClrMapping/>
-  </p:clrMapOvr>
-</p:sld>
-</file>
-
 <file path=ppt/theme/theme1.xml><?xml version="1.0" encoding="utf-8"?>
 <a:theme xmlns:a="http://schemas.openxmlformats.org/drawingml/2006/main" name="Office テーマ">
   <a:themeElements>

--- a/models/UI.pptx
+++ b/models/UI.pptx
@@ -8,20 +8,21 @@
     <p:sldId id="256" r:id="rId2"/>
     <p:sldId id="270" r:id="rId3"/>
     <p:sldId id="271" r:id="rId4"/>
-    <p:sldId id="272" r:id="rId5"/>
-    <p:sldId id="269" r:id="rId6"/>
-    <p:sldId id="268" r:id="rId7"/>
-    <p:sldId id="262" r:id="rId8"/>
-    <p:sldId id="257" r:id="rId9"/>
-    <p:sldId id="260" r:id="rId10"/>
-    <p:sldId id="258" r:id="rId11"/>
-    <p:sldId id="259" r:id="rId12"/>
-    <p:sldId id="261" r:id="rId13"/>
-    <p:sldId id="267" r:id="rId14"/>
-    <p:sldId id="263" r:id="rId15"/>
-    <p:sldId id="264" r:id="rId16"/>
-    <p:sldId id="265" r:id="rId17"/>
-    <p:sldId id="266" r:id="rId18"/>
+    <p:sldId id="273" r:id="rId5"/>
+    <p:sldId id="272" r:id="rId6"/>
+    <p:sldId id="269" r:id="rId7"/>
+    <p:sldId id="268" r:id="rId8"/>
+    <p:sldId id="262" r:id="rId9"/>
+    <p:sldId id="257" r:id="rId10"/>
+    <p:sldId id="260" r:id="rId11"/>
+    <p:sldId id="258" r:id="rId12"/>
+    <p:sldId id="259" r:id="rId13"/>
+    <p:sldId id="261" r:id="rId14"/>
+    <p:sldId id="267" r:id="rId15"/>
+    <p:sldId id="263" r:id="rId16"/>
+    <p:sldId id="264" r:id="rId17"/>
+    <p:sldId id="265" r:id="rId18"/>
+    <p:sldId id="266" r:id="rId19"/>
   </p:sldIdLst>
   <p:sldSz cx="12192000" cy="6858000"/>
   <p:notesSz cx="6858000" cy="9144000"/>
@@ -275,7 +276,7 @@
           <a:p>
             <a:fld id="{C0D971C9-DB7B-45E2-859A-01875D4D6A0E}" type="datetimeFigureOut">
               <a:rPr kumimoji="1" lang="ja-JP" altLang="en-US" smtClean="0"/>
-              <a:t>2024/12/25</a:t>
+              <a:t>2024/12/30</a:t>
             </a:fld>
             <a:endParaRPr kumimoji="1" lang="ja-JP" altLang="en-US"/>
           </a:p>
@@ -505,7 +506,7 @@
           <a:p>
             <a:fld id="{C0D971C9-DB7B-45E2-859A-01875D4D6A0E}" type="datetimeFigureOut">
               <a:rPr kumimoji="1" lang="ja-JP" altLang="en-US" smtClean="0"/>
-              <a:t>2024/12/25</a:t>
+              <a:t>2024/12/30</a:t>
             </a:fld>
             <a:endParaRPr kumimoji="1" lang="ja-JP" altLang="en-US"/>
           </a:p>
@@ -745,7 +746,7 @@
           <a:p>
             <a:fld id="{C0D971C9-DB7B-45E2-859A-01875D4D6A0E}" type="datetimeFigureOut">
               <a:rPr kumimoji="1" lang="ja-JP" altLang="en-US" smtClean="0"/>
-              <a:t>2024/12/25</a:t>
+              <a:t>2024/12/30</a:t>
             </a:fld>
             <a:endParaRPr kumimoji="1" lang="ja-JP" altLang="en-US"/>
           </a:p>
@@ -975,7 +976,7 @@
           <a:p>
             <a:fld id="{C0D971C9-DB7B-45E2-859A-01875D4D6A0E}" type="datetimeFigureOut">
               <a:rPr kumimoji="1" lang="ja-JP" altLang="en-US" smtClean="0"/>
-              <a:t>2024/12/25</a:t>
+              <a:t>2024/12/30</a:t>
             </a:fld>
             <a:endParaRPr kumimoji="1" lang="ja-JP" altLang="en-US"/>
           </a:p>
@@ -1250,7 +1251,7 @@
           <a:p>
             <a:fld id="{C0D971C9-DB7B-45E2-859A-01875D4D6A0E}" type="datetimeFigureOut">
               <a:rPr kumimoji="1" lang="ja-JP" altLang="en-US" smtClean="0"/>
-              <a:t>2024/12/25</a:t>
+              <a:t>2024/12/30</a:t>
             </a:fld>
             <a:endParaRPr kumimoji="1" lang="ja-JP" altLang="en-US"/>
           </a:p>
@@ -1579,7 +1580,7 @@
           <a:p>
             <a:fld id="{C0D971C9-DB7B-45E2-859A-01875D4D6A0E}" type="datetimeFigureOut">
               <a:rPr kumimoji="1" lang="ja-JP" altLang="en-US" smtClean="0"/>
-              <a:t>2024/12/25</a:t>
+              <a:t>2024/12/30</a:t>
             </a:fld>
             <a:endParaRPr kumimoji="1" lang="ja-JP" altLang="en-US"/>
           </a:p>
@@ -2055,7 +2056,7 @@
           <a:p>
             <a:fld id="{C0D971C9-DB7B-45E2-859A-01875D4D6A0E}" type="datetimeFigureOut">
               <a:rPr kumimoji="1" lang="ja-JP" altLang="en-US" smtClean="0"/>
-              <a:t>2024/12/25</a:t>
+              <a:t>2024/12/30</a:t>
             </a:fld>
             <a:endParaRPr kumimoji="1" lang="ja-JP" altLang="en-US"/>
           </a:p>
@@ -2196,7 +2197,7 @@
           <a:p>
             <a:fld id="{C0D971C9-DB7B-45E2-859A-01875D4D6A0E}" type="datetimeFigureOut">
               <a:rPr kumimoji="1" lang="ja-JP" altLang="en-US" smtClean="0"/>
-              <a:t>2024/12/25</a:t>
+              <a:t>2024/12/30</a:t>
             </a:fld>
             <a:endParaRPr kumimoji="1" lang="ja-JP" altLang="en-US"/>
           </a:p>
@@ -2309,7 +2310,7 @@
           <a:p>
             <a:fld id="{C0D971C9-DB7B-45E2-859A-01875D4D6A0E}" type="datetimeFigureOut">
               <a:rPr kumimoji="1" lang="ja-JP" altLang="en-US" smtClean="0"/>
-              <a:t>2024/12/25</a:t>
+              <a:t>2024/12/30</a:t>
             </a:fld>
             <a:endParaRPr kumimoji="1" lang="ja-JP" altLang="en-US"/>
           </a:p>
@@ -2652,7 +2653,7 @@
           <a:p>
             <a:fld id="{C0D971C9-DB7B-45E2-859A-01875D4D6A0E}" type="datetimeFigureOut">
               <a:rPr kumimoji="1" lang="ja-JP" altLang="en-US" smtClean="0"/>
-              <a:t>2024/12/25</a:t>
+              <a:t>2024/12/30</a:t>
             </a:fld>
             <a:endParaRPr kumimoji="1" lang="ja-JP" altLang="en-US"/>
           </a:p>
@@ -2940,7 +2941,7 @@
           <a:p>
             <a:fld id="{C0D971C9-DB7B-45E2-859A-01875D4D6A0E}" type="datetimeFigureOut">
               <a:rPr kumimoji="1" lang="ja-JP" altLang="en-US" smtClean="0"/>
-              <a:t>2024/12/25</a:t>
+              <a:t>2024/12/30</a:t>
             </a:fld>
             <a:endParaRPr kumimoji="1" lang="ja-JP" altLang="en-US"/>
           </a:p>
@@ -3213,7 +3214,7 @@
           <a:p>
             <a:fld id="{C0D971C9-DB7B-45E2-859A-01875D4D6A0E}" type="datetimeFigureOut">
               <a:rPr kumimoji="1" lang="ja-JP" altLang="en-US" smtClean="0"/>
-              <a:t>2024/12/25</a:t>
+              <a:t>2024/12/30</a:t>
             </a:fld>
             <a:endParaRPr kumimoji="1" lang="ja-JP" altLang="en-US"/>
           </a:p>
@@ -3701,6 +3702,2127 @@
 </file>
 
 <file path=ppt/slides/slide10.xml><?xml version="1.0" encoding="utf-8"?>
+<p:sld xmlns:a="http://schemas.openxmlformats.org/drawingml/2006/main" xmlns:r="http://schemas.openxmlformats.org/officeDocument/2006/relationships" xmlns:p="http://schemas.openxmlformats.org/presentationml/2006/main">
+  <p:cSld>
+    <p:spTree>
+      <p:nvGrpSpPr>
+        <p:cNvPr id="1" name=""/>
+        <p:cNvGrpSpPr/>
+        <p:nvPr/>
+      </p:nvGrpSpPr>
+      <p:grpSpPr>
+        <a:xfrm>
+          <a:off x="0" y="0"/>
+          <a:ext cx="0" cy="0"/>
+          <a:chOff x="0" y="0"/>
+          <a:chExt cx="0" cy="0"/>
+        </a:xfrm>
+      </p:grpSpPr>
+      <p:sp>
+        <p:nvSpPr>
+          <p:cNvPr id="2" name="正方形/長方形 1">
+            <a:extLst>
+              <a:ext uri="{FF2B5EF4-FFF2-40B4-BE49-F238E27FC236}">
+                <a16:creationId xmlns:a16="http://schemas.microsoft.com/office/drawing/2014/main" id="{799377E6-7E31-0216-A4DB-46574F90F19B}"/>
+              </a:ext>
+            </a:extLst>
+          </p:cNvPr>
+          <p:cNvSpPr/>
+          <p:nvPr/>
+        </p:nvSpPr>
+        <p:spPr>
+          <a:xfrm>
+            <a:off x="1321227" y="840870"/>
+            <a:ext cx="9430247" cy="5263764"/>
+          </a:xfrm>
+          <a:prstGeom prst="rect">
+            <a:avLst/>
+          </a:prstGeom>
+        </p:spPr>
+        <p:style>
+          <a:lnRef idx="2">
+            <a:schemeClr val="dk1"/>
+          </a:lnRef>
+          <a:fillRef idx="1">
+            <a:schemeClr val="lt1"/>
+          </a:fillRef>
+          <a:effectRef idx="0">
+            <a:schemeClr val="dk1"/>
+          </a:effectRef>
+          <a:fontRef idx="minor">
+            <a:schemeClr val="dk1"/>
+          </a:fontRef>
+        </p:style>
+        <p:txBody>
+          <a:bodyPr rtlCol="0" anchor="ctr"/>
+          <a:lstStyle/>
+          <a:p>
+            <a:pPr algn="ctr"/>
+            <a:endParaRPr kumimoji="1" lang="ja-JP" altLang="en-US" dirty="0"/>
+          </a:p>
+        </p:txBody>
+      </p:sp>
+      <p:sp>
+        <p:nvSpPr>
+          <p:cNvPr id="3" name="正方形/長方形 2">
+            <a:extLst>
+              <a:ext uri="{FF2B5EF4-FFF2-40B4-BE49-F238E27FC236}">
+                <a16:creationId xmlns:a16="http://schemas.microsoft.com/office/drawing/2014/main" id="{42BA0C15-7FD0-944E-9BBC-DE7A1762F887}"/>
+              </a:ext>
+            </a:extLst>
+          </p:cNvPr>
+          <p:cNvSpPr/>
+          <p:nvPr/>
+        </p:nvSpPr>
+        <p:spPr>
+          <a:xfrm>
+            <a:off x="1160890" y="898497"/>
+            <a:ext cx="2170707" cy="5263764"/>
+          </a:xfrm>
+          <a:prstGeom prst="rect">
+            <a:avLst/>
+          </a:prstGeom>
+        </p:spPr>
+        <p:style>
+          <a:lnRef idx="2">
+            <a:schemeClr val="dk1"/>
+          </a:lnRef>
+          <a:fillRef idx="1">
+            <a:schemeClr val="lt1"/>
+          </a:fillRef>
+          <a:effectRef idx="0">
+            <a:schemeClr val="dk1"/>
+          </a:effectRef>
+          <a:fontRef idx="minor">
+            <a:schemeClr val="dk1"/>
+          </a:fontRef>
+        </p:style>
+        <p:txBody>
+          <a:bodyPr rtlCol="0" anchor="ctr"/>
+          <a:lstStyle/>
+          <a:p>
+            <a:pPr algn="ctr"/>
+            <a:endParaRPr kumimoji="1" lang="ja-JP" altLang="en-US"/>
+          </a:p>
+        </p:txBody>
+      </p:sp>
+      <p:sp>
+        <p:nvSpPr>
+          <p:cNvPr id="4" name="正方形/長方形 3">
+            <a:extLst>
+              <a:ext uri="{FF2B5EF4-FFF2-40B4-BE49-F238E27FC236}">
+                <a16:creationId xmlns:a16="http://schemas.microsoft.com/office/drawing/2014/main" id="{CE92C59F-A2D3-623C-F380-04E0741FA0C0}"/>
+              </a:ext>
+            </a:extLst>
+          </p:cNvPr>
+          <p:cNvSpPr/>
+          <p:nvPr/>
+        </p:nvSpPr>
+        <p:spPr>
+          <a:xfrm>
+            <a:off x="2116254" y="2740030"/>
+            <a:ext cx="1184743" cy="974438"/>
+          </a:xfrm>
+          <a:prstGeom prst="rect">
+            <a:avLst/>
+          </a:prstGeom>
+        </p:spPr>
+        <p:style>
+          <a:lnRef idx="2">
+            <a:schemeClr val="dk1"/>
+          </a:lnRef>
+          <a:fillRef idx="1">
+            <a:schemeClr val="lt1"/>
+          </a:fillRef>
+          <a:effectRef idx="0">
+            <a:schemeClr val="dk1"/>
+          </a:effectRef>
+          <a:fontRef idx="minor">
+            <a:schemeClr val="dk1"/>
+          </a:fontRef>
+        </p:style>
+        <p:txBody>
+          <a:bodyPr rtlCol="0" anchor="ctr"/>
+          <a:lstStyle/>
+          <a:p>
+            <a:pPr algn="ctr"/>
+            <a:endParaRPr kumimoji="1" lang="ja-JP" altLang="en-US"/>
+          </a:p>
+        </p:txBody>
+      </p:sp>
+      <p:grpSp>
+        <p:nvGrpSpPr>
+          <p:cNvPr id="5" name="グループ化 4">
+            <a:extLst>
+              <a:ext uri="{FF2B5EF4-FFF2-40B4-BE49-F238E27FC236}">
+                <a16:creationId xmlns:a16="http://schemas.microsoft.com/office/drawing/2014/main" id="{63CC61CC-29B4-501D-7675-51E8E2E14541}"/>
+              </a:ext>
+            </a:extLst>
+          </p:cNvPr>
+          <p:cNvGrpSpPr/>
+          <p:nvPr/>
+        </p:nvGrpSpPr>
+        <p:grpSpPr>
+          <a:xfrm>
+            <a:off x="2254900" y="2733080"/>
+            <a:ext cx="975361" cy="940510"/>
+            <a:chOff x="9591921" y="1516576"/>
+            <a:chExt cx="975361" cy="940510"/>
+          </a:xfrm>
+        </p:grpSpPr>
+        <p:sp>
+          <p:nvSpPr>
+            <p:cNvPr id="6" name="楕円 5">
+              <a:extLst>
+                <a:ext uri="{FF2B5EF4-FFF2-40B4-BE49-F238E27FC236}">
+                  <a16:creationId xmlns:a16="http://schemas.microsoft.com/office/drawing/2014/main" id="{587A5801-7587-6DB5-A151-E13DB85A6D5B}"/>
+                </a:ext>
+              </a:extLst>
+            </p:cNvPr>
+            <p:cNvSpPr/>
+            <p:nvPr/>
+          </p:nvSpPr>
+          <p:spPr>
+            <a:xfrm>
+              <a:off x="9598548" y="1603838"/>
+              <a:ext cx="159026" cy="194808"/>
+            </a:xfrm>
+            <a:prstGeom prst="ellipse">
+              <a:avLst/>
+            </a:prstGeom>
+          </p:spPr>
+          <p:style>
+            <a:lnRef idx="2">
+              <a:schemeClr val="dk1">
+                <a:shade val="15000"/>
+              </a:schemeClr>
+            </a:lnRef>
+            <a:fillRef idx="1">
+              <a:schemeClr val="dk1"/>
+            </a:fillRef>
+            <a:effectRef idx="0">
+              <a:schemeClr val="dk1"/>
+            </a:effectRef>
+            <a:fontRef idx="minor">
+              <a:schemeClr val="lt1"/>
+            </a:fontRef>
+          </p:style>
+          <p:txBody>
+            <a:bodyPr rtlCol="0" anchor="ctr"/>
+            <a:lstStyle/>
+            <a:p>
+              <a:pPr algn="ctr"/>
+              <a:endParaRPr kumimoji="1" lang="ja-JP" altLang="en-US"/>
+            </a:p>
+          </p:txBody>
+        </p:sp>
+        <p:sp>
+          <p:nvSpPr>
+            <p:cNvPr id="7" name="テキスト ボックス 6">
+              <a:extLst>
+                <a:ext uri="{FF2B5EF4-FFF2-40B4-BE49-F238E27FC236}">
+                  <a16:creationId xmlns:a16="http://schemas.microsoft.com/office/drawing/2014/main" id="{B2BFFE55-3548-9BC6-57BA-A43F98E9A091}"/>
+                </a:ext>
+              </a:extLst>
+            </p:cNvPr>
+            <p:cNvSpPr txBox="1"/>
+            <p:nvPr/>
+          </p:nvSpPr>
+          <p:spPr>
+            <a:xfrm>
+              <a:off x="9748298" y="1516576"/>
+              <a:ext cx="818984" cy="369332"/>
+            </a:xfrm>
+            <a:prstGeom prst="rect">
+              <a:avLst/>
+            </a:prstGeom>
+            <a:noFill/>
+          </p:spPr>
+          <p:txBody>
+            <a:bodyPr wrap="square" rtlCol="0">
+              <a:spAutoFit/>
+            </a:bodyPr>
+            <a:lstStyle/>
+            <a:p>
+              <a:r>
+                <a:rPr kumimoji="1" lang="en-US" altLang="ja-JP" dirty="0"/>
+                <a:t>JPY</a:t>
+              </a:r>
+              <a:endParaRPr kumimoji="1" lang="ja-JP" altLang="en-US" dirty="0"/>
+            </a:p>
+          </p:txBody>
+        </p:sp>
+        <p:sp>
+          <p:nvSpPr>
+            <p:cNvPr id="8" name="楕円 7">
+              <a:extLst>
+                <a:ext uri="{FF2B5EF4-FFF2-40B4-BE49-F238E27FC236}">
+                  <a16:creationId xmlns:a16="http://schemas.microsoft.com/office/drawing/2014/main" id="{F30102BF-4982-7BF7-FAC1-B82D9D78FA4C}"/>
+                </a:ext>
+              </a:extLst>
+            </p:cNvPr>
+            <p:cNvSpPr/>
+            <p:nvPr/>
+          </p:nvSpPr>
+          <p:spPr>
+            <a:xfrm>
+              <a:off x="9611800" y="1882657"/>
+              <a:ext cx="159026" cy="194808"/>
+            </a:xfrm>
+            <a:prstGeom prst="ellipse">
+              <a:avLst/>
+            </a:prstGeom>
+          </p:spPr>
+          <p:style>
+            <a:lnRef idx="2">
+              <a:schemeClr val="dk1"/>
+            </a:lnRef>
+            <a:fillRef idx="1">
+              <a:schemeClr val="lt1"/>
+            </a:fillRef>
+            <a:effectRef idx="0">
+              <a:schemeClr val="dk1"/>
+            </a:effectRef>
+            <a:fontRef idx="minor">
+              <a:schemeClr val="dk1"/>
+            </a:fontRef>
+          </p:style>
+          <p:txBody>
+            <a:bodyPr rtlCol="0" anchor="ctr"/>
+            <a:lstStyle/>
+            <a:p>
+              <a:pPr algn="ctr"/>
+              <a:endParaRPr kumimoji="1" lang="ja-JP" altLang="en-US"/>
+            </a:p>
+          </p:txBody>
+        </p:sp>
+        <p:sp>
+          <p:nvSpPr>
+            <p:cNvPr id="9" name="テキスト ボックス 8">
+              <a:extLst>
+                <a:ext uri="{FF2B5EF4-FFF2-40B4-BE49-F238E27FC236}">
+                  <a16:creationId xmlns:a16="http://schemas.microsoft.com/office/drawing/2014/main" id="{159C088C-A35C-A653-C0D7-9378BEF252C9}"/>
+                </a:ext>
+              </a:extLst>
+            </p:cNvPr>
+            <p:cNvSpPr txBox="1"/>
+            <p:nvPr/>
+          </p:nvSpPr>
+          <p:spPr>
+            <a:xfrm>
+              <a:off x="9741671" y="1798123"/>
+              <a:ext cx="818984" cy="369332"/>
+            </a:xfrm>
+            <a:prstGeom prst="rect">
+              <a:avLst/>
+            </a:prstGeom>
+            <a:noFill/>
+          </p:spPr>
+          <p:txBody>
+            <a:bodyPr wrap="square" rtlCol="0">
+              <a:spAutoFit/>
+            </a:bodyPr>
+            <a:lstStyle/>
+            <a:p>
+              <a:r>
+                <a:rPr kumimoji="1" lang="en-US" altLang="ja-JP" dirty="0"/>
+                <a:t>USD</a:t>
+              </a:r>
+              <a:endParaRPr kumimoji="1" lang="ja-JP" altLang="en-US" dirty="0"/>
+            </a:p>
+          </p:txBody>
+        </p:sp>
+        <p:sp>
+          <p:nvSpPr>
+            <p:cNvPr id="10" name="楕円 9">
+              <a:extLst>
+                <a:ext uri="{FF2B5EF4-FFF2-40B4-BE49-F238E27FC236}">
+                  <a16:creationId xmlns:a16="http://schemas.microsoft.com/office/drawing/2014/main" id="{A46DF13C-901C-BA71-9927-000435F1F7F4}"/>
+                </a:ext>
+              </a:extLst>
+            </p:cNvPr>
+            <p:cNvSpPr/>
+            <p:nvPr/>
+          </p:nvSpPr>
+          <p:spPr>
+            <a:xfrm>
+              <a:off x="9591921" y="2175016"/>
+              <a:ext cx="159026" cy="194808"/>
+            </a:xfrm>
+            <a:prstGeom prst="ellipse">
+              <a:avLst/>
+            </a:prstGeom>
+          </p:spPr>
+          <p:style>
+            <a:lnRef idx="2">
+              <a:schemeClr val="dk1"/>
+            </a:lnRef>
+            <a:fillRef idx="1">
+              <a:schemeClr val="lt1"/>
+            </a:fillRef>
+            <a:effectRef idx="0">
+              <a:schemeClr val="dk1"/>
+            </a:effectRef>
+            <a:fontRef idx="minor">
+              <a:schemeClr val="dk1"/>
+            </a:fontRef>
+          </p:style>
+          <p:txBody>
+            <a:bodyPr rtlCol="0" anchor="ctr"/>
+            <a:lstStyle/>
+            <a:p>
+              <a:pPr algn="ctr"/>
+              <a:endParaRPr kumimoji="1" lang="ja-JP" altLang="en-US"/>
+            </a:p>
+          </p:txBody>
+        </p:sp>
+        <p:sp>
+          <p:nvSpPr>
+            <p:cNvPr id="11" name="テキスト ボックス 10">
+              <a:extLst>
+                <a:ext uri="{FF2B5EF4-FFF2-40B4-BE49-F238E27FC236}">
+                  <a16:creationId xmlns:a16="http://schemas.microsoft.com/office/drawing/2014/main" id="{D98FE0A9-266B-2696-BB9D-C2A7F47179E5}"/>
+                </a:ext>
+              </a:extLst>
+            </p:cNvPr>
+            <p:cNvSpPr txBox="1"/>
+            <p:nvPr/>
+          </p:nvSpPr>
+          <p:spPr>
+            <a:xfrm>
+              <a:off x="9741671" y="2087754"/>
+              <a:ext cx="818984" cy="369332"/>
+            </a:xfrm>
+            <a:prstGeom prst="rect">
+              <a:avLst/>
+            </a:prstGeom>
+            <a:noFill/>
+          </p:spPr>
+          <p:txBody>
+            <a:bodyPr wrap="square" rtlCol="0">
+              <a:spAutoFit/>
+            </a:bodyPr>
+            <a:lstStyle/>
+            <a:p>
+              <a:r>
+                <a:rPr lang="en-US" altLang="ja-JP" dirty="0"/>
+                <a:t>EUR</a:t>
+              </a:r>
+              <a:endParaRPr kumimoji="1" lang="ja-JP" altLang="en-US" dirty="0"/>
+            </a:p>
+          </p:txBody>
+        </p:sp>
+      </p:grpSp>
+      <p:sp>
+        <p:nvSpPr>
+          <p:cNvPr id="12" name="テキスト ボックス 11">
+            <a:extLst>
+              <a:ext uri="{FF2B5EF4-FFF2-40B4-BE49-F238E27FC236}">
+                <a16:creationId xmlns:a16="http://schemas.microsoft.com/office/drawing/2014/main" id="{7B81CDC8-5AEE-224D-51E6-8025A5080D92}"/>
+              </a:ext>
+            </a:extLst>
+          </p:cNvPr>
+          <p:cNvSpPr txBox="1"/>
+          <p:nvPr/>
+        </p:nvSpPr>
+        <p:spPr>
+          <a:xfrm>
+            <a:off x="1169279" y="4253805"/>
+            <a:ext cx="1847352" cy="369332"/>
+          </a:xfrm>
+          <a:prstGeom prst="rect">
+            <a:avLst/>
+          </a:prstGeom>
+          <a:noFill/>
+        </p:spPr>
+        <p:txBody>
+          <a:bodyPr wrap="square" rtlCol="0">
+            <a:spAutoFit/>
+          </a:bodyPr>
+          <a:lstStyle/>
+          <a:p>
+            <a:r>
+              <a:rPr kumimoji="1" lang="en-US" altLang="ja-JP" dirty="0" err="1"/>
+              <a:t>Total:xxxxxx</a:t>
+            </a:r>
+            <a:r>
+              <a:rPr kumimoji="1" lang="ja-JP" altLang="en-US" dirty="0"/>
+              <a:t>円</a:t>
+            </a:r>
+          </a:p>
+        </p:txBody>
+      </p:sp>
+      <p:sp>
+        <p:nvSpPr>
+          <p:cNvPr id="15" name="テキスト ボックス 14">
+            <a:extLst>
+              <a:ext uri="{FF2B5EF4-FFF2-40B4-BE49-F238E27FC236}">
+                <a16:creationId xmlns:a16="http://schemas.microsoft.com/office/drawing/2014/main" id="{CB7C5C20-C79A-B4F8-D88A-9262E7FCB748}"/>
+              </a:ext>
+            </a:extLst>
+          </p:cNvPr>
+          <p:cNvSpPr txBox="1"/>
+          <p:nvPr/>
+        </p:nvSpPr>
+        <p:spPr>
+          <a:xfrm>
+            <a:off x="2182826" y="3813277"/>
+            <a:ext cx="1445812" cy="369332"/>
+          </a:xfrm>
+          <a:prstGeom prst="rect">
+            <a:avLst/>
+          </a:prstGeom>
+          <a:noFill/>
+        </p:spPr>
+        <p:txBody>
+          <a:bodyPr wrap="square" rtlCol="0">
+            <a:spAutoFit/>
+          </a:bodyPr>
+          <a:lstStyle/>
+          <a:p>
+            <a:r>
+              <a:rPr kumimoji="1" lang="en-US" altLang="ja-JP" dirty="0"/>
+              <a:t>XX</a:t>
+            </a:r>
+            <a:r>
+              <a:rPr kumimoji="1" lang="ja-JP" altLang="en-US" dirty="0"/>
+              <a:t>カ国</a:t>
+            </a:r>
+          </a:p>
+        </p:txBody>
+      </p:sp>
+      <p:sp>
+        <p:nvSpPr>
+          <p:cNvPr id="16" name="四角形: 角を丸くする 15">
+            <a:extLst>
+              <a:ext uri="{FF2B5EF4-FFF2-40B4-BE49-F238E27FC236}">
+                <a16:creationId xmlns:a16="http://schemas.microsoft.com/office/drawing/2014/main" id="{0A9CEF0E-BE65-A2B7-48CD-9599F5A5637C}"/>
+              </a:ext>
+            </a:extLst>
+          </p:cNvPr>
+          <p:cNvSpPr/>
+          <p:nvPr/>
+        </p:nvSpPr>
+        <p:spPr>
+          <a:xfrm>
+            <a:off x="3331597" y="917912"/>
+            <a:ext cx="1598212" cy="369332"/>
+          </a:xfrm>
+          <a:prstGeom prst="roundRect">
+            <a:avLst/>
+          </a:prstGeom>
+        </p:spPr>
+        <p:style>
+          <a:lnRef idx="2">
+            <a:schemeClr val="accent3">
+              <a:shade val="15000"/>
+            </a:schemeClr>
+          </a:lnRef>
+          <a:fillRef idx="1">
+            <a:schemeClr val="accent3"/>
+          </a:fillRef>
+          <a:effectRef idx="0">
+            <a:schemeClr val="accent3"/>
+          </a:effectRef>
+          <a:fontRef idx="minor">
+            <a:schemeClr val="lt1"/>
+          </a:fontRef>
+        </p:style>
+        <p:txBody>
+          <a:bodyPr rtlCol="0" anchor="ctr"/>
+          <a:lstStyle/>
+          <a:p>
+            <a:pPr algn="ctr"/>
+            <a:r>
+              <a:rPr lang="en-US" altLang="ja-JP" sz="1400" dirty="0"/>
+              <a:t>accommodation</a:t>
+            </a:r>
+            <a:endParaRPr kumimoji="1" lang="ja-JP" altLang="en-US" sz="1400" dirty="0"/>
+          </a:p>
+        </p:txBody>
+      </p:sp>
+      <p:sp>
+        <p:nvSpPr>
+          <p:cNvPr id="17" name="四角形: 角を丸くする 16">
+            <a:extLst>
+              <a:ext uri="{FF2B5EF4-FFF2-40B4-BE49-F238E27FC236}">
+                <a16:creationId xmlns:a16="http://schemas.microsoft.com/office/drawing/2014/main" id="{0F1FF05C-13D1-825C-9322-D67D45A28C1F}"/>
+              </a:ext>
+            </a:extLst>
+          </p:cNvPr>
+          <p:cNvSpPr/>
+          <p:nvPr/>
+        </p:nvSpPr>
+        <p:spPr>
+          <a:xfrm>
+            <a:off x="4929809" y="907494"/>
+            <a:ext cx="1598212" cy="369332"/>
+          </a:xfrm>
+          <a:prstGeom prst="roundRect">
+            <a:avLst/>
+          </a:prstGeom>
+        </p:spPr>
+        <p:style>
+          <a:lnRef idx="2">
+            <a:schemeClr val="dk1"/>
+          </a:lnRef>
+          <a:fillRef idx="1">
+            <a:schemeClr val="lt1"/>
+          </a:fillRef>
+          <a:effectRef idx="0">
+            <a:schemeClr val="dk1"/>
+          </a:effectRef>
+          <a:fontRef idx="minor">
+            <a:schemeClr val="dk1"/>
+          </a:fontRef>
+        </p:style>
+        <p:txBody>
+          <a:bodyPr rtlCol="0" anchor="ctr"/>
+          <a:lstStyle/>
+          <a:p>
+            <a:pPr algn="ctr"/>
+            <a:r>
+              <a:rPr lang="en-US" altLang="ja-JP" sz="1600" dirty="0"/>
+              <a:t>transportation</a:t>
+            </a:r>
+            <a:endParaRPr kumimoji="1" lang="ja-JP" altLang="en-US" sz="1600" dirty="0"/>
+          </a:p>
+        </p:txBody>
+      </p:sp>
+      <p:sp>
+        <p:nvSpPr>
+          <p:cNvPr id="18" name="四角形: 角を丸くする 17">
+            <a:extLst>
+              <a:ext uri="{FF2B5EF4-FFF2-40B4-BE49-F238E27FC236}">
+                <a16:creationId xmlns:a16="http://schemas.microsoft.com/office/drawing/2014/main" id="{CD07774D-D50C-F464-E848-F906FBDAEBF0}"/>
+              </a:ext>
+            </a:extLst>
+          </p:cNvPr>
+          <p:cNvSpPr/>
+          <p:nvPr/>
+        </p:nvSpPr>
+        <p:spPr>
+          <a:xfrm>
+            <a:off x="6528021" y="907494"/>
+            <a:ext cx="1598212" cy="369332"/>
+          </a:xfrm>
+          <a:prstGeom prst="roundRect">
+            <a:avLst/>
+          </a:prstGeom>
+        </p:spPr>
+        <p:style>
+          <a:lnRef idx="2">
+            <a:schemeClr val="dk1"/>
+          </a:lnRef>
+          <a:fillRef idx="1">
+            <a:schemeClr val="lt1"/>
+          </a:fillRef>
+          <a:effectRef idx="0">
+            <a:schemeClr val="dk1"/>
+          </a:effectRef>
+          <a:fontRef idx="minor">
+            <a:schemeClr val="dk1"/>
+          </a:fontRef>
+        </p:style>
+        <p:txBody>
+          <a:bodyPr rtlCol="0" anchor="ctr"/>
+          <a:lstStyle/>
+          <a:p>
+            <a:pPr algn="ctr"/>
+            <a:r>
+              <a:rPr kumimoji="1" lang="en-US" altLang="ja-JP" dirty="0"/>
+              <a:t>sightseeing</a:t>
+            </a:r>
+            <a:endParaRPr kumimoji="1" lang="ja-JP" altLang="en-US" dirty="0"/>
+          </a:p>
+        </p:txBody>
+      </p:sp>
+      <p:sp>
+        <p:nvSpPr>
+          <p:cNvPr id="19" name="正方形/長方形 18">
+            <a:extLst>
+              <a:ext uri="{FF2B5EF4-FFF2-40B4-BE49-F238E27FC236}">
+                <a16:creationId xmlns:a16="http://schemas.microsoft.com/office/drawing/2014/main" id="{04DB1A93-18F3-31E2-0340-75405B09EE75}"/>
+              </a:ext>
+            </a:extLst>
+          </p:cNvPr>
+          <p:cNvSpPr/>
+          <p:nvPr/>
+        </p:nvSpPr>
+        <p:spPr>
+          <a:xfrm>
+            <a:off x="1944861" y="954464"/>
+            <a:ext cx="1163540" cy="292359"/>
+          </a:xfrm>
+          <a:prstGeom prst="rect">
+            <a:avLst/>
+          </a:prstGeom>
+        </p:spPr>
+        <p:style>
+          <a:lnRef idx="2">
+            <a:schemeClr val="dk1"/>
+          </a:lnRef>
+          <a:fillRef idx="1">
+            <a:schemeClr val="lt1"/>
+          </a:fillRef>
+          <a:effectRef idx="0">
+            <a:schemeClr val="dk1"/>
+          </a:effectRef>
+          <a:fontRef idx="minor">
+            <a:schemeClr val="dk1"/>
+          </a:fontRef>
+        </p:style>
+        <p:txBody>
+          <a:bodyPr rtlCol="0" anchor="ctr"/>
+          <a:lstStyle/>
+          <a:p>
+            <a:pPr algn="ctr"/>
+            <a:r>
+              <a:rPr kumimoji="1" lang="en-US" altLang="ja-JP" dirty="0"/>
+              <a:t>world</a:t>
+            </a:r>
+            <a:endParaRPr kumimoji="1" lang="ja-JP" altLang="en-US" dirty="0"/>
+          </a:p>
+        </p:txBody>
+      </p:sp>
+      <p:sp>
+        <p:nvSpPr>
+          <p:cNvPr id="20" name="動作設定ボタン: 戻る/前へ 19">
+            <a:hlinkClick r:id="" action="ppaction://hlinkshowjump?jump=previousslide" highlightClick="1"/>
+            <a:extLst>
+              <a:ext uri="{FF2B5EF4-FFF2-40B4-BE49-F238E27FC236}">
+                <a16:creationId xmlns:a16="http://schemas.microsoft.com/office/drawing/2014/main" id="{B4D715DE-3C18-DF43-FB03-ADBD1E9954E5}"/>
+              </a:ext>
+            </a:extLst>
+          </p:cNvPr>
+          <p:cNvSpPr/>
+          <p:nvPr/>
+        </p:nvSpPr>
+        <p:spPr>
+          <a:xfrm rot="16200000">
+            <a:off x="3028030" y="1003030"/>
+            <a:ext cx="365145" cy="204403"/>
+          </a:xfrm>
+          <a:prstGeom prst="actionButtonBackPrevious">
+            <a:avLst/>
+          </a:prstGeom>
+        </p:spPr>
+        <p:style>
+          <a:lnRef idx="2">
+            <a:schemeClr val="dk1"/>
+          </a:lnRef>
+          <a:fillRef idx="1">
+            <a:schemeClr val="lt1"/>
+          </a:fillRef>
+          <a:effectRef idx="0">
+            <a:schemeClr val="dk1"/>
+          </a:effectRef>
+          <a:fontRef idx="minor">
+            <a:schemeClr val="dk1"/>
+          </a:fontRef>
+        </p:style>
+        <p:txBody>
+          <a:bodyPr rtlCol="0" anchor="ctr"/>
+          <a:lstStyle/>
+          <a:p>
+            <a:pPr algn="ctr"/>
+            <a:endParaRPr kumimoji="1" lang="ja-JP" altLang="en-US"/>
+          </a:p>
+        </p:txBody>
+      </p:sp>
+      <p:graphicFrame>
+        <p:nvGraphicFramePr>
+          <p:cNvPr id="21" name="表 20">
+            <a:extLst>
+              <a:ext uri="{FF2B5EF4-FFF2-40B4-BE49-F238E27FC236}">
+                <a16:creationId xmlns:a16="http://schemas.microsoft.com/office/drawing/2014/main" id="{3DEF6DE5-8D36-6432-CC3D-21CF17BFB259}"/>
+              </a:ext>
+            </a:extLst>
+          </p:cNvPr>
+          <p:cNvGraphicFramePr>
+            <a:graphicFrameLocks noGrp="1"/>
+          </p:cNvGraphicFramePr>
+          <p:nvPr>
+            <p:extLst>
+              <p:ext uri="{D42A27DB-BD31-4B8C-83A1-F6EECF244321}">
+                <p14:modId xmlns:p14="http://schemas.microsoft.com/office/powerpoint/2010/main" val="4088197492"/>
+              </p:ext>
+            </p:extLst>
+          </p:nvPr>
+        </p:nvGraphicFramePr>
+        <p:xfrm>
+          <a:off x="3747671" y="2452442"/>
+          <a:ext cx="4189995" cy="1463040"/>
+        </p:xfrm>
+        <a:graphic>
+          <a:graphicData uri="http://schemas.openxmlformats.org/drawingml/2006/table">
+            <a:tbl>
+              <a:tblPr firstRow="1" bandRow="1">
+                <a:tableStyleId>{5C22544A-7EE6-4342-B048-85BDC9FD1C3A}</a:tableStyleId>
+              </a:tblPr>
+              <a:tblGrid>
+                <a:gridCol w="1028037">
+                  <a:extLst>
+                    <a:ext uri="{9D8B030D-6E8A-4147-A177-3AD203B41FA5}">
+                      <a16:colId xmlns:a16="http://schemas.microsoft.com/office/drawing/2014/main" val="2180251572"/>
+                    </a:ext>
+                  </a:extLst>
+                </a:gridCol>
+                <a:gridCol w="1053986">
+                  <a:extLst>
+                    <a:ext uri="{9D8B030D-6E8A-4147-A177-3AD203B41FA5}">
+                      <a16:colId xmlns:a16="http://schemas.microsoft.com/office/drawing/2014/main" val="2094606021"/>
+                    </a:ext>
+                  </a:extLst>
+                </a:gridCol>
+                <a:gridCol w="1053986">
+                  <a:extLst>
+                    <a:ext uri="{9D8B030D-6E8A-4147-A177-3AD203B41FA5}">
+                      <a16:colId xmlns:a16="http://schemas.microsoft.com/office/drawing/2014/main" val="3658194246"/>
+                    </a:ext>
+                  </a:extLst>
+                </a:gridCol>
+                <a:gridCol w="1053986">
+                  <a:extLst>
+                    <a:ext uri="{9D8B030D-6E8A-4147-A177-3AD203B41FA5}">
+                      <a16:colId xmlns:a16="http://schemas.microsoft.com/office/drawing/2014/main" val="2463708021"/>
+                    </a:ext>
+                  </a:extLst>
+                </a:gridCol>
+              </a:tblGrid>
+              <a:tr h="0">
+                <a:tc>
+                  <a:txBody>
+                    <a:bodyPr/>
+                    <a:lstStyle/>
+                    <a:p>
+                      <a:r>
+                        <a:rPr kumimoji="1" lang="en-US" altLang="ja-JP" dirty="0"/>
+                        <a:t>Type</a:t>
+                      </a:r>
+                      <a:endParaRPr kumimoji="1" lang="ja-JP" altLang="en-US" dirty="0"/>
+                    </a:p>
+                  </a:txBody>
+                  <a:tcPr/>
+                </a:tc>
+                <a:tc>
+                  <a:txBody>
+                    <a:bodyPr/>
+                    <a:lstStyle/>
+                    <a:p>
+                      <a:r>
+                        <a:rPr kumimoji="1" lang="en-US" altLang="ja-JP" dirty="0"/>
+                        <a:t>Count</a:t>
+                      </a:r>
+                      <a:endParaRPr kumimoji="1" lang="ja-JP" altLang="en-US" dirty="0"/>
+                    </a:p>
+                  </a:txBody>
+                  <a:tcPr/>
+                </a:tc>
+                <a:tc>
+                  <a:txBody>
+                    <a:bodyPr/>
+                    <a:lstStyle/>
+                    <a:p>
+                      <a:r>
+                        <a:rPr kumimoji="1" lang="en-US" altLang="ja-JP" sz="1400" dirty="0"/>
+                        <a:t>currency</a:t>
+                      </a:r>
+                      <a:endParaRPr kumimoji="1" lang="ja-JP" altLang="en-US" sz="1400" dirty="0"/>
+                    </a:p>
+                  </a:txBody>
+                  <a:tcPr/>
+                </a:tc>
+                <a:tc>
+                  <a:txBody>
+                    <a:bodyPr/>
+                    <a:lstStyle/>
+                    <a:p>
+                      <a:r>
+                        <a:rPr kumimoji="1" lang="en-US" altLang="ja-JP" dirty="0"/>
+                        <a:t>JPY</a:t>
+                      </a:r>
+                      <a:endParaRPr kumimoji="1" lang="ja-JP" altLang="en-US" dirty="0"/>
+                    </a:p>
+                  </a:txBody>
+                  <a:tcPr/>
+                </a:tc>
+                <a:extLst>
+                  <a:ext uri="{0D108BD9-81ED-4DB2-BD59-A6C34878D82A}">
+                    <a16:rowId xmlns:a16="http://schemas.microsoft.com/office/drawing/2014/main" val="3636590592"/>
+                  </a:ext>
+                </a:extLst>
+              </a:tr>
+              <a:tr h="316188">
+                <a:tc>
+                  <a:txBody>
+                    <a:bodyPr/>
+                    <a:lstStyle/>
+                    <a:p>
+                      <a:r>
+                        <a:rPr kumimoji="1" lang="en-US" altLang="ja-JP" sz="1200" dirty="0" err="1"/>
+                        <a:t>Domitory</a:t>
+                      </a:r>
+                      <a:endParaRPr kumimoji="1" lang="ja-JP" altLang="en-US" sz="1200" dirty="0"/>
+                    </a:p>
+                  </a:txBody>
+                  <a:tcPr/>
+                </a:tc>
+                <a:tc>
+                  <a:txBody>
+                    <a:bodyPr/>
+                    <a:lstStyle/>
+                    <a:p>
+                      <a:r>
+                        <a:rPr kumimoji="1" lang="en-US" altLang="ja-JP" dirty="0"/>
+                        <a:t>100</a:t>
+                      </a:r>
+                      <a:endParaRPr kumimoji="1" lang="ja-JP" altLang="en-US" dirty="0"/>
+                    </a:p>
+                  </a:txBody>
+                  <a:tcPr/>
+                </a:tc>
+                <a:tc>
+                  <a:txBody>
+                    <a:bodyPr/>
+                    <a:lstStyle/>
+                    <a:p>
+                      <a:r>
+                        <a:rPr kumimoji="1" lang="en-US" altLang="ja-JP" dirty="0"/>
+                        <a:t>400</a:t>
+                      </a:r>
+                      <a:endParaRPr kumimoji="1" lang="ja-JP" altLang="en-US" dirty="0"/>
+                    </a:p>
+                  </a:txBody>
+                  <a:tcPr/>
+                </a:tc>
+                <a:tc>
+                  <a:txBody>
+                    <a:bodyPr/>
+                    <a:lstStyle/>
+                    <a:p>
+                      <a:r>
+                        <a:rPr kumimoji="1" lang="en-US" altLang="ja-JP" dirty="0"/>
+                        <a:t>3000</a:t>
+                      </a:r>
+                      <a:endParaRPr kumimoji="1" lang="ja-JP" altLang="en-US" dirty="0"/>
+                    </a:p>
+                  </a:txBody>
+                  <a:tcPr/>
+                </a:tc>
+                <a:extLst>
+                  <a:ext uri="{0D108BD9-81ED-4DB2-BD59-A6C34878D82A}">
+                    <a16:rowId xmlns:a16="http://schemas.microsoft.com/office/drawing/2014/main" val="1248227337"/>
+                  </a:ext>
+                </a:extLst>
+              </a:tr>
+              <a:tr h="316188">
+                <a:tc>
+                  <a:txBody>
+                    <a:bodyPr/>
+                    <a:lstStyle/>
+                    <a:p>
+                      <a:r>
+                        <a:rPr kumimoji="1" lang="en-US" altLang="ja-JP" sz="1200" dirty="0"/>
+                        <a:t>Single</a:t>
+                      </a:r>
+                      <a:r>
+                        <a:rPr kumimoji="1" lang="ja-JP" altLang="en-US" sz="1200" dirty="0"/>
+                        <a:t> </a:t>
+                      </a:r>
+                      <a:r>
+                        <a:rPr kumimoji="1" lang="en-US" altLang="ja-JP" sz="1200" dirty="0"/>
+                        <a:t>room</a:t>
+                      </a:r>
+                      <a:endParaRPr kumimoji="1" lang="ja-JP" altLang="en-US" sz="1200" dirty="0"/>
+                    </a:p>
+                  </a:txBody>
+                  <a:tcPr/>
+                </a:tc>
+                <a:tc>
+                  <a:txBody>
+                    <a:bodyPr/>
+                    <a:lstStyle/>
+                    <a:p>
+                      <a:r>
+                        <a:rPr kumimoji="1" lang="en-US" altLang="ja-JP" dirty="0"/>
+                        <a:t>200</a:t>
+                      </a:r>
+                      <a:endParaRPr kumimoji="1" lang="ja-JP" altLang="en-US" dirty="0"/>
+                    </a:p>
+                  </a:txBody>
+                  <a:tcPr/>
+                </a:tc>
+                <a:tc>
+                  <a:txBody>
+                    <a:bodyPr/>
+                    <a:lstStyle/>
+                    <a:p>
+                      <a:r>
+                        <a:rPr kumimoji="1" lang="en-US" altLang="ja-JP" dirty="0"/>
+                        <a:t>500</a:t>
+                      </a:r>
+                      <a:endParaRPr kumimoji="1" lang="ja-JP" altLang="en-US" dirty="0"/>
+                    </a:p>
+                  </a:txBody>
+                  <a:tcPr/>
+                </a:tc>
+                <a:tc>
+                  <a:txBody>
+                    <a:bodyPr/>
+                    <a:lstStyle/>
+                    <a:p>
+                      <a:r>
+                        <a:rPr kumimoji="1" lang="en-US" altLang="ja-JP" dirty="0"/>
+                        <a:t>5000</a:t>
+                      </a:r>
+                      <a:endParaRPr kumimoji="1" lang="ja-JP" altLang="en-US" dirty="0"/>
+                    </a:p>
+                  </a:txBody>
+                  <a:tcPr/>
+                </a:tc>
+                <a:extLst>
+                  <a:ext uri="{0D108BD9-81ED-4DB2-BD59-A6C34878D82A}">
+                    <a16:rowId xmlns:a16="http://schemas.microsoft.com/office/drawing/2014/main" val="2386127515"/>
+                  </a:ext>
+                </a:extLst>
+              </a:tr>
+              <a:tr h="316188">
+                <a:tc>
+                  <a:txBody>
+                    <a:bodyPr/>
+                    <a:lstStyle/>
+                    <a:p>
+                      <a:r>
+                        <a:rPr kumimoji="1" lang="en-US" altLang="ja-JP" sz="1400" dirty="0"/>
+                        <a:t>…</a:t>
+                      </a:r>
+                      <a:endParaRPr kumimoji="1" lang="ja-JP" altLang="en-US" sz="1400" dirty="0"/>
+                    </a:p>
+                  </a:txBody>
+                  <a:tcPr/>
+                </a:tc>
+                <a:tc>
+                  <a:txBody>
+                    <a:bodyPr/>
+                    <a:lstStyle/>
+                    <a:p>
+                      <a:endParaRPr kumimoji="1" lang="ja-JP" altLang="en-US" dirty="0"/>
+                    </a:p>
+                  </a:txBody>
+                  <a:tcPr/>
+                </a:tc>
+                <a:tc>
+                  <a:txBody>
+                    <a:bodyPr/>
+                    <a:lstStyle/>
+                    <a:p>
+                      <a:endParaRPr kumimoji="1" lang="ja-JP" altLang="en-US" dirty="0"/>
+                    </a:p>
+                  </a:txBody>
+                  <a:tcPr/>
+                </a:tc>
+                <a:tc>
+                  <a:txBody>
+                    <a:bodyPr/>
+                    <a:lstStyle/>
+                    <a:p>
+                      <a:endParaRPr kumimoji="1" lang="ja-JP" altLang="en-US" dirty="0"/>
+                    </a:p>
+                  </a:txBody>
+                  <a:tcPr/>
+                </a:tc>
+                <a:extLst>
+                  <a:ext uri="{0D108BD9-81ED-4DB2-BD59-A6C34878D82A}">
+                    <a16:rowId xmlns:a16="http://schemas.microsoft.com/office/drawing/2014/main" val="3940284596"/>
+                  </a:ext>
+                </a:extLst>
+              </a:tr>
+            </a:tbl>
+          </a:graphicData>
+        </a:graphic>
+      </p:graphicFrame>
+      <p:sp>
+        <p:nvSpPr>
+          <p:cNvPr id="22" name="正方形/長方形 21">
+            <a:extLst>
+              <a:ext uri="{FF2B5EF4-FFF2-40B4-BE49-F238E27FC236}">
+                <a16:creationId xmlns:a16="http://schemas.microsoft.com/office/drawing/2014/main" id="{49F21CE7-9184-8F70-460C-13B3B81A3940}"/>
+              </a:ext>
+            </a:extLst>
+          </p:cNvPr>
+          <p:cNvSpPr/>
+          <p:nvPr/>
+        </p:nvSpPr>
+        <p:spPr>
+          <a:xfrm>
+            <a:off x="8787113" y="4026544"/>
+            <a:ext cx="1521033" cy="292359"/>
+          </a:xfrm>
+          <a:prstGeom prst="rect">
+            <a:avLst/>
+          </a:prstGeom>
+        </p:spPr>
+        <p:style>
+          <a:lnRef idx="2">
+            <a:schemeClr val="dk1"/>
+          </a:lnRef>
+          <a:fillRef idx="1">
+            <a:schemeClr val="lt1"/>
+          </a:fillRef>
+          <a:effectRef idx="0">
+            <a:schemeClr val="dk1"/>
+          </a:effectRef>
+          <a:fontRef idx="minor">
+            <a:schemeClr val="dk1"/>
+          </a:fontRef>
+        </p:style>
+        <p:txBody>
+          <a:bodyPr rtlCol="0" anchor="ctr"/>
+          <a:lstStyle/>
+          <a:p>
+            <a:pPr algn="ctr"/>
+            <a:r>
+              <a:rPr kumimoji="1" lang="en-US" altLang="ja-JP" dirty="0"/>
+              <a:t>Single room</a:t>
+            </a:r>
+            <a:endParaRPr kumimoji="1" lang="ja-JP" altLang="en-US" dirty="0"/>
+          </a:p>
+        </p:txBody>
+      </p:sp>
+      <p:sp>
+        <p:nvSpPr>
+          <p:cNvPr id="23" name="動作設定ボタン: 戻る/前へ 22">
+            <a:hlinkClick r:id="" action="ppaction://hlinkshowjump?jump=previousslide" highlightClick="1"/>
+            <a:extLst>
+              <a:ext uri="{FF2B5EF4-FFF2-40B4-BE49-F238E27FC236}">
+                <a16:creationId xmlns:a16="http://schemas.microsoft.com/office/drawing/2014/main" id="{14E1B59F-941A-09CD-2AA6-B07C5E64A421}"/>
+              </a:ext>
+            </a:extLst>
+          </p:cNvPr>
+          <p:cNvSpPr/>
+          <p:nvPr/>
+        </p:nvSpPr>
+        <p:spPr>
+          <a:xfrm rot="16200000">
+            <a:off x="10227775" y="4075110"/>
+            <a:ext cx="365145" cy="204403"/>
+          </a:xfrm>
+          <a:prstGeom prst="actionButtonBackPrevious">
+            <a:avLst/>
+          </a:prstGeom>
+        </p:spPr>
+        <p:style>
+          <a:lnRef idx="2">
+            <a:schemeClr val="dk1"/>
+          </a:lnRef>
+          <a:fillRef idx="1">
+            <a:schemeClr val="lt1"/>
+          </a:fillRef>
+          <a:effectRef idx="0">
+            <a:schemeClr val="dk1"/>
+          </a:effectRef>
+          <a:fontRef idx="minor">
+            <a:schemeClr val="dk1"/>
+          </a:fontRef>
+        </p:style>
+        <p:txBody>
+          <a:bodyPr rtlCol="0" anchor="ctr"/>
+          <a:lstStyle/>
+          <a:p>
+            <a:pPr algn="ctr"/>
+            <a:endParaRPr kumimoji="1" lang="ja-JP" altLang="en-US"/>
+          </a:p>
+        </p:txBody>
+      </p:sp>
+      <p:sp>
+        <p:nvSpPr>
+          <p:cNvPr id="24" name="正方形/長方形 23">
+            <a:extLst>
+              <a:ext uri="{FF2B5EF4-FFF2-40B4-BE49-F238E27FC236}">
+                <a16:creationId xmlns:a16="http://schemas.microsoft.com/office/drawing/2014/main" id="{B471E07D-D81F-F8D3-6E67-11D6974C0824}"/>
+              </a:ext>
+            </a:extLst>
+          </p:cNvPr>
+          <p:cNvSpPr/>
+          <p:nvPr/>
+        </p:nvSpPr>
+        <p:spPr>
+          <a:xfrm>
+            <a:off x="7935805" y="2726762"/>
+            <a:ext cx="193366" cy="914400"/>
+          </a:xfrm>
+          <a:prstGeom prst="rect">
+            <a:avLst/>
+          </a:prstGeom>
+        </p:spPr>
+        <p:style>
+          <a:lnRef idx="2">
+            <a:schemeClr val="dk1"/>
+          </a:lnRef>
+          <a:fillRef idx="1">
+            <a:schemeClr val="lt1"/>
+          </a:fillRef>
+          <a:effectRef idx="0">
+            <a:schemeClr val="dk1"/>
+          </a:effectRef>
+          <a:fontRef idx="minor">
+            <a:schemeClr val="dk1"/>
+          </a:fontRef>
+        </p:style>
+        <p:txBody>
+          <a:bodyPr rtlCol="0" anchor="ctr"/>
+          <a:lstStyle/>
+          <a:p>
+            <a:pPr algn="ctr"/>
+            <a:endParaRPr kumimoji="1" lang="ja-JP" altLang="en-US"/>
+          </a:p>
+        </p:txBody>
+      </p:sp>
+      <p:sp>
+        <p:nvSpPr>
+          <p:cNvPr id="25" name="動作設定ボタン: 戻る/前へ 24">
+            <a:hlinkClick r:id="" action="ppaction://hlinkshowjump?jump=previousslide" highlightClick="1"/>
+            <a:extLst>
+              <a:ext uri="{FF2B5EF4-FFF2-40B4-BE49-F238E27FC236}">
+                <a16:creationId xmlns:a16="http://schemas.microsoft.com/office/drawing/2014/main" id="{91296E73-F91C-F344-9144-880E85B03B56}"/>
+              </a:ext>
+            </a:extLst>
+          </p:cNvPr>
+          <p:cNvSpPr/>
+          <p:nvPr/>
+        </p:nvSpPr>
+        <p:spPr>
+          <a:xfrm rot="5400000">
+            <a:off x="7827179" y="2455256"/>
+            <a:ext cx="365145" cy="204403"/>
+          </a:xfrm>
+          <a:prstGeom prst="actionButtonBackPrevious">
+            <a:avLst/>
+          </a:prstGeom>
+        </p:spPr>
+        <p:style>
+          <a:lnRef idx="2">
+            <a:schemeClr val="dk1"/>
+          </a:lnRef>
+          <a:fillRef idx="1">
+            <a:schemeClr val="lt1"/>
+          </a:fillRef>
+          <a:effectRef idx="0">
+            <a:schemeClr val="dk1"/>
+          </a:effectRef>
+          <a:fontRef idx="minor">
+            <a:schemeClr val="dk1"/>
+          </a:fontRef>
+        </p:style>
+        <p:txBody>
+          <a:bodyPr rtlCol="0" anchor="ctr"/>
+          <a:lstStyle/>
+          <a:p>
+            <a:pPr algn="ctr"/>
+            <a:endParaRPr kumimoji="1" lang="ja-JP" altLang="en-US"/>
+          </a:p>
+        </p:txBody>
+      </p:sp>
+      <p:sp>
+        <p:nvSpPr>
+          <p:cNvPr id="26" name="動作設定ボタン: 戻る/前へ 25">
+            <a:hlinkClick r:id="" action="ppaction://hlinkshowjump?jump=previousslide" highlightClick="1"/>
+            <a:extLst>
+              <a:ext uri="{FF2B5EF4-FFF2-40B4-BE49-F238E27FC236}">
+                <a16:creationId xmlns:a16="http://schemas.microsoft.com/office/drawing/2014/main" id="{5AB54CDE-550E-F037-1C7E-2607947A55E6}"/>
+              </a:ext>
+            </a:extLst>
+          </p:cNvPr>
+          <p:cNvSpPr/>
+          <p:nvPr/>
+        </p:nvSpPr>
+        <p:spPr>
+          <a:xfrm rot="16200000">
+            <a:off x="7844397" y="3623389"/>
+            <a:ext cx="365145" cy="204403"/>
+          </a:xfrm>
+          <a:prstGeom prst="actionButtonBackPrevious">
+            <a:avLst/>
+          </a:prstGeom>
+        </p:spPr>
+        <p:style>
+          <a:lnRef idx="2">
+            <a:schemeClr val="dk1"/>
+          </a:lnRef>
+          <a:fillRef idx="1">
+            <a:schemeClr val="lt1"/>
+          </a:fillRef>
+          <a:effectRef idx="0">
+            <a:schemeClr val="dk1"/>
+          </a:effectRef>
+          <a:fontRef idx="minor">
+            <a:schemeClr val="dk1"/>
+          </a:fontRef>
+        </p:style>
+        <p:txBody>
+          <a:bodyPr rtlCol="0" anchor="ctr"/>
+          <a:lstStyle/>
+          <a:p>
+            <a:pPr algn="ctr"/>
+            <a:endParaRPr kumimoji="1" lang="ja-JP" altLang="en-US"/>
+          </a:p>
+        </p:txBody>
+      </p:sp>
+      <p:graphicFrame>
+        <p:nvGraphicFramePr>
+          <p:cNvPr id="27" name="表 26">
+            <a:extLst>
+              <a:ext uri="{FF2B5EF4-FFF2-40B4-BE49-F238E27FC236}">
+                <a16:creationId xmlns:a16="http://schemas.microsoft.com/office/drawing/2014/main" id="{0A3C6930-5411-4649-2795-52BD517A55AE}"/>
+              </a:ext>
+            </a:extLst>
+          </p:cNvPr>
+          <p:cNvGraphicFramePr>
+            <a:graphicFrameLocks noGrp="1"/>
+          </p:cNvGraphicFramePr>
+          <p:nvPr>
+            <p:extLst>
+              <p:ext uri="{D42A27DB-BD31-4B8C-83A1-F6EECF244321}">
+                <p14:modId xmlns:p14="http://schemas.microsoft.com/office/powerpoint/2010/main" val="1971012226"/>
+              </p:ext>
+            </p:extLst>
+          </p:nvPr>
+        </p:nvGraphicFramePr>
+        <p:xfrm>
+          <a:off x="3540018" y="4540639"/>
+          <a:ext cx="6768126" cy="1529080"/>
+        </p:xfrm>
+        <a:graphic>
+          <a:graphicData uri="http://schemas.openxmlformats.org/drawingml/2006/table">
+            <a:tbl>
+              <a:tblPr firstRow="1" bandRow="1">
+                <a:tableStyleId>{5C22544A-7EE6-4342-B048-85BDC9FD1C3A}</a:tableStyleId>
+              </a:tblPr>
+              <a:tblGrid>
+                <a:gridCol w="1128021">
+                  <a:extLst>
+                    <a:ext uri="{9D8B030D-6E8A-4147-A177-3AD203B41FA5}">
+                      <a16:colId xmlns:a16="http://schemas.microsoft.com/office/drawing/2014/main" val="3961256979"/>
+                    </a:ext>
+                  </a:extLst>
+                </a:gridCol>
+                <a:gridCol w="1128021">
+                  <a:extLst>
+                    <a:ext uri="{9D8B030D-6E8A-4147-A177-3AD203B41FA5}">
+                      <a16:colId xmlns:a16="http://schemas.microsoft.com/office/drawing/2014/main" val="192759414"/>
+                    </a:ext>
+                  </a:extLst>
+                </a:gridCol>
+                <a:gridCol w="1128021">
+                  <a:extLst>
+                    <a:ext uri="{9D8B030D-6E8A-4147-A177-3AD203B41FA5}">
+                      <a16:colId xmlns:a16="http://schemas.microsoft.com/office/drawing/2014/main" val="490794955"/>
+                    </a:ext>
+                  </a:extLst>
+                </a:gridCol>
+                <a:gridCol w="1128021">
+                  <a:extLst>
+                    <a:ext uri="{9D8B030D-6E8A-4147-A177-3AD203B41FA5}">
+                      <a16:colId xmlns:a16="http://schemas.microsoft.com/office/drawing/2014/main" val="2971086802"/>
+                    </a:ext>
+                  </a:extLst>
+                </a:gridCol>
+                <a:gridCol w="1128021">
+                  <a:extLst>
+                    <a:ext uri="{9D8B030D-6E8A-4147-A177-3AD203B41FA5}">
+                      <a16:colId xmlns:a16="http://schemas.microsoft.com/office/drawing/2014/main" val="1004931420"/>
+                    </a:ext>
+                  </a:extLst>
+                </a:gridCol>
+                <a:gridCol w="1128021">
+                  <a:extLst>
+                    <a:ext uri="{9D8B030D-6E8A-4147-A177-3AD203B41FA5}">
+                      <a16:colId xmlns:a16="http://schemas.microsoft.com/office/drawing/2014/main" val="892224834"/>
+                    </a:ext>
+                  </a:extLst>
+                </a:gridCol>
+              </a:tblGrid>
+              <a:tr h="370840">
+                <a:tc>
+                  <a:txBody>
+                    <a:bodyPr/>
+                    <a:lstStyle/>
+                    <a:p>
+                      <a:r>
+                        <a:rPr kumimoji="1" lang="en-US" altLang="ja-JP" dirty="0"/>
+                        <a:t>date</a:t>
+                      </a:r>
+                      <a:endParaRPr kumimoji="1" lang="ja-JP" altLang="en-US" dirty="0"/>
+                    </a:p>
+                  </a:txBody>
+                  <a:tcPr/>
+                </a:tc>
+                <a:tc>
+                  <a:txBody>
+                    <a:bodyPr/>
+                    <a:lstStyle/>
+                    <a:p>
+                      <a:r>
+                        <a:rPr kumimoji="1" lang="en-US" altLang="ja-JP" dirty="0"/>
+                        <a:t>country</a:t>
+                      </a:r>
+                      <a:endParaRPr kumimoji="1" lang="ja-JP" altLang="en-US" dirty="0"/>
+                    </a:p>
+                  </a:txBody>
+                  <a:tcPr/>
+                </a:tc>
+                <a:tc>
+                  <a:txBody>
+                    <a:bodyPr/>
+                    <a:lstStyle/>
+                    <a:p>
+                      <a:r>
+                        <a:rPr kumimoji="1" lang="en-US" altLang="ja-JP" dirty="0"/>
+                        <a:t>region</a:t>
+                      </a:r>
+                      <a:endParaRPr kumimoji="1" lang="ja-JP" altLang="en-US" dirty="0"/>
+                    </a:p>
+                  </a:txBody>
+                  <a:tcPr/>
+                </a:tc>
+                <a:tc>
+                  <a:txBody>
+                    <a:bodyPr/>
+                    <a:lstStyle/>
+                    <a:p>
+                      <a:r>
+                        <a:rPr kumimoji="1" lang="en-US" altLang="ja-JP" dirty="0"/>
+                        <a:t>price</a:t>
+                      </a:r>
+                      <a:endParaRPr kumimoji="1" lang="ja-JP" altLang="en-US" dirty="0"/>
+                    </a:p>
+                  </a:txBody>
+                  <a:tcPr/>
+                </a:tc>
+                <a:tc>
+                  <a:txBody>
+                    <a:bodyPr/>
+                    <a:lstStyle/>
+                    <a:p>
+                      <a:r>
+                        <a:rPr kumimoji="1" lang="en-US" altLang="ja-JP" dirty="0"/>
+                        <a:t>JPY</a:t>
+                      </a:r>
+                      <a:endParaRPr kumimoji="1" lang="ja-JP" altLang="en-US" dirty="0"/>
+                    </a:p>
+                  </a:txBody>
+                  <a:tcPr/>
+                </a:tc>
+                <a:tc>
+                  <a:txBody>
+                    <a:bodyPr/>
+                    <a:lstStyle/>
+                    <a:p>
+                      <a:r>
+                        <a:rPr kumimoji="1" lang="en-US" altLang="ja-JP" dirty="0"/>
+                        <a:t>memo</a:t>
+                      </a:r>
+                      <a:endParaRPr kumimoji="1" lang="ja-JP" altLang="en-US" dirty="0"/>
+                    </a:p>
+                  </a:txBody>
+                  <a:tcPr/>
+                </a:tc>
+                <a:extLst>
+                  <a:ext uri="{0D108BD9-81ED-4DB2-BD59-A6C34878D82A}">
+                    <a16:rowId xmlns:a16="http://schemas.microsoft.com/office/drawing/2014/main" val="2542749003"/>
+                  </a:ext>
+                </a:extLst>
+              </a:tr>
+              <a:tr h="370840">
+                <a:tc>
+                  <a:txBody>
+                    <a:bodyPr/>
+                    <a:lstStyle/>
+                    <a:p>
+                      <a:r>
+                        <a:rPr kumimoji="1" lang="en-US" altLang="ja-JP" sz="1600" dirty="0"/>
+                        <a:t>2022/11/1</a:t>
+                      </a:r>
+                      <a:endParaRPr kumimoji="1" lang="ja-JP" altLang="en-US" sz="1600" dirty="0"/>
+                    </a:p>
+                  </a:txBody>
+                  <a:tcPr/>
+                </a:tc>
+                <a:tc>
+                  <a:txBody>
+                    <a:bodyPr/>
+                    <a:lstStyle/>
+                    <a:p>
+                      <a:r>
+                        <a:rPr kumimoji="1" lang="en-US" altLang="ja-JP" dirty="0" err="1"/>
+                        <a:t>japan</a:t>
+                      </a:r>
+                      <a:endParaRPr kumimoji="1" lang="ja-JP" altLang="en-US" dirty="0"/>
+                    </a:p>
+                  </a:txBody>
+                  <a:tcPr/>
+                </a:tc>
+                <a:tc>
+                  <a:txBody>
+                    <a:bodyPr/>
+                    <a:lstStyle/>
+                    <a:p>
+                      <a:r>
+                        <a:rPr kumimoji="1" lang="en-US" altLang="ja-JP" dirty="0" err="1"/>
+                        <a:t>tokyo</a:t>
+                      </a:r>
+                      <a:endParaRPr kumimoji="1" lang="ja-JP" altLang="en-US" dirty="0"/>
+                    </a:p>
+                  </a:txBody>
+                  <a:tcPr/>
+                </a:tc>
+                <a:tc>
+                  <a:txBody>
+                    <a:bodyPr/>
+                    <a:lstStyle/>
+                    <a:p>
+                      <a:r>
+                        <a:rPr kumimoji="1" lang="en-US" altLang="ja-JP" dirty="0"/>
+                        <a:t>4000</a:t>
+                      </a:r>
+                      <a:endParaRPr kumimoji="1" lang="ja-JP" altLang="en-US" dirty="0"/>
+                    </a:p>
+                  </a:txBody>
+                  <a:tcPr/>
+                </a:tc>
+                <a:tc>
+                  <a:txBody>
+                    <a:bodyPr/>
+                    <a:lstStyle/>
+                    <a:p>
+                      <a:r>
+                        <a:rPr kumimoji="1" lang="en-US" altLang="ja-JP" dirty="0"/>
+                        <a:t>4000</a:t>
+                      </a:r>
+                      <a:endParaRPr kumimoji="1" lang="ja-JP" altLang="en-US" dirty="0"/>
+                    </a:p>
+                  </a:txBody>
+                  <a:tcPr/>
+                </a:tc>
+                <a:tc>
+                  <a:txBody>
+                    <a:bodyPr/>
+                    <a:lstStyle/>
+                    <a:p>
+                      <a:r>
+                        <a:rPr kumimoji="1" lang="en-US" altLang="ja-JP" dirty="0"/>
+                        <a:t>-</a:t>
+                      </a:r>
+                      <a:endParaRPr kumimoji="1" lang="ja-JP" altLang="en-US" dirty="0"/>
+                    </a:p>
+                  </a:txBody>
+                  <a:tcPr/>
+                </a:tc>
+                <a:extLst>
+                  <a:ext uri="{0D108BD9-81ED-4DB2-BD59-A6C34878D82A}">
+                    <a16:rowId xmlns:a16="http://schemas.microsoft.com/office/drawing/2014/main" val="2560975394"/>
+                  </a:ext>
+                </a:extLst>
+              </a:tr>
+              <a:tr h="370840">
+                <a:tc>
+                  <a:txBody>
+                    <a:bodyPr/>
+                    <a:lstStyle/>
+                    <a:p>
+                      <a:r>
+                        <a:rPr kumimoji="1" lang="en-US" altLang="ja-JP" sz="1600" dirty="0"/>
+                        <a:t>2022/11/2</a:t>
+                      </a:r>
+                      <a:endParaRPr kumimoji="1" lang="ja-JP" altLang="en-US" sz="1600" dirty="0"/>
+                    </a:p>
+                  </a:txBody>
+                  <a:tcPr/>
+                </a:tc>
+                <a:tc>
+                  <a:txBody>
+                    <a:bodyPr/>
+                    <a:lstStyle/>
+                    <a:p>
+                      <a:r>
+                        <a:rPr kumimoji="1" lang="en-US" altLang="ja-JP" dirty="0" err="1"/>
+                        <a:t>japan</a:t>
+                      </a:r>
+                      <a:endParaRPr kumimoji="1" lang="ja-JP" altLang="en-US" dirty="0"/>
+                    </a:p>
+                  </a:txBody>
+                  <a:tcPr/>
+                </a:tc>
+                <a:tc>
+                  <a:txBody>
+                    <a:bodyPr/>
+                    <a:lstStyle/>
+                    <a:p>
+                      <a:r>
+                        <a:rPr kumimoji="1" lang="en-US" altLang="ja-JP" dirty="0" err="1"/>
+                        <a:t>tokyo</a:t>
+                      </a:r>
+                      <a:endParaRPr kumimoji="1" lang="ja-JP" altLang="en-US" dirty="0"/>
+                    </a:p>
+                  </a:txBody>
+                  <a:tcPr/>
+                </a:tc>
+                <a:tc>
+                  <a:txBody>
+                    <a:bodyPr/>
+                    <a:lstStyle/>
+                    <a:p>
+                      <a:r>
+                        <a:rPr kumimoji="1" lang="en-US" altLang="ja-JP" dirty="0"/>
+                        <a:t>5000</a:t>
+                      </a:r>
+                      <a:endParaRPr kumimoji="1" lang="ja-JP" altLang="en-US" dirty="0"/>
+                    </a:p>
+                  </a:txBody>
+                  <a:tcPr/>
+                </a:tc>
+                <a:tc>
+                  <a:txBody>
+                    <a:bodyPr/>
+                    <a:lstStyle/>
+                    <a:p>
+                      <a:r>
+                        <a:rPr kumimoji="1" lang="en-US" altLang="ja-JP" dirty="0"/>
+                        <a:t>5000</a:t>
+                      </a:r>
+                      <a:endParaRPr kumimoji="1" lang="ja-JP" altLang="en-US" dirty="0"/>
+                    </a:p>
+                  </a:txBody>
+                  <a:tcPr/>
+                </a:tc>
+                <a:tc>
+                  <a:txBody>
+                    <a:bodyPr/>
+                    <a:lstStyle/>
+                    <a:p>
+                      <a:r>
+                        <a:rPr kumimoji="1" lang="en-US" altLang="ja-JP" dirty="0"/>
+                        <a:t>-</a:t>
+                      </a:r>
+                      <a:endParaRPr kumimoji="1" lang="ja-JP" altLang="en-US" dirty="0"/>
+                    </a:p>
+                  </a:txBody>
+                  <a:tcPr/>
+                </a:tc>
+                <a:extLst>
+                  <a:ext uri="{0D108BD9-81ED-4DB2-BD59-A6C34878D82A}">
+                    <a16:rowId xmlns:a16="http://schemas.microsoft.com/office/drawing/2014/main" val="2901386573"/>
+                  </a:ext>
+                </a:extLst>
+              </a:tr>
+            </a:tbl>
+          </a:graphicData>
+        </a:graphic>
+      </p:graphicFrame>
+      <p:sp>
+        <p:nvSpPr>
+          <p:cNvPr id="28" name="正方形/長方形 27">
+            <a:extLst>
+              <a:ext uri="{FF2B5EF4-FFF2-40B4-BE49-F238E27FC236}">
+                <a16:creationId xmlns:a16="http://schemas.microsoft.com/office/drawing/2014/main" id="{CE92AA0A-29F2-58FF-B718-FEA8ECD494A7}"/>
+              </a:ext>
+            </a:extLst>
+          </p:cNvPr>
+          <p:cNvSpPr/>
+          <p:nvPr/>
+        </p:nvSpPr>
+        <p:spPr>
+          <a:xfrm>
+            <a:off x="10301011" y="4915398"/>
+            <a:ext cx="184250" cy="903958"/>
+          </a:xfrm>
+          <a:prstGeom prst="rect">
+            <a:avLst/>
+          </a:prstGeom>
+        </p:spPr>
+        <p:style>
+          <a:lnRef idx="2">
+            <a:schemeClr val="dk1"/>
+          </a:lnRef>
+          <a:fillRef idx="1">
+            <a:schemeClr val="lt1"/>
+          </a:fillRef>
+          <a:effectRef idx="0">
+            <a:schemeClr val="dk1"/>
+          </a:effectRef>
+          <a:fontRef idx="minor">
+            <a:schemeClr val="dk1"/>
+          </a:fontRef>
+        </p:style>
+        <p:txBody>
+          <a:bodyPr rtlCol="0" anchor="ctr"/>
+          <a:lstStyle/>
+          <a:p>
+            <a:pPr algn="ctr"/>
+            <a:endParaRPr kumimoji="1" lang="ja-JP" altLang="en-US"/>
+          </a:p>
+        </p:txBody>
+      </p:sp>
+      <p:sp>
+        <p:nvSpPr>
+          <p:cNvPr id="29" name="動作設定ボタン: 戻る/前へ 28">
+            <a:hlinkClick r:id="" action="ppaction://hlinkshowjump?jump=previousslide" highlightClick="1"/>
+            <a:extLst>
+              <a:ext uri="{FF2B5EF4-FFF2-40B4-BE49-F238E27FC236}">
+                <a16:creationId xmlns:a16="http://schemas.microsoft.com/office/drawing/2014/main" id="{4E68CF44-E960-DADA-6C73-2320CE388C31}"/>
+              </a:ext>
+            </a:extLst>
+          </p:cNvPr>
+          <p:cNvSpPr/>
+          <p:nvPr/>
+        </p:nvSpPr>
+        <p:spPr>
+          <a:xfrm rot="5400000">
+            <a:off x="10208470" y="4638607"/>
+            <a:ext cx="369332" cy="184250"/>
+          </a:xfrm>
+          <a:prstGeom prst="actionButtonBackPrevious">
+            <a:avLst/>
+          </a:prstGeom>
+        </p:spPr>
+        <p:style>
+          <a:lnRef idx="2">
+            <a:schemeClr val="dk1"/>
+          </a:lnRef>
+          <a:fillRef idx="1">
+            <a:schemeClr val="lt1"/>
+          </a:fillRef>
+          <a:effectRef idx="0">
+            <a:schemeClr val="dk1"/>
+          </a:effectRef>
+          <a:fontRef idx="minor">
+            <a:schemeClr val="dk1"/>
+          </a:fontRef>
+        </p:style>
+        <p:txBody>
+          <a:bodyPr rtlCol="0" anchor="ctr"/>
+          <a:lstStyle/>
+          <a:p>
+            <a:pPr algn="ctr"/>
+            <a:endParaRPr kumimoji="1" lang="ja-JP" altLang="en-US"/>
+          </a:p>
+        </p:txBody>
+      </p:sp>
+      <p:sp>
+        <p:nvSpPr>
+          <p:cNvPr id="30" name="動作設定ボタン: 戻る/前へ 29">
+            <a:hlinkClick r:id="" action="ppaction://hlinkshowjump?jump=previousslide" highlightClick="1"/>
+            <a:extLst>
+              <a:ext uri="{FF2B5EF4-FFF2-40B4-BE49-F238E27FC236}">
+                <a16:creationId xmlns:a16="http://schemas.microsoft.com/office/drawing/2014/main" id="{DFA85525-D0C6-024B-A7E3-73DE2E89C43F}"/>
+              </a:ext>
+            </a:extLst>
+          </p:cNvPr>
+          <p:cNvSpPr/>
+          <p:nvPr/>
+        </p:nvSpPr>
+        <p:spPr>
+          <a:xfrm rot="16200000">
+            <a:off x="10251480" y="5893991"/>
+            <a:ext cx="250962" cy="170323"/>
+          </a:xfrm>
+          <a:prstGeom prst="actionButtonBackPrevious">
+            <a:avLst/>
+          </a:prstGeom>
+        </p:spPr>
+        <p:style>
+          <a:lnRef idx="2">
+            <a:schemeClr val="dk1"/>
+          </a:lnRef>
+          <a:fillRef idx="1">
+            <a:schemeClr val="lt1"/>
+          </a:fillRef>
+          <a:effectRef idx="0">
+            <a:schemeClr val="dk1"/>
+          </a:effectRef>
+          <a:fontRef idx="minor">
+            <a:schemeClr val="dk1"/>
+          </a:fontRef>
+        </p:style>
+        <p:txBody>
+          <a:bodyPr rtlCol="0" anchor="ctr"/>
+          <a:lstStyle/>
+          <a:p>
+            <a:pPr algn="ctr"/>
+            <a:endParaRPr kumimoji="1" lang="ja-JP" altLang="en-US"/>
+          </a:p>
+        </p:txBody>
+      </p:sp>
+      <p:sp>
+        <p:nvSpPr>
+          <p:cNvPr id="31" name="テキスト ボックス 30">
+            <a:extLst>
+              <a:ext uri="{FF2B5EF4-FFF2-40B4-BE49-F238E27FC236}">
+                <a16:creationId xmlns:a16="http://schemas.microsoft.com/office/drawing/2014/main" id="{3E18C0DC-6871-CCBD-5A03-C40F8F5FD82A}"/>
+              </a:ext>
+            </a:extLst>
+          </p:cNvPr>
+          <p:cNvSpPr txBox="1"/>
+          <p:nvPr/>
+        </p:nvSpPr>
+        <p:spPr>
+          <a:xfrm>
+            <a:off x="1169279" y="1613457"/>
+            <a:ext cx="2610678" cy="369332"/>
+          </a:xfrm>
+          <a:prstGeom prst="rect">
+            <a:avLst/>
+          </a:prstGeom>
+          <a:noFill/>
+        </p:spPr>
+        <p:txBody>
+          <a:bodyPr wrap="square" rtlCol="0">
+            <a:spAutoFit/>
+          </a:bodyPr>
+          <a:lstStyle/>
+          <a:p>
+            <a:r>
+              <a:rPr kumimoji="1" lang="ja-JP" altLang="en-US" dirty="0"/>
+              <a:t>〇〇〇〇</a:t>
+            </a:r>
+            <a:r>
+              <a:rPr kumimoji="1" lang="en-US" altLang="ja-JP" dirty="0"/>
+              <a:t>/</a:t>
+            </a:r>
+            <a:r>
+              <a:rPr lang="ja-JP" altLang="en-US" dirty="0"/>
+              <a:t>□□</a:t>
+            </a:r>
+            <a:r>
+              <a:rPr kumimoji="1" lang="en-US" altLang="ja-JP" dirty="0"/>
+              <a:t>/</a:t>
+            </a:r>
+            <a:r>
+              <a:rPr kumimoji="1" lang="ja-JP" altLang="en-US" dirty="0"/>
+              <a:t>△△</a:t>
+            </a:r>
+          </a:p>
+        </p:txBody>
+      </p:sp>
+      <p:sp>
+        <p:nvSpPr>
+          <p:cNvPr id="32" name="テキスト ボックス 31">
+            <a:extLst>
+              <a:ext uri="{FF2B5EF4-FFF2-40B4-BE49-F238E27FC236}">
+                <a16:creationId xmlns:a16="http://schemas.microsoft.com/office/drawing/2014/main" id="{7A2DD808-079B-F84C-3E21-93C6E468DC04}"/>
+              </a:ext>
+            </a:extLst>
+          </p:cNvPr>
+          <p:cNvSpPr txBox="1"/>
+          <p:nvPr/>
+        </p:nvSpPr>
+        <p:spPr>
+          <a:xfrm>
+            <a:off x="1860083" y="2076272"/>
+            <a:ext cx="459850" cy="369332"/>
+          </a:xfrm>
+          <a:prstGeom prst="rect">
+            <a:avLst/>
+          </a:prstGeom>
+          <a:noFill/>
+        </p:spPr>
+        <p:txBody>
+          <a:bodyPr wrap="square" rtlCol="0">
+            <a:spAutoFit/>
+          </a:bodyPr>
+          <a:lstStyle/>
+          <a:p>
+            <a:r>
+              <a:rPr kumimoji="1" lang="ja-JP" altLang="en-US" dirty="0"/>
+              <a:t>～</a:t>
+            </a:r>
+          </a:p>
+        </p:txBody>
+      </p:sp>
+      <p:sp>
+        <p:nvSpPr>
+          <p:cNvPr id="33" name="テキスト ボックス 32">
+            <a:extLst>
+              <a:ext uri="{FF2B5EF4-FFF2-40B4-BE49-F238E27FC236}">
+                <a16:creationId xmlns:a16="http://schemas.microsoft.com/office/drawing/2014/main" id="{68EA1AC4-A6E7-5FE8-14FD-783C35DB4E4A}"/>
+              </a:ext>
+            </a:extLst>
+          </p:cNvPr>
+          <p:cNvSpPr txBox="1"/>
+          <p:nvPr/>
+        </p:nvSpPr>
+        <p:spPr>
+          <a:xfrm>
+            <a:off x="1129087" y="2407136"/>
+            <a:ext cx="2610678" cy="369332"/>
+          </a:xfrm>
+          <a:prstGeom prst="rect">
+            <a:avLst/>
+          </a:prstGeom>
+          <a:noFill/>
+        </p:spPr>
+        <p:txBody>
+          <a:bodyPr wrap="square" rtlCol="0">
+            <a:spAutoFit/>
+          </a:bodyPr>
+          <a:lstStyle/>
+          <a:p>
+            <a:r>
+              <a:rPr kumimoji="1" lang="ja-JP" altLang="en-US" dirty="0"/>
+              <a:t>〇〇〇〇</a:t>
+            </a:r>
+            <a:r>
+              <a:rPr kumimoji="1" lang="en-US" altLang="ja-JP" dirty="0"/>
+              <a:t>/</a:t>
+            </a:r>
+            <a:r>
+              <a:rPr lang="ja-JP" altLang="en-US" dirty="0"/>
+              <a:t>□□</a:t>
+            </a:r>
+            <a:r>
+              <a:rPr kumimoji="1" lang="en-US" altLang="ja-JP" dirty="0"/>
+              <a:t>/</a:t>
+            </a:r>
+            <a:r>
+              <a:rPr kumimoji="1" lang="ja-JP" altLang="en-US" dirty="0"/>
+              <a:t>△△</a:t>
+            </a:r>
+          </a:p>
+        </p:txBody>
+      </p:sp>
+      <p:sp>
+        <p:nvSpPr>
+          <p:cNvPr id="34" name="正方形/長方形 33">
+            <a:extLst>
+              <a:ext uri="{FF2B5EF4-FFF2-40B4-BE49-F238E27FC236}">
+                <a16:creationId xmlns:a16="http://schemas.microsoft.com/office/drawing/2014/main" id="{695D404A-7BC1-6CE4-576B-F6198D9B1FE6}"/>
+              </a:ext>
+            </a:extLst>
+          </p:cNvPr>
+          <p:cNvSpPr/>
+          <p:nvPr/>
+        </p:nvSpPr>
+        <p:spPr>
+          <a:xfrm>
+            <a:off x="1939636" y="917912"/>
+            <a:ext cx="1423764" cy="2399015"/>
+          </a:xfrm>
+          <a:prstGeom prst="rect">
+            <a:avLst/>
+          </a:prstGeom>
+        </p:spPr>
+        <p:style>
+          <a:lnRef idx="2">
+            <a:schemeClr val="dk1"/>
+          </a:lnRef>
+          <a:fillRef idx="1">
+            <a:schemeClr val="lt1"/>
+          </a:fillRef>
+          <a:effectRef idx="0">
+            <a:schemeClr val="dk1"/>
+          </a:effectRef>
+          <a:fontRef idx="minor">
+            <a:schemeClr val="dk1"/>
+          </a:fontRef>
+        </p:style>
+        <p:txBody>
+          <a:bodyPr rtlCol="0" anchor="ctr"/>
+          <a:lstStyle/>
+          <a:p>
+            <a:pPr algn="ctr"/>
+            <a:endParaRPr kumimoji="1" lang="ja-JP" altLang="en-US"/>
+          </a:p>
+        </p:txBody>
+      </p:sp>
+      <p:sp>
+        <p:nvSpPr>
+          <p:cNvPr id="35" name="テキスト ボックス 34">
+            <a:extLst>
+              <a:ext uri="{FF2B5EF4-FFF2-40B4-BE49-F238E27FC236}">
+                <a16:creationId xmlns:a16="http://schemas.microsoft.com/office/drawing/2014/main" id="{34A61B40-4213-3625-B43E-F910943F4423}"/>
+              </a:ext>
+            </a:extLst>
+          </p:cNvPr>
+          <p:cNvSpPr txBox="1"/>
+          <p:nvPr/>
+        </p:nvSpPr>
+        <p:spPr>
+          <a:xfrm>
+            <a:off x="1939636" y="954464"/>
+            <a:ext cx="1361361" cy="2769989"/>
+          </a:xfrm>
+          <a:prstGeom prst="rect">
+            <a:avLst/>
+          </a:prstGeom>
+          <a:noFill/>
+        </p:spPr>
+        <p:txBody>
+          <a:bodyPr wrap="square" rtlCol="0">
+            <a:spAutoFit/>
+          </a:bodyPr>
+          <a:lstStyle/>
+          <a:p>
+            <a:r>
+              <a:rPr kumimoji="1" lang="en-US" altLang="ja-JP" dirty="0"/>
+              <a:t>World</a:t>
+            </a:r>
+          </a:p>
+          <a:p>
+            <a:r>
+              <a:rPr lang="en-US" altLang="ja-JP" dirty="0"/>
+              <a:t>East Asia</a:t>
+            </a:r>
+          </a:p>
+          <a:p>
+            <a:r>
+              <a:rPr lang="en-US" altLang="ja-JP" dirty="0"/>
+              <a:t>Europe</a:t>
+            </a:r>
+          </a:p>
+          <a:p>
+            <a:r>
+              <a:rPr lang="en-US" altLang="ja-JP" dirty="0"/>
+              <a:t>Africa</a:t>
+            </a:r>
+          </a:p>
+          <a:p>
+            <a:r>
+              <a:rPr kumimoji="1" lang="en-US" altLang="ja-JP" sz="1200" dirty="0"/>
+              <a:t>South America</a:t>
+            </a:r>
+          </a:p>
+          <a:p>
+            <a:r>
+              <a:rPr kumimoji="1" lang="en-US" altLang="ja-JP" dirty="0"/>
+              <a:t>Japan</a:t>
+            </a:r>
+          </a:p>
+          <a:p>
+            <a:r>
+              <a:rPr lang="en-US" altLang="ja-JP" dirty="0"/>
+              <a:t>USA</a:t>
+            </a:r>
+          </a:p>
+          <a:p>
+            <a:r>
+              <a:rPr kumimoji="1" lang="en-US" altLang="ja-JP" dirty="0"/>
+              <a:t>Canada</a:t>
+            </a:r>
+          </a:p>
+          <a:p>
+            <a:r>
+              <a:rPr kumimoji="1" lang="en-US" altLang="ja-JP" dirty="0"/>
+              <a:t>…</a:t>
+            </a:r>
+            <a:endParaRPr lang="en-US" altLang="ja-JP" dirty="0"/>
+          </a:p>
+          <a:p>
+            <a:endParaRPr kumimoji="1" lang="ja-JP" altLang="en-US" dirty="0"/>
+          </a:p>
+        </p:txBody>
+      </p:sp>
+      <p:sp>
+        <p:nvSpPr>
+          <p:cNvPr id="36" name="テキスト ボックス 35">
+            <a:extLst>
+              <a:ext uri="{FF2B5EF4-FFF2-40B4-BE49-F238E27FC236}">
+                <a16:creationId xmlns:a16="http://schemas.microsoft.com/office/drawing/2014/main" id="{2A55B900-C6BC-D516-6486-157F765AE86A}"/>
+              </a:ext>
+            </a:extLst>
+          </p:cNvPr>
+          <p:cNvSpPr txBox="1"/>
+          <p:nvPr/>
+        </p:nvSpPr>
+        <p:spPr>
+          <a:xfrm>
+            <a:off x="3628638" y="1461496"/>
+            <a:ext cx="1847352" cy="369332"/>
+          </a:xfrm>
+          <a:prstGeom prst="rect">
+            <a:avLst/>
+          </a:prstGeom>
+          <a:noFill/>
+        </p:spPr>
+        <p:txBody>
+          <a:bodyPr wrap="square" rtlCol="0">
+            <a:spAutoFit/>
+          </a:bodyPr>
+          <a:lstStyle/>
+          <a:p>
+            <a:r>
+              <a:rPr kumimoji="1" lang="en-US" altLang="ja-JP" dirty="0" err="1"/>
+              <a:t>Total:xxxxxx</a:t>
+            </a:r>
+            <a:r>
+              <a:rPr kumimoji="1" lang="ja-JP" altLang="en-US" dirty="0"/>
+              <a:t>円</a:t>
+            </a:r>
+          </a:p>
+        </p:txBody>
+      </p:sp>
+      <p:sp>
+        <p:nvSpPr>
+          <p:cNvPr id="13" name="四角形: 角を丸くする 12">
+            <a:extLst>
+              <a:ext uri="{FF2B5EF4-FFF2-40B4-BE49-F238E27FC236}">
+                <a16:creationId xmlns:a16="http://schemas.microsoft.com/office/drawing/2014/main" id="{F1C98899-2DC1-07E9-BA78-BAE958A05FFD}"/>
+              </a:ext>
+            </a:extLst>
+          </p:cNvPr>
+          <p:cNvSpPr/>
+          <p:nvPr/>
+        </p:nvSpPr>
+        <p:spPr>
+          <a:xfrm>
+            <a:off x="8136358" y="926725"/>
+            <a:ext cx="1598212" cy="369332"/>
+          </a:xfrm>
+          <a:prstGeom prst="roundRect">
+            <a:avLst/>
+          </a:prstGeom>
+        </p:spPr>
+        <p:style>
+          <a:lnRef idx="2">
+            <a:schemeClr val="dk1"/>
+          </a:lnRef>
+          <a:fillRef idx="1">
+            <a:schemeClr val="lt1"/>
+          </a:fillRef>
+          <a:effectRef idx="0">
+            <a:schemeClr val="dk1"/>
+          </a:effectRef>
+          <a:fontRef idx="minor">
+            <a:schemeClr val="dk1"/>
+          </a:fontRef>
+        </p:style>
+        <p:txBody>
+          <a:bodyPr rtlCol="0" anchor="ctr"/>
+          <a:lstStyle/>
+          <a:p>
+            <a:pPr algn="ctr"/>
+            <a:r>
+              <a:rPr kumimoji="1" lang="en-US" altLang="ja-JP" dirty="0"/>
+              <a:t>other</a:t>
+            </a:r>
+            <a:endParaRPr kumimoji="1" lang="ja-JP" altLang="en-US" dirty="0"/>
+          </a:p>
+        </p:txBody>
+      </p:sp>
+    </p:spTree>
+    <p:extLst>
+      <p:ext uri="{BB962C8B-B14F-4D97-AF65-F5344CB8AC3E}">
+        <p14:creationId xmlns:p14="http://schemas.microsoft.com/office/powerpoint/2010/main" val="2131532859"/>
+      </p:ext>
+    </p:extLst>
+  </p:cSld>
+  <p:clrMapOvr>
+    <a:masterClrMapping/>
+  </p:clrMapOvr>
+</p:sld>
+</file>
+
+<file path=ppt/slides/slide11.xml><?xml version="1.0" encoding="utf-8"?>
 <p:sld xmlns:a="http://schemas.openxmlformats.org/drawingml/2006/main" xmlns:r="http://schemas.openxmlformats.org/officeDocument/2006/relationships" xmlns:p="http://schemas.openxmlformats.org/presentationml/2006/main">
   <p:cSld>
     <p:spTree>
@@ -6195,7 +8317,7 @@
 </p:sld>
 </file>
 
-<file path=ppt/slides/slide11.xml><?xml version="1.0" encoding="utf-8"?>
+<file path=ppt/slides/slide12.xml><?xml version="1.0" encoding="utf-8"?>
 <p:sld xmlns:a="http://schemas.openxmlformats.org/drawingml/2006/main" xmlns:r="http://schemas.openxmlformats.org/officeDocument/2006/relationships" xmlns:p="http://schemas.openxmlformats.org/presentationml/2006/main">
   <p:cSld>
     <p:spTree>
@@ -8261,7 +10383,7 @@
 </p:sld>
 </file>
 
-<file path=ppt/slides/slide12.xml><?xml version="1.0" encoding="utf-8"?>
+<file path=ppt/slides/slide13.xml><?xml version="1.0" encoding="utf-8"?>
 <p:sld xmlns:a="http://schemas.openxmlformats.org/drawingml/2006/main" xmlns:r="http://schemas.openxmlformats.org/officeDocument/2006/relationships" xmlns:p="http://schemas.openxmlformats.org/presentationml/2006/main">
   <p:cSld>
     <p:spTree>
@@ -10405,90 +12527,6 @@
 </p:sld>
 </file>
 
-<file path=ppt/slides/slide13.xml><?xml version="1.0" encoding="utf-8"?>
-<p:sld xmlns:a="http://schemas.openxmlformats.org/drawingml/2006/main" xmlns:r="http://schemas.openxmlformats.org/officeDocument/2006/relationships" xmlns:p="http://schemas.openxmlformats.org/presentationml/2006/main">
-  <p:cSld>
-    <p:spTree>
-      <p:nvGrpSpPr>
-        <p:cNvPr id="1" name=""/>
-        <p:cNvGrpSpPr/>
-        <p:nvPr/>
-      </p:nvGrpSpPr>
-      <p:grpSpPr>
-        <a:xfrm>
-          <a:off x="0" y="0"/>
-          <a:ext cx="0" cy="0"/>
-          <a:chOff x="0" y="0"/>
-          <a:chExt cx="0" cy="0"/>
-        </a:xfrm>
-      </p:grpSpPr>
-      <p:sp>
-        <p:nvSpPr>
-          <p:cNvPr id="2" name="タイトル 1">
-            <a:extLst>
-              <a:ext uri="{FF2B5EF4-FFF2-40B4-BE49-F238E27FC236}">
-                <a16:creationId xmlns:a16="http://schemas.microsoft.com/office/drawing/2014/main" id="{494D604C-50A4-1D2B-F01C-C2EFE5AFACFF}"/>
-              </a:ext>
-            </a:extLst>
-          </p:cNvPr>
-          <p:cNvSpPr>
-            <a:spLocks noGrp="1"/>
-          </p:cNvSpPr>
-          <p:nvPr>
-            <p:ph type="title"/>
-          </p:nvPr>
-        </p:nvSpPr>
-        <p:spPr/>
-        <p:txBody>
-          <a:bodyPr/>
-          <a:lstStyle/>
-          <a:p>
-            <a:r>
-              <a:rPr kumimoji="1" lang="en-US" altLang="ja-JP" dirty="0" err="1"/>
-              <a:t>apendix</a:t>
-            </a:r>
-            <a:endParaRPr kumimoji="1" lang="ja-JP" altLang="en-US" dirty="0"/>
-          </a:p>
-        </p:txBody>
-      </p:sp>
-      <p:sp>
-        <p:nvSpPr>
-          <p:cNvPr id="3" name="テキスト プレースホルダー 2">
-            <a:extLst>
-              <a:ext uri="{FF2B5EF4-FFF2-40B4-BE49-F238E27FC236}">
-                <a16:creationId xmlns:a16="http://schemas.microsoft.com/office/drawing/2014/main" id="{6338C58D-8DB4-C6DD-9905-74CBD161ECC9}"/>
-              </a:ext>
-            </a:extLst>
-          </p:cNvPr>
-          <p:cNvSpPr>
-            <a:spLocks noGrp="1"/>
-          </p:cNvSpPr>
-          <p:nvPr>
-            <p:ph type="body" idx="1"/>
-          </p:nvPr>
-        </p:nvSpPr>
-        <p:spPr/>
-        <p:txBody>
-          <a:bodyPr/>
-          <a:lstStyle/>
-          <a:p>
-            <a:endParaRPr kumimoji="1" lang="ja-JP" altLang="en-US"/>
-          </a:p>
-        </p:txBody>
-      </p:sp>
-    </p:spTree>
-    <p:extLst>
-      <p:ext uri="{BB962C8B-B14F-4D97-AF65-F5344CB8AC3E}">
-        <p14:creationId xmlns:p14="http://schemas.microsoft.com/office/powerpoint/2010/main" val="4117684095"/>
-      </p:ext>
-    </p:extLst>
-  </p:cSld>
-  <p:clrMapOvr>
-    <a:masterClrMapping/>
-  </p:clrMapOvr>
-</p:sld>
-</file>
-
 <file path=ppt/slides/slide14.xml><?xml version="1.0" encoding="utf-8"?>
 <p:sld xmlns:a="http://schemas.openxmlformats.org/drawingml/2006/main" xmlns:r="http://schemas.openxmlformats.org/officeDocument/2006/relationships" xmlns:p="http://schemas.openxmlformats.org/presentationml/2006/main">
   <p:cSld>
@@ -10506,40 +12544,64 @@
           <a:chExt cx="0" cy="0"/>
         </a:xfrm>
       </p:grpSpPr>
-      <p:pic>
-        <p:nvPicPr>
-          <p:cNvPr id="3" name="図 2">
-            <a:extLst>
-              <a:ext uri="{FF2B5EF4-FFF2-40B4-BE49-F238E27FC236}">
-                <a16:creationId xmlns:a16="http://schemas.microsoft.com/office/drawing/2014/main" id="{F5498A17-9BD6-367B-B018-92B11178682E}"/>
-              </a:ext>
-            </a:extLst>
-          </p:cNvPr>
-          <p:cNvPicPr>
-            <a:picLocks noChangeAspect="1"/>
-          </p:cNvPicPr>
-          <p:nvPr/>
-        </p:nvPicPr>
-        <p:blipFill>
-          <a:blip r:embed="rId2"/>
-          <a:stretch>
-            <a:fillRect/>
-          </a:stretch>
-        </p:blipFill>
-        <p:spPr>
-          <a:xfrm>
-            <a:off x="648162" y="409528"/>
-            <a:ext cx="7486650" cy="5648325"/>
-          </a:xfrm>
-          <a:prstGeom prst="rect">
-            <a:avLst/>
-          </a:prstGeom>
-        </p:spPr>
-      </p:pic>
+      <p:sp>
+        <p:nvSpPr>
+          <p:cNvPr id="2" name="タイトル 1">
+            <a:extLst>
+              <a:ext uri="{FF2B5EF4-FFF2-40B4-BE49-F238E27FC236}">
+                <a16:creationId xmlns:a16="http://schemas.microsoft.com/office/drawing/2014/main" id="{494D604C-50A4-1D2B-F01C-C2EFE5AFACFF}"/>
+              </a:ext>
+            </a:extLst>
+          </p:cNvPr>
+          <p:cNvSpPr>
+            <a:spLocks noGrp="1"/>
+          </p:cNvSpPr>
+          <p:nvPr>
+            <p:ph type="title"/>
+          </p:nvPr>
+        </p:nvSpPr>
+        <p:spPr/>
+        <p:txBody>
+          <a:bodyPr/>
+          <a:lstStyle/>
+          <a:p>
+            <a:r>
+              <a:rPr kumimoji="1" lang="en-US" altLang="ja-JP" dirty="0" err="1"/>
+              <a:t>apendix</a:t>
+            </a:r>
+            <a:endParaRPr kumimoji="1" lang="ja-JP" altLang="en-US" dirty="0"/>
+          </a:p>
+        </p:txBody>
+      </p:sp>
+      <p:sp>
+        <p:nvSpPr>
+          <p:cNvPr id="3" name="テキスト プレースホルダー 2">
+            <a:extLst>
+              <a:ext uri="{FF2B5EF4-FFF2-40B4-BE49-F238E27FC236}">
+                <a16:creationId xmlns:a16="http://schemas.microsoft.com/office/drawing/2014/main" id="{6338C58D-8DB4-C6DD-9905-74CBD161ECC9}"/>
+              </a:ext>
+            </a:extLst>
+          </p:cNvPr>
+          <p:cNvSpPr>
+            <a:spLocks noGrp="1"/>
+          </p:cNvSpPr>
+          <p:nvPr>
+            <p:ph type="body" idx="1"/>
+          </p:nvPr>
+        </p:nvSpPr>
+        <p:spPr/>
+        <p:txBody>
+          <a:bodyPr/>
+          <a:lstStyle/>
+          <a:p>
+            <a:endParaRPr kumimoji="1" lang="ja-JP" altLang="en-US"/>
+          </a:p>
+        </p:txBody>
+      </p:sp>
     </p:spTree>
     <p:extLst>
       <p:ext uri="{BB962C8B-B14F-4D97-AF65-F5344CB8AC3E}">
-        <p14:creationId xmlns:p14="http://schemas.microsoft.com/office/powerpoint/2010/main" val="168639449"/>
+        <p14:creationId xmlns:p14="http://schemas.microsoft.com/office/powerpoint/2010/main" val="4117684095"/>
       </p:ext>
     </p:extLst>
   </p:cSld>
@@ -10571,7 +12633,7 @@
           <p:cNvPr id="3" name="図 2">
             <a:extLst>
               <a:ext uri="{FF2B5EF4-FFF2-40B4-BE49-F238E27FC236}">
-                <a16:creationId xmlns:a16="http://schemas.microsoft.com/office/drawing/2014/main" id="{7289B06E-7202-CF40-AB3B-4729880B5E01}"/>
+                <a16:creationId xmlns:a16="http://schemas.microsoft.com/office/drawing/2014/main" id="{F5498A17-9BD6-367B-B018-92B11178682E}"/>
               </a:ext>
             </a:extLst>
           </p:cNvPr>
@@ -10588,7 +12650,7 @@
         </p:blipFill>
         <p:spPr>
           <a:xfrm>
-            <a:off x="2352675" y="604837"/>
+            <a:off x="648162" y="409528"/>
             <a:ext cx="7486650" cy="5648325"/>
           </a:xfrm>
           <a:prstGeom prst="rect">
@@ -10599,7 +12661,7 @@
     </p:spTree>
     <p:extLst>
       <p:ext uri="{BB962C8B-B14F-4D97-AF65-F5344CB8AC3E}">
-        <p14:creationId xmlns:p14="http://schemas.microsoft.com/office/powerpoint/2010/main" val="772665974"/>
+        <p14:creationId xmlns:p14="http://schemas.microsoft.com/office/powerpoint/2010/main" val="168639449"/>
       </p:ext>
     </p:extLst>
   </p:cSld>
@@ -10631,6 +12693,66 @@
           <p:cNvPr id="3" name="図 2">
             <a:extLst>
               <a:ext uri="{FF2B5EF4-FFF2-40B4-BE49-F238E27FC236}">
+                <a16:creationId xmlns:a16="http://schemas.microsoft.com/office/drawing/2014/main" id="{7289B06E-7202-CF40-AB3B-4729880B5E01}"/>
+              </a:ext>
+            </a:extLst>
+          </p:cNvPr>
+          <p:cNvPicPr>
+            <a:picLocks noChangeAspect="1"/>
+          </p:cNvPicPr>
+          <p:nvPr/>
+        </p:nvPicPr>
+        <p:blipFill>
+          <a:blip r:embed="rId2"/>
+          <a:stretch>
+            <a:fillRect/>
+          </a:stretch>
+        </p:blipFill>
+        <p:spPr>
+          <a:xfrm>
+            <a:off x="2352675" y="604837"/>
+            <a:ext cx="7486650" cy="5648325"/>
+          </a:xfrm>
+          <a:prstGeom prst="rect">
+            <a:avLst/>
+          </a:prstGeom>
+        </p:spPr>
+      </p:pic>
+    </p:spTree>
+    <p:extLst>
+      <p:ext uri="{BB962C8B-B14F-4D97-AF65-F5344CB8AC3E}">
+        <p14:creationId xmlns:p14="http://schemas.microsoft.com/office/powerpoint/2010/main" val="772665974"/>
+      </p:ext>
+    </p:extLst>
+  </p:cSld>
+  <p:clrMapOvr>
+    <a:masterClrMapping/>
+  </p:clrMapOvr>
+</p:sld>
+</file>
+
+<file path=ppt/slides/slide17.xml><?xml version="1.0" encoding="utf-8"?>
+<p:sld xmlns:a="http://schemas.openxmlformats.org/drawingml/2006/main" xmlns:r="http://schemas.openxmlformats.org/officeDocument/2006/relationships" xmlns:p="http://schemas.openxmlformats.org/presentationml/2006/main">
+  <p:cSld>
+    <p:spTree>
+      <p:nvGrpSpPr>
+        <p:cNvPr id="1" name=""/>
+        <p:cNvGrpSpPr/>
+        <p:nvPr/>
+      </p:nvGrpSpPr>
+      <p:grpSpPr>
+        <a:xfrm>
+          <a:off x="0" y="0"/>
+          <a:ext cx="0" cy="0"/>
+          <a:chOff x="0" y="0"/>
+          <a:chExt cx="0" cy="0"/>
+        </a:xfrm>
+      </p:grpSpPr>
+      <p:pic>
+        <p:nvPicPr>
+          <p:cNvPr id="3" name="図 2">
+            <a:extLst>
+              <a:ext uri="{FF2B5EF4-FFF2-40B4-BE49-F238E27FC236}">
                 <a16:creationId xmlns:a16="http://schemas.microsoft.com/office/drawing/2014/main" id="{2BE5274E-8C1B-5D48-AF15-A14493583170}"/>
               </a:ext>
             </a:extLst>
@@ -10669,7 +12791,7 @@
 </p:sld>
 </file>
 
-<file path=ppt/slides/slide17.xml><?xml version="1.0" encoding="utf-8"?>
+<file path=ppt/slides/slide18.xml><?xml version="1.0" encoding="utf-8"?>
 <p:sld xmlns:a="http://schemas.openxmlformats.org/drawingml/2006/main" xmlns:r="http://schemas.openxmlformats.org/officeDocument/2006/relationships" xmlns:p="http://schemas.openxmlformats.org/presentationml/2006/main">
   <p:cSld>
     <p:spTree>
@@ -11685,6 +13807,574 @@
       </p:grpSpPr>
       <p:sp>
         <p:nvSpPr>
+          <p:cNvPr id="2" name="正方形/長方形 1">
+            <a:extLst>
+              <a:ext uri="{FF2B5EF4-FFF2-40B4-BE49-F238E27FC236}">
+                <a16:creationId xmlns:a16="http://schemas.microsoft.com/office/drawing/2014/main" id="{76800DCD-6302-6AAC-0550-67BAC8A7D479}"/>
+              </a:ext>
+            </a:extLst>
+          </p:cNvPr>
+          <p:cNvSpPr/>
+          <p:nvPr/>
+        </p:nvSpPr>
+        <p:spPr>
+          <a:xfrm>
+            <a:off x="1940943" y="1257854"/>
+            <a:ext cx="5434642" cy="3124366"/>
+          </a:xfrm>
+          <a:prstGeom prst="rect">
+            <a:avLst/>
+          </a:prstGeom>
+        </p:spPr>
+        <p:style>
+          <a:lnRef idx="2">
+            <a:schemeClr val="dk1"/>
+          </a:lnRef>
+          <a:fillRef idx="1">
+            <a:schemeClr val="lt1"/>
+          </a:fillRef>
+          <a:effectRef idx="0">
+            <a:schemeClr val="dk1"/>
+          </a:effectRef>
+          <a:fontRef idx="minor">
+            <a:schemeClr val="dk1"/>
+          </a:fontRef>
+        </p:style>
+        <p:txBody>
+          <a:bodyPr rtlCol="0" anchor="ctr"/>
+          <a:lstStyle/>
+          <a:p>
+            <a:pPr algn="ctr"/>
+            <a:endParaRPr kumimoji="1" lang="ja-JP" altLang="en-US"/>
+          </a:p>
+        </p:txBody>
+      </p:sp>
+      <p:sp>
+        <p:nvSpPr>
+          <p:cNvPr id="3" name="テキスト ボックス 2">
+            <a:extLst>
+              <a:ext uri="{FF2B5EF4-FFF2-40B4-BE49-F238E27FC236}">
+                <a16:creationId xmlns:a16="http://schemas.microsoft.com/office/drawing/2014/main" id="{7EDB7229-B837-3EC6-B13D-157B656AA821}"/>
+              </a:ext>
+            </a:extLst>
+          </p:cNvPr>
+          <p:cNvSpPr txBox="1"/>
+          <p:nvPr/>
+        </p:nvSpPr>
+        <p:spPr>
+          <a:xfrm>
+            <a:off x="1940943" y="759125"/>
+            <a:ext cx="1587261" cy="369332"/>
+          </a:xfrm>
+          <a:prstGeom prst="rect">
+            <a:avLst/>
+          </a:prstGeom>
+          <a:noFill/>
+        </p:spPr>
+        <p:txBody>
+          <a:bodyPr wrap="square" rtlCol="0">
+            <a:spAutoFit/>
+          </a:bodyPr>
+          <a:lstStyle/>
+          <a:p>
+            <a:r>
+              <a:rPr kumimoji="1" lang="en-US" altLang="ja-JP" dirty="0" err="1"/>
+              <a:t>Sydny</a:t>
+            </a:r>
+            <a:endParaRPr kumimoji="1" lang="ja-JP" altLang="en-US" dirty="0"/>
+          </a:p>
+        </p:txBody>
+      </p:sp>
+      <p:sp>
+        <p:nvSpPr>
+          <p:cNvPr id="4" name="正方形/長方形 3">
+            <a:extLst>
+              <a:ext uri="{FF2B5EF4-FFF2-40B4-BE49-F238E27FC236}">
+                <a16:creationId xmlns:a16="http://schemas.microsoft.com/office/drawing/2014/main" id="{D076F1BF-8494-1A5A-D439-6E2EB9BC8226}"/>
+              </a:ext>
+            </a:extLst>
+          </p:cNvPr>
+          <p:cNvSpPr/>
+          <p:nvPr/>
+        </p:nvSpPr>
+        <p:spPr>
+          <a:xfrm>
+            <a:off x="4093235" y="740269"/>
+            <a:ext cx="2872596" cy="369332"/>
+          </a:xfrm>
+          <a:prstGeom prst="rect">
+            <a:avLst/>
+          </a:prstGeom>
+        </p:spPr>
+        <p:style>
+          <a:lnRef idx="2">
+            <a:schemeClr val="dk1"/>
+          </a:lnRef>
+          <a:fillRef idx="1">
+            <a:schemeClr val="lt1"/>
+          </a:fillRef>
+          <a:effectRef idx="0">
+            <a:schemeClr val="dk1"/>
+          </a:effectRef>
+          <a:fontRef idx="minor">
+            <a:schemeClr val="dk1"/>
+          </a:fontRef>
+        </p:style>
+        <p:txBody>
+          <a:bodyPr rtlCol="0" anchor="ctr"/>
+          <a:lstStyle/>
+          <a:p>
+            <a:pPr algn="ctr"/>
+            <a:r>
+              <a:rPr kumimoji="1" lang="en-US" altLang="ja-JP" dirty="0"/>
+              <a:t>2022/05/16-2022/06/10</a:t>
+            </a:r>
+            <a:endParaRPr kumimoji="1" lang="ja-JP" altLang="en-US" dirty="0"/>
+          </a:p>
+        </p:txBody>
+      </p:sp>
+      <p:sp>
+        <p:nvSpPr>
+          <p:cNvPr id="5" name="矢印: 右 4">
+            <a:extLst>
+              <a:ext uri="{FF2B5EF4-FFF2-40B4-BE49-F238E27FC236}">
+                <a16:creationId xmlns:a16="http://schemas.microsoft.com/office/drawing/2014/main" id="{5B01E189-9DE4-1CB2-5A76-2CFB088BE029}"/>
+              </a:ext>
+            </a:extLst>
+          </p:cNvPr>
+          <p:cNvSpPr/>
+          <p:nvPr/>
+        </p:nvSpPr>
+        <p:spPr>
+          <a:xfrm rot="5400000">
+            <a:off x="7030529" y="675571"/>
+            <a:ext cx="388188" cy="517584"/>
+          </a:xfrm>
+          <a:prstGeom prst="rightArrow">
+            <a:avLst/>
+          </a:prstGeom>
+        </p:spPr>
+        <p:style>
+          <a:lnRef idx="2">
+            <a:schemeClr val="dk1">
+              <a:shade val="15000"/>
+            </a:schemeClr>
+          </a:lnRef>
+          <a:fillRef idx="1">
+            <a:schemeClr val="dk1"/>
+          </a:fillRef>
+          <a:effectRef idx="0">
+            <a:schemeClr val="dk1"/>
+          </a:effectRef>
+          <a:fontRef idx="minor">
+            <a:schemeClr val="lt1"/>
+          </a:fontRef>
+        </p:style>
+        <p:txBody>
+          <a:bodyPr rtlCol="0" anchor="ctr"/>
+          <a:lstStyle/>
+          <a:p>
+            <a:pPr algn="ctr"/>
+            <a:endParaRPr kumimoji="1" lang="ja-JP" altLang="en-US"/>
+          </a:p>
+        </p:txBody>
+      </p:sp>
+      <p:sp>
+        <p:nvSpPr>
+          <p:cNvPr id="6" name="テキスト ボックス 5">
+            <a:extLst>
+              <a:ext uri="{FF2B5EF4-FFF2-40B4-BE49-F238E27FC236}">
+                <a16:creationId xmlns:a16="http://schemas.microsoft.com/office/drawing/2014/main" id="{2D3E0155-A021-7AA7-0052-1CB5AD78C5AC}"/>
+              </a:ext>
+            </a:extLst>
+          </p:cNvPr>
+          <p:cNvSpPr txBox="1"/>
+          <p:nvPr/>
+        </p:nvSpPr>
+        <p:spPr>
+          <a:xfrm>
+            <a:off x="2449902" y="1423358"/>
+            <a:ext cx="1643333" cy="369332"/>
+          </a:xfrm>
+          <a:prstGeom prst="rect">
+            <a:avLst/>
+          </a:prstGeom>
+          <a:noFill/>
+        </p:spPr>
+        <p:txBody>
+          <a:bodyPr wrap="square" rtlCol="0">
+            <a:spAutoFit/>
+          </a:bodyPr>
+          <a:lstStyle/>
+          <a:p>
+            <a:r>
+              <a:rPr kumimoji="1" lang="en-US" altLang="ja-JP" dirty="0"/>
+              <a:t>Event</a:t>
+            </a:r>
+            <a:endParaRPr kumimoji="1" lang="ja-JP" altLang="en-US" dirty="0"/>
+          </a:p>
+        </p:txBody>
+      </p:sp>
+      <p:sp>
+        <p:nvSpPr>
+          <p:cNvPr id="7" name="矢印: 右 6">
+            <a:extLst>
+              <a:ext uri="{FF2B5EF4-FFF2-40B4-BE49-F238E27FC236}">
+                <a16:creationId xmlns:a16="http://schemas.microsoft.com/office/drawing/2014/main" id="{D0DD830C-4587-3F8F-5FA4-DCA59596DE79}"/>
+              </a:ext>
+            </a:extLst>
+          </p:cNvPr>
+          <p:cNvSpPr/>
+          <p:nvPr/>
+        </p:nvSpPr>
+        <p:spPr>
+          <a:xfrm>
+            <a:off x="621102" y="2044461"/>
+            <a:ext cx="897147" cy="1017917"/>
+          </a:xfrm>
+          <a:prstGeom prst="rightArrow">
+            <a:avLst/>
+          </a:prstGeom>
+        </p:spPr>
+        <p:style>
+          <a:lnRef idx="2">
+            <a:schemeClr val="dk1">
+              <a:shade val="15000"/>
+            </a:schemeClr>
+          </a:lnRef>
+          <a:fillRef idx="1">
+            <a:schemeClr val="dk1"/>
+          </a:fillRef>
+          <a:effectRef idx="0">
+            <a:schemeClr val="dk1"/>
+          </a:effectRef>
+          <a:fontRef idx="minor">
+            <a:schemeClr val="lt1"/>
+          </a:fontRef>
+        </p:style>
+        <p:txBody>
+          <a:bodyPr rtlCol="0" anchor="ctr"/>
+          <a:lstStyle/>
+          <a:p>
+            <a:pPr algn="ctr"/>
+            <a:endParaRPr kumimoji="1" lang="ja-JP" altLang="en-US"/>
+          </a:p>
+        </p:txBody>
+      </p:sp>
+      <p:sp>
+        <p:nvSpPr>
+          <p:cNvPr id="8" name="矢印: 右 7">
+            <a:extLst>
+              <a:ext uri="{FF2B5EF4-FFF2-40B4-BE49-F238E27FC236}">
+                <a16:creationId xmlns:a16="http://schemas.microsoft.com/office/drawing/2014/main" id="{E73E7AB9-4BB4-F1ED-F892-36E3974D002C}"/>
+              </a:ext>
+            </a:extLst>
+          </p:cNvPr>
+          <p:cNvSpPr/>
+          <p:nvPr/>
+        </p:nvSpPr>
+        <p:spPr>
+          <a:xfrm>
+            <a:off x="7737894" y="2182482"/>
+            <a:ext cx="897147" cy="1017917"/>
+          </a:xfrm>
+          <a:prstGeom prst="rightArrow">
+            <a:avLst/>
+          </a:prstGeom>
+        </p:spPr>
+        <p:style>
+          <a:lnRef idx="2">
+            <a:schemeClr val="dk1">
+              <a:shade val="15000"/>
+            </a:schemeClr>
+          </a:lnRef>
+          <a:fillRef idx="1">
+            <a:schemeClr val="dk1"/>
+          </a:fillRef>
+          <a:effectRef idx="0">
+            <a:schemeClr val="dk1"/>
+          </a:effectRef>
+          <a:fontRef idx="minor">
+            <a:schemeClr val="lt1"/>
+          </a:fontRef>
+        </p:style>
+        <p:txBody>
+          <a:bodyPr rtlCol="0" anchor="ctr"/>
+          <a:lstStyle/>
+          <a:p>
+            <a:pPr algn="ctr"/>
+            <a:endParaRPr kumimoji="1" lang="ja-JP" altLang="en-US"/>
+          </a:p>
+        </p:txBody>
+      </p:sp>
+      <p:sp>
+        <p:nvSpPr>
+          <p:cNvPr id="9" name="矢印: 右 8">
+            <a:extLst>
+              <a:ext uri="{FF2B5EF4-FFF2-40B4-BE49-F238E27FC236}">
+                <a16:creationId xmlns:a16="http://schemas.microsoft.com/office/drawing/2014/main" id="{FF7A5C95-F047-4EB8-0288-FE07ADFC2966}"/>
+              </a:ext>
+            </a:extLst>
+          </p:cNvPr>
+          <p:cNvSpPr/>
+          <p:nvPr/>
+        </p:nvSpPr>
+        <p:spPr>
+          <a:xfrm rot="16200000">
+            <a:off x="2035834" y="4576315"/>
+            <a:ext cx="983411" cy="854015"/>
+          </a:xfrm>
+          <a:prstGeom prst="rightArrow">
+            <a:avLst/>
+          </a:prstGeom>
+        </p:spPr>
+        <p:style>
+          <a:lnRef idx="2">
+            <a:schemeClr val="dk1">
+              <a:shade val="15000"/>
+            </a:schemeClr>
+          </a:lnRef>
+          <a:fillRef idx="1">
+            <a:schemeClr val="dk1"/>
+          </a:fillRef>
+          <a:effectRef idx="0">
+            <a:schemeClr val="dk1"/>
+          </a:effectRef>
+          <a:fontRef idx="minor">
+            <a:schemeClr val="lt1"/>
+          </a:fontRef>
+        </p:style>
+        <p:txBody>
+          <a:bodyPr rtlCol="0" anchor="ctr"/>
+          <a:lstStyle/>
+          <a:p>
+            <a:pPr algn="ctr"/>
+            <a:endParaRPr kumimoji="1" lang="ja-JP" altLang="en-US"/>
+          </a:p>
+        </p:txBody>
+      </p:sp>
+      <p:sp>
+        <p:nvSpPr>
+          <p:cNvPr id="10" name="矢印: 右 9">
+            <a:extLst>
+              <a:ext uri="{FF2B5EF4-FFF2-40B4-BE49-F238E27FC236}">
+                <a16:creationId xmlns:a16="http://schemas.microsoft.com/office/drawing/2014/main" id="{DC51153C-BEAA-84E1-9D31-48EEBA15EAA1}"/>
+              </a:ext>
+            </a:extLst>
+          </p:cNvPr>
+          <p:cNvSpPr/>
+          <p:nvPr/>
+        </p:nvSpPr>
+        <p:spPr>
+          <a:xfrm rot="5400000">
+            <a:off x="5699185" y="4576315"/>
+            <a:ext cx="983411" cy="854015"/>
+          </a:xfrm>
+          <a:prstGeom prst="rightArrow">
+            <a:avLst/>
+          </a:prstGeom>
+        </p:spPr>
+        <p:style>
+          <a:lnRef idx="2">
+            <a:schemeClr val="dk1">
+              <a:shade val="15000"/>
+            </a:schemeClr>
+          </a:lnRef>
+          <a:fillRef idx="1">
+            <a:schemeClr val="dk1"/>
+          </a:fillRef>
+          <a:effectRef idx="0">
+            <a:schemeClr val="dk1"/>
+          </a:effectRef>
+          <a:fontRef idx="minor">
+            <a:schemeClr val="lt1"/>
+          </a:fontRef>
+        </p:style>
+        <p:txBody>
+          <a:bodyPr rtlCol="0" anchor="ctr"/>
+          <a:lstStyle/>
+          <a:p>
+            <a:pPr algn="ctr"/>
+            <a:endParaRPr kumimoji="1" lang="ja-JP" altLang="en-US"/>
+          </a:p>
+        </p:txBody>
+      </p:sp>
+      <p:sp>
+        <p:nvSpPr>
+          <p:cNvPr id="11" name="テキスト ボックス 10">
+            <a:extLst>
+              <a:ext uri="{FF2B5EF4-FFF2-40B4-BE49-F238E27FC236}">
+                <a16:creationId xmlns:a16="http://schemas.microsoft.com/office/drawing/2014/main" id="{4846B4C3-9FA5-5579-E66A-F09589A64654}"/>
+              </a:ext>
+            </a:extLst>
+          </p:cNvPr>
+          <p:cNvSpPr txBox="1"/>
+          <p:nvPr/>
+        </p:nvSpPr>
+        <p:spPr>
+          <a:xfrm>
+            <a:off x="5637362" y="5495028"/>
+            <a:ext cx="1587261" cy="369332"/>
+          </a:xfrm>
+          <a:prstGeom prst="rect">
+            <a:avLst/>
+          </a:prstGeom>
+          <a:noFill/>
+        </p:spPr>
+        <p:txBody>
+          <a:bodyPr wrap="square" rtlCol="0">
+            <a:spAutoFit/>
+          </a:bodyPr>
+          <a:lstStyle/>
+          <a:p>
+            <a:r>
+              <a:rPr lang="en-US" altLang="ja-JP" dirty="0" err="1"/>
+              <a:t>Merborn</a:t>
+            </a:r>
+            <a:endParaRPr kumimoji="1" lang="ja-JP" altLang="en-US" dirty="0"/>
+          </a:p>
+        </p:txBody>
+      </p:sp>
+      <p:sp>
+        <p:nvSpPr>
+          <p:cNvPr id="12" name="テキスト ボックス 11">
+            <a:extLst>
+              <a:ext uri="{FF2B5EF4-FFF2-40B4-BE49-F238E27FC236}">
+                <a16:creationId xmlns:a16="http://schemas.microsoft.com/office/drawing/2014/main" id="{F06DA12E-8B7E-C853-9EFE-5A3F6FB74CF9}"/>
+              </a:ext>
+            </a:extLst>
+          </p:cNvPr>
+          <p:cNvSpPr txBox="1"/>
+          <p:nvPr/>
+        </p:nvSpPr>
+        <p:spPr>
+          <a:xfrm>
+            <a:off x="6744419" y="4996299"/>
+            <a:ext cx="1890622" cy="369332"/>
+          </a:xfrm>
+          <a:prstGeom prst="rect">
+            <a:avLst/>
+          </a:prstGeom>
+          <a:noFill/>
+        </p:spPr>
+        <p:txBody>
+          <a:bodyPr wrap="square" rtlCol="0">
+            <a:spAutoFit/>
+          </a:bodyPr>
+          <a:lstStyle/>
+          <a:p>
+            <a:r>
+              <a:rPr kumimoji="1" lang="en-US" altLang="ja-JP" dirty="0"/>
+              <a:t>200km,600min</a:t>
+            </a:r>
+            <a:endParaRPr kumimoji="1" lang="ja-JP" altLang="en-US" dirty="0"/>
+          </a:p>
+        </p:txBody>
+      </p:sp>
+      <p:sp>
+        <p:nvSpPr>
+          <p:cNvPr id="13" name="テキスト ボックス 12">
+            <a:extLst>
+              <a:ext uri="{FF2B5EF4-FFF2-40B4-BE49-F238E27FC236}">
+                <a16:creationId xmlns:a16="http://schemas.microsoft.com/office/drawing/2014/main" id="{ECD02616-5753-E618-CCC1-E862D2B8134C}"/>
+              </a:ext>
+            </a:extLst>
+          </p:cNvPr>
+          <p:cNvSpPr txBox="1"/>
+          <p:nvPr/>
+        </p:nvSpPr>
+        <p:spPr>
+          <a:xfrm>
+            <a:off x="6770298" y="4682873"/>
+            <a:ext cx="1587261" cy="369332"/>
+          </a:xfrm>
+          <a:prstGeom prst="rect">
+            <a:avLst/>
+          </a:prstGeom>
+          <a:noFill/>
+        </p:spPr>
+        <p:txBody>
+          <a:bodyPr wrap="square" rtlCol="0">
+            <a:spAutoFit/>
+          </a:bodyPr>
+          <a:lstStyle/>
+          <a:p>
+            <a:r>
+              <a:rPr kumimoji="1" lang="en-US" altLang="ja-JP" dirty="0"/>
+              <a:t>Bus</a:t>
+            </a:r>
+            <a:endParaRPr kumimoji="1" lang="ja-JP" altLang="en-US" dirty="0"/>
+          </a:p>
+        </p:txBody>
+      </p:sp>
+      <p:sp>
+        <p:nvSpPr>
+          <p:cNvPr id="14" name="テキスト ボックス 13">
+            <a:extLst>
+              <a:ext uri="{FF2B5EF4-FFF2-40B4-BE49-F238E27FC236}">
+                <a16:creationId xmlns:a16="http://schemas.microsoft.com/office/drawing/2014/main" id="{7134C643-EDF0-C12B-4DEF-42D5B9A0A80E}"/>
+              </a:ext>
+            </a:extLst>
+          </p:cNvPr>
+          <p:cNvSpPr txBox="1"/>
+          <p:nvPr/>
+        </p:nvSpPr>
+        <p:spPr>
+          <a:xfrm>
+            <a:off x="1940942" y="5584496"/>
+            <a:ext cx="1587261" cy="369332"/>
+          </a:xfrm>
+          <a:prstGeom prst="rect">
+            <a:avLst/>
+          </a:prstGeom>
+          <a:noFill/>
+        </p:spPr>
+        <p:txBody>
+          <a:bodyPr wrap="square" rtlCol="0">
+            <a:spAutoFit/>
+          </a:bodyPr>
+          <a:lstStyle/>
+          <a:p>
+            <a:r>
+              <a:rPr kumimoji="1" lang="en-US" altLang="ja-JP" dirty="0"/>
+              <a:t>???</a:t>
+            </a:r>
+            <a:endParaRPr kumimoji="1" lang="ja-JP" altLang="en-US" dirty="0"/>
+          </a:p>
+        </p:txBody>
+      </p:sp>
+    </p:spTree>
+    <p:extLst>
+      <p:ext uri="{BB962C8B-B14F-4D97-AF65-F5344CB8AC3E}">
+        <p14:creationId xmlns:p14="http://schemas.microsoft.com/office/powerpoint/2010/main" val="1440691494"/>
+      </p:ext>
+    </p:extLst>
+  </p:cSld>
+  <p:clrMapOvr>
+    <a:masterClrMapping/>
+  </p:clrMapOvr>
+</p:sld>
+</file>
+
+<file path=ppt/slides/slide5.xml><?xml version="1.0" encoding="utf-8"?>
+<p:sld xmlns:a="http://schemas.openxmlformats.org/drawingml/2006/main" xmlns:r="http://schemas.openxmlformats.org/officeDocument/2006/relationships" xmlns:p="http://schemas.openxmlformats.org/presentationml/2006/main">
+  <p:cSld>
+    <p:spTree>
+      <p:nvGrpSpPr>
+        <p:cNvPr id="1" name=""/>
+        <p:cNvGrpSpPr/>
+        <p:nvPr/>
+      </p:nvGrpSpPr>
+      <p:grpSpPr>
+        <a:xfrm>
+          <a:off x="0" y="0"/>
+          <a:ext cx="0" cy="0"/>
+          <a:chOff x="0" y="0"/>
+          <a:chExt cx="0" cy="0"/>
+        </a:xfrm>
+      </p:grpSpPr>
+      <p:sp>
+        <p:nvSpPr>
           <p:cNvPr id="2" name="テキスト ボックス 1">
             <a:extLst>
               <a:ext uri="{FF2B5EF4-FFF2-40B4-BE49-F238E27FC236}">
@@ -12172,7 +14862,7 @@
 </p:sld>
 </file>
 
-<file path=ppt/slides/slide5.xml><?xml version="1.0" encoding="utf-8"?>
+<file path=ppt/slides/slide6.xml><?xml version="1.0" encoding="utf-8"?>
 <p:sld xmlns:a="http://schemas.openxmlformats.org/drawingml/2006/main" xmlns:r="http://schemas.openxmlformats.org/officeDocument/2006/relationships" xmlns:p="http://schemas.openxmlformats.org/presentationml/2006/main">
   <p:cSld>
     <p:spTree>
@@ -12771,7 +15461,7 @@
 </p:sld>
 </file>
 
-<file path=ppt/slides/slide6.xml><?xml version="1.0" encoding="utf-8"?>
+<file path=ppt/slides/slide7.xml><?xml version="1.0" encoding="utf-8"?>
 <p:sld xmlns:a="http://schemas.openxmlformats.org/drawingml/2006/main" xmlns:r="http://schemas.openxmlformats.org/officeDocument/2006/relationships" xmlns:p="http://schemas.openxmlformats.org/presentationml/2006/main">
   <p:cSld>
     <p:spTree>
@@ -14127,7 +16817,7 @@
 </p:sld>
 </file>
 
-<file path=ppt/slides/slide7.xml><?xml version="1.0" encoding="utf-8"?>
+<file path=ppt/slides/slide8.xml><?xml version="1.0" encoding="utf-8"?>
 <p:sld xmlns:a="http://schemas.openxmlformats.org/drawingml/2006/main" xmlns:r="http://schemas.openxmlformats.org/officeDocument/2006/relationships" xmlns:p="http://schemas.openxmlformats.org/presentationml/2006/main">
   <p:cSld>
     <p:spTree>
@@ -15840,7 +18530,7 @@
 </p:sld>
 </file>
 
-<file path=ppt/slides/slide8.xml><?xml version="1.0" encoding="utf-8"?>
+<file path=ppt/slides/slide9.xml><?xml version="1.0" encoding="utf-8"?>
 <p:sld xmlns:a="http://schemas.openxmlformats.org/drawingml/2006/main" xmlns:r="http://schemas.openxmlformats.org/officeDocument/2006/relationships" xmlns:p="http://schemas.openxmlformats.org/presentationml/2006/main">
   <p:cSld>
     <p:spTree>
@@ -17950,2127 +20640,6 @@
 </p:sld>
 </file>
 
-<file path=ppt/slides/slide9.xml><?xml version="1.0" encoding="utf-8"?>
-<p:sld xmlns:a="http://schemas.openxmlformats.org/drawingml/2006/main" xmlns:r="http://schemas.openxmlformats.org/officeDocument/2006/relationships" xmlns:p="http://schemas.openxmlformats.org/presentationml/2006/main">
-  <p:cSld>
-    <p:spTree>
-      <p:nvGrpSpPr>
-        <p:cNvPr id="1" name=""/>
-        <p:cNvGrpSpPr/>
-        <p:nvPr/>
-      </p:nvGrpSpPr>
-      <p:grpSpPr>
-        <a:xfrm>
-          <a:off x="0" y="0"/>
-          <a:ext cx="0" cy="0"/>
-          <a:chOff x="0" y="0"/>
-          <a:chExt cx="0" cy="0"/>
-        </a:xfrm>
-      </p:grpSpPr>
-      <p:sp>
-        <p:nvSpPr>
-          <p:cNvPr id="2" name="正方形/長方形 1">
-            <a:extLst>
-              <a:ext uri="{FF2B5EF4-FFF2-40B4-BE49-F238E27FC236}">
-                <a16:creationId xmlns:a16="http://schemas.microsoft.com/office/drawing/2014/main" id="{799377E6-7E31-0216-A4DB-46574F90F19B}"/>
-              </a:ext>
-            </a:extLst>
-          </p:cNvPr>
-          <p:cNvSpPr/>
-          <p:nvPr/>
-        </p:nvSpPr>
-        <p:spPr>
-          <a:xfrm>
-            <a:off x="1321227" y="840870"/>
-            <a:ext cx="9430247" cy="5263764"/>
-          </a:xfrm>
-          <a:prstGeom prst="rect">
-            <a:avLst/>
-          </a:prstGeom>
-        </p:spPr>
-        <p:style>
-          <a:lnRef idx="2">
-            <a:schemeClr val="dk1"/>
-          </a:lnRef>
-          <a:fillRef idx="1">
-            <a:schemeClr val="lt1"/>
-          </a:fillRef>
-          <a:effectRef idx="0">
-            <a:schemeClr val="dk1"/>
-          </a:effectRef>
-          <a:fontRef idx="minor">
-            <a:schemeClr val="dk1"/>
-          </a:fontRef>
-        </p:style>
-        <p:txBody>
-          <a:bodyPr rtlCol="0" anchor="ctr"/>
-          <a:lstStyle/>
-          <a:p>
-            <a:pPr algn="ctr"/>
-            <a:endParaRPr kumimoji="1" lang="ja-JP" altLang="en-US" dirty="0"/>
-          </a:p>
-        </p:txBody>
-      </p:sp>
-      <p:sp>
-        <p:nvSpPr>
-          <p:cNvPr id="3" name="正方形/長方形 2">
-            <a:extLst>
-              <a:ext uri="{FF2B5EF4-FFF2-40B4-BE49-F238E27FC236}">
-                <a16:creationId xmlns:a16="http://schemas.microsoft.com/office/drawing/2014/main" id="{42BA0C15-7FD0-944E-9BBC-DE7A1762F887}"/>
-              </a:ext>
-            </a:extLst>
-          </p:cNvPr>
-          <p:cNvSpPr/>
-          <p:nvPr/>
-        </p:nvSpPr>
-        <p:spPr>
-          <a:xfrm>
-            <a:off x="1160890" y="898497"/>
-            <a:ext cx="2170707" cy="5263764"/>
-          </a:xfrm>
-          <a:prstGeom prst="rect">
-            <a:avLst/>
-          </a:prstGeom>
-        </p:spPr>
-        <p:style>
-          <a:lnRef idx="2">
-            <a:schemeClr val="dk1"/>
-          </a:lnRef>
-          <a:fillRef idx="1">
-            <a:schemeClr val="lt1"/>
-          </a:fillRef>
-          <a:effectRef idx="0">
-            <a:schemeClr val="dk1"/>
-          </a:effectRef>
-          <a:fontRef idx="minor">
-            <a:schemeClr val="dk1"/>
-          </a:fontRef>
-        </p:style>
-        <p:txBody>
-          <a:bodyPr rtlCol="0" anchor="ctr"/>
-          <a:lstStyle/>
-          <a:p>
-            <a:pPr algn="ctr"/>
-            <a:endParaRPr kumimoji="1" lang="ja-JP" altLang="en-US"/>
-          </a:p>
-        </p:txBody>
-      </p:sp>
-      <p:sp>
-        <p:nvSpPr>
-          <p:cNvPr id="4" name="正方形/長方形 3">
-            <a:extLst>
-              <a:ext uri="{FF2B5EF4-FFF2-40B4-BE49-F238E27FC236}">
-                <a16:creationId xmlns:a16="http://schemas.microsoft.com/office/drawing/2014/main" id="{CE92C59F-A2D3-623C-F380-04E0741FA0C0}"/>
-              </a:ext>
-            </a:extLst>
-          </p:cNvPr>
-          <p:cNvSpPr/>
-          <p:nvPr/>
-        </p:nvSpPr>
-        <p:spPr>
-          <a:xfrm>
-            <a:off x="2116254" y="2740030"/>
-            <a:ext cx="1184743" cy="974438"/>
-          </a:xfrm>
-          <a:prstGeom prst="rect">
-            <a:avLst/>
-          </a:prstGeom>
-        </p:spPr>
-        <p:style>
-          <a:lnRef idx="2">
-            <a:schemeClr val="dk1"/>
-          </a:lnRef>
-          <a:fillRef idx="1">
-            <a:schemeClr val="lt1"/>
-          </a:fillRef>
-          <a:effectRef idx="0">
-            <a:schemeClr val="dk1"/>
-          </a:effectRef>
-          <a:fontRef idx="minor">
-            <a:schemeClr val="dk1"/>
-          </a:fontRef>
-        </p:style>
-        <p:txBody>
-          <a:bodyPr rtlCol="0" anchor="ctr"/>
-          <a:lstStyle/>
-          <a:p>
-            <a:pPr algn="ctr"/>
-            <a:endParaRPr kumimoji="1" lang="ja-JP" altLang="en-US"/>
-          </a:p>
-        </p:txBody>
-      </p:sp>
-      <p:grpSp>
-        <p:nvGrpSpPr>
-          <p:cNvPr id="5" name="グループ化 4">
-            <a:extLst>
-              <a:ext uri="{FF2B5EF4-FFF2-40B4-BE49-F238E27FC236}">
-                <a16:creationId xmlns:a16="http://schemas.microsoft.com/office/drawing/2014/main" id="{63CC61CC-29B4-501D-7675-51E8E2E14541}"/>
-              </a:ext>
-            </a:extLst>
-          </p:cNvPr>
-          <p:cNvGrpSpPr/>
-          <p:nvPr/>
-        </p:nvGrpSpPr>
-        <p:grpSpPr>
-          <a:xfrm>
-            <a:off x="2254900" y="2733080"/>
-            <a:ext cx="975361" cy="940510"/>
-            <a:chOff x="9591921" y="1516576"/>
-            <a:chExt cx="975361" cy="940510"/>
-          </a:xfrm>
-        </p:grpSpPr>
-        <p:sp>
-          <p:nvSpPr>
-            <p:cNvPr id="6" name="楕円 5">
-              <a:extLst>
-                <a:ext uri="{FF2B5EF4-FFF2-40B4-BE49-F238E27FC236}">
-                  <a16:creationId xmlns:a16="http://schemas.microsoft.com/office/drawing/2014/main" id="{587A5801-7587-6DB5-A151-E13DB85A6D5B}"/>
-                </a:ext>
-              </a:extLst>
-            </p:cNvPr>
-            <p:cNvSpPr/>
-            <p:nvPr/>
-          </p:nvSpPr>
-          <p:spPr>
-            <a:xfrm>
-              <a:off x="9598548" y="1603838"/>
-              <a:ext cx="159026" cy="194808"/>
-            </a:xfrm>
-            <a:prstGeom prst="ellipse">
-              <a:avLst/>
-            </a:prstGeom>
-          </p:spPr>
-          <p:style>
-            <a:lnRef idx="2">
-              <a:schemeClr val="dk1">
-                <a:shade val="15000"/>
-              </a:schemeClr>
-            </a:lnRef>
-            <a:fillRef idx="1">
-              <a:schemeClr val="dk1"/>
-            </a:fillRef>
-            <a:effectRef idx="0">
-              <a:schemeClr val="dk1"/>
-            </a:effectRef>
-            <a:fontRef idx="minor">
-              <a:schemeClr val="lt1"/>
-            </a:fontRef>
-          </p:style>
-          <p:txBody>
-            <a:bodyPr rtlCol="0" anchor="ctr"/>
-            <a:lstStyle/>
-            <a:p>
-              <a:pPr algn="ctr"/>
-              <a:endParaRPr kumimoji="1" lang="ja-JP" altLang="en-US"/>
-            </a:p>
-          </p:txBody>
-        </p:sp>
-        <p:sp>
-          <p:nvSpPr>
-            <p:cNvPr id="7" name="テキスト ボックス 6">
-              <a:extLst>
-                <a:ext uri="{FF2B5EF4-FFF2-40B4-BE49-F238E27FC236}">
-                  <a16:creationId xmlns:a16="http://schemas.microsoft.com/office/drawing/2014/main" id="{B2BFFE55-3548-9BC6-57BA-A43F98E9A091}"/>
-                </a:ext>
-              </a:extLst>
-            </p:cNvPr>
-            <p:cNvSpPr txBox="1"/>
-            <p:nvPr/>
-          </p:nvSpPr>
-          <p:spPr>
-            <a:xfrm>
-              <a:off x="9748298" y="1516576"/>
-              <a:ext cx="818984" cy="369332"/>
-            </a:xfrm>
-            <a:prstGeom prst="rect">
-              <a:avLst/>
-            </a:prstGeom>
-            <a:noFill/>
-          </p:spPr>
-          <p:txBody>
-            <a:bodyPr wrap="square" rtlCol="0">
-              <a:spAutoFit/>
-            </a:bodyPr>
-            <a:lstStyle/>
-            <a:p>
-              <a:r>
-                <a:rPr kumimoji="1" lang="en-US" altLang="ja-JP" dirty="0"/>
-                <a:t>JPY</a:t>
-              </a:r>
-              <a:endParaRPr kumimoji="1" lang="ja-JP" altLang="en-US" dirty="0"/>
-            </a:p>
-          </p:txBody>
-        </p:sp>
-        <p:sp>
-          <p:nvSpPr>
-            <p:cNvPr id="8" name="楕円 7">
-              <a:extLst>
-                <a:ext uri="{FF2B5EF4-FFF2-40B4-BE49-F238E27FC236}">
-                  <a16:creationId xmlns:a16="http://schemas.microsoft.com/office/drawing/2014/main" id="{F30102BF-4982-7BF7-FAC1-B82D9D78FA4C}"/>
-                </a:ext>
-              </a:extLst>
-            </p:cNvPr>
-            <p:cNvSpPr/>
-            <p:nvPr/>
-          </p:nvSpPr>
-          <p:spPr>
-            <a:xfrm>
-              <a:off x="9611800" y="1882657"/>
-              <a:ext cx="159026" cy="194808"/>
-            </a:xfrm>
-            <a:prstGeom prst="ellipse">
-              <a:avLst/>
-            </a:prstGeom>
-          </p:spPr>
-          <p:style>
-            <a:lnRef idx="2">
-              <a:schemeClr val="dk1"/>
-            </a:lnRef>
-            <a:fillRef idx="1">
-              <a:schemeClr val="lt1"/>
-            </a:fillRef>
-            <a:effectRef idx="0">
-              <a:schemeClr val="dk1"/>
-            </a:effectRef>
-            <a:fontRef idx="minor">
-              <a:schemeClr val="dk1"/>
-            </a:fontRef>
-          </p:style>
-          <p:txBody>
-            <a:bodyPr rtlCol="0" anchor="ctr"/>
-            <a:lstStyle/>
-            <a:p>
-              <a:pPr algn="ctr"/>
-              <a:endParaRPr kumimoji="1" lang="ja-JP" altLang="en-US"/>
-            </a:p>
-          </p:txBody>
-        </p:sp>
-        <p:sp>
-          <p:nvSpPr>
-            <p:cNvPr id="9" name="テキスト ボックス 8">
-              <a:extLst>
-                <a:ext uri="{FF2B5EF4-FFF2-40B4-BE49-F238E27FC236}">
-                  <a16:creationId xmlns:a16="http://schemas.microsoft.com/office/drawing/2014/main" id="{159C088C-A35C-A653-C0D7-9378BEF252C9}"/>
-                </a:ext>
-              </a:extLst>
-            </p:cNvPr>
-            <p:cNvSpPr txBox="1"/>
-            <p:nvPr/>
-          </p:nvSpPr>
-          <p:spPr>
-            <a:xfrm>
-              <a:off x="9741671" y="1798123"/>
-              <a:ext cx="818984" cy="369332"/>
-            </a:xfrm>
-            <a:prstGeom prst="rect">
-              <a:avLst/>
-            </a:prstGeom>
-            <a:noFill/>
-          </p:spPr>
-          <p:txBody>
-            <a:bodyPr wrap="square" rtlCol="0">
-              <a:spAutoFit/>
-            </a:bodyPr>
-            <a:lstStyle/>
-            <a:p>
-              <a:r>
-                <a:rPr kumimoji="1" lang="en-US" altLang="ja-JP" dirty="0"/>
-                <a:t>USD</a:t>
-              </a:r>
-              <a:endParaRPr kumimoji="1" lang="ja-JP" altLang="en-US" dirty="0"/>
-            </a:p>
-          </p:txBody>
-        </p:sp>
-        <p:sp>
-          <p:nvSpPr>
-            <p:cNvPr id="10" name="楕円 9">
-              <a:extLst>
-                <a:ext uri="{FF2B5EF4-FFF2-40B4-BE49-F238E27FC236}">
-                  <a16:creationId xmlns:a16="http://schemas.microsoft.com/office/drawing/2014/main" id="{A46DF13C-901C-BA71-9927-000435F1F7F4}"/>
-                </a:ext>
-              </a:extLst>
-            </p:cNvPr>
-            <p:cNvSpPr/>
-            <p:nvPr/>
-          </p:nvSpPr>
-          <p:spPr>
-            <a:xfrm>
-              <a:off x="9591921" y="2175016"/>
-              <a:ext cx="159026" cy="194808"/>
-            </a:xfrm>
-            <a:prstGeom prst="ellipse">
-              <a:avLst/>
-            </a:prstGeom>
-          </p:spPr>
-          <p:style>
-            <a:lnRef idx="2">
-              <a:schemeClr val="dk1"/>
-            </a:lnRef>
-            <a:fillRef idx="1">
-              <a:schemeClr val="lt1"/>
-            </a:fillRef>
-            <a:effectRef idx="0">
-              <a:schemeClr val="dk1"/>
-            </a:effectRef>
-            <a:fontRef idx="minor">
-              <a:schemeClr val="dk1"/>
-            </a:fontRef>
-          </p:style>
-          <p:txBody>
-            <a:bodyPr rtlCol="0" anchor="ctr"/>
-            <a:lstStyle/>
-            <a:p>
-              <a:pPr algn="ctr"/>
-              <a:endParaRPr kumimoji="1" lang="ja-JP" altLang="en-US"/>
-            </a:p>
-          </p:txBody>
-        </p:sp>
-        <p:sp>
-          <p:nvSpPr>
-            <p:cNvPr id="11" name="テキスト ボックス 10">
-              <a:extLst>
-                <a:ext uri="{FF2B5EF4-FFF2-40B4-BE49-F238E27FC236}">
-                  <a16:creationId xmlns:a16="http://schemas.microsoft.com/office/drawing/2014/main" id="{D98FE0A9-266B-2696-BB9D-C2A7F47179E5}"/>
-                </a:ext>
-              </a:extLst>
-            </p:cNvPr>
-            <p:cNvSpPr txBox="1"/>
-            <p:nvPr/>
-          </p:nvSpPr>
-          <p:spPr>
-            <a:xfrm>
-              <a:off x="9741671" y="2087754"/>
-              <a:ext cx="818984" cy="369332"/>
-            </a:xfrm>
-            <a:prstGeom prst="rect">
-              <a:avLst/>
-            </a:prstGeom>
-            <a:noFill/>
-          </p:spPr>
-          <p:txBody>
-            <a:bodyPr wrap="square" rtlCol="0">
-              <a:spAutoFit/>
-            </a:bodyPr>
-            <a:lstStyle/>
-            <a:p>
-              <a:r>
-                <a:rPr lang="en-US" altLang="ja-JP" dirty="0"/>
-                <a:t>EUR</a:t>
-              </a:r>
-              <a:endParaRPr kumimoji="1" lang="ja-JP" altLang="en-US" dirty="0"/>
-            </a:p>
-          </p:txBody>
-        </p:sp>
-      </p:grpSp>
-      <p:sp>
-        <p:nvSpPr>
-          <p:cNvPr id="12" name="テキスト ボックス 11">
-            <a:extLst>
-              <a:ext uri="{FF2B5EF4-FFF2-40B4-BE49-F238E27FC236}">
-                <a16:creationId xmlns:a16="http://schemas.microsoft.com/office/drawing/2014/main" id="{7B81CDC8-5AEE-224D-51E6-8025A5080D92}"/>
-              </a:ext>
-            </a:extLst>
-          </p:cNvPr>
-          <p:cNvSpPr txBox="1"/>
-          <p:nvPr/>
-        </p:nvSpPr>
-        <p:spPr>
-          <a:xfrm>
-            <a:off x="1169279" y="4253805"/>
-            <a:ext cx="1847352" cy="369332"/>
-          </a:xfrm>
-          <a:prstGeom prst="rect">
-            <a:avLst/>
-          </a:prstGeom>
-          <a:noFill/>
-        </p:spPr>
-        <p:txBody>
-          <a:bodyPr wrap="square" rtlCol="0">
-            <a:spAutoFit/>
-          </a:bodyPr>
-          <a:lstStyle/>
-          <a:p>
-            <a:r>
-              <a:rPr kumimoji="1" lang="en-US" altLang="ja-JP" dirty="0" err="1"/>
-              <a:t>Total:xxxxxx</a:t>
-            </a:r>
-            <a:r>
-              <a:rPr kumimoji="1" lang="ja-JP" altLang="en-US" dirty="0"/>
-              <a:t>円</a:t>
-            </a:r>
-          </a:p>
-        </p:txBody>
-      </p:sp>
-      <p:sp>
-        <p:nvSpPr>
-          <p:cNvPr id="15" name="テキスト ボックス 14">
-            <a:extLst>
-              <a:ext uri="{FF2B5EF4-FFF2-40B4-BE49-F238E27FC236}">
-                <a16:creationId xmlns:a16="http://schemas.microsoft.com/office/drawing/2014/main" id="{CB7C5C20-C79A-B4F8-D88A-9262E7FCB748}"/>
-              </a:ext>
-            </a:extLst>
-          </p:cNvPr>
-          <p:cNvSpPr txBox="1"/>
-          <p:nvPr/>
-        </p:nvSpPr>
-        <p:spPr>
-          <a:xfrm>
-            <a:off x="2182826" y="3813277"/>
-            <a:ext cx="1445812" cy="369332"/>
-          </a:xfrm>
-          <a:prstGeom prst="rect">
-            <a:avLst/>
-          </a:prstGeom>
-          <a:noFill/>
-        </p:spPr>
-        <p:txBody>
-          <a:bodyPr wrap="square" rtlCol="0">
-            <a:spAutoFit/>
-          </a:bodyPr>
-          <a:lstStyle/>
-          <a:p>
-            <a:r>
-              <a:rPr kumimoji="1" lang="en-US" altLang="ja-JP" dirty="0"/>
-              <a:t>XX</a:t>
-            </a:r>
-            <a:r>
-              <a:rPr kumimoji="1" lang="ja-JP" altLang="en-US" dirty="0"/>
-              <a:t>カ国</a:t>
-            </a:r>
-          </a:p>
-        </p:txBody>
-      </p:sp>
-      <p:sp>
-        <p:nvSpPr>
-          <p:cNvPr id="16" name="四角形: 角を丸くする 15">
-            <a:extLst>
-              <a:ext uri="{FF2B5EF4-FFF2-40B4-BE49-F238E27FC236}">
-                <a16:creationId xmlns:a16="http://schemas.microsoft.com/office/drawing/2014/main" id="{0A9CEF0E-BE65-A2B7-48CD-9599F5A5637C}"/>
-              </a:ext>
-            </a:extLst>
-          </p:cNvPr>
-          <p:cNvSpPr/>
-          <p:nvPr/>
-        </p:nvSpPr>
-        <p:spPr>
-          <a:xfrm>
-            <a:off x="3331597" y="917912"/>
-            <a:ext cx="1598212" cy="369332"/>
-          </a:xfrm>
-          <a:prstGeom prst="roundRect">
-            <a:avLst/>
-          </a:prstGeom>
-        </p:spPr>
-        <p:style>
-          <a:lnRef idx="2">
-            <a:schemeClr val="accent3">
-              <a:shade val="15000"/>
-            </a:schemeClr>
-          </a:lnRef>
-          <a:fillRef idx="1">
-            <a:schemeClr val="accent3"/>
-          </a:fillRef>
-          <a:effectRef idx="0">
-            <a:schemeClr val="accent3"/>
-          </a:effectRef>
-          <a:fontRef idx="minor">
-            <a:schemeClr val="lt1"/>
-          </a:fontRef>
-        </p:style>
-        <p:txBody>
-          <a:bodyPr rtlCol="0" anchor="ctr"/>
-          <a:lstStyle/>
-          <a:p>
-            <a:pPr algn="ctr"/>
-            <a:r>
-              <a:rPr lang="en-US" altLang="ja-JP" sz="1400" dirty="0"/>
-              <a:t>accommodation</a:t>
-            </a:r>
-            <a:endParaRPr kumimoji="1" lang="ja-JP" altLang="en-US" sz="1400" dirty="0"/>
-          </a:p>
-        </p:txBody>
-      </p:sp>
-      <p:sp>
-        <p:nvSpPr>
-          <p:cNvPr id="17" name="四角形: 角を丸くする 16">
-            <a:extLst>
-              <a:ext uri="{FF2B5EF4-FFF2-40B4-BE49-F238E27FC236}">
-                <a16:creationId xmlns:a16="http://schemas.microsoft.com/office/drawing/2014/main" id="{0F1FF05C-13D1-825C-9322-D67D45A28C1F}"/>
-              </a:ext>
-            </a:extLst>
-          </p:cNvPr>
-          <p:cNvSpPr/>
-          <p:nvPr/>
-        </p:nvSpPr>
-        <p:spPr>
-          <a:xfrm>
-            <a:off x="4929809" y="907494"/>
-            <a:ext cx="1598212" cy="369332"/>
-          </a:xfrm>
-          <a:prstGeom prst="roundRect">
-            <a:avLst/>
-          </a:prstGeom>
-        </p:spPr>
-        <p:style>
-          <a:lnRef idx="2">
-            <a:schemeClr val="dk1"/>
-          </a:lnRef>
-          <a:fillRef idx="1">
-            <a:schemeClr val="lt1"/>
-          </a:fillRef>
-          <a:effectRef idx="0">
-            <a:schemeClr val="dk1"/>
-          </a:effectRef>
-          <a:fontRef idx="minor">
-            <a:schemeClr val="dk1"/>
-          </a:fontRef>
-        </p:style>
-        <p:txBody>
-          <a:bodyPr rtlCol="0" anchor="ctr"/>
-          <a:lstStyle/>
-          <a:p>
-            <a:pPr algn="ctr"/>
-            <a:r>
-              <a:rPr lang="en-US" altLang="ja-JP" sz="1600" dirty="0"/>
-              <a:t>transportation</a:t>
-            </a:r>
-            <a:endParaRPr kumimoji="1" lang="ja-JP" altLang="en-US" sz="1600" dirty="0"/>
-          </a:p>
-        </p:txBody>
-      </p:sp>
-      <p:sp>
-        <p:nvSpPr>
-          <p:cNvPr id="18" name="四角形: 角を丸くする 17">
-            <a:extLst>
-              <a:ext uri="{FF2B5EF4-FFF2-40B4-BE49-F238E27FC236}">
-                <a16:creationId xmlns:a16="http://schemas.microsoft.com/office/drawing/2014/main" id="{CD07774D-D50C-F464-E848-F906FBDAEBF0}"/>
-              </a:ext>
-            </a:extLst>
-          </p:cNvPr>
-          <p:cNvSpPr/>
-          <p:nvPr/>
-        </p:nvSpPr>
-        <p:spPr>
-          <a:xfrm>
-            <a:off x="6528021" y="907494"/>
-            <a:ext cx="1598212" cy="369332"/>
-          </a:xfrm>
-          <a:prstGeom prst="roundRect">
-            <a:avLst/>
-          </a:prstGeom>
-        </p:spPr>
-        <p:style>
-          <a:lnRef idx="2">
-            <a:schemeClr val="dk1"/>
-          </a:lnRef>
-          <a:fillRef idx="1">
-            <a:schemeClr val="lt1"/>
-          </a:fillRef>
-          <a:effectRef idx="0">
-            <a:schemeClr val="dk1"/>
-          </a:effectRef>
-          <a:fontRef idx="minor">
-            <a:schemeClr val="dk1"/>
-          </a:fontRef>
-        </p:style>
-        <p:txBody>
-          <a:bodyPr rtlCol="0" anchor="ctr"/>
-          <a:lstStyle/>
-          <a:p>
-            <a:pPr algn="ctr"/>
-            <a:r>
-              <a:rPr kumimoji="1" lang="en-US" altLang="ja-JP" dirty="0"/>
-              <a:t>sightseeing</a:t>
-            </a:r>
-            <a:endParaRPr kumimoji="1" lang="ja-JP" altLang="en-US" dirty="0"/>
-          </a:p>
-        </p:txBody>
-      </p:sp>
-      <p:sp>
-        <p:nvSpPr>
-          <p:cNvPr id="19" name="正方形/長方形 18">
-            <a:extLst>
-              <a:ext uri="{FF2B5EF4-FFF2-40B4-BE49-F238E27FC236}">
-                <a16:creationId xmlns:a16="http://schemas.microsoft.com/office/drawing/2014/main" id="{04DB1A93-18F3-31E2-0340-75405B09EE75}"/>
-              </a:ext>
-            </a:extLst>
-          </p:cNvPr>
-          <p:cNvSpPr/>
-          <p:nvPr/>
-        </p:nvSpPr>
-        <p:spPr>
-          <a:xfrm>
-            <a:off x="1944861" y="954464"/>
-            <a:ext cx="1163540" cy="292359"/>
-          </a:xfrm>
-          <a:prstGeom prst="rect">
-            <a:avLst/>
-          </a:prstGeom>
-        </p:spPr>
-        <p:style>
-          <a:lnRef idx="2">
-            <a:schemeClr val="dk1"/>
-          </a:lnRef>
-          <a:fillRef idx="1">
-            <a:schemeClr val="lt1"/>
-          </a:fillRef>
-          <a:effectRef idx="0">
-            <a:schemeClr val="dk1"/>
-          </a:effectRef>
-          <a:fontRef idx="minor">
-            <a:schemeClr val="dk1"/>
-          </a:fontRef>
-        </p:style>
-        <p:txBody>
-          <a:bodyPr rtlCol="0" anchor="ctr"/>
-          <a:lstStyle/>
-          <a:p>
-            <a:pPr algn="ctr"/>
-            <a:r>
-              <a:rPr kumimoji="1" lang="en-US" altLang="ja-JP" dirty="0"/>
-              <a:t>world</a:t>
-            </a:r>
-            <a:endParaRPr kumimoji="1" lang="ja-JP" altLang="en-US" dirty="0"/>
-          </a:p>
-        </p:txBody>
-      </p:sp>
-      <p:sp>
-        <p:nvSpPr>
-          <p:cNvPr id="20" name="動作設定ボタン: 戻る/前へ 19">
-            <a:hlinkClick r:id="" action="ppaction://hlinkshowjump?jump=previousslide" highlightClick="1"/>
-            <a:extLst>
-              <a:ext uri="{FF2B5EF4-FFF2-40B4-BE49-F238E27FC236}">
-                <a16:creationId xmlns:a16="http://schemas.microsoft.com/office/drawing/2014/main" id="{B4D715DE-3C18-DF43-FB03-ADBD1E9954E5}"/>
-              </a:ext>
-            </a:extLst>
-          </p:cNvPr>
-          <p:cNvSpPr/>
-          <p:nvPr/>
-        </p:nvSpPr>
-        <p:spPr>
-          <a:xfrm rot="16200000">
-            <a:off x="3028030" y="1003030"/>
-            <a:ext cx="365145" cy="204403"/>
-          </a:xfrm>
-          <a:prstGeom prst="actionButtonBackPrevious">
-            <a:avLst/>
-          </a:prstGeom>
-        </p:spPr>
-        <p:style>
-          <a:lnRef idx="2">
-            <a:schemeClr val="dk1"/>
-          </a:lnRef>
-          <a:fillRef idx="1">
-            <a:schemeClr val="lt1"/>
-          </a:fillRef>
-          <a:effectRef idx="0">
-            <a:schemeClr val="dk1"/>
-          </a:effectRef>
-          <a:fontRef idx="minor">
-            <a:schemeClr val="dk1"/>
-          </a:fontRef>
-        </p:style>
-        <p:txBody>
-          <a:bodyPr rtlCol="0" anchor="ctr"/>
-          <a:lstStyle/>
-          <a:p>
-            <a:pPr algn="ctr"/>
-            <a:endParaRPr kumimoji="1" lang="ja-JP" altLang="en-US"/>
-          </a:p>
-        </p:txBody>
-      </p:sp>
-      <p:graphicFrame>
-        <p:nvGraphicFramePr>
-          <p:cNvPr id="21" name="表 20">
-            <a:extLst>
-              <a:ext uri="{FF2B5EF4-FFF2-40B4-BE49-F238E27FC236}">
-                <a16:creationId xmlns:a16="http://schemas.microsoft.com/office/drawing/2014/main" id="{3DEF6DE5-8D36-6432-CC3D-21CF17BFB259}"/>
-              </a:ext>
-            </a:extLst>
-          </p:cNvPr>
-          <p:cNvGraphicFramePr>
-            <a:graphicFrameLocks noGrp="1"/>
-          </p:cNvGraphicFramePr>
-          <p:nvPr>
-            <p:extLst>
-              <p:ext uri="{D42A27DB-BD31-4B8C-83A1-F6EECF244321}">
-                <p14:modId xmlns:p14="http://schemas.microsoft.com/office/powerpoint/2010/main" val="4088197492"/>
-              </p:ext>
-            </p:extLst>
-          </p:nvPr>
-        </p:nvGraphicFramePr>
-        <p:xfrm>
-          <a:off x="3747671" y="2452442"/>
-          <a:ext cx="4189995" cy="1463040"/>
-        </p:xfrm>
-        <a:graphic>
-          <a:graphicData uri="http://schemas.openxmlformats.org/drawingml/2006/table">
-            <a:tbl>
-              <a:tblPr firstRow="1" bandRow="1">
-                <a:tableStyleId>{5C22544A-7EE6-4342-B048-85BDC9FD1C3A}</a:tableStyleId>
-              </a:tblPr>
-              <a:tblGrid>
-                <a:gridCol w="1028037">
-                  <a:extLst>
-                    <a:ext uri="{9D8B030D-6E8A-4147-A177-3AD203B41FA5}">
-                      <a16:colId xmlns:a16="http://schemas.microsoft.com/office/drawing/2014/main" val="2180251572"/>
-                    </a:ext>
-                  </a:extLst>
-                </a:gridCol>
-                <a:gridCol w="1053986">
-                  <a:extLst>
-                    <a:ext uri="{9D8B030D-6E8A-4147-A177-3AD203B41FA5}">
-                      <a16:colId xmlns:a16="http://schemas.microsoft.com/office/drawing/2014/main" val="2094606021"/>
-                    </a:ext>
-                  </a:extLst>
-                </a:gridCol>
-                <a:gridCol w="1053986">
-                  <a:extLst>
-                    <a:ext uri="{9D8B030D-6E8A-4147-A177-3AD203B41FA5}">
-                      <a16:colId xmlns:a16="http://schemas.microsoft.com/office/drawing/2014/main" val="3658194246"/>
-                    </a:ext>
-                  </a:extLst>
-                </a:gridCol>
-                <a:gridCol w="1053986">
-                  <a:extLst>
-                    <a:ext uri="{9D8B030D-6E8A-4147-A177-3AD203B41FA5}">
-                      <a16:colId xmlns:a16="http://schemas.microsoft.com/office/drawing/2014/main" val="2463708021"/>
-                    </a:ext>
-                  </a:extLst>
-                </a:gridCol>
-              </a:tblGrid>
-              <a:tr h="0">
-                <a:tc>
-                  <a:txBody>
-                    <a:bodyPr/>
-                    <a:lstStyle/>
-                    <a:p>
-                      <a:r>
-                        <a:rPr kumimoji="1" lang="en-US" altLang="ja-JP" dirty="0"/>
-                        <a:t>Type</a:t>
-                      </a:r>
-                      <a:endParaRPr kumimoji="1" lang="ja-JP" altLang="en-US" dirty="0"/>
-                    </a:p>
-                  </a:txBody>
-                  <a:tcPr/>
-                </a:tc>
-                <a:tc>
-                  <a:txBody>
-                    <a:bodyPr/>
-                    <a:lstStyle/>
-                    <a:p>
-                      <a:r>
-                        <a:rPr kumimoji="1" lang="en-US" altLang="ja-JP" dirty="0"/>
-                        <a:t>Count</a:t>
-                      </a:r>
-                      <a:endParaRPr kumimoji="1" lang="ja-JP" altLang="en-US" dirty="0"/>
-                    </a:p>
-                  </a:txBody>
-                  <a:tcPr/>
-                </a:tc>
-                <a:tc>
-                  <a:txBody>
-                    <a:bodyPr/>
-                    <a:lstStyle/>
-                    <a:p>
-                      <a:r>
-                        <a:rPr kumimoji="1" lang="en-US" altLang="ja-JP" sz="1400" dirty="0"/>
-                        <a:t>currency</a:t>
-                      </a:r>
-                      <a:endParaRPr kumimoji="1" lang="ja-JP" altLang="en-US" sz="1400" dirty="0"/>
-                    </a:p>
-                  </a:txBody>
-                  <a:tcPr/>
-                </a:tc>
-                <a:tc>
-                  <a:txBody>
-                    <a:bodyPr/>
-                    <a:lstStyle/>
-                    <a:p>
-                      <a:r>
-                        <a:rPr kumimoji="1" lang="en-US" altLang="ja-JP" dirty="0"/>
-                        <a:t>JPY</a:t>
-                      </a:r>
-                      <a:endParaRPr kumimoji="1" lang="ja-JP" altLang="en-US" dirty="0"/>
-                    </a:p>
-                  </a:txBody>
-                  <a:tcPr/>
-                </a:tc>
-                <a:extLst>
-                  <a:ext uri="{0D108BD9-81ED-4DB2-BD59-A6C34878D82A}">
-                    <a16:rowId xmlns:a16="http://schemas.microsoft.com/office/drawing/2014/main" val="3636590592"/>
-                  </a:ext>
-                </a:extLst>
-              </a:tr>
-              <a:tr h="316188">
-                <a:tc>
-                  <a:txBody>
-                    <a:bodyPr/>
-                    <a:lstStyle/>
-                    <a:p>
-                      <a:r>
-                        <a:rPr kumimoji="1" lang="en-US" altLang="ja-JP" sz="1200" dirty="0" err="1"/>
-                        <a:t>Domitory</a:t>
-                      </a:r>
-                      <a:endParaRPr kumimoji="1" lang="ja-JP" altLang="en-US" sz="1200" dirty="0"/>
-                    </a:p>
-                  </a:txBody>
-                  <a:tcPr/>
-                </a:tc>
-                <a:tc>
-                  <a:txBody>
-                    <a:bodyPr/>
-                    <a:lstStyle/>
-                    <a:p>
-                      <a:r>
-                        <a:rPr kumimoji="1" lang="en-US" altLang="ja-JP" dirty="0"/>
-                        <a:t>100</a:t>
-                      </a:r>
-                      <a:endParaRPr kumimoji="1" lang="ja-JP" altLang="en-US" dirty="0"/>
-                    </a:p>
-                  </a:txBody>
-                  <a:tcPr/>
-                </a:tc>
-                <a:tc>
-                  <a:txBody>
-                    <a:bodyPr/>
-                    <a:lstStyle/>
-                    <a:p>
-                      <a:r>
-                        <a:rPr kumimoji="1" lang="en-US" altLang="ja-JP" dirty="0"/>
-                        <a:t>400</a:t>
-                      </a:r>
-                      <a:endParaRPr kumimoji="1" lang="ja-JP" altLang="en-US" dirty="0"/>
-                    </a:p>
-                  </a:txBody>
-                  <a:tcPr/>
-                </a:tc>
-                <a:tc>
-                  <a:txBody>
-                    <a:bodyPr/>
-                    <a:lstStyle/>
-                    <a:p>
-                      <a:r>
-                        <a:rPr kumimoji="1" lang="en-US" altLang="ja-JP" dirty="0"/>
-                        <a:t>3000</a:t>
-                      </a:r>
-                      <a:endParaRPr kumimoji="1" lang="ja-JP" altLang="en-US" dirty="0"/>
-                    </a:p>
-                  </a:txBody>
-                  <a:tcPr/>
-                </a:tc>
-                <a:extLst>
-                  <a:ext uri="{0D108BD9-81ED-4DB2-BD59-A6C34878D82A}">
-                    <a16:rowId xmlns:a16="http://schemas.microsoft.com/office/drawing/2014/main" val="1248227337"/>
-                  </a:ext>
-                </a:extLst>
-              </a:tr>
-              <a:tr h="316188">
-                <a:tc>
-                  <a:txBody>
-                    <a:bodyPr/>
-                    <a:lstStyle/>
-                    <a:p>
-                      <a:r>
-                        <a:rPr kumimoji="1" lang="en-US" altLang="ja-JP" sz="1200" dirty="0"/>
-                        <a:t>Single</a:t>
-                      </a:r>
-                      <a:r>
-                        <a:rPr kumimoji="1" lang="ja-JP" altLang="en-US" sz="1200" dirty="0"/>
-                        <a:t> </a:t>
-                      </a:r>
-                      <a:r>
-                        <a:rPr kumimoji="1" lang="en-US" altLang="ja-JP" sz="1200" dirty="0"/>
-                        <a:t>room</a:t>
-                      </a:r>
-                      <a:endParaRPr kumimoji="1" lang="ja-JP" altLang="en-US" sz="1200" dirty="0"/>
-                    </a:p>
-                  </a:txBody>
-                  <a:tcPr/>
-                </a:tc>
-                <a:tc>
-                  <a:txBody>
-                    <a:bodyPr/>
-                    <a:lstStyle/>
-                    <a:p>
-                      <a:r>
-                        <a:rPr kumimoji="1" lang="en-US" altLang="ja-JP" dirty="0"/>
-                        <a:t>200</a:t>
-                      </a:r>
-                      <a:endParaRPr kumimoji="1" lang="ja-JP" altLang="en-US" dirty="0"/>
-                    </a:p>
-                  </a:txBody>
-                  <a:tcPr/>
-                </a:tc>
-                <a:tc>
-                  <a:txBody>
-                    <a:bodyPr/>
-                    <a:lstStyle/>
-                    <a:p>
-                      <a:r>
-                        <a:rPr kumimoji="1" lang="en-US" altLang="ja-JP" dirty="0"/>
-                        <a:t>500</a:t>
-                      </a:r>
-                      <a:endParaRPr kumimoji="1" lang="ja-JP" altLang="en-US" dirty="0"/>
-                    </a:p>
-                  </a:txBody>
-                  <a:tcPr/>
-                </a:tc>
-                <a:tc>
-                  <a:txBody>
-                    <a:bodyPr/>
-                    <a:lstStyle/>
-                    <a:p>
-                      <a:r>
-                        <a:rPr kumimoji="1" lang="en-US" altLang="ja-JP" dirty="0"/>
-                        <a:t>5000</a:t>
-                      </a:r>
-                      <a:endParaRPr kumimoji="1" lang="ja-JP" altLang="en-US" dirty="0"/>
-                    </a:p>
-                  </a:txBody>
-                  <a:tcPr/>
-                </a:tc>
-                <a:extLst>
-                  <a:ext uri="{0D108BD9-81ED-4DB2-BD59-A6C34878D82A}">
-                    <a16:rowId xmlns:a16="http://schemas.microsoft.com/office/drawing/2014/main" val="2386127515"/>
-                  </a:ext>
-                </a:extLst>
-              </a:tr>
-              <a:tr h="316188">
-                <a:tc>
-                  <a:txBody>
-                    <a:bodyPr/>
-                    <a:lstStyle/>
-                    <a:p>
-                      <a:r>
-                        <a:rPr kumimoji="1" lang="en-US" altLang="ja-JP" sz="1400" dirty="0"/>
-                        <a:t>…</a:t>
-                      </a:r>
-                      <a:endParaRPr kumimoji="1" lang="ja-JP" altLang="en-US" sz="1400" dirty="0"/>
-                    </a:p>
-                  </a:txBody>
-                  <a:tcPr/>
-                </a:tc>
-                <a:tc>
-                  <a:txBody>
-                    <a:bodyPr/>
-                    <a:lstStyle/>
-                    <a:p>
-                      <a:endParaRPr kumimoji="1" lang="ja-JP" altLang="en-US" dirty="0"/>
-                    </a:p>
-                  </a:txBody>
-                  <a:tcPr/>
-                </a:tc>
-                <a:tc>
-                  <a:txBody>
-                    <a:bodyPr/>
-                    <a:lstStyle/>
-                    <a:p>
-                      <a:endParaRPr kumimoji="1" lang="ja-JP" altLang="en-US" dirty="0"/>
-                    </a:p>
-                  </a:txBody>
-                  <a:tcPr/>
-                </a:tc>
-                <a:tc>
-                  <a:txBody>
-                    <a:bodyPr/>
-                    <a:lstStyle/>
-                    <a:p>
-                      <a:endParaRPr kumimoji="1" lang="ja-JP" altLang="en-US" dirty="0"/>
-                    </a:p>
-                  </a:txBody>
-                  <a:tcPr/>
-                </a:tc>
-                <a:extLst>
-                  <a:ext uri="{0D108BD9-81ED-4DB2-BD59-A6C34878D82A}">
-                    <a16:rowId xmlns:a16="http://schemas.microsoft.com/office/drawing/2014/main" val="3940284596"/>
-                  </a:ext>
-                </a:extLst>
-              </a:tr>
-            </a:tbl>
-          </a:graphicData>
-        </a:graphic>
-      </p:graphicFrame>
-      <p:sp>
-        <p:nvSpPr>
-          <p:cNvPr id="22" name="正方形/長方形 21">
-            <a:extLst>
-              <a:ext uri="{FF2B5EF4-FFF2-40B4-BE49-F238E27FC236}">
-                <a16:creationId xmlns:a16="http://schemas.microsoft.com/office/drawing/2014/main" id="{49F21CE7-9184-8F70-460C-13B3B81A3940}"/>
-              </a:ext>
-            </a:extLst>
-          </p:cNvPr>
-          <p:cNvSpPr/>
-          <p:nvPr/>
-        </p:nvSpPr>
-        <p:spPr>
-          <a:xfrm>
-            <a:off x="8787113" y="4026544"/>
-            <a:ext cx="1521033" cy="292359"/>
-          </a:xfrm>
-          <a:prstGeom prst="rect">
-            <a:avLst/>
-          </a:prstGeom>
-        </p:spPr>
-        <p:style>
-          <a:lnRef idx="2">
-            <a:schemeClr val="dk1"/>
-          </a:lnRef>
-          <a:fillRef idx="1">
-            <a:schemeClr val="lt1"/>
-          </a:fillRef>
-          <a:effectRef idx="0">
-            <a:schemeClr val="dk1"/>
-          </a:effectRef>
-          <a:fontRef idx="minor">
-            <a:schemeClr val="dk1"/>
-          </a:fontRef>
-        </p:style>
-        <p:txBody>
-          <a:bodyPr rtlCol="0" anchor="ctr"/>
-          <a:lstStyle/>
-          <a:p>
-            <a:pPr algn="ctr"/>
-            <a:r>
-              <a:rPr kumimoji="1" lang="en-US" altLang="ja-JP" dirty="0"/>
-              <a:t>Single room</a:t>
-            </a:r>
-            <a:endParaRPr kumimoji="1" lang="ja-JP" altLang="en-US" dirty="0"/>
-          </a:p>
-        </p:txBody>
-      </p:sp>
-      <p:sp>
-        <p:nvSpPr>
-          <p:cNvPr id="23" name="動作設定ボタン: 戻る/前へ 22">
-            <a:hlinkClick r:id="" action="ppaction://hlinkshowjump?jump=previousslide" highlightClick="1"/>
-            <a:extLst>
-              <a:ext uri="{FF2B5EF4-FFF2-40B4-BE49-F238E27FC236}">
-                <a16:creationId xmlns:a16="http://schemas.microsoft.com/office/drawing/2014/main" id="{14E1B59F-941A-09CD-2AA6-B07C5E64A421}"/>
-              </a:ext>
-            </a:extLst>
-          </p:cNvPr>
-          <p:cNvSpPr/>
-          <p:nvPr/>
-        </p:nvSpPr>
-        <p:spPr>
-          <a:xfrm rot="16200000">
-            <a:off x="10227775" y="4075110"/>
-            <a:ext cx="365145" cy="204403"/>
-          </a:xfrm>
-          <a:prstGeom prst="actionButtonBackPrevious">
-            <a:avLst/>
-          </a:prstGeom>
-        </p:spPr>
-        <p:style>
-          <a:lnRef idx="2">
-            <a:schemeClr val="dk1"/>
-          </a:lnRef>
-          <a:fillRef idx="1">
-            <a:schemeClr val="lt1"/>
-          </a:fillRef>
-          <a:effectRef idx="0">
-            <a:schemeClr val="dk1"/>
-          </a:effectRef>
-          <a:fontRef idx="minor">
-            <a:schemeClr val="dk1"/>
-          </a:fontRef>
-        </p:style>
-        <p:txBody>
-          <a:bodyPr rtlCol="0" anchor="ctr"/>
-          <a:lstStyle/>
-          <a:p>
-            <a:pPr algn="ctr"/>
-            <a:endParaRPr kumimoji="1" lang="ja-JP" altLang="en-US"/>
-          </a:p>
-        </p:txBody>
-      </p:sp>
-      <p:sp>
-        <p:nvSpPr>
-          <p:cNvPr id="24" name="正方形/長方形 23">
-            <a:extLst>
-              <a:ext uri="{FF2B5EF4-FFF2-40B4-BE49-F238E27FC236}">
-                <a16:creationId xmlns:a16="http://schemas.microsoft.com/office/drawing/2014/main" id="{B471E07D-D81F-F8D3-6E67-11D6974C0824}"/>
-              </a:ext>
-            </a:extLst>
-          </p:cNvPr>
-          <p:cNvSpPr/>
-          <p:nvPr/>
-        </p:nvSpPr>
-        <p:spPr>
-          <a:xfrm>
-            <a:off x="7935805" y="2726762"/>
-            <a:ext cx="193366" cy="914400"/>
-          </a:xfrm>
-          <a:prstGeom prst="rect">
-            <a:avLst/>
-          </a:prstGeom>
-        </p:spPr>
-        <p:style>
-          <a:lnRef idx="2">
-            <a:schemeClr val="dk1"/>
-          </a:lnRef>
-          <a:fillRef idx="1">
-            <a:schemeClr val="lt1"/>
-          </a:fillRef>
-          <a:effectRef idx="0">
-            <a:schemeClr val="dk1"/>
-          </a:effectRef>
-          <a:fontRef idx="minor">
-            <a:schemeClr val="dk1"/>
-          </a:fontRef>
-        </p:style>
-        <p:txBody>
-          <a:bodyPr rtlCol="0" anchor="ctr"/>
-          <a:lstStyle/>
-          <a:p>
-            <a:pPr algn="ctr"/>
-            <a:endParaRPr kumimoji="1" lang="ja-JP" altLang="en-US"/>
-          </a:p>
-        </p:txBody>
-      </p:sp>
-      <p:sp>
-        <p:nvSpPr>
-          <p:cNvPr id="25" name="動作設定ボタン: 戻る/前へ 24">
-            <a:hlinkClick r:id="" action="ppaction://hlinkshowjump?jump=previousslide" highlightClick="1"/>
-            <a:extLst>
-              <a:ext uri="{FF2B5EF4-FFF2-40B4-BE49-F238E27FC236}">
-                <a16:creationId xmlns:a16="http://schemas.microsoft.com/office/drawing/2014/main" id="{91296E73-F91C-F344-9144-880E85B03B56}"/>
-              </a:ext>
-            </a:extLst>
-          </p:cNvPr>
-          <p:cNvSpPr/>
-          <p:nvPr/>
-        </p:nvSpPr>
-        <p:spPr>
-          <a:xfrm rot="5400000">
-            <a:off x="7827179" y="2455256"/>
-            <a:ext cx="365145" cy="204403"/>
-          </a:xfrm>
-          <a:prstGeom prst="actionButtonBackPrevious">
-            <a:avLst/>
-          </a:prstGeom>
-        </p:spPr>
-        <p:style>
-          <a:lnRef idx="2">
-            <a:schemeClr val="dk1"/>
-          </a:lnRef>
-          <a:fillRef idx="1">
-            <a:schemeClr val="lt1"/>
-          </a:fillRef>
-          <a:effectRef idx="0">
-            <a:schemeClr val="dk1"/>
-          </a:effectRef>
-          <a:fontRef idx="minor">
-            <a:schemeClr val="dk1"/>
-          </a:fontRef>
-        </p:style>
-        <p:txBody>
-          <a:bodyPr rtlCol="0" anchor="ctr"/>
-          <a:lstStyle/>
-          <a:p>
-            <a:pPr algn="ctr"/>
-            <a:endParaRPr kumimoji="1" lang="ja-JP" altLang="en-US"/>
-          </a:p>
-        </p:txBody>
-      </p:sp>
-      <p:sp>
-        <p:nvSpPr>
-          <p:cNvPr id="26" name="動作設定ボタン: 戻る/前へ 25">
-            <a:hlinkClick r:id="" action="ppaction://hlinkshowjump?jump=previousslide" highlightClick="1"/>
-            <a:extLst>
-              <a:ext uri="{FF2B5EF4-FFF2-40B4-BE49-F238E27FC236}">
-                <a16:creationId xmlns:a16="http://schemas.microsoft.com/office/drawing/2014/main" id="{5AB54CDE-550E-F037-1C7E-2607947A55E6}"/>
-              </a:ext>
-            </a:extLst>
-          </p:cNvPr>
-          <p:cNvSpPr/>
-          <p:nvPr/>
-        </p:nvSpPr>
-        <p:spPr>
-          <a:xfrm rot="16200000">
-            <a:off x="7844397" y="3623389"/>
-            <a:ext cx="365145" cy="204403"/>
-          </a:xfrm>
-          <a:prstGeom prst="actionButtonBackPrevious">
-            <a:avLst/>
-          </a:prstGeom>
-        </p:spPr>
-        <p:style>
-          <a:lnRef idx="2">
-            <a:schemeClr val="dk1"/>
-          </a:lnRef>
-          <a:fillRef idx="1">
-            <a:schemeClr val="lt1"/>
-          </a:fillRef>
-          <a:effectRef idx="0">
-            <a:schemeClr val="dk1"/>
-          </a:effectRef>
-          <a:fontRef idx="minor">
-            <a:schemeClr val="dk1"/>
-          </a:fontRef>
-        </p:style>
-        <p:txBody>
-          <a:bodyPr rtlCol="0" anchor="ctr"/>
-          <a:lstStyle/>
-          <a:p>
-            <a:pPr algn="ctr"/>
-            <a:endParaRPr kumimoji="1" lang="ja-JP" altLang="en-US"/>
-          </a:p>
-        </p:txBody>
-      </p:sp>
-      <p:graphicFrame>
-        <p:nvGraphicFramePr>
-          <p:cNvPr id="27" name="表 26">
-            <a:extLst>
-              <a:ext uri="{FF2B5EF4-FFF2-40B4-BE49-F238E27FC236}">
-                <a16:creationId xmlns:a16="http://schemas.microsoft.com/office/drawing/2014/main" id="{0A3C6930-5411-4649-2795-52BD517A55AE}"/>
-              </a:ext>
-            </a:extLst>
-          </p:cNvPr>
-          <p:cNvGraphicFramePr>
-            <a:graphicFrameLocks noGrp="1"/>
-          </p:cNvGraphicFramePr>
-          <p:nvPr>
-            <p:extLst>
-              <p:ext uri="{D42A27DB-BD31-4B8C-83A1-F6EECF244321}">
-                <p14:modId xmlns:p14="http://schemas.microsoft.com/office/powerpoint/2010/main" val="1971012226"/>
-              </p:ext>
-            </p:extLst>
-          </p:nvPr>
-        </p:nvGraphicFramePr>
-        <p:xfrm>
-          <a:off x="3540018" y="4540639"/>
-          <a:ext cx="6768126" cy="1529080"/>
-        </p:xfrm>
-        <a:graphic>
-          <a:graphicData uri="http://schemas.openxmlformats.org/drawingml/2006/table">
-            <a:tbl>
-              <a:tblPr firstRow="1" bandRow="1">
-                <a:tableStyleId>{5C22544A-7EE6-4342-B048-85BDC9FD1C3A}</a:tableStyleId>
-              </a:tblPr>
-              <a:tblGrid>
-                <a:gridCol w="1128021">
-                  <a:extLst>
-                    <a:ext uri="{9D8B030D-6E8A-4147-A177-3AD203B41FA5}">
-                      <a16:colId xmlns:a16="http://schemas.microsoft.com/office/drawing/2014/main" val="3961256979"/>
-                    </a:ext>
-                  </a:extLst>
-                </a:gridCol>
-                <a:gridCol w="1128021">
-                  <a:extLst>
-                    <a:ext uri="{9D8B030D-6E8A-4147-A177-3AD203B41FA5}">
-                      <a16:colId xmlns:a16="http://schemas.microsoft.com/office/drawing/2014/main" val="192759414"/>
-                    </a:ext>
-                  </a:extLst>
-                </a:gridCol>
-                <a:gridCol w="1128021">
-                  <a:extLst>
-                    <a:ext uri="{9D8B030D-6E8A-4147-A177-3AD203B41FA5}">
-                      <a16:colId xmlns:a16="http://schemas.microsoft.com/office/drawing/2014/main" val="490794955"/>
-                    </a:ext>
-                  </a:extLst>
-                </a:gridCol>
-                <a:gridCol w="1128021">
-                  <a:extLst>
-                    <a:ext uri="{9D8B030D-6E8A-4147-A177-3AD203B41FA5}">
-                      <a16:colId xmlns:a16="http://schemas.microsoft.com/office/drawing/2014/main" val="2971086802"/>
-                    </a:ext>
-                  </a:extLst>
-                </a:gridCol>
-                <a:gridCol w="1128021">
-                  <a:extLst>
-                    <a:ext uri="{9D8B030D-6E8A-4147-A177-3AD203B41FA5}">
-                      <a16:colId xmlns:a16="http://schemas.microsoft.com/office/drawing/2014/main" val="1004931420"/>
-                    </a:ext>
-                  </a:extLst>
-                </a:gridCol>
-                <a:gridCol w="1128021">
-                  <a:extLst>
-                    <a:ext uri="{9D8B030D-6E8A-4147-A177-3AD203B41FA5}">
-                      <a16:colId xmlns:a16="http://schemas.microsoft.com/office/drawing/2014/main" val="892224834"/>
-                    </a:ext>
-                  </a:extLst>
-                </a:gridCol>
-              </a:tblGrid>
-              <a:tr h="370840">
-                <a:tc>
-                  <a:txBody>
-                    <a:bodyPr/>
-                    <a:lstStyle/>
-                    <a:p>
-                      <a:r>
-                        <a:rPr kumimoji="1" lang="en-US" altLang="ja-JP" dirty="0"/>
-                        <a:t>date</a:t>
-                      </a:r>
-                      <a:endParaRPr kumimoji="1" lang="ja-JP" altLang="en-US" dirty="0"/>
-                    </a:p>
-                  </a:txBody>
-                  <a:tcPr/>
-                </a:tc>
-                <a:tc>
-                  <a:txBody>
-                    <a:bodyPr/>
-                    <a:lstStyle/>
-                    <a:p>
-                      <a:r>
-                        <a:rPr kumimoji="1" lang="en-US" altLang="ja-JP" dirty="0"/>
-                        <a:t>country</a:t>
-                      </a:r>
-                      <a:endParaRPr kumimoji="1" lang="ja-JP" altLang="en-US" dirty="0"/>
-                    </a:p>
-                  </a:txBody>
-                  <a:tcPr/>
-                </a:tc>
-                <a:tc>
-                  <a:txBody>
-                    <a:bodyPr/>
-                    <a:lstStyle/>
-                    <a:p>
-                      <a:r>
-                        <a:rPr kumimoji="1" lang="en-US" altLang="ja-JP" dirty="0"/>
-                        <a:t>region</a:t>
-                      </a:r>
-                      <a:endParaRPr kumimoji="1" lang="ja-JP" altLang="en-US" dirty="0"/>
-                    </a:p>
-                  </a:txBody>
-                  <a:tcPr/>
-                </a:tc>
-                <a:tc>
-                  <a:txBody>
-                    <a:bodyPr/>
-                    <a:lstStyle/>
-                    <a:p>
-                      <a:r>
-                        <a:rPr kumimoji="1" lang="en-US" altLang="ja-JP" dirty="0"/>
-                        <a:t>price</a:t>
-                      </a:r>
-                      <a:endParaRPr kumimoji="1" lang="ja-JP" altLang="en-US" dirty="0"/>
-                    </a:p>
-                  </a:txBody>
-                  <a:tcPr/>
-                </a:tc>
-                <a:tc>
-                  <a:txBody>
-                    <a:bodyPr/>
-                    <a:lstStyle/>
-                    <a:p>
-                      <a:r>
-                        <a:rPr kumimoji="1" lang="en-US" altLang="ja-JP" dirty="0"/>
-                        <a:t>JPY</a:t>
-                      </a:r>
-                      <a:endParaRPr kumimoji="1" lang="ja-JP" altLang="en-US" dirty="0"/>
-                    </a:p>
-                  </a:txBody>
-                  <a:tcPr/>
-                </a:tc>
-                <a:tc>
-                  <a:txBody>
-                    <a:bodyPr/>
-                    <a:lstStyle/>
-                    <a:p>
-                      <a:r>
-                        <a:rPr kumimoji="1" lang="en-US" altLang="ja-JP" dirty="0"/>
-                        <a:t>memo</a:t>
-                      </a:r>
-                      <a:endParaRPr kumimoji="1" lang="ja-JP" altLang="en-US" dirty="0"/>
-                    </a:p>
-                  </a:txBody>
-                  <a:tcPr/>
-                </a:tc>
-                <a:extLst>
-                  <a:ext uri="{0D108BD9-81ED-4DB2-BD59-A6C34878D82A}">
-                    <a16:rowId xmlns:a16="http://schemas.microsoft.com/office/drawing/2014/main" val="2542749003"/>
-                  </a:ext>
-                </a:extLst>
-              </a:tr>
-              <a:tr h="370840">
-                <a:tc>
-                  <a:txBody>
-                    <a:bodyPr/>
-                    <a:lstStyle/>
-                    <a:p>
-                      <a:r>
-                        <a:rPr kumimoji="1" lang="en-US" altLang="ja-JP" sz="1600" dirty="0"/>
-                        <a:t>2022/11/1</a:t>
-                      </a:r>
-                      <a:endParaRPr kumimoji="1" lang="ja-JP" altLang="en-US" sz="1600" dirty="0"/>
-                    </a:p>
-                  </a:txBody>
-                  <a:tcPr/>
-                </a:tc>
-                <a:tc>
-                  <a:txBody>
-                    <a:bodyPr/>
-                    <a:lstStyle/>
-                    <a:p>
-                      <a:r>
-                        <a:rPr kumimoji="1" lang="en-US" altLang="ja-JP" dirty="0" err="1"/>
-                        <a:t>japan</a:t>
-                      </a:r>
-                      <a:endParaRPr kumimoji="1" lang="ja-JP" altLang="en-US" dirty="0"/>
-                    </a:p>
-                  </a:txBody>
-                  <a:tcPr/>
-                </a:tc>
-                <a:tc>
-                  <a:txBody>
-                    <a:bodyPr/>
-                    <a:lstStyle/>
-                    <a:p>
-                      <a:r>
-                        <a:rPr kumimoji="1" lang="en-US" altLang="ja-JP" dirty="0" err="1"/>
-                        <a:t>tokyo</a:t>
-                      </a:r>
-                      <a:endParaRPr kumimoji="1" lang="ja-JP" altLang="en-US" dirty="0"/>
-                    </a:p>
-                  </a:txBody>
-                  <a:tcPr/>
-                </a:tc>
-                <a:tc>
-                  <a:txBody>
-                    <a:bodyPr/>
-                    <a:lstStyle/>
-                    <a:p>
-                      <a:r>
-                        <a:rPr kumimoji="1" lang="en-US" altLang="ja-JP" dirty="0"/>
-                        <a:t>4000</a:t>
-                      </a:r>
-                      <a:endParaRPr kumimoji="1" lang="ja-JP" altLang="en-US" dirty="0"/>
-                    </a:p>
-                  </a:txBody>
-                  <a:tcPr/>
-                </a:tc>
-                <a:tc>
-                  <a:txBody>
-                    <a:bodyPr/>
-                    <a:lstStyle/>
-                    <a:p>
-                      <a:r>
-                        <a:rPr kumimoji="1" lang="en-US" altLang="ja-JP" dirty="0"/>
-                        <a:t>4000</a:t>
-                      </a:r>
-                      <a:endParaRPr kumimoji="1" lang="ja-JP" altLang="en-US" dirty="0"/>
-                    </a:p>
-                  </a:txBody>
-                  <a:tcPr/>
-                </a:tc>
-                <a:tc>
-                  <a:txBody>
-                    <a:bodyPr/>
-                    <a:lstStyle/>
-                    <a:p>
-                      <a:r>
-                        <a:rPr kumimoji="1" lang="en-US" altLang="ja-JP" dirty="0"/>
-                        <a:t>-</a:t>
-                      </a:r>
-                      <a:endParaRPr kumimoji="1" lang="ja-JP" altLang="en-US" dirty="0"/>
-                    </a:p>
-                  </a:txBody>
-                  <a:tcPr/>
-                </a:tc>
-                <a:extLst>
-                  <a:ext uri="{0D108BD9-81ED-4DB2-BD59-A6C34878D82A}">
-                    <a16:rowId xmlns:a16="http://schemas.microsoft.com/office/drawing/2014/main" val="2560975394"/>
-                  </a:ext>
-                </a:extLst>
-              </a:tr>
-              <a:tr h="370840">
-                <a:tc>
-                  <a:txBody>
-                    <a:bodyPr/>
-                    <a:lstStyle/>
-                    <a:p>
-                      <a:r>
-                        <a:rPr kumimoji="1" lang="en-US" altLang="ja-JP" sz="1600" dirty="0"/>
-                        <a:t>2022/11/2</a:t>
-                      </a:r>
-                      <a:endParaRPr kumimoji="1" lang="ja-JP" altLang="en-US" sz="1600" dirty="0"/>
-                    </a:p>
-                  </a:txBody>
-                  <a:tcPr/>
-                </a:tc>
-                <a:tc>
-                  <a:txBody>
-                    <a:bodyPr/>
-                    <a:lstStyle/>
-                    <a:p>
-                      <a:r>
-                        <a:rPr kumimoji="1" lang="en-US" altLang="ja-JP" dirty="0" err="1"/>
-                        <a:t>japan</a:t>
-                      </a:r>
-                      <a:endParaRPr kumimoji="1" lang="ja-JP" altLang="en-US" dirty="0"/>
-                    </a:p>
-                  </a:txBody>
-                  <a:tcPr/>
-                </a:tc>
-                <a:tc>
-                  <a:txBody>
-                    <a:bodyPr/>
-                    <a:lstStyle/>
-                    <a:p>
-                      <a:r>
-                        <a:rPr kumimoji="1" lang="en-US" altLang="ja-JP" dirty="0" err="1"/>
-                        <a:t>tokyo</a:t>
-                      </a:r>
-                      <a:endParaRPr kumimoji="1" lang="ja-JP" altLang="en-US" dirty="0"/>
-                    </a:p>
-                  </a:txBody>
-                  <a:tcPr/>
-                </a:tc>
-                <a:tc>
-                  <a:txBody>
-                    <a:bodyPr/>
-                    <a:lstStyle/>
-                    <a:p>
-                      <a:r>
-                        <a:rPr kumimoji="1" lang="en-US" altLang="ja-JP" dirty="0"/>
-                        <a:t>5000</a:t>
-                      </a:r>
-                      <a:endParaRPr kumimoji="1" lang="ja-JP" altLang="en-US" dirty="0"/>
-                    </a:p>
-                  </a:txBody>
-                  <a:tcPr/>
-                </a:tc>
-                <a:tc>
-                  <a:txBody>
-                    <a:bodyPr/>
-                    <a:lstStyle/>
-                    <a:p>
-                      <a:r>
-                        <a:rPr kumimoji="1" lang="en-US" altLang="ja-JP" dirty="0"/>
-                        <a:t>5000</a:t>
-                      </a:r>
-                      <a:endParaRPr kumimoji="1" lang="ja-JP" altLang="en-US" dirty="0"/>
-                    </a:p>
-                  </a:txBody>
-                  <a:tcPr/>
-                </a:tc>
-                <a:tc>
-                  <a:txBody>
-                    <a:bodyPr/>
-                    <a:lstStyle/>
-                    <a:p>
-                      <a:r>
-                        <a:rPr kumimoji="1" lang="en-US" altLang="ja-JP" dirty="0"/>
-                        <a:t>-</a:t>
-                      </a:r>
-                      <a:endParaRPr kumimoji="1" lang="ja-JP" altLang="en-US" dirty="0"/>
-                    </a:p>
-                  </a:txBody>
-                  <a:tcPr/>
-                </a:tc>
-                <a:extLst>
-                  <a:ext uri="{0D108BD9-81ED-4DB2-BD59-A6C34878D82A}">
-                    <a16:rowId xmlns:a16="http://schemas.microsoft.com/office/drawing/2014/main" val="2901386573"/>
-                  </a:ext>
-                </a:extLst>
-              </a:tr>
-            </a:tbl>
-          </a:graphicData>
-        </a:graphic>
-      </p:graphicFrame>
-      <p:sp>
-        <p:nvSpPr>
-          <p:cNvPr id="28" name="正方形/長方形 27">
-            <a:extLst>
-              <a:ext uri="{FF2B5EF4-FFF2-40B4-BE49-F238E27FC236}">
-                <a16:creationId xmlns:a16="http://schemas.microsoft.com/office/drawing/2014/main" id="{CE92AA0A-29F2-58FF-B718-FEA8ECD494A7}"/>
-              </a:ext>
-            </a:extLst>
-          </p:cNvPr>
-          <p:cNvSpPr/>
-          <p:nvPr/>
-        </p:nvSpPr>
-        <p:spPr>
-          <a:xfrm>
-            <a:off x="10301011" y="4915398"/>
-            <a:ext cx="184250" cy="903958"/>
-          </a:xfrm>
-          <a:prstGeom prst="rect">
-            <a:avLst/>
-          </a:prstGeom>
-        </p:spPr>
-        <p:style>
-          <a:lnRef idx="2">
-            <a:schemeClr val="dk1"/>
-          </a:lnRef>
-          <a:fillRef idx="1">
-            <a:schemeClr val="lt1"/>
-          </a:fillRef>
-          <a:effectRef idx="0">
-            <a:schemeClr val="dk1"/>
-          </a:effectRef>
-          <a:fontRef idx="minor">
-            <a:schemeClr val="dk1"/>
-          </a:fontRef>
-        </p:style>
-        <p:txBody>
-          <a:bodyPr rtlCol="0" anchor="ctr"/>
-          <a:lstStyle/>
-          <a:p>
-            <a:pPr algn="ctr"/>
-            <a:endParaRPr kumimoji="1" lang="ja-JP" altLang="en-US"/>
-          </a:p>
-        </p:txBody>
-      </p:sp>
-      <p:sp>
-        <p:nvSpPr>
-          <p:cNvPr id="29" name="動作設定ボタン: 戻る/前へ 28">
-            <a:hlinkClick r:id="" action="ppaction://hlinkshowjump?jump=previousslide" highlightClick="1"/>
-            <a:extLst>
-              <a:ext uri="{FF2B5EF4-FFF2-40B4-BE49-F238E27FC236}">
-                <a16:creationId xmlns:a16="http://schemas.microsoft.com/office/drawing/2014/main" id="{4E68CF44-E960-DADA-6C73-2320CE388C31}"/>
-              </a:ext>
-            </a:extLst>
-          </p:cNvPr>
-          <p:cNvSpPr/>
-          <p:nvPr/>
-        </p:nvSpPr>
-        <p:spPr>
-          <a:xfrm rot="5400000">
-            <a:off x="10208470" y="4638607"/>
-            <a:ext cx="369332" cy="184250"/>
-          </a:xfrm>
-          <a:prstGeom prst="actionButtonBackPrevious">
-            <a:avLst/>
-          </a:prstGeom>
-        </p:spPr>
-        <p:style>
-          <a:lnRef idx="2">
-            <a:schemeClr val="dk1"/>
-          </a:lnRef>
-          <a:fillRef idx="1">
-            <a:schemeClr val="lt1"/>
-          </a:fillRef>
-          <a:effectRef idx="0">
-            <a:schemeClr val="dk1"/>
-          </a:effectRef>
-          <a:fontRef idx="minor">
-            <a:schemeClr val="dk1"/>
-          </a:fontRef>
-        </p:style>
-        <p:txBody>
-          <a:bodyPr rtlCol="0" anchor="ctr"/>
-          <a:lstStyle/>
-          <a:p>
-            <a:pPr algn="ctr"/>
-            <a:endParaRPr kumimoji="1" lang="ja-JP" altLang="en-US"/>
-          </a:p>
-        </p:txBody>
-      </p:sp>
-      <p:sp>
-        <p:nvSpPr>
-          <p:cNvPr id="30" name="動作設定ボタン: 戻る/前へ 29">
-            <a:hlinkClick r:id="" action="ppaction://hlinkshowjump?jump=previousslide" highlightClick="1"/>
-            <a:extLst>
-              <a:ext uri="{FF2B5EF4-FFF2-40B4-BE49-F238E27FC236}">
-                <a16:creationId xmlns:a16="http://schemas.microsoft.com/office/drawing/2014/main" id="{DFA85525-D0C6-024B-A7E3-73DE2E89C43F}"/>
-              </a:ext>
-            </a:extLst>
-          </p:cNvPr>
-          <p:cNvSpPr/>
-          <p:nvPr/>
-        </p:nvSpPr>
-        <p:spPr>
-          <a:xfrm rot="16200000">
-            <a:off x="10251480" y="5893991"/>
-            <a:ext cx="250962" cy="170323"/>
-          </a:xfrm>
-          <a:prstGeom prst="actionButtonBackPrevious">
-            <a:avLst/>
-          </a:prstGeom>
-        </p:spPr>
-        <p:style>
-          <a:lnRef idx="2">
-            <a:schemeClr val="dk1"/>
-          </a:lnRef>
-          <a:fillRef idx="1">
-            <a:schemeClr val="lt1"/>
-          </a:fillRef>
-          <a:effectRef idx="0">
-            <a:schemeClr val="dk1"/>
-          </a:effectRef>
-          <a:fontRef idx="minor">
-            <a:schemeClr val="dk1"/>
-          </a:fontRef>
-        </p:style>
-        <p:txBody>
-          <a:bodyPr rtlCol="0" anchor="ctr"/>
-          <a:lstStyle/>
-          <a:p>
-            <a:pPr algn="ctr"/>
-            <a:endParaRPr kumimoji="1" lang="ja-JP" altLang="en-US"/>
-          </a:p>
-        </p:txBody>
-      </p:sp>
-      <p:sp>
-        <p:nvSpPr>
-          <p:cNvPr id="31" name="テキスト ボックス 30">
-            <a:extLst>
-              <a:ext uri="{FF2B5EF4-FFF2-40B4-BE49-F238E27FC236}">
-                <a16:creationId xmlns:a16="http://schemas.microsoft.com/office/drawing/2014/main" id="{3E18C0DC-6871-CCBD-5A03-C40F8F5FD82A}"/>
-              </a:ext>
-            </a:extLst>
-          </p:cNvPr>
-          <p:cNvSpPr txBox="1"/>
-          <p:nvPr/>
-        </p:nvSpPr>
-        <p:spPr>
-          <a:xfrm>
-            <a:off x="1169279" y="1613457"/>
-            <a:ext cx="2610678" cy="369332"/>
-          </a:xfrm>
-          <a:prstGeom prst="rect">
-            <a:avLst/>
-          </a:prstGeom>
-          <a:noFill/>
-        </p:spPr>
-        <p:txBody>
-          <a:bodyPr wrap="square" rtlCol="0">
-            <a:spAutoFit/>
-          </a:bodyPr>
-          <a:lstStyle/>
-          <a:p>
-            <a:r>
-              <a:rPr kumimoji="1" lang="ja-JP" altLang="en-US" dirty="0"/>
-              <a:t>〇〇〇〇</a:t>
-            </a:r>
-            <a:r>
-              <a:rPr kumimoji="1" lang="en-US" altLang="ja-JP" dirty="0"/>
-              <a:t>/</a:t>
-            </a:r>
-            <a:r>
-              <a:rPr lang="ja-JP" altLang="en-US" dirty="0"/>
-              <a:t>□□</a:t>
-            </a:r>
-            <a:r>
-              <a:rPr kumimoji="1" lang="en-US" altLang="ja-JP" dirty="0"/>
-              <a:t>/</a:t>
-            </a:r>
-            <a:r>
-              <a:rPr kumimoji="1" lang="ja-JP" altLang="en-US" dirty="0"/>
-              <a:t>△△</a:t>
-            </a:r>
-          </a:p>
-        </p:txBody>
-      </p:sp>
-      <p:sp>
-        <p:nvSpPr>
-          <p:cNvPr id="32" name="テキスト ボックス 31">
-            <a:extLst>
-              <a:ext uri="{FF2B5EF4-FFF2-40B4-BE49-F238E27FC236}">
-                <a16:creationId xmlns:a16="http://schemas.microsoft.com/office/drawing/2014/main" id="{7A2DD808-079B-F84C-3E21-93C6E468DC04}"/>
-              </a:ext>
-            </a:extLst>
-          </p:cNvPr>
-          <p:cNvSpPr txBox="1"/>
-          <p:nvPr/>
-        </p:nvSpPr>
-        <p:spPr>
-          <a:xfrm>
-            <a:off x="1860083" y="2076272"/>
-            <a:ext cx="459850" cy="369332"/>
-          </a:xfrm>
-          <a:prstGeom prst="rect">
-            <a:avLst/>
-          </a:prstGeom>
-          <a:noFill/>
-        </p:spPr>
-        <p:txBody>
-          <a:bodyPr wrap="square" rtlCol="0">
-            <a:spAutoFit/>
-          </a:bodyPr>
-          <a:lstStyle/>
-          <a:p>
-            <a:r>
-              <a:rPr kumimoji="1" lang="ja-JP" altLang="en-US" dirty="0"/>
-              <a:t>～</a:t>
-            </a:r>
-          </a:p>
-        </p:txBody>
-      </p:sp>
-      <p:sp>
-        <p:nvSpPr>
-          <p:cNvPr id="33" name="テキスト ボックス 32">
-            <a:extLst>
-              <a:ext uri="{FF2B5EF4-FFF2-40B4-BE49-F238E27FC236}">
-                <a16:creationId xmlns:a16="http://schemas.microsoft.com/office/drawing/2014/main" id="{68EA1AC4-A6E7-5FE8-14FD-783C35DB4E4A}"/>
-              </a:ext>
-            </a:extLst>
-          </p:cNvPr>
-          <p:cNvSpPr txBox="1"/>
-          <p:nvPr/>
-        </p:nvSpPr>
-        <p:spPr>
-          <a:xfrm>
-            <a:off x="1129087" y="2407136"/>
-            <a:ext cx="2610678" cy="369332"/>
-          </a:xfrm>
-          <a:prstGeom prst="rect">
-            <a:avLst/>
-          </a:prstGeom>
-          <a:noFill/>
-        </p:spPr>
-        <p:txBody>
-          <a:bodyPr wrap="square" rtlCol="0">
-            <a:spAutoFit/>
-          </a:bodyPr>
-          <a:lstStyle/>
-          <a:p>
-            <a:r>
-              <a:rPr kumimoji="1" lang="ja-JP" altLang="en-US" dirty="0"/>
-              <a:t>〇〇〇〇</a:t>
-            </a:r>
-            <a:r>
-              <a:rPr kumimoji="1" lang="en-US" altLang="ja-JP" dirty="0"/>
-              <a:t>/</a:t>
-            </a:r>
-            <a:r>
-              <a:rPr lang="ja-JP" altLang="en-US" dirty="0"/>
-              <a:t>□□</a:t>
-            </a:r>
-            <a:r>
-              <a:rPr kumimoji="1" lang="en-US" altLang="ja-JP" dirty="0"/>
-              <a:t>/</a:t>
-            </a:r>
-            <a:r>
-              <a:rPr kumimoji="1" lang="ja-JP" altLang="en-US" dirty="0"/>
-              <a:t>△△</a:t>
-            </a:r>
-          </a:p>
-        </p:txBody>
-      </p:sp>
-      <p:sp>
-        <p:nvSpPr>
-          <p:cNvPr id="34" name="正方形/長方形 33">
-            <a:extLst>
-              <a:ext uri="{FF2B5EF4-FFF2-40B4-BE49-F238E27FC236}">
-                <a16:creationId xmlns:a16="http://schemas.microsoft.com/office/drawing/2014/main" id="{695D404A-7BC1-6CE4-576B-F6198D9B1FE6}"/>
-              </a:ext>
-            </a:extLst>
-          </p:cNvPr>
-          <p:cNvSpPr/>
-          <p:nvPr/>
-        </p:nvSpPr>
-        <p:spPr>
-          <a:xfrm>
-            <a:off x="1939636" y="917912"/>
-            <a:ext cx="1423764" cy="2399015"/>
-          </a:xfrm>
-          <a:prstGeom prst="rect">
-            <a:avLst/>
-          </a:prstGeom>
-        </p:spPr>
-        <p:style>
-          <a:lnRef idx="2">
-            <a:schemeClr val="dk1"/>
-          </a:lnRef>
-          <a:fillRef idx="1">
-            <a:schemeClr val="lt1"/>
-          </a:fillRef>
-          <a:effectRef idx="0">
-            <a:schemeClr val="dk1"/>
-          </a:effectRef>
-          <a:fontRef idx="minor">
-            <a:schemeClr val="dk1"/>
-          </a:fontRef>
-        </p:style>
-        <p:txBody>
-          <a:bodyPr rtlCol="0" anchor="ctr"/>
-          <a:lstStyle/>
-          <a:p>
-            <a:pPr algn="ctr"/>
-            <a:endParaRPr kumimoji="1" lang="ja-JP" altLang="en-US"/>
-          </a:p>
-        </p:txBody>
-      </p:sp>
-      <p:sp>
-        <p:nvSpPr>
-          <p:cNvPr id="35" name="テキスト ボックス 34">
-            <a:extLst>
-              <a:ext uri="{FF2B5EF4-FFF2-40B4-BE49-F238E27FC236}">
-                <a16:creationId xmlns:a16="http://schemas.microsoft.com/office/drawing/2014/main" id="{34A61B40-4213-3625-B43E-F910943F4423}"/>
-              </a:ext>
-            </a:extLst>
-          </p:cNvPr>
-          <p:cNvSpPr txBox="1"/>
-          <p:nvPr/>
-        </p:nvSpPr>
-        <p:spPr>
-          <a:xfrm>
-            <a:off x="1939636" y="954464"/>
-            <a:ext cx="1361361" cy="2769989"/>
-          </a:xfrm>
-          <a:prstGeom prst="rect">
-            <a:avLst/>
-          </a:prstGeom>
-          <a:noFill/>
-        </p:spPr>
-        <p:txBody>
-          <a:bodyPr wrap="square" rtlCol="0">
-            <a:spAutoFit/>
-          </a:bodyPr>
-          <a:lstStyle/>
-          <a:p>
-            <a:r>
-              <a:rPr kumimoji="1" lang="en-US" altLang="ja-JP" dirty="0"/>
-              <a:t>World</a:t>
-            </a:r>
-          </a:p>
-          <a:p>
-            <a:r>
-              <a:rPr lang="en-US" altLang="ja-JP" dirty="0"/>
-              <a:t>East Asia</a:t>
-            </a:r>
-          </a:p>
-          <a:p>
-            <a:r>
-              <a:rPr lang="en-US" altLang="ja-JP" dirty="0"/>
-              <a:t>Europe</a:t>
-            </a:r>
-          </a:p>
-          <a:p>
-            <a:r>
-              <a:rPr lang="en-US" altLang="ja-JP" dirty="0"/>
-              <a:t>Africa</a:t>
-            </a:r>
-          </a:p>
-          <a:p>
-            <a:r>
-              <a:rPr kumimoji="1" lang="en-US" altLang="ja-JP" sz="1200" dirty="0"/>
-              <a:t>South America</a:t>
-            </a:r>
-          </a:p>
-          <a:p>
-            <a:r>
-              <a:rPr kumimoji="1" lang="en-US" altLang="ja-JP" dirty="0"/>
-              <a:t>Japan</a:t>
-            </a:r>
-          </a:p>
-          <a:p>
-            <a:r>
-              <a:rPr lang="en-US" altLang="ja-JP" dirty="0"/>
-              <a:t>USA</a:t>
-            </a:r>
-          </a:p>
-          <a:p>
-            <a:r>
-              <a:rPr kumimoji="1" lang="en-US" altLang="ja-JP" dirty="0"/>
-              <a:t>Canada</a:t>
-            </a:r>
-          </a:p>
-          <a:p>
-            <a:r>
-              <a:rPr kumimoji="1" lang="en-US" altLang="ja-JP" dirty="0"/>
-              <a:t>…</a:t>
-            </a:r>
-            <a:endParaRPr lang="en-US" altLang="ja-JP" dirty="0"/>
-          </a:p>
-          <a:p>
-            <a:endParaRPr kumimoji="1" lang="ja-JP" altLang="en-US" dirty="0"/>
-          </a:p>
-        </p:txBody>
-      </p:sp>
-      <p:sp>
-        <p:nvSpPr>
-          <p:cNvPr id="36" name="テキスト ボックス 35">
-            <a:extLst>
-              <a:ext uri="{FF2B5EF4-FFF2-40B4-BE49-F238E27FC236}">
-                <a16:creationId xmlns:a16="http://schemas.microsoft.com/office/drawing/2014/main" id="{2A55B900-C6BC-D516-6486-157F765AE86A}"/>
-              </a:ext>
-            </a:extLst>
-          </p:cNvPr>
-          <p:cNvSpPr txBox="1"/>
-          <p:nvPr/>
-        </p:nvSpPr>
-        <p:spPr>
-          <a:xfrm>
-            <a:off x="3628638" y="1461496"/>
-            <a:ext cx="1847352" cy="369332"/>
-          </a:xfrm>
-          <a:prstGeom prst="rect">
-            <a:avLst/>
-          </a:prstGeom>
-          <a:noFill/>
-        </p:spPr>
-        <p:txBody>
-          <a:bodyPr wrap="square" rtlCol="0">
-            <a:spAutoFit/>
-          </a:bodyPr>
-          <a:lstStyle/>
-          <a:p>
-            <a:r>
-              <a:rPr kumimoji="1" lang="en-US" altLang="ja-JP" dirty="0" err="1"/>
-              <a:t>Total:xxxxxx</a:t>
-            </a:r>
-            <a:r>
-              <a:rPr kumimoji="1" lang="ja-JP" altLang="en-US" dirty="0"/>
-              <a:t>円</a:t>
-            </a:r>
-          </a:p>
-        </p:txBody>
-      </p:sp>
-      <p:sp>
-        <p:nvSpPr>
-          <p:cNvPr id="13" name="四角形: 角を丸くする 12">
-            <a:extLst>
-              <a:ext uri="{FF2B5EF4-FFF2-40B4-BE49-F238E27FC236}">
-                <a16:creationId xmlns:a16="http://schemas.microsoft.com/office/drawing/2014/main" id="{F1C98899-2DC1-07E9-BA78-BAE958A05FFD}"/>
-              </a:ext>
-            </a:extLst>
-          </p:cNvPr>
-          <p:cNvSpPr/>
-          <p:nvPr/>
-        </p:nvSpPr>
-        <p:spPr>
-          <a:xfrm>
-            <a:off x="8136358" y="926725"/>
-            <a:ext cx="1598212" cy="369332"/>
-          </a:xfrm>
-          <a:prstGeom prst="roundRect">
-            <a:avLst/>
-          </a:prstGeom>
-        </p:spPr>
-        <p:style>
-          <a:lnRef idx="2">
-            <a:schemeClr val="dk1"/>
-          </a:lnRef>
-          <a:fillRef idx="1">
-            <a:schemeClr val="lt1"/>
-          </a:fillRef>
-          <a:effectRef idx="0">
-            <a:schemeClr val="dk1"/>
-          </a:effectRef>
-          <a:fontRef idx="minor">
-            <a:schemeClr val="dk1"/>
-          </a:fontRef>
-        </p:style>
-        <p:txBody>
-          <a:bodyPr rtlCol="0" anchor="ctr"/>
-          <a:lstStyle/>
-          <a:p>
-            <a:pPr algn="ctr"/>
-            <a:r>
-              <a:rPr kumimoji="1" lang="en-US" altLang="ja-JP" dirty="0"/>
-              <a:t>other</a:t>
-            </a:r>
-            <a:endParaRPr kumimoji="1" lang="ja-JP" altLang="en-US" dirty="0"/>
-          </a:p>
-        </p:txBody>
-      </p:sp>
-    </p:spTree>
-    <p:extLst>
-      <p:ext uri="{BB962C8B-B14F-4D97-AF65-F5344CB8AC3E}">
-        <p14:creationId xmlns:p14="http://schemas.microsoft.com/office/powerpoint/2010/main" val="2131532859"/>
-      </p:ext>
-    </p:extLst>
-  </p:cSld>
-  <p:clrMapOvr>
-    <a:masterClrMapping/>
-  </p:clrMapOvr>
-</p:sld>
-</file>
-
 <file path=ppt/theme/theme1.xml><?xml version="1.0" encoding="utf-8"?>
 <a:theme xmlns:a="http://schemas.openxmlformats.org/drawingml/2006/main" name="Office テーマ">
   <a:themeElements>

--- a/models/UI.pptx
+++ b/models/UI.pptx
@@ -9,20 +9,21 @@
     <p:sldId id="270" r:id="rId3"/>
     <p:sldId id="271" r:id="rId4"/>
     <p:sldId id="273" r:id="rId5"/>
-    <p:sldId id="272" r:id="rId6"/>
-    <p:sldId id="269" r:id="rId7"/>
-    <p:sldId id="268" r:id="rId8"/>
-    <p:sldId id="262" r:id="rId9"/>
-    <p:sldId id="257" r:id="rId10"/>
-    <p:sldId id="260" r:id="rId11"/>
-    <p:sldId id="258" r:id="rId12"/>
-    <p:sldId id="259" r:id="rId13"/>
-    <p:sldId id="261" r:id="rId14"/>
-    <p:sldId id="267" r:id="rId15"/>
-    <p:sldId id="263" r:id="rId16"/>
-    <p:sldId id="264" r:id="rId17"/>
-    <p:sldId id="265" r:id="rId18"/>
-    <p:sldId id="266" r:id="rId19"/>
+    <p:sldId id="274" r:id="rId6"/>
+    <p:sldId id="272" r:id="rId7"/>
+    <p:sldId id="269" r:id="rId8"/>
+    <p:sldId id="268" r:id="rId9"/>
+    <p:sldId id="262" r:id="rId10"/>
+    <p:sldId id="257" r:id="rId11"/>
+    <p:sldId id="260" r:id="rId12"/>
+    <p:sldId id="258" r:id="rId13"/>
+    <p:sldId id="259" r:id="rId14"/>
+    <p:sldId id="261" r:id="rId15"/>
+    <p:sldId id="267" r:id="rId16"/>
+    <p:sldId id="263" r:id="rId17"/>
+    <p:sldId id="264" r:id="rId18"/>
+    <p:sldId id="265" r:id="rId19"/>
+    <p:sldId id="266" r:id="rId20"/>
   </p:sldIdLst>
   <p:sldSz cx="12192000" cy="6858000"/>
   <p:notesSz cx="6858000" cy="9144000"/>
@@ -3702,6 +3703,2116 @@
 </file>
 
 <file path=ppt/slides/slide10.xml><?xml version="1.0" encoding="utf-8"?>
+<p:sld xmlns:a="http://schemas.openxmlformats.org/drawingml/2006/main" xmlns:r="http://schemas.openxmlformats.org/officeDocument/2006/relationships" xmlns:p="http://schemas.openxmlformats.org/presentationml/2006/main">
+  <p:cSld>
+    <p:spTree>
+      <p:nvGrpSpPr>
+        <p:cNvPr id="1" name=""/>
+        <p:cNvGrpSpPr/>
+        <p:nvPr/>
+      </p:nvGrpSpPr>
+      <p:grpSpPr>
+        <a:xfrm>
+          <a:off x="0" y="0"/>
+          <a:ext cx="0" cy="0"/>
+          <a:chOff x="0" y="0"/>
+          <a:chExt cx="0" cy="0"/>
+        </a:xfrm>
+      </p:grpSpPr>
+      <p:sp>
+        <p:nvSpPr>
+          <p:cNvPr id="4" name="正方形/長方形 3">
+            <a:extLst>
+              <a:ext uri="{FF2B5EF4-FFF2-40B4-BE49-F238E27FC236}">
+                <a16:creationId xmlns:a16="http://schemas.microsoft.com/office/drawing/2014/main" id="{8E6F8277-02F1-8E71-E840-5A60E7C8ACC8}"/>
+              </a:ext>
+            </a:extLst>
+          </p:cNvPr>
+          <p:cNvSpPr/>
+          <p:nvPr/>
+        </p:nvSpPr>
+        <p:spPr>
+          <a:xfrm>
+            <a:off x="1267305" y="892264"/>
+            <a:ext cx="9430247" cy="5263764"/>
+          </a:xfrm>
+          <a:prstGeom prst="rect">
+            <a:avLst/>
+          </a:prstGeom>
+        </p:spPr>
+        <p:style>
+          <a:lnRef idx="2">
+            <a:schemeClr val="dk1"/>
+          </a:lnRef>
+          <a:fillRef idx="1">
+            <a:schemeClr val="lt1"/>
+          </a:fillRef>
+          <a:effectRef idx="0">
+            <a:schemeClr val="dk1"/>
+          </a:effectRef>
+          <a:fontRef idx="minor">
+            <a:schemeClr val="dk1"/>
+          </a:fontRef>
+        </p:style>
+        <p:txBody>
+          <a:bodyPr rtlCol="0" anchor="ctr"/>
+          <a:lstStyle/>
+          <a:p>
+            <a:pPr algn="ctr"/>
+            <a:endParaRPr kumimoji="1" lang="ja-JP" altLang="en-US" dirty="0"/>
+          </a:p>
+        </p:txBody>
+      </p:sp>
+      <p:sp>
+        <p:nvSpPr>
+          <p:cNvPr id="8" name="正方形/長方形 7">
+            <a:extLst>
+              <a:ext uri="{FF2B5EF4-FFF2-40B4-BE49-F238E27FC236}">
+                <a16:creationId xmlns:a16="http://schemas.microsoft.com/office/drawing/2014/main" id="{37D878A8-3C9B-28B4-4547-0E1136F0B2D7}"/>
+              </a:ext>
+            </a:extLst>
+          </p:cNvPr>
+          <p:cNvSpPr/>
+          <p:nvPr/>
+        </p:nvSpPr>
+        <p:spPr>
+          <a:xfrm>
+            <a:off x="1160890" y="898497"/>
+            <a:ext cx="2170707" cy="5263764"/>
+          </a:xfrm>
+          <a:prstGeom prst="rect">
+            <a:avLst/>
+          </a:prstGeom>
+        </p:spPr>
+        <p:style>
+          <a:lnRef idx="2">
+            <a:schemeClr val="dk1"/>
+          </a:lnRef>
+          <a:fillRef idx="1">
+            <a:schemeClr val="lt1"/>
+          </a:fillRef>
+          <a:effectRef idx="0">
+            <a:schemeClr val="dk1"/>
+          </a:effectRef>
+          <a:fontRef idx="minor">
+            <a:schemeClr val="dk1"/>
+          </a:fontRef>
+        </p:style>
+        <p:txBody>
+          <a:bodyPr rtlCol="0" anchor="ctr"/>
+          <a:lstStyle/>
+          <a:p>
+            <a:pPr algn="ctr"/>
+            <a:endParaRPr kumimoji="1" lang="ja-JP" altLang="en-US"/>
+          </a:p>
+        </p:txBody>
+      </p:sp>
+      <p:sp>
+        <p:nvSpPr>
+          <p:cNvPr id="16" name="正方形/長方形 15">
+            <a:extLst>
+              <a:ext uri="{FF2B5EF4-FFF2-40B4-BE49-F238E27FC236}">
+                <a16:creationId xmlns:a16="http://schemas.microsoft.com/office/drawing/2014/main" id="{0874A7FF-57A3-C5FD-602D-9630AD828394}"/>
+              </a:ext>
+            </a:extLst>
+          </p:cNvPr>
+          <p:cNvSpPr/>
+          <p:nvPr/>
+        </p:nvSpPr>
+        <p:spPr>
+          <a:xfrm>
+            <a:off x="2116254" y="2740030"/>
+            <a:ext cx="1184743" cy="974438"/>
+          </a:xfrm>
+          <a:prstGeom prst="rect">
+            <a:avLst/>
+          </a:prstGeom>
+        </p:spPr>
+        <p:style>
+          <a:lnRef idx="2">
+            <a:schemeClr val="dk1"/>
+          </a:lnRef>
+          <a:fillRef idx="1">
+            <a:schemeClr val="lt1"/>
+          </a:fillRef>
+          <a:effectRef idx="0">
+            <a:schemeClr val="dk1"/>
+          </a:effectRef>
+          <a:fontRef idx="minor">
+            <a:schemeClr val="dk1"/>
+          </a:fontRef>
+        </p:style>
+        <p:txBody>
+          <a:bodyPr rtlCol="0" anchor="ctr"/>
+          <a:lstStyle/>
+          <a:p>
+            <a:pPr algn="ctr"/>
+            <a:endParaRPr kumimoji="1" lang="ja-JP" altLang="en-US"/>
+          </a:p>
+        </p:txBody>
+      </p:sp>
+      <p:grpSp>
+        <p:nvGrpSpPr>
+          <p:cNvPr id="43" name="グループ化 42">
+            <a:extLst>
+              <a:ext uri="{FF2B5EF4-FFF2-40B4-BE49-F238E27FC236}">
+                <a16:creationId xmlns:a16="http://schemas.microsoft.com/office/drawing/2014/main" id="{839B7FA8-B444-8485-278C-1ECC1613EC20}"/>
+              </a:ext>
+            </a:extLst>
+          </p:cNvPr>
+          <p:cNvGrpSpPr/>
+          <p:nvPr/>
+        </p:nvGrpSpPr>
+        <p:grpSpPr>
+          <a:xfrm>
+            <a:off x="2254900" y="2733080"/>
+            <a:ext cx="975361" cy="940510"/>
+            <a:chOff x="9591921" y="1516576"/>
+            <a:chExt cx="975361" cy="940510"/>
+          </a:xfrm>
+        </p:grpSpPr>
+        <p:sp>
+          <p:nvSpPr>
+            <p:cNvPr id="10" name="楕円 9">
+              <a:extLst>
+                <a:ext uri="{FF2B5EF4-FFF2-40B4-BE49-F238E27FC236}">
+                  <a16:creationId xmlns:a16="http://schemas.microsoft.com/office/drawing/2014/main" id="{E4F25E09-E89C-CA52-BCE0-41A922ADBCDD}"/>
+                </a:ext>
+              </a:extLst>
+            </p:cNvPr>
+            <p:cNvSpPr/>
+            <p:nvPr/>
+          </p:nvSpPr>
+          <p:spPr>
+            <a:xfrm>
+              <a:off x="9598548" y="1603838"/>
+              <a:ext cx="159026" cy="194808"/>
+            </a:xfrm>
+            <a:prstGeom prst="ellipse">
+              <a:avLst/>
+            </a:prstGeom>
+          </p:spPr>
+          <p:style>
+            <a:lnRef idx="2">
+              <a:schemeClr val="dk1">
+                <a:shade val="15000"/>
+              </a:schemeClr>
+            </a:lnRef>
+            <a:fillRef idx="1">
+              <a:schemeClr val="dk1"/>
+            </a:fillRef>
+            <a:effectRef idx="0">
+              <a:schemeClr val="dk1"/>
+            </a:effectRef>
+            <a:fontRef idx="minor">
+              <a:schemeClr val="lt1"/>
+            </a:fontRef>
+          </p:style>
+          <p:txBody>
+            <a:bodyPr rtlCol="0" anchor="ctr"/>
+            <a:lstStyle/>
+            <a:p>
+              <a:pPr algn="ctr"/>
+              <a:endParaRPr kumimoji="1" lang="ja-JP" altLang="en-US"/>
+            </a:p>
+          </p:txBody>
+        </p:sp>
+        <p:sp>
+          <p:nvSpPr>
+            <p:cNvPr id="11" name="テキスト ボックス 10">
+              <a:extLst>
+                <a:ext uri="{FF2B5EF4-FFF2-40B4-BE49-F238E27FC236}">
+                  <a16:creationId xmlns:a16="http://schemas.microsoft.com/office/drawing/2014/main" id="{FF656ED4-A3D7-0692-CE6C-41E5CFEA8184}"/>
+                </a:ext>
+              </a:extLst>
+            </p:cNvPr>
+            <p:cNvSpPr txBox="1"/>
+            <p:nvPr/>
+          </p:nvSpPr>
+          <p:spPr>
+            <a:xfrm>
+              <a:off x="9748298" y="1516576"/>
+              <a:ext cx="818984" cy="369332"/>
+            </a:xfrm>
+            <a:prstGeom prst="rect">
+              <a:avLst/>
+            </a:prstGeom>
+            <a:noFill/>
+          </p:spPr>
+          <p:txBody>
+            <a:bodyPr wrap="square" rtlCol="0">
+              <a:spAutoFit/>
+            </a:bodyPr>
+            <a:lstStyle/>
+            <a:p>
+              <a:r>
+                <a:rPr kumimoji="1" lang="en-US" altLang="ja-JP" dirty="0"/>
+                <a:t>JPY</a:t>
+              </a:r>
+              <a:endParaRPr kumimoji="1" lang="ja-JP" altLang="en-US" dirty="0"/>
+            </a:p>
+          </p:txBody>
+        </p:sp>
+        <p:sp>
+          <p:nvSpPr>
+            <p:cNvPr id="12" name="楕円 11">
+              <a:extLst>
+                <a:ext uri="{FF2B5EF4-FFF2-40B4-BE49-F238E27FC236}">
+                  <a16:creationId xmlns:a16="http://schemas.microsoft.com/office/drawing/2014/main" id="{2A40EF12-52A9-EAA2-CA83-78721B83CD4F}"/>
+                </a:ext>
+              </a:extLst>
+            </p:cNvPr>
+            <p:cNvSpPr/>
+            <p:nvPr/>
+          </p:nvSpPr>
+          <p:spPr>
+            <a:xfrm>
+              <a:off x="9611800" y="1882657"/>
+              <a:ext cx="159026" cy="194808"/>
+            </a:xfrm>
+            <a:prstGeom prst="ellipse">
+              <a:avLst/>
+            </a:prstGeom>
+          </p:spPr>
+          <p:style>
+            <a:lnRef idx="2">
+              <a:schemeClr val="dk1"/>
+            </a:lnRef>
+            <a:fillRef idx="1">
+              <a:schemeClr val="lt1"/>
+            </a:fillRef>
+            <a:effectRef idx="0">
+              <a:schemeClr val="dk1"/>
+            </a:effectRef>
+            <a:fontRef idx="minor">
+              <a:schemeClr val="dk1"/>
+            </a:fontRef>
+          </p:style>
+          <p:txBody>
+            <a:bodyPr rtlCol="0" anchor="ctr"/>
+            <a:lstStyle/>
+            <a:p>
+              <a:pPr algn="ctr"/>
+              <a:endParaRPr kumimoji="1" lang="ja-JP" altLang="en-US"/>
+            </a:p>
+          </p:txBody>
+        </p:sp>
+        <p:sp>
+          <p:nvSpPr>
+            <p:cNvPr id="13" name="テキスト ボックス 12">
+              <a:extLst>
+                <a:ext uri="{FF2B5EF4-FFF2-40B4-BE49-F238E27FC236}">
+                  <a16:creationId xmlns:a16="http://schemas.microsoft.com/office/drawing/2014/main" id="{AE6A0A38-7376-F987-1097-EA123111CDC4}"/>
+                </a:ext>
+              </a:extLst>
+            </p:cNvPr>
+            <p:cNvSpPr txBox="1"/>
+            <p:nvPr/>
+          </p:nvSpPr>
+          <p:spPr>
+            <a:xfrm>
+              <a:off x="9741671" y="1798123"/>
+              <a:ext cx="818984" cy="369332"/>
+            </a:xfrm>
+            <a:prstGeom prst="rect">
+              <a:avLst/>
+            </a:prstGeom>
+            <a:noFill/>
+          </p:spPr>
+          <p:txBody>
+            <a:bodyPr wrap="square" rtlCol="0">
+              <a:spAutoFit/>
+            </a:bodyPr>
+            <a:lstStyle/>
+            <a:p>
+              <a:r>
+                <a:rPr kumimoji="1" lang="en-US" altLang="ja-JP" dirty="0"/>
+                <a:t>USD</a:t>
+              </a:r>
+              <a:endParaRPr kumimoji="1" lang="ja-JP" altLang="en-US" dirty="0"/>
+            </a:p>
+          </p:txBody>
+        </p:sp>
+        <p:sp>
+          <p:nvSpPr>
+            <p:cNvPr id="14" name="楕円 13">
+              <a:extLst>
+                <a:ext uri="{FF2B5EF4-FFF2-40B4-BE49-F238E27FC236}">
+                  <a16:creationId xmlns:a16="http://schemas.microsoft.com/office/drawing/2014/main" id="{7349B20F-E907-1CD5-BBE4-AF8244A5075E}"/>
+                </a:ext>
+              </a:extLst>
+            </p:cNvPr>
+            <p:cNvSpPr/>
+            <p:nvPr/>
+          </p:nvSpPr>
+          <p:spPr>
+            <a:xfrm>
+              <a:off x="9591921" y="2175016"/>
+              <a:ext cx="159026" cy="194808"/>
+            </a:xfrm>
+            <a:prstGeom prst="ellipse">
+              <a:avLst/>
+            </a:prstGeom>
+          </p:spPr>
+          <p:style>
+            <a:lnRef idx="2">
+              <a:schemeClr val="dk1"/>
+            </a:lnRef>
+            <a:fillRef idx="1">
+              <a:schemeClr val="lt1"/>
+            </a:fillRef>
+            <a:effectRef idx="0">
+              <a:schemeClr val="dk1"/>
+            </a:effectRef>
+            <a:fontRef idx="minor">
+              <a:schemeClr val="dk1"/>
+            </a:fontRef>
+          </p:style>
+          <p:txBody>
+            <a:bodyPr rtlCol="0" anchor="ctr"/>
+            <a:lstStyle/>
+            <a:p>
+              <a:pPr algn="ctr"/>
+              <a:endParaRPr kumimoji="1" lang="ja-JP" altLang="en-US"/>
+            </a:p>
+          </p:txBody>
+        </p:sp>
+        <p:sp>
+          <p:nvSpPr>
+            <p:cNvPr id="15" name="テキスト ボックス 14">
+              <a:extLst>
+                <a:ext uri="{FF2B5EF4-FFF2-40B4-BE49-F238E27FC236}">
+                  <a16:creationId xmlns:a16="http://schemas.microsoft.com/office/drawing/2014/main" id="{C5209CE4-1B16-B644-F6DF-F6BC0429C6A8}"/>
+                </a:ext>
+              </a:extLst>
+            </p:cNvPr>
+            <p:cNvSpPr txBox="1"/>
+            <p:nvPr/>
+          </p:nvSpPr>
+          <p:spPr>
+            <a:xfrm>
+              <a:off x="9741671" y="2087754"/>
+              <a:ext cx="818984" cy="369332"/>
+            </a:xfrm>
+            <a:prstGeom prst="rect">
+              <a:avLst/>
+            </a:prstGeom>
+            <a:noFill/>
+          </p:spPr>
+          <p:txBody>
+            <a:bodyPr wrap="square" rtlCol="0">
+              <a:spAutoFit/>
+            </a:bodyPr>
+            <a:lstStyle/>
+            <a:p>
+              <a:r>
+                <a:rPr lang="en-US" altLang="ja-JP" dirty="0"/>
+                <a:t>EUR</a:t>
+              </a:r>
+              <a:endParaRPr kumimoji="1" lang="ja-JP" altLang="en-US" dirty="0"/>
+            </a:p>
+          </p:txBody>
+        </p:sp>
+      </p:grpSp>
+      <p:sp>
+        <p:nvSpPr>
+          <p:cNvPr id="18" name="テキスト ボックス 17">
+            <a:extLst>
+              <a:ext uri="{FF2B5EF4-FFF2-40B4-BE49-F238E27FC236}">
+                <a16:creationId xmlns:a16="http://schemas.microsoft.com/office/drawing/2014/main" id="{B96997B2-7C82-701E-B6C2-4CC05FB1EC1D}"/>
+              </a:ext>
+            </a:extLst>
+          </p:cNvPr>
+          <p:cNvSpPr txBox="1"/>
+          <p:nvPr/>
+        </p:nvSpPr>
+        <p:spPr>
+          <a:xfrm>
+            <a:off x="1169279" y="4253805"/>
+            <a:ext cx="1847352" cy="369332"/>
+          </a:xfrm>
+          <a:prstGeom prst="rect">
+            <a:avLst/>
+          </a:prstGeom>
+          <a:noFill/>
+        </p:spPr>
+        <p:txBody>
+          <a:bodyPr wrap="square" rtlCol="0">
+            <a:spAutoFit/>
+          </a:bodyPr>
+          <a:lstStyle/>
+          <a:p>
+            <a:r>
+              <a:rPr kumimoji="1" lang="en-US" altLang="ja-JP" dirty="0" err="1"/>
+              <a:t>Total:xxxxxx</a:t>
+            </a:r>
+            <a:r>
+              <a:rPr kumimoji="1" lang="ja-JP" altLang="en-US" dirty="0"/>
+              <a:t>円</a:t>
+            </a:r>
+          </a:p>
+        </p:txBody>
+      </p:sp>
+      <p:sp>
+        <p:nvSpPr>
+          <p:cNvPr id="21" name="テキスト ボックス 20">
+            <a:extLst>
+              <a:ext uri="{FF2B5EF4-FFF2-40B4-BE49-F238E27FC236}">
+                <a16:creationId xmlns:a16="http://schemas.microsoft.com/office/drawing/2014/main" id="{50826293-E29C-CF0C-BED3-59D219514B0E}"/>
+              </a:ext>
+            </a:extLst>
+          </p:cNvPr>
+          <p:cNvSpPr txBox="1"/>
+          <p:nvPr/>
+        </p:nvSpPr>
+        <p:spPr>
+          <a:xfrm>
+            <a:off x="2182826" y="3813277"/>
+            <a:ext cx="1445812" cy="369332"/>
+          </a:xfrm>
+          <a:prstGeom prst="rect">
+            <a:avLst/>
+          </a:prstGeom>
+          <a:noFill/>
+        </p:spPr>
+        <p:txBody>
+          <a:bodyPr wrap="square" rtlCol="0">
+            <a:spAutoFit/>
+          </a:bodyPr>
+          <a:lstStyle/>
+          <a:p>
+            <a:r>
+              <a:rPr kumimoji="1" lang="en-US" altLang="ja-JP" dirty="0"/>
+              <a:t>XX</a:t>
+            </a:r>
+            <a:r>
+              <a:rPr kumimoji="1" lang="ja-JP" altLang="en-US" dirty="0"/>
+              <a:t>カ国</a:t>
+            </a:r>
+          </a:p>
+        </p:txBody>
+      </p:sp>
+      <p:sp>
+        <p:nvSpPr>
+          <p:cNvPr id="22" name="四角形: 角を丸くする 21">
+            <a:extLst>
+              <a:ext uri="{FF2B5EF4-FFF2-40B4-BE49-F238E27FC236}">
+                <a16:creationId xmlns:a16="http://schemas.microsoft.com/office/drawing/2014/main" id="{6C645AE8-301A-B23F-CA8E-D827E176DEC2}"/>
+              </a:ext>
+            </a:extLst>
+          </p:cNvPr>
+          <p:cNvSpPr/>
+          <p:nvPr/>
+        </p:nvSpPr>
+        <p:spPr>
+          <a:xfrm>
+            <a:off x="3331597" y="917912"/>
+            <a:ext cx="1598212" cy="369332"/>
+          </a:xfrm>
+          <a:prstGeom prst="roundRect">
+            <a:avLst/>
+          </a:prstGeom>
+        </p:spPr>
+        <p:style>
+          <a:lnRef idx="2">
+            <a:schemeClr val="accent3">
+              <a:shade val="15000"/>
+            </a:schemeClr>
+          </a:lnRef>
+          <a:fillRef idx="1">
+            <a:schemeClr val="accent3"/>
+          </a:fillRef>
+          <a:effectRef idx="0">
+            <a:schemeClr val="accent3"/>
+          </a:effectRef>
+          <a:fontRef idx="minor">
+            <a:schemeClr val="lt1"/>
+          </a:fontRef>
+        </p:style>
+        <p:txBody>
+          <a:bodyPr rtlCol="0" anchor="ctr"/>
+          <a:lstStyle/>
+          <a:p>
+            <a:pPr algn="ctr"/>
+            <a:r>
+              <a:rPr lang="en-US" altLang="ja-JP" sz="1400" dirty="0"/>
+              <a:t>accommodation</a:t>
+            </a:r>
+            <a:endParaRPr kumimoji="1" lang="ja-JP" altLang="en-US" sz="1400" dirty="0"/>
+          </a:p>
+        </p:txBody>
+      </p:sp>
+      <p:sp>
+        <p:nvSpPr>
+          <p:cNvPr id="23" name="四角形: 角を丸くする 22">
+            <a:extLst>
+              <a:ext uri="{FF2B5EF4-FFF2-40B4-BE49-F238E27FC236}">
+                <a16:creationId xmlns:a16="http://schemas.microsoft.com/office/drawing/2014/main" id="{927A90B0-E31C-1958-B65F-681A50EADF7E}"/>
+              </a:ext>
+            </a:extLst>
+          </p:cNvPr>
+          <p:cNvSpPr/>
+          <p:nvPr/>
+        </p:nvSpPr>
+        <p:spPr>
+          <a:xfrm>
+            <a:off x="4929809" y="907494"/>
+            <a:ext cx="1598212" cy="369332"/>
+          </a:xfrm>
+          <a:prstGeom prst="roundRect">
+            <a:avLst/>
+          </a:prstGeom>
+        </p:spPr>
+        <p:style>
+          <a:lnRef idx="2">
+            <a:schemeClr val="dk1"/>
+          </a:lnRef>
+          <a:fillRef idx="1">
+            <a:schemeClr val="lt1"/>
+          </a:fillRef>
+          <a:effectRef idx="0">
+            <a:schemeClr val="dk1"/>
+          </a:effectRef>
+          <a:fontRef idx="minor">
+            <a:schemeClr val="dk1"/>
+          </a:fontRef>
+        </p:style>
+        <p:txBody>
+          <a:bodyPr rtlCol="0" anchor="ctr"/>
+          <a:lstStyle/>
+          <a:p>
+            <a:pPr algn="ctr"/>
+            <a:r>
+              <a:rPr lang="en-US" altLang="ja-JP" sz="1600" dirty="0"/>
+              <a:t>transportation</a:t>
+            </a:r>
+            <a:endParaRPr kumimoji="1" lang="ja-JP" altLang="en-US" sz="1600" dirty="0"/>
+          </a:p>
+        </p:txBody>
+      </p:sp>
+      <p:sp>
+        <p:nvSpPr>
+          <p:cNvPr id="24" name="四角形: 角を丸くする 23">
+            <a:extLst>
+              <a:ext uri="{FF2B5EF4-FFF2-40B4-BE49-F238E27FC236}">
+                <a16:creationId xmlns:a16="http://schemas.microsoft.com/office/drawing/2014/main" id="{3ACF20D2-A473-AB29-527F-0AF397B56C87}"/>
+              </a:ext>
+            </a:extLst>
+          </p:cNvPr>
+          <p:cNvSpPr/>
+          <p:nvPr/>
+        </p:nvSpPr>
+        <p:spPr>
+          <a:xfrm>
+            <a:off x="6528021" y="907494"/>
+            <a:ext cx="1598212" cy="369332"/>
+          </a:xfrm>
+          <a:prstGeom prst="roundRect">
+            <a:avLst/>
+          </a:prstGeom>
+        </p:spPr>
+        <p:style>
+          <a:lnRef idx="2">
+            <a:schemeClr val="dk1"/>
+          </a:lnRef>
+          <a:fillRef idx="1">
+            <a:schemeClr val="lt1"/>
+          </a:fillRef>
+          <a:effectRef idx="0">
+            <a:schemeClr val="dk1"/>
+          </a:effectRef>
+          <a:fontRef idx="minor">
+            <a:schemeClr val="dk1"/>
+          </a:fontRef>
+        </p:style>
+        <p:txBody>
+          <a:bodyPr rtlCol="0" anchor="ctr"/>
+          <a:lstStyle/>
+          <a:p>
+            <a:pPr algn="ctr"/>
+            <a:r>
+              <a:rPr kumimoji="1" lang="en-US" altLang="ja-JP" dirty="0"/>
+              <a:t>sightseeing</a:t>
+            </a:r>
+            <a:endParaRPr kumimoji="1" lang="ja-JP" altLang="en-US" dirty="0"/>
+          </a:p>
+        </p:txBody>
+      </p:sp>
+      <p:graphicFrame>
+        <p:nvGraphicFramePr>
+          <p:cNvPr id="30" name="表 29">
+            <a:extLst>
+              <a:ext uri="{FF2B5EF4-FFF2-40B4-BE49-F238E27FC236}">
+                <a16:creationId xmlns:a16="http://schemas.microsoft.com/office/drawing/2014/main" id="{E8964189-A409-9819-CAFC-7F0A1FD53FCA}"/>
+              </a:ext>
+            </a:extLst>
+          </p:cNvPr>
+          <p:cNvGraphicFramePr>
+            <a:graphicFrameLocks noGrp="1"/>
+          </p:cNvGraphicFramePr>
+          <p:nvPr>
+            <p:extLst>
+              <p:ext uri="{D42A27DB-BD31-4B8C-83A1-F6EECF244321}">
+                <p14:modId xmlns:p14="http://schemas.microsoft.com/office/powerpoint/2010/main" val="1974497933"/>
+              </p:ext>
+            </p:extLst>
+          </p:nvPr>
+        </p:nvGraphicFramePr>
+        <p:xfrm>
+          <a:off x="3731076" y="2280984"/>
+          <a:ext cx="4189995" cy="1463040"/>
+        </p:xfrm>
+        <a:graphic>
+          <a:graphicData uri="http://schemas.openxmlformats.org/drawingml/2006/table">
+            <a:tbl>
+              <a:tblPr firstRow="1" bandRow="1">
+                <a:tableStyleId>{5C22544A-7EE6-4342-B048-85BDC9FD1C3A}</a:tableStyleId>
+              </a:tblPr>
+              <a:tblGrid>
+                <a:gridCol w="1028037">
+                  <a:extLst>
+                    <a:ext uri="{9D8B030D-6E8A-4147-A177-3AD203B41FA5}">
+                      <a16:colId xmlns:a16="http://schemas.microsoft.com/office/drawing/2014/main" val="2180251572"/>
+                    </a:ext>
+                  </a:extLst>
+                </a:gridCol>
+                <a:gridCol w="1053986">
+                  <a:extLst>
+                    <a:ext uri="{9D8B030D-6E8A-4147-A177-3AD203B41FA5}">
+                      <a16:colId xmlns:a16="http://schemas.microsoft.com/office/drawing/2014/main" val="2094606021"/>
+                    </a:ext>
+                  </a:extLst>
+                </a:gridCol>
+                <a:gridCol w="1053986">
+                  <a:extLst>
+                    <a:ext uri="{9D8B030D-6E8A-4147-A177-3AD203B41FA5}">
+                      <a16:colId xmlns:a16="http://schemas.microsoft.com/office/drawing/2014/main" val="3658194246"/>
+                    </a:ext>
+                  </a:extLst>
+                </a:gridCol>
+                <a:gridCol w="1053986">
+                  <a:extLst>
+                    <a:ext uri="{9D8B030D-6E8A-4147-A177-3AD203B41FA5}">
+                      <a16:colId xmlns:a16="http://schemas.microsoft.com/office/drawing/2014/main" val="2463708021"/>
+                    </a:ext>
+                  </a:extLst>
+                </a:gridCol>
+              </a:tblGrid>
+              <a:tr h="316188">
+                <a:tc>
+                  <a:txBody>
+                    <a:bodyPr/>
+                    <a:lstStyle/>
+                    <a:p>
+                      <a:r>
+                        <a:rPr kumimoji="1" lang="en-US" altLang="ja-JP" dirty="0"/>
+                        <a:t>Type</a:t>
+                      </a:r>
+                      <a:endParaRPr kumimoji="1" lang="ja-JP" altLang="en-US" dirty="0"/>
+                    </a:p>
+                  </a:txBody>
+                  <a:tcPr/>
+                </a:tc>
+                <a:tc>
+                  <a:txBody>
+                    <a:bodyPr/>
+                    <a:lstStyle/>
+                    <a:p>
+                      <a:r>
+                        <a:rPr kumimoji="1" lang="en-US" altLang="ja-JP" dirty="0"/>
+                        <a:t>Count</a:t>
+                      </a:r>
+                      <a:endParaRPr kumimoji="1" lang="ja-JP" altLang="en-US" dirty="0"/>
+                    </a:p>
+                  </a:txBody>
+                  <a:tcPr/>
+                </a:tc>
+                <a:tc>
+                  <a:txBody>
+                    <a:bodyPr/>
+                    <a:lstStyle/>
+                    <a:p>
+                      <a:r>
+                        <a:rPr kumimoji="1" lang="en-US" altLang="ja-JP" sz="1400" dirty="0"/>
+                        <a:t>currency</a:t>
+                      </a:r>
+                      <a:endParaRPr kumimoji="1" lang="ja-JP" altLang="en-US" sz="1400" dirty="0"/>
+                    </a:p>
+                  </a:txBody>
+                  <a:tcPr/>
+                </a:tc>
+                <a:tc>
+                  <a:txBody>
+                    <a:bodyPr/>
+                    <a:lstStyle/>
+                    <a:p>
+                      <a:r>
+                        <a:rPr kumimoji="1" lang="en-US" altLang="ja-JP" dirty="0"/>
+                        <a:t>JPY</a:t>
+                      </a:r>
+                      <a:endParaRPr kumimoji="1" lang="ja-JP" altLang="en-US" dirty="0"/>
+                    </a:p>
+                  </a:txBody>
+                  <a:tcPr/>
+                </a:tc>
+                <a:extLst>
+                  <a:ext uri="{0D108BD9-81ED-4DB2-BD59-A6C34878D82A}">
+                    <a16:rowId xmlns:a16="http://schemas.microsoft.com/office/drawing/2014/main" val="3636590592"/>
+                  </a:ext>
+                </a:extLst>
+              </a:tr>
+              <a:tr h="316188">
+                <a:tc>
+                  <a:txBody>
+                    <a:bodyPr/>
+                    <a:lstStyle/>
+                    <a:p>
+                      <a:r>
+                        <a:rPr kumimoji="1" lang="en-US" altLang="ja-JP" sz="1200" dirty="0" err="1"/>
+                        <a:t>Domitory</a:t>
+                      </a:r>
+                      <a:endParaRPr kumimoji="1" lang="ja-JP" altLang="en-US" sz="1200" dirty="0"/>
+                    </a:p>
+                  </a:txBody>
+                  <a:tcPr/>
+                </a:tc>
+                <a:tc>
+                  <a:txBody>
+                    <a:bodyPr/>
+                    <a:lstStyle/>
+                    <a:p>
+                      <a:r>
+                        <a:rPr kumimoji="1" lang="en-US" altLang="ja-JP" dirty="0"/>
+                        <a:t>100</a:t>
+                      </a:r>
+                      <a:endParaRPr kumimoji="1" lang="ja-JP" altLang="en-US" dirty="0"/>
+                    </a:p>
+                  </a:txBody>
+                  <a:tcPr/>
+                </a:tc>
+                <a:tc>
+                  <a:txBody>
+                    <a:bodyPr/>
+                    <a:lstStyle/>
+                    <a:p>
+                      <a:r>
+                        <a:rPr kumimoji="1" lang="en-US" altLang="ja-JP" dirty="0"/>
+                        <a:t>400</a:t>
+                      </a:r>
+                      <a:endParaRPr kumimoji="1" lang="ja-JP" altLang="en-US" dirty="0"/>
+                    </a:p>
+                  </a:txBody>
+                  <a:tcPr/>
+                </a:tc>
+                <a:tc>
+                  <a:txBody>
+                    <a:bodyPr/>
+                    <a:lstStyle/>
+                    <a:p>
+                      <a:r>
+                        <a:rPr kumimoji="1" lang="en-US" altLang="ja-JP" dirty="0"/>
+                        <a:t>3000</a:t>
+                      </a:r>
+                      <a:endParaRPr kumimoji="1" lang="ja-JP" altLang="en-US" dirty="0"/>
+                    </a:p>
+                  </a:txBody>
+                  <a:tcPr/>
+                </a:tc>
+                <a:extLst>
+                  <a:ext uri="{0D108BD9-81ED-4DB2-BD59-A6C34878D82A}">
+                    <a16:rowId xmlns:a16="http://schemas.microsoft.com/office/drawing/2014/main" val="1248227337"/>
+                  </a:ext>
+                </a:extLst>
+              </a:tr>
+              <a:tr h="316188">
+                <a:tc>
+                  <a:txBody>
+                    <a:bodyPr/>
+                    <a:lstStyle/>
+                    <a:p>
+                      <a:r>
+                        <a:rPr kumimoji="1" lang="en-US" altLang="ja-JP" sz="1200" dirty="0"/>
+                        <a:t>Single</a:t>
+                      </a:r>
+                      <a:r>
+                        <a:rPr kumimoji="1" lang="ja-JP" altLang="en-US" sz="1200" dirty="0"/>
+                        <a:t> </a:t>
+                      </a:r>
+                      <a:r>
+                        <a:rPr kumimoji="1" lang="en-US" altLang="ja-JP" sz="1200" dirty="0"/>
+                        <a:t>room</a:t>
+                      </a:r>
+                      <a:endParaRPr kumimoji="1" lang="ja-JP" altLang="en-US" sz="1200" dirty="0"/>
+                    </a:p>
+                  </a:txBody>
+                  <a:tcPr/>
+                </a:tc>
+                <a:tc>
+                  <a:txBody>
+                    <a:bodyPr/>
+                    <a:lstStyle/>
+                    <a:p>
+                      <a:r>
+                        <a:rPr kumimoji="1" lang="en-US" altLang="ja-JP" dirty="0"/>
+                        <a:t>200</a:t>
+                      </a:r>
+                      <a:endParaRPr kumimoji="1" lang="ja-JP" altLang="en-US" dirty="0"/>
+                    </a:p>
+                  </a:txBody>
+                  <a:tcPr/>
+                </a:tc>
+                <a:tc>
+                  <a:txBody>
+                    <a:bodyPr/>
+                    <a:lstStyle/>
+                    <a:p>
+                      <a:r>
+                        <a:rPr kumimoji="1" lang="en-US" altLang="ja-JP" dirty="0"/>
+                        <a:t>500</a:t>
+                      </a:r>
+                      <a:endParaRPr kumimoji="1" lang="ja-JP" altLang="en-US" dirty="0"/>
+                    </a:p>
+                  </a:txBody>
+                  <a:tcPr/>
+                </a:tc>
+                <a:tc>
+                  <a:txBody>
+                    <a:bodyPr/>
+                    <a:lstStyle/>
+                    <a:p>
+                      <a:r>
+                        <a:rPr kumimoji="1" lang="en-US" altLang="ja-JP" dirty="0"/>
+                        <a:t>5000</a:t>
+                      </a:r>
+                      <a:endParaRPr kumimoji="1" lang="ja-JP" altLang="en-US" dirty="0"/>
+                    </a:p>
+                  </a:txBody>
+                  <a:tcPr/>
+                </a:tc>
+                <a:extLst>
+                  <a:ext uri="{0D108BD9-81ED-4DB2-BD59-A6C34878D82A}">
+                    <a16:rowId xmlns:a16="http://schemas.microsoft.com/office/drawing/2014/main" val="2386127515"/>
+                  </a:ext>
+                </a:extLst>
+              </a:tr>
+              <a:tr h="316188">
+                <a:tc>
+                  <a:txBody>
+                    <a:bodyPr/>
+                    <a:lstStyle/>
+                    <a:p>
+                      <a:r>
+                        <a:rPr kumimoji="1" lang="en-US" altLang="ja-JP" sz="1400" dirty="0"/>
+                        <a:t>…</a:t>
+                      </a:r>
+                      <a:endParaRPr kumimoji="1" lang="ja-JP" altLang="en-US" sz="1400" dirty="0"/>
+                    </a:p>
+                  </a:txBody>
+                  <a:tcPr/>
+                </a:tc>
+                <a:tc>
+                  <a:txBody>
+                    <a:bodyPr/>
+                    <a:lstStyle/>
+                    <a:p>
+                      <a:endParaRPr kumimoji="1" lang="ja-JP" altLang="en-US" dirty="0"/>
+                    </a:p>
+                  </a:txBody>
+                  <a:tcPr/>
+                </a:tc>
+                <a:tc>
+                  <a:txBody>
+                    <a:bodyPr/>
+                    <a:lstStyle/>
+                    <a:p>
+                      <a:endParaRPr kumimoji="1" lang="ja-JP" altLang="en-US" dirty="0"/>
+                    </a:p>
+                  </a:txBody>
+                  <a:tcPr/>
+                </a:tc>
+                <a:tc>
+                  <a:txBody>
+                    <a:bodyPr/>
+                    <a:lstStyle/>
+                    <a:p>
+                      <a:endParaRPr kumimoji="1" lang="ja-JP" altLang="en-US" dirty="0"/>
+                    </a:p>
+                  </a:txBody>
+                  <a:tcPr/>
+                </a:tc>
+                <a:extLst>
+                  <a:ext uri="{0D108BD9-81ED-4DB2-BD59-A6C34878D82A}">
+                    <a16:rowId xmlns:a16="http://schemas.microsoft.com/office/drawing/2014/main" val="3940284596"/>
+                  </a:ext>
+                </a:extLst>
+              </a:tr>
+            </a:tbl>
+          </a:graphicData>
+        </a:graphic>
+      </p:graphicFrame>
+      <p:sp>
+        <p:nvSpPr>
+          <p:cNvPr id="33" name="正方形/長方形 32">
+            <a:extLst>
+              <a:ext uri="{FF2B5EF4-FFF2-40B4-BE49-F238E27FC236}">
+                <a16:creationId xmlns:a16="http://schemas.microsoft.com/office/drawing/2014/main" id="{6C7195B8-7746-50B2-CC3A-28EEFA8DEA70}"/>
+              </a:ext>
+            </a:extLst>
+          </p:cNvPr>
+          <p:cNvSpPr/>
+          <p:nvPr/>
+        </p:nvSpPr>
+        <p:spPr>
+          <a:xfrm>
+            <a:off x="8772379" y="3887646"/>
+            <a:ext cx="1521033" cy="292359"/>
+          </a:xfrm>
+          <a:prstGeom prst="rect">
+            <a:avLst/>
+          </a:prstGeom>
+        </p:spPr>
+        <p:style>
+          <a:lnRef idx="2">
+            <a:schemeClr val="dk1"/>
+          </a:lnRef>
+          <a:fillRef idx="1">
+            <a:schemeClr val="lt1"/>
+          </a:fillRef>
+          <a:effectRef idx="0">
+            <a:schemeClr val="dk1"/>
+          </a:effectRef>
+          <a:fontRef idx="minor">
+            <a:schemeClr val="dk1"/>
+          </a:fontRef>
+        </p:style>
+        <p:txBody>
+          <a:bodyPr rtlCol="0" anchor="ctr"/>
+          <a:lstStyle/>
+          <a:p>
+            <a:pPr algn="ctr"/>
+            <a:r>
+              <a:rPr kumimoji="1" lang="en-US" altLang="ja-JP" dirty="0"/>
+              <a:t>Single room</a:t>
+            </a:r>
+            <a:endParaRPr kumimoji="1" lang="ja-JP" altLang="en-US" dirty="0"/>
+          </a:p>
+        </p:txBody>
+      </p:sp>
+      <p:sp>
+        <p:nvSpPr>
+          <p:cNvPr id="34" name="動作設定ボタン: 戻る/前へ 33">
+            <a:hlinkClick r:id="" action="ppaction://hlinkshowjump?jump=previousslide" highlightClick="1"/>
+            <a:extLst>
+              <a:ext uri="{FF2B5EF4-FFF2-40B4-BE49-F238E27FC236}">
+                <a16:creationId xmlns:a16="http://schemas.microsoft.com/office/drawing/2014/main" id="{B5241870-44AE-CDD1-2940-CEA0F6F5E451}"/>
+              </a:ext>
+            </a:extLst>
+          </p:cNvPr>
+          <p:cNvSpPr/>
+          <p:nvPr/>
+        </p:nvSpPr>
+        <p:spPr>
+          <a:xfrm rot="16200000">
+            <a:off x="10213041" y="3936212"/>
+            <a:ext cx="365145" cy="204403"/>
+          </a:xfrm>
+          <a:prstGeom prst="actionButtonBackPrevious">
+            <a:avLst/>
+          </a:prstGeom>
+        </p:spPr>
+        <p:style>
+          <a:lnRef idx="2">
+            <a:schemeClr val="dk1"/>
+          </a:lnRef>
+          <a:fillRef idx="1">
+            <a:schemeClr val="lt1"/>
+          </a:fillRef>
+          <a:effectRef idx="0">
+            <a:schemeClr val="dk1"/>
+          </a:effectRef>
+          <a:fontRef idx="minor">
+            <a:schemeClr val="dk1"/>
+          </a:fontRef>
+        </p:style>
+        <p:txBody>
+          <a:bodyPr rtlCol="0" anchor="ctr"/>
+          <a:lstStyle/>
+          <a:p>
+            <a:pPr algn="ctr"/>
+            <a:endParaRPr kumimoji="1" lang="ja-JP" altLang="en-US"/>
+          </a:p>
+        </p:txBody>
+      </p:sp>
+      <p:sp>
+        <p:nvSpPr>
+          <p:cNvPr id="37" name="正方形/長方形 36">
+            <a:extLst>
+              <a:ext uri="{FF2B5EF4-FFF2-40B4-BE49-F238E27FC236}">
+                <a16:creationId xmlns:a16="http://schemas.microsoft.com/office/drawing/2014/main" id="{2D293CA1-FEDC-BD61-DFF3-6782A142DC31}"/>
+              </a:ext>
+            </a:extLst>
+          </p:cNvPr>
+          <p:cNvSpPr/>
+          <p:nvPr/>
+        </p:nvSpPr>
+        <p:spPr>
+          <a:xfrm>
+            <a:off x="7921071" y="2587864"/>
+            <a:ext cx="193366" cy="914400"/>
+          </a:xfrm>
+          <a:prstGeom prst="rect">
+            <a:avLst/>
+          </a:prstGeom>
+        </p:spPr>
+        <p:style>
+          <a:lnRef idx="2">
+            <a:schemeClr val="dk1"/>
+          </a:lnRef>
+          <a:fillRef idx="1">
+            <a:schemeClr val="lt1"/>
+          </a:fillRef>
+          <a:effectRef idx="0">
+            <a:schemeClr val="dk1"/>
+          </a:effectRef>
+          <a:fontRef idx="minor">
+            <a:schemeClr val="dk1"/>
+          </a:fontRef>
+        </p:style>
+        <p:txBody>
+          <a:bodyPr rtlCol="0" anchor="ctr"/>
+          <a:lstStyle/>
+          <a:p>
+            <a:pPr algn="ctr"/>
+            <a:endParaRPr kumimoji="1" lang="ja-JP" altLang="en-US"/>
+          </a:p>
+        </p:txBody>
+      </p:sp>
+      <p:sp>
+        <p:nvSpPr>
+          <p:cNvPr id="38" name="動作設定ボタン: 戻る/前へ 37">
+            <a:hlinkClick r:id="" action="ppaction://hlinkshowjump?jump=previousslide" highlightClick="1"/>
+            <a:extLst>
+              <a:ext uri="{FF2B5EF4-FFF2-40B4-BE49-F238E27FC236}">
+                <a16:creationId xmlns:a16="http://schemas.microsoft.com/office/drawing/2014/main" id="{67A832BF-434C-D79A-152C-7E0B1B7445F0}"/>
+              </a:ext>
+            </a:extLst>
+          </p:cNvPr>
+          <p:cNvSpPr/>
+          <p:nvPr/>
+        </p:nvSpPr>
+        <p:spPr>
+          <a:xfrm rot="5400000">
+            <a:off x="7829663" y="2361355"/>
+            <a:ext cx="365145" cy="204403"/>
+          </a:xfrm>
+          <a:prstGeom prst="actionButtonBackPrevious">
+            <a:avLst/>
+          </a:prstGeom>
+        </p:spPr>
+        <p:style>
+          <a:lnRef idx="2">
+            <a:schemeClr val="dk1"/>
+          </a:lnRef>
+          <a:fillRef idx="1">
+            <a:schemeClr val="lt1"/>
+          </a:fillRef>
+          <a:effectRef idx="0">
+            <a:schemeClr val="dk1"/>
+          </a:effectRef>
+          <a:fontRef idx="minor">
+            <a:schemeClr val="dk1"/>
+          </a:fontRef>
+        </p:style>
+        <p:txBody>
+          <a:bodyPr rtlCol="0" anchor="ctr"/>
+          <a:lstStyle/>
+          <a:p>
+            <a:pPr algn="ctr"/>
+            <a:endParaRPr kumimoji="1" lang="ja-JP" altLang="en-US"/>
+          </a:p>
+        </p:txBody>
+      </p:sp>
+      <p:sp>
+        <p:nvSpPr>
+          <p:cNvPr id="36" name="動作設定ボタン: 戻る/前へ 35">
+            <a:hlinkClick r:id="" action="ppaction://hlinkshowjump?jump=previousslide" highlightClick="1"/>
+            <a:extLst>
+              <a:ext uri="{FF2B5EF4-FFF2-40B4-BE49-F238E27FC236}">
+                <a16:creationId xmlns:a16="http://schemas.microsoft.com/office/drawing/2014/main" id="{8CD0261C-F83F-0835-7246-F4D16C93A840}"/>
+              </a:ext>
+            </a:extLst>
+          </p:cNvPr>
+          <p:cNvSpPr/>
+          <p:nvPr/>
+        </p:nvSpPr>
+        <p:spPr>
+          <a:xfrm rot="16200000">
+            <a:off x="7829663" y="3484491"/>
+            <a:ext cx="365145" cy="204403"/>
+          </a:xfrm>
+          <a:prstGeom prst="actionButtonBackPrevious">
+            <a:avLst/>
+          </a:prstGeom>
+        </p:spPr>
+        <p:style>
+          <a:lnRef idx="2">
+            <a:schemeClr val="dk1"/>
+          </a:lnRef>
+          <a:fillRef idx="1">
+            <a:schemeClr val="lt1"/>
+          </a:fillRef>
+          <a:effectRef idx="0">
+            <a:schemeClr val="dk1"/>
+          </a:effectRef>
+          <a:fontRef idx="minor">
+            <a:schemeClr val="dk1"/>
+          </a:fontRef>
+        </p:style>
+        <p:txBody>
+          <a:bodyPr rtlCol="0" anchor="ctr"/>
+          <a:lstStyle/>
+          <a:p>
+            <a:pPr algn="ctr"/>
+            <a:endParaRPr kumimoji="1" lang="ja-JP" altLang="en-US"/>
+          </a:p>
+        </p:txBody>
+      </p:sp>
+      <p:graphicFrame>
+        <p:nvGraphicFramePr>
+          <p:cNvPr id="39" name="表 38">
+            <a:extLst>
+              <a:ext uri="{FF2B5EF4-FFF2-40B4-BE49-F238E27FC236}">
+                <a16:creationId xmlns:a16="http://schemas.microsoft.com/office/drawing/2014/main" id="{9C3D6CFC-3995-14A7-C348-87E63EE8F5A3}"/>
+              </a:ext>
+            </a:extLst>
+          </p:cNvPr>
+          <p:cNvGraphicFramePr>
+            <a:graphicFrameLocks noGrp="1"/>
+          </p:cNvGraphicFramePr>
+          <p:nvPr>
+            <p:extLst>
+              <p:ext uri="{D42A27DB-BD31-4B8C-83A1-F6EECF244321}">
+                <p14:modId xmlns:p14="http://schemas.microsoft.com/office/powerpoint/2010/main" val="3809696119"/>
+              </p:ext>
+            </p:extLst>
+          </p:nvPr>
+        </p:nvGraphicFramePr>
+        <p:xfrm>
+          <a:off x="3525284" y="4401741"/>
+          <a:ext cx="6768126" cy="1529080"/>
+        </p:xfrm>
+        <a:graphic>
+          <a:graphicData uri="http://schemas.openxmlformats.org/drawingml/2006/table">
+            <a:tbl>
+              <a:tblPr firstRow="1" bandRow="1">
+                <a:tableStyleId>{5C22544A-7EE6-4342-B048-85BDC9FD1C3A}</a:tableStyleId>
+              </a:tblPr>
+              <a:tblGrid>
+                <a:gridCol w="1128021">
+                  <a:extLst>
+                    <a:ext uri="{9D8B030D-6E8A-4147-A177-3AD203B41FA5}">
+                      <a16:colId xmlns:a16="http://schemas.microsoft.com/office/drawing/2014/main" val="3961256979"/>
+                    </a:ext>
+                  </a:extLst>
+                </a:gridCol>
+                <a:gridCol w="1128021">
+                  <a:extLst>
+                    <a:ext uri="{9D8B030D-6E8A-4147-A177-3AD203B41FA5}">
+                      <a16:colId xmlns:a16="http://schemas.microsoft.com/office/drawing/2014/main" val="192759414"/>
+                    </a:ext>
+                  </a:extLst>
+                </a:gridCol>
+                <a:gridCol w="1128021">
+                  <a:extLst>
+                    <a:ext uri="{9D8B030D-6E8A-4147-A177-3AD203B41FA5}">
+                      <a16:colId xmlns:a16="http://schemas.microsoft.com/office/drawing/2014/main" val="490794955"/>
+                    </a:ext>
+                  </a:extLst>
+                </a:gridCol>
+                <a:gridCol w="1128021">
+                  <a:extLst>
+                    <a:ext uri="{9D8B030D-6E8A-4147-A177-3AD203B41FA5}">
+                      <a16:colId xmlns:a16="http://schemas.microsoft.com/office/drawing/2014/main" val="2971086802"/>
+                    </a:ext>
+                  </a:extLst>
+                </a:gridCol>
+                <a:gridCol w="1128021">
+                  <a:extLst>
+                    <a:ext uri="{9D8B030D-6E8A-4147-A177-3AD203B41FA5}">
+                      <a16:colId xmlns:a16="http://schemas.microsoft.com/office/drawing/2014/main" val="1004931420"/>
+                    </a:ext>
+                  </a:extLst>
+                </a:gridCol>
+                <a:gridCol w="1128021">
+                  <a:extLst>
+                    <a:ext uri="{9D8B030D-6E8A-4147-A177-3AD203B41FA5}">
+                      <a16:colId xmlns:a16="http://schemas.microsoft.com/office/drawing/2014/main" val="892224834"/>
+                    </a:ext>
+                  </a:extLst>
+                </a:gridCol>
+              </a:tblGrid>
+              <a:tr h="370840">
+                <a:tc>
+                  <a:txBody>
+                    <a:bodyPr/>
+                    <a:lstStyle/>
+                    <a:p>
+                      <a:r>
+                        <a:rPr kumimoji="1" lang="en-US" altLang="ja-JP" dirty="0"/>
+                        <a:t>date</a:t>
+                      </a:r>
+                      <a:endParaRPr kumimoji="1" lang="ja-JP" altLang="en-US" dirty="0"/>
+                    </a:p>
+                  </a:txBody>
+                  <a:tcPr/>
+                </a:tc>
+                <a:tc>
+                  <a:txBody>
+                    <a:bodyPr/>
+                    <a:lstStyle/>
+                    <a:p>
+                      <a:r>
+                        <a:rPr kumimoji="1" lang="en-US" altLang="ja-JP" dirty="0"/>
+                        <a:t>country</a:t>
+                      </a:r>
+                      <a:endParaRPr kumimoji="1" lang="ja-JP" altLang="en-US" dirty="0"/>
+                    </a:p>
+                  </a:txBody>
+                  <a:tcPr/>
+                </a:tc>
+                <a:tc>
+                  <a:txBody>
+                    <a:bodyPr/>
+                    <a:lstStyle/>
+                    <a:p>
+                      <a:r>
+                        <a:rPr kumimoji="1" lang="en-US" altLang="ja-JP" dirty="0"/>
+                        <a:t>region</a:t>
+                      </a:r>
+                      <a:endParaRPr kumimoji="1" lang="ja-JP" altLang="en-US" dirty="0"/>
+                    </a:p>
+                  </a:txBody>
+                  <a:tcPr/>
+                </a:tc>
+                <a:tc>
+                  <a:txBody>
+                    <a:bodyPr/>
+                    <a:lstStyle/>
+                    <a:p>
+                      <a:r>
+                        <a:rPr kumimoji="1" lang="en-US" altLang="ja-JP" dirty="0"/>
+                        <a:t>price</a:t>
+                      </a:r>
+                      <a:endParaRPr kumimoji="1" lang="ja-JP" altLang="en-US" dirty="0"/>
+                    </a:p>
+                  </a:txBody>
+                  <a:tcPr/>
+                </a:tc>
+                <a:tc>
+                  <a:txBody>
+                    <a:bodyPr/>
+                    <a:lstStyle/>
+                    <a:p>
+                      <a:r>
+                        <a:rPr kumimoji="1" lang="en-US" altLang="ja-JP" dirty="0"/>
+                        <a:t>JPY</a:t>
+                      </a:r>
+                      <a:endParaRPr kumimoji="1" lang="ja-JP" altLang="en-US" dirty="0"/>
+                    </a:p>
+                  </a:txBody>
+                  <a:tcPr/>
+                </a:tc>
+                <a:tc>
+                  <a:txBody>
+                    <a:bodyPr/>
+                    <a:lstStyle/>
+                    <a:p>
+                      <a:r>
+                        <a:rPr kumimoji="1" lang="en-US" altLang="ja-JP" dirty="0"/>
+                        <a:t>memo</a:t>
+                      </a:r>
+                      <a:endParaRPr kumimoji="1" lang="ja-JP" altLang="en-US" dirty="0"/>
+                    </a:p>
+                  </a:txBody>
+                  <a:tcPr/>
+                </a:tc>
+                <a:extLst>
+                  <a:ext uri="{0D108BD9-81ED-4DB2-BD59-A6C34878D82A}">
+                    <a16:rowId xmlns:a16="http://schemas.microsoft.com/office/drawing/2014/main" val="2542749003"/>
+                  </a:ext>
+                </a:extLst>
+              </a:tr>
+              <a:tr h="370840">
+                <a:tc>
+                  <a:txBody>
+                    <a:bodyPr/>
+                    <a:lstStyle/>
+                    <a:p>
+                      <a:r>
+                        <a:rPr kumimoji="1" lang="en-US" altLang="ja-JP" sz="1600" dirty="0"/>
+                        <a:t>2022/11/1</a:t>
+                      </a:r>
+                      <a:endParaRPr kumimoji="1" lang="ja-JP" altLang="en-US" sz="1600" dirty="0"/>
+                    </a:p>
+                  </a:txBody>
+                  <a:tcPr/>
+                </a:tc>
+                <a:tc>
+                  <a:txBody>
+                    <a:bodyPr/>
+                    <a:lstStyle/>
+                    <a:p>
+                      <a:r>
+                        <a:rPr kumimoji="1" lang="en-US" altLang="ja-JP" dirty="0" err="1"/>
+                        <a:t>japan</a:t>
+                      </a:r>
+                      <a:endParaRPr kumimoji="1" lang="ja-JP" altLang="en-US" dirty="0"/>
+                    </a:p>
+                  </a:txBody>
+                  <a:tcPr/>
+                </a:tc>
+                <a:tc>
+                  <a:txBody>
+                    <a:bodyPr/>
+                    <a:lstStyle/>
+                    <a:p>
+                      <a:r>
+                        <a:rPr kumimoji="1" lang="en-US" altLang="ja-JP" dirty="0" err="1"/>
+                        <a:t>tokyo</a:t>
+                      </a:r>
+                      <a:endParaRPr kumimoji="1" lang="ja-JP" altLang="en-US" dirty="0"/>
+                    </a:p>
+                  </a:txBody>
+                  <a:tcPr/>
+                </a:tc>
+                <a:tc>
+                  <a:txBody>
+                    <a:bodyPr/>
+                    <a:lstStyle/>
+                    <a:p>
+                      <a:r>
+                        <a:rPr kumimoji="1" lang="en-US" altLang="ja-JP" dirty="0"/>
+                        <a:t>4000</a:t>
+                      </a:r>
+                      <a:endParaRPr kumimoji="1" lang="ja-JP" altLang="en-US" dirty="0"/>
+                    </a:p>
+                  </a:txBody>
+                  <a:tcPr/>
+                </a:tc>
+                <a:tc>
+                  <a:txBody>
+                    <a:bodyPr/>
+                    <a:lstStyle/>
+                    <a:p>
+                      <a:r>
+                        <a:rPr kumimoji="1" lang="en-US" altLang="ja-JP" dirty="0"/>
+                        <a:t>4000</a:t>
+                      </a:r>
+                      <a:endParaRPr kumimoji="1" lang="ja-JP" altLang="en-US" dirty="0"/>
+                    </a:p>
+                  </a:txBody>
+                  <a:tcPr/>
+                </a:tc>
+                <a:tc>
+                  <a:txBody>
+                    <a:bodyPr/>
+                    <a:lstStyle/>
+                    <a:p>
+                      <a:r>
+                        <a:rPr kumimoji="1" lang="en-US" altLang="ja-JP" dirty="0"/>
+                        <a:t>-</a:t>
+                      </a:r>
+                      <a:endParaRPr kumimoji="1" lang="ja-JP" altLang="en-US" dirty="0"/>
+                    </a:p>
+                  </a:txBody>
+                  <a:tcPr/>
+                </a:tc>
+                <a:extLst>
+                  <a:ext uri="{0D108BD9-81ED-4DB2-BD59-A6C34878D82A}">
+                    <a16:rowId xmlns:a16="http://schemas.microsoft.com/office/drawing/2014/main" val="2560975394"/>
+                  </a:ext>
+                </a:extLst>
+              </a:tr>
+              <a:tr h="370840">
+                <a:tc>
+                  <a:txBody>
+                    <a:bodyPr/>
+                    <a:lstStyle/>
+                    <a:p>
+                      <a:r>
+                        <a:rPr kumimoji="1" lang="en-US" altLang="ja-JP" sz="1600" dirty="0"/>
+                        <a:t>2022/11/2</a:t>
+                      </a:r>
+                      <a:endParaRPr kumimoji="1" lang="ja-JP" altLang="en-US" sz="1600" dirty="0"/>
+                    </a:p>
+                  </a:txBody>
+                  <a:tcPr/>
+                </a:tc>
+                <a:tc>
+                  <a:txBody>
+                    <a:bodyPr/>
+                    <a:lstStyle/>
+                    <a:p>
+                      <a:r>
+                        <a:rPr kumimoji="1" lang="en-US" altLang="ja-JP" dirty="0" err="1"/>
+                        <a:t>japan</a:t>
+                      </a:r>
+                      <a:endParaRPr kumimoji="1" lang="ja-JP" altLang="en-US" dirty="0"/>
+                    </a:p>
+                  </a:txBody>
+                  <a:tcPr/>
+                </a:tc>
+                <a:tc>
+                  <a:txBody>
+                    <a:bodyPr/>
+                    <a:lstStyle/>
+                    <a:p>
+                      <a:r>
+                        <a:rPr kumimoji="1" lang="en-US" altLang="ja-JP" dirty="0" err="1"/>
+                        <a:t>tokyo</a:t>
+                      </a:r>
+                      <a:endParaRPr kumimoji="1" lang="ja-JP" altLang="en-US" dirty="0"/>
+                    </a:p>
+                  </a:txBody>
+                  <a:tcPr/>
+                </a:tc>
+                <a:tc>
+                  <a:txBody>
+                    <a:bodyPr/>
+                    <a:lstStyle/>
+                    <a:p>
+                      <a:r>
+                        <a:rPr kumimoji="1" lang="en-US" altLang="ja-JP" dirty="0"/>
+                        <a:t>5000</a:t>
+                      </a:r>
+                      <a:endParaRPr kumimoji="1" lang="ja-JP" altLang="en-US" dirty="0"/>
+                    </a:p>
+                  </a:txBody>
+                  <a:tcPr/>
+                </a:tc>
+                <a:tc>
+                  <a:txBody>
+                    <a:bodyPr/>
+                    <a:lstStyle/>
+                    <a:p>
+                      <a:r>
+                        <a:rPr kumimoji="1" lang="en-US" altLang="ja-JP" dirty="0"/>
+                        <a:t>5000</a:t>
+                      </a:r>
+                      <a:endParaRPr kumimoji="1" lang="ja-JP" altLang="en-US" dirty="0"/>
+                    </a:p>
+                  </a:txBody>
+                  <a:tcPr/>
+                </a:tc>
+                <a:tc>
+                  <a:txBody>
+                    <a:bodyPr/>
+                    <a:lstStyle/>
+                    <a:p>
+                      <a:r>
+                        <a:rPr kumimoji="1" lang="en-US" altLang="ja-JP" dirty="0"/>
+                        <a:t>-</a:t>
+                      </a:r>
+                      <a:endParaRPr kumimoji="1" lang="ja-JP" altLang="en-US" dirty="0"/>
+                    </a:p>
+                  </a:txBody>
+                  <a:tcPr/>
+                </a:tc>
+                <a:extLst>
+                  <a:ext uri="{0D108BD9-81ED-4DB2-BD59-A6C34878D82A}">
+                    <a16:rowId xmlns:a16="http://schemas.microsoft.com/office/drawing/2014/main" val="2901386573"/>
+                  </a:ext>
+                </a:extLst>
+              </a:tr>
+            </a:tbl>
+          </a:graphicData>
+        </a:graphic>
+      </p:graphicFrame>
+      <p:sp>
+        <p:nvSpPr>
+          <p:cNvPr id="40" name="正方形/長方形 39">
+            <a:extLst>
+              <a:ext uri="{FF2B5EF4-FFF2-40B4-BE49-F238E27FC236}">
+                <a16:creationId xmlns:a16="http://schemas.microsoft.com/office/drawing/2014/main" id="{F0D60378-E533-459C-612B-20F1C044899F}"/>
+              </a:ext>
+            </a:extLst>
+          </p:cNvPr>
+          <p:cNvSpPr/>
+          <p:nvPr/>
+        </p:nvSpPr>
+        <p:spPr>
+          <a:xfrm>
+            <a:off x="10286277" y="4776500"/>
+            <a:ext cx="184250" cy="903958"/>
+          </a:xfrm>
+          <a:prstGeom prst="rect">
+            <a:avLst/>
+          </a:prstGeom>
+        </p:spPr>
+        <p:style>
+          <a:lnRef idx="2">
+            <a:schemeClr val="dk1"/>
+          </a:lnRef>
+          <a:fillRef idx="1">
+            <a:schemeClr val="lt1"/>
+          </a:fillRef>
+          <a:effectRef idx="0">
+            <a:schemeClr val="dk1"/>
+          </a:effectRef>
+          <a:fontRef idx="minor">
+            <a:schemeClr val="dk1"/>
+          </a:fontRef>
+        </p:style>
+        <p:txBody>
+          <a:bodyPr rtlCol="0" anchor="ctr"/>
+          <a:lstStyle/>
+          <a:p>
+            <a:pPr algn="ctr"/>
+            <a:endParaRPr kumimoji="1" lang="ja-JP" altLang="en-US"/>
+          </a:p>
+        </p:txBody>
+      </p:sp>
+      <p:sp>
+        <p:nvSpPr>
+          <p:cNvPr id="41" name="動作設定ボタン: 戻る/前へ 40">
+            <a:hlinkClick r:id="" action="ppaction://hlinkshowjump?jump=previousslide" highlightClick="1"/>
+            <a:extLst>
+              <a:ext uri="{FF2B5EF4-FFF2-40B4-BE49-F238E27FC236}">
+                <a16:creationId xmlns:a16="http://schemas.microsoft.com/office/drawing/2014/main" id="{2612086D-F071-274C-C2FA-48C0062ED8EC}"/>
+              </a:ext>
+            </a:extLst>
+          </p:cNvPr>
+          <p:cNvSpPr/>
+          <p:nvPr/>
+        </p:nvSpPr>
+        <p:spPr>
+          <a:xfrm rot="5400000">
+            <a:off x="10193736" y="4499709"/>
+            <a:ext cx="369332" cy="184250"/>
+          </a:xfrm>
+          <a:prstGeom prst="actionButtonBackPrevious">
+            <a:avLst/>
+          </a:prstGeom>
+        </p:spPr>
+        <p:style>
+          <a:lnRef idx="2">
+            <a:schemeClr val="dk1"/>
+          </a:lnRef>
+          <a:fillRef idx="1">
+            <a:schemeClr val="lt1"/>
+          </a:fillRef>
+          <a:effectRef idx="0">
+            <a:schemeClr val="dk1"/>
+          </a:effectRef>
+          <a:fontRef idx="minor">
+            <a:schemeClr val="dk1"/>
+          </a:fontRef>
+        </p:style>
+        <p:txBody>
+          <a:bodyPr rtlCol="0" anchor="ctr"/>
+          <a:lstStyle/>
+          <a:p>
+            <a:pPr algn="ctr"/>
+            <a:endParaRPr kumimoji="1" lang="ja-JP" altLang="en-US"/>
+          </a:p>
+        </p:txBody>
+      </p:sp>
+      <p:sp>
+        <p:nvSpPr>
+          <p:cNvPr id="42" name="動作設定ボタン: 戻る/前へ 41">
+            <a:hlinkClick r:id="" action="ppaction://hlinkshowjump?jump=previousslide" highlightClick="1"/>
+            <a:extLst>
+              <a:ext uri="{FF2B5EF4-FFF2-40B4-BE49-F238E27FC236}">
+                <a16:creationId xmlns:a16="http://schemas.microsoft.com/office/drawing/2014/main" id="{4CF9AF63-636B-6AFA-C6F1-5F3E405523E0}"/>
+              </a:ext>
+            </a:extLst>
+          </p:cNvPr>
+          <p:cNvSpPr/>
+          <p:nvPr/>
+        </p:nvSpPr>
+        <p:spPr>
+          <a:xfrm rot="16200000">
+            <a:off x="10236746" y="5755093"/>
+            <a:ext cx="250962" cy="170323"/>
+          </a:xfrm>
+          <a:prstGeom prst="actionButtonBackPrevious">
+            <a:avLst/>
+          </a:prstGeom>
+        </p:spPr>
+        <p:style>
+          <a:lnRef idx="2">
+            <a:schemeClr val="dk1"/>
+          </a:lnRef>
+          <a:fillRef idx="1">
+            <a:schemeClr val="lt1"/>
+          </a:fillRef>
+          <a:effectRef idx="0">
+            <a:schemeClr val="dk1"/>
+          </a:effectRef>
+          <a:fontRef idx="minor">
+            <a:schemeClr val="dk1"/>
+          </a:fontRef>
+        </p:style>
+        <p:txBody>
+          <a:bodyPr rtlCol="0" anchor="ctr"/>
+          <a:lstStyle/>
+          <a:p>
+            <a:pPr algn="ctr"/>
+            <a:endParaRPr kumimoji="1" lang="ja-JP" altLang="en-US"/>
+          </a:p>
+        </p:txBody>
+      </p:sp>
+      <p:sp>
+        <p:nvSpPr>
+          <p:cNvPr id="5" name="テキスト ボックス 4">
+            <a:extLst>
+              <a:ext uri="{FF2B5EF4-FFF2-40B4-BE49-F238E27FC236}">
+                <a16:creationId xmlns:a16="http://schemas.microsoft.com/office/drawing/2014/main" id="{C8930CF7-614B-37F1-9803-98C1C03939E7}"/>
+              </a:ext>
+            </a:extLst>
+          </p:cNvPr>
+          <p:cNvSpPr txBox="1"/>
+          <p:nvPr/>
+        </p:nvSpPr>
+        <p:spPr>
+          <a:xfrm>
+            <a:off x="1169279" y="1613457"/>
+            <a:ext cx="2610678" cy="369332"/>
+          </a:xfrm>
+          <a:prstGeom prst="rect">
+            <a:avLst/>
+          </a:prstGeom>
+          <a:noFill/>
+        </p:spPr>
+        <p:txBody>
+          <a:bodyPr wrap="square" rtlCol="0">
+            <a:spAutoFit/>
+          </a:bodyPr>
+          <a:lstStyle/>
+          <a:p>
+            <a:r>
+              <a:rPr kumimoji="1" lang="ja-JP" altLang="en-US" dirty="0"/>
+              <a:t>〇〇〇〇</a:t>
+            </a:r>
+            <a:r>
+              <a:rPr kumimoji="1" lang="en-US" altLang="ja-JP" dirty="0"/>
+              <a:t>/</a:t>
+            </a:r>
+            <a:r>
+              <a:rPr lang="ja-JP" altLang="en-US" dirty="0"/>
+              <a:t>□□</a:t>
+            </a:r>
+            <a:r>
+              <a:rPr kumimoji="1" lang="en-US" altLang="ja-JP" dirty="0"/>
+              <a:t>/</a:t>
+            </a:r>
+            <a:r>
+              <a:rPr kumimoji="1" lang="ja-JP" altLang="en-US" dirty="0"/>
+              <a:t>△△</a:t>
+            </a:r>
+          </a:p>
+        </p:txBody>
+      </p:sp>
+      <p:sp>
+        <p:nvSpPr>
+          <p:cNvPr id="7" name="テキスト ボックス 6">
+            <a:extLst>
+              <a:ext uri="{FF2B5EF4-FFF2-40B4-BE49-F238E27FC236}">
+                <a16:creationId xmlns:a16="http://schemas.microsoft.com/office/drawing/2014/main" id="{6C49157A-7B03-7F0C-9391-4399E02FA84C}"/>
+              </a:ext>
+            </a:extLst>
+          </p:cNvPr>
+          <p:cNvSpPr txBox="1"/>
+          <p:nvPr/>
+        </p:nvSpPr>
+        <p:spPr>
+          <a:xfrm>
+            <a:off x="1860083" y="2076272"/>
+            <a:ext cx="459850" cy="369332"/>
+          </a:xfrm>
+          <a:prstGeom prst="rect">
+            <a:avLst/>
+          </a:prstGeom>
+          <a:noFill/>
+        </p:spPr>
+        <p:txBody>
+          <a:bodyPr wrap="square" rtlCol="0">
+            <a:spAutoFit/>
+          </a:bodyPr>
+          <a:lstStyle/>
+          <a:p>
+            <a:r>
+              <a:rPr kumimoji="1" lang="ja-JP" altLang="en-US" dirty="0"/>
+              <a:t>～</a:t>
+            </a:r>
+          </a:p>
+        </p:txBody>
+      </p:sp>
+      <p:sp>
+        <p:nvSpPr>
+          <p:cNvPr id="6" name="テキスト ボックス 5">
+            <a:extLst>
+              <a:ext uri="{FF2B5EF4-FFF2-40B4-BE49-F238E27FC236}">
+                <a16:creationId xmlns:a16="http://schemas.microsoft.com/office/drawing/2014/main" id="{3CD180E8-3096-A884-0D90-D06F64B2CB20}"/>
+              </a:ext>
+            </a:extLst>
+          </p:cNvPr>
+          <p:cNvSpPr txBox="1"/>
+          <p:nvPr/>
+        </p:nvSpPr>
+        <p:spPr>
+          <a:xfrm>
+            <a:off x="1129087" y="2407136"/>
+            <a:ext cx="2610678" cy="369332"/>
+          </a:xfrm>
+          <a:prstGeom prst="rect">
+            <a:avLst/>
+          </a:prstGeom>
+          <a:noFill/>
+        </p:spPr>
+        <p:txBody>
+          <a:bodyPr wrap="square" rtlCol="0">
+            <a:spAutoFit/>
+          </a:bodyPr>
+          <a:lstStyle/>
+          <a:p>
+            <a:r>
+              <a:rPr kumimoji="1" lang="ja-JP" altLang="en-US" dirty="0"/>
+              <a:t>〇〇〇〇</a:t>
+            </a:r>
+            <a:r>
+              <a:rPr kumimoji="1" lang="en-US" altLang="ja-JP" dirty="0"/>
+              <a:t>/</a:t>
+            </a:r>
+            <a:r>
+              <a:rPr lang="ja-JP" altLang="en-US" dirty="0"/>
+              <a:t>□□</a:t>
+            </a:r>
+            <a:r>
+              <a:rPr kumimoji="1" lang="en-US" altLang="ja-JP" dirty="0"/>
+              <a:t>/</a:t>
+            </a:r>
+            <a:r>
+              <a:rPr kumimoji="1" lang="ja-JP" altLang="en-US" dirty="0"/>
+              <a:t>△△</a:t>
+            </a:r>
+          </a:p>
+        </p:txBody>
+      </p:sp>
+      <p:sp>
+        <p:nvSpPr>
+          <p:cNvPr id="2" name="テキスト ボックス 1">
+            <a:extLst>
+              <a:ext uri="{FF2B5EF4-FFF2-40B4-BE49-F238E27FC236}">
+                <a16:creationId xmlns:a16="http://schemas.microsoft.com/office/drawing/2014/main" id="{2A3403CF-5036-DFE5-EBBF-3E3C42E77D27}"/>
+              </a:ext>
+            </a:extLst>
+          </p:cNvPr>
+          <p:cNvSpPr txBox="1"/>
+          <p:nvPr/>
+        </p:nvSpPr>
+        <p:spPr>
+          <a:xfrm>
+            <a:off x="1221955" y="3813854"/>
+            <a:ext cx="1445812" cy="369332"/>
+          </a:xfrm>
+          <a:prstGeom prst="rect">
+            <a:avLst/>
+          </a:prstGeom>
+          <a:noFill/>
+        </p:spPr>
+        <p:txBody>
+          <a:bodyPr wrap="square" rtlCol="0">
+            <a:spAutoFit/>
+          </a:bodyPr>
+          <a:lstStyle/>
+          <a:p>
+            <a:r>
+              <a:rPr kumimoji="1" lang="en-US" altLang="ja-JP" dirty="0"/>
+              <a:t>XX</a:t>
+            </a:r>
+            <a:r>
+              <a:rPr lang="ja-JP" altLang="en-US" dirty="0"/>
+              <a:t>日</a:t>
+            </a:r>
+            <a:endParaRPr kumimoji="1" lang="ja-JP" altLang="en-US" dirty="0"/>
+          </a:p>
+        </p:txBody>
+      </p:sp>
+      <p:sp>
+        <p:nvSpPr>
+          <p:cNvPr id="3" name="正方形/長方形 2">
+            <a:extLst>
+              <a:ext uri="{FF2B5EF4-FFF2-40B4-BE49-F238E27FC236}">
+                <a16:creationId xmlns:a16="http://schemas.microsoft.com/office/drawing/2014/main" id="{C692E83D-483C-197C-956F-DEC5542C8830}"/>
+              </a:ext>
+            </a:extLst>
+          </p:cNvPr>
+          <p:cNvSpPr/>
+          <p:nvPr/>
+        </p:nvSpPr>
+        <p:spPr>
+          <a:xfrm>
+            <a:off x="1958657" y="1256418"/>
+            <a:ext cx="1163540" cy="292359"/>
+          </a:xfrm>
+          <a:prstGeom prst="rect">
+            <a:avLst/>
+          </a:prstGeom>
+        </p:spPr>
+        <p:style>
+          <a:lnRef idx="2">
+            <a:schemeClr val="dk1"/>
+          </a:lnRef>
+          <a:fillRef idx="1">
+            <a:schemeClr val="lt1"/>
+          </a:fillRef>
+          <a:effectRef idx="0">
+            <a:schemeClr val="dk1"/>
+          </a:effectRef>
+          <a:fontRef idx="minor">
+            <a:schemeClr val="dk1"/>
+          </a:fontRef>
+        </p:style>
+        <p:txBody>
+          <a:bodyPr rtlCol="0" anchor="ctr"/>
+          <a:lstStyle/>
+          <a:p>
+            <a:pPr algn="ctr"/>
+            <a:r>
+              <a:rPr lang="en-US" altLang="ja-JP" dirty="0"/>
+              <a:t>Japan</a:t>
+            </a:r>
+            <a:endParaRPr kumimoji="1" lang="ja-JP" altLang="en-US" dirty="0"/>
+          </a:p>
+        </p:txBody>
+      </p:sp>
+      <p:sp>
+        <p:nvSpPr>
+          <p:cNvPr id="9" name="動作設定ボタン: 戻る/前へ 8">
+            <a:hlinkClick r:id="" action="ppaction://hlinkshowjump?jump=previousslide" highlightClick="1"/>
+            <a:extLst>
+              <a:ext uri="{FF2B5EF4-FFF2-40B4-BE49-F238E27FC236}">
+                <a16:creationId xmlns:a16="http://schemas.microsoft.com/office/drawing/2014/main" id="{DA03C7F5-1A97-2314-0316-8502201D1FD6}"/>
+              </a:ext>
+            </a:extLst>
+          </p:cNvPr>
+          <p:cNvSpPr/>
+          <p:nvPr/>
+        </p:nvSpPr>
+        <p:spPr>
+          <a:xfrm rot="16200000">
+            <a:off x="3041826" y="1304984"/>
+            <a:ext cx="365145" cy="204403"/>
+          </a:xfrm>
+          <a:prstGeom prst="actionButtonBackPrevious">
+            <a:avLst/>
+          </a:prstGeom>
+        </p:spPr>
+        <p:style>
+          <a:lnRef idx="2">
+            <a:schemeClr val="dk1"/>
+          </a:lnRef>
+          <a:fillRef idx="1">
+            <a:schemeClr val="lt1"/>
+          </a:fillRef>
+          <a:effectRef idx="0">
+            <a:schemeClr val="dk1"/>
+          </a:effectRef>
+          <a:fontRef idx="minor">
+            <a:schemeClr val="dk1"/>
+          </a:fontRef>
+        </p:style>
+        <p:txBody>
+          <a:bodyPr rtlCol="0" anchor="ctr"/>
+          <a:lstStyle/>
+          <a:p>
+            <a:pPr algn="ctr"/>
+            <a:endParaRPr kumimoji="1" lang="ja-JP" altLang="en-US"/>
+          </a:p>
+        </p:txBody>
+      </p:sp>
+      <p:sp>
+        <p:nvSpPr>
+          <p:cNvPr id="17" name="正方形/長方形 16">
+            <a:extLst>
+              <a:ext uri="{FF2B5EF4-FFF2-40B4-BE49-F238E27FC236}">
+                <a16:creationId xmlns:a16="http://schemas.microsoft.com/office/drawing/2014/main" id="{0F6D550E-7D0B-DBC2-F249-E8665E44568A}"/>
+              </a:ext>
+            </a:extLst>
+          </p:cNvPr>
+          <p:cNvSpPr/>
+          <p:nvPr/>
+        </p:nvSpPr>
+        <p:spPr>
+          <a:xfrm>
+            <a:off x="1244466" y="964466"/>
+            <a:ext cx="265831" cy="292359"/>
+          </a:xfrm>
+          <a:prstGeom prst="rect">
+            <a:avLst/>
+          </a:prstGeom>
+        </p:spPr>
+        <p:style>
+          <a:lnRef idx="2">
+            <a:schemeClr val="dk1"/>
+          </a:lnRef>
+          <a:fillRef idx="1">
+            <a:schemeClr val="lt1"/>
+          </a:fillRef>
+          <a:effectRef idx="0">
+            <a:schemeClr val="dk1"/>
+          </a:effectRef>
+          <a:fontRef idx="minor">
+            <a:schemeClr val="dk1"/>
+          </a:fontRef>
+        </p:style>
+        <p:txBody>
+          <a:bodyPr rtlCol="0" anchor="ctr"/>
+          <a:lstStyle/>
+          <a:p>
+            <a:pPr algn="ctr"/>
+            <a:endParaRPr kumimoji="1" lang="ja-JP" altLang="en-US" dirty="0"/>
+          </a:p>
+        </p:txBody>
+      </p:sp>
+      <p:sp>
+        <p:nvSpPr>
+          <p:cNvPr id="27" name="テキスト ボックス 26">
+            <a:extLst>
+              <a:ext uri="{FF2B5EF4-FFF2-40B4-BE49-F238E27FC236}">
+                <a16:creationId xmlns:a16="http://schemas.microsoft.com/office/drawing/2014/main" id="{FA606321-A9BA-9C7F-0E42-2500170EA926}"/>
+              </a:ext>
+            </a:extLst>
+          </p:cNvPr>
+          <p:cNvSpPr txBox="1"/>
+          <p:nvPr/>
+        </p:nvSpPr>
+        <p:spPr>
+          <a:xfrm>
+            <a:off x="1542100" y="924147"/>
+            <a:ext cx="1163540" cy="369332"/>
+          </a:xfrm>
+          <a:prstGeom prst="rect">
+            <a:avLst/>
+          </a:prstGeom>
+          <a:noFill/>
+        </p:spPr>
+        <p:txBody>
+          <a:bodyPr wrap="square" rtlCol="0">
+            <a:spAutoFit/>
+          </a:bodyPr>
+          <a:lstStyle/>
+          <a:p>
+            <a:r>
+              <a:rPr kumimoji="1" lang="en-US" altLang="ja-JP" dirty="0"/>
+              <a:t>world</a:t>
+            </a:r>
+            <a:endParaRPr kumimoji="1" lang="ja-JP" altLang="en-US" dirty="0"/>
+          </a:p>
+        </p:txBody>
+      </p:sp>
+      <p:sp>
+        <p:nvSpPr>
+          <p:cNvPr id="25" name="テキスト ボックス 24">
+            <a:extLst>
+              <a:ext uri="{FF2B5EF4-FFF2-40B4-BE49-F238E27FC236}">
+                <a16:creationId xmlns:a16="http://schemas.microsoft.com/office/drawing/2014/main" id="{943B7F5D-54D3-0424-ECEC-6AF70B2FCDC2}"/>
+              </a:ext>
+            </a:extLst>
+          </p:cNvPr>
+          <p:cNvSpPr txBox="1"/>
+          <p:nvPr/>
+        </p:nvSpPr>
+        <p:spPr>
+          <a:xfrm>
+            <a:off x="3628638" y="1461496"/>
+            <a:ext cx="1847352" cy="369332"/>
+          </a:xfrm>
+          <a:prstGeom prst="rect">
+            <a:avLst/>
+          </a:prstGeom>
+          <a:noFill/>
+        </p:spPr>
+        <p:txBody>
+          <a:bodyPr wrap="square" rtlCol="0">
+            <a:spAutoFit/>
+          </a:bodyPr>
+          <a:lstStyle/>
+          <a:p>
+            <a:r>
+              <a:rPr kumimoji="1" lang="en-US" altLang="ja-JP" dirty="0" err="1"/>
+              <a:t>Total:xxxxxx</a:t>
+            </a:r>
+            <a:r>
+              <a:rPr kumimoji="1" lang="ja-JP" altLang="en-US" dirty="0"/>
+              <a:t>円</a:t>
+            </a:r>
+          </a:p>
+        </p:txBody>
+      </p:sp>
+      <p:sp>
+        <p:nvSpPr>
+          <p:cNvPr id="19" name="四角形: 角を丸くする 18">
+            <a:extLst>
+              <a:ext uri="{FF2B5EF4-FFF2-40B4-BE49-F238E27FC236}">
+                <a16:creationId xmlns:a16="http://schemas.microsoft.com/office/drawing/2014/main" id="{8AD0D9ED-B0C2-05EE-3B7B-9F18380C001E}"/>
+              </a:ext>
+            </a:extLst>
+          </p:cNvPr>
+          <p:cNvSpPr/>
+          <p:nvPr/>
+        </p:nvSpPr>
+        <p:spPr>
+          <a:xfrm>
+            <a:off x="8136358" y="926725"/>
+            <a:ext cx="1598212" cy="369332"/>
+          </a:xfrm>
+          <a:prstGeom prst="roundRect">
+            <a:avLst/>
+          </a:prstGeom>
+        </p:spPr>
+        <p:style>
+          <a:lnRef idx="2">
+            <a:schemeClr val="dk1"/>
+          </a:lnRef>
+          <a:fillRef idx="1">
+            <a:schemeClr val="lt1"/>
+          </a:fillRef>
+          <a:effectRef idx="0">
+            <a:schemeClr val="dk1"/>
+          </a:effectRef>
+          <a:fontRef idx="minor">
+            <a:schemeClr val="dk1"/>
+          </a:fontRef>
+        </p:style>
+        <p:txBody>
+          <a:bodyPr rtlCol="0" anchor="ctr"/>
+          <a:lstStyle/>
+          <a:p>
+            <a:pPr algn="ctr"/>
+            <a:r>
+              <a:rPr kumimoji="1" lang="en-US" altLang="ja-JP" dirty="0"/>
+              <a:t>other</a:t>
+            </a:r>
+            <a:endParaRPr kumimoji="1" lang="ja-JP" altLang="en-US" dirty="0"/>
+          </a:p>
+        </p:txBody>
+      </p:sp>
+    </p:spTree>
+    <p:extLst>
+      <p:ext uri="{BB962C8B-B14F-4D97-AF65-F5344CB8AC3E}">
+        <p14:creationId xmlns:p14="http://schemas.microsoft.com/office/powerpoint/2010/main" val="1245288595"/>
+      </p:ext>
+    </p:extLst>
+  </p:cSld>
+  <p:clrMapOvr>
+    <a:masterClrMapping/>
+  </p:clrMapOvr>
+</p:sld>
+</file>
+
+<file path=ppt/slides/slide11.xml><?xml version="1.0" encoding="utf-8"?>
 <p:sld xmlns:a="http://schemas.openxmlformats.org/drawingml/2006/main" xmlns:r="http://schemas.openxmlformats.org/officeDocument/2006/relationships" xmlns:p="http://schemas.openxmlformats.org/presentationml/2006/main">
   <p:cSld>
     <p:spTree>
@@ -5822,7 +7933,7 @@
 </p:sld>
 </file>
 
-<file path=ppt/slides/slide11.xml><?xml version="1.0" encoding="utf-8"?>
+<file path=ppt/slides/slide12.xml><?xml version="1.0" encoding="utf-8"?>
 <p:sld xmlns:a="http://schemas.openxmlformats.org/drawingml/2006/main" xmlns:r="http://schemas.openxmlformats.org/officeDocument/2006/relationships" xmlns:p="http://schemas.openxmlformats.org/presentationml/2006/main">
   <p:cSld>
     <p:spTree>
@@ -8317,7 +10428,7 @@
 </p:sld>
 </file>
 
-<file path=ppt/slides/slide12.xml><?xml version="1.0" encoding="utf-8"?>
+<file path=ppt/slides/slide13.xml><?xml version="1.0" encoding="utf-8"?>
 <p:sld xmlns:a="http://schemas.openxmlformats.org/drawingml/2006/main" xmlns:r="http://schemas.openxmlformats.org/officeDocument/2006/relationships" xmlns:p="http://schemas.openxmlformats.org/presentationml/2006/main">
   <p:cSld>
     <p:spTree>
@@ -10383,7 +12494,7 @@
 </p:sld>
 </file>
 
-<file path=ppt/slides/slide13.xml><?xml version="1.0" encoding="utf-8"?>
+<file path=ppt/slides/slide14.xml><?xml version="1.0" encoding="utf-8"?>
 <p:sld xmlns:a="http://schemas.openxmlformats.org/drawingml/2006/main" xmlns:r="http://schemas.openxmlformats.org/officeDocument/2006/relationships" xmlns:p="http://schemas.openxmlformats.org/presentationml/2006/main">
   <p:cSld>
     <p:spTree>
@@ -12527,90 +14638,6 @@
 </p:sld>
 </file>
 
-<file path=ppt/slides/slide14.xml><?xml version="1.0" encoding="utf-8"?>
-<p:sld xmlns:a="http://schemas.openxmlformats.org/drawingml/2006/main" xmlns:r="http://schemas.openxmlformats.org/officeDocument/2006/relationships" xmlns:p="http://schemas.openxmlformats.org/presentationml/2006/main">
-  <p:cSld>
-    <p:spTree>
-      <p:nvGrpSpPr>
-        <p:cNvPr id="1" name=""/>
-        <p:cNvGrpSpPr/>
-        <p:nvPr/>
-      </p:nvGrpSpPr>
-      <p:grpSpPr>
-        <a:xfrm>
-          <a:off x="0" y="0"/>
-          <a:ext cx="0" cy="0"/>
-          <a:chOff x="0" y="0"/>
-          <a:chExt cx="0" cy="0"/>
-        </a:xfrm>
-      </p:grpSpPr>
-      <p:sp>
-        <p:nvSpPr>
-          <p:cNvPr id="2" name="タイトル 1">
-            <a:extLst>
-              <a:ext uri="{FF2B5EF4-FFF2-40B4-BE49-F238E27FC236}">
-                <a16:creationId xmlns:a16="http://schemas.microsoft.com/office/drawing/2014/main" id="{494D604C-50A4-1D2B-F01C-C2EFE5AFACFF}"/>
-              </a:ext>
-            </a:extLst>
-          </p:cNvPr>
-          <p:cNvSpPr>
-            <a:spLocks noGrp="1"/>
-          </p:cNvSpPr>
-          <p:nvPr>
-            <p:ph type="title"/>
-          </p:nvPr>
-        </p:nvSpPr>
-        <p:spPr/>
-        <p:txBody>
-          <a:bodyPr/>
-          <a:lstStyle/>
-          <a:p>
-            <a:r>
-              <a:rPr kumimoji="1" lang="en-US" altLang="ja-JP" dirty="0" err="1"/>
-              <a:t>apendix</a:t>
-            </a:r>
-            <a:endParaRPr kumimoji="1" lang="ja-JP" altLang="en-US" dirty="0"/>
-          </a:p>
-        </p:txBody>
-      </p:sp>
-      <p:sp>
-        <p:nvSpPr>
-          <p:cNvPr id="3" name="テキスト プレースホルダー 2">
-            <a:extLst>
-              <a:ext uri="{FF2B5EF4-FFF2-40B4-BE49-F238E27FC236}">
-                <a16:creationId xmlns:a16="http://schemas.microsoft.com/office/drawing/2014/main" id="{6338C58D-8DB4-C6DD-9905-74CBD161ECC9}"/>
-              </a:ext>
-            </a:extLst>
-          </p:cNvPr>
-          <p:cNvSpPr>
-            <a:spLocks noGrp="1"/>
-          </p:cNvSpPr>
-          <p:nvPr>
-            <p:ph type="body" idx="1"/>
-          </p:nvPr>
-        </p:nvSpPr>
-        <p:spPr/>
-        <p:txBody>
-          <a:bodyPr/>
-          <a:lstStyle/>
-          <a:p>
-            <a:endParaRPr kumimoji="1" lang="ja-JP" altLang="en-US"/>
-          </a:p>
-        </p:txBody>
-      </p:sp>
-    </p:spTree>
-    <p:extLst>
-      <p:ext uri="{BB962C8B-B14F-4D97-AF65-F5344CB8AC3E}">
-        <p14:creationId xmlns:p14="http://schemas.microsoft.com/office/powerpoint/2010/main" val="4117684095"/>
-      </p:ext>
-    </p:extLst>
-  </p:cSld>
-  <p:clrMapOvr>
-    <a:masterClrMapping/>
-  </p:clrMapOvr>
-</p:sld>
-</file>
-
 <file path=ppt/slides/slide15.xml><?xml version="1.0" encoding="utf-8"?>
 <p:sld xmlns:a="http://schemas.openxmlformats.org/drawingml/2006/main" xmlns:r="http://schemas.openxmlformats.org/officeDocument/2006/relationships" xmlns:p="http://schemas.openxmlformats.org/presentationml/2006/main">
   <p:cSld>
@@ -12628,40 +14655,64 @@
           <a:chExt cx="0" cy="0"/>
         </a:xfrm>
       </p:grpSpPr>
-      <p:pic>
-        <p:nvPicPr>
-          <p:cNvPr id="3" name="図 2">
-            <a:extLst>
-              <a:ext uri="{FF2B5EF4-FFF2-40B4-BE49-F238E27FC236}">
-                <a16:creationId xmlns:a16="http://schemas.microsoft.com/office/drawing/2014/main" id="{F5498A17-9BD6-367B-B018-92B11178682E}"/>
-              </a:ext>
-            </a:extLst>
-          </p:cNvPr>
-          <p:cNvPicPr>
-            <a:picLocks noChangeAspect="1"/>
-          </p:cNvPicPr>
-          <p:nvPr/>
-        </p:nvPicPr>
-        <p:blipFill>
-          <a:blip r:embed="rId2"/>
-          <a:stretch>
-            <a:fillRect/>
-          </a:stretch>
-        </p:blipFill>
-        <p:spPr>
-          <a:xfrm>
-            <a:off x="648162" y="409528"/>
-            <a:ext cx="7486650" cy="5648325"/>
-          </a:xfrm>
-          <a:prstGeom prst="rect">
-            <a:avLst/>
-          </a:prstGeom>
-        </p:spPr>
-      </p:pic>
+      <p:sp>
+        <p:nvSpPr>
+          <p:cNvPr id="2" name="タイトル 1">
+            <a:extLst>
+              <a:ext uri="{FF2B5EF4-FFF2-40B4-BE49-F238E27FC236}">
+                <a16:creationId xmlns:a16="http://schemas.microsoft.com/office/drawing/2014/main" id="{494D604C-50A4-1D2B-F01C-C2EFE5AFACFF}"/>
+              </a:ext>
+            </a:extLst>
+          </p:cNvPr>
+          <p:cNvSpPr>
+            <a:spLocks noGrp="1"/>
+          </p:cNvSpPr>
+          <p:nvPr>
+            <p:ph type="title"/>
+          </p:nvPr>
+        </p:nvSpPr>
+        <p:spPr/>
+        <p:txBody>
+          <a:bodyPr/>
+          <a:lstStyle/>
+          <a:p>
+            <a:r>
+              <a:rPr kumimoji="1" lang="en-US" altLang="ja-JP" dirty="0" err="1"/>
+              <a:t>apendix</a:t>
+            </a:r>
+            <a:endParaRPr kumimoji="1" lang="ja-JP" altLang="en-US" dirty="0"/>
+          </a:p>
+        </p:txBody>
+      </p:sp>
+      <p:sp>
+        <p:nvSpPr>
+          <p:cNvPr id="3" name="テキスト プレースホルダー 2">
+            <a:extLst>
+              <a:ext uri="{FF2B5EF4-FFF2-40B4-BE49-F238E27FC236}">
+                <a16:creationId xmlns:a16="http://schemas.microsoft.com/office/drawing/2014/main" id="{6338C58D-8DB4-C6DD-9905-74CBD161ECC9}"/>
+              </a:ext>
+            </a:extLst>
+          </p:cNvPr>
+          <p:cNvSpPr>
+            <a:spLocks noGrp="1"/>
+          </p:cNvSpPr>
+          <p:nvPr>
+            <p:ph type="body" idx="1"/>
+          </p:nvPr>
+        </p:nvSpPr>
+        <p:spPr/>
+        <p:txBody>
+          <a:bodyPr/>
+          <a:lstStyle/>
+          <a:p>
+            <a:endParaRPr kumimoji="1" lang="ja-JP" altLang="en-US"/>
+          </a:p>
+        </p:txBody>
+      </p:sp>
     </p:spTree>
     <p:extLst>
       <p:ext uri="{BB962C8B-B14F-4D97-AF65-F5344CB8AC3E}">
-        <p14:creationId xmlns:p14="http://schemas.microsoft.com/office/powerpoint/2010/main" val="168639449"/>
+        <p14:creationId xmlns:p14="http://schemas.microsoft.com/office/powerpoint/2010/main" val="4117684095"/>
       </p:ext>
     </p:extLst>
   </p:cSld>
@@ -12693,7 +14744,7 @@
           <p:cNvPr id="3" name="図 2">
             <a:extLst>
               <a:ext uri="{FF2B5EF4-FFF2-40B4-BE49-F238E27FC236}">
-                <a16:creationId xmlns:a16="http://schemas.microsoft.com/office/drawing/2014/main" id="{7289B06E-7202-CF40-AB3B-4729880B5E01}"/>
+                <a16:creationId xmlns:a16="http://schemas.microsoft.com/office/drawing/2014/main" id="{F5498A17-9BD6-367B-B018-92B11178682E}"/>
               </a:ext>
             </a:extLst>
           </p:cNvPr>
@@ -12710,7 +14761,7 @@
         </p:blipFill>
         <p:spPr>
           <a:xfrm>
-            <a:off x="2352675" y="604837"/>
+            <a:off x="648162" y="409528"/>
             <a:ext cx="7486650" cy="5648325"/>
           </a:xfrm>
           <a:prstGeom prst="rect">
@@ -12721,7 +14772,7 @@
     </p:spTree>
     <p:extLst>
       <p:ext uri="{BB962C8B-B14F-4D97-AF65-F5344CB8AC3E}">
-        <p14:creationId xmlns:p14="http://schemas.microsoft.com/office/powerpoint/2010/main" val="772665974"/>
+        <p14:creationId xmlns:p14="http://schemas.microsoft.com/office/powerpoint/2010/main" val="168639449"/>
       </p:ext>
     </p:extLst>
   </p:cSld>
@@ -12753,6 +14804,66 @@
           <p:cNvPr id="3" name="図 2">
             <a:extLst>
               <a:ext uri="{FF2B5EF4-FFF2-40B4-BE49-F238E27FC236}">
+                <a16:creationId xmlns:a16="http://schemas.microsoft.com/office/drawing/2014/main" id="{7289B06E-7202-CF40-AB3B-4729880B5E01}"/>
+              </a:ext>
+            </a:extLst>
+          </p:cNvPr>
+          <p:cNvPicPr>
+            <a:picLocks noChangeAspect="1"/>
+          </p:cNvPicPr>
+          <p:nvPr/>
+        </p:nvPicPr>
+        <p:blipFill>
+          <a:blip r:embed="rId2"/>
+          <a:stretch>
+            <a:fillRect/>
+          </a:stretch>
+        </p:blipFill>
+        <p:spPr>
+          <a:xfrm>
+            <a:off x="2352675" y="604837"/>
+            <a:ext cx="7486650" cy="5648325"/>
+          </a:xfrm>
+          <a:prstGeom prst="rect">
+            <a:avLst/>
+          </a:prstGeom>
+        </p:spPr>
+      </p:pic>
+    </p:spTree>
+    <p:extLst>
+      <p:ext uri="{BB962C8B-B14F-4D97-AF65-F5344CB8AC3E}">
+        <p14:creationId xmlns:p14="http://schemas.microsoft.com/office/powerpoint/2010/main" val="772665974"/>
+      </p:ext>
+    </p:extLst>
+  </p:cSld>
+  <p:clrMapOvr>
+    <a:masterClrMapping/>
+  </p:clrMapOvr>
+</p:sld>
+</file>
+
+<file path=ppt/slides/slide18.xml><?xml version="1.0" encoding="utf-8"?>
+<p:sld xmlns:a="http://schemas.openxmlformats.org/drawingml/2006/main" xmlns:r="http://schemas.openxmlformats.org/officeDocument/2006/relationships" xmlns:p="http://schemas.openxmlformats.org/presentationml/2006/main">
+  <p:cSld>
+    <p:spTree>
+      <p:nvGrpSpPr>
+        <p:cNvPr id="1" name=""/>
+        <p:cNvGrpSpPr/>
+        <p:nvPr/>
+      </p:nvGrpSpPr>
+      <p:grpSpPr>
+        <a:xfrm>
+          <a:off x="0" y="0"/>
+          <a:ext cx="0" cy="0"/>
+          <a:chOff x="0" y="0"/>
+          <a:chExt cx="0" cy="0"/>
+        </a:xfrm>
+      </p:grpSpPr>
+      <p:pic>
+        <p:nvPicPr>
+          <p:cNvPr id="3" name="図 2">
+            <a:extLst>
+              <a:ext uri="{FF2B5EF4-FFF2-40B4-BE49-F238E27FC236}">
                 <a16:creationId xmlns:a16="http://schemas.microsoft.com/office/drawing/2014/main" id="{2BE5274E-8C1B-5D48-AF15-A14493583170}"/>
               </a:ext>
             </a:extLst>
@@ -12791,7 +14902,7 @@
 </p:sld>
 </file>
 
-<file path=ppt/slides/slide18.xml><?xml version="1.0" encoding="utf-8"?>
+<file path=ppt/slides/slide19.xml><?xml version="1.0" encoding="utf-8"?>
 <p:sld xmlns:a="http://schemas.openxmlformats.org/drawingml/2006/main" xmlns:r="http://schemas.openxmlformats.org/officeDocument/2006/relationships" xmlns:p="http://schemas.openxmlformats.org/presentationml/2006/main">
   <p:cSld>
     <p:spTree>
@@ -14373,6 +16484,66 @@
           <a:chExt cx="0" cy="0"/>
         </a:xfrm>
       </p:grpSpPr>
+      <p:pic>
+        <p:nvPicPr>
+          <p:cNvPr id="3" name="図 2">
+            <a:extLst>
+              <a:ext uri="{FF2B5EF4-FFF2-40B4-BE49-F238E27FC236}">
+                <a16:creationId xmlns:a16="http://schemas.microsoft.com/office/drawing/2014/main" id="{50DDB013-A39C-5F4E-95C4-0EB8AF00C2B6}"/>
+              </a:ext>
+            </a:extLst>
+          </p:cNvPr>
+          <p:cNvPicPr>
+            <a:picLocks noChangeAspect="1"/>
+          </p:cNvPicPr>
+          <p:nvPr/>
+        </p:nvPicPr>
+        <p:blipFill>
+          <a:blip r:embed="rId2"/>
+          <a:stretch>
+            <a:fillRect/>
+          </a:stretch>
+        </p:blipFill>
+        <p:spPr>
+          <a:xfrm>
+            <a:off x="1549685" y="0"/>
+            <a:ext cx="9092629" cy="6858000"/>
+          </a:xfrm>
+          <a:prstGeom prst="rect">
+            <a:avLst/>
+          </a:prstGeom>
+        </p:spPr>
+      </p:pic>
+    </p:spTree>
+    <p:extLst>
+      <p:ext uri="{BB962C8B-B14F-4D97-AF65-F5344CB8AC3E}">
+        <p14:creationId xmlns:p14="http://schemas.microsoft.com/office/powerpoint/2010/main" val="1005175610"/>
+      </p:ext>
+    </p:extLst>
+  </p:cSld>
+  <p:clrMapOvr>
+    <a:masterClrMapping/>
+  </p:clrMapOvr>
+</p:sld>
+</file>
+
+<file path=ppt/slides/slide6.xml><?xml version="1.0" encoding="utf-8"?>
+<p:sld xmlns:a="http://schemas.openxmlformats.org/drawingml/2006/main" xmlns:r="http://schemas.openxmlformats.org/officeDocument/2006/relationships" xmlns:p="http://schemas.openxmlformats.org/presentationml/2006/main">
+  <p:cSld>
+    <p:spTree>
+      <p:nvGrpSpPr>
+        <p:cNvPr id="1" name=""/>
+        <p:cNvGrpSpPr/>
+        <p:nvPr/>
+      </p:nvGrpSpPr>
+      <p:grpSpPr>
+        <a:xfrm>
+          <a:off x="0" y="0"/>
+          <a:ext cx="0" cy="0"/>
+          <a:chOff x="0" y="0"/>
+          <a:chExt cx="0" cy="0"/>
+        </a:xfrm>
+      </p:grpSpPr>
       <p:sp>
         <p:nvSpPr>
           <p:cNvPr id="2" name="テキスト ボックス 1">
@@ -14862,7 +17033,7 @@
 </p:sld>
 </file>
 
-<file path=ppt/slides/slide6.xml><?xml version="1.0" encoding="utf-8"?>
+<file path=ppt/slides/slide7.xml><?xml version="1.0" encoding="utf-8"?>
 <p:sld xmlns:a="http://schemas.openxmlformats.org/drawingml/2006/main" xmlns:r="http://schemas.openxmlformats.org/officeDocument/2006/relationships" xmlns:p="http://schemas.openxmlformats.org/presentationml/2006/main">
   <p:cSld>
     <p:spTree>
@@ -15461,7 +17632,7 @@
 </p:sld>
 </file>
 
-<file path=ppt/slides/slide7.xml><?xml version="1.0" encoding="utf-8"?>
+<file path=ppt/slides/slide8.xml><?xml version="1.0" encoding="utf-8"?>
 <p:sld xmlns:a="http://schemas.openxmlformats.org/drawingml/2006/main" xmlns:r="http://schemas.openxmlformats.org/officeDocument/2006/relationships" xmlns:p="http://schemas.openxmlformats.org/presentationml/2006/main">
   <p:cSld>
     <p:spTree>
@@ -16817,7 +18988,7 @@
 </p:sld>
 </file>
 
-<file path=ppt/slides/slide8.xml><?xml version="1.0" encoding="utf-8"?>
+<file path=ppt/slides/slide9.xml><?xml version="1.0" encoding="utf-8"?>
 <p:sld xmlns:a="http://schemas.openxmlformats.org/drawingml/2006/main" xmlns:r="http://schemas.openxmlformats.org/officeDocument/2006/relationships" xmlns:p="http://schemas.openxmlformats.org/presentationml/2006/main">
   <p:cSld>
     <p:spTree>
@@ -18521,2116 +20692,6 @@
     <p:extLst>
       <p:ext uri="{BB962C8B-B14F-4D97-AF65-F5344CB8AC3E}">
         <p14:creationId xmlns:p14="http://schemas.microsoft.com/office/powerpoint/2010/main" val="581727551"/>
-      </p:ext>
-    </p:extLst>
-  </p:cSld>
-  <p:clrMapOvr>
-    <a:masterClrMapping/>
-  </p:clrMapOvr>
-</p:sld>
-</file>
-
-<file path=ppt/slides/slide9.xml><?xml version="1.0" encoding="utf-8"?>
-<p:sld xmlns:a="http://schemas.openxmlformats.org/drawingml/2006/main" xmlns:r="http://schemas.openxmlformats.org/officeDocument/2006/relationships" xmlns:p="http://schemas.openxmlformats.org/presentationml/2006/main">
-  <p:cSld>
-    <p:spTree>
-      <p:nvGrpSpPr>
-        <p:cNvPr id="1" name=""/>
-        <p:cNvGrpSpPr/>
-        <p:nvPr/>
-      </p:nvGrpSpPr>
-      <p:grpSpPr>
-        <a:xfrm>
-          <a:off x="0" y="0"/>
-          <a:ext cx="0" cy="0"/>
-          <a:chOff x="0" y="0"/>
-          <a:chExt cx="0" cy="0"/>
-        </a:xfrm>
-      </p:grpSpPr>
-      <p:sp>
-        <p:nvSpPr>
-          <p:cNvPr id="4" name="正方形/長方形 3">
-            <a:extLst>
-              <a:ext uri="{FF2B5EF4-FFF2-40B4-BE49-F238E27FC236}">
-                <a16:creationId xmlns:a16="http://schemas.microsoft.com/office/drawing/2014/main" id="{8E6F8277-02F1-8E71-E840-5A60E7C8ACC8}"/>
-              </a:ext>
-            </a:extLst>
-          </p:cNvPr>
-          <p:cNvSpPr/>
-          <p:nvPr/>
-        </p:nvSpPr>
-        <p:spPr>
-          <a:xfrm>
-            <a:off x="1267305" y="892264"/>
-            <a:ext cx="9430247" cy="5263764"/>
-          </a:xfrm>
-          <a:prstGeom prst="rect">
-            <a:avLst/>
-          </a:prstGeom>
-        </p:spPr>
-        <p:style>
-          <a:lnRef idx="2">
-            <a:schemeClr val="dk1"/>
-          </a:lnRef>
-          <a:fillRef idx="1">
-            <a:schemeClr val="lt1"/>
-          </a:fillRef>
-          <a:effectRef idx="0">
-            <a:schemeClr val="dk1"/>
-          </a:effectRef>
-          <a:fontRef idx="minor">
-            <a:schemeClr val="dk1"/>
-          </a:fontRef>
-        </p:style>
-        <p:txBody>
-          <a:bodyPr rtlCol="0" anchor="ctr"/>
-          <a:lstStyle/>
-          <a:p>
-            <a:pPr algn="ctr"/>
-            <a:endParaRPr kumimoji="1" lang="ja-JP" altLang="en-US" dirty="0"/>
-          </a:p>
-        </p:txBody>
-      </p:sp>
-      <p:sp>
-        <p:nvSpPr>
-          <p:cNvPr id="8" name="正方形/長方形 7">
-            <a:extLst>
-              <a:ext uri="{FF2B5EF4-FFF2-40B4-BE49-F238E27FC236}">
-                <a16:creationId xmlns:a16="http://schemas.microsoft.com/office/drawing/2014/main" id="{37D878A8-3C9B-28B4-4547-0E1136F0B2D7}"/>
-              </a:ext>
-            </a:extLst>
-          </p:cNvPr>
-          <p:cNvSpPr/>
-          <p:nvPr/>
-        </p:nvSpPr>
-        <p:spPr>
-          <a:xfrm>
-            <a:off x="1160890" y="898497"/>
-            <a:ext cx="2170707" cy="5263764"/>
-          </a:xfrm>
-          <a:prstGeom prst="rect">
-            <a:avLst/>
-          </a:prstGeom>
-        </p:spPr>
-        <p:style>
-          <a:lnRef idx="2">
-            <a:schemeClr val="dk1"/>
-          </a:lnRef>
-          <a:fillRef idx="1">
-            <a:schemeClr val="lt1"/>
-          </a:fillRef>
-          <a:effectRef idx="0">
-            <a:schemeClr val="dk1"/>
-          </a:effectRef>
-          <a:fontRef idx="minor">
-            <a:schemeClr val="dk1"/>
-          </a:fontRef>
-        </p:style>
-        <p:txBody>
-          <a:bodyPr rtlCol="0" anchor="ctr"/>
-          <a:lstStyle/>
-          <a:p>
-            <a:pPr algn="ctr"/>
-            <a:endParaRPr kumimoji="1" lang="ja-JP" altLang="en-US"/>
-          </a:p>
-        </p:txBody>
-      </p:sp>
-      <p:sp>
-        <p:nvSpPr>
-          <p:cNvPr id="16" name="正方形/長方形 15">
-            <a:extLst>
-              <a:ext uri="{FF2B5EF4-FFF2-40B4-BE49-F238E27FC236}">
-                <a16:creationId xmlns:a16="http://schemas.microsoft.com/office/drawing/2014/main" id="{0874A7FF-57A3-C5FD-602D-9630AD828394}"/>
-              </a:ext>
-            </a:extLst>
-          </p:cNvPr>
-          <p:cNvSpPr/>
-          <p:nvPr/>
-        </p:nvSpPr>
-        <p:spPr>
-          <a:xfrm>
-            <a:off x="2116254" y="2740030"/>
-            <a:ext cx="1184743" cy="974438"/>
-          </a:xfrm>
-          <a:prstGeom prst="rect">
-            <a:avLst/>
-          </a:prstGeom>
-        </p:spPr>
-        <p:style>
-          <a:lnRef idx="2">
-            <a:schemeClr val="dk1"/>
-          </a:lnRef>
-          <a:fillRef idx="1">
-            <a:schemeClr val="lt1"/>
-          </a:fillRef>
-          <a:effectRef idx="0">
-            <a:schemeClr val="dk1"/>
-          </a:effectRef>
-          <a:fontRef idx="minor">
-            <a:schemeClr val="dk1"/>
-          </a:fontRef>
-        </p:style>
-        <p:txBody>
-          <a:bodyPr rtlCol="0" anchor="ctr"/>
-          <a:lstStyle/>
-          <a:p>
-            <a:pPr algn="ctr"/>
-            <a:endParaRPr kumimoji="1" lang="ja-JP" altLang="en-US"/>
-          </a:p>
-        </p:txBody>
-      </p:sp>
-      <p:grpSp>
-        <p:nvGrpSpPr>
-          <p:cNvPr id="43" name="グループ化 42">
-            <a:extLst>
-              <a:ext uri="{FF2B5EF4-FFF2-40B4-BE49-F238E27FC236}">
-                <a16:creationId xmlns:a16="http://schemas.microsoft.com/office/drawing/2014/main" id="{839B7FA8-B444-8485-278C-1ECC1613EC20}"/>
-              </a:ext>
-            </a:extLst>
-          </p:cNvPr>
-          <p:cNvGrpSpPr/>
-          <p:nvPr/>
-        </p:nvGrpSpPr>
-        <p:grpSpPr>
-          <a:xfrm>
-            <a:off x="2254900" y="2733080"/>
-            <a:ext cx="975361" cy="940510"/>
-            <a:chOff x="9591921" y="1516576"/>
-            <a:chExt cx="975361" cy="940510"/>
-          </a:xfrm>
-        </p:grpSpPr>
-        <p:sp>
-          <p:nvSpPr>
-            <p:cNvPr id="10" name="楕円 9">
-              <a:extLst>
-                <a:ext uri="{FF2B5EF4-FFF2-40B4-BE49-F238E27FC236}">
-                  <a16:creationId xmlns:a16="http://schemas.microsoft.com/office/drawing/2014/main" id="{E4F25E09-E89C-CA52-BCE0-41A922ADBCDD}"/>
-                </a:ext>
-              </a:extLst>
-            </p:cNvPr>
-            <p:cNvSpPr/>
-            <p:nvPr/>
-          </p:nvSpPr>
-          <p:spPr>
-            <a:xfrm>
-              <a:off x="9598548" y="1603838"/>
-              <a:ext cx="159026" cy="194808"/>
-            </a:xfrm>
-            <a:prstGeom prst="ellipse">
-              <a:avLst/>
-            </a:prstGeom>
-          </p:spPr>
-          <p:style>
-            <a:lnRef idx="2">
-              <a:schemeClr val="dk1">
-                <a:shade val="15000"/>
-              </a:schemeClr>
-            </a:lnRef>
-            <a:fillRef idx="1">
-              <a:schemeClr val="dk1"/>
-            </a:fillRef>
-            <a:effectRef idx="0">
-              <a:schemeClr val="dk1"/>
-            </a:effectRef>
-            <a:fontRef idx="minor">
-              <a:schemeClr val="lt1"/>
-            </a:fontRef>
-          </p:style>
-          <p:txBody>
-            <a:bodyPr rtlCol="0" anchor="ctr"/>
-            <a:lstStyle/>
-            <a:p>
-              <a:pPr algn="ctr"/>
-              <a:endParaRPr kumimoji="1" lang="ja-JP" altLang="en-US"/>
-            </a:p>
-          </p:txBody>
-        </p:sp>
-        <p:sp>
-          <p:nvSpPr>
-            <p:cNvPr id="11" name="テキスト ボックス 10">
-              <a:extLst>
-                <a:ext uri="{FF2B5EF4-FFF2-40B4-BE49-F238E27FC236}">
-                  <a16:creationId xmlns:a16="http://schemas.microsoft.com/office/drawing/2014/main" id="{FF656ED4-A3D7-0692-CE6C-41E5CFEA8184}"/>
-                </a:ext>
-              </a:extLst>
-            </p:cNvPr>
-            <p:cNvSpPr txBox="1"/>
-            <p:nvPr/>
-          </p:nvSpPr>
-          <p:spPr>
-            <a:xfrm>
-              <a:off x="9748298" y="1516576"/>
-              <a:ext cx="818984" cy="369332"/>
-            </a:xfrm>
-            <a:prstGeom prst="rect">
-              <a:avLst/>
-            </a:prstGeom>
-            <a:noFill/>
-          </p:spPr>
-          <p:txBody>
-            <a:bodyPr wrap="square" rtlCol="0">
-              <a:spAutoFit/>
-            </a:bodyPr>
-            <a:lstStyle/>
-            <a:p>
-              <a:r>
-                <a:rPr kumimoji="1" lang="en-US" altLang="ja-JP" dirty="0"/>
-                <a:t>JPY</a:t>
-              </a:r>
-              <a:endParaRPr kumimoji="1" lang="ja-JP" altLang="en-US" dirty="0"/>
-            </a:p>
-          </p:txBody>
-        </p:sp>
-        <p:sp>
-          <p:nvSpPr>
-            <p:cNvPr id="12" name="楕円 11">
-              <a:extLst>
-                <a:ext uri="{FF2B5EF4-FFF2-40B4-BE49-F238E27FC236}">
-                  <a16:creationId xmlns:a16="http://schemas.microsoft.com/office/drawing/2014/main" id="{2A40EF12-52A9-EAA2-CA83-78721B83CD4F}"/>
-                </a:ext>
-              </a:extLst>
-            </p:cNvPr>
-            <p:cNvSpPr/>
-            <p:nvPr/>
-          </p:nvSpPr>
-          <p:spPr>
-            <a:xfrm>
-              <a:off x="9611800" y="1882657"/>
-              <a:ext cx="159026" cy="194808"/>
-            </a:xfrm>
-            <a:prstGeom prst="ellipse">
-              <a:avLst/>
-            </a:prstGeom>
-          </p:spPr>
-          <p:style>
-            <a:lnRef idx="2">
-              <a:schemeClr val="dk1"/>
-            </a:lnRef>
-            <a:fillRef idx="1">
-              <a:schemeClr val="lt1"/>
-            </a:fillRef>
-            <a:effectRef idx="0">
-              <a:schemeClr val="dk1"/>
-            </a:effectRef>
-            <a:fontRef idx="minor">
-              <a:schemeClr val="dk1"/>
-            </a:fontRef>
-          </p:style>
-          <p:txBody>
-            <a:bodyPr rtlCol="0" anchor="ctr"/>
-            <a:lstStyle/>
-            <a:p>
-              <a:pPr algn="ctr"/>
-              <a:endParaRPr kumimoji="1" lang="ja-JP" altLang="en-US"/>
-            </a:p>
-          </p:txBody>
-        </p:sp>
-        <p:sp>
-          <p:nvSpPr>
-            <p:cNvPr id="13" name="テキスト ボックス 12">
-              <a:extLst>
-                <a:ext uri="{FF2B5EF4-FFF2-40B4-BE49-F238E27FC236}">
-                  <a16:creationId xmlns:a16="http://schemas.microsoft.com/office/drawing/2014/main" id="{AE6A0A38-7376-F987-1097-EA123111CDC4}"/>
-                </a:ext>
-              </a:extLst>
-            </p:cNvPr>
-            <p:cNvSpPr txBox="1"/>
-            <p:nvPr/>
-          </p:nvSpPr>
-          <p:spPr>
-            <a:xfrm>
-              <a:off x="9741671" y="1798123"/>
-              <a:ext cx="818984" cy="369332"/>
-            </a:xfrm>
-            <a:prstGeom prst="rect">
-              <a:avLst/>
-            </a:prstGeom>
-            <a:noFill/>
-          </p:spPr>
-          <p:txBody>
-            <a:bodyPr wrap="square" rtlCol="0">
-              <a:spAutoFit/>
-            </a:bodyPr>
-            <a:lstStyle/>
-            <a:p>
-              <a:r>
-                <a:rPr kumimoji="1" lang="en-US" altLang="ja-JP" dirty="0"/>
-                <a:t>USD</a:t>
-              </a:r>
-              <a:endParaRPr kumimoji="1" lang="ja-JP" altLang="en-US" dirty="0"/>
-            </a:p>
-          </p:txBody>
-        </p:sp>
-        <p:sp>
-          <p:nvSpPr>
-            <p:cNvPr id="14" name="楕円 13">
-              <a:extLst>
-                <a:ext uri="{FF2B5EF4-FFF2-40B4-BE49-F238E27FC236}">
-                  <a16:creationId xmlns:a16="http://schemas.microsoft.com/office/drawing/2014/main" id="{7349B20F-E907-1CD5-BBE4-AF8244A5075E}"/>
-                </a:ext>
-              </a:extLst>
-            </p:cNvPr>
-            <p:cNvSpPr/>
-            <p:nvPr/>
-          </p:nvSpPr>
-          <p:spPr>
-            <a:xfrm>
-              <a:off x="9591921" y="2175016"/>
-              <a:ext cx="159026" cy="194808"/>
-            </a:xfrm>
-            <a:prstGeom prst="ellipse">
-              <a:avLst/>
-            </a:prstGeom>
-          </p:spPr>
-          <p:style>
-            <a:lnRef idx="2">
-              <a:schemeClr val="dk1"/>
-            </a:lnRef>
-            <a:fillRef idx="1">
-              <a:schemeClr val="lt1"/>
-            </a:fillRef>
-            <a:effectRef idx="0">
-              <a:schemeClr val="dk1"/>
-            </a:effectRef>
-            <a:fontRef idx="minor">
-              <a:schemeClr val="dk1"/>
-            </a:fontRef>
-          </p:style>
-          <p:txBody>
-            <a:bodyPr rtlCol="0" anchor="ctr"/>
-            <a:lstStyle/>
-            <a:p>
-              <a:pPr algn="ctr"/>
-              <a:endParaRPr kumimoji="1" lang="ja-JP" altLang="en-US"/>
-            </a:p>
-          </p:txBody>
-        </p:sp>
-        <p:sp>
-          <p:nvSpPr>
-            <p:cNvPr id="15" name="テキスト ボックス 14">
-              <a:extLst>
-                <a:ext uri="{FF2B5EF4-FFF2-40B4-BE49-F238E27FC236}">
-                  <a16:creationId xmlns:a16="http://schemas.microsoft.com/office/drawing/2014/main" id="{C5209CE4-1B16-B644-F6DF-F6BC0429C6A8}"/>
-                </a:ext>
-              </a:extLst>
-            </p:cNvPr>
-            <p:cNvSpPr txBox="1"/>
-            <p:nvPr/>
-          </p:nvSpPr>
-          <p:spPr>
-            <a:xfrm>
-              <a:off x="9741671" y="2087754"/>
-              <a:ext cx="818984" cy="369332"/>
-            </a:xfrm>
-            <a:prstGeom prst="rect">
-              <a:avLst/>
-            </a:prstGeom>
-            <a:noFill/>
-          </p:spPr>
-          <p:txBody>
-            <a:bodyPr wrap="square" rtlCol="0">
-              <a:spAutoFit/>
-            </a:bodyPr>
-            <a:lstStyle/>
-            <a:p>
-              <a:r>
-                <a:rPr lang="en-US" altLang="ja-JP" dirty="0"/>
-                <a:t>EUR</a:t>
-              </a:r>
-              <a:endParaRPr kumimoji="1" lang="ja-JP" altLang="en-US" dirty="0"/>
-            </a:p>
-          </p:txBody>
-        </p:sp>
-      </p:grpSp>
-      <p:sp>
-        <p:nvSpPr>
-          <p:cNvPr id="18" name="テキスト ボックス 17">
-            <a:extLst>
-              <a:ext uri="{FF2B5EF4-FFF2-40B4-BE49-F238E27FC236}">
-                <a16:creationId xmlns:a16="http://schemas.microsoft.com/office/drawing/2014/main" id="{B96997B2-7C82-701E-B6C2-4CC05FB1EC1D}"/>
-              </a:ext>
-            </a:extLst>
-          </p:cNvPr>
-          <p:cNvSpPr txBox="1"/>
-          <p:nvPr/>
-        </p:nvSpPr>
-        <p:spPr>
-          <a:xfrm>
-            <a:off x="1169279" y="4253805"/>
-            <a:ext cx="1847352" cy="369332"/>
-          </a:xfrm>
-          <a:prstGeom prst="rect">
-            <a:avLst/>
-          </a:prstGeom>
-          <a:noFill/>
-        </p:spPr>
-        <p:txBody>
-          <a:bodyPr wrap="square" rtlCol="0">
-            <a:spAutoFit/>
-          </a:bodyPr>
-          <a:lstStyle/>
-          <a:p>
-            <a:r>
-              <a:rPr kumimoji="1" lang="en-US" altLang="ja-JP" dirty="0" err="1"/>
-              <a:t>Total:xxxxxx</a:t>
-            </a:r>
-            <a:r>
-              <a:rPr kumimoji="1" lang="ja-JP" altLang="en-US" dirty="0"/>
-              <a:t>円</a:t>
-            </a:r>
-          </a:p>
-        </p:txBody>
-      </p:sp>
-      <p:sp>
-        <p:nvSpPr>
-          <p:cNvPr id="21" name="テキスト ボックス 20">
-            <a:extLst>
-              <a:ext uri="{FF2B5EF4-FFF2-40B4-BE49-F238E27FC236}">
-                <a16:creationId xmlns:a16="http://schemas.microsoft.com/office/drawing/2014/main" id="{50826293-E29C-CF0C-BED3-59D219514B0E}"/>
-              </a:ext>
-            </a:extLst>
-          </p:cNvPr>
-          <p:cNvSpPr txBox="1"/>
-          <p:nvPr/>
-        </p:nvSpPr>
-        <p:spPr>
-          <a:xfrm>
-            <a:off x="2182826" y="3813277"/>
-            <a:ext cx="1445812" cy="369332"/>
-          </a:xfrm>
-          <a:prstGeom prst="rect">
-            <a:avLst/>
-          </a:prstGeom>
-          <a:noFill/>
-        </p:spPr>
-        <p:txBody>
-          <a:bodyPr wrap="square" rtlCol="0">
-            <a:spAutoFit/>
-          </a:bodyPr>
-          <a:lstStyle/>
-          <a:p>
-            <a:r>
-              <a:rPr kumimoji="1" lang="en-US" altLang="ja-JP" dirty="0"/>
-              <a:t>XX</a:t>
-            </a:r>
-            <a:r>
-              <a:rPr kumimoji="1" lang="ja-JP" altLang="en-US" dirty="0"/>
-              <a:t>カ国</a:t>
-            </a:r>
-          </a:p>
-        </p:txBody>
-      </p:sp>
-      <p:sp>
-        <p:nvSpPr>
-          <p:cNvPr id="22" name="四角形: 角を丸くする 21">
-            <a:extLst>
-              <a:ext uri="{FF2B5EF4-FFF2-40B4-BE49-F238E27FC236}">
-                <a16:creationId xmlns:a16="http://schemas.microsoft.com/office/drawing/2014/main" id="{6C645AE8-301A-B23F-CA8E-D827E176DEC2}"/>
-              </a:ext>
-            </a:extLst>
-          </p:cNvPr>
-          <p:cNvSpPr/>
-          <p:nvPr/>
-        </p:nvSpPr>
-        <p:spPr>
-          <a:xfrm>
-            <a:off x="3331597" y="917912"/>
-            <a:ext cx="1598212" cy="369332"/>
-          </a:xfrm>
-          <a:prstGeom prst="roundRect">
-            <a:avLst/>
-          </a:prstGeom>
-        </p:spPr>
-        <p:style>
-          <a:lnRef idx="2">
-            <a:schemeClr val="accent3">
-              <a:shade val="15000"/>
-            </a:schemeClr>
-          </a:lnRef>
-          <a:fillRef idx="1">
-            <a:schemeClr val="accent3"/>
-          </a:fillRef>
-          <a:effectRef idx="0">
-            <a:schemeClr val="accent3"/>
-          </a:effectRef>
-          <a:fontRef idx="minor">
-            <a:schemeClr val="lt1"/>
-          </a:fontRef>
-        </p:style>
-        <p:txBody>
-          <a:bodyPr rtlCol="0" anchor="ctr"/>
-          <a:lstStyle/>
-          <a:p>
-            <a:pPr algn="ctr"/>
-            <a:r>
-              <a:rPr lang="en-US" altLang="ja-JP" sz="1400" dirty="0"/>
-              <a:t>accommodation</a:t>
-            </a:r>
-            <a:endParaRPr kumimoji="1" lang="ja-JP" altLang="en-US" sz="1400" dirty="0"/>
-          </a:p>
-        </p:txBody>
-      </p:sp>
-      <p:sp>
-        <p:nvSpPr>
-          <p:cNvPr id="23" name="四角形: 角を丸くする 22">
-            <a:extLst>
-              <a:ext uri="{FF2B5EF4-FFF2-40B4-BE49-F238E27FC236}">
-                <a16:creationId xmlns:a16="http://schemas.microsoft.com/office/drawing/2014/main" id="{927A90B0-E31C-1958-B65F-681A50EADF7E}"/>
-              </a:ext>
-            </a:extLst>
-          </p:cNvPr>
-          <p:cNvSpPr/>
-          <p:nvPr/>
-        </p:nvSpPr>
-        <p:spPr>
-          <a:xfrm>
-            <a:off x="4929809" y="907494"/>
-            <a:ext cx="1598212" cy="369332"/>
-          </a:xfrm>
-          <a:prstGeom prst="roundRect">
-            <a:avLst/>
-          </a:prstGeom>
-        </p:spPr>
-        <p:style>
-          <a:lnRef idx="2">
-            <a:schemeClr val="dk1"/>
-          </a:lnRef>
-          <a:fillRef idx="1">
-            <a:schemeClr val="lt1"/>
-          </a:fillRef>
-          <a:effectRef idx="0">
-            <a:schemeClr val="dk1"/>
-          </a:effectRef>
-          <a:fontRef idx="minor">
-            <a:schemeClr val="dk1"/>
-          </a:fontRef>
-        </p:style>
-        <p:txBody>
-          <a:bodyPr rtlCol="0" anchor="ctr"/>
-          <a:lstStyle/>
-          <a:p>
-            <a:pPr algn="ctr"/>
-            <a:r>
-              <a:rPr lang="en-US" altLang="ja-JP" sz="1600" dirty="0"/>
-              <a:t>transportation</a:t>
-            </a:r>
-            <a:endParaRPr kumimoji="1" lang="ja-JP" altLang="en-US" sz="1600" dirty="0"/>
-          </a:p>
-        </p:txBody>
-      </p:sp>
-      <p:sp>
-        <p:nvSpPr>
-          <p:cNvPr id="24" name="四角形: 角を丸くする 23">
-            <a:extLst>
-              <a:ext uri="{FF2B5EF4-FFF2-40B4-BE49-F238E27FC236}">
-                <a16:creationId xmlns:a16="http://schemas.microsoft.com/office/drawing/2014/main" id="{3ACF20D2-A473-AB29-527F-0AF397B56C87}"/>
-              </a:ext>
-            </a:extLst>
-          </p:cNvPr>
-          <p:cNvSpPr/>
-          <p:nvPr/>
-        </p:nvSpPr>
-        <p:spPr>
-          <a:xfrm>
-            <a:off x="6528021" y="907494"/>
-            <a:ext cx="1598212" cy="369332"/>
-          </a:xfrm>
-          <a:prstGeom prst="roundRect">
-            <a:avLst/>
-          </a:prstGeom>
-        </p:spPr>
-        <p:style>
-          <a:lnRef idx="2">
-            <a:schemeClr val="dk1"/>
-          </a:lnRef>
-          <a:fillRef idx="1">
-            <a:schemeClr val="lt1"/>
-          </a:fillRef>
-          <a:effectRef idx="0">
-            <a:schemeClr val="dk1"/>
-          </a:effectRef>
-          <a:fontRef idx="minor">
-            <a:schemeClr val="dk1"/>
-          </a:fontRef>
-        </p:style>
-        <p:txBody>
-          <a:bodyPr rtlCol="0" anchor="ctr"/>
-          <a:lstStyle/>
-          <a:p>
-            <a:pPr algn="ctr"/>
-            <a:r>
-              <a:rPr kumimoji="1" lang="en-US" altLang="ja-JP" dirty="0"/>
-              <a:t>sightseeing</a:t>
-            </a:r>
-            <a:endParaRPr kumimoji="1" lang="ja-JP" altLang="en-US" dirty="0"/>
-          </a:p>
-        </p:txBody>
-      </p:sp>
-      <p:graphicFrame>
-        <p:nvGraphicFramePr>
-          <p:cNvPr id="30" name="表 29">
-            <a:extLst>
-              <a:ext uri="{FF2B5EF4-FFF2-40B4-BE49-F238E27FC236}">
-                <a16:creationId xmlns:a16="http://schemas.microsoft.com/office/drawing/2014/main" id="{E8964189-A409-9819-CAFC-7F0A1FD53FCA}"/>
-              </a:ext>
-            </a:extLst>
-          </p:cNvPr>
-          <p:cNvGraphicFramePr>
-            <a:graphicFrameLocks noGrp="1"/>
-          </p:cNvGraphicFramePr>
-          <p:nvPr>
-            <p:extLst>
-              <p:ext uri="{D42A27DB-BD31-4B8C-83A1-F6EECF244321}">
-                <p14:modId xmlns:p14="http://schemas.microsoft.com/office/powerpoint/2010/main" val="1974497933"/>
-              </p:ext>
-            </p:extLst>
-          </p:nvPr>
-        </p:nvGraphicFramePr>
-        <p:xfrm>
-          <a:off x="3731076" y="2280984"/>
-          <a:ext cx="4189995" cy="1463040"/>
-        </p:xfrm>
-        <a:graphic>
-          <a:graphicData uri="http://schemas.openxmlformats.org/drawingml/2006/table">
-            <a:tbl>
-              <a:tblPr firstRow="1" bandRow="1">
-                <a:tableStyleId>{5C22544A-7EE6-4342-B048-85BDC9FD1C3A}</a:tableStyleId>
-              </a:tblPr>
-              <a:tblGrid>
-                <a:gridCol w="1028037">
-                  <a:extLst>
-                    <a:ext uri="{9D8B030D-6E8A-4147-A177-3AD203B41FA5}">
-                      <a16:colId xmlns:a16="http://schemas.microsoft.com/office/drawing/2014/main" val="2180251572"/>
-                    </a:ext>
-                  </a:extLst>
-                </a:gridCol>
-                <a:gridCol w="1053986">
-                  <a:extLst>
-                    <a:ext uri="{9D8B030D-6E8A-4147-A177-3AD203B41FA5}">
-                      <a16:colId xmlns:a16="http://schemas.microsoft.com/office/drawing/2014/main" val="2094606021"/>
-                    </a:ext>
-                  </a:extLst>
-                </a:gridCol>
-                <a:gridCol w="1053986">
-                  <a:extLst>
-                    <a:ext uri="{9D8B030D-6E8A-4147-A177-3AD203B41FA5}">
-                      <a16:colId xmlns:a16="http://schemas.microsoft.com/office/drawing/2014/main" val="3658194246"/>
-                    </a:ext>
-                  </a:extLst>
-                </a:gridCol>
-                <a:gridCol w="1053986">
-                  <a:extLst>
-                    <a:ext uri="{9D8B030D-6E8A-4147-A177-3AD203B41FA5}">
-                      <a16:colId xmlns:a16="http://schemas.microsoft.com/office/drawing/2014/main" val="2463708021"/>
-                    </a:ext>
-                  </a:extLst>
-                </a:gridCol>
-              </a:tblGrid>
-              <a:tr h="316188">
-                <a:tc>
-                  <a:txBody>
-                    <a:bodyPr/>
-                    <a:lstStyle/>
-                    <a:p>
-                      <a:r>
-                        <a:rPr kumimoji="1" lang="en-US" altLang="ja-JP" dirty="0"/>
-                        <a:t>Type</a:t>
-                      </a:r>
-                      <a:endParaRPr kumimoji="1" lang="ja-JP" altLang="en-US" dirty="0"/>
-                    </a:p>
-                  </a:txBody>
-                  <a:tcPr/>
-                </a:tc>
-                <a:tc>
-                  <a:txBody>
-                    <a:bodyPr/>
-                    <a:lstStyle/>
-                    <a:p>
-                      <a:r>
-                        <a:rPr kumimoji="1" lang="en-US" altLang="ja-JP" dirty="0"/>
-                        <a:t>Count</a:t>
-                      </a:r>
-                      <a:endParaRPr kumimoji="1" lang="ja-JP" altLang="en-US" dirty="0"/>
-                    </a:p>
-                  </a:txBody>
-                  <a:tcPr/>
-                </a:tc>
-                <a:tc>
-                  <a:txBody>
-                    <a:bodyPr/>
-                    <a:lstStyle/>
-                    <a:p>
-                      <a:r>
-                        <a:rPr kumimoji="1" lang="en-US" altLang="ja-JP" sz="1400" dirty="0"/>
-                        <a:t>currency</a:t>
-                      </a:r>
-                      <a:endParaRPr kumimoji="1" lang="ja-JP" altLang="en-US" sz="1400" dirty="0"/>
-                    </a:p>
-                  </a:txBody>
-                  <a:tcPr/>
-                </a:tc>
-                <a:tc>
-                  <a:txBody>
-                    <a:bodyPr/>
-                    <a:lstStyle/>
-                    <a:p>
-                      <a:r>
-                        <a:rPr kumimoji="1" lang="en-US" altLang="ja-JP" dirty="0"/>
-                        <a:t>JPY</a:t>
-                      </a:r>
-                      <a:endParaRPr kumimoji="1" lang="ja-JP" altLang="en-US" dirty="0"/>
-                    </a:p>
-                  </a:txBody>
-                  <a:tcPr/>
-                </a:tc>
-                <a:extLst>
-                  <a:ext uri="{0D108BD9-81ED-4DB2-BD59-A6C34878D82A}">
-                    <a16:rowId xmlns:a16="http://schemas.microsoft.com/office/drawing/2014/main" val="3636590592"/>
-                  </a:ext>
-                </a:extLst>
-              </a:tr>
-              <a:tr h="316188">
-                <a:tc>
-                  <a:txBody>
-                    <a:bodyPr/>
-                    <a:lstStyle/>
-                    <a:p>
-                      <a:r>
-                        <a:rPr kumimoji="1" lang="en-US" altLang="ja-JP" sz="1200" dirty="0" err="1"/>
-                        <a:t>Domitory</a:t>
-                      </a:r>
-                      <a:endParaRPr kumimoji="1" lang="ja-JP" altLang="en-US" sz="1200" dirty="0"/>
-                    </a:p>
-                  </a:txBody>
-                  <a:tcPr/>
-                </a:tc>
-                <a:tc>
-                  <a:txBody>
-                    <a:bodyPr/>
-                    <a:lstStyle/>
-                    <a:p>
-                      <a:r>
-                        <a:rPr kumimoji="1" lang="en-US" altLang="ja-JP" dirty="0"/>
-                        <a:t>100</a:t>
-                      </a:r>
-                      <a:endParaRPr kumimoji="1" lang="ja-JP" altLang="en-US" dirty="0"/>
-                    </a:p>
-                  </a:txBody>
-                  <a:tcPr/>
-                </a:tc>
-                <a:tc>
-                  <a:txBody>
-                    <a:bodyPr/>
-                    <a:lstStyle/>
-                    <a:p>
-                      <a:r>
-                        <a:rPr kumimoji="1" lang="en-US" altLang="ja-JP" dirty="0"/>
-                        <a:t>400</a:t>
-                      </a:r>
-                      <a:endParaRPr kumimoji="1" lang="ja-JP" altLang="en-US" dirty="0"/>
-                    </a:p>
-                  </a:txBody>
-                  <a:tcPr/>
-                </a:tc>
-                <a:tc>
-                  <a:txBody>
-                    <a:bodyPr/>
-                    <a:lstStyle/>
-                    <a:p>
-                      <a:r>
-                        <a:rPr kumimoji="1" lang="en-US" altLang="ja-JP" dirty="0"/>
-                        <a:t>3000</a:t>
-                      </a:r>
-                      <a:endParaRPr kumimoji="1" lang="ja-JP" altLang="en-US" dirty="0"/>
-                    </a:p>
-                  </a:txBody>
-                  <a:tcPr/>
-                </a:tc>
-                <a:extLst>
-                  <a:ext uri="{0D108BD9-81ED-4DB2-BD59-A6C34878D82A}">
-                    <a16:rowId xmlns:a16="http://schemas.microsoft.com/office/drawing/2014/main" val="1248227337"/>
-                  </a:ext>
-                </a:extLst>
-              </a:tr>
-              <a:tr h="316188">
-                <a:tc>
-                  <a:txBody>
-                    <a:bodyPr/>
-                    <a:lstStyle/>
-                    <a:p>
-                      <a:r>
-                        <a:rPr kumimoji="1" lang="en-US" altLang="ja-JP" sz="1200" dirty="0"/>
-                        <a:t>Single</a:t>
-                      </a:r>
-                      <a:r>
-                        <a:rPr kumimoji="1" lang="ja-JP" altLang="en-US" sz="1200" dirty="0"/>
-                        <a:t> </a:t>
-                      </a:r>
-                      <a:r>
-                        <a:rPr kumimoji="1" lang="en-US" altLang="ja-JP" sz="1200" dirty="0"/>
-                        <a:t>room</a:t>
-                      </a:r>
-                      <a:endParaRPr kumimoji="1" lang="ja-JP" altLang="en-US" sz="1200" dirty="0"/>
-                    </a:p>
-                  </a:txBody>
-                  <a:tcPr/>
-                </a:tc>
-                <a:tc>
-                  <a:txBody>
-                    <a:bodyPr/>
-                    <a:lstStyle/>
-                    <a:p>
-                      <a:r>
-                        <a:rPr kumimoji="1" lang="en-US" altLang="ja-JP" dirty="0"/>
-                        <a:t>200</a:t>
-                      </a:r>
-                      <a:endParaRPr kumimoji="1" lang="ja-JP" altLang="en-US" dirty="0"/>
-                    </a:p>
-                  </a:txBody>
-                  <a:tcPr/>
-                </a:tc>
-                <a:tc>
-                  <a:txBody>
-                    <a:bodyPr/>
-                    <a:lstStyle/>
-                    <a:p>
-                      <a:r>
-                        <a:rPr kumimoji="1" lang="en-US" altLang="ja-JP" dirty="0"/>
-                        <a:t>500</a:t>
-                      </a:r>
-                      <a:endParaRPr kumimoji="1" lang="ja-JP" altLang="en-US" dirty="0"/>
-                    </a:p>
-                  </a:txBody>
-                  <a:tcPr/>
-                </a:tc>
-                <a:tc>
-                  <a:txBody>
-                    <a:bodyPr/>
-                    <a:lstStyle/>
-                    <a:p>
-                      <a:r>
-                        <a:rPr kumimoji="1" lang="en-US" altLang="ja-JP" dirty="0"/>
-                        <a:t>5000</a:t>
-                      </a:r>
-                      <a:endParaRPr kumimoji="1" lang="ja-JP" altLang="en-US" dirty="0"/>
-                    </a:p>
-                  </a:txBody>
-                  <a:tcPr/>
-                </a:tc>
-                <a:extLst>
-                  <a:ext uri="{0D108BD9-81ED-4DB2-BD59-A6C34878D82A}">
-                    <a16:rowId xmlns:a16="http://schemas.microsoft.com/office/drawing/2014/main" val="2386127515"/>
-                  </a:ext>
-                </a:extLst>
-              </a:tr>
-              <a:tr h="316188">
-                <a:tc>
-                  <a:txBody>
-                    <a:bodyPr/>
-                    <a:lstStyle/>
-                    <a:p>
-                      <a:r>
-                        <a:rPr kumimoji="1" lang="en-US" altLang="ja-JP" sz="1400" dirty="0"/>
-                        <a:t>…</a:t>
-                      </a:r>
-                      <a:endParaRPr kumimoji="1" lang="ja-JP" altLang="en-US" sz="1400" dirty="0"/>
-                    </a:p>
-                  </a:txBody>
-                  <a:tcPr/>
-                </a:tc>
-                <a:tc>
-                  <a:txBody>
-                    <a:bodyPr/>
-                    <a:lstStyle/>
-                    <a:p>
-                      <a:endParaRPr kumimoji="1" lang="ja-JP" altLang="en-US" dirty="0"/>
-                    </a:p>
-                  </a:txBody>
-                  <a:tcPr/>
-                </a:tc>
-                <a:tc>
-                  <a:txBody>
-                    <a:bodyPr/>
-                    <a:lstStyle/>
-                    <a:p>
-                      <a:endParaRPr kumimoji="1" lang="ja-JP" altLang="en-US" dirty="0"/>
-                    </a:p>
-                  </a:txBody>
-                  <a:tcPr/>
-                </a:tc>
-                <a:tc>
-                  <a:txBody>
-                    <a:bodyPr/>
-                    <a:lstStyle/>
-                    <a:p>
-                      <a:endParaRPr kumimoji="1" lang="ja-JP" altLang="en-US" dirty="0"/>
-                    </a:p>
-                  </a:txBody>
-                  <a:tcPr/>
-                </a:tc>
-                <a:extLst>
-                  <a:ext uri="{0D108BD9-81ED-4DB2-BD59-A6C34878D82A}">
-                    <a16:rowId xmlns:a16="http://schemas.microsoft.com/office/drawing/2014/main" val="3940284596"/>
-                  </a:ext>
-                </a:extLst>
-              </a:tr>
-            </a:tbl>
-          </a:graphicData>
-        </a:graphic>
-      </p:graphicFrame>
-      <p:sp>
-        <p:nvSpPr>
-          <p:cNvPr id="33" name="正方形/長方形 32">
-            <a:extLst>
-              <a:ext uri="{FF2B5EF4-FFF2-40B4-BE49-F238E27FC236}">
-                <a16:creationId xmlns:a16="http://schemas.microsoft.com/office/drawing/2014/main" id="{6C7195B8-7746-50B2-CC3A-28EEFA8DEA70}"/>
-              </a:ext>
-            </a:extLst>
-          </p:cNvPr>
-          <p:cNvSpPr/>
-          <p:nvPr/>
-        </p:nvSpPr>
-        <p:spPr>
-          <a:xfrm>
-            <a:off x="8772379" y="3887646"/>
-            <a:ext cx="1521033" cy="292359"/>
-          </a:xfrm>
-          <a:prstGeom prst="rect">
-            <a:avLst/>
-          </a:prstGeom>
-        </p:spPr>
-        <p:style>
-          <a:lnRef idx="2">
-            <a:schemeClr val="dk1"/>
-          </a:lnRef>
-          <a:fillRef idx="1">
-            <a:schemeClr val="lt1"/>
-          </a:fillRef>
-          <a:effectRef idx="0">
-            <a:schemeClr val="dk1"/>
-          </a:effectRef>
-          <a:fontRef idx="minor">
-            <a:schemeClr val="dk1"/>
-          </a:fontRef>
-        </p:style>
-        <p:txBody>
-          <a:bodyPr rtlCol="0" anchor="ctr"/>
-          <a:lstStyle/>
-          <a:p>
-            <a:pPr algn="ctr"/>
-            <a:r>
-              <a:rPr kumimoji="1" lang="en-US" altLang="ja-JP" dirty="0"/>
-              <a:t>Single room</a:t>
-            </a:r>
-            <a:endParaRPr kumimoji="1" lang="ja-JP" altLang="en-US" dirty="0"/>
-          </a:p>
-        </p:txBody>
-      </p:sp>
-      <p:sp>
-        <p:nvSpPr>
-          <p:cNvPr id="34" name="動作設定ボタン: 戻る/前へ 33">
-            <a:hlinkClick r:id="" action="ppaction://hlinkshowjump?jump=previousslide" highlightClick="1"/>
-            <a:extLst>
-              <a:ext uri="{FF2B5EF4-FFF2-40B4-BE49-F238E27FC236}">
-                <a16:creationId xmlns:a16="http://schemas.microsoft.com/office/drawing/2014/main" id="{B5241870-44AE-CDD1-2940-CEA0F6F5E451}"/>
-              </a:ext>
-            </a:extLst>
-          </p:cNvPr>
-          <p:cNvSpPr/>
-          <p:nvPr/>
-        </p:nvSpPr>
-        <p:spPr>
-          <a:xfrm rot="16200000">
-            <a:off x="10213041" y="3936212"/>
-            <a:ext cx="365145" cy="204403"/>
-          </a:xfrm>
-          <a:prstGeom prst="actionButtonBackPrevious">
-            <a:avLst/>
-          </a:prstGeom>
-        </p:spPr>
-        <p:style>
-          <a:lnRef idx="2">
-            <a:schemeClr val="dk1"/>
-          </a:lnRef>
-          <a:fillRef idx="1">
-            <a:schemeClr val="lt1"/>
-          </a:fillRef>
-          <a:effectRef idx="0">
-            <a:schemeClr val="dk1"/>
-          </a:effectRef>
-          <a:fontRef idx="minor">
-            <a:schemeClr val="dk1"/>
-          </a:fontRef>
-        </p:style>
-        <p:txBody>
-          <a:bodyPr rtlCol="0" anchor="ctr"/>
-          <a:lstStyle/>
-          <a:p>
-            <a:pPr algn="ctr"/>
-            <a:endParaRPr kumimoji="1" lang="ja-JP" altLang="en-US"/>
-          </a:p>
-        </p:txBody>
-      </p:sp>
-      <p:sp>
-        <p:nvSpPr>
-          <p:cNvPr id="37" name="正方形/長方形 36">
-            <a:extLst>
-              <a:ext uri="{FF2B5EF4-FFF2-40B4-BE49-F238E27FC236}">
-                <a16:creationId xmlns:a16="http://schemas.microsoft.com/office/drawing/2014/main" id="{2D293CA1-FEDC-BD61-DFF3-6782A142DC31}"/>
-              </a:ext>
-            </a:extLst>
-          </p:cNvPr>
-          <p:cNvSpPr/>
-          <p:nvPr/>
-        </p:nvSpPr>
-        <p:spPr>
-          <a:xfrm>
-            <a:off x="7921071" y="2587864"/>
-            <a:ext cx="193366" cy="914400"/>
-          </a:xfrm>
-          <a:prstGeom prst="rect">
-            <a:avLst/>
-          </a:prstGeom>
-        </p:spPr>
-        <p:style>
-          <a:lnRef idx="2">
-            <a:schemeClr val="dk1"/>
-          </a:lnRef>
-          <a:fillRef idx="1">
-            <a:schemeClr val="lt1"/>
-          </a:fillRef>
-          <a:effectRef idx="0">
-            <a:schemeClr val="dk1"/>
-          </a:effectRef>
-          <a:fontRef idx="minor">
-            <a:schemeClr val="dk1"/>
-          </a:fontRef>
-        </p:style>
-        <p:txBody>
-          <a:bodyPr rtlCol="0" anchor="ctr"/>
-          <a:lstStyle/>
-          <a:p>
-            <a:pPr algn="ctr"/>
-            <a:endParaRPr kumimoji="1" lang="ja-JP" altLang="en-US"/>
-          </a:p>
-        </p:txBody>
-      </p:sp>
-      <p:sp>
-        <p:nvSpPr>
-          <p:cNvPr id="38" name="動作設定ボタン: 戻る/前へ 37">
-            <a:hlinkClick r:id="" action="ppaction://hlinkshowjump?jump=previousslide" highlightClick="1"/>
-            <a:extLst>
-              <a:ext uri="{FF2B5EF4-FFF2-40B4-BE49-F238E27FC236}">
-                <a16:creationId xmlns:a16="http://schemas.microsoft.com/office/drawing/2014/main" id="{67A832BF-434C-D79A-152C-7E0B1B7445F0}"/>
-              </a:ext>
-            </a:extLst>
-          </p:cNvPr>
-          <p:cNvSpPr/>
-          <p:nvPr/>
-        </p:nvSpPr>
-        <p:spPr>
-          <a:xfrm rot="5400000">
-            <a:off x="7829663" y="2361355"/>
-            <a:ext cx="365145" cy="204403"/>
-          </a:xfrm>
-          <a:prstGeom prst="actionButtonBackPrevious">
-            <a:avLst/>
-          </a:prstGeom>
-        </p:spPr>
-        <p:style>
-          <a:lnRef idx="2">
-            <a:schemeClr val="dk1"/>
-          </a:lnRef>
-          <a:fillRef idx="1">
-            <a:schemeClr val="lt1"/>
-          </a:fillRef>
-          <a:effectRef idx="0">
-            <a:schemeClr val="dk1"/>
-          </a:effectRef>
-          <a:fontRef idx="minor">
-            <a:schemeClr val="dk1"/>
-          </a:fontRef>
-        </p:style>
-        <p:txBody>
-          <a:bodyPr rtlCol="0" anchor="ctr"/>
-          <a:lstStyle/>
-          <a:p>
-            <a:pPr algn="ctr"/>
-            <a:endParaRPr kumimoji="1" lang="ja-JP" altLang="en-US"/>
-          </a:p>
-        </p:txBody>
-      </p:sp>
-      <p:sp>
-        <p:nvSpPr>
-          <p:cNvPr id="36" name="動作設定ボタン: 戻る/前へ 35">
-            <a:hlinkClick r:id="" action="ppaction://hlinkshowjump?jump=previousslide" highlightClick="1"/>
-            <a:extLst>
-              <a:ext uri="{FF2B5EF4-FFF2-40B4-BE49-F238E27FC236}">
-                <a16:creationId xmlns:a16="http://schemas.microsoft.com/office/drawing/2014/main" id="{8CD0261C-F83F-0835-7246-F4D16C93A840}"/>
-              </a:ext>
-            </a:extLst>
-          </p:cNvPr>
-          <p:cNvSpPr/>
-          <p:nvPr/>
-        </p:nvSpPr>
-        <p:spPr>
-          <a:xfrm rot="16200000">
-            <a:off x="7829663" y="3484491"/>
-            <a:ext cx="365145" cy="204403"/>
-          </a:xfrm>
-          <a:prstGeom prst="actionButtonBackPrevious">
-            <a:avLst/>
-          </a:prstGeom>
-        </p:spPr>
-        <p:style>
-          <a:lnRef idx="2">
-            <a:schemeClr val="dk1"/>
-          </a:lnRef>
-          <a:fillRef idx="1">
-            <a:schemeClr val="lt1"/>
-          </a:fillRef>
-          <a:effectRef idx="0">
-            <a:schemeClr val="dk1"/>
-          </a:effectRef>
-          <a:fontRef idx="minor">
-            <a:schemeClr val="dk1"/>
-          </a:fontRef>
-        </p:style>
-        <p:txBody>
-          <a:bodyPr rtlCol="0" anchor="ctr"/>
-          <a:lstStyle/>
-          <a:p>
-            <a:pPr algn="ctr"/>
-            <a:endParaRPr kumimoji="1" lang="ja-JP" altLang="en-US"/>
-          </a:p>
-        </p:txBody>
-      </p:sp>
-      <p:graphicFrame>
-        <p:nvGraphicFramePr>
-          <p:cNvPr id="39" name="表 38">
-            <a:extLst>
-              <a:ext uri="{FF2B5EF4-FFF2-40B4-BE49-F238E27FC236}">
-                <a16:creationId xmlns:a16="http://schemas.microsoft.com/office/drawing/2014/main" id="{9C3D6CFC-3995-14A7-C348-87E63EE8F5A3}"/>
-              </a:ext>
-            </a:extLst>
-          </p:cNvPr>
-          <p:cNvGraphicFramePr>
-            <a:graphicFrameLocks noGrp="1"/>
-          </p:cNvGraphicFramePr>
-          <p:nvPr>
-            <p:extLst>
-              <p:ext uri="{D42A27DB-BD31-4B8C-83A1-F6EECF244321}">
-                <p14:modId xmlns:p14="http://schemas.microsoft.com/office/powerpoint/2010/main" val="3809696119"/>
-              </p:ext>
-            </p:extLst>
-          </p:nvPr>
-        </p:nvGraphicFramePr>
-        <p:xfrm>
-          <a:off x="3525284" y="4401741"/>
-          <a:ext cx="6768126" cy="1529080"/>
-        </p:xfrm>
-        <a:graphic>
-          <a:graphicData uri="http://schemas.openxmlformats.org/drawingml/2006/table">
-            <a:tbl>
-              <a:tblPr firstRow="1" bandRow="1">
-                <a:tableStyleId>{5C22544A-7EE6-4342-B048-85BDC9FD1C3A}</a:tableStyleId>
-              </a:tblPr>
-              <a:tblGrid>
-                <a:gridCol w="1128021">
-                  <a:extLst>
-                    <a:ext uri="{9D8B030D-6E8A-4147-A177-3AD203B41FA5}">
-                      <a16:colId xmlns:a16="http://schemas.microsoft.com/office/drawing/2014/main" val="3961256979"/>
-                    </a:ext>
-                  </a:extLst>
-                </a:gridCol>
-                <a:gridCol w="1128021">
-                  <a:extLst>
-                    <a:ext uri="{9D8B030D-6E8A-4147-A177-3AD203B41FA5}">
-                      <a16:colId xmlns:a16="http://schemas.microsoft.com/office/drawing/2014/main" val="192759414"/>
-                    </a:ext>
-                  </a:extLst>
-                </a:gridCol>
-                <a:gridCol w="1128021">
-                  <a:extLst>
-                    <a:ext uri="{9D8B030D-6E8A-4147-A177-3AD203B41FA5}">
-                      <a16:colId xmlns:a16="http://schemas.microsoft.com/office/drawing/2014/main" val="490794955"/>
-                    </a:ext>
-                  </a:extLst>
-                </a:gridCol>
-                <a:gridCol w="1128021">
-                  <a:extLst>
-                    <a:ext uri="{9D8B030D-6E8A-4147-A177-3AD203B41FA5}">
-                      <a16:colId xmlns:a16="http://schemas.microsoft.com/office/drawing/2014/main" val="2971086802"/>
-                    </a:ext>
-                  </a:extLst>
-                </a:gridCol>
-                <a:gridCol w="1128021">
-                  <a:extLst>
-                    <a:ext uri="{9D8B030D-6E8A-4147-A177-3AD203B41FA5}">
-                      <a16:colId xmlns:a16="http://schemas.microsoft.com/office/drawing/2014/main" val="1004931420"/>
-                    </a:ext>
-                  </a:extLst>
-                </a:gridCol>
-                <a:gridCol w="1128021">
-                  <a:extLst>
-                    <a:ext uri="{9D8B030D-6E8A-4147-A177-3AD203B41FA5}">
-                      <a16:colId xmlns:a16="http://schemas.microsoft.com/office/drawing/2014/main" val="892224834"/>
-                    </a:ext>
-                  </a:extLst>
-                </a:gridCol>
-              </a:tblGrid>
-              <a:tr h="370840">
-                <a:tc>
-                  <a:txBody>
-                    <a:bodyPr/>
-                    <a:lstStyle/>
-                    <a:p>
-                      <a:r>
-                        <a:rPr kumimoji="1" lang="en-US" altLang="ja-JP" dirty="0"/>
-                        <a:t>date</a:t>
-                      </a:r>
-                      <a:endParaRPr kumimoji="1" lang="ja-JP" altLang="en-US" dirty="0"/>
-                    </a:p>
-                  </a:txBody>
-                  <a:tcPr/>
-                </a:tc>
-                <a:tc>
-                  <a:txBody>
-                    <a:bodyPr/>
-                    <a:lstStyle/>
-                    <a:p>
-                      <a:r>
-                        <a:rPr kumimoji="1" lang="en-US" altLang="ja-JP" dirty="0"/>
-                        <a:t>country</a:t>
-                      </a:r>
-                      <a:endParaRPr kumimoji="1" lang="ja-JP" altLang="en-US" dirty="0"/>
-                    </a:p>
-                  </a:txBody>
-                  <a:tcPr/>
-                </a:tc>
-                <a:tc>
-                  <a:txBody>
-                    <a:bodyPr/>
-                    <a:lstStyle/>
-                    <a:p>
-                      <a:r>
-                        <a:rPr kumimoji="1" lang="en-US" altLang="ja-JP" dirty="0"/>
-                        <a:t>region</a:t>
-                      </a:r>
-                      <a:endParaRPr kumimoji="1" lang="ja-JP" altLang="en-US" dirty="0"/>
-                    </a:p>
-                  </a:txBody>
-                  <a:tcPr/>
-                </a:tc>
-                <a:tc>
-                  <a:txBody>
-                    <a:bodyPr/>
-                    <a:lstStyle/>
-                    <a:p>
-                      <a:r>
-                        <a:rPr kumimoji="1" lang="en-US" altLang="ja-JP" dirty="0"/>
-                        <a:t>price</a:t>
-                      </a:r>
-                      <a:endParaRPr kumimoji="1" lang="ja-JP" altLang="en-US" dirty="0"/>
-                    </a:p>
-                  </a:txBody>
-                  <a:tcPr/>
-                </a:tc>
-                <a:tc>
-                  <a:txBody>
-                    <a:bodyPr/>
-                    <a:lstStyle/>
-                    <a:p>
-                      <a:r>
-                        <a:rPr kumimoji="1" lang="en-US" altLang="ja-JP" dirty="0"/>
-                        <a:t>JPY</a:t>
-                      </a:r>
-                      <a:endParaRPr kumimoji="1" lang="ja-JP" altLang="en-US" dirty="0"/>
-                    </a:p>
-                  </a:txBody>
-                  <a:tcPr/>
-                </a:tc>
-                <a:tc>
-                  <a:txBody>
-                    <a:bodyPr/>
-                    <a:lstStyle/>
-                    <a:p>
-                      <a:r>
-                        <a:rPr kumimoji="1" lang="en-US" altLang="ja-JP" dirty="0"/>
-                        <a:t>memo</a:t>
-                      </a:r>
-                      <a:endParaRPr kumimoji="1" lang="ja-JP" altLang="en-US" dirty="0"/>
-                    </a:p>
-                  </a:txBody>
-                  <a:tcPr/>
-                </a:tc>
-                <a:extLst>
-                  <a:ext uri="{0D108BD9-81ED-4DB2-BD59-A6C34878D82A}">
-                    <a16:rowId xmlns:a16="http://schemas.microsoft.com/office/drawing/2014/main" val="2542749003"/>
-                  </a:ext>
-                </a:extLst>
-              </a:tr>
-              <a:tr h="370840">
-                <a:tc>
-                  <a:txBody>
-                    <a:bodyPr/>
-                    <a:lstStyle/>
-                    <a:p>
-                      <a:r>
-                        <a:rPr kumimoji="1" lang="en-US" altLang="ja-JP" sz="1600" dirty="0"/>
-                        <a:t>2022/11/1</a:t>
-                      </a:r>
-                      <a:endParaRPr kumimoji="1" lang="ja-JP" altLang="en-US" sz="1600" dirty="0"/>
-                    </a:p>
-                  </a:txBody>
-                  <a:tcPr/>
-                </a:tc>
-                <a:tc>
-                  <a:txBody>
-                    <a:bodyPr/>
-                    <a:lstStyle/>
-                    <a:p>
-                      <a:r>
-                        <a:rPr kumimoji="1" lang="en-US" altLang="ja-JP" dirty="0" err="1"/>
-                        <a:t>japan</a:t>
-                      </a:r>
-                      <a:endParaRPr kumimoji="1" lang="ja-JP" altLang="en-US" dirty="0"/>
-                    </a:p>
-                  </a:txBody>
-                  <a:tcPr/>
-                </a:tc>
-                <a:tc>
-                  <a:txBody>
-                    <a:bodyPr/>
-                    <a:lstStyle/>
-                    <a:p>
-                      <a:r>
-                        <a:rPr kumimoji="1" lang="en-US" altLang="ja-JP" dirty="0" err="1"/>
-                        <a:t>tokyo</a:t>
-                      </a:r>
-                      <a:endParaRPr kumimoji="1" lang="ja-JP" altLang="en-US" dirty="0"/>
-                    </a:p>
-                  </a:txBody>
-                  <a:tcPr/>
-                </a:tc>
-                <a:tc>
-                  <a:txBody>
-                    <a:bodyPr/>
-                    <a:lstStyle/>
-                    <a:p>
-                      <a:r>
-                        <a:rPr kumimoji="1" lang="en-US" altLang="ja-JP" dirty="0"/>
-                        <a:t>4000</a:t>
-                      </a:r>
-                      <a:endParaRPr kumimoji="1" lang="ja-JP" altLang="en-US" dirty="0"/>
-                    </a:p>
-                  </a:txBody>
-                  <a:tcPr/>
-                </a:tc>
-                <a:tc>
-                  <a:txBody>
-                    <a:bodyPr/>
-                    <a:lstStyle/>
-                    <a:p>
-                      <a:r>
-                        <a:rPr kumimoji="1" lang="en-US" altLang="ja-JP" dirty="0"/>
-                        <a:t>4000</a:t>
-                      </a:r>
-                      <a:endParaRPr kumimoji="1" lang="ja-JP" altLang="en-US" dirty="0"/>
-                    </a:p>
-                  </a:txBody>
-                  <a:tcPr/>
-                </a:tc>
-                <a:tc>
-                  <a:txBody>
-                    <a:bodyPr/>
-                    <a:lstStyle/>
-                    <a:p>
-                      <a:r>
-                        <a:rPr kumimoji="1" lang="en-US" altLang="ja-JP" dirty="0"/>
-                        <a:t>-</a:t>
-                      </a:r>
-                      <a:endParaRPr kumimoji="1" lang="ja-JP" altLang="en-US" dirty="0"/>
-                    </a:p>
-                  </a:txBody>
-                  <a:tcPr/>
-                </a:tc>
-                <a:extLst>
-                  <a:ext uri="{0D108BD9-81ED-4DB2-BD59-A6C34878D82A}">
-                    <a16:rowId xmlns:a16="http://schemas.microsoft.com/office/drawing/2014/main" val="2560975394"/>
-                  </a:ext>
-                </a:extLst>
-              </a:tr>
-              <a:tr h="370840">
-                <a:tc>
-                  <a:txBody>
-                    <a:bodyPr/>
-                    <a:lstStyle/>
-                    <a:p>
-                      <a:r>
-                        <a:rPr kumimoji="1" lang="en-US" altLang="ja-JP" sz="1600" dirty="0"/>
-                        <a:t>2022/11/2</a:t>
-                      </a:r>
-                      <a:endParaRPr kumimoji="1" lang="ja-JP" altLang="en-US" sz="1600" dirty="0"/>
-                    </a:p>
-                  </a:txBody>
-                  <a:tcPr/>
-                </a:tc>
-                <a:tc>
-                  <a:txBody>
-                    <a:bodyPr/>
-                    <a:lstStyle/>
-                    <a:p>
-                      <a:r>
-                        <a:rPr kumimoji="1" lang="en-US" altLang="ja-JP" dirty="0" err="1"/>
-                        <a:t>japan</a:t>
-                      </a:r>
-                      <a:endParaRPr kumimoji="1" lang="ja-JP" altLang="en-US" dirty="0"/>
-                    </a:p>
-                  </a:txBody>
-                  <a:tcPr/>
-                </a:tc>
-                <a:tc>
-                  <a:txBody>
-                    <a:bodyPr/>
-                    <a:lstStyle/>
-                    <a:p>
-                      <a:r>
-                        <a:rPr kumimoji="1" lang="en-US" altLang="ja-JP" dirty="0" err="1"/>
-                        <a:t>tokyo</a:t>
-                      </a:r>
-                      <a:endParaRPr kumimoji="1" lang="ja-JP" altLang="en-US" dirty="0"/>
-                    </a:p>
-                  </a:txBody>
-                  <a:tcPr/>
-                </a:tc>
-                <a:tc>
-                  <a:txBody>
-                    <a:bodyPr/>
-                    <a:lstStyle/>
-                    <a:p>
-                      <a:r>
-                        <a:rPr kumimoji="1" lang="en-US" altLang="ja-JP" dirty="0"/>
-                        <a:t>5000</a:t>
-                      </a:r>
-                      <a:endParaRPr kumimoji="1" lang="ja-JP" altLang="en-US" dirty="0"/>
-                    </a:p>
-                  </a:txBody>
-                  <a:tcPr/>
-                </a:tc>
-                <a:tc>
-                  <a:txBody>
-                    <a:bodyPr/>
-                    <a:lstStyle/>
-                    <a:p>
-                      <a:r>
-                        <a:rPr kumimoji="1" lang="en-US" altLang="ja-JP" dirty="0"/>
-                        <a:t>5000</a:t>
-                      </a:r>
-                      <a:endParaRPr kumimoji="1" lang="ja-JP" altLang="en-US" dirty="0"/>
-                    </a:p>
-                  </a:txBody>
-                  <a:tcPr/>
-                </a:tc>
-                <a:tc>
-                  <a:txBody>
-                    <a:bodyPr/>
-                    <a:lstStyle/>
-                    <a:p>
-                      <a:r>
-                        <a:rPr kumimoji="1" lang="en-US" altLang="ja-JP" dirty="0"/>
-                        <a:t>-</a:t>
-                      </a:r>
-                      <a:endParaRPr kumimoji="1" lang="ja-JP" altLang="en-US" dirty="0"/>
-                    </a:p>
-                  </a:txBody>
-                  <a:tcPr/>
-                </a:tc>
-                <a:extLst>
-                  <a:ext uri="{0D108BD9-81ED-4DB2-BD59-A6C34878D82A}">
-                    <a16:rowId xmlns:a16="http://schemas.microsoft.com/office/drawing/2014/main" val="2901386573"/>
-                  </a:ext>
-                </a:extLst>
-              </a:tr>
-            </a:tbl>
-          </a:graphicData>
-        </a:graphic>
-      </p:graphicFrame>
-      <p:sp>
-        <p:nvSpPr>
-          <p:cNvPr id="40" name="正方形/長方形 39">
-            <a:extLst>
-              <a:ext uri="{FF2B5EF4-FFF2-40B4-BE49-F238E27FC236}">
-                <a16:creationId xmlns:a16="http://schemas.microsoft.com/office/drawing/2014/main" id="{F0D60378-E533-459C-612B-20F1C044899F}"/>
-              </a:ext>
-            </a:extLst>
-          </p:cNvPr>
-          <p:cNvSpPr/>
-          <p:nvPr/>
-        </p:nvSpPr>
-        <p:spPr>
-          <a:xfrm>
-            <a:off x="10286277" y="4776500"/>
-            <a:ext cx="184250" cy="903958"/>
-          </a:xfrm>
-          <a:prstGeom prst="rect">
-            <a:avLst/>
-          </a:prstGeom>
-        </p:spPr>
-        <p:style>
-          <a:lnRef idx="2">
-            <a:schemeClr val="dk1"/>
-          </a:lnRef>
-          <a:fillRef idx="1">
-            <a:schemeClr val="lt1"/>
-          </a:fillRef>
-          <a:effectRef idx="0">
-            <a:schemeClr val="dk1"/>
-          </a:effectRef>
-          <a:fontRef idx="minor">
-            <a:schemeClr val="dk1"/>
-          </a:fontRef>
-        </p:style>
-        <p:txBody>
-          <a:bodyPr rtlCol="0" anchor="ctr"/>
-          <a:lstStyle/>
-          <a:p>
-            <a:pPr algn="ctr"/>
-            <a:endParaRPr kumimoji="1" lang="ja-JP" altLang="en-US"/>
-          </a:p>
-        </p:txBody>
-      </p:sp>
-      <p:sp>
-        <p:nvSpPr>
-          <p:cNvPr id="41" name="動作設定ボタン: 戻る/前へ 40">
-            <a:hlinkClick r:id="" action="ppaction://hlinkshowjump?jump=previousslide" highlightClick="1"/>
-            <a:extLst>
-              <a:ext uri="{FF2B5EF4-FFF2-40B4-BE49-F238E27FC236}">
-                <a16:creationId xmlns:a16="http://schemas.microsoft.com/office/drawing/2014/main" id="{2612086D-F071-274C-C2FA-48C0062ED8EC}"/>
-              </a:ext>
-            </a:extLst>
-          </p:cNvPr>
-          <p:cNvSpPr/>
-          <p:nvPr/>
-        </p:nvSpPr>
-        <p:spPr>
-          <a:xfrm rot="5400000">
-            <a:off x="10193736" y="4499709"/>
-            <a:ext cx="369332" cy="184250"/>
-          </a:xfrm>
-          <a:prstGeom prst="actionButtonBackPrevious">
-            <a:avLst/>
-          </a:prstGeom>
-        </p:spPr>
-        <p:style>
-          <a:lnRef idx="2">
-            <a:schemeClr val="dk1"/>
-          </a:lnRef>
-          <a:fillRef idx="1">
-            <a:schemeClr val="lt1"/>
-          </a:fillRef>
-          <a:effectRef idx="0">
-            <a:schemeClr val="dk1"/>
-          </a:effectRef>
-          <a:fontRef idx="minor">
-            <a:schemeClr val="dk1"/>
-          </a:fontRef>
-        </p:style>
-        <p:txBody>
-          <a:bodyPr rtlCol="0" anchor="ctr"/>
-          <a:lstStyle/>
-          <a:p>
-            <a:pPr algn="ctr"/>
-            <a:endParaRPr kumimoji="1" lang="ja-JP" altLang="en-US"/>
-          </a:p>
-        </p:txBody>
-      </p:sp>
-      <p:sp>
-        <p:nvSpPr>
-          <p:cNvPr id="42" name="動作設定ボタン: 戻る/前へ 41">
-            <a:hlinkClick r:id="" action="ppaction://hlinkshowjump?jump=previousslide" highlightClick="1"/>
-            <a:extLst>
-              <a:ext uri="{FF2B5EF4-FFF2-40B4-BE49-F238E27FC236}">
-                <a16:creationId xmlns:a16="http://schemas.microsoft.com/office/drawing/2014/main" id="{4CF9AF63-636B-6AFA-C6F1-5F3E405523E0}"/>
-              </a:ext>
-            </a:extLst>
-          </p:cNvPr>
-          <p:cNvSpPr/>
-          <p:nvPr/>
-        </p:nvSpPr>
-        <p:spPr>
-          <a:xfrm rot="16200000">
-            <a:off x="10236746" y="5755093"/>
-            <a:ext cx="250962" cy="170323"/>
-          </a:xfrm>
-          <a:prstGeom prst="actionButtonBackPrevious">
-            <a:avLst/>
-          </a:prstGeom>
-        </p:spPr>
-        <p:style>
-          <a:lnRef idx="2">
-            <a:schemeClr val="dk1"/>
-          </a:lnRef>
-          <a:fillRef idx="1">
-            <a:schemeClr val="lt1"/>
-          </a:fillRef>
-          <a:effectRef idx="0">
-            <a:schemeClr val="dk1"/>
-          </a:effectRef>
-          <a:fontRef idx="minor">
-            <a:schemeClr val="dk1"/>
-          </a:fontRef>
-        </p:style>
-        <p:txBody>
-          <a:bodyPr rtlCol="0" anchor="ctr"/>
-          <a:lstStyle/>
-          <a:p>
-            <a:pPr algn="ctr"/>
-            <a:endParaRPr kumimoji="1" lang="ja-JP" altLang="en-US"/>
-          </a:p>
-        </p:txBody>
-      </p:sp>
-      <p:sp>
-        <p:nvSpPr>
-          <p:cNvPr id="5" name="テキスト ボックス 4">
-            <a:extLst>
-              <a:ext uri="{FF2B5EF4-FFF2-40B4-BE49-F238E27FC236}">
-                <a16:creationId xmlns:a16="http://schemas.microsoft.com/office/drawing/2014/main" id="{C8930CF7-614B-37F1-9803-98C1C03939E7}"/>
-              </a:ext>
-            </a:extLst>
-          </p:cNvPr>
-          <p:cNvSpPr txBox="1"/>
-          <p:nvPr/>
-        </p:nvSpPr>
-        <p:spPr>
-          <a:xfrm>
-            <a:off x="1169279" y="1613457"/>
-            <a:ext cx="2610678" cy="369332"/>
-          </a:xfrm>
-          <a:prstGeom prst="rect">
-            <a:avLst/>
-          </a:prstGeom>
-          <a:noFill/>
-        </p:spPr>
-        <p:txBody>
-          <a:bodyPr wrap="square" rtlCol="0">
-            <a:spAutoFit/>
-          </a:bodyPr>
-          <a:lstStyle/>
-          <a:p>
-            <a:r>
-              <a:rPr kumimoji="1" lang="ja-JP" altLang="en-US" dirty="0"/>
-              <a:t>〇〇〇〇</a:t>
-            </a:r>
-            <a:r>
-              <a:rPr kumimoji="1" lang="en-US" altLang="ja-JP" dirty="0"/>
-              <a:t>/</a:t>
-            </a:r>
-            <a:r>
-              <a:rPr lang="ja-JP" altLang="en-US" dirty="0"/>
-              <a:t>□□</a:t>
-            </a:r>
-            <a:r>
-              <a:rPr kumimoji="1" lang="en-US" altLang="ja-JP" dirty="0"/>
-              <a:t>/</a:t>
-            </a:r>
-            <a:r>
-              <a:rPr kumimoji="1" lang="ja-JP" altLang="en-US" dirty="0"/>
-              <a:t>△△</a:t>
-            </a:r>
-          </a:p>
-        </p:txBody>
-      </p:sp>
-      <p:sp>
-        <p:nvSpPr>
-          <p:cNvPr id="7" name="テキスト ボックス 6">
-            <a:extLst>
-              <a:ext uri="{FF2B5EF4-FFF2-40B4-BE49-F238E27FC236}">
-                <a16:creationId xmlns:a16="http://schemas.microsoft.com/office/drawing/2014/main" id="{6C49157A-7B03-7F0C-9391-4399E02FA84C}"/>
-              </a:ext>
-            </a:extLst>
-          </p:cNvPr>
-          <p:cNvSpPr txBox="1"/>
-          <p:nvPr/>
-        </p:nvSpPr>
-        <p:spPr>
-          <a:xfrm>
-            <a:off x="1860083" y="2076272"/>
-            <a:ext cx="459850" cy="369332"/>
-          </a:xfrm>
-          <a:prstGeom prst="rect">
-            <a:avLst/>
-          </a:prstGeom>
-          <a:noFill/>
-        </p:spPr>
-        <p:txBody>
-          <a:bodyPr wrap="square" rtlCol="0">
-            <a:spAutoFit/>
-          </a:bodyPr>
-          <a:lstStyle/>
-          <a:p>
-            <a:r>
-              <a:rPr kumimoji="1" lang="ja-JP" altLang="en-US" dirty="0"/>
-              <a:t>～</a:t>
-            </a:r>
-          </a:p>
-        </p:txBody>
-      </p:sp>
-      <p:sp>
-        <p:nvSpPr>
-          <p:cNvPr id="6" name="テキスト ボックス 5">
-            <a:extLst>
-              <a:ext uri="{FF2B5EF4-FFF2-40B4-BE49-F238E27FC236}">
-                <a16:creationId xmlns:a16="http://schemas.microsoft.com/office/drawing/2014/main" id="{3CD180E8-3096-A884-0D90-D06F64B2CB20}"/>
-              </a:ext>
-            </a:extLst>
-          </p:cNvPr>
-          <p:cNvSpPr txBox="1"/>
-          <p:nvPr/>
-        </p:nvSpPr>
-        <p:spPr>
-          <a:xfrm>
-            <a:off x="1129087" y="2407136"/>
-            <a:ext cx="2610678" cy="369332"/>
-          </a:xfrm>
-          <a:prstGeom prst="rect">
-            <a:avLst/>
-          </a:prstGeom>
-          <a:noFill/>
-        </p:spPr>
-        <p:txBody>
-          <a:bodyPr wrap="square" rtlCol="0">
-            <a:spAutoFit/>
-          </a:bodyPr>
-          <a:lstStyle/>
-          <a:p>
-            <a:r>
-              <a:rPr kumimoji="1" lang="ja-JP" altLang="en-US" dirty="0"/>
-              <a:t>〇〇〇〇</a:t>
-            </a:r>
-            <a:r>
-              <a:rPr kumimoji="1" lang="en-US" altLang="ja-JP" dirty="0"/>
-              <a:t>/</a:t>
-            </a:r>
-            <a:r>
-              <a:rPr lang="ja-JP" altLang="en-US" dirty="0"/>
-              <a:t>□□</a:t>
-            </a:r>
-            <a:r>
-              <a:rPr kumimoji="1" lang="en-US" altLang="ja-JP" dirty="0"/>
-              <a:t>/</a:t>
-            </a:r>
-            <a:r>
-              <a:rPr kumimoji="1" lang="ja-JP" altLang="en-US" dirty="0"/>
-              <a:t>△△</a:t>
-            </a:r>
-          </a:p>
-        </p:txBody>
-      </p:sp>
-      <p:sp>
-        <p:nvSpPr>
-          <p:cNvPr id="2" name="テキスト ボックス 1">
-            <a:extLst>
-              <a:ext uri="{FF2B5EF4-FFF2-40B4-BE49-F238E27FC236}">
-                <a16:creationId xmlns:a16="http://schemas.microsoft.com/office/drawing/2014/main" id="{2A3403CF-5036-DFE5-EBBF-3E3C42E77D27}"/>
-              </a:ext>
-            </a:extLst>
-          </p:cNvPr>
-          <p:cNvSpPr txBox="1"/>
-          <p:nvPr/>
-        </p:nvSpPr>
-        <p:spPr>
-          <a:xfrm>
-            <a:off x="1221955" y="3813854"/>
-            <a:ext cx="1445812" cy="369332"/>
-          </a:xfrm>
-          <a:prstGeom prst="rect">
-            <a:avLst/>
-          </a:prstGeom>
-          <a:noFill/>
-        </p:spPr>
-        <p:txBody>
-          <a:bodyPr wrap="square" rtlCol="0">
-            <a:spAutoFit/>
-          </a:bodyPr>
-          <a:lstStyle/>
-          <a:p>
-            <a:r>
-              <a:rPr kumimoji="1" lang="en-US" altLang="ja-JP" dirty="0"/>
-              <a:t>XX</a:t>
-            </a:r>
-            <a:r>
-              <a:rPr lang="ja-JP" altLang="en-US" dirty="0"/>
-              <a:t>日</a:t>
-            </a:r>
-            <a:endParaRPr kumimoji="1" lang="ja-JP" altLang="en-US" dirty="0"/>
-          </a:p>
-        </p:txBody>
-      </p:sp>
-      <p:sp>
-        <p:nvSpPr>
-          <p:cNvPr id="3" name="正方形/長方形 2">
-            <a:extLst>
-              <a:ext uri="{FF2B5EF4-FFF2-40B4-BE49-F238E27FC236}">
-                <a16:creationId xmlns:a16="http://schemas.microsoft.com/office/drawing/2014/main" id="{C692E83D-483C-197C-956F-DEC5542C8830}"/>
-              </a:ext>
-            </a:extLst>
-          </p:cNvPr>
-          <p:cNvSpPr/>
-          <p:nvPr/>
-        </p:nvSpPr>
-        <p:spPr>
-          <a:xfrm>
-            <a:off x="1958657" y="1256418"/>
-            <a:ext cx="1163540" cy="292359"/>
-          </a:xfrm>
-          <a:prstGeom prst="rect">
-            <a:avLst/>
-          </a:prstGeom>
-        </p:spPr>
-        <p:style>
-          <a:lnRef idx="2">
-            <a:schemeClr val="dk1"/>
-          </a:lnRef>
-          <a:fillRef idx="1">
-            <a:schemeClr val="lt1"/>
-          </a:fillRef>
-          <a:effectRef idx="0">
-            <a:schemeClr val="dk1"/>
-          </a:effectRef>
-          <a:fontRef idx="minor">
-            <a:schemeClr val="dk1"/>
-          </a:fontRef>
-        </p:style>
-        <p:txBody>
-          <a:bodyPr rtlCol="0" anchor="ctr"/>
-          <a:lstStyle/>
-          <a:p>
-            <a:pPr algn="ctr"/>
-            <a:r>
-              <a:rPr lang="en-US" altLang="ja-JP" dirty="0"/>
-              <a:t>Japan</a:t>
-            </a:r>
-            <a:endParaRPr kumimoji="1" lang="ja-JP" altLang="en-US" dirty="0"/>
-          </a:p>
-        </p:txBody>
-      </p:sp>
-      <p:sp>
-        <p:nvSpPr>
-          <p:cNvPr id="9" name="動作設定ボタン: 戻る/前へ 8">
-            <a:hlinkClick r:id="" action="ppaction://hlinkshowjump?jump=previousslide" highlightClick="1"/>
-            <a:extLst>
-              <a:ext uri="{FF2B5EF4-FFF2-40B4-BE49-F238E27FC236}">
-                <a16:creationId xmlns:a16="http://schemas.microsoft.com/office/drawing/2014/main" id="{DA03C7F5-1A97-2314-0316-8502201D1FD6}"/>
-              </a:ext>
-            </a:extLst>
-          </p:cNvPr>
-          <p:cNvSpPr/>
-          <p:nvPr/>
-        </p:nvSpPr>
-        <p:spPr>
-          <a:xfrm rot="16200000">
-            <a:off x="3041826" y="1304984"/>
-            <a:ext cx="365145" cy="204403"/>
-          </a:xfrm>
-          <a:prstGeom prst="actionButtonBackPrevious">
-            <a:avLst/>
-          </a:prstGeom>
-        </p:spPr>
-        <p:style>
-          <a:lnRef idx="2">
-            <a:schemeClr val="dk1"/>
-          </a:lnRef>
-          <a:fillRef idx="1">
-            <a:schemeClr val="lt1"/>
-          </a:fillRef>
-          <a:effectRef idx="0">
-            <a:schemeClr val="dk1"/>
-          </a:effectRef>
-          <a:fontRef idx="minor">
-            <a:schemeClr val="dk1"/>
-          </a:fontRef>
-        </p:style>
-        <p:txBody>
-          <a:bodyPr rtlCol="0" anchor="ctr"/>
-          <a:lstStyle/>
-          <a:p>
-            <a:pPr algn="ctr"/>
-            <a:endParaRPr kumimoji="1" lang="ja-JP" altLang="en-US"/>
-          </a:p>
-        </p:txBody>
-      </p:sp>
-      <p:sp>
-        <p:nvSpPr>
-          <p:cNvPr id="17" name="正方形/長方形 16">
-            <a:extLst>
-              <a:ext uri="{FF2B5EF4-FFF2-40B4-BE49-F238E27FC236}">
-                <a16:creationId xmlns:a16="http://schemas.microsoft.com/office/drawing/2014/main" id="{0F6D550E-7D0B-DBC2-F249-E8665E44568A}"/>
-              </a:ext>
-            </a:extLst>
-          </p:cNvPr>
-          <p:cNvSpPr/>
-          <p:nvPr/>
-        </p:nvSpPr>
-        <p:spPr>
-          <a:xfrm>
-            <a:off x="1244466" y="964466"/>
-            <a:ext cx="265831" cy="292359"/>
-          </a:xfrm>
-          <a:prstGeom prst="rect">
-            <a:avLst/>
-          </a:prstGeom>
-        </p:spPr>
-        <p:style>
-          <a:lnRef idx="2">
-            <a:schemeClr val="dk1"/>
-          </a:lnRef>
-          <a:fillRef idx="1">
-            <a:schemeClr val="lt1"/>
-          </a:fillRef>
-          <a:effectRef idx="0">
-            <a:schemeClr val="dk1"/>
-          </a:effectRef>
-          <a:fontRef idx="minor">
-            <a:schemeClr val="dk1"/>
-          </a:fontRef>
-        </p:style>
-        <p:txBody>
-          <a:bodyPr rtlCol="0" anchor="ctr"/>
-          <a:lstStyle/>
-          <a:p>
-            <a:pPr algn="ctr"/>
-            <a:endParaRPr kumimoji="1" lang="ja-JP" altLang="en-US" dirty="0"/>
-          </a:p>
-        </p:txBody>
-      </p:sp>
-      <p:sp>
-        <p:nvSpPr>
-          <p:cNvPr id="27" name="テキスト ボックス 26">
-            <a:extLst>
-              <a:ext uri="{FF2B5EF4-FFF2-40B4-BE49-F238E27FC236}">
-                <a16:creationId xmlns:a16="http://schemas.microsoft.com/office/drawing/2014/main" id="{FA606321-A9BA-9C7F-0E42-2500170EA926}"/>
-              </a:ext>
-            </a:extLst>
-          </p:cNvPr>
-          <p:cNvSpPr txBox="1"/>
-          <p:nvPr/>
-        </p:nvSpPr>
-        <p:spPr>
-          <a:xfrm>
-            <a:off x="1542100" y="924147"/>
-            <a:ext cx="1163540" cy="369332"/>
-          </a:xfrm>
-          <a:prstGeom prst="rect">
-            <a:avLst/>
-          </a:prstGeom>
-          <a:noFill/>
-        </p:spPr>
-        <p:txBody>
-          <a:bodyPr wrap="square" rtlCol="0">
-            <a:spAutoFit/>
-          </a:bodyPr>
-          <a:lstStyle/>
-          <a:p>
-            <a:r>
-              <a:rPr kumimoji="1" lang="en-US" altLang="ja-JP" dirty="0"/>
-              <a:t>world</a:t>
-            </a:r>
-            <a:endParaRPr kumimoji="1" lang="ja-JP" altLang="en-US" dirty="0"/>
-          </a:p>
-        </p:txBody>
-      </p:sp>
-      <p:sp>
-        <p:nvSpPr>
-          <p:cNvPr id="25" name="テキスト ボックス 24">
-            <a:extLst>
-              <a:ext uri="{FF2B5EF4-FFF2-40B4-BE49-F238E27FC236}">
-                <a16:creationId xmlns:a16="http://schemas.microsoft.com/office/drawing/2014/main" id="{943B7F5D-54D3-0424-ECEC-6AF70B2FCDC2}"/>
-              </a:ext>
-            </a:extLst>
-          </p:cNvPr>
-          <p:cNvSpPr txBox="1"/>
-          <p:nvPr/>
-        </p:nvSpPr>
-        <p:spPr>
-          <a:xfrm>
-            <a:off x="3628638" y="1461496"/>
-            <a:ext cx="1847352" cy="369332"/>
-          </a:xfrm>
-          <a:prstGeom prst="rect">
-            <a:avLst/>
-          </a:prstGeom>
-          <a:noFill/>
-        </p:spPr>
-        <p:txBody>
-          <a:bodyPr wrap="square" rtlCol="0">
-            <a:spAutoFit/>
-          </a:bodyPr>
-          <a:lstStyle/>
-          <a:p>
-            <a:r>
-              <a:rPr kumimoji="1" lang="en-US" altLang="ja-JP" dirty="0" err="1"/>
-              <a:t>Total:xxxxxx</a:t>
-            </a:r>
-            <a:r>
-              <a:rPr kumimoji="1" lang="ja-JP" altLang="en-US" dirty="0"/>
-              <a:t>円</a:t>
-            </a:r>
-          </a:p>
-        </p:txBody>
-      </p:sp>
-      <p:sp>
-        <p:nvSpPr>
-          <p:cNvPr id="19" name="四角形: 角を丸くする 18">
-            <a:extLst>
-              <a:ext uri="{FF2B5EF4-FFF2-40B4-BE49-F238E27FC236}">
-                <a16:creationId xmlns:a16="http://schemas.microsoft.com/office/drawing/2014/main" id="{8AD0D9ED-B0C2-05EE-3B7B-9F18380C001E}"/>
-              </a:ext>
-            </a:extLst>
-          </p:cNvPr>
-          <p:cNvSpPr/>
-          <p:nvPr/>
-        </p:nvSpPr>
-        <p:spPr>
-          <a:xfrm>
-            <a:off x="8136358" y="926725"/>
-            <a:ext cx="1598212" cy="369332"/>
-          </a:xfrm>
-          <a:prstGeom prst="roundRect">
-            <a:avLst/>
-          </a:prstGeom>
-        </p:spPr>
-        <p:style>
-          <a:lnRef idx="2">
-            <a:schemeClr val="dk1"/>
-          </a:lnRef>
-          <a:fillRef idx="1">
-            <a:schemeClr val="lt1"/>
-          </a:fillRef>
-          <a:effectRef idx="0">
-            <a:schemeClr val="dk1"/>
-          </a:effectRef>
-          <a:fontRef idx="minor">
-            <a:schemeClr val="dk1"/>
-          </a:fontRef>
-        </p:style>
-        <p:txBody>
-          <a:bodyPr rtlCol="0" anchor="ctr"/>
-          <a:lstStyle/>
-          <a:p>
-            <a:pPr algn="ctr"/>
-            <a:r>
-              <a:rPr kumimoji="1" lang="en-US" altLang="ja-JP" dirty="0"/>
-              <a:t>other</a:t>
-            </a:r>
-            <a:endParaRPr kumimoji="1" lang="ja-JP" altLang="en-US" dirty="0"/>
-          </a:p>
-        </p:txBody>
-      </p:sp>
-    </p:spTree>
-    <p:extLst>
-      <p:ext uri="{BB962C8B-B14F-4D97-AF65-F5344CB8AC3E}">
-        <p14:creationId xmlns:p14="http://schemas.microsoft.com/office/powerpoint/2010/main" val="1245288595"/>
       </p:ext>
     </p:extLst>
   </p:cSld>

--- a/models/UI.pptx
+++ b/models/UI.pptx
@@ -10,20 +10,21 @@
     <p:sldId id="271" r:id="rId4"/>
     <p:sldId id="273" r:id="rId5"/>
     <p:sldId id="274" r:id="rId6"/>
-    <p:sldId id="272" r:id="rId7"/>
-    <p:sldId id="269" r:id="rId8"/>
-    <p:sldId id="268" r:id="rId9"/>
-    <p:sldId id="262" r:id="rId10"/>
-    <p:sldId id="257" r:id="rId11"/>
-    <p:sldId id="260" r:id="rId12"/>
-    <p:sldId id="258" r:id="rId13"/>
-    <p:sldId id="259" r:id="rId14"/>
-    <p:sldId id="261" r:id="rId15"/>
-    <p:sldId id="267" r:id="rId16"/>
-    <p:sldId id="263" r:id="rId17"/>
-    <p:sldId id="264" r:id="rId18"/>
-    <p:sldId id="265" r:id="rId19"/>
-    <p:sldId id="266" r:id="rId20"/>
+    <p:sldId id="275" r:id="rId7"/>
+    <p:sldId id="272" r:id="rId8"/>
+    <p:sldId id="269" r:id="rId9"/>
+    <p:sldId id="268" r:id="rId10"/>
+    <p:sldId id="262" r:id="rId11"/>
+    <p:sldId id="257" r:id="rId12"/>
+    <p:sldId id="260" r:id="rId13"/>
+    <p:sldId id="258" r:id="rId14"/>
+    <p:sldId id="259" r:id="rId15"/>
+    <p:sldId id="261" r:id="rId16"/>
+    <p:sldId id="267" r:id="rId17"/>
+    <p:sldId id="263" r:id="rId18"/>
+    <p:sldId id="264" r:id="rId19"/>
+    <p:sldId id="265" r:id="rId20"/>
+    <p:sldId id="266" r:id="rId21"/>
   </p:sldIdLst>
   <p:sldSz cx="12192000" cy="6858000"/>
   <p:notesSz cx="6858000" cy="9144000"/>
@@ -277,7 +278,7 @@
           <a:p>
             <a:fld id="{C0D971C9-DB7B-45E2-859A-01875D4D6A0E}" type="datetimeFigureOut">
               <a:rPr kumimoji="1" lang="ja-JP" altLang="en-US" smtClean="0"/>
-              <a:t>2024/12/30</a:t>
+              <a:t>2024/12/31</a:t>
             </a:fld>
             <a:endParaRPr kumimoji="1" lang="ja-JP" altLang="en-US"/>
           </a:p>
@@ -507,7 +508,7 @@
           <a:p>
             <a:fld id="{C0D971C9-DB7B-45E2-859A-01875D4D6A0E}" type="datetimeFigureOut">
               <a:rPr kumimoji="1" lang="ja-JP" altLang="en-US" smtClean="0"/>
-              <a:t>2024/12/30</a:t>
+              <a:t>2024/12/31</a:t>
             </a:fld>
             <a:endParaRPr kumimoji="1" lang="ja-JP" altLang="en-US"/>
           </a:p>
@@ -747,7 +748,7 @@
           <a:p>
             <a:fld id="{C0D971C9-DB7B-45E2-859A-01875D4D6A0E}" type="datetimeFigureOut">
               <a:rPr kumimoji="1" lang="ja-JP" altLang="en-US" smtClean="0"/>
-              <a:t>2024/12/30</a:t>
+              <a:t>2024/12/31</a:t>
             </a:fld>
             <a:endParaRPr kumimoji="1" lang="ja-JP" altLang="en-US"/>
           </a:p>
@@ -977,7 +978,7 @@
           <a:p>
             <a:fld id="{C0D971C9-DB7B-45E2-859A-01875D4D6A0E}" type="datetimeFigureOut">
               <a:rPr kumimoji="1" lang="ja-JP" altLang="en-US" smtClean="0"/>
-              <a:t>2024/12/30</a:t>
+              <a:t>2024/12/31</a:t>
             </a:fld>
             <a:endParaRPr kumimoji="1" lang="ja-JP" altLang="en-US"/>
           </a:p>
@@ -1252,7 +1253,7 @@
           <a:p>
             <a:fld id="{C0D971C9-DB7B-45E2-859A-01875D4D6A0E}" type="datetimeFigureOut">
               <a:rPr kumimoji="1" lang="ja-JP" altLang="en-US" smtClean="0"/>
-              <a:t>2024/12/30</a:t>
+              <a:t>2024/12/31</a:t>
             </a:fld>
             <a:endParaRPr kumimoji="1" lang="ja-JP" altLang="en-US"/>
           </a:p>
@@ -1581,7 +1582,7 @@
           <a:p>
             <a:fld id="{C0D971C9-DB7B-45E2-859A-01875D4D6A0E}" type="datetimeFigureOut">
               <a:rPr kumimoji="1" lang="ja-JP" altLang="en-US" smtClean="0"/>
-              <a:t>2024/12/30</a:t>
+              <a:t>2024/12/31</a:t>
             </a:fld>
             <a:endParaRPr kumimoji="1" lang="ja-JP" altLang="en-US"/>
           </a:p>
@@ -2057,7 +2058,7 @@
           <a:p>
             <a:fld id="{C0D971C9-DB7B-45E2-859A-01875D4D6A0E}" type="datetimeFigureOut">
               <a:rPr kumimoji="1" lang="ja-JP" altLang="en-US" smtClean="0"/>
-              <a:t>2024/12/30</a:t>
+              <a:t>2024/12/31</a:t>
             </a:fld>
             <a:endParaRPr kumimoji="1" lang="ja-JP" altLang="en-US"/>
           </a:p>
@@ -2198,7 +2199,7 @@
           <a:p>
             <a:fld id="{C0D971C9-DB7B-45E2-859A-01875D4D6A0E}" type="datetimeFigureOut">
               <a:rPr kumimoji="1" lang="ja-JP" altLang="en-US" smtClean="0"/>
-              <a:t>2024/12/30</a:t>
+              <a:t>2024/12/31</a:t>
             </a:fld>
             <a:endParaRPr kumimoji="1" lang="ja-JP" altLang="en-US"/>
           </a:p>
@@ -2311,7 +2312,7 @@
           <a:p>
             <a:fld id="{C0D971C9-DB7B-45E2-859A-01875D4D6A0E}" type="datetimeFigureOut">
               <a:rPr kumimoji="1" lang="ja-JP" altLang="en-US" smtClean="0"/>
-              <a:t>2024/12/30</a:t>
+              <a:t>2024/12/31</a:t>
             </a:fld>
             <a:endParaRPr kumimoji="1" lang="ja-JP" altLang="en-US"/>
           </a:p>
@@ -2654,7 +2655,7 @@
           <a:p>
             <a:fld id="{C0D971C9-DB7B-45E2-859A-01875D4D6A0E}" type="datetimeFigureOut">
               <a:rPr kumimoji="1" lang="ja-JP" altLang="en-US" smtClean="0"/>
-              <a:t>2024/12/30</a:t>
+              <a:t>2024/12/31</a:t>
             </a:fld>
             <a:endParaRPr kumimoji="1" lang="ja-JP" altLang="en-US"/>
           </a:p>
@@ -2942,7 +2943,7 @@
           <a:p>
             <a:fld id="{C0D971C9-DB7B-45E2-859A-01875D4D6A0E}" type="datetimeFigureOut">
               <a:rPr kumimoji="1" lang="ja-JP" altLang="en-US" smtClean="0"/>
-              <a:t>2024/12/30</a:t>
+              <a:t>2024/12/31</a:t>
             </a:fld>
             <a:endParaRPr kumimoji="1" lang="ja-JP" altLang="en-US"/>
           </a:p>
@@ -3215,7 +3216,7 @@
           <a:p>
             <a:fld id="{C0D971C9-DB7B-45E2-859A-01875D4D6A0E}" type="datetimeFigureOut">
               <a:rPr kumimoji="1" lang="ja-JP" altLang="en-US" smtClean="0"/>
-              <a:t>2024/12/30</a:t>
+              <a:t>2024/12/31</a:t>
             </a:fld>
             <a:endParaRPr kumimoji="1" lang="ja-JP" altLang="en-US"/>
           </a:p>
@@ -3703,6 +3704,1719 @@
 </file>
 
 <file path=ppt/slides/slide10.xml><?xml version="1.0" encoding="utf-8"?>
+<p:sld xmlns:a="http://schemas.openxmlformats.org/drawingml/2006/main" xmlns:r="http://schemas.openxmlformats.org/officeDocument/2006/relationships" xmlns:p="http://schemas.openxmlformats.org/presentationml/2006/main">
+  <p:cSld>
+    <p:spTree>
+      <p:nvGrpSpPr>
+        <p:cNvPr id="1" name=""/>
+        <p:cNvGrpSpPr/>
+        <p:nvPr/>
+      </p:nvGrpSpPr>
+      <p:grpSpPr>
+        <a:xfrm>
+          <a:off x="0" y="0"/>
+          <a:ext cx="0" cy="0"/>
+          <a:chOff x="0" y="0"/>
+          <a:chExt cx="0" cy="0"/>
+        </a:xfrm>
+      </p:grpSpPr>
+      <p:sp>
+        <p:nvSpPr>
+          <p:cNvPr id="2" name="正方形/長方形 1">
+            <a:extLst>
+              <a:ext uri="{FF2B5EF4-FFF2-40B4-BE49-F238E27FC236}">
+                <a16:creationId xmlns:a16="http://schemas.microsoft.com/office/drawing/2014/main" id="{14D9ADD6-5B95-A830-584E-D9E89CC8F465}"/>
+              </a:ext>
+            </a:extLst>
+          </p:cNvPr>
+          <p:cNvSpPr/>
+          <p:nvPr/>
+        </p:nvSpPr>
+        <p:spPr>
+          <a:xfrm>
+            <a:off x="1290912" y="177301"/>
+            <a:ext cx="8707402" cy="6461804"/>
+          </a:xfrm>
+          <a:prstGeom prst="rect">
+            <a:avLst/>
+          </a:prstGeom>
+        </p:spPr>
+        <p:style>
+          <a:lnRef idx="2">
+            <a:schemeClr val="dk1"/>
+          </a:lnRef>
+          <a:fillRef idx="1">
+            <a:schemeClr val="lt1"/>
+          </a:fillRef>
+          <a:effectRef idx="0">
+            <a:schemeClr val="dk1"/>
+          </a:effectRef>
+          <a:fontRef idx="minor">
+            <a:schemeClr val="dk1"/>
+          </a:fontRef>
+        </p:style>
+        <p:txBody>
+          <a:bodyPr rtlCol="0" anchor="ctr"/>
+          <a:lstStyle/>
+          <a:p>
+            <a:pPr algn="ctr"/>
+            <a:endParaRPr kumimoji="1" lang="ja-JP" altLang="en-US"/>
+          </a:p>
+        </p:txBody>
+      </p:sp>
+      <p:sp>
+        <p:nvSpPr>
+          <p:cNvPr id="3" name="正方形/長方形 2">
+            <a:extLst>
+              <a:ext uri="{FF2B5EF4-FFF2-40B4-BE49-F238E27FC236}">
+                <a16:creationId xmlns:a16="http://schemas.microsoft.com/office/drawing/2014/main" id="{DA9ED58D-5F43-5BC1-1326-C6CF0CB460E4}"/>
+              </a:ext>
+            </a:extLst>
+          </p:cNvPr>
+          <p:cNvSpPr/>
+          <p:nvPr/>
+        </p:nvSpPr>
+        <p:spPr>
+          <a:xfrm>
+            <a:off x="1244466" y="238417"/>
+            <a:ext cx="265831" cy="292359"/>
+          </a:xfrm>
+          <a:prstGeom prst="rect">
+            <a:avLst/>
+          </a:prstGeom>
+        </p:spPr>
+        <p:style>
+          <a:lnRef idx="2">
+            <a:schemeClr val="dk1"/>
+          </a:lnRef>
+          <a:fillRef idx="1">
+            <a:schemeClr val="lt1"/>
+          </a:fillRef>
+          <a:effectRef idx="0">
+            <a:schemeClr val="dk1"/>
+          </a:effectRef>
+          <a:fontRef idx="minor">
+            <a:schemeClr val="dk1"/>
+          </a:fontRef>
+        </p:style>
+        <p:txBody>
+          <a:bodyPr rtlCol="0" anchor="ctr"/>
+          <a:lstStyle/>
+          <a:p>
+            <a:pPr algn="ctr"/>
+            <a:endParaRPr kumimoji="1" lang="ja-JP" altLang="en-US" dirty="0"/>
+          </a:p>
+        </p:txBody>
+      </p:sp>
+      <p:sp>
+        <p:nvSpPr>
+          <p:cNvPr id="4" name="テキスト ボックス 3">
+            <a:extLst>
+              <a:ext uri="{FF2B5EF4-FFF2-40B4-BE49-F238E27FC236}">
+                <a16:creationId xmlns:a16="http://schemas.microsoft.com/office/drawing/2014/main" id="{55A61F91-3077-168E-8ECD-6675B04F0315}"/>
+              </a:ext>
+            </a:extLst>
+          </p:cNvPr>
+          <p:cNvSpPr txBox="1"/>
+          <p:nvPr/>
+        </p:nvSpPr>
+        <p:spPr>
+          <a:xfrm>
+            <a:off x="1542100" y="198098"/>
+            <a:ext cx="1163540" cy="369332"/>
+          </a:xfrm>
+          <a:prstGeom prst="rect">
+            <a:avLst/>
+          </a:prstGeom>
+          <a:noFill/>
+        </p:spPr>
+        <p:txBody>
+          <a:bodyPr wrap="square" rtlCol="0">
+            <a:spAutoFit/>
+          </a:bodyPr>
+          <a:lstStyle/>
+          <a:p>
+            <a:r>
+              <a:rPr kumimoji="1" lang="en-US" altLang="ja-JP" dirty="0"/>
+              <a:t>world</a:t>
+            </a:r>
+            <a:endParaRPr kumimoji="1" lang="ja-JP" altLang="en-US" dirty="0"/>
+          </a:p>
+        </p:txBody>
+      </p:sp>
+      <p:grpSp>
+        <p:nvGrpSpPr>
+          <p:cNvPr id="8" name="グループ化 7">
+            <a:extLst>
+              <a:ext uri="{FF2B5EF4-FFF2-40B4-BE49-F238E27FC236}">
+                <a16:creationId xmlns:a16="http://schemas.microsoft.com/office/drawing/2014/main" id="{866BD2B1-6CA5-8AF4-858E-ADEB5027045C}"/>
+              </a:ext>
+            </a:extLst>
+          </p:cNvPr>
+          <p:cNvGrpSpPr/>
+          <p:nvPr/>
+        </p:nvGrpSpPr>
+        <p:grpSpPr>
+          <a:xfrm>
+            <a:off x="1244466" y="1099937"/>
+            <a:ext cx="6527717" cy="369332"/>
+            <a:chOff x="1102667" y="1757529"/>
+            <a:chExt cx="6527717" cy="369332"/>
+          </a:xfrm>
+        </p:grpSpPr>
+        <p:sp>
+          <p:nvSpPr>
+            <p:cNvPr id="9" name="テキスト ボックス 8">
+              <a:extLst>
+                <a:ext uri="{FF2B5EF4-FFF2-40B4-BE49-F238E27FC236}">
+                  <a16:creationId xmlns:a16="http://schemas.microsoft.com/office/drawing/2014/main" id="{8A807A02-45D0-7E30-E280-184505A0DB78}"/>
+                </a:ext>
+              </a:extLst>
+            </p:cNvPr>
+            <p:cNvSpPr txBox="1"/>
+            <p:nvPr/>
+          </p:nvSpPr>
+          <p:spPr>
+            <a:xfrm>
+              <a:off x="1102667" y="1757529"/>
+              <a:ext cx="2610678" cy="369332"/>
+            </a:xfrm>
+            <a:prstGeom prst="rect">
+              <a:avLst/>
+            </a:prstGeom>
+            <a:noFill/>
+          </p:spPr>
+          <p:txBody>
+            <a:bodyPr wrap="square" rtlCol="0">
+              <a:spAutoFit/>
+            </a:bodyPr>
+            <a:lstStyle/>
+            <a:p>
+              <a:r>
+                <a:rPr kumimoji="1" lang="ja-JP" altLang="en-US" dirty="0"/>
+                <a:t>〇〇〇〇</a:t>
+              </a:r>
+              <a:r>
+                <a:rPr kumimoji="1" lang="en-US" altLang="ja-JP" dirty="0"/>
+                <a:t>/</a:t>
+              </a:r>
+              <a:r>
+                <a:rPr lang="ja-JP" altLang="en-US" dirty="0"/>
+                <a:t>□□</a:t>
+              </a:r>
+              <a:r>
+                <a:rPr kumimoji="1" lang="en-US" altLang="ja-JP" dirty="0"/>
+                <a:t>/</a:t>
+              </a:r>
+              <a:r>
+                <a:rPr kumimoji="1" lang="ja-JP" altLang="en-US" dirty="0"/>
+                <a:t>△△</a:t>
+              </a:r>
+            </a:p>
+          </p:txBody>
+        </p:sp>
+        <p:sp>
+          <p:nvSpPr>
+            <p:cNvPr id="10" name="テキスト ボックス 9">
+              <a:extLst>
+                <a:ext uri="{FF2B5EF4-FFF2-40B4-BE49-F238E27FC236}">
+                  <a16:creationId xmlns:a16="http://schemas.microsoft.com/office/drawing/2014/main" id="{9D65CB8F-832D-943C-5581-4A0BE1A3C085}"/>
+                </a:ext>
+              </a:extLst>
+            </p:cNvPr>
+            <p:cNvSpPr txBox="1"/>
+            <p:nvPr/>
+          </p:nvSpPr>
+          <p:spPr>
+            <a:xfrm>
+              <a:off x="3253495" y="1757529"/>
+              <a:ext cx="459850" cy="369332"/>
+            </a:xfrm>
+            <a:prstGeom prst="rect">
+              <a:avLst/>
+            </a:prstGeom>
+            <a:noFill/>
+          </p:spPr>
+          <p:txBody>
+            <a:bodyPr wrap="square" rtlCol="0">
+              <a:spAutoFit/>
+            </a:bodyPr>
+            <a:lstStyle/>
+            <a:p>
+              <a:r>
+                <a:rPr kumimoji="1" lang="ja-JP" altLang="en-US" dirty="0"/>
+                <a:t>～</a:t>
+              </a:r>
+            </a:p>
+          </p:txBody>
+        </p:sp>
+        <p:sp>
+          <p:nvSpPr>
+            <p:cNvPr id="11" name="テキスト ボックス 10">
+              <a:extLst>
+                <a:ext uri="{FF2B5EF4-FFF2-40B4-BE49-F238E27FC236}">
+                  <a16:creationId xmlns:a16="http://schemas.microsoft.com/office/drawing/2014/main" id="{9ED604AD-D831-9FFE-F488-FDC9D6F4CCCD}"/>
+                </a:ext>
+              </a:extLst>
+            </p:cNvPr>
+            <p:cNvSpPr txBox="1"/>
+            <p:nvPr/>
+          </p:nvSpPr>
+          <p:spPr>
+            <a:xfrm>
+              <a:off x="3713345" y="1757529"/>
+              <a:ext cx="2610678" cy="369332"/>
+            </a:xfrm>
+            <a:prstGeom prst="rect">
+              <a:avLst/>
+            </a:prstGeom>
+            <a:noFill/>
+          </p:spPr>
+          <p:txBody>
+            <a:bodyPr wrap="square" rtlCol="0">
+              <a:spAutoFit/>
+            </a:bodyPr>
+            <a:lstStyle/>
+            <a:p>
+              <a:r>
+                <a:rPr kumimoji="1" lang="ja-JP" altLang="en-US" dirty="0"/>
+                <a:t>〇〇〇〇</a:t>
+              </a:r>
+              <a:r>
+                <a:rPr kumimoji="1" lang="en-US" altLang="ja-JP" dirty="0"/>
+                <a:t>/</a:t>
+              </a:r>
+              <a:r>
+                <a:rPr lang="ja-JP" altLang="en-US" dirty="0"/>
+                <a:t>□□</a:t>
+              </a:r>
+              <a:r>
+                <a:rPr kumimoji="1" lang="en-US" altLang="ja-JP" dirty="0"/>
+                <a:t>/</a:t>
+              </a:r>
+              <a:r>
+                <a:rPr kumimoji="1" lang="ja-JP" altLang="en-US" dirty="0"/>
+                <a:t>△△</a:t>
+              </a:r>
+            </a:p>
+          </p:txBody>
+        </p:sp>
+        <p:sp>
+          <p:nvSpPr>
+            <p:cNvPr id="12" name="テキスト ボックス 11">
+              <a:extLst>
+                <a:ext uri="{FF2B5EF4-FFF2-40B4-BE49-F238E27FC236}">
+                  <a16:creationId xmlns:a16="http://schemas.microsoft.com/office/drawing/2014/main" id="{A1EFB16F-0F6F-24EF-F16A-F5B20041E7AE}"/>
+                </a:ext>
+              </a:extLst>
+            </p:cNvPr>
+            <p:cNvSpPr txBox="1"/>
+            <p:nvPr/>
+          </p:nvSpPr>
+          <p:spPr>
+            <a:xfrm>
+              <a:off x="6184572" y="1757529"/>
+              <a:ext cx="1445812" cy="369332"/>
+            </a:xfrm>
+            <a:prstGeom prst="rect">
+              <a:avLst/>
+            </a:prstGeom>
+            <a:noFill/>
+          </p:spPr>
+          <p:txBody>
+            <a:bodyPr wrap="square" rtlCol="0">
+              <a:spAutoFit/>
+            </a:bodyPr>
+            <a:lstStyle/>
+            <a:p>
+              <a:r>
+                <a:rPr kumimoji="1" lang="en-US" altLang="ja-JP" dirty="0" err="1"/>
+                <a:t>XXdays</a:t>
+              </a:r>
+              <a:endParaRPr kumimoji="1" lang="ja-JP" altLang="en-US" dirty="0"/>
+            </a:p>
+          </p:txBody>
+        </p:sp>
+      </p:grpSp>
+      <p:sp>
+        <p:nvSpPr>
+          <p:cNvPr id="15" name="テキスト ボックス 14">
+            <a:extLst>
+              <a:ext uri="{FF2B5EF4-FFF2-40B4-BE49-F238E27FC236}">
+                <a16:creationId xmlns:a16="http://schemas.microsoft.com/office/drawing/2014/main" id="{E60DDD35-90D3-88B8-47E2-A8A1E8F392C8}"/>
+              </a:ext>
+            </a:extLst>
+          </p:cNvPr>
+          <p:cNvSpPr txBox="1"/>
+          <p:nvPr/>
+        </p:nvSpPr>
+        <p:spPr>
+          <a:xfrm>
+            <a:off x="1244466" y="670089"/>
+            <a:ext cx="2610678" cy="369332"/>
+          </a:xfrm>
+          <a:prstGeom prst="rect">
+            <a:avLst/>
+          </a:prstGeom>
+        </p:spPr>
+        <p:style>
+          <a:lnRef idx="2">
+            <a:schemeClr val="dk1"/>
+          </a:lnRef>
+          <a:fillRef idx="1">
+            <a:schemeClr val="lt1"/>
+          </a:fillRef>
+          <a:effectRef idx="0">
+            <a:schemeClr val="dk1"/>
+          </a:effectRef>
+          <a:fontRef idx="minor">
+            <a:schemeClr val="dk1"/>
+          </a:fontRef>
+        </p:style>
+        <p:txBody>
+          <a:bodyPr wrap="square" rtlCol="0">
+            <a:spAutoFit/>
+          </a:bodyPr>
+          <a:lstStyle/>
+          <a:p>
+            <a:r>
+              <a:rPr kumimoji="1" lang="ja-JP" altLang="en-US" dirty="0"/>
+              <a:t>〇〇〇〇</a:t>
+            </a:r>
+            <a:r>
+              <a:rPr kumimoji="1" lang="en-US" altLang="ja-JP" dirty="0"/>
+              <a:t>/</a:t>
+            </a:r>
+            <a:r>
+              <a:rPr lang="ja-JP" altLang="en-US" dirty="0"/>
+              <a:t>□□</a:t>
+            </a:r>
+            <a:r>
+              <a:rPr kumimoji="1" lang="en-US" altLang="ja-JP" dirty="0"/>
+              <a:t>/</a:t>
+            </a:r>
+            <a:r>
+              <a:rPr kumimoji="1" lang="ja-JP" altLang="en-US" dirty="0"/>
+              <a:t>△△</a:t>
+            </a:r>
+          </a:p>
+        </p:txBody>
+      </p:sp>
+      <p:sp>
+        <p:nvSpPr>
+          <p:cNvPr id="18" name="テキスト ボックス 17">
+            <a:extLst>
+              <a:ext uri="{FF2B5EF4-FFF2-40B4-BE49-F238E27FC236}">
+                <a16:creationId xmlns:a16="http://schemas.microsoft.com/office/drawing/2014/main" id="{65D67451-2F1D-4AE9-682A-6138451DF0CC}"/>
+              </a:ext>
+            </a:extLst>
+          </p:cNvPr>
+          <p:cNvSpPr txBox="1"/>
+          <p:nvPr/>
+        </p:nvSpPr>
+        <p:spPr>
+          <a:xfrm>
+            <a:off x="3855144" y="670089"/>
+            <a:ext cx="459850" cy="369332"/>
+          </a:xfrm>
+          <a:prstGeom prst="rect">
+            <a:avLst/>
+          </a:prstGeom>
+          <a:noFill/>
+        </p:spPr>
+        <p:txBody>
+          <a:bodyPr wrap="square" rtlCol="0">
+            <a:spAutoFit/>
+          </a:bodyPr>
+          <a:lstStyle/>
+          <a:p>
+            <a:r>
+              <a:rPr kumimoji="1" lang="ja-JP" altLang="en-US" dirty="0"/>
+              <a:t>～</a:t>
+            </a:r>
+          </a:p>
+        </p:txBody>
+      </p:sp>
+      <p:sp>
+        <p:nvSpPr>
+          <p:cNvPr id="19" name="テキスト ボックス 18">
+            <a:extLst>
+              <a:ext uri="{FF2B5EF4-FFF2-40B4-BE49-F238E27FC236}">
+                <a16:creationId xmlns:a16="http://schemas.microsoft.com/office/drawing/2014/main" id="{451CEE39-6D36-528F-E324-85A60D447F8A}"/>
+              </a:ext>
+            </a:extLst>
+          </p:cNvPr>
+          <p:cNvSpPr txBox="1"/>
+          <p:nvPr/>
+        </p:nvSpPr>
+        <p:spPr>
+          <a:xfrm>
+            <a:off x="4265322" y="670089"/>
+            <a:ext cx="2610678" cy="369332"/>
+          </a:xfrm>
+          <a:prstGeom prst="rect">
+            <a:avLst/>
+          </a:prstGeom>
+        </p:spPr>
+        <p:style>
+          <a:lnRef idx="2">
+            <a:schemeClr val="dk1"/>
+          </a:lnRef>
+          <a:fillRef idx="1">
+            <a:schemeClr val="lt1"/>
+          </a:fillRef>
+          <a:effectRef idx="0">
+            <a:schemeClr val="dk1"/>
+          </a:effectRef>
+          <a:fontRef idx="minor">
+            <a:schemeClr val="dk1"/>
+          </a:fontRef>
+        </p:style>
+        <p:txBody>
+          <a:bodyPr wrap="square" rtlCol="0">
+            <a:spAutoFit/>
+          </a:bodyPr>
+          <a:lstStyle/>
+          <a:p>
+            <a:r>
+              <a:rPr kumimoji="1" lang="ja-JP" altLang="en-US" dirty="0"/>
+              <a:t>〇〇〇〇</a:t>
+            </a:r>
+            <a:r>
+              <a:rPr kumimoji="1" lang="en-US" altLang="ja-JP" dirty="0"/>
+              <a:t>/</a:t>
+            </a:r>
+            <a:r>
+              <a:rPr lang="ja-JP" altLang="en-US" dirty="0"/>
+              <a:t>□□</a:t>
+            </a:r>
+            <a:r>
+              <a:rPr kumimoji="1" lang="en-US" altLang="ja-JP" dirty="0"/>
+              <a:t>/</a:t>
+            </a:r>
+            <a:r>
+              <a:rPr kumimoji="1" lang="ja-JP" altLang="en-US" dirty="0"/>
+              <a:t>△△</a:t>
+            </a:r>
+          </a:p>
+        </p:txBody>
+      </p:sp>
+      <p:sp>
+        <p:nvSpPr>
+          <p:cNvPr id="21" name="正方形/長方形 20">
+            <a:extLst>
+              <a:ext uri="{FF2B5EF4-FFF2-40B4-BE49-F238E27FC236}">
+                <a16:creationId xmlns:a16="http://schemas.microsoft.com/office/drawing/2014/main" id="{5E5409D5-CD90-60ED-8C89-880D06301D6D}"/>
+              </a:ext>
+            </a:extLst>
+          </p:cNvPr>
+          <p:cNvSpPr/>
+          <p:nvPr/>
+        </p:nvSpPr>
+        <p:spPr>
+          <a:xfrm>
+            <a:off x="1603254" y="3069985"/>
+            <a:ext cx="4598633" cy="1701335"/>
+          </a:xfrm>
+          <a:prstGeom prst="rect">
+            <a:avLst/>
+          </a:prstGeom>
+        </p:spPr>
+        <p:style>
+          <a:lnRef idx="2">
+            <a:schemeClr val="dk1"/>
+          </a:lnRef>
+          <a:fillRef idx="1">
+            <a:schemeClr val="lt1"/>
+          </a:fillRef>
+          <a:effectRef idx="0">
+            <a:schemeClr val="dk1"/>
+          </a:effectRef>
+          <a:fontRef idx="minor">
+            <a:schemeClr val="dk1"/>
+          </a:fontRef>
+        </p:style>
+        <p:txBody>
+          <a:bodyPr rtlCol="0" anchor="ctr"/>
+          <a:lstStyle/>
+          <a:p>
+            <a:pPr algn="ctr"/>
+            <a:r>
+              <a:rPr kumimoji="1" lang="en-US" altLang="ja-JP" dirty="0"/>
+              <a:t>image</a:t>
+            </a:r>
+            <a:endParaRPr kumimoji="1" lang="ja-JP" altLang="en-US" dirty="0"/>
+          </a:p>
+        </p:txBody>
+      </p:sp>
+      <p:sp>
+        <p:nvSpPr>
+          <p:cNvPr id="22" name="テキスト ボックス 21">
+            <a:extLst>
+              <a:ext uri="{FF2B5EF4-FFF2-40B4-BE49-F238E27FC236}">
+                <a16:creationId xmlns:a16="http://schemas.microsoft.com/office/drawing/2014/main" id="{A02E4889-4758-2D35-2D01-C3316148DE7C}"/>
+              </a:ext>
+            </a:extLst>
+          </p:cNvPr>
+          <p:cNvSpPr txBox="1"/>
+          <p:nvPr/>
+        </p:nvSpPr>
+        <p:spPr>
+          <a:xfrm>
+            <a:off x="1244466" y="2429930"/>
+            <a:ext cx="1214899" cy="369332"/>
+          </a:xfrm>
+          <a:prstGeom prst="rect">
+            <a:avLst/>
+          </a:prstGeom>
+          <a:noFill/>
+        </p:spPr>
+        <p:txBody>
+          <a:bodyPr wrap="square" rtlCol="0">
+            <a:spAutoFit/>
+          </a:bodyPr>
+          <a:lstStyle/>
+          <a:p>
+            <a:r>
+              <a:rPr kumimoji="1" lang="en-US" altLang="ja-JP" dirty="0"/>
+              <a:t>region</a:t>
+            </a:r>
+            <a:endParaRPr kumimoji="1" lang="ja-JP" altLang="en-US" dirty="0"/>
+          </a:p>
+        </p:txBody>
+      </p:sp>
+      <p:graphicFrame>
+        <p:nvGraphicFramePr>
+          <p:cNvPr id="23" name="表 22">
+            <a:extLst>
+              <a:ext uri="{FF2B5EF4-FFF2-40B4-BE49-F238E27FC236}">
+                <a16:creationId xmlns:a16="http://schemas.microsoft.com/office/drawing/2014/main" id="{246A9704-DD35-FA8A-3B50-AC317061563E}"/>
+              </a:ext>
+            </a:extLst>
+          </p:cNvPr>
+          <p:cNvGraphicFramePr>
+            <a:graphicFrameLocks noGrp="1"/>
+          </p:cNvGraphicFramePr>
+          <p:nvPr>
+            <p:extLst>
+              <p:ext uri="{D42A27DB-BD31-4B8C-83A1-F6EECF244321}">
+                <p14:modId xmlns:p14="http://schemas.microsoft.com/office/powerpoint/2010/main" val="942438314"/>
+              </p:ext>
+            </p:extLst>
+          </p:nvPr>
+        </p:nvGraphicFramePr>
+        <p:xfrm>
+          <a:off x="3495397" y="1587366"/>
+          <a:ext cx="2075264" cy="1112520"/>
+        </p:xfrm>
+        <a:graphic>
+          <a:graphicData uri="http://schemas.openxmlformats.org/drawingml/2006/table">
+            <a:tbl>
+              <a:tblPr firstRow="1" bandRow="1">
+                <a:tableStyleId>{5C22544A-7EE6-4342-B048-85BDC9FD1C3A}</a:tableStyleId>
+              </a:tblPr>
+              <a:tblGrid>
+                <a:gridCol w="2075264">
+                  <a:extLst>
+                    <a:ext uri="{9D8B030D-6E8A-4147-A177-3AD203B41FA5}">
+                      <a16:colId xmlns:a16="http://schemas.microsoft.com/office/drawing/2014/main" val="3659759483"/>
+                    </a:ext>
+                  </a:extLst>
+                </a:gridCol>
+              </a:tblGrid>
+              <a:tr h="370840">
+                <a:tc>
+                  <a:txBody>
+                    <a:bodyPr/>
+                    <a:lstStyle/>
+                    <a:p>
+                      <a:endParaRPr kumimoji="1" lang="ja-JP" altLang="en-US"/>
+                    </a:p>
+                  </a:txBody>
+                  <a:tcPr/>
+                </a:tc>
+                <a:extLst>
+                  <a:ext uri="{0D108BD9-81ED-4DB2-BD59-A6C34878D82A}">
+                    <a16:rowId xmlns:a16="http://schemas.microsoft.com/office/drawing/2014/main" val="3285130255"/>
+                  </a:ext>
+                </a:extLst>
+              </a:tr>
+              <a:tr h="370840">
+                <a:tc>
+                  <a:txBody>
+                    <a:bodyPr/>
+                    <a:lstStyle/>
+                    <a:p>
+                      <a:endParaRPr kumimoji="1" lang="ja-JP" altLang="en-US"/>
+                    </a:p>
+                  </a:txBody>
+                  <a:tcPr/>
+                </a:tc>
+                <a:extLst>
+                  <a:ext uri="{0D108BD9-81ED-4DB2-BD59-A6C34878D82A}">
+                    <a16:rowId xmlns:a16="http://schemas.microsoft.com/office/drawing/2014/main" val="1860294765"/>
+                  </a:ext>
+                </a:extLst>
+              </a:tr>
+              <a:tr h="370840">
+                <a:tc>
+                  <a:txBody>
+                    <a:bodyPr/>
+                    <a:lstStyle/>
+                    <a:p>
+                      <a:endParaRPr kumimoji="1" lang="ja-JP" altLang="en-US" dirty="0"/>
+                    </a:p>
+                  </a:txBody>
+                  <a:tcPr/>
+                </a:tc>
+                <a:extLst>
+                  <a:ext uri="{0D108BD9-81ED-4DB2-BD59-A6C34878D82A}">
+                    <a16:rowId xmlns:a16="http://schemas.microsoft.com/office/drawing/2014/main" val="1246913307"/>
+                  </a:ext>
+                </a:extLst>
+              </a:tr>
+            </a:tbl>
+          </a:graphicData>
+        </a:graphic>
+      </p:graphicFrame>
+      <p:sp>
+        <p:nvSpPr>
+          <p:cNvPr id="24" name="テキスト ボックス 23">
+            <a:extLst>
+              <a:ext uri="{FF2B5EF4-FFF2-40B4-BE49-F238E27FC236}">
+                <a16:creationId xmlns:a16="http://schemas.microsoft.com/office/drawing/2014/main" id="{60BDABD1-2EB4-D676-2F8D-AFF6C395AFB8}"/>
+              </a:ext>
+            </a:extLst>
+          </p:cNvPr>
+          <p:cNvSpPr txBox="1"/>
+          <p:nvPr/>
+        </p:nvSpPr>
+        <p:spPr>
+          <a:xfrm>
+            <a:off x="1331850" y="5701007"/>
+            <a:ext cx="2344847" cy="369332"/>
+          </a:xfrm>
+          <a:prstGeom prst="rect">
+            <a:avLst/>
+          </a:prstGeom>
+          <a:noFill/>
+        </p:spPr>
+        <p:txBody>
+          <a:bodyPr wrap="square" rtlCol="0">
+            <a:spAutoFit/>
+          </a:bodyPr>
+          <a:lstStyle/>
+          <a:p>
+            <a:r>
+              <a:rPr kumimoji="1" lang="en-US" altLang="ja-JP" dirty="0"/>
+              <a:t>Total cost:</a:t>
+            </a:r>
+            <a:endParaRPr kumimoji="1" lang="ja-JP" altLang="en-US" dirty="0"/>
+          </a:p>
+        </p:txBody>
+      </p:sp>
+      <p:sp>
+        <p:nvSpPr>
+          <p:cNvPr id="25" name="テキスト ボックス 24">
+            <a:extLst>
+              <a:ext uri="{FF2B5EF4-FFF2-40B4-BE49-F238E27FC236}">
+                <a16:creationId xmlns:a16="http://schemas.microsoft.com/office/drawing/2014/main" id="{EBC59BF6-7B95-5A4D-B54D-6EB089EE10AB}"/>
+              </a:ext>
+            </a:extLst>
+          </p:cNvPr>
+          <p:cNvSpPr txBox="1"/>
+          <p:nvPr/>
+        </p:nvSpPr>
+        <p:spPr>
+          <a:xfrm>
+            <a:off x="1331850" y="6059198"/>
+            <a:ext cx="3080352" cy="369332"/>
+          </a:xfrm>
+          <a:prstGeom prst="rect">
+            <a:avLst/>
+          </a:prstGeom>
+          <a:noFill/>
+        </p:spPr>
+        <p:txBody>
+          <a:bodyPr wrap="square" rtlCol="0">
+            <a:spAutoFit/>
+          </a:bodyPr>
+          <a:lstStyle/>
+          <a:p>
+            <a:r>
+              <a:rPr kumimoji="1" lang="en-US" altLang="ja-JP" dirty="0" err="1"/>
+              <a:t>Totatl</a:t>
+            </a:r>
+            <a:r>
+              <a:rPr kumimoji="1" lang="en-US" altLang="ja-JP" dirty="0"/>
+              <a:t> </a:t>
+            </a:r>
+            <a:r>
+              <a:rPr kumimoji="1" lang="en-US" altLang="ja-JP" dirty="0" err="1"/>
+              <a:t>accomodation</a:t>
+            </a:r>
+            <a:r>
+              <a:rPr kumimoji="1" lang="en-US" altLang="ja-JP" dirty="0"/>
+              <a:t>:</a:t>
+            </a:r>
+            <a:endParaRPr kumimoji="1" lang="ja-JP" altLang="en-US" dirty="0"/>
+          </a:p>
+        </p:txBody>
+      </p:sp>
+      <p:sp>
+        <p:nvSpPr>
+          <p:cNvPr id="26" name="テキスト ボックス 25">
+            <a:extLst>
+              <a:ext uri="{FF2B5EF4-FFF2-40B4-BE49-F238E27FC236}">
+                <a16:creationId xmlns:a16="http://schemas.microsoft.com/office/drawing/2014/main" id="{79B5E106-0F76-D100-9088-7410F917FE32}"/>
+              </a:ext>
+            </a:extLst>
+          </p:cNvPr>
+          <p:cNvSpPr txBox="1"/>
+          <p:nvPr/>
+        </p:nvSpPr>
+        <p:spPr>
+          <a:xfrm>
+            <a:off x="2027903" y="2450443"/>
+            <a:ext cx="1009897" cy="369332"/>
+          </a:xfrm>
+          <a:prstGeom prst="rect">
+            <a:avLst/>
+          </a:prstGeom>
+          <a:noFill/>
+        </p:spPr>
+        <p:txBody>
+          <a:bodyPr wrap="square" rtlCol="0">
+            <a:spAutoFit/>
+          </a:bodyPr>
+          <a:lstStyle/>
+          <a:p>
+            <a:r>
+              <a:rPr kumimoji="1" lang="en-US" altLang="ja-JP" dirty="0"/>
+              <a:t>xx</a:t>
+            </a:r>
+            <a:endParaRPr kumimoji="1" lang="ja-JP" altLang="en-US" dirty="0"/>
+          </a:p>
+        </p:txBody>
+      </p:sp>
+      <p:sp>
+        <p:nvSpPr>
+          <p:cNvPr id="27" name="テキスト ボックス 26">
+            <a:extLst>
+              <a:ext uri="{FF2B5EF4-FFF2-40B4-BE49-F238E27FC236}">
+                <a16:creationId xmlns:a16="http://schemas.microsoft.com/office/drawing/2014/main" id="{99FE3EBE-D621-58D2-899F-2D4720AA4DD6}"/>
+              </a:ext>
+            </a:extLst>
+          </p:cNvPr>
+          <p:cNvSpPr txBox="1"/>
+          <p:nvPr/>
+        </p:nvSpPr>
+        <p:spPr>
+          <a:xfrm>
+            <a:off x="1370739" y="6347901"/>
+            <a:ext cx="3080352" cy="369332"/>
+          </a:xfrm>
+          <a:prstGeom prst="rect">
+            <a:avLst/>
+          </a:prstGeom>
+          <a:noFill/>
+        </p:spPr>
+        <p:txBody>
+          <a:bodyPr wrap="square" rtlCol="0">
+            <a:spAutoFit/>
+          </a:bodyPr>
+          <a:lstStyle/>
+          <a:p>
+            <a:r>
+              <a:rPr kumimoji="1" lang="en-US" altLang="ja-JP" dirty="0" err="1"/>
+              <a:t>Totatl</a:t>
+            </a:r>
+            <a:r>
+              <a:rPr kumimoji="1" lang="en-US" altLang="ja-JP" dirty="0"/>
+              <a:t> sightseeing:</a:t>
+            </a:r>
+            <a:endParaRPr kumimoji="1" lang="ja-JP" altLang="en-US" dirty="0"/>
+          </a:p>
+        </p:txBody>
+      </p:sp>
+      <p:sp>
+        <p:nvSpPr>
+          <p:cNvPr id="28" name="テキスト ボックス 27">
+            <a:extLst>
+              <a:ext uri="{FF2B5EF4-FFF2-40B4-BE49-F238E27FC236}">
+                <a16:creationId xmlns:a16="http://schemas.microsoft.com/office/drawing/2014/main" id="{665FAD98-3D59-907D-744E-327D0A05F4B7}"/>
+              </a:ext>
+            </a:extLst>
+          </p:cNvPr>
+          <p:cNvSpPr txBox="1"/>
+          <p:nvPr/>
+        </p:nvSpPr>
+        <p:spPr>
+          <a:xfrm>
+            <a:off x="3970896" y="6371129"/>
+            <a:ext cx="3080352" cy="369332"/>
+          </a:xfrm>
+          <a:prstGeom prst="rect">
+            <a:avLst/>
+          </a:prstGeom>
+          <a:noFill/>
+        </p:spPr>
+        <p:txBody>
+          <a:bodyPr wrap="square" rtlCol="0">
+            <a:spAutoFit/>
+          </a:bodyPr>
+          <a:lstStyle/>
+          <a:p>
+            <a:r>
+              <a:rPr kumimoji="1" lang="en-US" altLang="ja-JP" dirty="0" err="1"/>
+              <a:t>Totatl</a:t>
+            </a:r>
+            <a:r>
+              <a:rPr kumimoji="1" lang="en-US" altLang="ja-JP" dirty="0"/>
+              <a:t> other:</a:t>
+            </a:r>
+            <a:endParaRPr kumimoji="1" lang="ja-JP" altLang="en-US" dirty="0"/>
+          </a:p>
+        </p:txBody>
+      </p:sp>
+      <p:sp>
+        <p:nvSpPr>
+          <p:cNvPr id="29" name="テキスト ボックス 28">
+            <a:extLst>
+              <a:ext uri="{FF2B5EF4-FFF2-40B4-BE49-F238E27FC236}">
+                <a16:creationId xmlns:a16="http://schemas.microsoft.com/office/drawing/2014/main" id="{F85A913A-89DF-E549-FD88-0B8537C1C7C0}"/>
+              </a:ext>
+            </a:extLst>
+          </p:cNvPr>
+          <p:cNvSpPr txBox="1"/>
+          <p:nvPr/>
+        </p:nvSpPr>
+        <p:spPr>
+          <a:xfrm>
+            <a:off x="3970896" y="6034318"/>
+            <a:ext cx="3080352" cy="369332"/>
+          </a:xfrm>
+          <a:prstGeom prst="rect">
+            <a:avLst/>
+          </a:prstGeom>
+          <a:noFill/>
+        </p:spPr>
+        <p:txBody>
+          <a:bodyPr wrap="square" rtlCol="0">
+            <a:spAutoFit/>
+          </a:bodyPr>
+          <a:lstStyle/>
+          <a:p>
+            <a:r>
+              <a:rPr kumimoji="1" lang="en-US" altLang="ja-JP" dirty="0" err="1"/>
+              <a:t>Totatl</a:t>
+            </a:r>
+            <a:r>
+              <a:rPr kumimoji="1" lang="en-US" altLang="ja-JP" dirty="0"/>
+              <a:t> transportation:</a:t>
+            </a:r>
+            <a:endParaRPr kumimoji="1" lang="ja-JP" altLang="en-US" dirty="0"/>
+          </a:p>
+        </p:txBody>
+      </p:sp>
+      <p:sp>
+        <p:nvSpPr>
+          <p:cNvPr id="30" name="テキスト ボックス 29">
+            <a:extLst>
+              <a:ext uri="{FF2B5EF4-FFF2-40B4-BE49-F238E27FC236}">
+                <a16:creationId xmlns:a16="http://schemas.microsoft.com/office/drawing/2014/main" id="{FEB9598D-585E-6497-126D-3B9A293156A7}"/>
+              </a:ext>
+            </a:extLst>
+          </p:cNvPr>
+          <p:cNvSpPr txBox="1"/>
+          <p:nvPr/>
+        </p:nvSpPr>
+        <p:spPr>
+          <a:xfrm>
+            <a:off x="2705640" y="5677426"/>
+            <a:ext cx="958788" cy="369332"/>
+          </a:xfrm>
+          <a:prstGeom prst="rect">
+            <a:avLst/>
+          </a:prstGeom>
+          <a:noFill/>
+        </p:spPr>
+        <p:txBody>
+          <a:bodyPr wrap="square" rtlCol="0">
+            <a:spAutoFit/>
+          </a:bodyPr>
+          <a:lstStyle/>
+          <a:p>
+            <a:r>
+              <a:rPr kumimoji="1" lang="en-US" altLang="ja-JP" dirty="0"/>
+              <a:t>rate</a:t>
+            </a:r>
+            <a:endParaRPr kumimoji="1" lang="ja-JP" altLang="en-US" dirty="0"/>
+          </a:p>
+        </p:txBody>
+      </p:sp>
+      <p:sp>
+        <p:nvSpPr>
+          <p:cNvPr id="31" name="正方形/長方形 30">
+            <a:extLst>
+              <a:ext uri="{FF2B5EF4-FFF2-40B4-BE49-F238E27FC236}">
+                <a16:creationId xmlns:a16="http://schemas.microsoft.com/office/drawing/2014/main" id="{30CF6A06-FC2C-17EF-27CE-EC0B68B0DB35}"/>
+              </a:ext>
+            </a:extLst>
+          </p:cNvPr>
+          <p:cNvSpPr/>
+          <p:nvPr/>
+        </p:nvSpPr>
+        <p:spPr>
+          <a:xfrm>
+            <a:off x="2340704" y="218018"/>
+            <a:ext cx="265831" cy="292359"/>
+          </a:xfrm>
+          <a:prstGeom prst="rect">
+            <a:avLst/>
+          </a:prstGeom>
+        </p:spPr>
+        <p:style>
+          <a:lnRef idx="2">
+            <a:schemeClr val="dk1"/>
+          </a:lnRef>
+          <a:fillRef idx="1">
+            <a:schemeClr val="lt1"/>
+          </a:fillRef>
+          <a:effectRef idx="0">
+            <a:schemeClr val="dk1"/>
+          </a:effectRef>
+          <a:fontRef idx="minor">
+            <a:schemeClr val="dk1"/>
+          </a:fontRef>
+        </p:style>
+        <p:txBody>
+          <a:bodyPr rtlCol="0" anchor="ctr"/>
+          <a:lstStyle/>
+          <a:p>
+            <a:pPr algn="ctr"/>
+            <a:endParaRPr kumimoji="1" lang="ja-JP" altLang="en-US" dirty="0"/>
+          </a:p>
+        </p:txBody>
+      </p:sp>
+      <p:sp>
+        <p:nvSpPr>
+          <p:cNvPr id="32" name="テキスト ボックス 31">
+            <a:extLst>
+              <a:ext uri="{FF2B5EF4-FFF2-40B4-BE49-F238E27FC236}">
+                <a16:creationId xmlns:a16="http://schemas.microsoft.com/office/drawing/2014/main" id="{D340F09A-C0C7-0FE7-9DC3-46DF799DA362}"/>
+              </a:ext>
+            </a:extLst>
+          </p:cNvPr>
+          <p:cNvSpPr txBox="1"/>
+          <p:nvPr/>
+        </p:nvSpPr>
+        <p:spPr>
+          <a:xfrm>
+            <a:off x="2638338" y="177699"/>
+            <a:ext cx="1626984" cy="369332"/>
+          </a:xfrm>
+          <a:prstGeom prst="rect">
+            <a:avLst/>
+          </a:prstGeom>
+          <a:noFill/>
+        </p:spPr>
+        <p:txBody>
+          <a:bodyPr wrap="square" rtlCol="0">
+            <a:spAutoFit/>
+          </a:bodyPr>
+          <a:lstStyle/>
+          <a:p>
+            <a:r>
+              <a:rPr lang="en-US" altLang="ja-JP" dirty="0"/>
+              <a:t>With airplane</a:t>
+            </a:r>
+            <a:endParaRPr kumimoji="1" lang="ja-JP" altLang="en-US" dirty="0"/>
+          </a:p>
+        </p:txBody>
+      </p:sp>
+      <p:sp>
+        <p:nvSpPr>
+          <p:cNvPr id="36" name="テキスト ボックス 35">
+            <a:extLst>
+              <a:ext uri="{FF2B5EF4-FFF2-40B4-BE49-F238E27FC236}">
+                <a16:creationId xmlns:a16="http://schemas.microsoft.com/office/drawing/2014/main" id="{26CC80A7-45A1-586E-A8A1-8E1F662C6EB2}"/>
+              </a:ext>
+            </a:extLst>
+          </p:cNvPr>
+          <p:cNvSpPr txBox="1"/>
+          <p:nvPr/>
+        </p:nvSpPr>
+        <p:spPr>
+          <a:xfrm>
+            <a:off x="6315743" y="6025615"/>
+            <a:ext cx="3080352" cy="369332"/>
+          </a:xfrm>
+          <a:prstGeom prst="rect">
+            <a:avLst/>
+          </a:prstGeom>
+          <a:noFill/>
+        </p:spPr>
+        <p:txBody>
+          <a:bodyPr wrap="square" rtlCol="0">
+            <a:spAutoFit/>
+          </a:bodyPr>
+          <a:lstStyle/>
+          <a:p>
+            <a:r>
+              <a:rPr kumimoji="1" lang="en-US" altLang="ja-JP" dirty="0" err="1"/>
+              <a:t>Totatl</a:t>
+            </a:r>
+            <a:r>
+              <a:rPr kumimoji="1" lang="en-US" altLang="ja-JP" dirty="0"/>
+              <a:t> distance:</a:t>
+            </a:r>
+            <a:endParaRPr kumimoji="1" lang="ja-JP" altLang="en-US" dirty="0"/>
+          </a:p>
+        </p:txBody>
+      </p:sp>
+      <p:sp>
+        <p:nvSpPr>
+          <p:cNvPr id="37" name="テキスト ボックス 36">
+            <a:extLst>
+              <a:ext uri="{FF2B5EF4-FFF2-40B4-BE49-F238E27FC236}">
+                <a16:creationId xmlns:a16="http://schemas.microsoft.com/office/drawing/2014/main" id="{0B36AC0D-E07F-5D6E-E7DD-6A19322EEDA7}"/>
+              </a:ext>
+            </a:extLst>
+          </p:cNvPr>
+          <p:cNvSpPr txBox="1"/>
+          <p:nvPr/>
+        </p:nvSpPr>
+        <p:spPr>
+          <a:xfrm>
+            <a:off x="6276854" y="6347110"/>
+            <a:ext cx="3080352" cy="369332"/>
+          </a:xfrm>
+          <a:prstGeom prst="rect">
+            <a:avLst/>
+          </a:prstGeom>
+          <a:noFill/>
+        </p:spPr>
+        <p:txBody>
+          <a:bodyPr wrap="square" rtlCol="0">
+            <a:spAutoFit/>
+          </a:bodyPr>
+          <a:lstStyle/>
+          <a:p>
+            <a:r>
+              <a:rPr kumimoji="1" lang="en-US" altLang="ja-JP" dirty="0" err="1"/>
+              <a:t>Totatl</a:t>
+            </a:r>
+            <a:r>
+              <a:rPr kumimoji="1" lang="en-US" altLang="ja-JP" dirty="0"/>
+              <a:t> Time:</a:t>
+            </a:r>
+            <a:endParaRPr kumimoji="1" lang="ja-JP" altLang="en-US" dirty="0"/>
+          </a:p>
+        </p:txBody>
+      </p:sp>
+      <p:sp>
+        <p:nvSpPr>
+          <p:cNvPr id="38" name="正方形/長方形 37">
+            <a:extLst>
+              <a:ext uri="{FF2B5EF4-FFF2-40B4-BE49-F238E27FC236}">
+                <a16:creationId xmlns:a16="http://schemas.microsoft.com/office/drawing/2014/main" id="{67F367E3-3838-56B8-6AD9-3EF932459DF1}"/>
+              </a:ext>
+            </a:extLst>
+          </p:cNvPr>
+          <p:cNvSpPr/>
+          <p:nvPr/>
+        </p:nvSpPr>
+        <p:spPr>
+          <a:xfrm>
+            <a:off x="5609920" y="1818854"/>
+            <a:ext cx="193366" cy="914400"/>
+          </a:xfrm>
+          <a:prstGeom prst="rect">
+            <a:avLst/>
+          </a:prstGeom>
+        </p:spPr>
+        <p:style>
+          <a:lnRef idx="2">
+            <a:schemeClr val="dk1"/>
+          </a:lnRef>
+          <a:fillRef idx="1">
+            <a:schemeClr val="lt1"/>
+          </a:fillRef>
+          <a:effectRef idx="0">
+            <a:schemeClr val="dk1"/>
+          </a:effectRef>
+          <a:fontRef idx="minor">
+            <a:schemeClr val="dk1"/>
+          </a:fontRef>
+        </p:style>
+        <p:txBody>
+          <a:bodyPr rtlCol="0" anchor="ctr"/>
+          <a:lstStyle/>
+          <a:p>
+            <a:pPr algn="ctr"/>
+            <a:endParaRPr kumimoji="1" lang="ja-JP" altLang="en-US"/>
+          </a:p>
+        </p:txBody>
+      </p:sp>
+      <p:sp>
+        <p:nvSpPr>
+          <p:cNvPr id="39" name="動作設定ボタン: 戻る/前へ 38">
+            <a:hlinkClick r:id="" action="ppaction://hlinkshowjump?jump=previousslide" highlightClick="1"/>
+            <a:extLst>
+              <a:ext uri="{FF2B5EF4-FFF2-40B4-BE49-F238E27FC236}">
+                <a16:creationId xmlns:a16="http://schemas.microsoft.com/office/drawing/2014/main" id="{D4F2F32A-B445-9A18-B2F1-E35B3E348F1B}"/>
+              </a:ext>
+            </a:extLst>
+          </p:cNvPr>
+          <p:cNvSpPr/>
+          <p:nvPr/>
+        </p:nvSpPr>
+        <p:spPr>
+          <a:xfrm rot="5400000">
+            <a:off x="5518512" y="1592345"/>
+            <a:ext cx="365145" cy="204403"/>
+          </a:xfrm>
+          <a:prstGeom prst="actionButtonBackPrevious">
+            <a:avLst/>
+          </a:prstGeom>
+        </p:spPr>
+        <p:style>
+          <a:lnRef idx="2">
+            <a:schemeClr val="dk1"/>
+          </a:lnRef>
+          <a:fillRef idx="1">
+            <a:schemeClr val="lt1"/>
+          </a:fillRef>
+          <a:effectRef idx="0">
+            <a:schemeClr val="dk1"/>
+          </a:effectRef>
+          <a:fontRef idx="minor">
+            <a:schemeClr val="dk1"/>
+          </a:fontRef>
+        </p:style>
+        <p:txBody>
+          <a:bodyPr rtlCol="0" anchor="ctr"/>
+          <a:lstStyle/>
+          <a:p>
+            <a:pPr algn="ctr"/>
+            <a:endParaRPr kumimoji="1" lang="ja-JP" altLang="en-US"/>
+          </a:p>
+        </p:txBody>
+      </p:sp>
+      <p:sp>
+        <p:nvSpPr>
+          <p:cNvPr id="40" name="動作設定ボタン: 戻る/前へ 39">
+            <a:hlinkClick r:id="" action="ppaction://hlinkshowjump?jump=previousslide" highlightClick="1"/>
+            <a:extLst>
+              <a:ext uri="{FF2B5EF4-FFF2-40B4-BE49-F238E27FC236}">
+                <a16:creationId xmlns:a16="http://schemas.microsoft.com/office/drawing/2014/main" id="{3EE21669-ABB4-3C5F-446A-03314526F025}"/>
+              </a:ext>
+            </a:extLst>
+          </p:cNvPr>
+          <p:cNvSpPr/>
+          <p:nvPr/>
+        </p:nvSpPr>
+        <p:spPr>
+          <a:xfrm rot="16200000">
+            <a:off x="5518512" y="2715481"/>
+            <a:ext cx="365145" cy="204403"/>
+          </a:xfrm>
+          <a:prstGeom prst="actionButtonBackPrevious">
+            <a:avLst/>
+          </a:prstGeom>
+        </p:spPr>
+        <p:style>
+          <a:lnRef idx="2">
+            <a:schemeClr val="dk1"/>
+          </a:lnRef>
+          <a:fillRef idx="1">
+            <a:schemeClr val="lt1"/>
+          </a:fillRef>
+          <a:effectRef idx="0">
+            <a:schemeClr val="dk1"/>
+          </a:effectRef>
+          <a:fontRef idx="minor">
+            <a:schemeClr val="dk1"/>
+          </a:fontRef>
+        </p:style>
+        <p:txBody>
+          <a:bodyPr rtlCol="0" anchor="ctr"/>
+          <a:lstStyle/>
+          <a:p>
+            <a:pPr algn="ctr"/>
+            <a:endParaRPr kumimoji="1" lang="ja-JP" altLang="en-US"/>
+          </a:p>
+        </p:txBody>
+      </p:sp>
+      <p:sp>
+        <p:nvSpPr>
+          <p:cNvPr id="5" name="正方形/長方形 4">
+            <a:extLst>
+              <a:ext uri="{FF2B5EF4-FFF2-40B4-BE49-F238E27FC236}">
+                <a16:creationId xmlns:a16="http://schemas.microsoft.com/office/drawing/2014/main" id="{4BBDBA56-181A-3F45-9559-407378AF3A99}"/>
+              </a:ext>
+            </a:extLst>
+          </p:cNvPr>
+          <p:cNvSpPr/>
+          <p:nvPr/>
+        </p:nvSpPr>
+        <p:spPr>
+          <a:xfrm>
+            <a:off x="1619577" y="1574510"/>
+            <a:ext cx="1163540" cy="292359"/>
+          </a:xfrm>
+          <a:prstGeom prst="rect">
+            <a:avLst/>
+          </a:prstGeom>
+        </p:spPr>
+        <p:style>
+          <a:lnRef idx="2">
+            <a:schemeClr val="dk1"/>
+          </a:lnRef>
+          <a:fillRef idx="1">
+            <a:schemeClr val="lt1"/>
+          </a:fillRef>
+          <a:effectRef idx="0">
+            <a:schemeClr val="dk1"/>
+          </a:effectRef>
+          <a:fontRef idx="minor">
+            <a:schemeClr val="dk1"/>
+          </a:fontRef>
+        </p:style>
+        <p:txBody>
+          <a:bodyPr rtlCol="0" anchor="ctr"/>
+          <a:lstStyle/>
+          <a:p>
+            <a:pPr algn="ctr"/>
+            <a:r>
+              <a:rPr lang="en-US" altLang="ja-JP" dirty="0"/>
+              <a:t>Japan</a:t>
+            </a:r>
+            <a:endParaRPr kumimoji="1" lang="ja-JP" altLang="en-US" dirty="0"/>
+          </a:p>
+        </p:txBody>
+      </p:sp>
+      <p:sp>
+        <p:nvSpPr>
+          <p:cNvPr id="6" name="動作設定ボタン: 戻る/前へ 5">
+            <a:hlinkClick r:id="" action="ppaction://hlinkshowjump?jump=previousslide" highlightClick="1"/>
+            <a:extLst>
+              <a:ext uri="{FF2B5EF4-FFF2-40B4-BE49-F238E27FC236}">
+                <a16:creationId xmlns:a16="http://schemas.microsoft.com/office/drawing/2014/main" id="{210D5D7E-AE6B-107B-E548-AE0072C105F2}"/>
+              </a:ext>
+            </a:extLst>
+          </p:cNvPr>
+          <p:cNvSpPr/>
+          <p:nvPr/>
+        </p:nvSpPr>
+        <p:spPr>
+          <a:xfrm rot="16200000">
+            <a:off x="2720986" y="1637059"/>
+            <a:ext cx="365145" cy="204403"/>
+          </a:xfrm>
+          <a:prstGeom prst="actionButtonBackPrevious">
+            <a:avLst/>
+          </a:prstGeom>
+        </p:spPr>
+        <p:style>
+          <a:lnRef idx="2">
+            <a:schemeClr val="dk1"/>
+          </a:lnRef>
+          <a:fillRef idx="1">
+            <a:schemeClr val="lt1"/>
+          </a:fillRef>
+          <a:effectRef idx="0">
+            <a:schemeClr val="dk1"/>
+          </a:effectRef>
+          <a:fontRef idx="minor">
+            <a:schemeClr val="dk1"/>
+          </a:fontRef>
+        </p:style>
+        <p:txBody>
+          <a:bodyPr rtlCol="0" anchor="ctr"/>
+          <a:lstStyle/>
+          <a:p>
+            <a:pPr algn="ctr"/>
+            <a:endParaRPr kumimoji="1" lang="ja-JP" altLang="en-US"/>
+          </a:p>
+        </p:txBody>
+      </p:sp>
+      <p:sp>
+        <p:nvSpPr>
+          <p:cNvPr id="20" name="テキスト ボックス 19">
+            <a:extLst>
+              <a:ext uri="{FF2B5EF4-FFF2-40B4-BE49-F238E27FC236}">
+                <a16:creationId xmlns:a16="http://schemas.microsoft.com/office/drawing/2014/main" id="{A1954372-C7B3-AFDB-C461-3D5FF6E182A9}"/>
+              </a:ext>
+            </a:extLst>
+          </p:cNvPr>
+          <p:cNvSpPr txBox="1"/>
+          <p:nvPr/>
+        </p:nvSpPr>
+        <p:spPr>
+          <a:xfrm>
+            <a:off x="7014731" y="659339"/>
+            <a:ext cx="1514904" cy="369332"/>
+          </a:xfrm>
+          <a:prstGeom prst="rect">
+            <a:avLst/>
+          </a:prstGeom>
+          <a:noFill/>
+        </p:spPr>
+        <p:txBody>
+          <a:bodyPr wrap="square" rtlCol="0">
+            <a:spAutoFit/>
+          </a:bodyPr>
+          <a:lstStyle/>
+          <a:p>
+            <a:r>
+              <a:rPr kumimoji="1" lang="en-US" altLang="ja-JP" dirty="0" err="1"/>
+              <a:t>Xx</a:t>
+            </a:r>
+            <a:r>
+              <a:rPr kumimoji="1" lang="en-US" altLang="ja-JP" dirty="0"/>
+              <a:t> countries</a:t>
+            </a:r>
+            <a:endParaRPr kumimoji="1" lang="ja-JP" altLang="en-US" dirty="0"/>
+          </a:p>
+        </p:txBody>
+      </p:sp>
+      <p:grpSp>
+        <p:nvGrpSpPr>
+          <p:cNvPr id="13" name="グループ化 12">
+            <a:extLst>
+              <a:ext uri="{FF2B5EF4-FFF2-40B4-BE49-F238E27FC236}">
+                <a16:creationId xmlns:a16="http://schemas.microsoft.com/office/drawing/2014/main" id="{8D3B2E04-94B5-CC58-5988-18A42428E8EF}"/>
+              </a:ext>
+            </a:extLst>
+          </p:cNvPr>
+          <p:cNvGrpSpPr/>
+          <p:nvPr/>
+        </p:nvGrpSpPr>
+        <p:grpSpPr>
+          <a:xfrm>
+            <a:off x="1272672" y="2037017"/>
+            <a:ext cx="2327642" cy="369332"/>
+            <a:chOff x="4403213" y="1596932"/>
+            <a:chExt cx="2327642" cy="369332"/>
+          </a:xfrm>
+        </p:grpSpPr>
+        <p:sp>
+          <p:nvSpPr>
+            <p:cNvPr id="33" name="正方形/長方形 32">
+              <a:extLst>
+                <a:ext uri="{FF2B5EF4-FFF2-40B4-BE49-F238E27FC236}">
+                  <a16:creationId xmlns:a16="http://schemas.microsoft.com/office/drawing/2014/main" id="{5A4B7826-10E5-FBCC-C6AA-BCC00CBB08B3}"/>
+                </a:ext>
+              </a:extLst>
+            </p:cNvPr>
+            <p:cNvSpPr/>
+            <p:nvPr/>
+          </p:nvSpPr>
+          <p:spPr>
+            <a:xfrm>
+              <a:off x="4403213" y="1637251"/>
+              <a:ext cx="265831" cy="292359"/>
+            </a:xfrm>
+            <a:prstGeom prst="rect">
+              <a:avLst/>
+            </a:prstGeom>
+          </p:spPr>
+          <p:style>
+            <a:lnRef idx="2">
+              <a:schemeClr val="dk1"/>
+            </a:lnRef>
+            <a:fillRef idx="1">
+              <a:schemeClr val="lt1"/>
+            </a:fillRef>
+            <a:effectRef idx="0">
+              <a:schemeClr val="dk1"/>
+            </a:effectRef>
+            <a:fontRef idx="minor">
+              <a:schemeClr val="dk1"/>
+            </a:fontRef>
+          </p:style>
+          <p:txBody>
+            <a:bodyPr rtlCol="0" anchor="ctr"/>
+            <a:lstStyle/>
+            <a:p>
+              <a:pPr algn="ctr"/>
+              <a:endParaRPr kumimoji="1" lang="ja-JP" altLang="en-US" dirty="0"/>
+            </a:p>
+          </p:txBody>
+        </p:sp>
+        <p:sp>
+          <p:nvSpPr>
+            <p:cNvPr id="34" name="テキスト ボックス 33">
+              <a:extLst>
+                <a:ext uri="{FF2B5EF4-FFF2-40B4-BE49-F238E27FC236}">
+                  <a16:creationId xmlns:a16="http://schemas.microsoft.com/office/drawing/2014/main" id="{7AAC1C73-A589-78CB-5E55-12B7B337FA2F}"/>
+                </a:ext>
+              </a:extLst>
+            </p:cNvPr>
+            <p:cNvSpPr txBox="1"/>
+            <p:nvPr/>
+          </p:nvSpPr>
+          <p:spPr>
+            <a:xfrm>
+              <a:off x="4700847" y="1596932"/>
+              <a:ext cx="2030008" cy="369332"/>
+            </a:xfrm>
+            <a:prstGeom prst="rect">
+              <a:avLst/>
+            </a:prstGeom>
+            <a:noFill/>
+          </p:spPr>
+          <p:txBody>
+            <a:bodyPr wrap="square" rtlCol="0">
+              <a:spAutoFit/>
+            </a:bodyPr>
+            <a:lstStyle/>
+            <a:p>
+              <a:r>
+                <a:rPr lang="en-US" altLang="ja-JP" dirty="0"/>
+                <a:t>With cross </a:t>
+              </a:r>
+              <a:r>
+                <a:rPr lang="en-US" altLang="ja-JP" dirty="0" err="1"/>
+                <a:t>boder</a:t>
+              </a:r>
+              <a:endParaRPr kumimoji="1" lang="ja-JP" altLang="en-US" dirty="0"/>
+            </a:p>
+          </p:txBody>
+        </p:sp>
+      </p:grpSp>
+      <p:sp>
+        <p:nvSpPr>
+          <p:cNvPr id="41" name="動作設定ボタン: 戻る/前へ 40">
+            <a:hlinkClick r:id="" action="ppaction://hlinkshowjump?jump=previousslide" highlightClick="1"/>
+            <a:extLst>
+              <a:ext uri="{FF2B5EF4-FFF2-40B4-BE49-F238E27FC236}">
+                <a16:creationId xmlns:a16="http://schemas.microsoft.com/office/drawing/2014/main" id="{F2E0E95E-E5CF-87A5-1FF6-081DBAD48297}"/>
+              </a:ext>
+            </a:extLst>
+          </p:cNvPr>
+          <p:cNvSpPr/>
+          <p:nvPr/>
+        </p:nvSpPr>
+        <p:spPr>
+          <a:xfrm>
+            <a:off x="1272672" y="1556688"/>
+            <a:ext cx="365145" cy="332832"/>
+          </a:xfrm>
+          <a:prstGeom prst="actionButtonBackPrevious">
+            <a:avLst/>
+          </a:prstGeom>
+        </p:spPr>
+        <p:style>
+          <a:lnRef idx="2">
+            <a:schemeClr val="dk1"/>
+          </a:lnRef>
+          <a:fillRef idx="1">
+            <a:schemeClr val="lt1"/>
+          </a:fillRef>
+          <a:effectRef idx="0">
+            <a:schemeClr val="dk1"/>
+          </a:effectRef>
+          <a:fontRef idx="minor">
+            <a:schemeClr val="dk1"/>
+          </a:fontRef>
+        </p:style>
+        <p:txBody>
+          <a:bodyPr rtlCol="0" anchor="ctr"/>
+          <a:lstStyle/>
+          <a:p>
+            <a:pPr algn="ctr"/>
+            <a:endParaRPr kumimoji="1" lang="ja-JP" altLang="en-US"/>
+          </a:p>
+        </p:txBody>
+      </p:sp>
+      <p:sp>
+        <p:nvSpPr>
+          <p:cNvPr id="42" name="動作設定ボタン: 戻る/前へ 41">
+            <a:hlinkClick r:id="" action="ppaction://hlinkshowjump?jump=previousslide" highlightClick="1"/>
+            <a:extLst>
+              <a:ext uri="{FF2B5EF4-FFF2-40B4-BE49-F238E27FC236}">
+                <a16:creationId xmlns:a16="http://schemas.microsoft.com/office/drawing/2014/main" id="{FF94410B-1A72-85E7-44A0-36520294D0C1}"/>
+              </a:ext>
+            </a:extLst>
+          </p:cNvPr>
+          <p:cNvSpPr/>
+          <p:nvPr/>
+        </p:nvSpPr>
+        <p:spPr>
+          <a:xfrm rot="10800000">
+            <a:off x="3014816" y="1559227"/>
+            <a:ext cx="365145" cy="362605"/>
+          </a:xfrm>
+          <a:prstGeom prst="actionButtonBackPrevious">
+            <a:avLst/>
+          </a:prstGeom>
+        </p:spPr>
+        <p:style>
+          <a:lnRef idx="2">
+            <a:schemeClr val="dk1"/>
+          </a:lnRef>
+          <a:fillRef idx="1">
+            <a:schemeClr val="lt1"/>
+          </a:fillRef>
+          <a:effectRef idx="0">
+            <a:schemeClr val="dk1"/>
+          </a:effectRef>
+          <a:fontRef idx="minor">
+            <a:schemeClr val="dk1"/>
+          </a:fontRef>
+        </p:style>
+        <p:txBody>
+          <a:bodyPr rtlCol="0" anchor="ctr"/>
+          <a:lstStyle/>
+          <a:p>
+            <a:pPr algn="ctr"/>
+            <a:endParaRPr kumimoji="1" lang="ja-JP" altLang="en-US"/>
+          </a:p>
+        </p:txBody>
+      </p:sp>
+      <p:sp>
+        <p:nvSpPr>
+          <p:cNvPr id="43" name="動作設定ボタン: 戻る/前へ 42">
+            <a:hlinkClick r:id="" action="ppaction://hlinkshowjump?jump=previousslide" highlightClick="1"/>
+            <a:extLst>
+              <a:ext uri="{FF2B5EF4-FFF2-40B4-BE49-F238E27FC236}">
+                <a16:creationId xmlns:a16="http://schemas.microsoft.com/office/drawing/2014/main" id="{7B5E4F05-FEC6-DD93-EDFB-17011D85D87B}"/>
+              </a:ext>
+            </a:extLst>
+          </p:cNvPr>
+          <p:cNvSpPr/>
+          <p:nvPr/>
+        </p:nvSpPr>
+        <p:spPr>
+          <a:xfrm>
+            <a:off x="1264511" y="3335316"/>
+            <a:ext cx="365145" cy="852297"/>
+          </a:xfrm>
+          <a:prstGeom prst="actionButtonBackPrevious">
+            <a:avLst/>
+          </a:prstGeom>
+        </p:spPr>
+        <p:style>
+          <a:lnRef idx="2">
+            <a:schemeClr val="dk1"/>
+          </a:lnRef>
+          <a:fillRef idx="1">
+            <a:schemeClr val="lt1"/>
+          </a:fillRef>
+          <a:effectRef idx="0">
+            <a:schemeClr val="dk1"/>
+          </a:effectRef>
+          <a:fontRef idx="minor">
+            <a:schemeClr val="dk1"/>
+          </a:fontRef>
+        </p:style>
+        <p:txBody>
+          <a:bodyPr rtlCol="0" anchor="ctr"/>
+          <a:lstStyle/>
+          <a:p>
+            <a:pPr algn="ctr"/>
+            <a:endParaRPr kumimoji="1" lang="ja-JP" altLang="en-US"/>
+          </a:p>
+        </p:txBody>
+      </p:sp>
+      <p:sp>
+        <p:nvSpPr>
+          <p:cNvPr id="44" name="動作設定ボタン: 戻る/前へ 43">
+            <a:hlinkClick r:id="" action="ppaction://hlinkshowjump?jump=previousslide" highlightClick="1"/>
+            <a:extLst>
+              <a:ext uri="{FF2B5EF4-FFF2-40B4-BE49-F238E27FC236}">
+                <a16:creationId xmlns:a16="http://schemas.microsoft.com/office/drawing/2014/main" id="{6EC96E80-7337-6553-5DDF-07DC76EA58BB}"/>
+              </a:ext>
+            </a:extLst>
+          </p:cNvPr>
+          <p:cNvSpPr/>
+          <p:nvPr/>
+        </p:nvSpPr>
+        <p:spPr>
+          <a:xfrm rot="10800000" flipV="1">
+            <a:off x="6220127" y="3556391"/>
+            <a:ext cx="365145" cy="728522"/>
+          </a:xfrm>
+          <a:prstGeom prst="actionButtonBackPrevious">
+            <a:avLst/>
+          </a:prstGeom>
+        </p:spPr>
+        <p:style>
+          <a:lnRef idx="2">
+            <a:schemeClr val="dk1"/>
+          </a:lnRef>
+          <a:fillRef idx="1">
+            <a:schemeClr val="lt1"/>
+          </a:fillRef>
+          <a:effectRef idx="0">
+            <a:schemeClr val="dk1"/>
+          </a:effectRef>
+          <a:fontRef idx="minor">
+            <a:schemeClr val="dk1"/>
+          </a:fontRef>
+        </p:style>
+        <p:txBody>
+          <a:bodyPr rtlCol="0" anchor="ctr"/>
+          <a:lstStyle/>
+          <a:p>
+            <a:pPr algn="ctr"/>
+            <a:endParaRPr kumimoji="1" lang="ja-JP" altLang="en-US"/>
+          </a:p>
+        </p:txBody>
+      </p:sp>
+      <p:sp>
+        <p:nvSpPr>
+          <p:cNvPr id="45" name="テキスト ボックス 44">
+            <a:extLst>
+              <a:ext uri="{FF2B5EF4-FFF2-40B4-BE49-F238E27FC236}">
+                <a16:creationId xmlns:a16="http://schemas.microsoft.com/office/drawing/2014/main" id="{BDFD47D4-2B6E-0BAC-8104-B4D09A481B06}"/>
+              </a:ext>
+            </a:extLst>
+          </p:cNvPr>
+          <p:cNvSpPr txBox="1"/>
+          <p:nvPr/>
+        </p:nvSpPr>
+        <p:spPr>
+          <a:xfrm>
+            <a:off x="3197388" y="4819675"/>
+            <a:ext cx="1955137" cy="369332"/>
+          </a:xfrm>
+          <a:prstGeom prst="rect">
+            <a:avLst/>
+          </a:prstGeom>
+          <a:noFill/>
+        </p:spPr>
+        <p:txBody>
+          <a:bodyPr wrap="square" rtlCol="0">
+            <a:spAutoFit/>
+          </a:bodyPr>
+          <a:lstStyle/>
+          <a:p>
+            <a:r>
+              <a:rPr kumimoji="1" lang="en-US" altLang="ja-JP" dirty="0"/>
+              <a:t>all</a:t>
+            </a:r>
+            <a:endParaRPr kumimoji="1" lang="ja-JP" altLang="en-US" dirty="0"/>
+          </a:p>
+        </p:txBody>
+      </p:sp>
+    </p:spTree>
+    <p:extLst>
+      <p:ext uri="{BB962C8B-B14F-4D97-AF65-F5344CB8AC3E}">
+        <p14:creationId xmlns:p14="http://schemas.microsoft.com/office/powerpoint/2010/main" val="581727551"/>
+      </p:ext>
+    </p:extLst>
+  </p:cSld>
+  <p:clrMapOvr>
+    <a:masterClrMapping/>
+  </p:clrMapOvr>
+</p:sld>
+</file>
+
+<file path=ppt/slides/slide11.xml><?xml version="1.0" encoding="utf-8"?>
 <p:sld xmlns:a="http://schemas.openxmlformats.org/drawingml/2006/main" xmlns:r="http://schemas.openxmlformats.org/officeDocument/2006/relationships" xmlns:p="http://schemas.openxmlformats.org/presentationml/2006/main">
   <p:cSld>
     <p:spTree>
@@ -5812,7 +7526,7 @@
 </p:sld>
 </file>
 
-<file path=ppt/slides/slide11.xml><?xml version="1.0" encoding="utf-8"?>
+<file path=ppt/slides/slide12.xml><?xml version="1.0" encoding="utf-8"?>
 <p:sld xmlns:a="http://schemas.openxmlformats.org/drawingml/2006/main" xmlns:r="http://schemas.openxmlformats.org/officeDocument/2006/relationships" xmlns:p="http://schemas.openxmlformats.org/presentationml/2006/main">
   <p:cSld>
     <p:spTree>
@@ -7933,7 +9647,7 @@
 </p:sld>
 </file>
 
-<file path=ppt/slides/slide12.xml><?xml version="1.0" encoding="utf-8"?>
+<file path=ppt/slides/slide13.xml><?xml version="1.0" encoding="utf-8"?>
 <p:sld xmlns:a="http://schemas.openxmlformats.org/drawingml/2006/main" xmlns:r="http://schemas.openxmlformats.org/officeDocument/2006/relationships" xmlns:p="http://schemas.openxmlformats.org/presentationml/2006/main">
   <p:cSld>
     <p:spTree>
@@ -10428,7 +12142,7 @@
 </p:sld>
 </file>
 
-<file path=ppt/slides/slide13.xml><?xml version="1.0" encoding="utf-8"?>
+<file path=ppt/slides/slide14.xml><?xml version="1.0" encoding="utf-8"?>
 <p:sld xmlns:a="http://schemas.openxmlformats.org/drawingml/2006/main" xmlns:r="http://schemas.openxmlformats.org/officeDocument/2006/relationships" xmlns:p="http://schemas.openxmlformats.org/presentationml/2006/main">
   <p:cSld>
     <p:spTree>
@@ -12494,7 +14208,7 @@
 </p:sld>
 </file>
 
-<file path=ppt/slides/slide14.xml><?xml version="1.0" encoding="utf-8"?>
+<file path=ppt/slides/slide15.xml><?xml version="1.0" encoding="utf-8"?>
 <p:sld xmlns:a="http://schemas.openxmlformats.org/drawingml/2006/main" xmlns:r="http://schemas.openxmlformats.org/officeDocument/2006/relationships" xmlns:p="http://schemas.openxmlformats.org/presentationml/2006/main">
   <p:cSld>
     <p:spTree>
@@ -14638,90 +16352,6 @@
 </p:sld>
 </file>
 
-<file path=ppt/slides/slide15.xml><?xml version="1.0" encoding="utf-8"?>
-<p:sld xmlns:a="http://schemas.openxmlformats.org/drawingml/2006/main" xmlns:r="http://schemas.openxmlformats.org/officeDocument/2006/relationships" xmlns:p="http://schemas.openxmlformats.org/presentationml/2006/main">
-  <p:cSld>
-    <p:spTree>
-      <p:nvGrpSpPr>
-        <p:cNvPr id="1" name=""/>
-        <p:cNvGrpSpPr/>
-        <p:nvPr/>
-      </p:nvGrpSpPr>
-      <p:grpSpPr>
-        <a:xfrm>
-          <a:off x="0" y="0"/>
-          <a:ext cx="0" cy="0"/>
-          <a:chOff x="0" y="0"/>
-          <a:chExt cx="0" cy="0"/>
-        </a:xfrm>
-      </p:grpSpPr>
-      <p:sp>
-        <p:nvSpPr>
-          <p:cNvPr id="2" name="タイトル 1">
-            <a:extLst>
-              <a:ext uri="{FF2B5EF4-FFF2-40B4-BE49-F238E27FC236}">
-                <a16:creationId xmlns:a16="http://schemas.microsoft.com/office/drawing/2014/main" id="{494D604C-50A4-1D2B-F01C-C2EFE5AFACFF}"/>
-              </a:ext>
-            </a:extLst>
-          </p:cNvPr>
-          <p:cNvSpPr>
-            <a:spLocks noGrp="1"/>
-          </p:cNvSpPr>
-          <p:nvPr>
-            <p:ph type="title"/>
-          </p:nvPr>
-        </p:nvSpPr>
-        <p:spPr/>
-        <p:txBody>
-          <a:bodyPr/>
-          <a:lstStyle/>
-          <a:p>
-            <a:r>
-              <a:rPr kumimoji="1" lang="en-US" altLang="ja-JP" dirty="0" err="1"/>
-              <a:t>apendix</a:t>
-            </a:r>
-            <a:endParaRPr kumimoji="1" lang="ja-JP" altLang="en-US" dirty="0"/>
-          </a:p>
-        </p:txBody>
-      </p:sp>
-      <p:sp>
-        <p:nvSpPr>
-          <p:cNvPr id="3" name="テキスト プレースホルダー 2">
-            <a:extLst>
-              <a:ext uri="{FF2B5EF4-FFF2-40B4-BE49-F238E27FC236}">
-                <a16:creationId xmlns:a16="http://schemas.microsoft.com/office/drawing/2014/main" id="{6338C58D-8DB4-C6DD-9905-74CBD161ECC9}"/>
-              </a:ext>
-            </a:extLst>
-          </p:cNvPr>
-          <p:cNvSpPr>
-            <a:spLocks noGrp="1"/>
-          </p:cNvSpPr>
-          <p:nvPr>
-            <p:ph type="body" idx="1"/>
-          </p:nvPr>
-        </p:nvSpPr>
-        <p:spPr/>
-        <p:txBody>
-          <a:bodyPr/>
-          <a:lstStyle/>
-          <a:p>
-            <a:endParaRPr kumimoji="1" lang="ja-JP" altLang="en-US"/>
-          </a:p>
-        </p:txBody>
-      </p:sp>
-    </p:spTree>
-    <p:extLst>
-      <p:ext uri="{BB962C8B-B14F-4D97-AF65-F5344CB8AC3E}">
-        <p14:creationId xmlns:p14="http://schemas.microsoft.com/office/powerpoint/2010/main" val="4117684095"/>
-      </p:ext>
-    </p:extLst>
-  </p:cSld>
-  <p:clrMapOvr>
-    <a:masterClrMapping/>
-  </p:clrMapOvr>
-</p:sld>
-</file>
-
 <file path=ppt/slides/slide16.xml><?xml version="1.0" encoding="utf-8"?>
 <p:sld xmlns:a="http://schemas.openxmlformats.org/drawingml/2006/main" xmlns:r="http://schemas.openxmlformats.org/officeDocument/2006/relationships" xmlns:p="http://schemas.openxmlformats.org/presentationml/2006/main">
   <p:cSld>
@@ -14739,40 +16369,64 @@
           <a:chExt cx="0" cy="0"/>
         </a:xfrm>
       </p:grpSpPr>
-      <p:pic>
-        <p:nvPicPr>
-          <p:cNvPr id="3" name="図 2">
-            <a:extLst>
-              <a:ext uri="{FF2B5EF4-FFF2-40B4-BE49-F238E27FC236}">
-                <a16:creationId xmlns:a16="http://schemas.microsoft.com/office/drawing/2014/main" id="{F5498A17-9BD6-367B-B018-92B11178682E}"/>
-              </a:ext>
-            </a:extLst>
-          </p:cNvPr>
-          <p:cNvPicPr>
-            <a:picLocks noChangeAspect="1"/>
-          </p:cNvPicPr>
-          <p:nvPr/>
-        </p:nvPicPr>
-        <p:blipFill>
-          <a:blip r:embed="rId2"/>
-          <a:stretch>
-            <a:fillRect/>
-          </a:stretch>
-        </p:blipFill>
-        <p:spPr>
-          <a:xfrm>
-            <a:off x="648162" y="409528"/>
-            <a:ext cx="7486650" cy="5648325"/>
-          </a:xfrm>
-          <a:prstGeom prst="rect">
-            <a:avLst/>
-          </a:prstGeom>
-        </p:spPr>
-      </p:pic>
+      <p:sp>
+        <p:nvSpPr>
+          <p:cNvPr id="2" name="タイトル 1">
+            <a:extLst>
+              <a:ext uri="{FF2B5EF4-FFF2-40B4-BE49-F238E27FC236}">
+                <a16:creationId xmlns:a16="http://schemas.microsoft.com/office/drawing/2014/main" id="{494D604C-50A4-1D2B-F01C-C2EFE5AFACFF}"/>
+              </a:ext>
+            </a:extLst>
+          </p:cNvPr>
+          <p:cNvSpPr>
+            <a:spLocks noGrp="1"/>
+          </p:cNvSpPr>
+          <p:nvPr>
+            <p:ph type="title"/>
+          </p:nvPr>
+        </p:nvSpPr>
+        <p:spPr/>
+        <p:txBody>
+          <a:bodyPr/>
+          <a:lstStyle/>
+          <a:p>
+            <a:r>
+              <a:rPr kumimoji="1" lang="en-US" altLang="ja-JP" dirty="0" err="1"/>
+              <a:t>apendix</a:t>
+            </a:r>
+            <a:endParaRPr kumimoji="1" lang="ja-JP" altLang="en-US" dirty="0"/>
+          </a:p>
+        </p:txBody>
+      </p:sp>
+      <p:sp>
+        <p:nvSpPr>
+          <p:cNvPr id="3" name="テキスト プレースホルダー 2">
+            <a:extLst>
+              <a:ext uri="{FF2B5EF4-FFF2-40B4-BE49-F238E27FC236}">
+                <a16:creationId xmlns:a16="http://schemas.microsoft.com/office/drawing/2014/main" id="{6338C58D-8DB4-C6DD-9905-74CBD161ECC9}"/>
+              </a:ext>
+            </a:extLst>
+          </p:cNvPr>
+          <p:cNvSpPr>
+            <a:spLocks noGrp="1"/>
+          </p:cNvSpPr>
+          <p:nvPr>
+            <p:ph type="body" idx="1"/>
+          </p:nvPr>
+        </p:nvSpPr>
+        <p:spPr/>
+        <p:txBody>
+          <a:bodyPr/>
+          <a:lstStyle/>
+          <a:p>
+            <a:endParaRPr kumimoji="1" lang="ja-JP" altLang="en-US"/>
+          </a:p>
+        </p:txBody>
+      </p:sp>
     </p:spTree>
     <p:extLst>
       <p:ext uri="{BB962C8B-B14F-4D97-AF65-F5344CB8AC3E}">
-        <p14:creationId xmlns:p14="http://schemas.microsoft.com/office/powerpoint/2010/main" val="168639449"/>
+        <p14:creationId xmlns:p14="http://schemas.microsoft.com/office/powerpoint/2010/main" val="4117684095"/>
       </p:ext>
     </p:extLst>
   </p:cSld>
@@ -14804,7 +16458,7 @@
           <p:cNvPr id="3" name="図 2">
             <a:extLst>
               <a:ext uri="{FF2B5EF4-FFF2-40B4-BE49-F238E27FC236}">
-                <a16:creationId xmlns:a16="http://schemas.microsoft.com/office/drawing/2014/main" id="{7289B06E-7202-CF40-AB3B-4729880B5E01}"/>
+                <a16:creationId xmlns:a16="http://schemas.microsoft.com/office/drawing/2014/main" id="{F5498A17-9BD6-367B-B018-92B11178682E}"/>
               </a:ext>
             </a:extLst>
           </p:cNvPr>
@@ -14821,7 +16475,7 @@
         </p:blipFill>
         <p:spPr>
           <a:xfrm>
-            <a:off x="2352675" y="604837"/>
+            <a:off x="648162" y="409528"/>
             <a:ext cx="7486650" cy="5648325"/>
           </a:xfrm>
           <a:prstGeom prst="rect">
@@ -14832,7 +16486,7 @@
     </p:spTree>
     <p:extLst>
       <p:ext uri="{BB962C8B-B14F-4D97-AF65-F5344CB8AC3E}">
-        <p14:creationId xmlns:p14="http://schemas.microsoft.com/office/powerpoint/2010/main" val="772665974"/>
+        <p14:creationId xmlns:p14="http://schemas.microsoft.com/office/powerpoint/2010/main" val="168639449"/>
       </p:ext>
     </p:extLst>
   </p:cSld>
@@ -14864,7 +16518,7 @@
           <p:cNvPr id="3" name="図 2">
             <a:extLst>
               <a:ext uri="{FF2B5EF4-FFF2-40B4-BE49-F238E27FC236}">
-                <a16:creationId xmlns:a16="http://schemas.microsoft.com/office/drawing/2014/main" id="{2BE5274E-8C1B-5D48-AF15-A14493583170}"/>
+                <a16:creationId xmlns:a16="http://schemas.microsoft.com/office/drawing/2014/main" id="{7289B06E-7202-CF40-AB3B-4729880B5E01}"/>
               </a:ext>
             </a:extLst>
           </p:cNvPr>
@@ -14892,7 +16546,7 @@
     </p:spTree>
     <p:extLst>
       <p:ext uri="{BB962C8B-B14F-4D97-AF65-F5344CB8AC3E}">
-        <p14:creationId xmlns:p14="http://schemas.microsoft.com/office/powerpoint/2010/main" val="68268348"/>
+        <p14:creationId xmlns:p14="http://schemas.microsoft.com/office/powerpoint/2010/main" val="772665974"/>
       </p:ext>
     </p:extLst>
   </p:cSld>
@@ -14924,7 +16578,7 @@
           <p:cNvPr id="3" name="図 2">
             <a:extLst>
               <a:ext uri="{FF2B5EF4-FFF2-40B4-BE49-F238E27FC236}">
-                <a16:creationId xmlns:a16="http://schemas.microsoft.com/office/drawing/2014/main" id="{6839F656-629F-490D-57B0-B61082DB3F06}"/>
+                <a16:creationId xmlns:a16="http://schemas.microsoft.com/office/drawing/2014/main" id="{2BE5274E-8C1B-5D48-AF15-A14493583170}"/>
               </a:ext>
             </a:extLst>
           </p:cNvPr>
@@ -14952,7 +16606,7 @@
     </p:spTree>
     <p:extLst>
       <p:ext uri="{BB962C8B-B14F-4D97-AF65-F5344CB8AC3E}">
-        <p14:creationId xmlns:p14="http://schemas.microsoft.com/office/powerpoint/2010/main" val="1173654414"/>
+        <p14:creationId xmlns:p14="http://schemas.microsoft.com/office/powerpoint/2010/main" val="68268348"/>
       </p:ext>
     </p:extLst>
   </p:cSld>
@@ -15833,6 +17487,66 @@
 </p:sld>
 </file>
 
+<file path=ppt/slides/slide20.xml><?xml version="1.0" encoding="utf-8"?>
+<p:sld xmlns:a="http://schemas.openxmlformats.org/drawingml/2006/main" xmlns:r="http://schemas.openxmlformats.org/officeDocument/2006/relationships" xmlns:p="http://schemas.openxmlformats.org/presentationml/2006/main">
+  <p:cSld>
+    <p:spTree>
+      <p:nvGrpSpPr>
+        <p:cNvPr id="1" name=""/>
+        <p:cNvGrpSpPr/>
+        <p:nvPr/>
+      </p:nvGrpSpPr>
+      <p:grpSpPr>
+        <a:xfrm>
+          <a:off x="0" y="0"/>
+          <a:ext cx="0" cy="0"/>
+          <a:chOff x="0" y="0"/>
+          <a:chExt cx="0" cy="0"/>
+        </a:xfrm>
+      </p:grpSpPr>
+      <p:pic>
+        <p:nvPicPr>
+          <p:cNvPr id="3" name="図 2">
+            <a:extLst>
+              <a:ext uri="{FF2B5EF4-FFF2-40B4-BE49-F238E27FC236}">
+                <a16:creationId xmlns:a16="http://schemas.microsoft.com/office/drawing/2014/main" id="{6839F656-629F-490D-57B0-B61082DB3F06}"/>
+              </a:ext>
+            </a:extLst>
+          </p:cNvPr>
+          <p:cNvPicPr>
+            <a:picLocks noChangeAspect="1"/>
+          </p:cNvPicPr>
+          <p:nvPr/>
+        </p:nvPicPr>
+        <p:blipFill>
+          <a:blip r:embed="rId2"/>
+          <a:stretch>
+            <a:fillRect/>
+          </a:stretch>
+        </p:blipFill>
+        <p:spPr>
+          <a:xfrm>
+            <a:off x="2352675" y="604837"/>
+            <a:ext cx="7486650" cy="5648325"/>
+          </a:xfrm>
+          <a:prstGeom prst="rect">
+            <a:avLst/>
+          </a:prstGeom>
+        </p:spPr>
+      </p:pic>
+    </p:spTree>
+    <p:extLst>
+      <p:ext uri="{BB962C8B-B14F-4D97-AF65-F5344CB8AC3E}">
+        <p14:creationId xmlns:p14="http://schemas.microsoft.com/office/powerpoint/2010/main" val="1173654414"/>
+      </p:ext>
+    </p:extLst>
+  </p:cSld>
+  <p:clrMapOvr>
+    <a:masterClrMapping/>
+  </p:clrMapOvr>
+</p:sld>
+</file>
+
 <file path=ppt/slides/slide3.xml><?xml version="1.0" encoding="utf-8"?>
 <p:sld xmlns:a="http://schemas.openxmlformats.org/drawingml/2006/main" xmlns:r="http://schemas.openxmlformats.org/officeDocument/2006/relationships" xmlns:p="http://schemas.openxmlformats.org/presentationml/2006/main">
   <p:cSld>
@@ -16544,6 +18258,66 @@
           <a:chExt cx="0" cy="0"/>
         </a:xfrm>
       </p:grpSpPr>
+      <p:pic>
+        <p:nvPicPr>
+          <p:cNvPr id="3" name="図 2">
+            <a:extLst>
+              <a:ext uri="{FF2B5EF4-FFF2-40B4-BE49-F238E27FC236}">
+                <a16:creationId xmlns:a16="http://schemas.microsoft.com/office/drawing/2014/main" id="{DCA61D84-7E27-7B22-0DAF-D4853017AA71}"/>
+              </a:ext>
+            </a:extLst>
+          </p:cNvPr>
+          <p:cNvPicPr>
+            <a:picLocks noChangeAspect="1"/>
+          </p:cNvPicPr>
+          <p:nvPr/>
+        </p:nvPicPr>
+        <p:blipFill>
+          <a:blip r:embed="rId2"/>
+          <a:stretch>
+            <a:fillRect/>
+          </a:stretch>
+        </p:blipFill>
+        <p:spPr>
+          <a:xfrm>
+            <a:off x="2352675" y="604837"/>
+            <a:ext cx="7486650" cy="5648325"/>
+          </a:xfrm>
+          <a:prstGeom prst="rect">
+            <a:avLst/>
+          </a:prstGeom>
+        </p:spPr>
+      </p:pic>
+    </p:spTree>
+    <p:extLst>
+      <p:ext uri="{BB962C8B-B14F-4D97-AF65-F5344CB8AC3E}">
+        <p14:creationId xmlns:p14="http://schemas.microsoft.com/office/powerpoint/2010/main" val="1601818644"/>
+      </p:ext>
+    </p:extLst>
+  </p:cSld>
+  <p:clrMapOvr>
+    <a:masterClrMapping/>
+  </p:clrMapOvr>
+</p:sld>
+</file>
+
+<file path=ppt/slides/slide7.xml><?xml version="1.0" encoding="utf-8"?>
+<p:sld xmlns:a="http://schemas.openxmlformats.org/drawingml/2006/main" xmlns:r="http://schemas.openxmlformats.org/officeDocument/2006/relationships" xmlns:p="http://schemas.openxmlformats.org/presentationml/2006/main">
+  <p:cSld>
+    <p:spTree>
+      <p:nvGrpSpPr>
+        <p:cNvPr id="1" name=""/>
+        <p:cNvGrpSpPr/>
+        <p:nvPr/>
+      </p:nvGrpSpPr>
+      <p:grpSpPr>
+        <a:xfrm>
+          <a:off x="0" y="0"/>
+          <a:ext cx="0" cy="0"/>
+          <a:chOff x="0" y="0"/>
+          <a:chExt cx="0" cy="0"/>
+        </a:xfrm>
+      </p:grpSpPr>
       <p:sp>
         <p:nvSpPr>
           <p:cNvPr id="2" name="テキスト ボックス 1">
@@ -17033,7 +18807,7 @@
 </p:sld>
 </file>
 
-<file path=ppt/slides/slide7.xml><?xml version="1.0" encoding="utf-8"?>
+<file path=ppt/slides/slide8.xml><?xml version="1.0" encoding="utf-8"?>
 <p:sld xmlns:a="http://schemas.openxmlformats.org/drawingml/2006/main" xmlns:r="http://schemas.openxmlformats.org/officeDocument/2006/relationships" xmlns:p="http://schemas.openxmlformats.org/presentationml/2006/main">
   <p:cSld>
     <p:spTree>
@@ -17632,7 +19406,7 @@
 </p:sld>
 </file>
 
-<file path=ppt/slides/slide8.xml><?xml version="1.0" encoding="utf-8"?>
+<file path=ppt/slides/slide9.xml><?xml version="1.0" encoding="utf-8"?>
 <p:sld xmlns:a="http://schemas.openxmlformats.org/drawingml/2006/main" xmlns:r="http://schemas.openxmlformats.org/officeDocument/2006/relationships" xmlns:p="http://schemas.openxmlformats.org/presentationml/2006/main">
   <p:cSld>
     <p:spTree>
@@ -18979,1719 +20753,6 @@
     <p:extLst>
       <p:ext uri="{BB962C8B-B14F-4D97-AF65-F5344CB8AC3E}">
         <p14:creationId xmlns:p14="http://schemas.microsoft.com/office/powerpoint/2010/main" val="2389837086"/>
-      </p:ext>
-    </p:extLst>
-  </p:cSld>
-  <p:clrMapOvr>
-    <a:masterClrMapping/>
-  </p:clrMapOvr>
-</p:sld>
-</file>
-
-<file path=ppt/slides/slide9.xml><?xml version="1.0" encoding="utf-8"?>
-<p:sld xmlns:a="http://schemas.openxmlformats.org/drawingml/2006/main" xmlns:r="http://schemas.openxmlformats.org/officeDocument/2006/relationships" xmlns:p="http://schemas.openxmlformats.org/presentationml/2006/main">
-  <p:cSld>
-    <p:spTree>
-      <p:nvGrpSpPr>
-        <p:cNvPr id="1" name=""/>
-        <p:cNvGrpSpPr/>
-        <p:nvPr/>
-      </p:nvGrpSpPr>
-      <p:grpSpPr>
-        <a:xfrm>
-          <a:off x="0" y="0"/>
-          <a:ext cx="0" cy="0"/>
-          <a:chOff x="0" y="0"/>
-          <a:chExt cx="0" cy="0"/>
-        </a:xfrm>
-      </p:grpSpPr>
-      <p:sp>
-        <p:nvSpPr>
-          <p:cNvPr id="2" name="正方形/長方形 1">
-            <a:extLst>
-              <a:ext uri="{FF2B5EF4-FFF2-40B4-BE49-F238E27FC236}">
-                <a16:creationId xmlns:a16="http://schemas.microsoft.com/office/drawing/2014/main" id="{14D9ADD6-5B95-A830-584E-D9E89CC8F465}"/>
-              </a:ext>
-            </a:extLst>
-          </p:cNvPr>
-          <p:cNvSpPr/>
-          <p:nvPr/>
-        </p:nvSpPr>
-        <p:spPr>
-          <a:xfrm>
-            <a:off x="1290912" y="177301"/>
-            <a:ext cx="8707402" cy="6461804"/>
-          </a:xfrm>
-          <a:prstGeom prst="rect">
-            <a:avLst/>
-          </a:prstGeom>
-        </p:spPr>
-        <p:style>
-          <a:lnRef idx="2">
-            <a:schemeClr val="dk1"/>
-          </a:lnRef>
-          <a:fillRef idx="1">
-            <a:schemeClr val="lt1"/>
-          </a:fillRef>
-          <a:effectRef idx="0">
-            <a:schemeClr val="dk1"/>
-          </a:effectRef>
-          <a:fontRef idx="minor">
-            <a:schemeClr val="dk1"/>
-          </a:fontRef>
-        </p:style>
-        <p:txBody>
-          <a:bodyPr rtlCol="0" anchor="ctr"/>
-          <a:lstStyle/>
-          <a:p>
-            <a:pPr algn="ctr"/>
-            <a:endParaRPr kumimoji="1" lang="ja-JP" altLang="en-US"/>
-          </a:p>
-        </p:txBody>
-      </p:sp>
-      <p:sp>
-        <p:nvSpPr>
-          <p:cNvPr id="3" name="正方形/長方形 2">
-            <a:extLst>
-              <a:ext uri="{FF2B5EF4-FFF2-40B4-BE49-F238E27FC236}">
-                <a16:creationId xmlns:a16="http://schemas.microsoft.com/office/drawing/2014/main" id="{DA9ED58D-5F43-5BC1-1326-C6CF0CB460E4}"/>
-              </a:ext>
-            </a:extLst>
-          </p:cNvPr>
-          <p:cNvSpPr/>
-          <p:nvPr/>
-        </p:nvSpPr>
-        <p:spPr>
-          <a:xfrm>
-            <a:off x="1244466" y="238417"/>
-            <a:ext cx="265831" cy="292359"/>
-          </a:xfrm>
-          <a:prstGeom prst="rect">
-            <a:avLst/>
-          </a:prstGeom>
-        </p:spPr>
-        <p:style>
-          <a:lnRef idx="2">
-            <a:schemeClr val="dk1"/>
-          </a:lnRef>
-          <a:fillRef idx="1">
-            <a:schemeClr val="lt1"/>
-          </a:fillRef>
-          <a:effectRef idx="0">
-            <a:schemeClr val="dk1"/>
-          </a:effectRef>
-          <a:fontRef idx="minor">
-            <a:schemeClr val="dk1"/>
-          </a:fontRef>
-        </p:style>
-        <p:txBody>
-          <a:bodyPr rtlCol="0" anchor="ctr"/>
-          <a:lstStyle/>
-          <a:p>
-            <a:pPr algn="ctr"/>
-            <a:endParaRPr kumimoji="1" lang="ja-JP" altLang="en-US" dirty="0"/>
-          </a:p>
-        </p:txBody>
-      </p:sp>
-      <p:sp>
-        <p:nvSpPr>
-          <p:cNvPr id="4" name="テキスト ボックス 3">
-            <a:extLst>
-              <a:ext uri="{FF2B5EF4-FFF2-40B4-BE49-F238E27FC236}">
-                <a16:creationId xmlns:a16="http://schemas.microsoft.com/office/drawing/2014/main" id="{55A61F91-3077-168E-8ECD-6675B04F0315}"/>
-              </a:ext>
-            </a:extLst>
-          </p:cNvPr>
-          <p:cNvSpPr txBox="1"/>
-          <p:nvPr/>
-        </p:nvSpPr>
-        <p:spPr>
-          <a:xfrm>
-            <a:off x="1542100" y="198098"/>
-            <a:ext cx="1163540" cy="369332"/>
-          </a:xfrm>
-          <a:prstGeom prst="rect">
-            <a:avLst/>
-          </a:prstGeom>
-          <a:noFill/>
-        </p:spPr>
-        <p:txBody>
-          <a:bodyPr wrap="square" rtlCol="0">
-            <a:spAutoFit/>
-          </a:bodyPr>
-          <a:lstStyle/>
-          <a:p>
-            <a:r>
-              <a:rPr kumimoji="1" lang="en-US" altLang="ja-JP" dirty="0"/>
-              <a:t>world</a:t>
-            </a:r>
-            <a:endParaRPr kumimoji="1" lang="ja-JP" altLang="en-US" dirty="0"/>
-          </a:p>
-        </p:txBody>
-      </p:sp>
-      <p:grpSp>
-        <p:nvGrpSpPr>
-          <p:cNvPr id="8" name="グループ化 7">
-            <a:extLst>
-              <a:ext uri="{FF2B5EF4-FFF2-40B4-BE49-F238E27FC236}">
-                <a16:creationId xmlns:a16="http://schemas.microsoft.com/office/drawing/2014/main" id="{866BD2B1-6CA5-8AF4-858E-ADEB5027045C}"/>
-              </a:ext>
-            </a:extLst>
-          </p:cNvPr>
-          <p:cNvGrpSpPr/>
-          <p:nvPr/>
-        </p:nvGrpSpPr>
-        <p:grpSpPr>
-          <a:xfrm>
-            <a:off x="1244466" y="1099937"/>
-            <a:ext cx="6527717" cy="369332"/>
-            <a:chOff x="1102667" y="1757529"/>
-            <a:chExt cx="6527717" cy="369332"/>
-          </a:xfrm>
-        </p:grpSpPr>
-        <p:sp>
-          <p:nvSpPr>
-            <p:cNvPr id="9" name="テキスト ボックス 8">
-              <a:extLst>
-                <a:ext uri="{FF2B5EF4-FFF2-40B4-BE49-F238E27FC236}">
-                  <a16:creationId xmlns:a16="http://schemas.microsoft.com/office/drawing/2014/main" id="{8A807A02-45D0-7E30-E280-184505A0DB78}"/>
-                </a:ext>
-              </a:extLst>
-            </p:cNvPr>
-            <p:cNvSpPr txBox="1"/>
-            <p:nvPr/>
-          </p:nvSpPr>
-          <p:spPr>
-            <a:xfrm>
-              <a:off x="1102667" y="1757529"/>
-              <a:ext cx="2610678" cy="369332"/>
-            </a:xfrm>
-            <a:prstGeom prst="rect">
-              <a:avLst/>
-            </a:prstGeom>
-            <a:noFill/>
-          </p:spPr>
-          <p:txBody>
-            <a:bodyPr wrap="square" rtlCol="0">
-              <a:spAutoFit/>
-            </a:bodyPr>
-            <a:lstStyle/>
-            <a:p>
-              <a:r>
-                <a:rPr kumimoji="1" lang="ja-JP" altLang="en-US" dirty="0"/>
-                <a:t>〇〇〇〇</a:t>
-              </a:r>
-              <a:r>
-                <a:rPr kumimoji="1" lang="en-US" altLang="ja-JP" dirty="0"/>
-                <a:t>/</a:t>
-              </a:r>
-              <a:r>
-                <a:rPr lang="ja-JP" altLang="en-US" dirty="0"/>
-                <a:t>□□</a:t>
-              </a:r>
-              <a:r>
-                <a:rPr kumimoji="1" lang="en-US" altLang="ja-JP" dirty="0"/>
-                <a:t>/</a:t>
-              </a:r>
-              <a:r>
-                <a:rPr kumimoji="1" lang="ja-JP" altLang="en-US" dirty="0"/>
-                <a:t>△△</a:t>
-              </a:r>
-            </a:p>
-          </p:txBody>
-        </p:sp>
-        <p:sp>
-          <p:nvSpPr>
-            <p:cNvPr id="10" name="テキスト ボックス 9">
-              <a:extLst>
-                <a:ext uri="{FF2B5EF4-FFF2-40B4-BE49-F238E27FC236}">
-                  <a16:creationId xmlns:a16="http://schemas.microsoft.com/office/drawing/2014/main" id="{9D65CB8F-832D-943C-5581-4A0BE1A3C085}"/>
-                </a:ext>
-              </a:extLst>
-            </p:cNvPr>
-            <p:cNvSpPr txBox="1"/>
-            <p:nvPr/>
-          </p:nvSpPr>
-          <p:spPr>
-            <a:xfrm>
-              <a:off x="3253495" y="1757529"/>
-              <a:ext cx="459850" cy="369332"/>
-            </a:xfrm>
-            <a:prstGeom prst="rect">
-              <a:avLst/>
-            </a:prstGeom>
-            <a:noFill/>
-          </p:spPr>
-          <p:txBody>
-            <a:bodyPr wrap="square" rtlCol="0">
-              <a:spAutoFit/>
-            </a:bodyPr>
-            <a:lstStyle/>
-            <a:p>
-              <a:r>
-                <a:rPr kumimoji="1" lang="ja-JP" altLang="en-US" dirty="0"/>
-                <a:t>～</a:t>
-              </a:r>
-            </a:p>
-          </p:txBody>
-        </p:sp>
-        <p:sp>
-          <p:nvSpPr>
-            <p:cNvPr id="11" name="テキスト ボックス 10">
-              <a:extLst>
-                <a:ext uri="{FF2B5EF4-FFF2-40B4-BE49-F238E27FC236}">
-                  <a16:creationId xmlns:a16="http://schemas.microsoft.com/office/drawing/2014/main" id="{9ED604AD-D831-9FFE-F488-FDC9D6F4CCCD}"/>
-                </a:ext>
-              </a:extLst>
-            </p:cNvPr>
-            <p:cNvSpPr txBox="1"/>
-            <p:nvPr/>
-          </p:nvSpPr>
-          <p:spPr>
-            <a:xfrm>
-              <a:off x="3713345" y="1757529"/>
-              <a:ext cx="2610678" cy="369332"/>
-            </a:xfrm>
-            <a:prstGeom prst="rect">
-              <a:avLst/>
-            </a:prstGeom>
-            <a:noFill/>
-          </p:spPr>
-          <p:txBody>
-            <a:bodyPr wrap="square" rtlCol="0">
-              <a:spAutoFit/>
-            </a:bodyPr>
-            <a:lstStyle/>
-            <a:p>
-              <a:r>
-                <a:rPr kumimoji="1" lang="ja-JP" altLang="en-US" dirty="0"/>
-                <a:t>〇〇〇〇</a:t>
-              </a:r>
-              <a:r>
-                <a:rPr kumimoji="1" lang="en-US" altLang="ja-JP" dirty="0"/>
-                <a:t>/</a:t>
-              </a:r>
-              <a:r>
-                <a:rPr lang="ja-JP" altLang="en-US" dirty="0"/>
-                <a:t>□□</a:t>
-              </a:r>
-              <a:r>
-                <a:rPr kumimoji="1" lang="en-US" altLang="ja-JP" dirty="0"/>
-                <a:t>/</a:t>
-              </a:r>
-              <a:r>
-                <a:rPr kumimoji="1" lang="ja-JP" altLang="en-US" dirty="0"/>
-                <a:t>△△</a:t>
-              </a:r>
-            </a:p>
-          </p:txBody>
-        </p:sp>
-        <p:sp>
-          <p:nvSpPr>
-            <p:cNvPr id="12" name="テキスト ボックス 11">
-              <a:extLst>
-                <a:ext uri="{FF2B5EF4-FFF2-40B4-BE49-F238E27FC236}">
-                  <a16:creationId xmlns:a16="http://schemas.microsoft.com/office/drawing/2014/main" id="{A1EFB16F-0F6F-24EF-F16A-F5B20041E7AE}"/>
-                </a:ext>
-              </a:extLst>
-            </p:cNvPr>
-            <p:cNvSpPr txBox="1"/>
-            <p:nvPr/>
-          </p:nvSpPr>
-          <p:spPr>
-            <a:xfrm>
-              <a:off x="6184572" y="1757529"/>
-              <a:ext cx="1445812" cy="369332"/>
-            </a:xfrm>
-            <a:prstGeom prst="rect">
-              <a:avLst/>
-            </a:prstGeom>
-            <a:noFill/>
-          </p:spPr>
-          <p:txBody>
-            <a:bodyPr wrap="square" rtlCol="0">
-              <a:spAutoFit/>
-            </a:bodyPr>
-            <a:lstStyle/>
-            <a:p>
-              <a:r>
-                <a:rPr kumimoji="1" lang="en-US" altLang="ja-JP" dirty="0" err="1"/>
-                <a:t>XXdays</a:t>
-              </a:r>
-              <a:endParaRPr kumimoji="1" lang="ja-JP" altLang="en-US" dirty="0"/>
-            </a:p>
-          </p:txBody>
-        </p:sp>
-      </p:grpSp>
-      <p:sp>
-        <p:nvSpPr>
-          <p:cNvPr id="15" name="テキスト ボックス 14">
-            <a:extLst>
-              <a:ext uri="{FF2B5EF4-FFF2-40B4-BE49-F238E27FC236}">
-                <a16:creationId xmlns:a16="http://schemas.microsoft.com/office/drawing/2014/main" id="{E60DDD35-90D3-88B8-47E2-A8A1E8F392C8}"/>
-              </a:ext>
-            </a:extLst>
-          </p:cNvPr>
-          <p:cNvSpPr txBox="1"/>
-          <p:nvPr/>
-        </p:nvSpPr>
-        <p:spPr>
-          <a:xfrm>
-            <a:off x="1244466" y="670089"/>
-            <a:ext cx="2610678" cy="369332"/>
-          </a:xfrm>
-          <a:prstGeom prst="rect">
-            <a:avLst/>
-          </a:prstGeom>
-        </p:spPr>
-        <p:style>
-          <a:lnRef idx="2">
-            <a:schemeClr val="dk1"/>
-          </a:lnRef>
-          <a:fillRef idx="1">
-            <a:schemeClr val="lt1"/>
-          </a:fillRef>
-          <a:effectRef idx="0">
-            <a:schemeClr val="dk1"/>
-          </a:effectRef>
-          <a:fontRef idx="minor">
-            <a:schemeClr val="dk1"/>
-          </a:fontRef>
-        </p:style>
-        <p:txBody>
-          <a:bodyPr wrap="square" rtlCol="0">
-            <a:spAutoFit/>
-          </a:bodyPr>
-          <a:lstStyle/>
-          <a:p>
-            <a:r>
-              <a:rPr kumimoji="1" lang="ja-JP" altLang="en-US" dirty="0"/>
-              <a:t>〇〇〇〇</a:t>
-            </a:r>
-            <a:r>
-              <a:rPr kumimoji="1" lang="en-US" altLang="ja-JP" dirty="0"/>
-              <a:t>/</a:t>
-            </a:r>
-            <a:r>
-              <a:rPr lang="ja-JP" altLang="en-US" dirty="0"/>
-              <a:t>□□</a:t>
-            </a:r>
-            <a:r>
-              <a:rPr kumimoji="1" lang="en-US" altLang="ja-JP" dirty="0"/>
-              <a:t>/</a:t>
-            </a:r>
-            <a:r>
-              <a:rPr kumimoji="1" lang="ja-JP" altLang="en-US" dirty="0"/>
-              <a:t>△△</a:t>
-            </a:r>
-          </a:p>
-        </p:txBody>
-      </p:sp>
-      <p:sp>
-        <p:nvSpPr>
-          <p:cNvPr id="18" name="テキスト ボックス 17">
-            <a:extLst>
-              <a:ext uri="{FF2B5EF4-FFF2-40B4-BE49-F238E27FC236}">
-                <a16:creationId xmlns:a16="http://schemas.microsoft.com/office/drawing/2014/main" id="{65D67451-2F1D-4AE9-682A-6138451DF0CC}"/>
-              </a:ext>
-            </a:extLst>
-          </p:cNvPr>
-          <p:cNvSpPr txBox="1"/>
-          <p:nvPr/>
-        </p:nvSpPr>
-        <p:spPr>
-          <a:xfrm>
-            <a:off x="3855144" y="670089"/>
-            <a:ext cx="459850" cy="369332"/>
-          </a:xfrm>
-          <a:prstGeom prst="rect">
-            <a:avLst/>
-          </a:prstGeom>
-          <a:noFill/>
-        </p:spPr>
-        <p:txBody>
-          <a:bodyPr wrap="square" rtlCol="0">
-            <a:spAutoFit/>
-          </a:bodyPr>
-          <a:lstStyle/>
-          <a:p>
-            <a:r>
-              <a:rPr kumimoji="1" lang="ja-JP" altLang="en-US" dirty="0"/>
-              <a:t>～</a:t>
-            </a:r>
-          </a:p>
-        </p:txBody>
-      </p:sp>
-      <p:sp>
-        <p:nvSpPr>
-          <p:cNvPr id="19" name="テキスト ボックス 18">
-            <a:extLst>
-              <a:ext uri="{FF2B5EF4-FFF2-40B4-BE49-F238E27FC236}">
-                <a16:creationId xmlns:a16="http://schemas.microsoft.com/office/drawing/2014/main" id="{451CEE39-6D36-528F-E324-85A60D447F8A}"/>
-              </a:ext>
-            </a:extLst>
-          </p:cNvPr>
-          <p:cNvSpPr txBox="1"/>
-          <p:nvPr/>
-        </p:nvSpPr>
-        <p:spPr>
-          <a:xfrm>
-            <a:off x="4265322" y="670089"/>
-            <a:ext cx="2610678" cy="369332"/>
-          </a:xfrm>
-          <a:prstGeom prst="rect">
-            <a:avLst/>
-          </a:prstGeom>
-        </p:spPr>
-        <p:style>
-          <a:lnRef idx="2">
-            <a:schemeClr val="dk1"/>
-          </a:lnRef>
-          <a:fillRef idx="1">
-            <a:schemeClr val="lt1"/>
-          </a:fillRef>
-          <a:effectRef idx="0">
-            <a:schemeClr val="dk1"/>
-          </a:effectRef>
-          <a:fontRef idx="minor">
-            <a:schemeClr val="dk1"/>
-          </a:fontRef>
-        </p:style>
-        <p:txBody>
-          <a:bodyPr wrap="square" rtlCol="0">
-            <a:spAutoFit/>
-          </a:bodyPr>
-          <a:lstStyle/>
-          <a:p>
-            <a:r>
-              <a:rPr kumimoji="1" lang="ja-JP" altLang="en-US" dirty="0"/>
-              <a:t>〇〇〇〇</a:t>
-            </a:r>
-            <a:r>
-              <a:rPr kumimoji="1" lang="en-US" altLang="ja-JP" dirty="0"/>
-              <a:t>/</a:t>
-            </a:r>
-            <a:r>
-              <a:rPr lang="ja-JP" altLang="en-US" dirty="0"/>
-              <a:t>□□</a:t>
-            </a:r>
-            <a:r>
-              <a:rPr kumimoji="1" lang="en-US" altLang="ja-JP" dirty="0"/>
-              <a:t>/</a:t>
-            </a:r>
-            <a:r>
-              <a:rPr kumimoji="1" lang="ja-JP" altLang="en-US" dirty="0"/>
-              <a:t>△△</a:t>
-            </a:r>
-          </a:p>
-        </p:txBody>
-      </p:sp>
-      <p:sp>
-        <p:nvSpPr>
-          <p:cNvPr id="21" name="正方形/長方形 20">
-            <a:extLst>
-              <a:ext uri="{FF2B5EF4-FFF2-40B4-BE49-F238E27FC236}">
-                <a16:creationId xmlns:a16="http://schemas.microsoft.com/office/drawing/2014/main" id="{5E5409D5-CD90-60ED-8C89-880D06301D6D}"/>
-              </a:ext>
-            </a:extLst>
-          </p:cNvPr>
-          <p:cNvSpPr/>
-          <p:nvPr/>
-        </p:nvSpPr>
-        <p:spPr>
-          <a:xfrm>
-            <a:off x="1603254" y="3069985"/>
-            <a:ext cx="4598633" cy="1701335"/>
-          </a:xfrm>
-          <a:prstGeom prst="rect">
-            <a:avLst/>
-          </a:prstGeom>
-        </p:spPr>
-        <p:style>
-          <a:lnRef idx="2">
-            <a:schemeClr val="dk1"/>
-          </a:lnRef>
-          <a:fillRef idx="1">
-            <a:schemeClr val="lt1"/>
-          </a:fillRef>
-          <a:effectRef idx="0">
-            <a:schemeClr val="dk1"/>
-          </a:effectRef>
-          <a:fontRef idx="minor">
-            <a:schemeClr val="dk1"/>
-          </a:fontRef>
-        </p:style>
-        <p:txBody>
-          <a:bodyPr rtlCol="0" anchor="ctr"/>
-          <a:lstStyle/>
-          <a:p>
-            <a:pPr algn="ctr"/>
-            <a:r>
-              <a:rPr kumimoji="1" lang="en-US" altLang="ja-JP" dirty="0"/>
-              <a:t>image</a:t>
-            </a:r>
-            <a:endParaRPr kumimoji="1" lang="ja-JP" altLang="en-US" dirty="0"/>
-          </a:p>
-        </p:txBody>
-      </p:sp>
-      <p:sp>
-        <p:nvSpPr>
-          <p:cNvPr id="22" name="テキスト ボックス 21">
-            <a:extLst>
-              <a:ext uri="{FF2B5EF4-FFF2-40B4-BE49-F238E27FC236}">
-                <a16:creationId xmlns:a16="http://schemas.microsoft.com/office/drawing/2014/main" id="{A02E4889-4758-2D35-2D01-C3316148DE7C}"/>
-              </a:ext>
-            </a:extLst>
-          </p:cNvPr>
-          <p:cNvSpPr txBox="1"/>
-          <p:nvPr/>
-        </p:nvSpPr>
-        <p:spPr>
-          <a:xfrm>
-            <a:off x="1244466" y="2429930"/>
-            <a:ext cx="1214899" cy="369332"/>
-          </a:xfrm>
-          <a:prstGeom prst="rect">
-            <a:avLst/>
-          </a:prstGeom>
-          <a:noFill/>
-        </p:spPr>
-        <p:txBody>
-          <a:bodyPr wrap="square" rtlCol="0">
-            <a:spAutoFit/>
-          </a:bodyPr>
-          <a:lstStyle/>
-          <a:p>
-            <a:r>
-              <a:rPr kumimoji="1" lang="en-US" altLang="ja-JP" dirty="0"/>
-              <a:t>region</a:t>
-            </a:r>
-            <a:endParaRPr kumimoji="1" lang="ja-JP" altLang="en-US" dirty="0"/>
-          </a:p>
-        </p:txBody>
-      </p:sp>
-      <p:graphicFrame>
-        <p:nvGraphicFramePr>
-          <p:cNvPr id="23" name="表 22">
-            <a:extLst>
-              <a:ext uri="{FF2B5EF4-FFF2-40B4-BE49-F238E27FC236}">
-                <a16:creationId xmlns:a16="http://schemas.microsoft.com/office/drawing/2014/main" id="{246A9704-DD35-FA8A-3B50-AC317061563E}"/>
-              </a:ext>
-            </a:extLst>
-          </p:cNvPr>
-          <p:cNvGraphicFramePr>
-            <a:graphicFrameLocks noGrp="1"/>
-          </p:cNvGraphicFramePr>
-          <p:nvPr>
-            <p:extLst>
-              <p:ext uri="{D42A27DB-BD31-4B8C-83A1-F6EECF244321}">
-                <p14:modId xmlns:p14="http://schemas.microsoft.com/office/powerpoint/2010/main" val="942438314"/>
-              </p:ext>
-            </p:extLst>
-          </p:nvPr>
-        </p:nvGraphicFramePr>
-        <p:xfrm>
-          <a:off x="3495397" y="1587366"/>
-          <a:ext cx="2075264" cy="1112520"/>
-        </p:xfrm>
-        <a:graphic>
-          <a:graphicData uri="http://schemas.openxmlformats.org/drawingml/2006/table">
-            <a:tbl>
-              <a:tblPr firstRow="1" bandRow="1">
-                <a:tableStyleId>{5C22544A-7EE6-4342-B048-85BDC9FD1C3A}</a:tableStyleId>
-              </a:tblPr>
-              <a:tblGrid>
-                <a:gridCol w="2075264">
-                  <a:extLst>
-                    <a:ext uri="{9D8B030D-6E8A-4147-A177-3AD203B41FA5}">
-                      <a16:colId xmlns:a16="http://schemas.microsoft.com/office/drawing/2014/main" val="3659759483"/>
-                    </a:ext>
-                  </a:extLst>
-                </a:gridCol>
-              </a:tblGrid>
-              <a:tr h="370840">
-                <a:tc>
-                  <a:txBody>
-                    <a:bodyPr/>
-                    <a:lstStyle/>
-                    <a:p>
-                      <a:endParaRPr kumimoji="1" lang="ja-JP" altLang="en-US"/>
-                    </a:p>
-                  </a:txBody>
-                  <a:tcPr/>
-                </a:tc>
-                <a:extLst>
-                  <a:ext uri="{0D108BD9-81ED-4DB2-BD59-A6C34878D82A}">
-                    <a16:rowId xmlns:a16="http://schemas.microsoft.com/office/drawing/2014/main" val="3285130255"/>
-                  </a:ext>
-                </a:extLst>
-              </a:tr>
-              <a:tr h="370840">
-                <a:tc>
-                  <a:txBody>
-                    <a:bodyPr/>
-                    <a:lstStyle/>
-                    <a:p>
-                      <a:endParaRPr kumimoji="1" lang="ja-JP" altLang="en-US"/>
-                    </a:p>
-                  </a:txBody>
-                  <a:tcPr/>
-                </a:tc>
-                <a:extLst>
-                  <a:ext uri="{0D108BD9-81ED-4DB2-BD59-A6C34878D82A}">
-                    <a16:rowId xmlns:a16="http://schemas.microsoft.com/office/drawing/2014/main" val="1860294765"/>
-                  </a:ext>
-                </a:extLst>
-              </a:tr>
-              <a:tr h="370840">
-                <a:tc>
-                  <a:txBody>
-                    <a:bodyPr/>
-                    <a:lstStyle/>
-                    <a:p>
-                      <a:endParaRPr kumimoji="1" lang="ja-JP" altLang="en-US" dirty="0"/>
-                    </a:p>
-                  </a:txBody>
-                  <a:tcPr/>
-                </a:tc>
-                <a:extLst>
-                  <a:ext uri="{0D108BD9-81ED-4DB2-BD59-A6C34878D82A}">
-                    <a16:rowId xmlns:a16="http://schemas.microsoft.com/office/drawing/2014/main" val="1246913307"/>
-                  </a:ext>
-                </a:extLst>
-              </a:tr>
-            </a:tbl>
-          </a:graphicData>
-        </a:graphic>
-      </p:graphicFrame>
-      <p:sp>
-        <p:nvSpPr>
-          <p:cNvPr id="24" name="テキスト ボックス 23">
-            <a:extLst>
-              <a:ext uri="{FF2B5EF4-FFF2-40B4-BE49-F238E27FC236}">
-                <a16:creationId xmlns:a16="http://schemas.microsoft.com/office/drawing/2014/main" id="{60BDABD1-2EB4-D676-2F8D-AFF6C395AFB8}"/>
-              </a:ext>
-            </a:extLst>
-          </p:cNvPr>
-          <p:cNvSpPr txBox="1"/>
-          <p:nvPr/>
-        </p:nvSpPr>
-        <p:spPr>
-          <a:xfrm>
-            <a:off x="1331850" y="5701007"/>
-            <a:ext cx="2344847" cy="369332"/>
-          </a:xfrm>
-          <a:prstGeom prst="rect">
-            <a:avLst/>
-          </a:prstGeom>
-          <a:noFill/>
-        </p:spPr>
-        <p:txBody>
-          <a:bodyPr wrap="square" rtlCol="0">
-            <a:spAutoFit/>
-          </a:bodyPr>
-          <a:lstStyle/>
-          <a:p>
-            <a:r>
-              <a:rPr kumimoji="1" lang="en-US" altLang="ja-JP" dirty="0"/>
-              <a:t>Total cost:</a:t>
-            </a:r>
-            <a:endParaRPr kumimoji="1" lang="ja-JP" altLang="en-US" dirty="0"/>
-          </a:p>
-        </p:txBody>
-      </p:sp>
-      <p:sp>
-        <p:nvSpPr>
-          <p:cNvPr id="25" name="テキスト ボックス 24">
-            <a:extLst>
-              <a:ext uri="{FF2B5EF4-FFF2-40B4-BE49-F238E27FC236}">
-                <a16:creationId xmlns:a16="http://schemas.microsoft.com/office/drawing/2014/main" id="{EBC59BF6-7B95-5A4D-B54D-6EB089EE10AB}"/>
-              </a:ext>
-            </a:extLst>
-          </p:cNvPr>
-          <p:cNvSpPr txBox="1"/>
-          <p:nvPr/>
-        </p:nvSpPr>
-        <p:spPr>
-          <a:xfrm>
-            <a:off x="1331850" y="6059198"/>
-            <a:ext cx="3080352" cy="369332"/>
-          </a:xfrm>
-          <a:prstGeom prst="rect">
-            <a:avLst/>
-          </a:prstGeom>
-          <a:noFill/>
-        </p:spPr>
-        <p:txBody>
-          <a:bodyPr wrap="square" rtlCol="0">
-            <a:spAutoFit/>
-          </a:bodyPr>
-          <a:lstStyle/>
-          <a:p>
-            <a:r>
-              <a:rPr kumimoji="1" lang="en-US" altLang="ja-JP" dirty="0" err="1"/>
-              <a:t>Totatl</a:t>
-            </a:r>
-            <a:r>
-              <a:rPr kumimoji="1" lang="en-US" altLang="ja-JP" dirty="0"/>
-              <a:t> </a:t>
-            </a:r>
-            <a:r>
-              <a:rPr kumimoji="1" lang="en-US" altLang="ja-JP" dirty="0" err="1"/>
-              <a:t>accomodation</a:t>
-            </a:r>
-            <a:r>
-              <a:rPr kumimoji="1" lang="en-US" altLang="ja-JP" dirty="0"/>
-              <a:t>:</a:t>
-            </a:r>
-            <a:endParaRPr kumimoji="1" lang="ja-JP" altLang="en-US" dirty="0"/>
-          </a:p>
-        </p:txBody>
-      </p:sp>
-      <p:sp>
-        <p:nvSpPr>
-          <p:cNvPr id="26" name="テキスト ボックス 25">
-            <a:extLst>
-              <a:ext uri="{FF2B5EF4-FFF2-40B4-BE49-F238E27FC236}">
-                <a16:creationId xmlns:a16="http://schemas.microsoft.com/office/drawing/2014/main" id="{79B5E106-0F76-D100-9088-7410F917FE32}"/>
-              </a:ext>
-            </a:extLst>
-          </p:cNvPr>
-          <p:cNvSpPr txBox="1"/>
-          <p:nvPr/>
-        </p:nvSpPr>
-        <p:spPr>
-          <a:xfrm>
-            <a:off x="2027903" y="2450443"/>
-            <a:ext cx="1009897" cy="369332"/>
-          </a:xfrm>
-          <a:prstGeom prst="rect">
-            <a:avLst/>
-          </a:prstGeom>
-          <a:noFill/>
-        </p:spPr>
-        <p:txBody>
-          <a:bodyPr wrap="square" rtlCol="0">
-            <a:spAutoFit/>
-          </a:bodyPr>
-          <a:lstStyle/>
-          <a:p>
-            <a:r>
-              <a:rPr kumimoji="1" lang="en-US" altLang="ja-JP" dirty="0"/>
-              <a:t>xx</a:t>
-            </a:r>
-            <a:endParaRPr kumimoji="1" lang="ja-JP" altLang="en-US" dirty="0"/>
-          </a:p>
-        </p:txBody>
-      </p:sp>
-      <p:sp>
-        <p:nvSpPr>
-          <p:cNvPr id="27" name="テキスト ボックス 26">
-            <a:extLst>
-              <a:ext uri="{FF2B5EF4-FFF2-40B4-BE49-F238E27FC236}">
-                <a16:creationId xmlns:a16="http://schemas.microsoft.com/office/drawing/2014/main" id="{99FE3EBE-D621-58D2-899F-2D4720AA4DD6}"/>
-              </a:ext>
-            </a:extLst>
-          </p:cNvPr>
-          <p:cNvSpPr txBox="1"/>
-          <p:nvPr/>
-        </p:nvSpPr>
-        <p:spPr>
-          <a:xfrm>
-            <a:off x="1370739" y="6347901"/>
-            <a:ext cx="3080352" cy="369332"/>
-          </a:xfrm>
-          <a:prstGeom prst="rect">
-            <a:avLst/>
-          </a:prstGeom>
-          <a:noFill/>
-        </p:spPr>
-        <p:txBody>
-          <a:bodyPr wrap="square" rtlCol="0">
-            <a:spAutoFit/>
-          </a:bodyPr>
-          <a:lstStyle/>
-          <a:p>
-            <a:r>
-              <a:rPr kumimoji="1" lang="en-US" altLang="ja-JP" dirty="0" err="1"/>
-              <a:t>Totatl</a:t>
-            </a:r>
-            <a:r>
-              <a:rPr kumimoji="1" lang="en-US" altLang="ja-JP" dirty="0"/>
-              <a:t> sightseeing:</a:t>
-            </a:r>
-            <a:endParaRPr kumimoji="1" lang="ja-JP" altLang="en-US" dirty="0"/>
-          </a:p>
-        </p:txBody>
-      </p:sp>
-      <p:sp>
-        <p:nvSpPr>
-          <p:cNvPr id="28" name="テキスト ボックス 27">
-            <a:extLst>
-              <a:ext uri="{FF2B5EF4-FFF2-40B4-BE49-F238E27FC236}">
-                <a16:creationId xmlns:a16="http://schemas.microsoft.com/office/drawing/2014/main" id="{665FAD98-3D59-907D-744E-327D0A05F4B7}"/>
-              </a:ext>
-            </a:extLst>
-          </p:cNvPr>
-          <p:cNvSpPr txBox="1"/>
-          <p:nvPr/>
-        </p:nvSpPr>
-        <p:spPr>
-          <a:xfrm>
-            <a:off x="3970896" y="6371129"/>
-            <a:ext cx="3080352" cy="369332"/>
-          </a:xfrm>
-          <a:prstGeom prst="rect">
-            <a:avLst/>
-          </a:prstGeom>
-          <a:noFill/>
-        </p:spPr>
-        <p:txBody>
-          <a:bodyPr wrap="square" rtlCol="0">
-            <a:spAutoFit/>
-          </a:bodyPr>
-          <a:lstStyle/>
-          <a:p>
-            <a:r>
-              <a:rPr kumimoji="1" lang="en-US" altLang="ja-JP" dirty="0" err="1"/>
-              <a:t>Totatl</a:t>
-            </a:r>
-            <a:r>
-              <a:rPr kumimoji="1" lang="en-US" altLang="ja-JP" dirty="0"/>
-              <a:t> other:</a:t>
-            </a:r>
-            <a:endParaRPr kumimoji="1" lang="ja-JP" altLang="en-US" dirty="0"/>
-          </a:p>
-        </p:txBody>
-      </p:sp>
-      <p:sp>
-        <p:nvSpPr>
-          <p:cNvPr id="29" name="テキスト ボックス 28">
-            <a:extLst>
-              <a:ext uri="{FF2B5EF4-FFF2-40B4-BE49-F238E27FC236}">
-                <a16:creationId xmlns:a16="http://schemas.microsoft.com/office/drawing/2014/main" id="{F85A913A-89DF-E549-FD88-0B8537C1C7C0}"/>
-              </a:ext>
-            </a:extLst>
-          </p:cNvPr>
-          <p:cNvSpPr txBox="1"/>
-          <p:nvPr/>
-        </p:nvSpPr>
-        <p:spPr>
-          <a:xfrm>
-            <a:off x="3970896" y="6034318"/>
-            <a:ext cx="3080352" cy="369332"/>
-          </a:xfrm>
-          <a:prstGeom prst="rect">
-            <a:avLst/>
-          </a:prstGeom>
-          <a:noFill/>
-        </p:spPr>
-        <p:txBody>
-          <a:bodyPr wrap="square" rtlCol="0">
-            <a:spAutoFit/>
-          </a:bodyPr>
-          <a:lstStyle/>
-          <a:p>
-            <a:r>
-              <a:rPr kumimoji="1" lang="en-US" altLang="ja-JP" dirty="0" err="1"/>
-              <a:t>Totatl</a:t>
-            </a:r>
-            <a:r>
-              <a:rPr kumimoji="1" lang="en-US" altLang="ja-JP" dirty="0"/>
-              <a:t> transportation:</a:t>
-            </a:r>
-            <a:endParaRPr kumimoji="1" lang="ja-JP" altLang="en-US" dirty="0"/>
-          </a:p>
-        </p:txBody>
-      </p:sp>
-      <p:sp>
-        <p:nvSpPr>
-          <p:cNvPr id="30" name="テキスト ボックス 29">
-            <a:extLst>
-              <a:ext uri="{FF2B5EF4-FFF2-40B4-BE49-F238E27FC236}">
-                <a16:creationId xmlns:a16="http://schemas.microsoft.com/office/drawing/2014/main" id="{FEB9598D-585E-6497-126D-3B9A293156A7}"/>
-              </a:ext>
-            </a:extLst>
-          </p:cNvPr>
-          <p:cNvSpPr txBox="1"/>
-          <p:nvPr/>
-        </p:nvSpPr>
-        <p:spPr>
-          <a:xfrm>
-            <a:off x="2705640" y="5677426"/>
-            <a:ext cx="958788" cy="369332"/>
-          </a:xfrm>
-          <a:prstGeom prst="rect">
-            <a:avLst/>
-          </a:prstGeom>
-          <a:noFill/>
-        </p:spPr>
-        <p:txBody>
-          <a:bodyPr wrap="square" rtlCol="0">
-            <a:spAutoFit/>
-          </a:bodyPr>
-          <a:lstStyle/>
-          <a:p>
-            <a:r>
-              <a:rPr kumimoji="1" lang="en-US" altLang="ja-JP" dirty="0"/>
-              <a:t>rate</a:t>
-            </a:r>
-            <a:endParaRPr kumimoji="1" lang="ja-JP" altLang="en-US" dirty="0"/>
-          </a:p>
-        </p:txBody>
-      </p:sp>
-      <p:sp>
-        <p:nvSpPr>
-          <p:cNvPr id="31" name="正方形/長方形 30">
-            <a:extLst>
-              <a:ext uri="{FF2B5EF4-FFF2-40B4-BE49-F238E27FC236}">
-                <a16:creationId xmlns:a16="http://schemas.microsoft.com/office/drawing/2014/main" id="{30CF6A06-FC2C-17EF-27CE-EC0B68B0DB35}"/>
-              </a:ext>
-            </a:extLst>
-          </p:cNvPr>
-          <p:cNvSpPr/>
-          <p:nvPr/>
-        </p:nvSpPr>
-        <p:spPr>
-          <a:xfrm>
-            <a:off x="2340704" y="218018"/>
-            <a:ext cx="265831" cy="292359"/>
-          </a:xfrm>
-          <a:prstGeom prst="rect">
-            <a:avLst/>
-          </a:prstGeom>
-        </p:spPr>
-        <p:style>
-          <a:lnRef idx="2">
-            <a:schemeClr val="dk1"/>
-          </a:lnRef>
-          <a:fillRef idx="1">
-            <a:schemeClr val="lt1"/>
-          </a:fillRef>
-          <a:effectRef idx="0">
-            <a:schemeClr val="dk1"/>
-          </a:effectRef>
-          <a:fontRef idx="minor">
-            <a:schemeClr val="dk1"/>
-          </a:fontRef>
-        </p:style>
-        <p:txBody>
-          <a:bodyPr rtlCol="0" anchor="ctr"/>
-          <a:lstStyle/>
-          <a:p>
-            <a:pPr algn="ctr"/>
-            <a:endParaRPr kumimoji="1" lang="ja-JP" altLang="en-US" dirty="0"/>
-          </a:p>
-        </p:txBody>
-      </p:sp>
-      <p:sp>
-        <p:nvSpPr>
-          <p:cNvPr id="32" name="テキスト ボックス 31">
-            <a:extLst>
-              <a:ext uri="{FF2B5EF4-FFF2-40B4-BE49-F238E27FC236}">
-                <a16:creationId xmlns:a16="http://schemas.microsoft.com/office/drawing/2014/main" id="{D340F09A-C0C7-0FE7-9DC3-46DF799DA362}"/>
-              </a:ext>
-            </a:extLst>
-          </p:cNvPr>
-          <p:cNvSpPr txBox="1"/>
-          <p:nvPr/>
-        </p:nvSpPr>
-        <p:spPr>
-          <a:xfrm>
-            <a:off x="2638338" y="177699"/>
-            <a:ext cx="1626984" cy="369332"/>
-          </a:xfrm>
-          <a:prstGeom prst="rect">
-            <a:avLst/>
-          </a:prstGeom>
-          <a:noFill/>
-        </p:spPr>
-        <p:txBody>
-          <a:bodyPr wrap="square" rtlCol="0">
-            <a:spAutoFit/>
-          </a:bodyPr>
-          <a:lstStyle/>
-          <a:p>
-            <a:r>
-              <a:rPr lang="en-US" altLang="ja-JP" dirty="0"/>
-              <a:t>With airplane</a:t>
-            </a:r>
-            <a:endParaRPr kumimoji="1" lang="ja-JP" altLang="en-US" dirty="0"/>
-          </a:p>
-        </p:txBody>
-      </p:sp>
-      <p:sp>
-        <p:nvSpPr>
-          <p:cNvPr id="36" name="テキスト ボックス 35">
-            <a:extLst>
-              <a:ext uri="{FF2B5EF4-FFF2-40B4-BE49-F238E27FC236}">
-                <a16:creationId xmlns:a16="http://schemas.microsoft.com/office/drawing/2014/main" id="{26CC80A7-45A1-586E-A8A1-8E1F662C6EB2}"/>
-              </a:ext>
-            </a:extLst>
-          </p:cNvPr>
-          <p:cNvSpPr txBox="1"/>
-          <p:nvPr/>
-        </p:nvSpPr>
-        <p:spPr>
-          <a:xfrm>
-            <a:off x="6315743" y="6025615"/>
-            <a:ext cx="3080352" cy="369332"/>
-          </a:xfrm>
-          <a:prstGeom prst="rect">
-            <a:avLst/>
-          </a:prstGeom>
-          <a:noFill/>
-        </p:spPr>
-        <p:txBody>
-          <a:bodyPr wrap="square" rtlCol="0">
-            <a:spAutoFit/>
-          </a:bodyPr>
-          <a:lstStyle/>
-          <a:p>
-            <a:r>
-              <a:rPr kumimoji="1" lang="en-US" altLang="ja-JP" dirty="0" err="1"/>
-              <a:t>Totatl</a:t>
-            </a:r>
-            <a:r>
-              <a:rPr kumimoji="1" lang="en-US" altLang="ja-JP" dirty="0"/>
-              <a:t> distance:</a:t>
-            </a:r>
-            <a:endParaRPr kumimoji="1" lang="ja-JP" altLang="en-US" dirty="0"/>
-          </a:p>
-        </p:txBody>
-      </p:sp>
-      <p:sp>
-        <p:nvSpPr>
-          <p:cNvPr id="37" name="テキスト ボックス 36">
-            <a:extLst>
-              <a:ext uri="{FF2B5EF4-FFF2-40B4-BE49-F238E27FC236}">
-                <a16:creationId xmlns:a16="http://schemas.microsoft.com/office/drawing/2014/main" id="{0B36AC0D-E07F-5D6E-E7DD-6A19322EEDA7}"/>
-              </a:ext>
-            </a:extLst>
-          </p:cNvPr>
-          <p:cNvSpPr txBox="1"/>
-          <p:nvPr/>
-        </p:nvSpPr>
-        <p:spPr>
-          <a:xfrm>
-            <a:off x="6276854" y="6347110"/>
-            <a:ext cx="3080352" cy="369332"/>
-          </a:xfrm>
-          <a:prstGeom prst="rect">
-            <a:avLst/>
-          </a:prstGeom>
-          <a:noFill/>
-        </p:spPr>
-        <p:txBody>
-          <a:bodyPr wrap="square" rtlCol="0">
-            <a:spAutoFit/>
-          </a:bodyPr>
-          <a:lstStyle/>
-          <a:p>
-            <a:r>
-              <a:rPr kumimoji="1" lang="en-US" altLang="ja-JP" dirty="0" err="1"/>
-              <a:t>Totatl</a:t>
-            </a:r>
-            <a:r>
-              <a:rPr kumimoji="1" lang="en-US" altLang="ja-JP" dirty="0"/>
-              <a:t> Time:</a:t>
-            </a:r>
-            <a:endParaRPr kumimoji="1" lang="ja-JP" altLang="en-US" dirty="0"/>
-          </a:p>
-        </p:txBody>
-      </p:sp>
-      <p:sp>
-        <p:nvSpPr>
-          <p:cNvPr id="38" name="正方形/長方形 37">
-            <a:extLst>
-              <a:ext uri="{FF2B5EF4-FFF2-40B4-BE49-F238E27FC236}">
-                <a16:creationId xmlns:a16="http://schemas.microsoft.com/office/drawing/2014/main" id="{67F367E3-3838-56B8-6AD9-3EF932459DF1}"/>
-              </a:ext>
-            </a:extLst>
-          </p:cNvPr>
-          <p:cNvSpPr/>
-          <p:nvPr/>
-        </p:nvSpPr>
-        <p:spPr>
-          <a:xfrm>
-            <a:off x="5609920" y="1818854"/>
-            <a:ext cx="193366" cy="914400"/>
-          </a:xfrm>
-          <a:prstGeom prst="rect">
-            <a:avLst/>
-          </a:prstGeom>
-        </p:spPr>
-        <p:style>
-          <a:lnRef idx="2">
-            <a:schemeClr val="dk1"/>
-          </a:lnRef>
-          <a:fillRef idx="1">
-            <a:schemeClr val="lt1"/>
-          </a:fillRef>
-          <a:effectRef idx="0">
-            <a:schemeClr val="dk1"/>
-          </a:effectRef>
-          <a:fontRef idx="minor">
-            <a:schemeClr val="dk1"/>
-          </a:fontRef>
-        </p:style>
-        <p:txBody>
-          <a:bodyPr rtlCol="0" anchor="ctr"/>
-          <a:lstStyle/>
-          <a:p>
-            <a:pPr algn="ctr"/>
-            <a:endParaRPr kumimoji="1" lang="ja-JP" altLang="en-US"/>
-          </a:p>
-        </p:txBody>
-      </p:sp>
-      <p:sp>
-        <p:nvSpPr>
-          <p:cNvPr id="39" name="動作設定ボタン: 戻る/前へ 38">
-            <a:hlinkClick r:id="" action="ppaction://hlinkshowjump?jump=previousslide" highlightClick="1"/>
-            <a:extLst>
-              <a:ext uri="{FF2B5EF4-FFF2-40B4-BE49-F238E27FC236}">
-                <a16:creationId xmlns:a16="http://schemas.microsoft.com/office/drawing/2014/main" id="{D4F2F32A-B445-9A18-B2F1-E35B3E348F1B}"/>
-              </a:ext>
-            </a:extLst>
-          </p:cNvPr>
-          <p:cNvSpPr/>
-          <p:nvPr/>
-        </p:nvSpPr>
-        <p:spPr>
-          <a:xfrm rot="5400000">
-            <a:off x="5518512" y="1592345"/>
-            <a:ext cx="365145" cy="204403"/>
-          </a:xfrm>
-          <a:prstGeom prst="actionButtonBackPrevious">
-            <a:avLst/>
-          </a:prstGeom>
-        </p:spPr>
-        <p:style>
-          <a:lnRef idx="2">
-            <a:schemeClr val="dk1"/>
-          </a:lnRef>
-          <a:fillRef idx="1">
-            <a:schemeClr val="lt1"/>
-          </a:fillRef>
-          <a:effectRef idx="0">
-            <a:schemeClr val="dk1"/>
-          </a:effectRef>
-          <a:fontRef idx="minor">
-            <a:schemeClr val="dk1"/>
-          </a:fontRef>
-        </p:style>
-        <p:txBody>
-          <a:bodyPr rtlCol="0" anchor="ctr"/>
-          <a:lstStyle/>
-          <a:p>
-            <a:pPr algn="ctr"/>
-            <a:endParaRPr kumimoji="1" lang="ja-JP" altLang="en-US"/>
-          </a:p>
-        </p:txBody>
-      </p:sp>
-      <p:sp>
-        <p:nvSpPr>
-          <p:cNvPr id="40" name="動作設定ボタン: 戻る/前へ 39">
-            <a:hlinkClick r:id="" action="ppaction://hlinkshowjump?jump=previousslide" highlightClick="1"/>
-            <a:extLst>
-              <a:ext uri="{FF2B5EF4-FFF2-40B4-BE49-F238E27FC236}">
-                <a16:creationId xmlns:a16="http://schemas.microsoft.com/office/drawing/2014/main" id="{3EE21669-ABB4-3C5F-446A-03314526F025}"/>
-              </a:ext>
-            </a:extLst>
-          </p:cNvPr>
-          <p:cNvSpPr/>
-          <p:nvPr/>
-        </p:nvSpPr>
-        <p:spPr>
-          <a:xfrm rot="16200000">
-            <a:off x="5518512" y="2715481"/>
-            <a:ext cx="365145" cy="204403"/>
-          </a:xfrm>
-          <a:prstGeom prst="actionButtonBackPrevious">
-            <a:avLst/>
-          </a:prstGeom>
-        </p:spPr>
-        <p:style>
-          <a:lnRef idx="2">
-            <a:schemeClr val="dk1"/>
-          </a:lnRef>
-          <a:fillRef idx="1">
-            <a:schemeClr val="lt1"/>
-          </a:fillRef>
-          <a:effectRef idx="0">
-            <a:schemeClr val="dk1"/>
-          </a:effectRef>
-          <a:fontRef idx="minor">
-            <a:schemeClr val="dk1"/>
-          </a:fontRef>
-        </p:style>
-        <p:txBody>
-          <a:bodyPr rtlCol="0" anchor="ctr"/>
-          <a:lstStyle/>
-          <a:p>
-            <a:pPr algn="ctr"/>
-            <a:endParaRPr kumimoji="1" lang="ja-JP" altLang="en-US"/>
-          </a:p>
-        </p:txBody>
-      </p:sp>
-      <p:sp>
-        <p:nvSpPr>
-          <p:cNvPr id="5" name="正方形/長方形 4">
-            <a:extLst>
-              <a:ext uri="{FF2B5EF4-FFF2-40B4-BE49-F238E27FC236}">
-                <a16:creationId xmlns:a16="http://schemas.microsoft.com/office/drawing/2014/main" id="{4BBDBA56-181A-3F45-9559-407378AF3A99}"/>
-              </a:ext>
-            </a:extLst>
-          </p:cNvPr>
-          <p:cNvSpPr/>
-          <p:nvPr/>
-        </p:nvSpPr>
-        <p:spPr>
-          <a:xfrm>
-            <a:off x="1619577" y="1574510"/>
-            <a:ext cx="1163540" cy="292359"/>
-          </a:xfrm>
-          <a:prstGeom prst="rect">
-            <a:avLst/>
-          </a:prstGeom>
-        </p:spPr>
-        <p:style>
-          <a:lnRef idx="2">
-            <a:schemeClr val="dk1"/>
-          </a:lnRef>
-          <a:fillRef idx="1">
-            <a:schemeClr val="lt1"/>
-          </a:fillRef>
-          <a:effectRef idx="0">
-            <a:schemeClr val="dk1"/>
-          </a:effectRef>
-          <a:fontRef idx="minor">
-            <a:schemeClr val="dk1"/>
-          </a:fontRef>
-        </p:style>
-        <p:txBody>
-          <a:bodyPr rtlCol="0" anchor="ctr"/>
-          <a:lstStyle/>
-          <a:p>
-            <a:pPr algn="ctr"/>
-            <a:r>
-              <a:rPr lang="en-US" altLang="ja-JP" dirty="0"/>
-              <a:t>Japan</a:t>
-            </a:r>
-            <a:endParaRPr kumimoji="1" lang="ja-JP" altLang="en-US" dirty="0"/>
-          </a:p>
-        </p:txBody>
-      </p:sp>
-      <p:sp>
-        <p:nvSpPr>
-          <p:cNvPr id="6" name="動作設定ボタン: 戻る/前へ 5">
-            <a:hlinkClick r:id="" action="ppaction://hlinkshowjump?jump=previousslide" highlightClick="1"/>
-            <a:extLst>
-              <a:ext uri="{FF2B5EF4-FFF2-40B4-BE49-F238E27FC236}">
-                <a16:creationId xmlns:a16="http://schemas.microsoft.com/office/drawing/2014/main" id="{210D5D7E-AE6B-107B-E548-AE0072C105F2}"/>
-              </a:ext>
-            </a:extLst>
-          </p:cNvPr>
-          <p:cNvSpPr/>
-          <p:nvPr/>
-        </p:nvSpPr>
-        <p:spPr>
-          <a:xfrm rot="16200000">
-            <a:off x="2720986" y="1637059"/>
-            <a:ext cx="365145" cy="204403"/>
-          </a:xfrm>
-          <a:prstGeom prst="actionButtonBackPrevious">
-            <a:avLst/>
-          </a:prstGeom>
-        </p:spPr>
-        <p:style>
-          <a:lnRef idx="2">
-            <a:schemeClr val="dk1"/>
-          </a:lnRef>
-          <a:fillRef idx="1">
-            <a:schemeClr val="lt1"/>
-          </a:fillRef>
-          <a:effectRef idx="0">
-            <a:schemeClr val="dk1"/>
-          </a:effectRef>
-          <a:fontRef idx="minor">
-            <a:schemeClr val="dk1"/>
-          </a:fontRef>
-        </p:style>
-        <p:txBody>
-          <a:bodyPr rtlCol="0" anchor="ctr"/>
-          <a:lstStyle/>
-          <a:p>
-            <a:pPr algn="ctr"/>
-            <a:endParaRPr kumimoji="1" lang="ja-JP" altLang="en-US"/>
-          </a:p>
-        </p:txBody>
-      </p:sp>
-      <p:sp>
-        <p:nvSpPr>
-          <p:cNvPr id="20" name="テキスト ボックス 19">
-            <a:extLst>
-              <a:ext uri="{FF2B5EF4-FFF2-40B4-BE49-F238E27FC236}">
-                <a16:creationId xmlns:a16="http://schemas.microsoft.com/office/drawing/2014/main" id="{A1954372-C7B3-AFDB-C461-3D5FF6E182A9}"/>
-              </a:ext>
-            </a:extLst>
-          </p:cNvPr>
-          <p:cNvSpPr txBox="1"/>
-          <p:nvPr/>
-        </p:nvSpPr>
-        <p:spPr>
-          <a:xfrm>
-            <a:off x="7014731" y="659339"/>
-            <a:ext cx="1514904" cy="369332"/>
-          </a:xfrm>
-          <a:prstGeom prst="rect">
-            <a:avLst/>
-          </a:prstGeom>
-          <a:noFill/>
-        </p:spPr>
-        <p:txBody>
-          <a:bodyPr wrap="square" rtlCol="0">
-            <a:spAutoFit/>
-          </a:bodyPr>
-          <a:lstStyle/>
-          <a:p>
-            <a:r>
-              <a:rPr kumimoji="1" lang="en-US" altLang="ja-JP" dirty="0" err="1"/>
-              <a:t>Xx</a:t>
-            </a:r>
-            <a:r>
-              <a:rPr kumimoji="1" lang="en-US" altLang="ja-JP" dirty="0"/>
-              <a:t> countries</a:t>
-            </a:r>
-            <a:endParaRPr kumimoji="1" lang="ja-JP" altLang="en-US" dirty="0"/>
-          </a:p>
-        </p:txBody>
-      </p:sp>
-      <p:grpSp>
-        <p:nvGrpSpPr>
-          <p:cNvPr id="13" name="グループ化 12">
-            <a:extLst>
-              <a:ext uri="{FF2B5EF4-FFF2-40B4-BE49-F238E27FC236}">
-                <a16:creationId xmlns:a16="http://schemas.microsoft.com/office/drawing/2014/main" id="{8D3B2E04-94B5-CC58-5988-18A42428E8EF}"/>
-              </a:ext>
-            </a:extLst>
-          </p:cNvPr>
-          <p:cNvGrpSpPr/>
-          <p:nvPr/>
-        </p:nvGrpSpPr>
-        <p:grpSpPr>
-          <a:xfrm>
-            <a:off x="1272672" y="2037017"/>
-            <a:ext cx="2327642" cy="369332"/>
-            <a:chOff x="4403213" y="1596932"/>
-            <a:chExt cx="2327642" cy="369332"/>
-          </a:xfrm>
-        </p:grpSpPr>
-        <p:sp>
-          <p:nvSpPr>
-            <p:cNvPr id="33" name="正方形/長方形 32">
-              <a:extLst>
-                <a:ext uri="{FF2B5EF4-FFF2-40B4-BE49-F238E27FC236}">
-                  <a16:creationId xmlns:a16="http://schemas.microsoft.com/office/drawing/2014/main" id="{5A4B7826-10E5-FBCC-C6AA-BCC00CBB08B3}"/>
-                </a:ext>
-              </a:extLst>
-            </p:cNvPr>
-            <p:cNvSpPr/>
-            <p:nvPr/>
-          </p:nvSpPr>
-          <p:spPr>
-            <a:xfrm>
-              <a:off x="4403213" y="1637251"/>
-              <a:ext cx="265831" cy="292359"/>
-            </a:xfrm>
-            <a:prstGeom prst="rect">
-              <a:avLst/>
-            </a:prstGeom>
-          </p:spPr>
-          <p:style>
-            <a:lnRef idx="2">
-              <a:schemeClr val="dk1"/>
-            </a:lnRef>
-            <a:fillRef idx="1">
-              <a:schemeClr val="lt1"/>
-            </a:fillRef>
-            <a:effectRef idx="0">
-              <a:schemeClr val="dk1"/>
-            </a:effectRef>
-            <a:fontRef idx="minor">
-              <a:schemeClr val="dk1"/>
-            </a:fontRef>
-          </p:style>
-          <p:txBody>
-            <a:bodyPr rtlCol="0" anchor="ctr"/>
-            <a:lstStyle/>
-            <a:p>
-              <a:pPr algn="ctr"/>
-              <a:endParaRPr kumimoji="1" lang="ja-JP" altLang="en-US" dirty="0"/>
-            </a:p>
-          </p:txBody>
-        </p:sp>
-        <p:sp>
-          <p:nvSpPr>
-            <p:cNvPr id="34" name="テキスト ボックス 33">
-              <a:extLst>
-                <a:ext uri="{FF2B5EF4-FFF2-40B4-BE49-F238E27FC236}">
-                  <a16:creationId xmlns:a16="http://schemas.microsoft.com/office/drawing/2014/main" id="{7AAC1C73-A589-78CB-5E55-12B7B337FA2F}"/>
-                </a:ext>
-              </a:extLst>
-            </p:cNvPr>
-            <p:cNvSpPr txBox="1"/>
-            <p:nvPr/>
-          </p:nvSpPr>
-          <p:spPr>
-            <a:xfrm>
-              <a:off x="4700847" y="1596932"/>
-              <a:ext cx="2030008" cy="369332"/>
-            </a:xfrm>
-            <a:prstGeom prst="rect">
-              <a:avLst/>
-            </a:prstGeom>
-            <a:noFill/>
-          </p:spPr>
-          <p:txBody>
-            <a:bodyPr wrap="square" rtlCol="0">
-              <a:spAutoFit/>
-            </a:bodyPr>
-            <a:lstStyle/>
-            <a:p>
-              <a:r>
-                <a:rPr lang="en-US" altLang="ja-JP" dirty="0"/>
-                <a:t>With cross </a:t>
-              </a:r>
-              <a:r>
-                <a:rPr lang="en-US" altLang="ja-JP" dirty="0" err="1"/>
-                <a:t>boder</a:t>
-              </a:r>
-              <a:endParaRPr kumimoji="1" lang="ja-JP" altLang="en-US" dirty="0"/>
-            </a:p>
-          </p:txBody>
-        </p:sp>
-      </p:grpSp>
-      <p:sp>
-        <p:nvSpPr>
-          <p:cNvPr id="41" name="動作設定ボタン: 戻る/前へ 40">
-            <a:hlinkClick r:id="" action="ppaction://hlinkshowjump?jump=previousslide" highlightClick="1"/>
-            <a:extLst>
-              <a:ext uri="{FF2B5EF4-FFF2-40B4-BE49-F238E27FC236}">
-                <a16:creationId xmlns:a16="http://schemas.microsoft.com/office/drawing/2014/main" id="{F2E0E95E-E5CF-87A5-1FF6-081DBAD48297}"/>
-              </a:ext>
-            </a:extLst>
-          </p:cNvPr>
-          <p:cNvSpPr/>
-          <p:nvPr/>
-        </p:nvSpPr>
-        <p:spPr>
-          <a:xfrm>
-            <a:off x="1272672" y="1556688"/>
-            <a:ext cx="365145" cy="332832"/>
-          </a:xfrm>
-          <a:prstGeom prst="actionButtonBackPrevious">
-            <a:avLst/>
-          </a:prstGeom>
-        </p:spPr>
-        <p:style>
-          <a:lnRef idx="2">
-            <a:schemeClr val="dk1"/>
-          </a:lnRef>
-          <a:fillRef idx="1">
-            <a:schemeClr val="lt1"/>
-          </a:fillRef>
-          <a:effectRef idx="0">
-            <a:schemeClr val="dk1"/>
-          </a:effectRef>
-          <a:fontRef idx="minor">
-            <a:schemeClr val="dk1"/>
-          </a:fontRef>
-        </p:style>
-        <p:txBody>
-          <a:bodyPr rtlCol="0" anchor="ctr"/>
-          <a:lstStyle/>
-          <a:p>
-            <a:pPr algn="ctr"/>
-            <a:endParaRPr kumimoji="1" lang="ja-JP" altLang="en-US"/>
-          </a:p>
-        </p:txBody>
-      </p:sp>
-      <p:sp>
-        <p:nvSpPr>
-          <p:cNvPr id="42" name="動作設定ボタン: 戻る/前へ 41">
-            <a:hlinkClick r:id="" action="ppaction://hlinkshowjump?jump=previousslide" highlightClick="1"/>
-            <a:extLst>
-              <a:ext uri="{FF2B5EF4-FFF2-40B4-BE49-F238E27FC236}">
-                <a16:creationId xmlns:a16="http://schemas.microsoft.com/office/drawing/2014/main" id="{FF94410B-1A72-85E7-44A0-36520294D0C1}"/>
-              </a:ext>
-            </a:extLst>
-          </p:cNvPr>
-          <p:cNvSpPr/>
-          <p:nvPr/>
-        </p:nvSpPr>
-        <p:spPr>
-          <a:xfrm rot="10800000">
-            <a:off x="3014816" y="1559227"/>
-            <a:ext cx="365145" cy="362605"/>
-          </a:xfrm>
-          <a:prstGeom prst="actionButtonBackPrevious">
-            <a:avLst/>
-          </a:prstGeom>
-        </p:spPr>
-        <p:style>
-          <a:lnRef idx="2">
-            <a:schemeClr val="dk1"/>
-          </a:lnRef>
-          <a:fillRef idx="1">
-            <a:schemeClr val="lt1"/>
-          </a:fillRef>
-          <a:effectRef idx="0">
-            <a:schemeClr val="dk1"/>
-          </a:effectRef>
-          <a:fontRef idx="minor">
-            <a:schemeClr val="dk1"/>
-          </a:fontRef>
-        </p:style>
-        <p:txBody>
-          <a:bodyPr rtlCol="0" anchor="ctr"/>
-          <a:lstStyle/>
-          <a:p>
-            <a:pPr algn="ctr"/>
-            <a:endParaRPr kumimoji="1" lang="ja-JP" altLang="en-US"/>
-          </a:p>
-        </p:txBody>
-      </p:sp>
-      <p:sp>
-        <p:nvSpPr>
-          <p:cNvPr id="43" name="動作設定ボタン: 戻る/前へ 42">
-            <a:hlinkClick r:id="" action="ppaction://hlinkshowjump?jump=previousslide" highlightClick="1"/>
-            <a:extLst>
-              <a:ext uri="{FF2B5EF4-FFF2-40B4-BE49-F238E27FC236}">
-                <a16:creationId xmlns:a16="http://schemas.microsoft.com/office/drawing/2014/main" id="{7B5E4F05-FEC6-DD93-EDFB-17011D85D87B}"/>
-              </a:ext>
-            </a:extLst>
-          </p:cNvPr>
-          <p:cNvSpPr/>
-          <p:nvPr/>
-        </p:nvSpPr>
-        <p:spPr>
-          <a:xfrm>
-            <a:off x="1264511" y="3335316"/>
-            <a:ext cx="365145" cy="852297"/>
-          </a:xfrm>
-          <a:prstGeom prst="actionButtonBackPrevious">
-            <a:avLst/>
-          </a:prstGeom>
-        </p:spPr>
-        <p:style>
-          <a:lnRef idx="2">
-            <a:schemeClr val="dk1"/>
-          </a:lnRef>
-          <a:fillRef idx="1">
-            <a:schemeClr val="lt1"/>
-          </a:fillRef>
-          <a:effectRef idx="0">
-            <a:schemeClr val="dk1"/>
-          </a:effectRef>
-          <a:fontRef idx="minor">
-            <a:schemeClr val="dk1"/>
-          </a:fontRef>
-        </p:style>
-        <p:txBody>
-          <a:bodyPr rtlCol="0" anchor="ctr"/>
-          <a:lstStyle/>
-          <a:p>
-            <a:pPr algn="ctr"/>
-            <a:endParaRPr kumimoji="1" lang="ja-JP" altLang="en-US"/>
-          </a:p>
-        </p:txBody>
-      </p:sp>
-      <p:sp>
-        <p:nvSpPr>
-          <p:cNvPr id="44" name="動作設定ボタン: 戻る/前へ 43">
-            <a:hlinkClick r:id="" action="ppaction://hlinkshowjump?jump=previousslide" highlightClick="1"/>
-            <a:extLst>
-              <a:ext uri="{FF2B5EF4-FFF2-40B4-BE49-F238E27FC236}">
-                <a16:creationId xmlns:a16="http://schemas.microsoft.com/office/drawing/2014/main" id="{6EC96E80-7337-6553-5DDF-07DC76EA58BB}"/>
-              </a:ext>
-            </a:extLst>
-          </p:cNvPr>
-          <p:cNvSpPr/>
-          <p:nvPr/>
-        </p:nvSpPr>
-        <p:spPr>
-          <a:xfrm rot="10800000" flipV="1">
-            <a:off x="6220127" y="3556391"/>
-            <a:ext cx="365145" cy="728522"/>
-          </a:xfrm>
-          <a:prstGeom prst="actionButtonBackPrevious">
-            <a:avLst/>
-          </a:prstGeom>
-        </p:spPr>
-        <p:style>
-          <a:lnRef idx="2">
-            <a:schemeClr val="dk1"/>
-          </a:lnRef>
-          <a:fillRef idx="1">
-            <a:schemeClr val="lt1"/>
-          </a:fillRef>
-          <a:effectRef idx="0">
-            <a:schemeClr val="dk1"/>
-          </a:effectRef>
-          <a:fontRef idx="minor">
-            <a:schemeClr val="dk1"/>
-          </a:fontRef>
-        </p:style>
-        <p:txBody>
-          <a:bodyPr rtlCol="0" anchor="ctr"/>
-          <a:lstStyle/>
-          <a:p>
-            <a:pPr algn="ctr"/>
-            <a:endParaRPr kumimoji="1" lang="ja-JP" altLang="en-US"/>
-          </a:p>
-        </p:txBody>
-      </p:sp>
-      <p:sp>
-        <p:nvSpPr>
-          <p:cNvPr id="45" name="テキスト ボックス 44">
-            <a:extLst>
-              <a:ext uri="{FF2B5EF4-FFF2-40B4-BE49-F238E27FC236}">
-                <a16:creationId xmlns:a16="http://schemas.microsoft.com/office/drawing/2014/main" id="{BDFD47D4-2B6E-0BAC-8104-B4D09A481B06}"/>
-              </a:ext>
-            </a:extLst>
-          </p:cNvPr>
-          <p:cNvSpPr txBox="1"/>
-          <p:nvPr/>
-        </p:nvSpPr>
-        <p:spPr>
-          <a:xfrm>
-            <a:off x="3197388" y="4819675"/>
-            <a:ext cx="1955137" cy="369332"/>
-          </a:xfrm>
-          <a:prstGeom prst="rect">
-            <a:avLst/>
-          </a:prstGeom>
-          <a:noFill/>
-        </p:spPr>
-        <p:txBody>
-          <a:bodyPr wrap="square" rtlCol="0">
-            <a:spAutoFit/>
-          </a:bodyPr>
-          <a:lstStyle/>
-          <a:p>
-            <a:r>
-              <a:rPr kumimoji="1" lang="en-US" altLang="ja-JP" dirty="0"/>
-              <a:t>all</a:t>
-            </a:r>
-            <a:endParaRPr kumimoji="1" lang="ja-JP" altLang="en-US" dirty="0"/>
-          </a:p>
-        </p:txBody>
-      </p:sp>
-    </p:spTree>
-    <p:extLst>
-      <p:ext uri="{BB962C8B-B14F-4D97-AF65-F5344CB8AC3E}">
-        <p14:creationId xmlns:p14="http://schemas.microsoft.com/office/powerpoint/2010/main" val="581727551"/>
       </p:ext>
     </p:extLst>
   </p:cSld>
